--- a/paper/figures/figures.pptx
+++ b/paper/figures/figures.pptx
@@ -8,21 +8,22 @@
     <p:sldMasterId id="2147483684" r:id="rId4"/>
   </p:sldMasterIdLst>
   <p:notesMasterIdLst>
-    <p:notesMasterId r:id="rId17"/>
+    <p:notesMasterId r:id="rId18"/>
   </p:notesMasterIdLst>
   <p:sldIdLst>
     <p:sldId id="256" r:id="rId5"/>
     <p:sldId id="258" r:id="rId6"/>
     <p:sldId id="303" r:id="rId7"/>
     <p:sldId id="304" r:id="rId8"/>
-    <p:sldId id="296" r:id="rId9"/>
-    <p:sldId id="301" r:id="rId10"/>
-    <p:sldId id="302" r:id="rId11"/>
-    <p:sldId id="291" r:id="rId12"/>
-    <p:sldId id="270" r:id="rId13"/>
-    <p:sldId id="294" r:id="rId14"/>
-    <p:sldId id="272" r:id="rId15"/>
-    <p:sldId id="295" r:id="rId16"/>
+    <p:sldId id="305" r:id="rId9"/>
+    <p:sldId id="296" r:id="rId10"/>
+    <p:sldId id="301" r:id="rId11"/>
+    <p:sldId id="302" r:id="rId12"/>
+    <p:sldId id="291" r:id="rId13"/>
+    <p:sldId id="270" r:id="rId14"/>
+    <p:sldId id="294" r:id="rId15"/>
+    <p:sldId id="272" r:id="rId16"/>
+    <p:sldId id="295" r:id="rId17"/>
   </p:sldIdLst>
   <p:sldSz cx="12192000" cy="6858000"/>
   <p:notesSz cx="6858000" cy="9144000"/>
@@ -123,7 +124,7 @@
   </p:defaultTextStyle>
   <p:extLst>
     <p:ext uri="{EFAFB233-063F-42B5-8137-9DF3F51BA10A}">
-      <p15:sldGuideLst xmlns:p15="http://schemas.microsoft.com/office/powerpoint/2012/main" xmlns=""/>
+      <p15:sldGuideLst xmlns="" xmlns:p15="http://schemas.microsoft.com/office/powerpoint/2012/main"/>
     </p:ext>
   </p:extLst>
 </p:presentation>
@@ -211,7 +212,7 @@
           <a:p>
             <a:fld id="{8B6AC9F1-AAD0-495C-933B-F901D4FCD036}" type="datetimeFigureOut">
               <a:rPr lang="en-US" smtClean="0"/>
-              <a:t>1/30/17</a:t>
+              <a:t>2/6/17</a:t>
             </a:fld>
             <a:endParaRPr lang="en-US"/>
           </a:p>
@@ -636,7 +637,7 @@
           <a:p>
             <a:fld id="{E1BA7341-26C0-4A86-AD44-E110A3BEC611}" type="slidenum">
               <a:rPr lang="en-US" smtClean="0"/>
-              <a:t>7</a:t>
+              <a:t>8</a:t>
             </a:fld>
             <a:endParaRPr lang="en-US"/>
           </a:p>
@@ -728,7 +729,7 @@
           <a:p>
             <a:fld id="{E1BA7341-26C0-4A86-AD44-E110A3BEC611}" type="slidenum">
               <a:rPr lang="en-US" smtClean="0"/>
-              <a:t>9</a:t>
+              <a:t>10</a:t>
             </a:fld>
             <a:endParaRPr lang="en-US"/>
           </a:p>
@@ -897,7 +898,7 @@
           <a:p>
             <a:fld id="{E1BA7341-26C0-4A86-AD44-E110A3BEC611}" type="slidenum">
               <a:rPr lang="en-US" smtClean="0"/>
-              <a:t>12</a:t>
+              <a:t>13</a:t>
             </a:fld>
             <a:endParaRPr lang="en-US"/>
           </a:p>
@@ -1047,7 +1048,7 @@
           <a:p>
             <a:fld id="{7ACA203A-1341-45AE-8AE5-9E342A2C38C9}" type="datetimeFigureOut">
               <a:rPr lang="en-US" smtClean="0"/>
-              <a:t>1/30/17</a:t>
+              <a:t>2/6/17</a:t>
             </a:fld>
             <a:endParaRPr lang="en-US"/>
           </a:p>
@@ -1224,7 +1225,7 @@
           <a:p>
             <a:fld id="{7ACA203A-1341-45AE-8AE5-9E342A2C38C9}" type="datetimeFigureOut">
               <a:rPr lang="en-US" smtClean="0"/>
-              <a:t>1/30/17</a:t>
+              <a:t>2/6/17</a:t>
             </a:fld>
             <a:endParaRPr lang="en-US"/>
           </a:p>
@@ -1411,7 +1412,7 @@
           <a:p>
             <a:fld id="{7ACA203A-1341-45AE-8AE5-9E342A2C38C9}" type="datetimeFigureOut">
               <a:rPr lang="en-US" smtClean="0"/>
-              <a:t>1/30/17</a:t>
+              <a:t>2/6/17</a:t>
             </a:fld>
             <a:endParaRPr lang="en-US"/>
           </a:p>
@@ -2219,7 +2220,7 @@
           <a:p>
             <a:fld id="{BA5C85E4-B586-4D50-9BA0-0F3A58A49C8B}" type="datetimeFigureOut">
               <a:rPr lang="en-US" smtClean="0"/>
-              <a:t>1/30/17</a:t>
+              <a:t>2/6/17</a:t>
             </a:fld>
             <a:endParaRPr lang="en-US"/>
           </a:p>
@@ -2525,7 +2526,7 @@
           <a:p>
             <a:fld id="{BA5C85E4-B586-4D50-9BA0-0F3A58A49C8B}" type="datetimeFigureOut">
               <a:rPr lang="en-US" smtClean="0"/>
-              <a:t>1/30/17</a:t>
+              <a:t>2/6/17</a:t>
             </a:fld>
             <a:endParaRPr lang="en-US"/>
           </a:p>
@@ -2778,7 +2779,7 @@
           <a:p>
             <a:fld id="{BA5C85E4-B586-4D50-9BA0-0F3A58A49C8B}" type="datetimeFigureOut">
               <a:rPr lang="en-US" smtClean="0"/>
-              <a:t>1/30/17</a:t>
+              <a:t>2/6/17</a:t>
             </a:fld>
             <a:endParaRPr lang="en-US"/>
           </a:p>
@@ -3017,7 +3018,7 @@
           <a:p>
             <a:fld id="{BA5C85E4-B586-4D50-9BA0-0F3A58A49C8B}" type="datetimeFigureOut">
               <a:rPr lang="en-US" smtClean="0"/>
-              <a:t>1/30/17</a:t>
+              <a:t>2/6/17</a:t>
             </a:fld>
             <a:endParaRPr lang="en-US"/>
           </a:p>
@@ -3391,7 +3392,7 @@
           <a:p>
             <a:fld id="{BA5C85E4-B586-4D50-9BA0-0F3A58A49C8B}" type="datetimeFigureOut">
               <a:rPr lang="en-US" smtClean="0"/>
-              <a:t>1/30/17</a:t>
+              <a:t>2/6/17</a:t>
             </a:fld>
             <a:endParaRPr lang="en-US"/>
           </a:p>
@@ -3516,7 +3517,7 @@
           <a:p>
             <a:fld id="{BA5C85E4-B586-4D50-9BA0-0F3A58A49C8B}" type="datetimeFigureOut">
               <a:rPr lang="en-US" smtClean="0"/>
-              <a:t>1/30/17</a:t>
+              <a:t>2/6/17</a:t>
             </a:fld>
             <a:endParaRPr lang="en-US"/>
           </a:p>
@@ -3618,7 +3619,7 @@
           <a:p>
             <a:fld id="{BA5C85E4-B586-4D50-9BA0-0F3A58A49C8B}" type="datetimeFigureOut">
               <a:rPr lang="en-US" smtClean="0"/>
-              <a:t>1/30/17</a:t>
+              <a:t>2/6/17</a:t>
             </a:fld>
             <a:endParaRPr lang="en-US"/>
           </a:p>
@@ -3902,7 +3903,7 @@
           <a:p>
             <a:fld id="{BA5C85E4-B586-4D50-9BA0-0F3A58A49C8B}" type="datetimeFigureOut">
               <a:rPr lang="en-US" smtClean="0"/>
-              <a:t>1/30/17</a:t>
+              <a:t>2/6/17</a:t>
             </a:fld>
             <a:endParaRPr lang="en-US"/>
           </a:p>
@@ -4079,7 +4080,7 @@
           <a:p>
             <a:fld id="{7ACA203A-1341-45AE-8AE5-9E342A2C38C9}" type="datetimeFigureOut">
               <a:rPr lang="en-US" smtClean="0"/>
-              <a:t>1/30/17</a:t>
+              <a:t>2/6/17</a:t>
             </a:fld>
             <a:endParaRPr lang="en-US"/>
           </a:p>
@@ -4339,7 +4340,7 @@
           <a:p>
             <a:fld id="{BA5C85E4-B586-4D50-9BA0-0F3A58A49C8B}" type="datetimeFigureOut">
               <a:rPr lang="en-US" smtClean="0"/>
-              <a:t>1/30/17</a:t>
+              <a:t>2/6/17</a:t>
             </a:fld>
             <a:endParaRPr lang="en-US"/>
           </a:p>
@@ -4509,7 +4510,7 @@
           <a:p>
             <a:fld id="{BA5C85E4-B586-4D50-9BA0-0F3A58A49C8B}" type="datetimeFigureOut">
               <a:rPr lang="en-US" smtClean="0"/>
-              <a:t>1/30/17</a:t>
+              <a:t>2/6/17</a:t>
             </a:fld>
             <a:endParaRPr lang="en-US"/>
           </a:p>
@@ -4689,7 +4690,7 @@
           <a:p>
             <a:fld id="{BA5C85E4-B586-4D50-9BA0-0F3A58A49C8B}" type="datetimeFigureOut">
               <a:rPr lang="en-US" smtClean="0"/>
-              <a:t>1/30/17</a:t>
+              <a:t>2/6/17</a:t>
             </a:fld>
             <a:endParaRPr lang="en-US"/>
           </a:p>
@@ -4888,7 +4889,7 @@
           <a:p>
             <a:fld id="{027A1B2E-1286-4A75-915E-AE937742E7F1}" type="datetimeFigureOut">
               <a:rPr lang="en-US" smtClean="0"/>
-              <a:t>1/30/17</a:t>
+              <a:t>2/6/17</a:t>
             </a:fld>
             <a:endParaRPr lang="en-US"/>
           </a:p>
@@ -5373,7 +5374,7 @@
           <a:p>
             <a:fld id="{027A1B2E-1286-4A75-915E-AE937742E7F1}" type="datetimeFigureOut">
               <a:rPr lang="en-US" smtClean="0"/>
-              <a:t>1/30/17</a:t>
+              <a:t>2/6/17</a:t>
             </a:fld>
             <a:endParaRPr lang="en-US"/>
           </a:p>
@@ -5626,7 +5627,7 @@
           <a:p>
             <a:fld id="{027A1B2E-1286-4A75-915E-AE937742E7F1}" type="datetimeFigureOut">
               <a:rPr lang="en-US" smtClean="0"/>
-              <a:t>1/30/17</a:t>
+              <a:t>2/6/17</a:t>
             </a:fld>
             <a:endParaRPr lang="en-US"/>
           </a:p>
@@ -5858,7 +5859,7 @@
           <a:p>
             <a:fld id="{027A1B2E-1286-4A75-915E-AE937742E7F1}" type="datetimeFigureOut">
               <a:rPr lang="en-US" smtClean="0"/>
-              <a:t>1/30/17</a:t>
+              <a:t>2/6/17</a:t>
             </a:fld>
             <a:endParaRPr lang="en-US"/>
           </a:p>
@@ -6225,7 +6226,7 @@
           <a:p>
             <a:fld id="{027A1B2E-1286-4A75-915E-AE937742E7F1}" type="datetimeFigureOut">
               <a:rPr lang="en-US" smtClean="0"/>
-              <a:t>1/30/17</a:t>
+              <a:t>2/6/17</a:t>
             </a:fld>
             <a:endParaRPr lang="en-US"/>
           </a:p>
@@ -6343,7 +6344,7 @@
           <a:p>
             <a:fld id="{027A1B2E-1286-4A75-915E-AE937742E7F1}" type="datetimeFigureOut">
               <a:rPr lang="en-US" smtClean="0"/>
-              <a:t>1/30/17</a:t>
+              <a:t>2/6/17</a:t>
             </a:fld>
             <a:endParaRPr lang="en-US"/>
           </a:p>
@@ -6438,7 +6439,7 @@
           <a:p>
             <a:fld id="{027A1B2E-1286-4A75-915E-AE937742E7F1}" type="datetimeFigureOut">
               <a:rPr lang="en-US" smtClean="0"/>
-              <a:t>1/30/17</a:t>
+              <a:t>2/6/17</a:t>
             </a:fld>
             <a:endParaRPr lang="en-US"/>
           </a:p>
@@ -6684,7 +6685,7 @@
           <a:p>
             <a:fld id="{7ACA203A-1341-45AE-8AE5-9E342A2C38C9}" type="datetimeFigureOut">
               <a:rPr lang="en-US" smtClean="0"/>
-              <a:t>1/30/17</a:t>
+              <a:t>2/6/17</a:t>
             </a:fld>
             <a:endParaRPr lang="en-US"/>
           </a:p>
@@ -6968,7 +6969,7 @@
           <a:p>
             <a:fld id="{027A1B2E-1286-4A75-915E-AE937742E7F1}" type="datetimeFigureOut">
               <a:rPr lang="en-US" smtClean="0"/>
-              <a:t>1/30/17</a:t>
+              <a:t>2/6/17</a:t>
             </a:fld>
             <a:endParaRPr lang="en-US"/>
           </a:p>
@@ -7221,7 +7222,7 @@
           <a:p>
             <a:fld id="{027A1B2E-1286-4A75-915E-AE937742E7F1}" type="datetimeFigureOut">
               <a:rPr lang="en-US" smtClean="0"/>
-              <a:t>1/30/17</a:t>
+              <a:t>2/6/17</a:t>
             </a:fld>
             <a:endParaRPr lang="en-US"/>
           </a:p>
@@ -7398,7 +7399,7 @@
           <a:p>
             <a:fld id="{027A1B2E-1286-4A75-915E-AE937742E7F1}" type="datetimeFigureOut">
               <a:rPr lang="en-US" smtClean="0"/>
-              <a:t>1/30/17</a:t>
+              <a:t>2/6/17</a:t>
             </a:fld>
             <a:endParaRPr lang="en-US"/>
           </a:p>
@@ -7578,7 +7579,7 @@
           <a:p>
             <a:fld id="{027A1B2E-1286-4A75-915E-AE937742E7F1}" type="datetimeFigureOut">
               <a:rPr lang="en-US" smtClean="0"/>
-              <a:t>1/30/17</a:t>
+              <a:t>2/6/17</a:t>
             </a:fld>
             <a:endParaRPr lang="en-US"/>
           </a:p>
@@ -7770,7 +7771,7 @@
           <a:p>
             <a:fld id="{9C0D432E-3E9D-4011-B87F-F9F35BE171A9}" type="datetimeFigureOut">
               <a:rPr lang="en-US" smtClean="0"/>
-              <a:t>1/30/17</a:t>
+              <a:t>2/6/17</a:t>
             </a:fld>
             <a:endParaRPr lang="en-US"/>
           </a:p>
@@ -8317,7 +8318,7 @@
           <a:p>
             <a:fld id="{9C0D432E-3E9D-4011-B87F-F9F35BE171A9}" type="datetimeFigureOut">
               <a:rPr lang="en-US" smtClean="0"/>
-              <a:t>1/30/17</a:t>
+              <a:t>2/6/17</a:t>
             </a:fld>
             <a:endParaRPr lang="en-US"/>
           </a:p>
@@ -8570,7 +8571,7 @@
           <a:p>
             <a:fld id="{9C0D432E-3E9D-4011-B87F-F9F35BE171A9}" type="datetimeFigureOut">
               <a:rPr lang="en-US" smtClean="0"/>
-              <a:t>1/30/17</a:t>
+              <a:t>2/6/17</a:t>
             </a:fld>
             <a:endParaRPr lang="en-US"/>
           </a:p>
@@ -8802,7 +8803,7 @@
           <a:p>
             <a:fld id="{9C0D432E-3E9D-4011-B87F-F9F35BE171A9}" type="datetimeFigureOut">
               <a:rPr lang="en-US" smtClean="0"/>
-              <a:t>1/30/17</a:t>
+              <a:t>2/6/17</a:t>
             </a:fld>
             <a:endParaRPr lang="en-US"/>
           </a:p>
@@ -9169,7 +9170,7 @@
           <a:p>
             <a:fld id="{9C0D432E-3E9D-4011-B87F-F9F35BE171A9}" type="datetimeFigureOut">
               <a:rPr lang="en-US" smtClean="0"/>
-              <a:t>1/30/17</a:t>
+              <a:t>2/6/17</a:t>
             </a:fld>
             <a:endParaRPr lang="en-US"/>
           </a:p>
@@ -9287,7 +9288,7 @@
           <a:p>
             <a:fld id="{9C0D432E-3E9D-4011-B87F-F9F35BE171A9}" type="datetimeFigureOut">
               <a:rPr lang="en-US" smtClean="0"/>
-              <a:t>1/30/17</a:t>
+              <a:t>2/6/17</a:t>
             </a:fld>
             <a:endParaRPr lang="en-US"/>
           </a:p>
@@ -9519,7 +9520,7 @@
           <a:p>
             <a:fld id="{7ACA203A-1341-45AE-8AE5-9E342A2C38C9}" type="datetimeFigureOut">
               <a:rPr lang="en-US" smtClean="0"/>
-              <a:t>1/30/17</a:t>
+              <a:t>2/6/17</a:t>
             </a:fld>
             <a:endParaRPr lang="en-US"/>
           </a:p>
@@ -9626,7 +9627,7 @@
           <a:p>
             <a:fld id="{9C0D432E-3E9D-4011-B87F-F9F35BE171A9}" type="datetimeFigureOut">
               <a:rPr lang="en-US" smtClean="0"/>
-              <a:t>1/30/17</a:t>
+              <a:t>2/6/17</a:t>
             </a:fld>
             <a:endParaRPr lang="en-US"/>
           </a:p>
@@ -9903,7 +9904,7 @@
           <a:p>
             <a:fld id="{9C0D432E-3E9D-4011-B87F-F9F35BE171A9}" type="datetimeFigureOut">
               <a:rPr lang="en-US" smtClean="0"/>
-              <a:t>1/30/17</a:t>
+              <a:t>2/6/17</a:t>
             </a:fld>
             <a:endParaRPr lang="en-US"/>
           </a:p>
@@ -10156,7 +10157,7 @@
           <a:p>
             <a:fld id="{9C0D432E-3E9D-4011-B87F-F9F35BE171A9}" type="datetimeFigureOut">
               <a:rPr lang="en-US" smtClean="0"/>
-              <a:t>1/30/17</a:t>
+              <a:t>2/6/17</a:t>
             </a:fld>
             <a:endParaRPr lang="en-US"/>
           </a:p>
@@ -10326,7 +10327,7 @@
           <a:p>
             <a:fld id="{9C0D432E-3E9D-4011-B87F-F9F35BE171A9}" type="datetimeFigureOut">
               <a:rPr lang="en-US" smtClean="0"/>
-              <a:t>1/30/17</a:t>
+              <a:t>2/6/17</a:t>
             </a:fld>
             <a:endParaRPr lang="en-US"/>
           </a:p>
@@ -10506,7 +10507,7 @@
           <a:p>
             <a:fld id="{9C0D432E-3E9D-4011-B87F-F9F35BE171A9}" type="datetimeFigureOut">
               <a:rPr lang="en-US" smtClean="0"/>
-              <a:t>1/30/17</a:t>
+              <a:t>2/6/17</a:t>
             </a:fld>
             <a:endParaRPr lang="en-US"/>
           </a:p>
@@ -10873,7 +10874,7 @@
           <a:p>
             <a:fld id="{7ACA203A-1341-45AE-8AE5-9E342A2C38C9}" type="datetimeFigureOut">
               <a:rPr lang="en-US" smtClean="0"/>
-              <a:t>1/30/17</a:t>
+              <a:t>2/6/17</a:t>
             </a:fld>
             <a:endParaRPr lang="en-US"/>
           </a:p>
@@ -10998,7 +10999,7 @@
           <a:p>
             <a:fld id="{7ACA203A-1341-45AE-8AE5-9E342A2C38C9}" type="datetimeFigureOut">
               <a:rPr lang="en-US" smtClean="0"/>
-              <a:t>1/30/17</a:t>
+              <a:t>2/6/17</a:t>
             </a:fld>
             <a:endParaRPr lang="en-US"/>
           </a:p>
@@ -11100,7 +11101,7 @@
           <a:p>
             <a:fld id="{7ACA203A-1341-45AE-8AE5-9E342A2C38C9}" type="datetimeFigureOut">
               <a:rPr lang="en-US" smtClean="0"/>
-              <a:t>1/30/17</a:t>
+              <a:t>2/6/17</a:t>
             </a:fld>
             <a:endParaRPr lang="en-US"/>
           </a:p>
@@ -11384,7 +11385,7 @@
           <a:p>
             <a:fld id="{7ACA203A-1341-45AE-8AE5-9E342A2C38C9}" type="datetimeFigureOut">
               <a:rPr lang="en-US" smtClean="0"/>
-              <a:t>1/30/17</a:t>
+              <a:t>2/6/17</a:t>
             </a:fld>
             <a:endParaRPr lang="en-US"/>
           </a:p>
@@ -11644,7 +11645,7 @@
           <a:p>
             <a:fld id="{7ACA203A-1341-45AE-8AE5-9E342A2C38C9}" type="datetimeFigureOut">
               <a:rPr lang="en-US" smtClean="0"/>
-              <a:t>1/30/17</a:t>
+              <a:t>2/6/17</a:t>
             </a:fld>
             <a:endParaRPr lang="en-US"/>
           </a:p>
@@ -11857,7 +11858,7 @@
           <a:p>
             <a:fld id="{7ACA203A-1341-45AE-8AE5-9E342A2C38C9}" type="datetimeFigureOut">
               <a:rPr lang="en-US" smtClean="0"/>
-              <a:t>1/30/17</a:t>
+              <a:t>2/6/17</a:t>
             </a:fld>
             <a:endParaRPr lang="en-US"/>
           </a:p>
@@ -12404,7 +12405,7 @@
           <a:p>
             <a:fld id="{BA5C85E4-B586-4D50-9BA0-0F3A58A49C8B}" type="datetimeFigureOut">
               <a:rPr lang="en-US" smtClean="0"/>
-              <a:t>1/30/17</a:t>
+              <a:t>2/6/17</a:t>
             </a:fld>
             <a:endParaRPr lang="en-US"/>
           </a:p>
@@ -13034,7 +13035,7 @@
           <a:p>
             <a:fld id="{027A1B2E-1286-4A75-915E-AE937742E7F1}" type="datetimeFigureOut">
               <a:rPr lang="en-US" smtClean="0"/>
-              <a:t>1/30/17</a:t>
+              <a:t>2/6/17</a:t>
             </a:fld>
             <a:endParaRPr lang="en-US"/>
           </a:p>
@@ -13717,7 +13718,7 @@
           <a:p>
             <a:fld id="{9C0D432E-3E9D-4011-B87F-F9F35BE171A9}" type="datetimeFigureOut">
               <a:rPr lang="en-US" smtClean="0"/>
-              <a:t>1/30/17</a:t>
+              <a:t>2/6/17</a:t>
             </a:fld>
             <a:endParaRPr lang="en-US"/>
           </a:p>
@@ -14469,6 +14470,2323 @@
       </p:grpSpPr>
       <p:sp>
         <p:nvSpPr>
+          <p:cNvPr id="2" name="Title 1"/>
+          <p:cNvSpPr>
+            <a:spLocks noGrp="1"/>
+          </p:cNvSpPr>
+          <p:nvPr>
+            <p:ph type="title"/>
+          </p:nvPr>
+        </p:nvSpPr>
+        <p:spPr/>
+        <p:txBody>
+          <a:bodyPr/>
+          <a:lstStyle/>
+          <a:p>
+            <a:r>
+              <a:rPr lang="en-US" dirty="0" err="1" smtClean="0"/>
+              <a:t>Ceph</a:t>
+            </a:r>
+            <a:r>
+              <a:rPr lang="en-US" dirty="0" smtClean="0"/>
+              <a:t> = Production Quality Distributed System</a:t>
+            </a:r>
+            <a:endParaRPr lang="en-US" dirty="0"/>
+          </a:p>
+        </p:txBody>
+      </p:sp>
+      <p:sp>
+        <p:nvSpPr>
+          <p:cNvPr id="3" name="Content Placeholder 2"/>
+          <p:cNvSpPr>
+            <a:spLocks noGrp="1"/>
+          </p:cNvSpPr>
+          <p:nvPr>
+            <p:ph sz="half" idx="1"/>
+          </p:nvPr>
+        </p:nvSpPr>
+        <p:spPr>
+          <a:xfrm>
+            <a:off x="838199" y="1825625"/>
+            <a:ext cx="11033503" cy="4351338"/>
+          </a:xfrm>
+        </p:spPr>
+        <p:txBody>
+          <a:bodyPr/>
+          <a:lstStyle/>
+          <a:p>
+            <a:pPr marL="0" indent="0">
+              <a:buNone/>
+            </a:pPr>
+            <a:r>
+              <a:rPr lang="en-US" b="1" dirty="0" smtClean="0">
+                <a:solidFill>
+                  <a:srgbClr val="FF0000"/>
+                </a:solidFill>
+              </a:rPr>
+              <a:t>OSDs provide active storage				</a:t>
+            </a:r>
+            <a:r>
+              <a:rPr lang="en-US" b="1" dirty="0">
+                <a:solidFill>
+                  <a:srgbClr val="00B050"/>
+                </a:solidFill>
+              </a:rPr>
+              <a:t> ✔</a:t>
+            </a:r>
+            <a:r>
+              <a:rPr lang="en-US" dirty="0">
+                <a:solidFill>
+                  <a:srgbClr val="00B050"/>
+                </a:solidFill>
+              </a:rPr>
+              <a:t> </a:t>
+            </a:r>
+            <a:r>
+              <a:rPr lang="en-US" dirty="0" smtClean="0"/>
+              <a:t>distribute </a:t>
+            </a:r>
+            <a:r>
+              <a:rPr lang="en-US" dirty="0"/>
+              <a:t>work</a:t>
+            </a:r>
+            <a:endParaRPr lang="en-US" b="1" dirty="0" smtClean="0">
+              <a:solidFill>
+                <a:srgbClr val="FF0000"/>
+              </a:solidFill>
+            </a:endParaRPr>
+          </a:p>
+          <a:p>
+            <a:pPr marL="0" indent="0">
+              <a:buNone/>
+            </a:pPr>
+            <a:endParaRPr lang="en-US" b="1" dirty="0">
+              <a:solidFill>
+                <a:srgbClr val="FF0000"/>
+              </a:solidFill>
+            </a:endParaRPr>
+          </a:p>
+          <a:p>
+            <a:pPr marL="0" indent="0">
+              <a:buNone/>
+            </a:pPr>
+            <a:r>
+              <a:rPr lang="en-US" dirty="0" smtClean="0"/>
+              <a:t>Scenario: capitalize </a:t>
+            </a:r>
+            <a:r>
+              <a:rPr lang="en-US" dirty="0" err="1" smtClean="0"/>
+              <a:t>chararcters</a:t>
+            </a:r>
+            <a:r>
+              <a:rPr lang="en-US" dirty="0" smtClean="0"/>
+              <a:t> in an object</a:t>
+            </a:r>
+            <a:endParaRPr lang="en-US" dirty="0"/>
+          </a:p>
+          <a:p>
+            <a:pPr marL="0" indent="0">
+              <a:buNone/>
+            </a:pPr>
+            <a:r>
+              <a:rPr lang="en-US" b="1" dirty="0" smtClean="0">
+                <a:solidFill>
+                  <a:srgbClr val="0070C0"/>
+                </a:solidFill>
+              </a:rPr>
+              <a:t>Naïve Approach</a:t>
+            </a:r>
+            <a:endParaRPr lang="en-US" dirty="0"/>
+          </a:p>
+          <a:p>
+            <a:pPr marL="0" indent="0">
+              <a:buNone/>
+            </a:pPr>
+            <a:r>
+              <a:rPr lang="en-US" sz="2400" dirty="0" smtClean="0"/>
+              <a:t>send data over network</a:t>
+            </a:r>
+            <a:endParaRPr lang="en-US" sz="2400" dirty="0" smtClean="0">
+              <a:solidFill>
+                <a:srgbClr val="0070C0"/>
+              </a:solidFill>
+            </a:endParaRPr>
+          </a:p>
+        </p:txBody>
+      </p:sp>
+      <p:sp>
+        <p:nvSpPr>
+          <p:cNvPr id="4" name="Content Placeholder 3"/>
+          <p:cNvSpPr>
+            <a:spLocks noGrp="1"/>
+          </p:cNvSpPr>
+          <p:nvPr>
+            <p:ph sz="half" idx="2"/>
+          </p:nvPr>
+        </p:nvSpPr>
+        <p:spPr/>
+        <p:txBody>
+          <a:bodyPr/>
+          <a:lstStyle/>
+          <a:p>
+            <a:endParaRPr lang="en-US" dirty="0" smtClean="0"/>
+          </a:p>
+          <a:p>
+            <a:endParaRPr lang="en-US" dirty="0" smtClean="0"/>
+          </a:p>
+        </p:txBody>
+      </p:sp>
+      <p:sp>
+        <p:nvSpPr>
+          <p:cNvPr id="31" name="Content Placeholder 5"/>
+          <p:cNvSpPr txBox="1">
+            <a:spLocks/>
+          </p:cNvSpPr>
+          <p:nvPr/>
+        </p:nvSpPr>
+        <p:spPr>
+          <a:xfrm>
+            <a:off x="5618692" y="1825625"/>
+            <a:ext cx="5735108" cy="4351338"/>
+          </a:xfrm>
+          <a:prstGeom prst="rect">
+            <a:avLst/>
+          </a:prstGeom>
+        </p:spPr>
+        <p:txBody>
+          <a:bodyPr vert="horz" lIns="91440" tIns="45720" rIns="91440" bIns="45720" rtlCol="0">
+            <a:normAutofit/>
+          </a:bodyPr>
+          <a:lstStyle>
+            <a:lvl1pPr marL="228600" indent="-228600" algn="l" defTabSz="914400" rtl="0" eaLnBrk="1" latinLnBrk="0" hangingPunct="1">
+              <a:lnSpc>
+                <a:spcPct val="90000"/>
+              </a:lnSpc>
+              <a:spcBef>
+                <a:spcPts val="1000"/>
+              </a:spcBef>
+              <a:buFont typeface="Arial" panose="020B0604020202020204" pitchFamily="34" charset="0"/>
+              <a:buChar char="•"/>
+              <a:defRPr sz="2800" kern="1200">
+                <a:solidFill>
+                  <a:schemeClr val="tx1"/>
+                </a:solidFill>
+                <a:latin typeface="+mn-lt"/>
+                <a:ea typeface="+mn-ea"/>
+                <a:cs typeface="+mn-cs"/>
+              </a:defRPr>
+            </a:lvl1pPr>
+            <a:lvl2pPr marL="685800" indent="-228600" algn="l" defTabSz="914400" rtl="0" eaLnBrk="1" latinLnBrk="0" hangingPunct="1">
+              <a:lnSpc>
+                <a:spcPct val="90000"/>
+              </a:lnSpc>
+              <a:spcBef>
+                <a:spcPts val="500"/>
+              </a:spcBef>
+              <a:buFont typeface="Arial" panose="020B0604020202020204" pitchFamily="34" charset="0"/>
+              <a:buChar char="•"/>
+              <a:defRPr sz="2400" kern="1200">
+                <a:solidFill>
+                  <a:schemeClr val="tx1"/>
+                </a:solidFill>
+                <a:latin typeface="+mn-lt"/>
+                <a:ea typeface="+mn-ea"/>
+                <a:cs typeface="+mn-cs"/>
+              </a:defRPr>
+            </a:lvl2pPr>
+            <a:lvl3pPr marL="1143000" indent="-228600" algn="l" defTabSz="914400" rtl="0" eaLnBrk="1" latinLnBrk="0" hangingPunct="1">
+              <a:lnSpc>
+                <a:spcPct val="90000"/>
+              </a:lnSpc>
+              <a:spcBef>
+                <a:spcPts val="500"/>
+              </a:spcBef>
+              <a:buFont typeface="Arial" panose="020B0604020202020204" pitchFamily="34" charset="0"/>
+              <a:buChar char="•"/>
+              <a:defRPr sz="2000" kern="1200">
+                <a:solidFill>
+                  <a:schemeClr val="tx1"/>
+                </a:solidFill>
+                <a:latin typeface="+mn-lt"/>
+                <a:ea typeface="+mn-ea"/>
+                <a:cs typeface="+mn-cs"/>
+              </a:defRPr>
+            </a:lvl3pPr>
+            <a:lvl4pPr marL="1600200" indent="-228600" algn="l" defTabSz="914400" rtl="0" eaLnBrk="1" latinLnBrk="0" hangingPunct="1">
+              <a:lnSpc>
+                <a:spcPct val="90000"/>
+              </a:lnSpc>
+              <a:spcBef>
+                <a:spcPts val="500"/>
+              </a:spcBef>
+              <a:buFont typeface="Arial" panose="020B0604020202020204" pitchFamily="34" charset="0"/>
+              <a:buChar char="•"/>
+              <a:defRPr sz="1800" kern="1200">
+                <a:solidFill>
+                  <a:schemeClr val="tx1"/>
+                </a:solidFill>
+                <a:latin typeface="+mn-lt"/>
+                <a:ea typeface="+mn-ea"/>
+                <a:cs typeface="+mn-cs"/>
+              </a:defRPr>
+            </a:lvl4pPr>
+            <a:lvl5pPr marL="2057400" indent="-228600" algn="l" defTabSz="914400" rtl="0" eaLnBrk="1" latinLnBrk="0" hangingPunct="1">
+              <a:lnSpc>
+                <a:spcPct val="90000"/>
+              </a:lnSpc>
+              <a:spcBef>
+                <a:spcPts val="500"/>
+              </a:spcBef>
+              <a:buFont typeface="Arial" panose="020B0604020202020204" pitchFamily="34" charset="0"/>
+              <a:buChar char="•"/>
+              <a:defRPr sz="1800" kern="1200">
+                <a:solidFill>
+                  <a:schemeClr val="tx1"/>
+                </a:solidFill>
+                <a:latin typeface="+mn-lt"/>
+                <a:ea typeface="+mn-ea"/>
+                <a:cs typeface="+mn-cs"/>
+              </a:defRPr>
+            </a:lvl5pPr>
+            <a:lvl6pPr marL="2514600" indent="-228600" algn="l" defTabSz="914400" rtl="0" eaLnBrk="1" latinLnBrk="0" hangingPunct="1">
+              <a:lnSpc>
+                <a:spcPct val="90000"/>
+              </a:lnSpc>
+              <a:spcBef>
+                <a:spcPts val="500"/>
+              </a:spcBef>
+              <a:buFont typeface="Arial" panose="020B0604020202020204" pitchFamily="34" charset="0"/>
+              <a:buChar char="•"/>
+              <a:defRPr sz="1800" kern="1200">
+                <a:solidFill>
+                  <a:schemeClr val="tx1"/>
+                </a:solidFill>
+                <a:latin typeface="+mn-lt"/>
+                <a:ea typeface="+mn-ea"/>
+                <a:cs typeface="+mn-cs"/>
+              </a:defRPr>
+            </a:lvl6pPr>
+            <a:lvl7pPr marL="2971800" indent="-228600" algn="l" defTabSz="914400" rtl="0" eaLnBrk="1" latinLnBrk="0" hangingPunct="1">
+              <a:lnSpc>
+                <a:spcPct val="90000"/>
+              </a:lnSpc>
+              <a:spcBef>
+                <a:spcPts val="500"/>
+              </a:spcBef>
+              <a:buFont typeface="Arial" panose="020B0604020202020204" pitchFamily="34" charset="0"/>
+              <a:buChar char="•"/>
+              <a:defRPr sz="1800" kern="1200">
+                <a:solidFill>
+                  <a:schemeClr val="tx1"/>
+                </a:solidFill>
+                <a:latin typeface="+mn-lt"/>
+                <a:ea typeface="+mn-ea"/>
+                <a:cs typeface="+mn-cs"/>
+              </a:defRPr>
+            </a:lvl7pPr>
+            <a:lvl8pPr marL="3429000" indent="-228600" algn="l" defTabSz="914400" rtl="0" eaLnBrk="1" latinLnBrk="0" hangingPunct="1">
+              <a:lnSpc>
+                <a:spcPct val="90000"/>
+              </a:lnSpc>
+              <a:spcBef>
+                <a:spcPts val="500"/>
+              </a:spcBef>
+              <a:buFont typeface="Arial" panose="020B0604020202020204" pitchFamily="34" charset="0"/>
+              <a:buChar char="•"/>
+              <a:defRPr sz="1800" kern="1200">
+                <a:solidFill>
+                  <a:schemeClr val="tx1"/>
+                </a:solidFill>
+                <a:latin typeface="+mn-lt"/>
+                <a:ea typeface="+mn-ea"/>
+                <a:cs typeface="+mn-cs"/>
+              </a:defRPr>
+            </a:lvl8pPr>
+            <a:lvl9pPr marL="3886200" indent="-228600" algn="l" defTabSz="914400" rtl="0" eaLnBrk="1" latinLnBrk="0" hangingPunct="1">
+              <a:lnSpc>
+                <a:spcPct val="90000"/>
+              </a:lnSpc>
+              <a:spcBef>
+                <a:spcPts val="500"/>
+              </a:spcBef>
+              <a:buFont typeface="Arial" panose="020B0604020202020204" pitchFamily="34" charset="0"/>
+              <a:buChar char="•"/>
+              <a:defRPr sz="1800" kern="1200">
+                <a:solidFill>
+                  <a:schemeClr val="tx1"/>
+                </a:solidFill>
+                <a:latin typeface="+mn-lt"/>
+                <a:ea typeface="+mn-ea"/>
+                <a:cs typeface="+mn-cs"/>
+              </a:defRPr>
+            </a:lvl9pPr>
+          </a:lstStyle>
+          <a:p>
+            <a:pPr marL="0" indent="0">
+              <a:buNone/>
+            </a:pPr>
+            <a:endParaRPr lang="en-US" dirty="0" smtClean="0"/>
+          </a:p>
+          <a:p>
+            <a:endParaRPr lang="en-US" dirty="0" smtClean="0"/>
+          </a:p>
+          <a:p>
+            <a:pPr marL="0" indent="0">
+              <a:buNone/>
+            </a:pPr>
+            <a:endParaRPr lang="en-US" b="1" dirty="0" smtClean="0">
+              <a:solidFill>
+                <a:srgbClr val="0070C0"/>
+              </a:solidFill>
+            </a:endParaRPr>
+          </a:p>
+          <a:p>
+            <a:pPr marL="0" indent="0">
+              <a:buNone/>
+            </a:pPr>
+            <a:r>
+              <a:rPr lang="en-US" b="1" dirty="0" smtClean="0">
+                <a:solidFill>
+                  <a:srgbClr val="0070C0"/>
+                </a:solidFill>
+              </a:rPr>
+              <a:t>Active Storage (Object Interface)</a:t>
+            </a:r>
+          </a:p>
+          <a:p>
+            <a:pPr marL="0" indent="0">
+              <a:buNone/>
+            </a:pPr>
+            <a:r>
+              <a:rPr lang="en-US" sz="2400" dirty="0"/>
+              <a:t>i</a:t>
+            </a:r>
+            <a:r>
+              <a:rPr lang="en-US" sz="2400" dirty="0" smtClean="0"/>
+              <a:t>nject functionality into OSD, send </a:t>
+            </a:r>
+            <a:r>
+              <a:rPr lang="en-US" sz="2400" dirty="0" smtClean="0">
+                <a:latin typeface="Courier New" panose="02070309020205020404" pitchFamily="49" charset="0"/>
+                <a:cs typeface="Courier New" panose="02070309020205020404" pitchFamily="49" charset="0"/>
+              </a:rPr>
+              <a:t>upper()</a:t>
+            </a:r>
+            <a:endParaRPr lang="en-US" sz="2400" dirty="0">
+              <a:latin typeface="Courier New" panose="02070309020205020404" pitchFamily="49" charset="0"/>
+              <a:cs typeface="Courier New" panose="02070309020205020404" pitchFamily="49" charset="0"/>
+            </a:endParaRPr>
+          </a:p>
+        </p:txBody>
+      </p:sp>
+      <p:sp>
+        <p:nvSpPr>
+          <p:cNvPr id="46" name="Smiley Face 45"/>
+          <p:cNvSpPr/>
+          <p:nvPr/>
+        </p:nvSpPr>
+        <p:spPr>
+          <a:xfrm>
+            <a:off x="4356658" y="4781058"/>
+            <a:ext cx="413997" cy="413997"/>
+          </a:xfrm>
+          <a:prstGeom prst="smileyFace">
+            <a:avLst/>
+          </a:prstGeom>
+        </p:spPr>
+        <p:style>
+          <a:lnRef idx="2">
+            <a:schemeClr val="dk1"/>
+          </a:lnRef>
+          <a:fillRef idx="1">
+            <a:schemeClr val="lt1"/>
+          </a:fillRef>
+          <a:effectRef idx="0">
+            <a:schemeClr val="dk1"/>
+          </a:effectRef>
+          <a:fontRef idx="minor">
+            <a:schemeClr val="dk1"/>
+          </a:fontRef>
+        </p:style>
+        <p:txBody>
+          <a:bodyPr rtlCol="0" anchor="ctr"/>
+          <a:lstStyle/>
+          <a:p>
+            <a:pPr algn="ctr"/>
+            <a:endParaRPr lang="en-US" sz="1400"/>
+          </a:p>
+        </p:txBody>
+      </p:sp>
+      <p:grpSp>
+        <p:nvGrpSpPr>
+          <p:cNvPr id="6" name="Group 5"/>
+          <p:cNvGrpSpPr/>
+          <p:nvPr/>
+        </p:nvGrpSpPr>
+        <p:grpSpPr>
+          <a:xfrm>
+            <a:off x="2539042" y="4182196"/>
+            <a:ext cx="2753816" cy="1339810"/>
+            <a:chOff x="2539042" y="4182196"/>
+            <a:chExt cx="2753816" cy="1339810"/>
+          </a:xfrm>
+        </p:grpSpPr>
+        <p:sp>
+          <p:nvSpPr>
+            <p:cNvPr id="47" name="Freeform 46"/>
+            <p:cNvSpPr/>
+            <p:nvPr/>
+          </p:nvSpPr>
+          <p:spPr>
+            <a:xfrm>
+              <a:off x="2539042" y="4593282"/>
+              <a:ext cx="1823517" cy="928724"/>
+            </a:xfrm>
+            <a:custGeom>
+              <a:avLst/>
+              <a:gdLst>
+                <a:gd name="connsiteX0" fmla="*/ 0 w 5045528"/>
+                <a:gd name="connsiteY0" fmla="*/ 2569707 h 2569707"/>
+                <a:gd name="connsiteX1" fmla="*/ 1828800 w 5045528"/>
+                <a:gd name="connsiteY1" fmla="*/ 104093 h 2569707"/>
+                <a:gd name="connsiteX2" fmla="*/ 5045528 w 5045528"/>
+                <a:gd name="connsiteY2" fmla="*/ 691921 h 2569707"/>
+              </a:gdLst>
+              <a:ahLst/>
+              <a:cxnLst>
+                <a:cxn ang="0">
+                  <a:pos x="connsiteX0" y="connsiteY0"/>
+                </a:cxn>
+                <a:cxn ang="0">
+                  <a:pos x="connsiteX1" y="connsiteY1"/>
+                </a:cxn>
+                <a:cxn ang="0">
+                  <a:pos x="connsiteX2" y="connsiteY2"/>
+                </a:cxn>
+              </a:cxnLst>
+              <a:rect l="l" t="t" r="r" b="b"/>
+              <a:pathLst>
+                <a:path w="5045528" h="2569707">
+                  <a:moveTo>
+                    <a:pt x="0" y="2569707"/>
+                  </a:moveTo>
+                  <a:cubicBezTo>
+                    <a:pt x="493939" y="1493382"/>
+                    <a:pt x="987879" y="417057"/>
+                    <a:pt x="1828800" y="104093"/>
+                  </a:cubicBezTo>
+                  <a:cubicBezTo>
+                    <a:pt x="2669721" y="-208871"/>
+                    <a:pt x="3857624" y="241525"/>
+                    <a:pt x="5045528" y="691921"/>
+                  </a:cubicBezTo>
+                </a:path>
+              </a:pathLst>
+            </a:custGeom>
+            <a:noFill/>
+            <a:ln w="57150">
+              <a:solidFill>
+                <a:schemeClr val="tx1"/>
+              </a:solidFill>
+              <a:headEnd type="none" w="med" len="med"/>
+              <a:tailEnd type="triangle" w="med" len="med"/>
+            </a:ln>
+          </p:spPr>
+          <p:style>
+            <a:lnRef idx="2">
+              <a:schemeClr val="accent1">
+                <a:shade val="50000"/>
+              </a:schemeClr>
+            </a:lnRef>
+            <a:fillRef idx="1">
+              <a:schemeClr val="accent1"/>
+            </a:fillRef>
+            <a:effectRef idx="0">
+              <a:schemeClr val="accent1"/>
+            </a:effectRef>
+            <a:fontRef idx="minor">
+              <a:schemeClr val="lt1"/>
+            </a:fontRef>
+          </p:style>
+          <p:txBody>
+            <a:bodyPr rtlCol="0" anchor="ctr"/>
+            <a:lstStyle/>
+            <a:p>
+              <a:pPr algn="ctr"/>
+              <a:endParaRPr lang="en-US" sz="1400"/>
+            </a:p>
+          </p:txBody>
+        </p:sp>
+        <p:sp>
+          <p:nvSpPr>
+            <p:cNvPr id="48" name="Oval 47"/>
+            <p:cNvSpPr/>
+            <p:nvPr/>
+          </p:nvSpPr>
+          <p:spPr>
+            <a:xfrm>
+              <a:off x="3326692" y="4464312"/>
+              <a:ext cx="247857" cy="247857"/>
+            </a:xfrm>
+            <a:prstGeom prst="ellipse">
+              <a:avLst/>
+            </a:prstGeom>
+            <a:solidFill>
+              <a:srgbClr val="FFFF00"/>
+            </a:solidFill>
+            <a:ln>
+              <a:solidFill>
+                <a:schemeClr val="tx1"/>
+              </a:solidFill>
+            </a:ln>
+          </p:spPr>
+          <p:style>
+            <a:lnRef idx="2">
+              <a:schemeClr val="accent1">
+                <a:shade val="50000"/>
+              </a:schemeClr>
+            </a:lnRef>
+            <a:fillRef idx="1">
+              <a:schemeClr val="accent1"/>
+            </a:fillRef>
+            <a:effectRef idx="0">
+              <a:schemeClr val="accent1"/>
+            </a:effectRef>
+            <a:fontRef idx="minor">
+              <a:schemeClr val="lt1"/>
+            </a:fontRef>
+          </p:style>
+          <p:txBody>
+            <a:bodyPr rtlCol="0" anchor="ctr"/>
+            <a:lstStyle/>
+            <a:p>
+              <a:pPr algn="ctr"/>
+              <a:endParaRPr lang="en-US" sz="1400"/>
+            </a:p>
+          </p:txBody>
+        </p:sp>
+        <p:sp>
+          <p:nvSpPr>
+            <p:cNvPr id="49" name="TextBox 48"/>
+            <p:cNvSpPr txBox="1"/>
+            <p:nvPr/>
+          </p:nvSpPr>
+          <p:spPr>
+            <a:xfrm>
+              <a:off x="2886871" y="4182196"/>
+              <a:ext cx="2405987" cy="338554"/>
+            </a:xfrm>
+            <a:prstGeom prst="rect">
+              <a:avLst/>
+            </a:prstGeom>
+            <a:noFill/>
+          </p:spPr>
+          <p:txBody>
+            <a:bodyPr wrap="square" rtlCol="0">
+              <a:spAutoFit/>
+            </a:bodyPr>
+            <a:lstStyle/>
+            <a:p>
+              <a:r>
+                <a:rPr lang="en-US" sz="1600" b="1" dirty="0" smtClean="0">
+                  <a:latin typeface="Courier New" panose="02070309020205020404" pitchFamily="49" charset="0"/>
+                  <a:cs typeface="Courier New" panose="02070309020205020404" pitchFamily="49" charset="0"/>
+                </a:rPr>
+                <a:t>read(</a:t>
+              </a:r>
+              <a:r>
+                <a:rPr lang="en-US" sz="1600" b="1" dirty="0" err="1" smtClean="0">
+                  <a:latin typeface="Courier New" panose="02070309020205020404" pitchFamily="49" charset="0"/>
+                  <a:cs typeface="Courier New" panose="02070309020205020404" pitchFamily="49" charset="0"/>
+                </a:rPr>
+                <a:t>obj</a:t>
+              </a:r>
+              <a:r>
+                <a:rPr lang="en-US" sz="1600" b="1" dirty="0" smtClean="0">
+                  <a:latin typeface="Courier New" panose="02070309020205020404" pitchFamily="49" charset="0"/>
+                  <a:cs typeface="Courier New" panose="02070309020205020404" pitchFamily="49" charset="0"/>
+                </a:rPr>
+                <a:t>)</a:t>
+              </a:r>
+            </a:p>
+          </p:txBody>
+        </p:sp>
+      </p:grpSp>
+      <p:sp>
+        <p:nvSpPr>
+          <p:cNvPr id="50" name="TextBox 49"/>
+          <p:cNvSpPr txBox="1"/>
+          <p:nvPr/>
+        </p:nvSpPr>
+        <p:spPr>
+          <a:xfrm>
+            <a:off x="4068747" y="5240320"/>
+            <a:ext cx="1266702" cy="523220"/>
+          </a:xfrm>
+          <a:prstGeom prst="rect">
+            <a:avLst/>
+          </a:prstGeom>
+          <a:noFill/>
+        </p:spPr>
+        <p:txBody>
+          <a:bodyPr wrap="square" rtlCol="0">
+            <a:spAutoFit/>
+          </a:bodyPr>
+          <a:lstStyle/>
+          <a:p>
+            <a:r>
+              <a:rPr lang="en-US" sz="1400" b="1" dirty="0" smtClean="0">
+                <a:latin typeface="Courier New" panose="02070309020205020404" pitchFamily="49" charset="0"/>
+                <a:cs typeface="Courier New" panose="02070309020205020404" pitchFamily="49" charset="0"/>
+              </a:rPr>
+              <a:t>upper(</a:t>
+            </a:r>
+            <a:r>
+              <a:rPr lang="en-US" sz="1400" b="1" dirty="0" err="1" smtClean="0">
+                <a:latin typeface="Courier New" panose="02070309020205020404" pitchFamily="49" charset="0"/>
+                <a:cs typeface="Courier New" panose="02070309020205020404" pitchFamily="49" charset="0"/>
+              </a:rPr>
+              <a:t>obj</a:t>
+            </a:r>
+            <a:r>
+              <a:rPr lang="en-US" sz="1400" b="1" dirty="0" smtClean="0">
+                <a:latin typeface="Courier New" panose="02070309020205020404" pitchFamily="49" charset="0"/>
+                <a:cs typeface="Courier New" panose="02070309020205020404" pitchFamily="49" charset="0"/>
+              </a:rPr>
+              <a:t>)</a:t>
+            </a:r>
+          </a:p>
+          <a:p>
+            <a:endParaRPr lang="en-US" sz="1400" dirty="0"/>
+          </a:p>
+        </p:txBody>
+      </p:sp>
+      <p:grpSp>
+        <p:nvGrpSpPr>
+          <p:cNvPr id="7" name="Group 6"/>
+          <p:cNvGrpSpPr/>
+          <p:nvPr/>
+        </p:nvGrpSpPr>
+        <p:grpSpPr>
+          <a:xfrm>
+            <a:off x="2537924" y="5674254"/>
+            <a:ext cx="2588269" cy="1025518"/>
+            <a:chOff x="2537924" y="5674254"/>
+            <a:chExt cx="2588269" cy="1025518"/>
+          </a:xfrm>
+        </p:grpSpPr>
+        <p:sp>
+          <p:nvSpPr>
+            <p:cNvPr id="51" name="Freeform 50"/>
+            <p:cNvSpPr/>
+            <p:nvPr/>
+          </p:nvSpPr>
+          <p:spPr>
+            <a:xfrm>
+              <a:off x="2537924" y="5674254"/>
+              <a:ext cx="1976952" cy="909761"/>
+            </a:xfrm>
+            <a:custGeom>
+              <a:avLst/>
+              <a:gdLst>
+                <a:gd name="connsiteX0" fmla="*/ 5470072 w 5470072"/>
+                <a:gd name="connsiteY0" fmla="*/ 0 h 2517239"/>
+                <a:gd name="connsiteX1" fmla="*/ 2922814 w 5470072"/>
+                <a:gd name="connsiteY1" fmla="*/ 2498272 h 2517239"/>
+                <a:gd name="connsiteX2" fmla="*/ 0 w 5470072"/>
+                <a:gd name="connsiteY2" fmla="*/ 947058 h 2517239"/>
+              </a:gdLst>
+              <a:ahLst/>
+              <a:cxnLst>
+                <a:cxn ang="0">
+                  <a:pos x="connsiteX0" y="connsiteY0"/>
+                </a:cxn>
+                <a:cxn ang="0">
+                  <a:pos x="connsiteX1" y="connsiteY1"/>
+                </a:cxn>
+                <a:cxn ang="0">
+                  <a:pos x="connsiteX2" y="connsiteY2"/>
+                </a:cxn>
+              </a:cxnLst>
+              <a:rect l="l" t="t" r="r" b="b"/>
+              <a:pathLst>
+                <a:path w="5470072" h="2517239">
+                  <a:moveTo>
+                    <a:pt x="5470072" y="0"/>
+                  </a:moveTo>
+                  <a:cubicBezTo>
+                    <a:pt x="4652282" y="1170214"/>
+                    <a:pt x="3834493" y="2340429"/>
+                    <a:pt x="2922814" y="2498272"/>
+                  </a:cubicBezTo>
+                  <a:cubicBezTo>
+                    <a:pt x="2011135" y="2656115"/>
+                    <a:pt x="1005567" y="1801586"/>
+                    <a:pt x="0" y="947058"/>
+                  </a:cubicBezTo>
+                </a:path>
+              </a:pathLst>
+            </a:custGeom>
+            <a:noFill/>
+            <a:ln w="57150">
+              <a:solidFill>
+                <a:schemeClr val="tx1"/>
+              </a:solidFill>
+              <a:headEnd type="none" w="med" len="med"/>
+              <a:tailEnd type="triangle" w="med" len="med"/>
+            </a:ln>
+          </p:spPr>
+          <p:style>
+            <a:lnRef idx="2">
+              <a:schemeClr val="accent1">
+                <a:shade val="50000"/>
+              </a:schemeClr>
+            </a:lnRef>
+            <a:fillRef idx="1">
+              <a:schemeClr val="accent1"/>
+            </a:fillRef>
+            <a:effectRef idx="0">
+              <a:schemeClr val="accent1"/>
+            </a:effectRef>
+            <a:fontRef idx="minor">
+              <a:schemeClr val="lt1"/>
+            </a:fontRef>
+          </p:style>
+          <p:txBody>
+            <a:bodyPr rtlCol="0" anchor="ctr"/>
+            <a:lstStyle/>
+            <a:p>
+              <a:pPr algn="ctr"/>
+              <a:endParaRPr lang="en-US" sz="1400"/>
+            </a:p>
+          </p:txBody>
+        </p:sp>
+        <p:sp>
+          <p:nvSpPr>
+            <p:cNvPr id="52" name="Oval 51"/>
+            <p:cNvSpPr/>
+            <p:nvPr/>
+          </p:nvSpPr>
+          <p:spPr>
+            <a:xfrm>
+              <a:off x="3459632" y="6451915"/>
+              <a:ext cx="247857" cy="247857"/>
+            </a:xfrm>
+            <a:prstGeom prst="ellipse">
+              <a:avLst/>
+            </a:prstGeom>
+            <a:gradFill flip="none" rotWithShape="1">
+              <a:gsLst>
+                <a:gs pos="0">
+                  <a:srgbClr val="FFFF00">
+                    <a:shade val="30000"/>
+                    <a:satMod val="115000"/>
+                  </a:srgbClr>
+                </a:gs>
+                <a:gs pos="50000">
+                  <a:srgbClr val="FFFF00">
+                    <a:shade val="67500"/>
+                    <a:satMod val="115000"/>
+                  </a:srgbClr>
+                </a:gs>
+                <a:gs pos="100000">
+                  <a:srgbClr val="FFFF00">
+                    <a:shade val="100000"/>
+                    <a:satMod val="115000"/>
+                  </a:srgbClr>
+                </a:gs>
+              </a:gsLst>
+              <a:path path="circle">
+                <a:fillToRect l="50000" t="50000" r="50000" b="50000"/>
+              </a:path>
+              <a:tileRect/>
+            </a:gradFill>
+            <a:ln>
+              <a:solidFill>
+                <a:schemeClr val="tx1"/>
+              </a:solidFill>
+            </a:ln>
+          </p:spPr>
+          <p:style>
+            <a:lnRef idx="2">
+              <a:schemeClr val="accent1">
+                <a:shade val="50000"/>
+              </a:schemeClr>
+            </a:lnRef>
+            <a:fillRef idx="1">
+              <a:schemeClr val="accent1"/>
+            </a:fillRef>
+            <a:effectRef idx="0">
+              <a:schemeClr val="accent1"/>
+            </a:effectRef>
+            <a:fontRef idx="minor">
+              <a:schemeClr val="lt1"/>
+            </a:fontRef>
+          </p:style>
+          <p:txBody>
+            <a:bodyPr rtlCol="0" anchor="ctr"/>
+            <a:lstStyle/>
+            <a:p>
+              <a:pPr algn="ctr"/>
+              <a:endParaRPr lang="en-US" sz="1400"/>
+            </a:p>
+          </p:txBody>
+        </p:sp>
+        <p:sp>
+          <p:nvSpPr>
+            <p:cNvPr id="53" name="TextBox 52"/>
+            <p:cNvSpPr txBox="1"/>
+            <p:nvPr/>
+          </p:nvSpPr>
+          <p:spPr>
+            <a:xfrm>
+              <a:off x="2886871" y="5960041"/>
+              <a:ext cx="2239322" cy="523220"/>
+            </a:xfrm>
+            <a:prstGeom prst="rect">
+              <a:avLst/>
+            </a:prstGeom>
+            <a:noFill/>
+          </p:spPr>
+          <p:txBody>
+            <a:bodyPr wrap="square" rtlCol="0">
+              <a:spAutoFit/>
+            </a:bodyPr>
+            <a:lstStyle/>
+            <a:p>
+              <a:r>
+                <a:rPr lang="en-US" sz="1400" b="1" dirty="0" smtClean="0">
+                  <a:latin typeface="Courier New" panose="02070309020205020404" pitchFamily="49" charset="0"/>
+                  <a:cs typeface="Courier New" panose="02070309020205020404" pitchFamily="49" charset="0"/>
+                </a:rPr>
+                <a:t>write(</a:t>
+              </a:r>
+              <a:r>
+                <a:rPr lang="en-US" sz="1400" b="1" dirty="0" err="1" smtClean="0">
+                  <a:latin typeface="Courier New" panose="02070309020205020404" pitchFamily="49" charset="0"/>
+                  <a:cs typeface="Courier New" panose="02070309020205020404" pitchFamily="49" charset="0"/>
+                </a:rPr>
+                <a:t>obj</a:t>
+              </a:r>
+              <a:r>
+                <a:rPr lang="en-US" sz="1400" b="1" dirty="0" smtClean="0">
+                  <a:latin typeface="Courier New" panose="02070309020205020404" pitchFamily="49" charset="0"/>
+                  <a:cs typeface="Courier New" panose="02070309020205020404" pitchFamily="49" charset="0"/>
+                </a:rPr>
+                <a:t>)</a:t>
+              </a:r>
+            </a:p>
+            <a:p>
+              <a:endParaRPr lang="en-US" sz="1400" dirty="0"/>
+            </a:p>
+          </p:txBody>
+        </p:sp>
+      </p:grpSp>
+      <p:grpSp>
+        <p:nvGrpSpPr>
+          <p:cNvPr id="54" name="Group 53"/>
+          <p:cNvGrpSpPr/>
+          <p:nvPr/>
+        </p:nvGrpSpPr>
+        <p:grpSpPr>
+          <a:xfrm>
+            <a:off x="635370" y="4477096"/>
+            <a:ext cx="1887573" cy="1887573"/>
+            <a:chOff x="3009030" y="3554185"/>
+            <a:chExt cx="1961244" cy="1961244"/>
+          </a:xfrm>
+        </p:grpSpPr>
+        <p:sp>
+          <p:nvSpPr>
+            <p:cNvPr id="55" name="Rounded Rectangle 54"/>
+            <p:cNvSpPr/>
+            <p:nvPr/>
+          </p:nvSpPr>
+          <p:spPr>
+            <a:xfrm>
+              <a:off x="3009030" y="3554185"/>
+              <a:ext cx="1961244" cy="1961244"/>
+            </a:xfrm>
+            <a:prstGeom prst="roundRect">
+              <a:avLst/>
+            </a:prstGeom>
+            <a:solidFill>
+              <a:srgbClr val="80D2DD"/>
+            </a:solidFill>
+            <a:ln>
+              <a:solidFill>
+                <a:schemeClr val="tx1"/>
+              </a:solidFill>
+            </a:ln>
+          </p:spPr>
+          <p:style>
+            <a:lnRef idx="2">
+              <a:schemeClr val="accent1">
+                <a:shade val="50000"/>
+              </a:schemeClr>
+            </a:lnRef>
+            <a:fillRef idx="1">
+              <a:schemeClr val="accent1"/>
+            </a:fillRef>
+            <a:effectRef idx="0">
+              <a:schemeClr val="accent1"/>
+            </a:effectRef>
+            <a:fontRef idx="minor">
+              <a:schemeClr val="lt1"/>
+            </a:fontRef>
+          </p:style>
+          <p:txBody>
+            <a:bodyPr rtlCol="0" anchor="ctr"/>
+            <a:lstStyle/>
+            <a:p>
+              <a:pPr algn="ctr"/>
+              <a:endParaRPr lang="en-US" sz="2000" dirty="0">
+                <a:latin typeface="Arial" panose="020B0604020202020204" pitchFamily="34" charset="0"/>
+                <a:cs typeface="Arial" panose="020B0604020202020204" pitchFamily="34" charset="0"/>
+              </a:endParaRPr>
+            </a:p>
+          </p:txBody>
+        </p:sp>
+        <p:sp>
+          <p:nvSpPr>
+            <p:cNvPr id="56" name="Rounded Rectangle 55"/>
+            <p:cNvSpPr/>
+            <p:nvPr/>
+          </p:nvSpPr>
+          <p:spPr>
+            <a:xfrm>
+              <a:off x="3101787" y="4916716"/>
+              <a:ext cx="1775732" cy="526143"/>
+            </a:xfrm>
+            <a:prstGeom prst="roundRect">
+              <a:avLst>
+                <a:gd name="adj" fmla="val 35977"/>
+              </a:avLst>
+            </a:prstGeom>
+            <a:solidFill>
+              <a:srgbClr val="F05D55"/>
+            </a:solidFill>
+            <a:ln>
+              <a:solidFill>
+                <a:schemeClr val="tx1"/>
+              </a:solidFill>
+            </a:ln>
+          </p:spPr>
+          <p:style>
+            <a:lnRef idx="2">
+              <a:schemeClr val="accent1">
+                <a:shade val="50000"/>
+              </a:schemeClr>
+            </a:lnRef>
+            <a:fillRef idx="1">
+              <a:schemeClr val="accent1"/>
+            </a:fillRef>
+            <a:effectRef idx="0">
+              <a:schemeClr val="accent1"/>
+            </a:effectRef>
+            <a:fontRef idx="minor">
+              <a:schemeClr val="lt1"/>
+            </a:fontRef>
+          </p:style>
+          <p:txBody>
+            <a:bodyPr rtlCol="0" anchor="ctr"/>
+            <a:lstStyle/>
+            <a:p>
+              <a:pPr algn="ctr"/>
+              <a:r>
+                <a:rPr lang="en-US" sz="3600" b="1" dirty="0" smtClean="0">
+                  <a:latin typeface="Arial" panose="020B0604020202020204" pitchFamily="34" charset="0"/>
+                  <a:cs typeface="Arial" panose="020B0604020202020204" pitchFamily="34" charset="0"/>
+                </a:rPr>
+                <a:t>OSD</a:t>
+              </a:r>
+              <a:endParaRPr lang="en-US" sz="4000" b="1" dirty="0">
+                <a:latin typeface="Arial" panose="020B0604020202020204" pitchFamily="34" charset="0"/>
+                <a:cs typeface="Arial" panose="020B0604020202020204" pitchFamily="34" charset="0"/>
+              </a:endParaRPr>
+            </a:p>
+          </p:txBody>
+        </p:sp>
+      </p:grpSp>
+      <p:sp>
+        <p:nvSpPr>
+          <p:cNvPr id="39" name="Smiley Face 38"/>
+          <p:cNvSpPr/>
+          <p:nvPr/>
+        </p:nvSpPr>
+        <p:spPr>
+          <a:xfrm>
+            <a:off x="9467559" y="4808343"/>
+            <a:ext cx="413997" cy="413997"/>
+          </a:xfrm>
+          <a:prstGeom prst="smileyFace">
+            <a:avLst/>
+          </a:prstGeom>
+        </p:spPr>
+        <p:style>
+          <a:lnRef idx="2">
+            <a:schemeClr val="dk1"/>
+          </a:lnRef>
+          <a:fillRef idx="1">
+            <a:schemeClr val="lt1"/>
+          </a:fillRef>
+          <a:effectRef idx="0">
+            <a:schemeClr val="dk1"/>
+          </a:effectRef>
+          <a:fontRef idx="minor">
+            <a:schemeClr val="dk1"/>
+          </a:fontRef>
+        </p:style>
+        <p:txBody>
+          <a:bodyPr rtlCol="0" anchor="ctr"/>
+          <a:lstStyle/>
+          <a:p>
+            <a:pPr algn="ctr"/>
+            <a:endParaRPr lang="en-US" sz="1400"/>
+          </a:p>
+        </p:txBody>
+      </p:sp>
+      <p:grpSp>
+        <p:nvGrpSpPr>
+          <p:cNvPr id="8" name="Group 7"/>
+          <p:cNvGrpSpPr/>
+          <p:nvPr/>
+        </p:nvGrpSpPr>
+        <p:grpSpPr>
+          <a:xfrm>
+            <a:off x="7618262" y="4140606"/>
+            <a:ext cx="1882361" cy="1323615"/>
+            <a:chOff x="7618262" y="4140606"/>
+            <a:chExt cx="1882361" cy="1323615"/>
+          </a:xfrm>
+        </p:grpSpPr>
+        <p:sp>
+          <p:nvSpPr>
+            <p:cNvPr id="40" name="Freeform 39"/>
+            <p:cNvSpPr/>
+            <p:nvPr/>
+          </p:nvSpPr>
+          <p:spPr>
+            <a:xfrm rot="20034060" flipH="1">
+              <a:off x="7618262" y="4535496"/>
+              <a:ext cx="1710907" cy="928725"/>
+            </a:xfrm>
+            <a:custGeom>
+              <a:avLst/>
+              <a:gdLst>
+                <a:gd name="connsiteX0" fmla="*/ 0 w 5045528"/>
+                <a:gd name="connsiteY0" fmla="*/ 2569707 h 2569707"/>
+                <a:gd name="connsiteX1" fmla="*/ 1828800 w 5045528"/>
+                <a:gd name="connsiteY1" fmla="*/ 104093 h 2569707"/>
+                <a:gd name="connsiteX2" fmla="*/ 5045528 w 5045528"/>
+                <a:gd name="connsiteY2" fmla="*/ 691921 h 2569707"/>
+              </a:gdLst>
+              <a:ahLst/>
+              <a:cxnLst>
+                <a:cxn ang="0">
+                  <a:pos x="connsiteX0" y="connsiteY0"/>
+                </a:cxn>
+                <a:cxn ang="0">
+                  <a:pos x="connsiteX1" y="connsiteY1"/>
+                </a:cxn>
+                <a:cxn ang="0">
+                  <a:pos x="connsiteX2" y="connsiteY2"/>
+                </a:cxn>
+              </a:cxnLst>
+              <a:rect l="l" t="t" r="r" b="b"/>
+              <a:pathLst>
+                <a:path w="5045528" h="2569707">
+                  <a:moveTo>
+                    <a:pt x="0" y="2569707"/>
+                  </a:moveTo>
+                  <a:cubicBezTo>
+                    <a:pt x="493939" y="1493382"/>
+                    <a:pt x="987879" y="417057"/>
+                    <a:pt x="1828800" y="104093"/>
+                  </a:cubicBezTo>
+                  <a:cubicBezTo>
+                    <a:pt x="2669721" y="-208871"/>
+                    <a:pt x="3857624" y="241525"/>
+                    <a:pt x="5045528" y="691921"/>
+                  </a:cubicBezTo>
+                </a:path>
+              </a:pathLst>
+            </a:custGeom>
+            <a:noFill/>
+            <a:ln w="57150">
+              <a:solidFill>
+                <a:schemeClr val="tx1"/>
+              </a:solidFill>
+              <a:headEnd type="none" w="med" len="med"/>
+              <a:tailEnd type="triangle" w="med" len="med"/>
+            </a:ln>
+          </p:spPr>
+          <p:style>
+            <a:lnRef idx="2">
+              <a:schemeClr val="accent1">
+                <a:shade val="50000"/>
+              </a:schemeClr>
+            </a:lnRef>
+            <a:fillRef idx="1">
+              <a:schemeClr val="accent1"/>
+            </a:fillRef>
+            <a:effectRef idx="0">
+              <a:schemeClr val="accent1"/>
+            </a:effectRef>
+            <a:fontRef idx="minor">
+              <a:schemeClr val="lt1"/>
+            </a:fontRef>
+          </p:style>
+          <p:txBody>
+            <a:bodyPr rtlCol="0" anchor="ctr"/>
+            <a:lstStyle/>
+            <a:p>
+              <a:pPr algn="ctr"/>
+              <a:endParaRPr lang="en-US" sz="1400"/>
+            </a:p>
+          </p:txBody>
+        </p:sp>
+        <p:sp>
+          <p:nvSpPr>
+            <p:cNvPr id="41" name="TextBox 40"/>
+            <p:cNvSpPr txBox="1"/>
+            <p:nvPr/>
+          </p:nvSpPr>
+          <p:spPr>
+            <a:xfrm>
+              <a:off x="8062511" y="4140606"/>
+              <a:ext cx="1438112" cy="338554"/>
+            </a:xfrm>
+            <a:prstGeom prst="rect">
+              <a:avLst/>
+            </a:prstGeom>
+            <a:noFill/>
+          </p:spPr>
+          <p:txBody>
+            <a:bodyPr wrap="square" rtlCol="0">
+              <a:spAutoFit/>
+            </a:bodyPr>
+            <a:lstStyle/>
+            <a:p>
+              <a:r>
+                <a:rPr lang="en-US" sz="1600" b="1" dirty="0" smtClean="0">
+                  <a:latin typeface="Courier New" panose="02070309020205020404" pitchFamily="49" charset="0"/>
+                  <a:cs typeface="Courier New" panose="02070309020205020404" pitchFamily="49" charset="0"/>
+                </a:rPr>
+                <a:t>upper(</a:t>
+              </a:r>
+              <a:r>
+                <a:rPr lang="en-US" sz="1600" b="1" dirty="0" err="1" smtClean="0">
+                  <a:latin typeface="Courier New" panose="02070309020205020404" pitchFamily="49" charset="0"/>
+                  <a:cs typeface="Courier New" panose="02070309020205020404" pitchFamily="49" charset="0"/>
+                </a:rPr>
+                <a:t>obj</a:t>
+              </a:r>
+              <a:r>
+                <a:rPr lang="en-US" sz="1600" b="1" dirty="0" smtClean="0">
+                  <a:latin typeface="Courier New" panose="02070309020205020404" pitchFamily="49" charset="0"/>
+                  <a:cs typeface="Courier New" panose="02070309020205020404" pitchFamily="49" charset="0"/>
+                </a:rPr>
+                <a:t>)</a:t>
+              </a:r>
+            </a:p>
+          </p:txBody>
+        </p:sp>
+      </p:grpSp>
+      <p:grpSp>
+        <p:nvGrpSpPr>
+          <p:cNvPr id="42" name="Group 41"/>
+          <p:cNvGrpSpPr/>
+          <p:nvPr/>
+        </p:nvGrpSpPr>
+        <p:grpSpPr>
+          <a:xfrm>
+            <a:off x="5746271" y="4504382"/>
+            <a:ext cx="1887574" cy="1887573"/>
+            <a:chOff x="3009030" y="3554185"/>
+            <a:chExt cx="1961244" cy="1961244"/>
+          </a:xfrm>
+        </p:grpSpPr>
+        <p:sp>
+          <p:nvSpPr>
+            <p:cNvPr id="44" name="Rounded Rectangle 43"/>
+            <p:cNvSpPr/>
+            <p:nvPr/>
+          </p:nvSpPr>
+          <p:spPr>
+            <a:xfrm>
+              <a:off x="3009030" y="3554185"/>
+              <a:ext cx="1961244" cy="1961244"/>
+            </a:xfrm>
+            <a:prstGeom prst="roundRect">
+              <a:avLst/>
+            </a:prstGeom>
+            <a:solidFill>
+              <a:srgbClr val="80D2DD"/>
+            </a:solidFill>
+            <a:ln>
+              <a:solidFill>
+                <a:schemeClr val="tx1"/>
+              </a:solidFill>
+            </a:ln>
+          </p:spPr>
+          <p:style>
+            <a:lnRef idx="2">
+              <a:schemeClr val="accent1">
+                <a:shade val="50000"/>
+              </a:schemeClr>
+            </a:lnRef>
+            <a:fillRef idx="1">
+              <a:schemeClr val="accent1"/>
+            </a:fillRef>
+            <a:effectRef idx="0">
+              <a:schemeClr val="accent1"/>
+            </a:effectRef>
+            <a:fontRef idx="minor">
+              <a:schemeClr val="lt1"/>
+            </a:fontRef>
+          </p:style>
+          <p:txBody>
+            <a:bodyPr rtlCol="0" anchor="ctr"/>
+            <a:lstStyle/>
+            <a:p>
+              <a:pPr algn="ctr"/>
+              <a:endParaRPr lang="en-US" sz="2000" dirty="0">
+                <a:latin typeface="Arial" panose="020B0604020202020204" pitchFamily="34" charset="0"/>
+                <a:cs typeface="Arial" panose="020B0604020202020204" pitchFamily="34" charset="0"/>
+              </a:endParaRPr>
+            </a:p>
+          </p:txBody>
+        </p:sp>
+        <p:sp>
+          <p:nvSpPr>
+            <p:cNvPr id="45" name="Rounded Rectangle 44"/>
+            <p:cNvSpPr/>
+            <p:nvPr/>
+          </p:nvSpPr>
+          <p:spPr>
+            <a:xfrm>
+              <a:off x="3101787" y="4916716"/>
+              <a:ext cx="1775732" cy="526143"/>
+            </a:xfrm>
+            <a:prstGeom prst="roundRect">
+              <a:avLst>
+                <a:gd name="adj" fmla="val 35977"/>
+              </a:avLst>
+            </a:prstGeom>
+            <a:solidFill>
+              <a:srgbClr val="F05D55"/>
+            </a:solidFill>
+            <a:ln>
+              <a:solidFill>
+                <a:schemeClr val="tx1"/>
+              </a:solidFill>
+            </a:ln>
+          </p:spPr>
+          <p:style>
+            <a:lnRef idx="2">
+              <a:schemeClr val="accent1">
+                <a:shade val="50000"/>
+              </a:schemeClr>
+            </a:lnRef>
+            <a:fillRef idx="1">
+              <a:schemeClr val="accent1"/>
+            </a:fillRef>
+            <a:effectRef idx="0">
+              <a:schemeClr val="accent1"/>
+            </a:effectRef>
+            <a:fontRef idx="minor">
+              <a:schemeClr val="lt1"/>
+            </a:fontRef>
+          </p:style>
+          <p:txBody>
+            <a:bodyPr rtlCol="0" anchor="ctr"/>
+            <a:lstStyle/>
+            <a:p>
+              <a:pPr algn="ctr"/>
+              <a:r>
+                <a:rPr lang="en-US" sz="3600" b="1" dirty="0" smtClean="0">
+                  <a:latin typeface="Arial" panose="020B0604020202020204" pitchFamily="34" charset="0"/>
+                  <a:cs typeface="Arial" panose="020B0604020202020204" pitchFamily="34" charset="0"/>
+                </a:rPr>
+                <a:t>OSD</a:t>
+              </a:r>
+              <a:endParaRPr lang="en-US" sz="4000" b="1" dirty="0">
+                <a:latin typeface="Arial" panose="020B0604020202020204" pitchFamily="34" charset="0"/>
+                <a:cs typeface="Arial" panose="020B0604020202020204" pitchFamily="34" charset="0"/>
+              </a:endParaRPr>
+            </a:p>
+          </p:txBody>
+        </p:sp>
+      </p:grpSp>
+      <p:grpSp>
+        <p:nvGrpSpPr>
+          <p:cNvPr id="9" name="Group 8"/>
+          <p:cNvGrpSpPr/>
+          <p:nvPr/>
+        </p:nvGrpSpPr>
+        <p:grpSpPr>
+          <a:xfrm>
+            <a:off x="6777288" y="5396964"/>
+            <a:ext cx="693376" cy="257601"/>
+            <a:chOff x="6777288" y="5396964"/>
+            <a:chExt cx="693376" cy="257601"/>
+          </a:xfrm>
+        </p:grpSpPr>
+        <p:sp>
+          <p:nvSpPr>
+            <p:cNvPr id="43" name="Oval 42"/>
+            <p:cNvSpPr/>
+            <p:nvPr/>
+          </p:nvSpPr>
+          <p:spPr>
+            <a:xfrm>
+              <a:off x="6777288" y="5406708"/>
+              <a:ext cx="247857" cy="247857"/>
+            </a:xfrm>
+            <a:prstGeom prst="ellipse">
+              <a:avLst/>
+            </a:prstGeom>
+            <a:solidFill>
+              <a:srgbClr val="FFFF00"/>
+            </a:solidFill>
+            <a:ln>
+              <a:solidFill>
+                <a:schemeClr val="tx1"/>
+              </a:solidFill>
+            </a:ln>
+          </p:spPr>
+          <p:style>
+            <a:lnRef idx="2">
+              <a:schemeClr val="accent1">
+                <a:shade val="50000"/>
+              </a:schemeClr>
+            </a:lnRef>
+            <a:fillRef idx="1">
+              <a:schemeClr val="accent1"/>
+            </a:fillRef>
+            <a:effectRef idx="0">
+              <a:schemeClr val="accent1"/>
+            </a:effectRef>
+            <a:fontRef idx="minor">
+              <a:schemeClr val="lt1"/>
+            </a:fontRef>
+          </p:style>
+          <p:txBody>
+            <a:bodyPr rtlCol="0" anchor="ctr"/>
+            <a:lstStyle/>
+            <a:p>
+              <a:pPr algn="ctr"/>
+              <a:endParaRPr lang="en-US" sz="1400"/>
+            </a:p>
+          </p:txBody>
+        </p:sp>
+        <p:sp>
+          <p:nvSpPr>
+            <p:cNvPr id="37" name="Oval 36"/>
+            <p:cNvSpPr/>
+            <p:nvPr/>
+          </p:nvSpPr>
+          <p:spPr>
+            <a:xfrm>
+              <a:off x="7222807" y="5396964"/>
+              <a:ext cx="247857" cy="247857"/>
+            </a:xfrm>
+            <a:prstGeom prst="ellipse">
+              <a:avLst/>
+            </a:prstGeom>
+            <a:gradFill flip="none" rotWithShape="1">
+              <a:gsLst>
+                <a:gs pos="0">
+                  <a:srgbClr val="FFFF00">
+                    <a:shade val="30000"/>
+                    <a:satMod val="115000"/>
+                  </a:srgbClr>
+                </a:gs>
+                <a:gs pos="50000">
+                  <a:srgbClr val="FFFF00">
+                    <a:shade val="67500"/>
+                    <a:satMod val="115000"/>
+                  </a:srgbClr>
+                </a:gs>
+                <a:gs pos="100000">
+                  <a:srgbClr val="FFFF00">
+                    <a:shade val="100000"/>
+                    <a:satMod val="115000"/>
+                  </a:srgbClr>
+                </a:gs>
+              </a:gsLst>
+              <a:path path="circle">
+                <a:fillToRect l="50000" t="50000" r="50000" b="50000"/>
+              </a:path>
+              <a:tileRect/>
+            </a:gradFill>
+            <a:ln>
+              <a:solidFill>
+                <a:schemeClr val="tx1"/>
+              </a:solidFill>
+            </a:ln>
+          </p:spPr>
+          <p:style>
+            <a:lnRef idx="2">
+              <a:schemeClr val="accent1">
+                <a:shade val="50000"/>
+              </a:schemeClr>
+            </a:lnRef>
+            <a:fillRef idx="1">
+              <a:schemeClr val="accent1"/>
+            </a:fillRef>
+            <a:effectRef idx="0">
+              <a:schemeClr val="accent1"/>
+            </a:effectRef>
+            <a:fontRef idx="minor">
+              <a:schemeClr val="lt1"/>
+            </a:fontRef>
+          </p:style>
+          <p:txBody>
+            <a:bodyPr rtlCol="0" anchor="ctr"/>
+            <a:lstStyle/>
+            <a:p>
+              <a:pPr algn="ctr"/>
+              <a:endParaRPr lang="en-US" sz="1400"/>
+            </a:p>
+          </p:txBody>
+        </p:sp>
+        <p:cxnSp>
+          <p:nvCxnSpPr>
+            <p:cNvPr id="38" name="Straight Arrow Connector 37"/>
+            <p:cNvCxnSpPr>
+              <a:stCxn id="43" idx="6"/>
+              <a:endCxn id="37" idx="2"/>
+            </p:cNvCxnSpPr>
+            <p:nvPr/>
+          </p:nvCxnSpPr>
+          <p:spPr>
+            <a:xfrm flipV="1">
+              <a:off x="7025145" y="5520893"/>
+              <a:ext cx="197662" cy="9743"/>
+            </a:xfrm>
+            <a:prstGeom prst="straightConnector1">
+              <a:avLst/>
+            </a:prstGeom>
+            <a:ln w="28575">
+              <a:solidFill>
+                <a:schemeClr val="tx1">
+                  <a:lumMod val="95000"/>
+                  <a:lumOff val="5000"/>
+                </a:schemeClr>
+              </a:solidFill>
+              <a:tailEnd type="triangle"/>
+            </a:ln>
+          </p:spPr>
+          <p:style>
+            <a:lnRef idx="1">
+              <a:schemeClr val="accent1"/>
+            </a:lnRef>
+            <a:fillRef idx="0">
+              <a:schemeClr val="accent1"/>
+            </a:fillRef>
+            <a:effectRef idx="0">
+              <a:schemeClr val="accent1"/>
+            </a:effectRef>
+            <a:fontRef idx="minor">
+              <a:schemeClr val="tx1"/>
+            </a:fontRef>
+          </p:style>
+        </p:cxnSp>
+      </p:grpSp>
+      <p:sp>
+        <p:nvSpPr>
+          <p:cNvPr id="34" name="Rounded Rectangle 33"/>
+          <p:cNvSpPr/>
+          <p:nvPr/>
+        </p:nvSpPr>
+        <p:spPr>
+          <a:xfrm>
+            <a:off x="5811590" y="4649534"/>
+            <a:ext cx="881827" cy="881827"/>
+          </a:xfrm>
+          <a:prstGeom prst="roundRect">
+            <a:avLst/>
+          </a:prstGeom>
+          <a:ln w="76200"/>
+        </p:spPr>
+        <p:style>
+          <a:lnRef idx="2">
+            <a:schemeClr val="accent6"/>
+          </a:lnRef>
+          <a:fillRef idx="1">
+            <a:schemeClr val="lt1"/>
+          </a:fillRef>
+          <a:effectRef idx="0">
+            <a:schemeClr val="accent6"/>
+          </a:effectRef>
+          <a:fontRef idx="minor">
+            <a:schemeClr val="dk1"/>
+          </a:fontRef>
+        </p:style>
+        <p:txBody>
+          <a:bodyPr rtlCol="0" anchor="ctr"/>
+          <a:lstStyle/>
+          <a:p>
+            <a:pPr algn="ctr"/>
+            <a:r>
+              <a:rPr lang="en-US" sz="1600" b="1" dirty="0">
+                <a:latin typeface="Courier New" panose="02070309020205020404" pitchFamily="49" charset="0"/>
+                <a:cs typeface="Courier New" panose="02070309020205020404" pitchFamily="49" charset="0"/>
+              </a:rPr>
+              <a:t>u</a:t>
+            </a:r>
+            <a:r>
+              <a:rPr lang="en-US" sz="1600" b="1" dirty="0" smtClean="0">
+                <a:latin typeface="Courier New" panose="02070309020205020404" pitchFamily="49" charset="0"/>
+                <a:cs typeface="Courier New" panose="02070309020205020404" pitchFamily="49" charset="0"/>
+              </a:rPr>
+              <a:t>pper</a:t>
+            </a:r>
+          </a:p>
+          <a:p>
+            <a:pPr algn="ctr"/>
+            <a:r>
+              <a:rPr lang="en-US" sz="1600" b="1" dirty="0" smtClean="0">
+                <a:latin typeface="Courier New" panose="02070309020205020404" pitchFamily="49" charset="0"/>
+                <a:cs typeface="Courier New" panose="02070309020205020404" pitchFamily="49" charset="0"/>
+              </a:rPr>
+              <a:t>.so</a:t>
+            </a:r>
+            <a:endParaRPr lang="en-US" sz="1600" b="1" dirty="0">
+              <a:latin typeface="Courier New" panose="02070309020205020404" pitchFamily="49" charset="0"/>
+              <a:cs typeface="Courier New" panose="02070309020205020404" pitchFamily="49" charset="0"/>
+            </a:endParaRPr>
+          </a:p>
+        </p:txBody>
+      </p:sp>
+      <p:sp>
+        <p:nvSpPr>
+          <p:cNvPr id="10" name="Rectangle 9"/>
+          <p:cNvSpPr/>
+          <p:nvPr/>
+        </p:nvSpPr>
+        <p:spPr>
+          <a:xfrm>
+            <a:off x="8062511" y="1593993"/>
+            <a:ext cx="3182596" cy="1162373"/>
+          </a:xfrm>
+          <a:prstGeom prst="rect">
+            <a:avLst/>
+          </a:prstGeom>
+          <a:solidFill>
+            <a:schemeClr val="bg1"/>
+          </a:solidFill>
+          <a:ln>
+            <a:solidFill>
+              <a:schemeClr val="bg1"/>
+            </a:solidFill>
+          </a:ln>
+        </p:spPr>
+        <p:style>
+          <a:lnRef idx="2">
+            <a:schemeClr val="accent1">
+              <a:shade val="50000"/>
+            </a:schemeClr>
+          </a:lnRef>
+          <a:fillRef idx="1">
+            <a:schemeClr val="accent1"/>
+          </a:fillRef>
+          <a:effectRef idx="0">
+            <a:schemeClr val="accent1"/>
+          </a:effectRef>
+          <a:fontRef idx="minor">
+            <a:schemeClr val="lt1"/>
+          </a:fontRef>
+        </p:style>
+        <p:txBody>
+          <a:bodyPr rtlCol="0" anchor="ctr"/>
+          <a:lstStyle/>
+          <a:p>
+            <a:pPr algn="ctr"/>
+            <a:endParaRPr lang="en-US"/>
+          </a:p>
+        </p:txBody>
+      </p:sp>
+    </p:spTree>
+    <p:extLst>
+      <p:ext uri="{BB962C8B-B14F-4D97-AF65-F5344CB8AC3E}">
+        <p14:creationId xmlns:p14="http://schemas.microsoft.com/office/powerpoint/2010/main" val="766138325"/>
+      </p:ext>
+    </p:extLst>
+  </p:cSld>
+  <p:clrMapOvr>
+    <a:masterClrMapping/>
+  </p:clrMapOvr>
+  <p:timing>
+    <p:tnLst>
+      <p:par>
+        <p:cTn xmlns:p14="http://schemas.microsoft.com/office/powerpoint/2010/main" id="1" dur="indefinite" restart="never" nodeType="tmRoot">
+          <p:childTnLst>
+            <p:seq concurrent="1" nextAc="seek">
+              <p:cTn id="2" dur="indefinite" nodeType="mainSeq">
+                <p:childTnLst>
+                  <p:par>
+                    <p:cTn id="3" fill="hold">
+                      <p:stCondLst>
+                        <p:cond delay="indefinite"/>
+                      </p:stCondLst>
+                      <p:childTnLst>
+                        <p:par>
+                          <p:cTn id="4" fill="hold">
+                            <p:stCondLst>
+                              <p:cond delay="0"/>
+                            </p:stCondLst>
+                            <p:childTnLst>
+                              <p:par>
+                                <p:cTn id="5" presetID="1" presetClass="entr" presetSubtype="0" fill="hold" nodeType="clickEffect">
+                                  <p:stCondLst>
+                                    <p:cond delay="0"/>
+                                  </p:stCondLst>
+                                  <p:childTnLst>
+                                    <p:set>
+                                      <p:cBhvr>
+                                        <p:cTn id="6" dur="1" fill="hold">
+                                          <p:stCondLst>
+                                            <p:cond delay="0"/>
+                                          </p:stCondLst>
+                                        </p:cTn>
+                                        <p:tgtEl>
+                                          <p:spTgt spid="3">
+                                            <p:txEl>
+                                              <p:pRg st="3" end="3"/>
+                                            </p:txEl>
+                                          </p:spTgt>
+                                        </p:tgtEl>
+                                        <p:attrNameLst>
+                                          <p:attrName>style.visibility</p:attrName>
+                                        </p:attrNameLst>
+                                      </p:cBhvr>
+                                      <p:to>
+                                        <p:strVal val="visible"/>
+                                      </p:to>
+                                    </p:set>
+                                  </p:childTnLst>
+                                </p:cTn>
+                              </p:par>
+                              <p:par>
+                                <p:cTn id="7" presetID="1" presetClass="entr" presetSubtype="0" fill="hold" nodeType="withEffect">
+                                  <p:stCondLst>
+                                    <p:cond delay="0"/>
+                                  </p:stCondLst>
+                                  <p:childTnLst>
+                                    <p:set>
+                                      <p:cBhvr>
+                                        <p:cTn id="8" dur="1" fill="hold">
+                                          <p:stCondLst>
+                                            <p:cond delay="0"/>
+                                          </p:stCondLst>
+                                        </p:cTn>
+                                        <p:tgtEl>
+                                          <p:spTgt spid="3">
+                                            <p:txEl>
+                                              <p:pRg st="4" end="4"/>
+                                            </p:txEl>
+                                          </p:spTgt>
+                                        </p:tgtEl>
+                                        <p:attrNameLst>
+                                          <p:attrName>style.visibility</p:attrName>
+                                        </p:attrNameLst>
+                                      </p:cBhvr>
+                                      <p:to>
+                                        <p:strVal val="visible"/>
+                                      </p:to>
+                                    </p:set>
+                                  </p:childTnLst>
+                                </p:cTn>
+                              </p:par>
+                            </p:childTnLst>
+                          </p:cTn>
+                        </p:par>
+                      </p:childTnLst>
+                    </p:cTn>
+                  </p:par>
+                  <p:par>
+                    <p:cTn id="9" fill="hold">
+                      <p:stCondLst>
+                        <p:cond delay="indefinite"/>
+                      </p:stCondLst>
+                      <p:childTnLst>
+                        <p:par>
+                          <p:cTn id="10" fill="hold">
+                            <p:stCondLst>
+                              <p:cond delay="0"/>
+                            </p:stCondLst>
+                            <p:childTnLst>
+                              <p:par>
+                                <p:cTn id="11" presetID="1" presetClass="entr" presetSubtype="0" fill="hold" nodeType="clickEffect">
+                                  <p:stCondLst>
+                                    <p:cond delay="0"/>
+                                  </p:stCondLst>
+                                  <p:childTnLst>
+                                    <p:set>
+                                      <p:cBhvr>
+                                        <p:cTn id="12" dur="1" fill="hold">
+                                          <p:stCondLst>
+                                            <p:cond delay="0"/>
+                                          </p:stCondLst>
+                                        </p:cTn>
+                                        <p:tgtEl>
+                                          <p:spTgt spid="54"/>
+                                        </p:tgtEl>
+                                        <p:attrNameLst>
+                                          <p:attrName>style.visibility</p:attrName>
+                                        </p:attrNameLst>
+                                      </p:cBhvr>
+                                      <p:to>
+                                        <p:strVal val="visible"/>
+                                      </p:to>
+                                    </p:set>
+                                  </p:childTnLst>
+                                </p:cTn>
+                              </p:par>
+                              <p:par>
+                                <p:cTn id="13" presetID="1" presetClass="entr" presetSubtype="0" fill="hold" grpId="0" nodeType="withEffect">
+                                  <p:stCondLst>
+                                    <p:cond delay="0"/>
+                                  </p:stCondLst>
+                                  <p:childTnLst>
+                                    <p:set>
+                                      <p:cBhvr>
+                                        <p:cTn id="14" dur="1" fill="hold">
+                                          <p:stCondLst>
+                                            <p:cond delay="0"/>
+                                          </p:stCondLst>
+                                        </p:cTn>
+                                        <p:tgtEl>
+                                          <p:spTgt spid="46"/>
+                                        </p:tgtEl>
+                                        <p:attrNameLst>
+                                          <p:attrName>style.visibility</p:attrName>
+                                        </p:attrNameLst>
+                                      </p:cBhvr>
+                                      <p:to>
+                                        <p:strVal val="visible"/>
+                                      </p:to>
+                                    </p:set>
+                                  </p:childTnLst>
+                                </p:cTn>
+                              </p:par>
+                            </p:childTnLst>
+                          </p:cTn>
+                        </p:par>
+                      </p:childTnLst>
+                    </p:cTn>
+                  </p:par>
+                  <p:par>
+                    <p:cTn id="15" fill="hold">
+                      <p:stCondLst>
+                        <p:cond delay="indefinite"/>
+                      </p:stCondLst>
+                      <p:childTnLst>
+                        <p:par>
+                          <p:cTn id="16" fill="hold">
+                            <p:stCondLst>
+                              <p:cond delay="0"/>
+                            </p:stCondLst>
+                            <p:childTnLst>
+                              <p:par>
+                                <p:cTn id="17" presetID="1" presetClass="entr" presetSubtype="0" fill="hold" nodeType="clickEffect">
+                                  <p:stCondLst>
+                                    <p:cond delay="0"/>
+                                  </p:stCondLst>
+                                  <p:childTnLst>
+                                    <p:set>
+                                      <p:cBhvr>
+                                        <p:cTn id="18" dur="1" fill="hold">
+                                          <p:stCondLst>
+                                            <p:cond delay="0"/>
+                                          </p:stCondLst>
+                                        </p:cTn>
+                                        <p:tgtEl>
+                                          <p:spTgt spid="6"/>
+                                        </p:tgtEl>
+                                        <p:attrNameLst>
+                                          <p:attrName>style.visibility</p:attrName>
+                                        </p:attrNameLst>
+                                      </p:cBhvr>
+                                      <p:to>
+                                        <p:strVal val="visible"/>
+                                      </p:to>
+                                    </p:set>
+                                  </p:childTnLst>
+                                </p:cTn>
+                              </p:par>
+                            </p:childTnLst>
+                          </p:cTn>
+                        </p:par>
+                      </p:childTnLst>
+                    </p:cTn>
+                  </p:par>
+                  <p:par>
+                    <p:cTn id="19" fill="hold">
+                      <p:stCondLst>
+                        <p:cond delay="indefinite"/>
+                      </p:stCondLst>
+                      <p:childTnLst>
+                        <p:par>
+                          <p:cTn id="20" fill="hold">
+                            <p:stCondLst>
+                              <p:cond delay="0"/>
+                            </p:stCondLst>
+                            <p:childTnLst>
+                              <p:par>
+                                <p:cTn id="21" presetID="1" presetClass="entr" presetSubtype="0" fill="hold" grpId="0" nodeType="clickEffect">
+                                  <p:stCondLst>
+                                    <p:cond delay="0"/>
+                                  </p:stCondLst>
+                                  <p:childTnLst>
+                                    <p:set>
+                                      <p:cBhvr>
+                                        <p:cTn id="22" dur="1" fill="hold">
+                                          <p:stCondLst>
+                                            <p:cond delay="0"/>
+                                          </p:stCondLst>
+                                        </p:cTn>
+                                        <p:tgtEl>
+                                          <p:spTgt spid="50"/>
+                                        </p:tgtEl>
+                                        <p:attrNameLst>
+                                          <p:attrName>style.visibility</p:attrName>
+                                        </p:attrNameLst>
+                                      </p:cBhvr>
+                                      <p:to>
+                                        <p:strVal val="visible"/>
+                                      </p:to>
+                                    </p:set>
+                                  </p:childTnLst>
+                                </p:cTn>
+                              </p:par>
+                            </p:childTnLst>
+                          </p:cTn>
+                        </p:par>
+                      </p:childTnLst>
+                    </p:cTn>
+                  </p:par>
+                  <p:par>
+                    <p:cTn id="23" fill="hold">
+                      <p:stCondLst>
+                        <p:cond delay="indefinite"/>
+                      </p:stCondLst>
+                      <p:childTnLst>
+                        <p:par>
+                          <p:cTn id="24" fill="hold">
+                            <p:stCondLst>
+                              <p:cond delay="0"/>
+                            </p:stCondLst>
+                            <p:childTnLst>
+                              <p:par>
+                                <p:cTn id="25" presetID="1" presetClass="entr" presetSubtype="0" fill="hold" nodeType="clickEffect">
+                                  <p:stCondLst>
+                                    <p:cond delay="0"/>
+                                  </p:stCondLst>
+                                  <p:childTnLst>
+                                    <p:set>
+                                      <p:cBhvr>
+                                        <p:cTn id="26" dur="1" fill="hold">
+                                          <p:stCondLst>
+                                            <p:cond delay="0"/>
+                                          </p:stCondLst>
+                                        </p:cTn>
+                                        <p:tgtEl>
+                                          <p:spTgt spid="7"/>
+                                        </p:tgtEl>
+                                        <p:attrNameLst>
+                                          <p:attrName>style.visibility</p:attrName>
+                                        </p:attrNameLst>
+                                      </p:cBhvr>
+                                      <p:to>
+                                        <p:strVal val="visible"/>
+                                      </p:to>
+                                    </p:set>
+                                  </p:childTnLst>
+                                </p:cTn>
+                              </p:par>
+                            </p:childTnLst>
+                          </p:cTn>
+                        </p:par>
+                      </p:childTnLst>
+                    </p:cTn>
+                  </p:par>
+                  <p:par>
+                    <p:cTn id="27" fill="hold">
+                      <p:stCondLst>
+                        <p:cond delay="indefinite"/>
+                      </p:stCondLst>
+                      <p:childTnLst>
+                        <p:par>
+                          <p:cTn id="28" fill="hold">
+                            <p:stCondLst>
+                              <p:cond delay="0"/>
+                            </p:stCondLst>
+                            <p:childTnLst>
+                              <p:par>
+                                <p:cTn id="29" presetID="1" presetClass="entr" presetSubtype="0" fill="hold" nodeType="clickEffect">
+                                  <p:stCondLst>
+                                    <p:cond delay="0"/>
+                                  </p:stCondLst>
+                                  <p:childTnLst>
+                                    <p:set>
+                                      <p:cBhvr>
+                                        <p:cTn id="30" dur="1" fill="hold">
+                                          <p:stCondLst>
+                                            <p:cond delay="0"/>
+                                          </p:stCondLst>
+                                        </p:cTn>
+                                        <p:tgtEl>
+                                          <p:spTgt spid="31">
+                                            <p:txEl>
+                                              <p:pRg st="3" end="3"/>
+                                            </p:txEl>
+                                          </p:spTgt>
+                                        </p:tgtEl>
+                                        <p:attrNameLst>
+                                          <p:attrName>style.visibility</p:attrName>
+                                        </p:attrNameLst>
+                                      </p:cBhvr>
+                                      <p:to>
+                                        <p:strVal val="visible"/>
+                                      </p:to>
+                                    </p:set>
+                                  </p:childTnLst>
+                                </p:cTn>
+                              </p:par>
+                              <p:par>
+                                <p:cTn id="31" presetID="1" presetClass="entr" presetSubtype="0" fill="hold" nodeType="withEffect">
+                                  <p:stCondLst>
+                                    <p:cond delay="0"/>
+                                  </p:stCondLst>
+                                  <p:childTnLst>
+                                    <p:set>
+                                      <p:cBhvr>
+                                        <p:cTn id="32" dur="1" fill="hold">
+                                          <p:stCondLst>
+                                            <p:cond delay="0"/>
+                                          </p:stCondLst>
+                                        </p:cTn>
+                                        <p:tgtEl>
+                                          <p:spTgt spid="31">
+                                            <p:txEl>
+                                              <p:pRg st="4" end="4"/>
+                                            </p:txEl>
+                                          </p:spTgt>
+                                        </p:tgtEl>
+                                        <p:attrNameLst>
+                                          <p:attrName>style.visibility</p:attrName>
+                                        </p:attrNameLst>
+                                      </p:cBhvr>
+                                      <p:to>
+                                        <p:strVal val="visible"/>
+                                      </p:to>
+                                    </p:set>
+                                  </p:childTnLst>
+                                </p:cTn>
+                              </p:par>
+                              <p:par>
+                                <p:cTn id="33" presetID="1" presetClass="entr" presetSubtype="0" fill="hold" nodeType="withEffect">
+                                  <p:stCondLst>
+                                    <p:cond delay="0"/>
+                                  </p:stCondLst>
+                                  <p:childTnLst>
+                                    <p:set>
+                                      <p:cBhvr>
+                                        <p:cTn id="34" dur="1" fill="hold">
+                                          <p:stCondLst>
+                                            <p:cond delay="0"/>
+                                          </p:stCondLst>
+                                        </p:cTn>
+                                        <p:tgtEl>
+                                          <p:spTgt spid="42"/>
+                                        </p:tgtEl>
+                                        <p:attrNameLst>
+                                          <p:attrName>style.visibility</p:attrName>
+                                        </p:attrNameLst>
+                                      </p:cBhvr>
+                                      <p:to>
+                                        <p:strVal val="visible"/>
+                                      </p:to>
+                                    </p:set>
+                                  </p:childTnLst>
+                                </p:cTn>
+                              </p:par>
+                              <p:par>
+                                <p:cTn id="35" presetID="1" presetClass="entr" presetSubtype="0" fill="hold" grpId="0" nodeType="withEffect">
+                                  <p:stCondLst>
+                                    <p:cond delay="0"/>
+                                  </p:stCondLst>
+                                  <p:childTnLst>
+                                    <p:set>
+                                      <p:cBhvr>
+                                        <p:cTn id="36" dur="1" fill="hold">
+                                          <p:stCondLst>
+                                            <p:cond delay="0"/>
+                                          </p:stCondLst>
+                                        </p:cTn>
+                                        <p:tgtEl>
+                                          <p:spTgt spid="39"/>
+                                        </p:tgtEl>
+                                        <p:attrNameLst>
+                                          <p:attrName>style.visibility</p:attrName>
+                                        </p:attrNameLst>
+                                      </p:cBhvr>
+                                      <p:to>
+                                        <p:strVal val="visible"/>
+                                      </p:to>
+                                    </p:set>
+                                  </p:childTnLst>
+                                </p:cTn>
+                              </p:par>
+                            </p:childTnLst>
+                          </p:cTn>
+                        </p:par>
+                      </p:childTnLst>
+                    </p:cTn>
+                  </p:par>
+                  <p:par>
+                    <p:cTn id="37" fill="hold">
+                      <p:stCondLst>
+                        <p:cond delay="indefinite"/>
+                      </p:stCondLst>
+                      <p:childTnLst>
+                        <p:par>
+                          <p:cTn id="38" fill="hold">
+                            <p:stCondLst>
+                              <p:cond delay="0"/>
+                            </p:stCondLst>
+                            <p:childTnLst>
+                              <p:par>
+                                <p:cTn id="39" presetID="1" presetClass="entr" presetSubtype="0" fill="hold" grpId="0" nodeType="clickEffect">
+                                  <p:stCondLst>
+                                    <p:cond delay="0"/>
+                                  </p:stCondLst>
+                                  <p:childTnLst>
+                                    <p:set>
+                                      <p:cBhvr>
+                                        <p:cTn id="40" dur="1" fill="hold">
+                                          <p:stCondLst>
+                                            <p:cond delay="0"/>
+                                          </p:stCondLst>
+                                        </p:cTn>
+                                        <p:tgtEl>
+                                          <p:spTgt spid="34"/>
+                                        </p:tgtEl>
+                                        <p:attrNameLst>
+                                          <p:attrName>style.visibility</p:attrName>
+                                        </p:attrNameLst>
+                                      </p:cBhvr>
+                                      <p:to>
+                                        <p:strVal val="visible"/>
+                                      </p:to>
+                                    </p:set>
+                                  </p:childTnLst>
+                                </p:cTn>
+                              </p:par>
+                            </p:childTnLst>
+                          </p:cTn>
+                        </p:par>
+                      </p:childTnLst>
+                    </p:cTn>
+                  </p:par>
+                  <p:par>
+                    <p:cTn id="41" fill="hold">
+                      <p:stCondLst>
+                        <p:cond delay="indefinite"/>
+                      </p:stCondLst>
+                      <p:childTnLst>
+                        <p:par>
+                          <p:cTn id="42" fill="hold">
+                            <p:stCondLst>
+                              <p:cond delay="0"/>
+                            </p:stCondLst>
+                            <p:childTnLst>
+                              <p:par>
+                                <p:cTn id="43" presetID="1" presetClass="entr" presetSubtype="0" fill="hold" nodeType="clickEffect">
+                                  <p:stCondLst>
+                                    <p:cond delay="0"/>
+                                  </p:stCondLst>
+                                  <p:childTnLst>
+                                    <p:set>
+                                      <p:cBhvr>
+                                        <p:cTn id="44" dur="1" fill="hold">
+                                          <p:stCondLst>
+                                            <p:cond delay="0"/>
+                                          </p:stCondLst>
+                                        </p:cTn>
+                                        <p:tgtEl>
+                                          <p:spTgt spid="8"/>
+                                        </p:tgtEl>
+                                        <p:attrNameLst>
+                                          <p:attrName>style.visibility</p:attrName>
+                                        </p:attrNameLst>
+                                      </p:cBhvr>
+                                      <p:to>
+                                        <p:strVal val="visible"/>
+                                      </p:to>
+                                    </p:set>
+                                  </p:childTnLst>
+                                </p:cTn>
+                              </p:par>
+                            </p:childTnLst>
+                          </p:cTn>
+                        </p:par>
+                      </p:childTnLst>
+                    </p:cTn>
+                  </p:par>
+                  <p:par>
+                    <p:cTn id="45" fill="hold">
+                      <p:stCondLst>
+                        <p:cond delay="indefinite"/>
+                      </p:stCondLst>
+                      <p:childTnLst>
+                        <p:par>
+                          <p:cTn id="46" fill="hold">
+                            <p:stCondLst>
+                              <p:cond delay="0"/>
+                            </p:stCondLst>
+                            <p:childTnLst>
+                              <p:par>
+                                <p:cTn id="47" presetID="1" presetClass="entr" presetSubtype="0" fill="hold" nodeType="clickEffect">
+                                  <p:stCondLst>
+                                    <p:cond delay="0"/>
+                                  </p:stCondLst>
+                                  <p:childTnLst>
+                                    <p:set>
+                                      <p:cBhvr>
+                                        <p:cTn id="48" dur="1" fill="hold">
+                                          <p:stCondLst>
+                                            <p:cond delay="0"/>
+                                          </p:stCondLst>
+                                        </p:cTn>
+                                        <p:tgtEl>
+                                          <p:spTgt spid="9"/>
+                                        </p:tgtEl>
+                                        <p:attrNameLst>
+                                          <p:attrName>style.visibility</p:attrName>
+                                        </p:attrNameLst>
+                                      </p:cBhvr>
+                                      <p:to>
+                                        <p:strVal val="visible"/>
+                                      </p:to>
+                                    </p:set>
+                                  </p:childTnLst>
+                                </p:cTn>
+                              </p:par>
+                            </p:childTnLst>
+                          </p:cTn>
+                        </p:par>
+                      </p:childTnLst>
+                    </p:cTn>
+                  </p:par>
+                  <p:par>
+                    <p:cTn id="49" fill="hold">
+                      <p:stCondLst>
+                        <p:cond delay="indefinite"/>
+                      </p:stCondLst>
+                      <p:childTnLst>
+                        <p:par>
+                          <p:cTn id="50" fill="hold">
+                            <p:stCondLst>
+                              <p:cond delay="0"/>
+                            </p:stCondLst>
+                            <p:childTnLst>
+                              <p:par>
+                                <p:cTn id="51" presetID="14" presetClass="exit" presetSubtype="10" fill="hold" grpId="0" nodeType="clickEffect">
+                                  <p:stCondLst>
+                                    <p:cond delay="0"/>
+                                  </p:stCondLst>
+                                  <p:childTnLst>
+                                    <p:animEffect transition="out" filter="randombar(horizontal)">
+                                      <p:cBhvr>
+                                        <p:cTn id="52" dur="500"/>
+                                        <p:tgtEl>
+                                          <p:spTgt spid="10"/>
+                                        </p:tgtEl>
+                                      </p:cBhvr>
+                                    </p:animEffect>
+                                    <p:set>
+                                      <p:cBhvr>
+                                        <p:cTn id="53" dur="1" fill="hold">
+                                          <p:stCondLst>
+                                            <p:cond delay="499"/>
+                                          </p:stCondLst>
+                                        </p:cTn>
+                                        <p:tgtEl>
+                                          <p:spTgt spid="10"/>
+                                        </p:tgtEl>
+                                        <p:attrNameLst>
+                                          <p:attrName>style.visibility</p:attrName>
+                                        </p:attrNameLst>
+                                      </p:cBhvr>
+                                      <p:to>
+                                        <p:strVal val="hidden"/>
+                                      </p:to>
+                                    </p:set>
+                                  </p:childTnLst>
+                                </p:cTn>
+                              </p:par>
+                            </p:childTnLst>
+                          </p:cTn>
+                        </p:par>
+                      </p:childTnLst>
+                    </p:cTn>
+                  </p:par>
+                </p:childTnLst>
+              </p:cTn>
+              <p:prevCondLst>
+                <p:cond evt="onPrev" delay="0">
+                  <p:tgtEl>
+                    <p:sldTgt/>
+                  </p:tgtEl>
+                </p:cond>
+              </p:prevCondLst>
+              <p:nextCondLst>
+                <p:cond evt="onNext" delay="0">
+                  <p:tgtEl>
+                    <p:sldTgt/>
+                  </p:tgtEl>
+                </p:cond>
+              </p:nextCondLst>
+            </p:seq>
+          </p:childTnLst>
+        </p:cTn>
+      </p:par>
+    </p:tnLst>
+    <p:bldLst>
+      <p:bldP spid="46" grpId="0" animBg="1"/>
+      <p:bldP spid="50" grpId="0"/>
+      <p:bldP spid="39" grpId="0" animBg="1"/>
+      <p:bldP spid="34" grpId="0" animBg="1"/>
+      <p:bldP spid="10" grpId="0" animBg="1"/>
+    </p:bldLst>
+  </p:timing>
+</p:sld>
+</file>
+
+<file path=ppt/slides/slide11.xml><?xml version="1.0" encoding="utf-8"?>
+<p:sld xmlns:a="http://schemas.openxmlformats.org/drawingml/2006/main" xmlns:r="http://schemas.openxmlformats.org/officeDocument/2006/relationships" xmlns:p="http://schemas.openxmlformats.org/presentationml/2006/main">
+  <p:cSld>
+    <p:spTree>
+      <p:nvGrpSpPr>
+        <p:cNvPr id="1" name=""/>
+        <p:cNvGrpSpPr/>
+        <p:nvPr/>
+      </p:nvGrpSpPr>
+      <p:grpSpPr>
+        <a:xfrm>
+          <a:off x="0" y="0"/>
+          <a:ext cx="0" cy="0"/>
+          <a:chOff x="0" y="0"/>
+          <a:chExt cx="0" cy="0"/>
+        </a:xfrm>
+      </p:grpSpPr>
+      <p:sp>
+        <p:nvSpPr>
           <p:cNvPr id="5" name="Title 4"/>
           <p:cNvSpPr>
             <a:spLocks noGrp="1"/>
@@ -14595,7 +16913,7 @@
 </p:sld>
 </file>
 
-<file path=ppt/slides/slide11.xml><?xml version="1.0" encoding="utf-8"?>
+<file path=ppt/slides/slide12.xml><?xml version="1.0" encoding="utf-8"?>
 <p:sld xmlns:a="http://schemas.openxmlformats.org/drawingml/2006/main" xmlns:r="http://schemas.openxmlformats.org/officeDocument/2006/relationships" xmlns:p="http://schemas.openxmlformats.org/presentationml/2006/main">
   <p:cSld>
     <p:spTree>
@@ -15889,7 +18207,7 @@
 </p:sld>
 </file>
 
-<file path=ppt/slides/slide12.xml><?xml version="1.0" encoding="utf-8"?>
+<file path=ppt/slides/slide13.xml><?xml version="1.0" encoding="utf-8"?>
 <p:sld xmlns:a="http://schemas.openxmlformats.org/drawingml/2006/main" xmlns:r="http://schemas.openxmlformats.org/officeDocument/2006/relationships" xmlns:p="http://schemas.openxmlformats.org/presentationml/2006/main">
   <p:cSld>
     <p:spTree>
@@ -27389,6 +29707,2183 @@
       </p:grpSpPr>
       <p:sp>
         <p:nvSpPr>
+          <p:cNvPr id="3" name="Rectangle 2"/>
+          <p:cNvSpPr/>
+          <p:nvPr/>
+        </p:nvSpPr>
+        <p:spPr>
+          <a:xfrm>
+            <a:off x="3162300" y="101600"/>
+            <a:ext cx="3568700" cy="1651000"/>
+          </a:xfrm>
+          <a:prstGeom prst="rect">
+            <a:avLst/>
+          </a:prstGeom>
+          <a:solidFill>
+            <a:schemeClr val="bg2">
+              <a:lumMod val="75000"/>
+            </a:schemeClr>
+          </a:solidFill>
+          <a:ln>
+            <a:solidFill>
+              <a:schemeClr val="tx1"/>
+            </a:solidFill>
+          </a:ln>
+        </p:spPr>
+        <p:style>
+          <a:lnRef idx="1">
+            <a:schemeClr val="accent1"/>
+          </a:lnRef>
+          <a:fillRef idx="3">
+            <a:schemeClr val="accent1"/>
+          </a:fillRef>
+          <a:effectRef idx="2">
+            <a:schemeClr val="accent1"/>
+          </a:effectRef>
+          <a:fontRef idx="minor">
+            <a:schemeClr val="lt1"/>
+          </a:fontRef>
+        </p:style>
+        <p:txBody>
+          <a:bodyPr rtlCol="0" anchor="t"/>
+          <a:lstStyle/>
+          <a:p>
+            <a:pPr algn="ctr"/>
+            <a:r>
+              <a:rPr lang="en-US" sz="2800" b="1" dirty="0" smtClean="0">
+                <a:solidFill>
+                  <a:schemeClr val="tx1"/>
+                </a:solidFill>
+              </a:rPr>
+              <a:t>POSIX Client</a:t>
+            </a:r>
+            <a:endParaRPr lang="en-US" sz="2800" b="1" dirty="0" smtClean="0">
+              <a:solidFill>
+                <a:schemeClr val="tx1"/>
+              </a:solidFill>
+            </a:endParaRPr>
+          </a:p>
+          <a:p>
+            <a:endParaRPr lang="en-US" sz="2800" dirty="0">
+              <a:solidFill>
+                <a:schemeClr val="tx1"/>
+              </a:solidFill>
+            </a:endParaRPr>
+          </a:p>
+        </p:txBody>
+      </p:sp>
+      <p:sp>
+        <p:nvSpPr>
+          <p:cNvPr id="4" name="Rectangle 3"/>
+          <p:cNvSpPr/>
+          <p:nvPr/>
+        </p:nvSpPr>
+        <p:spPr>
+          <a:xfrm>
+            <a:off x="3276600" y="685800"/>
+            <a:ext cx="3352800" cy="914400"/>
+          </a:xfrm>
+          <a:prstGeom prst="rect">
+            <a:avLst/>
+          </a:prstGeom>
+          <a:solidFill>
+            <a:schemeClr val="bg1">
+              <a:lumMod val="65000"/>
+            </a:schemeClr>
+          </a:solidFill>
+          <a:ln>
+            <a:solidFill>
+              <a:schemeClr val="tx1"/>
+            </a:solidFill>
+          </a:ln>
+        </p:spPr>
+        <p:style>
+          <a:lnRef idx="1">
+            <a:schemeClr val="accent1"/>
+          </a:lnRef>
+          <a:fillRef idx="3">
+            <a:schemeClr val="accent1"/>
+          </a:fillRef>
+          <a:effectRef idx="2">
+            <a:schemeClr val="accent1"/>
+          </a:effectRef>
+          <a:fontRef idx="minor">
+            <a:schemeClr val="lt1"/>
+          </a:fontRef>
+        </p:style>
+        <p:txBody>
+          <a:bodyPr rtlCol="0" anchor="ctr"/>
+          <a:lstStyle/>
+          <a:p>
+            <a:pPr algn="ctr"/>
+            <a:r>
+              <a:rPr lang="en-US" sz="2800" b="1" dirty="0" smtClean="0">
+                <a:solidFill>
+                  <a:schemeClr val="tx1"/>
+                </a:solidFill>
+              </a:rPr>
+              <a:t>Client, Library</a:t>
+            </a:r>
+            <a:endParaRPr lang="en-US" sz="2800" b="1" dirty="0" smtClean="0">
+              <a:solidFill>
+                <a:schemeClr val="tx1"/>
+              </a:solidFill>
+            </a:endParaRPr>
+          </a:p>
+        </p:txBody>
+      </p:sp>
+      <p:sp>
+        <p:nvSpPr>
+          <p:cNvPr id="5" name="Rectangle 4"/>
+          <p:cNvSpPr/>
+          <p:nvPr/>
+        </p:nvSpPr>
+        <p:spPr>
+          <a:xfrm>
+            <a:off x="6870700" y="1993900"/>
+            <a:ext cx="3556000" cy="2565400"/>
+          </a:xfrm>
+          <a:prstGeom prst="rect">
+            <a:avLst/>
+          </a:prstGeom>
+          <a:solidFill>
+            <a:schemeClr val="bg2">
+              <a:lumMod val="75000"/>
+            </a:schemeClr>
+          </a:solidFill>
+          <a:ln>
+            <a:solidFill>
+              <a:schemeClr val="tx1"/>
+            </a:solidFill>
+          </a:ln>
+        </p:spPr>
+        <p:style>
+          <a:lnRef idx="1">
+            <a:schemeClr val="accent1"/>
+          </a:lnRef>
+          <a:fillRef idx="3">
+            <a:schemeClr val="accent1"/>
+          </a:fillRef>
+          <a:effectRef idx="2">
+            <a:schemeClr val="accent1"/>
+          </a:effectRef>
+          <a:fontRef idx="minor">
+            <a:schemeClr val="lt1"/>
+          </a:fontRef>
+        </p:style>
+        <p:txBody>
+          <a:bodyPr rtlCol="0" anchor="t"/>
+          <a:lstStyle/>
+          <a:p>
+            <a:pPr algn="ctr"/>
+            <a:r>
+              <a:rPr lang="en-US" sz="2800" b="1" dirty="0" smtClean="0">
+                <a:solidFill>
+                  <a:schemeClr val="tx1"/>
+                </a:solidFill>
+              </a:rPr>
+              <a:t>    Metadata Server</a:t>
+            </a:r>
+            <a:endParaRPr lang="en-US" sz="2800" b="1" dirty="0" smtClean="0">
+              <a:solidFill>
+                <a:schemeClr val="tx1"/>
+              </a:solidFill>
+            </a:endParaRPr>
+          </a:p>
+          <a:p>
+            <a:endParaRPr lang="en-US" sz="2800" dirty="0">
+              <a:solidFill>
+                <a:schemeClr val="tx1"/>
+              </a:solidFill>
+            </a:endParaRPr>
+          </a:p>
+        </p:txBody>
+      </p:sp>
+      <p:sp>
+        <p:nvSpPr>
+          <p:cNvPr id="6" name="Rectangle 5"/>
+          <p:cNvSpPr/>
+          <p:nvPr/>
+        </p:nvSpPr>
+        <p:spPr>
+          <a:xfrm>
+            <a:off x="6985000" y="2578100"/>
+            <a:ext cx="3352800" cy="914400"/>
+          </a:xfrm>
+          <a:prstGeom prst="rect">
+            <a:avLst/>
+          </a:prstGeom>
+          <a:solidFill>
+            <a:schemeClr val="bg1">
+              <a:lumMod val="65000"/>
+            </a:schemeClr>
+          </a:solidFill>
+          <a:ln>
+            <a:solidFill>
+              <a:schemeClr val="tx1"/>
+            </a:solidFill>
+          </a:ln>
+        </p:spPr>
+        <p:style>
+          <a:lnRef idx="1">
+            <a:schemeClr val="accent1"/>
+          </a:lnRef>
+          <a:fillRef idx="3">
+            <a:schemeClr val="accent1"/>
+          </a:fillRef>
+          <a:effectRef idx="2">
+            <a:schemeClr val="accent1"/>
+          </a:effectRef>
+          <a:fontRef idx="minor">
+            <a:schemeClr val="lt1"/>
+          </a:fontRef>
+        </p:style>
+        <p:txBody>
+          <a:bodyPr rtlCol="0" anchor="ctr"/>
+          <a:lstStyle/>
+          <a:p>
+            <a:pPr algn="ctr"/>
+            <a:r>
+              <a:rPr lang="en-US" sz="2800" b="1" dirty="0" err="1" smtClean="0">
+                <a:solidFill>
+                  <a:schemeClr val="tx1"/>
+                </a:solidFill>
+              </a:rPr>
+              <a:t>Objecter</a:t>
+            </a:r>
+            <a:endParaRPr lang="en-US" sz="2800" b="1" dirty="0" smtClean="0">
+              <a:solidFill>
+                <a:schemeClr val="tx1"/>
+              </a:solidFill>
+            </a:endParaRPr>
+          </a:p>
+        </p:txBody>
+      </p:sp>
+      <p:sp>
+        <p:nvSpPr>
+          <p:cNvPr id="7" name="Rectangle 6"/>
+          <p:cNvSpPr/>
+          <p:nvPr/>
+        </p:nvSpPr>
+        <p:spPr>
+          <a:xfrm>
+            <a:off x="6985000" y="3568700"/>
+            <a:ext cx="3352800" cy="914400"/>
+          </a:xfrm>
+          <a:prstGeom prst="rect">
+            <a:avLst/>
+          </a:prstGeom>
+          <a:solidFill>
+            <a:schemeClr val="bg1">
+              <a:lumMod val="65000"/>
+            </a:schemeClr>
+          </a:solidFill>
+          <a:ln>
+            <a:solidFill>
+              <a:schemeClr val="tx1"/>
+            </a:solidFill>
+          </a:ln>
+        </p:spPr>
+        <p:style>
+          <a:lnRef idx="1">
+            <a:schemeClr val="accent1"/>
+          </a:lnRef>
+          <a:fillRef idx="3">
+            <a:schemeClr val="accent1"/>
+          </a:fillRef>
+          <a:effectRef idx="2">
+            <a:schemeClr val="accent1"/>
+          </a:effectRef>
+          <a:fontRef idx="minor">
+            <a:schemeClr val="lt1"/>
+          </a:fontRef>
+        </p:style>
+        <p:txBody>
+          <a:bodyPr rtlCol="0" anchor="ctr"/>
+          <a:lstStyle/>
+          <a:p>
+            <a:pPr algn="ctr"/>
+            <a:r>
+              <a:rPr lang="en-US" sz="2800" b="1" dirty="0" smtClean="0">
+                <a:solidFill>
+                  <a:schemeClr val="tx1"/>
+                </a:solidFill>
+              </a:rPr>
+              <a:t>Metadata Balancer</a:t>
+            </a:r>
+            <a:endParaRPr lang="en-US" sz="2800" b="1" dirty="0" smtClean="0">
+              <a:solidFill>
+                <a:schemeClr val="tx1"/>
+              </a:solidFill>
+            </a:endParaRPr>
+          </a:p>
+        </p:txBody>
+      </p:sp>
+      <p:sp>
+        <p:nvSpPr>
+          <p:cNvPr id="11" name="Rectangle 10"/>
+          <p:cNvSpPr/>
+          <p:nvPr/>
+        </p:nvSpPr>
+        <p:spPr>
+          <a:xfrm>
+            <a:off x="3162300" y="1981200"/>
+            <a:ext cx="3568700" cy="1651000"/>
+          </a:xfrm>
+          <a:prstGeom prst="rect">
+            <a:avLst/>
+          </a:prstGeom>
+          <a:solidFill>
+            <a:schemeClr val="bg2">
+              <a:lumMod val="75000"/>
+            </a:schemeClr>
+          </a:solidFill>
+          <a:ln>
+            <a:solidFill>
+              <a:schemeClr val="tx1"/>
+            </a:solidFill>
+          </a:ln>
+        </p:spPr>
+        <p:style>
+          <a:lnRef idx="1">
+            <a:schemeClr val="accent1"/>
+          </a:lnRef>
+          <a:fillRef idx="3">
+            <a:schemeClr val="accent1"/>
+          </a:fillRef>
+          <a:effectRef idx="2">
+            <a:schemeClr val="accent1"/>
+          </a:effectRef>
+          <a:fontRef idx="minor">
+            <a:schemeClr val="lt1"/>
+          </a:fontRef>
+        </p:style>
+        <p:txBody>
+          <a:bodyPr rtlCol="0" anchor="t"/>
+          <a:lstStyle/>
+          <a:p>
+            <a:pPr algn="ctr"/>
+            <a:r>
+              <a:rPr lang="en-US" sz="2800" b="1" dirty="0" smtClean="0">
+                <a:solidFill>
+                  <a:schemeClr val="tx1"/>
+                </a:solidFill>
+              </a:rPr>
+              <a:t>Monitor </a:t>
+            </a:r>
+            <a:r>
+              <a:rPr lang="en-US" sz="2800" b="1" dirty="0" smtClean="0">
+                <a:solidFill>
+                  <a:schemeClr val="tx1"/>
+                </a:solidFill>
+              </a:rPr>
+              <a:t>Server</a:t>
+            </a:r>
+            <a:endParaRPr lang="en-US" sz="2800" b="1" dirty="0" smtClean="0">
+              <a:solidFill>
+                <a:schemeClr val="tx1"/>
+              </a:solidFill>
+            </a:endParaRPr>
+          </a:p>
+          <a:p>
+            <a:endParaRPr lang="en-US" sz="2800" dirty="0">
+              <a:solidFill>
+                <a:schemeClr val="tx1"/>
+              </a:solidFill>
+            </a:endParaRPr>
+          </a:p>
+        </p:txBody>
+      </p:sp>
+      <p:sp>
+        <p:nvSpPr>
+          <p:cNvPr id="12" name="Rectangle 11"/>
+          <p:cNvSpPr/>
+          <p:nvPr/>
+        </p:nvSpPr>
+        <p:spPr>
+          <a:xfrm>
+            <a:off x="3276600" y="2565400"/>
+            <a:ext cx="3352800" cy="914400"/>
+          </a:xfrm>
+          <a:prstGeom prst="rect">
+            <a:avLst/>
+          </a:prstGeom>
+          <a:solidFill>
+            <a:schemeClr val="bg1">
+              <a:lumMod val="65000"/>
+            </a:schemeClr>
+          </a:solidFill>
+          <a:ln>
+            <a:solidFill>
+              <a:schemeClr val="tx1"/>
+            </a:solidFill>
+          </a:ln>
+        </p:spPr>
+        <p:style>
+          <a:lnRef idx="1">
+            <a:schemeClr val="accent1"/>
+          </a:lnRef>
+          <a:fillRef idx="3">
+            <a:schemeClr val="accent1"/>
+          </a:fillRef>
+          <a:effectRef idx="2">
+            <a:schemeClr val="accent1"/>
+          </a:effectRef>
+          <a:fontRef idx="minor">
+            <a:schemeClr val="lt1"/>
+          </a:fontRef>
+        </p:style>
+        <p:txBody>
+          <a:bodyPr rtlCol="0" anchor="ctr"/>
+          <a:lstStyle/>
+          <a:p>
+            <a:pPr algn="ctr"/>
+            <a:r>
+              <a:rPr lang="en-US" sz="2800" b="1" dirty="0" smtClean="0">
+                <a:solidFill>
+                  <a:schemeClr val="tx1"/>
+                </a:solidFill>
+              </a:rPr>
+              <a:t>Server Cluster Maps</a:t>
+            </a:r>
+          </a:p>
+        </p:txBody>
+      </p:sp>
+      <p:sp>
+        <p:nvSpPr>
+          <p:cNvPr id="14" name="Rectangle 13"/>
+          <p:cNvSpPr/>
+          <p:nvPr/>
+        </p:nvSpPr>
+        <p:spPr>
+          <a:xfrm>
+            <a:off x="6870700" y="101600"/>
+            <a:ext cx="3568700" cy="1651000"/>
+          </a:xfrm>
+          <a:prstGeom prst="rect">
+            <a:avLst/>
+          </a:prstGeom>
+          <a:solidFill>
+            <a:schemeClr val="bg2">
+              <a:lumMod val="75000"/>
+            </a:schemeClr>
+          </a:solidFill>
+          <a:ln>
+            <a:solidFill>
+              <a:schemeClr val="tx1"/>
+            </a:solidFill>
+          </a:ln>
+        </p:spPr>
+        <p:style>
+          <a:lnRef idx="1">
+            <a:schemeClr val="accent1"/>
+          </a:lnRef>
+          <a:fillRef idx="3">
+            <a:schemeClr val="accent1"/>
+          </a:fillRef>
+          <a:effectRef idx="2">
+            <a:schemeClr val="accent1"/>
+          </a:effectRef>
+          <a:fontRef idx="minor">
+            <a:schemeClr val="lt1"/>
+          </a:fontRef>
+        </p:style>
+        <p:txBody>
+          <a:bodyPr rtlCol="0" anchor="t"/>
+          <a:lstStyle/>
+          <a:p>
+            <a:pPr algn="ctr"/>
+            <a:r>
+              <a:rPr lang="en-US" sz="2800" b="1" dirty="0" smtClean="0">
+                <a:solidFill>
+                  <a:schemeClr val="tx1"/>
+                </a:solidFill>
+              </a:rPr>
+              <a:t>      Object Server</a:t>
+            </a:r>
+            <a:endParaRPr lang="en-US" sz="2800" b="1" dirty="0" smtClean="0">
+              <a:solidFill>
+                <a:schemeClr val="tx1"/>
+              </a:solidFill>
+            </a:endParaRPr>
+          </a:p>
+          <a:p>
+            <a:endParaRPr lang="en-US" sz="2800" dirty="0">
+              <a:solidFill>
+                <a:schemeClr val="tx1"/>
+              </a:solidFill>
+            </a:endParaRPr>
+          </a:p>
+        </p:txBody>
+      </p:sp>
+      <p:sp>
+        <p:nvSpPr>
+          <p:cNvPr id="15" name="Rectangle 14"/>
+          <p:cNvSpPr/>
+          <p:nvPr/>
+        </p:nvSpPr>
+        <p:spPr>
+          <a:xfrm>
+            <a:off x="6959600" y="698500"/>
+            <a:ext cx="3390900" cy="914400"/>
+          </a:xfrm>
+          <a:prstGeom prst="rect">
+            <a:avLst/>
+          </a:prstGeom>
+          <a:solidFill>
+            <a:schemeClr val="bg1">
+              <a:lumMod val="65000"/>
+            </a:schemeClr>
+          </a:solidFill>
+          <a:ln>
+            <a:solidFill>
+              <a:schemeClr val="tx1"/>
+            </a:solidFill>
+          </a:ln>
+        </p:spPr>
+        <p:style>
+          <a:lnRef idx="1">
+            <a:schemeClr val="accent1"/>
+          </a:lnRef>
+          <a:fillRef idx="3">
+            <a:schemeClr val="accent1"/>
+          </a:fillRef>
+          <a:effectRef idx="2">
+            <a:schemeClr val="accent1"/>
+          </a:effectRef>
+          <a:fontRef idx="minor">
+            <a:schemeClr val="lt1"/>
+          </a:fontRef>
+        </p:style>
+        <p:txBody>
+          <a:bodyPr rtlCol="0" anchor="ctr"/>
+          <a:lstStyle/>
+          <a:p>
+            <a:pPr algn="ctr"/>
+            <a:r>
+              <a:rPr lang="en-US" sz="2800" b="1" dirty="0" smtClean="0">
+                <a:solidFill>
+                  <a:schemeClr val="tx1"/>
+                </a:solidFill>
+              </a:rPr>
+              <a:t>CLS Object Classes</a:t>
+            </a:r>
+            <a:endParaRPr lang="en-US" sz="2000" dirty="0" smtClean="0">
+              <a:solidFill>
+                <a:schemeClr val="tx1"/>
+              </a:solidFill>
+            </a:endParaRPr>
+          </a:p>
+        </p:txBody>
+      </p:sp>
+      <p:sp>
+        <p:nvSpPr>
+          <p:cNvPr id="18" name="Smiley Face 17"/>
+          <p:cNvSpPr/>
+          <p:nvPr/>
+        </p:nvSpPr>
+        <p:spPr>
+          <a:xfrm>
+            <a:off x="3233420" y="160020"/>
+            <a:ext cx="447040" cy="447040"/>
+          </a:xfrm>
+          <a:prstGeom prst="smileyFace">
+            <a:avLst/>
+          </a:prstGeom>
+          <a:solidFill>
+            <a:srgbClr val="FFFF00"/>
+          </a:solidFill>
+          <a:ln>
+            <a:solidFill>
+              <a:srgbClr val="000000"/>
+            </a:solidFill>
+          </a:ln>
+        </p:spPr>
+        <p:style>
+          <a:lnRef idx="1">
+            <a:schemeClr val="accent1"/>
+          </a:lnRef>
+          <a:fillRef idx="3">
+            <a:schemeClr val="accent1"/>
+          </a:fillRef>
+          <a:effectRef idx="2">
+            <a:schemeClr val="accent1"/>
+          </a:effectRef>
+          <a:fontRef idx="minor">
+            <a:schemeClr val="lt1"/>
+          </a:fontRef>
+        </p:style>
+        <p:txBody>
+          <a:bodyPr rtlCol="0" anchor="ctr"/>
+          <a:lstStyle/>
+          <a:p>
+            <a:pPr algn="ctr"/>
+            <a:endParaRPr lang="en-US" sz="2400"/>
+          </a:p>
+        </p:txBody>
+      </p:sp>
+      <p:grpSp>
+        <p:nvGrpSpPr>
+          <p:cNvPr id="19" name="Group 18"/>
+          <p:cNvGrpSpPr/>
+          <p:nvPr/>
+        </p:nvGrpSpPr>
+        <p:grpSpPr>
+          <a:xfrm>
+            <a:off x="6957060" y="2013489"/>
+            <a:ext cx="511271" cy="511271"/>
+            <a:chOff x="4243616" y="5502638"/>
+            <a:chExt cx="417576" cy="417576"/>
+          </a:xfrm>
+        </p:grpSpPr>
+        <p:sp>
+          <p:nvSpPr>
+            <p:cNvPr id="20" name="Rounded Rectangle 19"/>
+            <p:cNvSpPr/>
+            <p:nvPr/>
+          </p:nvSpPr>
+          <p:spPr>
+            <a:xfrm>
+              <a:off x="4243616" y="5502638"/>
+              <a:ext cx="417576" cy="417576"/>
+            </a:xfrm>
+            <a:prstGeom prst="roundRect">
+              <a:avLst/>
+            </a:prstGeom>
+            <a:solidFill>
+              <a:srgbClr val="D0CECE"/>
+            </a:solidFill>
+            <a:ln>
+              <a:solidFill>
+                <a:schemeClr val="tx1"/>
+              </a:solidFill>
+            </a:ln>
+          </p:spPr>
+          <p:style>
+            <a:lnRef idx="2">
+              <a:schemeClr val="accent1">
+                <a:shade val="50000"/>
+              </a:schemeClr>
+            </a:lnRef>
+            <a:fillRef idx="1">
+              <a:schemeClr val="accent1"/>
+            </a:fillRef>
+            <a:effectRef idx="0">
+              <a:schemeClr val="accent1"/>
+            </a:effectRef>
+            <a:fontRef idx="minor">
+              <a:schemeClr val="lt1"/>
+            </a:fontRef>
+          </p:style>
+          <p:txBody>
+            <a:bodyPr rtlCol="0" anchor="ctr"/>
+            <a:lstStyle/>
+            <a:p>
+              <a:pPr algn="ctr"/>
+              <a:endParaRPr lang="en-US" sz="1600" dirty="0">
+                <a:solidFill>
+                  <a:schemeClr val="bg1"/>
+                </a:solidFill>
+                <a:latin typeface="Arial" panose="020B0604020202020204" pitchFamily="34" charset="0"/>
+                <a:cs typeface="Arial" panose="020B0604020202020204" pitchFamily="34" charset="0"/>
+              </a:endParaRPr>
+            </a:p>
+          </p:txBody>
+        </p:sp>
+        <p:sp>
+          <p:nvSpPr>
+            <p:cNvPr id="21" name="Rounded Rectangle 20"/>
+            <p:cNvSpPr/>
+            <p:nvPr/>
+          </p:nvSpPr>
+          <p:spPr>
+            <a:xfrm>
+              <a:off x="4264024" y="5530850"/>
+              <a:ext cx="371767" cy="363964"/>
+            </a:xfrm>
+            <a:prstGeom prst="roundRect">
+              <a:avLst/>
+            </a:prstGeom>
+            <a:solidFill>
+              <a:srgbClr val="38424C"/>
+            </a:solidFill>
+            <a:ln>
+              <a:solidFill>
+                <a:schemeClr val="tx1"/>
+              </a:solidFill>
+            </a:ln>
+          </p:spPr>
+          <p:style>
+            <a:lnRef idx="2">
+              <a:schemeClr val="accent1">
+                <a:shade val="50000"/>
+              </a:schemeClr>
+            </a:lnRef>
+            <a:fillRef idx="1">
+              <a:schemeClr val="accent1"/>
+            </a:fillRef>
+            <a:effectRef idx="0">
+              <a:schemeClr val="accent1"/>
+            </a:effectRef>
+            <a:fontRef idx="minor">
+              <a:schemeClr val="lt1"/>
+            </a:fontRef>
+          </p:style>
+          <p:txBody>
+            <a:bodyPr rtlCol="0" anchor="ctr"/>
+            <a:lstStyle/>
+            <a:p>
+              <a:pPr algn="ctr"/>
+              <a:endParaRPr lang="en-US" sz="1600" dirty="0">
+                <a:solidFill>
+                  <a:schemeClr val="bg1"/>
+                </a:solidFill>
+                <a:latin typeface="Arial" panose="020B0604020202020204" pitchFamily="34" charset="0"/>
+                <a:cs typeface="Arial" panose="020B0604020202020204" pitchFamily="34" charset="0"/>
+              </a:endParaRPr>
+            </a:p>
+          </p:txBody>
+        </p:sp>
+        <p:cxnSp>
+          <p:nvCxnSpPr>
+            <p:cNvPr id="22" name="Straight Connector 21"/>
+            <p:cNvCxnSpPr/>
+            <p:nvPr/>
+          </p:nvCxnSpPr>
+          <p:spPr>
+            <a:xfrm flipH="1">
+              <a:off x="4332589" y="5598091"/>
+              <a:ext cx="74924" cy="115359"/>
+            </a:xfrm>
+            <a:prstGeom prst="line">
+              <a:avLst/>
+            </a:prstGeom>
+            <a:ln w="19050" cmpd="sng">
+              <a:solidFill>
+                <a:schemeClr val="bg1"/>
+              </a:solidFill>
+              <a:headEnd type="oval" w="sm" len="sm"/>
+              <a:tailEnd type="oval" w="sm" len="sm"/>
+            </a:ln>
+          </p:spPr>
+          <p:style>
+            <a:lnRef idx="1">
+              <a:schemeClr val="accent1"/>
+            </a:lnRef>
+            <a:fillRef idx="0">
+              <a:schemeClr val="accent1"/>
+            </a:fillRef>
+            <a:effectRef idx="0">
+              <a:schemeClr val="accent1"/>
+            </a:effectRef>
+            <a:fontRef idx="minor">
+              <a:schemeClr val="tx1"/>
+            </a:fontRef>
+          </p:style>
+        </p:cxnSp>
+        <p:cxnSp>
+          <p:nvCxnSpPr>
+            <p:cNvPr id="23" name="Straight Connector 22"/>
+            <p:cNvCxnSpPr/>
+            <p:nvPr/>
+          </p:nvCxnSpPr>
+          <p:spPr>
+            <a:xfrm flipH="1">
+              <a:off x="4426306" y="5718605"/>
+              <a:ext cx="74924" cy="115359"/>
+            </a:xfrm>
+            <a:prstGeom prst="line">
+              <a:avLst/>
+            </a:prstGeom>
+            <a:ln w="19050" cmpd="sng">
+              <a:solidFill>
+                <a:schemeClr val="bg1"/>
+              </a:solidFill>
+              <a:headEnd type="oval" w="sm" len="sm"/>
+              <a:tailEnd type="oval" w="sm" len="sm"/>
+            </a:ln>
+          </p:spPr>
+          <p:style>
+            <a:lnRef idx="1">
+              <a:schemeClr val="accent1"/>
+            </a:lnRef>
+            <a:fillRef idx="0">
+              <a:schemeClr val="accent1"/>
+            </a:fillRef>
+            <a:effectRef idx="0">
+              <a:schemeClr val="accent1"/>
+            </a:effectRef>
+            <a:fontRef idx="minor">
+              <a:schemeClr val="tx1"/>
+            </a:fontRef>
+          </p:style>
+        </p:cxnSp>
+        <p:cxnSp>
+          <p:nvCxnSpPr>
+            <p:cNvPr id="24" name="Straight Connector 23"/>
+            <p:cNvCxnSpPr/>
+            <p:nvPr/>
+          </p:nvCxnSpPr>
+          <p:spPr>
+            <a:xfrm>
+              <a:off x="4408718" y="5596067"/>
+              <a:ext cx="176345" cy="237897"/>
+            </a:xfrm>
+            <a:prstGeom prst="line">
+              <a:avLst/>
+            </a:prstGeom>
+            <a:ln w="19050" cmpd="sng">
+              <a:solidFill>
+                <a:schemeClr val="bg1"/>
+              </a:solidFill>
+              <a:headEnd type="oval" w="sm" len="sm"/>
+              <a:tailEnd type="oval" w="sm" len="sm"/>
+            </a:ln>
+          </p:spPr>
+          <p:style>
+            <a:lnRef idx="1">
+              <a:schemeClr val="accent1"/>
+            </a:lnRef>
+            <a:fillRef idx="0">
+              <a:schemeClr val="accent1"/>
+            </a:fillRef>
+            <a:effectRef idx="0">
+              <a:schemeClr val="accent1"/>
+            </a:effectRef>
+            <a:fontRef idx="minor">
+              <a:schemeClr val="tx1"/>
+            </a:fontRef>
+          </p:style>
+        </p:cxnSp>
+      </p:grpSp>
+      <p:grpSp>
+        <p:nvGrpSpPr>
+          <p:cNvPr id="25" name="Group 24"/>
+          <p:cNvGrpSpPr/>
+          <p:nvPr/>
+        </p:nvGrpSpPr>
+        <p:grpSpPr>
+          <a:xfrm>
+            <a:off x="6979506" y="159218"/>
+            <a:ext cx="485554" cy="485554"/>
+            <a:chOff x="5437726" y="4672798"/>
+            <a:chExt cx="452260" cy="452260"/>
+          </a:xfrm>
+        </p:grpSpPr>
+        <p:sp>
+          <p:nvSpPr>
+            <p:cNvPr id="26" name="Rounded Rectangle 25"/>
+            <p:cNvSpPr/>
+            <p:nvPr/>
+          </p:nvSpPr>
+          <p:spPr>
+            <a:xfrm>
+              <a:off x="5437726" y="4672798"/>
+              <a:ext cx="452260" cy="452260"/>
+            </a:xfrm>
+            <a:prstGeom prst="roundRect">
+              <a:avLst/>
+            </a:prstGeom>
+            <a:solidFill>
+              <a:srgbClr val="80D2DD"/>
+            </a:solidFill>
+            <a:ln>
+              <a:solidFill>
+                <a:schemeClr val="tx1"/>
+              </a:solidFill>
+            </a:ln>
+          </p:spPr>
+          <p:style>
+            <a:lnRef idx="2">
+              <a:schemeClr val="accent1">
+                <a:shade val="50000"/>
+              </a:schemeClr>
+            </a:lnRef>
+            <a:fillRef idx="1">
+              <a:schemeClr val="accent1"/>
+            </a:fillRef>
+            <a:effectRef idx="0">
+              <a:schemeClr val="accent1"/>
+            </a:effectRef>
+            <a:fontRef idx="minor">
+              <a:schemeClr val="lt1"/>
+            </a:fontRef>
+          </p:style>
+          <p:txBody>
+            <a:bodyPr rtlCol="0" anchor="ctr"/>
+            <a:lstStyle/>
+            <a:p>
+              <a:pPr algn="ctr"/>
+              <a:endParaRPr lang="en-US" sz="1600" dirty="0">
+                <a:latin typeface="Arial" panose="020B0604020202020204" pitchFamily="34" charset="0"/>
+                <a:cs typeface="Arial" panose="020B0604020202020204" pitchFamily="34" charset="0"/>
+              </a:endParaRPr>
+            </a:p>
+          </p:txBody>
+        </p:sp>
+        <p:sp>
+          <p:nvSpPr>
+            <p:cNvPr id="27" name="Rounded Rectangle 26"/>
+            <p:cNvSpPr/>
+            <p:nvPr/>
+          </p:nvSpPr>
+          <p:spPr>
+            <a:xfrm>
+              <a:off x="5457779" y="4965572"/>
+              <a:ext cx="409481" cy="121328"/>
+            </a:xfrm>
+            <a:prstGeom prst="roundRect">
+              <a:avLst>
+                <a:gd name="adj" fmla="val 35977"/>
+              </a:avLst>
+            </a:prstGeom>
+            <a:solidFill>
+              <a:srgbClr val="F05D55"/>
+            </a:solidFill>
+            <a:ln>
+              <a:solidFill>
+                <a:schemeClr val="tx1"/>
+              </a:solidFill>
+            </a:ln>
+          </p:spPr>
+          <p:style>
+            <a:lnRef idx="2">
+              <a:schemeClr val="accent1">
+                <a:shade val="50000"/>
+              </a:schemeClr>
+            </a:lnRef>
+            <a:fillRef idx="1">
+              <a:schemeClr val="accent1"/>
+            </a:fillRef>
+            <a:effectRef idx="0">
+              <a:schemeClr val="accent1"/>
+            </a:effectRef>
+            <a:fontRef idx="minor">
+              <a:schemeClr val="lt1"/>
+            </a:fontRef>
+          </p:style>
+          <p:txBody>
+            <a:bodyPr rtlCol="0" anchor="ctr"/>
+            <a:lstStyle/>
+            <a:p>
+              <a:pPr algn="ctr"/>
+              <a:endParaRPr lang="en-US" sz="1200" b="1" dirty="0">
+                <a:latin typeface="Arial" panose="020B0604020202020204" pitchFamily="34" charset="0"/>
+                <a:cs typeface="Arial" panose="020B0604020202020204" pitchFamily="34" charset="0"/>
+              </a:endParaRPr>
+            </a:p>
+          </p:txBody>
+        </p:sp>
+      </p:grpSp>
+      <p:sp>
+        <p:nvSpPr>
+          <p:cNvPr id="28" name="Rounded Rectangle 27"/>
+          <p:cNvSpPr/>
+          <p:nvPr/>
+        </p:nvSpPr>
+        <p:spPr>
+          <a:xfrm>
+            <a:off x="3307618" y="2027907"/>
+            <a:ext cx="494762" cy="494762"/>
+          </a:xfrm>
+          <a:prstGeom prst="roundRect">
+            <a:avLst/>
+          </a:prstGeom>
+          <a:solidFill>
+            <a:srgbClr val="38424C"/>
+          </a:solidFill>
+          <a:ln>
+            <a:solidFill>
+              <a:schemeClr val="tx1"/>
+            </a:solidFill>
+          </a:ln>
+        </p:spPr>
+        <p:style>
+          <a:lnRef idx="2">
+            <a:schemeClr val="accent1">
+              <a:shade val="50000"/>
+            </a:schemeClr>
+          </a:lnRef>
+          <a:fillRef idx="1">
+            <a:schemeClr val="accent1"/>
+          </a:fillRef>
+          <a:effectRef idx="0">
+            <a:schemeClr val="accent1"/>
+          </a:effectRef>
+          <a:fontRef idx="minor">
+            <a:schemeClr val="lt1"/>
+          </a:fontRef>
+        </p:style>
+        <p:txBody>
+          <a:bodyPr rtlCol="0" anchor="ctr"/>
+          <a:lstStyle/>
+          <a:p>
+            <a:r>
+              <a:rPr lang="en-US" sz="2800" dirty="0" smtClean="0">
+                <a:solidFill>
+                  <a:schemeClr val="bg1"/>
+                </a:solidFill>
+                <a:latin typeface="Arial" panose="020B0604020202020204" pitchFamily="34" charset="0"/>
+                <a:cs typeface="Arial" panose="020B0604020202020204" pitchFamily="34" charset="0"/>
+              </a:rPr>
+              <a:t>M</a:t>
+            </a:r>
+            <a:endParaRPr lang="en-US" sz="3600" dirty="0">
+              <a:solidFill>
+                <a:schemeClr val="bg1"/>
+              </a:solidFill>
+              <a:latin typeface="Arial" panose="020B0604020202020204" pitchFamily="34" charset="0"/>
+              <a:cs typeface="Arial" panose="020B0604020202020204" pitchFamily="34" charset="0"/>
+            </a:endParaRPr>
+          </a:p>
+        </p:txBody>
+      </p:sp>
+      <p:sp>
+        <p:nvSpPr>
+          <p:cNvPr id="2" name="Snip Same Side Corner Rectangle 1"/>
+          <p:cNvSpPr/>
+          <p:nvPr/>
+        </p:nvSpPr>
+        <p:spPr>
+          <a:xfrm rot="16200000">
+            <a:off x="9867900" y="2641600"/>
+            <a:ext cx="1549400" cy="812800"/>
+          </a:xfrm>
+          <a:prstGeom prst="snip2SameRect">
+            <a:avLst>
+              <a:gd name="adj1" fmla="val 50000"/>
+              <a:gd name="adj2" fmla="val 0"/>
+            </a:avLst>
+          </a:prstGeom>
+          <a:solidFill>
+            <a:schemeClr val="accent1">
+              <a:lumMod val="60000"/>
+              <a:lumOff val="40000"/>
+            </a:schemeClr>
+          </a:solidFill>
+          <a:ln>
+            <a:solidFill>
+              <a:srgbClr val="000000"/>
+            </a:solidFill>
+          </a:ln>
+        </p:spPr>
+        <p:style>
+          <a:lnRef idx="1">
+            <a:schemeClr val="accent1"/>
+          </a:lnRef>
+          <a:fillRef idx="3">
+            <a:schemeClr val="accent1"/>
+          </a:fillRef>
+          <a:effectRef idx="2">
+            <a:schemeClr val="accent1"/>
+          </a:effectRef>
+          <a:fontRef idx="minor">
+            <a:schemeClr val="lt1"/>
+          </a:fontRef>
+        </p:style>
+        <p:txBody>
+          <a:bodyPr rtlCol="0" anchor="ctr"/>
+          <a:lstStyle/>
+          <a:p>
+            <a:pPr algn="ctr"/>
+            <a:r>
+              <a:rPr lang="en-US" b="1" dirty="0" smtClean="0">
+                <a:solidFill>
+                  <a:srgbClr val="000000"/>
+                </a:solidFill>
+              </a:rPr>
+              <a:t>Durability</a:t>
+            </a:r>
+            <a:endParaRPr lang="en-US" b="1" dirty="0">
+              <a:solidFill>
+                <a:srgbClr val="000000"/>
+              </a:solidFill>
+            </a:endParaRPr>
+          </a:p>
+        </p:txBody>
+      </p:sp>
+      <p:sp>
+        <p:nvSpPr>
+          <p:cNvPr id="35" name="Snip Same Side Corner Rectangle 34"/>
+          <p:cNvSpPr/>
+          <p:nvPr/>
+        </p:nvSpPr>
+        <p:spPr>
+          <a:xfrm>
+            <a:off x="8001000" y="4330700"/>
+            <a:ext cx="1549400" cy="812800"/>
+          </a:xfrm>
+          <a:prstGeom prst="snip2SameRect">
+            <a:avLst>
+              <a:gd name="adj1" fmla="val 50000"/>
+              <a:gd name="adj2" fmla="val 0"/>
+            </a:avLst>
+          </a:prstGeom>
+          <a:solidFill>
+            <a:schemeClr val="accent1">
+              <a:lumMod val="60000"/>
+              <a:lumOff val="40000"/>
+            </a:schemeClr>
+          </a:solidFill>
+          <a:ln>
+            <a:solidFill>
+              <a:srgbClr val="000000"/>
+            </a:solidFill>
+          </a:ln>
+        </p:spPr>
+        <p:style>
+          <a:lnRef idx="1">
+            <a:schemeClr val="accent1"/>
+          </a:lnRef>
+          <a:fillRef idx="3">
+            <a:schemeClr val="accent1"/>
+          </a:fillRef>
+          <a:effectRef idx="2">
+            <a:schemeClr val="accent1"/>
+          </a:effectRef>
+          <a:fontRef idx="minor">
+            <a:schemeClr val="lt1"/>
+          </a:fontRef>
+        </p:style>
+        <p:txBody>
+          <a:bodyPr rtlCol="0" anchor="ctr"/>
+          <a:lstStyle/>
+          <a:p>
+            <a:pPr algn="ctr"/>
+            <a:r>
+              <a:rPr lang="en-US" b="1" dirty="0" smtClean="0">
+                <a:solidFill>
+                  <a:srgbClr val="000000"/>
+                </a:solidFill>
+              </a:rPr>
+              <a:t>Load Balancing</a:t>
+            </a:r>
+            <a:endParaRPr lang="en-US" b="1" dirty="0">
+              <a:solidFill>
+                <a:srgbClr val="000000"/>
+              </a:solidFill>
+            </a:endParaRPr>
+          </a:p>
+        </p:txBody>
+      </p:sp>
+      <p:sp>
+        <p:nvSpPr>
+          <p:cNvPr id="36" name="Snip Same Side Corner Rectangle 35"/>
+          <p:cNvSpPr/>
+          <p:nvPr/>
+        </p:nvSpPr>
+        <p:spPr>
+          <a:xfrm rot="5400000">
+            <a:off x="2171700" y="736600"/>
+            <a:ext cx="1549400" cy="812800"/>
+          </a:xfrm>
+          <a:prstGeom prst="snip2SameRect">
+            <a:avLst>
+              <a:gd name="adj1" fmla="val 50000"/>
+              <a:gd name="adj2" fmla="val 0"/>
+            </a:avLst>
+          </a:prstGeom>
+          <a:solidFill>
+            <a:schemeClr val="accent1">
+              <a:lumMod val="60000"/>
+              <a:lumOff val="40000"/>
+            </a:schemeClr>
+          </a:solidFill>
+          <a:ln>
+            <a:solidFill>
+              <a:srgbClr val="000000"/>
+            </a:solidFill>
+          </a:ln>
+        </p:spPr>
+        <p:style>
+          <a:lnRef idx="1">
+            <a:schemeClr val="accent1"/>
+          </a:lnRef>
+          <a:fillRef idx="3">
+            <a:schemeClr val="accent1"/>
+          </a:fillRef>
+          <a:effectRef idx="2">
+            <a:schemeClr val="accent1"/>
+          </a:effectRef>
+          <a:fontRef idx="minor">
+            <a:schemeClr val="lt1"/>
+          </a:fontRef>
+        </p:style>
+        <p:txBody>
+          <a:bodyPr rtlCol="0" anchor="ctr"/>
+          <a:lstStyle/>
+          <a:p>
+            <a:pPr algn="ctr"/>
+            <a:r>
+              <a:rPr lang="en-US" b="1" dirty="0" smtClean="0">
+                <a:solidFill>
+                  <a:srgbClr val="000000"/>
+                </a:solidFill>
+              </a:rPr>
+              <a:t>Shared Resource</a:t>
+            </a:r>
+            <a:endParaRPr lang="en-US" b="1" dirty="0">
+              <a:solidFill>
+                <a:srgbClr val="000000"/>
+              </a:solidFill>
+            </a:endParaRPr>
+          </a:p>
+        </p:txBody>
+      </p:sp>
+      <p:sp>
+        <p:nvSpPr>
+          <p:cNvPr id="37" name="Snip Same Side Corner Rectangle 36"/>
+          <p:cNvSpPr/>
+          <p:nvPr/>
+        </p:nvSpPr>
+        <p:spPr>
+          <a:xfrm rot="16200000">
+            <a:off x="9906000" y="749300"/>
+            <a:ext cx="1549400" cy="812800"/>
+          </a:xfrm>
+          <a:prstGeom prst="snip2SameRect">
+            <a:avLst>
+              <a:gd name="adj1" fmla="val 50000"/>
+              <a:gd name="adj2" fmla="val 0"/>
+            </a:avLst>
+          </a:prstGeom>
+          <a:solidFill>
+            <a:schemeClr val="accent1">
+              <a:lumMod val="60000"/>
+              <a:lumOff val="40000"/>
+            </a:schemeClr>
+          </a:solidFill>
+          <a:ln>
+            <a:solidFill>
+              <a:srgbClr val="000000"/>
+            </a:solidFill>
+          </a:ln>
+        </p:spPr>
+        <p:style>
+          <a:lnRef idx="1">
+            <a:schemeClr val="accent1"/>
+          </a:lnRef>
+          <a:fillRef idx="3">
+            <a:schemeClr val="accent1"/>
+          </a:fillRef>
+          <a:effectRef idx="2">
+            <a:schemeClr val="accent1"/>
+          </a:effectRef>
+          <a:fontRef idx="minor">
+            <a:schemeClr val="lt1"/>
+          </a:fontRef>
+        </p:style>
+        <p:txBody>
+          <a:bodyPr rtlCol="0" anchor="ctr"/>
+          <a:lstStyle/>
+          <a:p>
+            <a:pPr algn="ctr"/>
+            <a:r>
+              <a:rPr lang="en-US" b="1" dirty="0" smtClean="0">
+                <a:solidFill>
+                  <a:srgbClr val="000000"/>
+                </a:solidFill>
+              </a:rPr>
+              <a:t>Data I/O</a:t>
+            </a:r>
+            <a:endParaRPr lang="en-US" b="1" dirty="0">
+              <a:solidFill>
+                <a:srgbClr val="000000"/>
+              </a:solidFill>
+            </a:endParaRPr>
+          </a:p>
+        </p:txBody>
+      </p:sp>
+      <p:sp>
+        <p:nvSpPr>
+          <p:cNvPr id="38" name="Snip Same Side Corner Rectangle 37"/>
+          <p:cNvSpPr/>
+          <p:nvPr/>
+        </p:nvSpPr>
+        <p:spPr>
+          <a:xfrm rot="5400000">
+            <a:off x="2171701" y="2616200"/>
+            <a:ext cx="1549400" cy="812800"/>
+          </a:xfrm>
+          <a:prstGeom prst="snip2SameRect">
+            <a:avLst>
+              <a:gd name="adj1" fmla="val 50000"/>
+              <a:gd name="adj2" fmla="val 0"/>
+            </a:avLst>
+          </a:prstGeom>
+          <a:solidFill>
+            <a:schemeClr val="accent1">
+              <a:lumMod val="60000"/>
+              <a:lumOff val="40000"/>
+            </a:schemeClr>
+          </a:solidFill>
+          <a:ln>
+            <a:solidFill>
+              <a:srgbClr val="000000"/>
+            </a:solidFill>
+          </a:ln>
+        </p:spPr>
+        <p:style>
+          <a:lnRef idx="1">
+            <a:schemeClr val="accent1"/>
+          </a:lnRef>
+          <a:fillRef idx="3">
+            <a:schemeClr val="accent1"/>
+          </a:fillRef>
+          <a:effectRef idx="2">
+            <a:schemeClr val="accent1"/>
+          </a:effectRef>
+          <a:fontRef idx="minor">
+            <a:schemeClr val="lt1"/>
+          </a:fontRef>
+        </p:style>
+        <p:txBody>
+          <a:bodyPr rtlCol="0" anchor="ctr"/>
+          <a:lstStyle/>
+          <a:p>
+            <a:pPr algn="ctr"/>
+            <a:r>
+              <a:rPr lang="en-US" b="1" dirty="0" smtClean="0">
+                <a:solidFill>
+                  <a:srgbClr val="000000"/>
+                </a:solidFill>
+              </a:rPr>
+              <a:t>Service Metadata</a:t>
+            </a:r>
+            <a:endParaRPr lang="en-US" b="1" dirty="0">
+              <a:solidFill>
+                <a:srgbClr val="000000"/>
+              </a:solidFill>
+            </a:endParaRPr>
+          </a:p>
+        </p:txBody>
+      </p:sp>
+      <p:sp>
+        <p:nvSpPr>
+          <p:cNvPr id="13" name="Up Arrow Callout 12"/>
+          <p:cNvSpPr/>
+          <p:nvPr/>
+        </p:nvSpPr>
+        <p:spPr>
+          <a:xfrm rot="5400000">
+            <a:off x="1663700" y="609600"/>
+            <a:ext cx="889000" cy="990600"/>
+          </a:xfrm>
+          <a:prstGeom prst="upArrowCallout">
+            <a:avLst/>
+          </a:prstGeom>
+          <a:solidFill>
+            <a:srgbClr val="A5679E"/>
+          </a:solidFill>
+          <a:ln>
+            <a:solidFill>
+              <a:srgbClr val="000000"/>
+            </a:solidFill>
+          </a:ln>
+        </p:spPr>
+        <p:style>
+          <a:lnRef idx="1">
+            <a:schemeClr val="accent1"/>
+          </a:lnRef>
+          <a:fillRef idx="3">
+            <a:schemeClr val="accent1"/>
+          </a:fillRef>
+          <a:effectRef idx="2">
+            <a:schemeClr val="accent1"/>
+          </a:effectRef>
+          <a:fontRef idx="minor">
+            <a:schemeClr val="lt1"/>
+          </a:fontRef>
+        </p:style>
+        <p:txBody>
+          <a:bodyPr rtlCol="0" anchor="ctr"/>
+          <a:lstStyle/>
+          <a:p>
+            <a:pPr algn="ctr"/>
+            <a:r>
+              <a:rPr lang="en-US" b="1" dirty="0" err="1" smtClean="0">
+                <a:solidFill>
+                  <a:srgbClr val="000000"/>
+                </a:solidFill>
+              </a:rPr>
+              <a:t>ZLog</a:t>
+            </a:r>
+            <a:endParaRPr lang="en-US" b="1" dirty="0">
+              <a:solidFill>
+                <a:srgbClr val="000000"/>
+              </a:solidFill>
+            </a:endParaRPr>
+          </a:p>
+        </p:txBody>
+      </p:sp>
+      <p:sp>
+        <p:nvSpPr>
+          <p:cNvPr id="42" name="Up Arrow Callout 41"/>
+          <p:cNvSpPr/>
+          <p:nvPr/>
+        </p:nvSpPr>
+        <p:spPr>
+          <a:xfrm rot="16200000">
+            <a:off x="10998200" y="2527300"/>
+            <a:ext cx="889000" cy="990600"/>
+          </a:xfrm>
+          <a:prstGeom prst="upArrowCallout">
+            <a:avLst/>
+          </a:prstGeom>
+          <a:solidFill>
+            <a:srgbClr val="A5679E"/>
+          </a:solidFill>
+          <a:ln>
+            <a:solidFill>
+              <a:srgbClr val="000000"/>
+            </a:solidFill>
+          </a:ln>
+        </p:spPr>
+        <p:style>
+          <a:lnRef idx="1">
+            <a:schemeClr val="accent1"/>
+          </a:lnRef>
+          <a:fillRef idx="3">
+            <a:schemeClr val="accent1"/>
+          </a:fillRef>
+          <a:effectRef idx="2">
+            <a:schemeClr val="accent1"/>
+          </a:effectRef>
+          <a:fontRef idx="minor">
+            <a:schemeClr val="lt1"/>
+          </a:fontRef>
+        </p:style>
+        <p:txBody>
+          <a:bodyPr rtlCol="0" anchor="ctr"/>
+          <a:lstStyle/>
+          <a:p>
+            <a:pPr algn="ctr"/>
+            <a:r>
+              <a:rPr lang="en-US" b="1" dirty="0" smtClean="0">
+                <a:solidFill>
+                  <a:srgbClr val="000000"/>
+                </a:solidFill>
+              </a:rPr>
+              <a:t>Mantle</a:t>
+            </a:r>
+            <a:endParaRPr lang="en-US" b="1" dirty="0">
+              <a:solidFill>
+                <a:srgbClr val="000000"/>
+              </a:solidFill>
+            </a:endParaRPr>
+          </a:p>
+        </p:txBody>
+      </p:sp>
+      <p:sp>
+        <p:nvSpPr>
+          <p:cNvPr id="43" name="Up Arrow Callout 42"/>
+          <p:cNvSpPr/>
+          <p:nvPr/>
+        </p:nvSpPr>
+        <p:spPr>
+          <a:xfrm>
+            <a:off x="8940800" y="4953000"/>
+            <a:ext cx="889000" cy="990600"/>
+          </a:xfrm>
+          <a:prstGeom prst="upArrowCallout">
+            <a:avLst/>
+          </a:prstGeom>
+          <a:solidFill>
+            <a:srgbClr val="A5679E"/>
+          </a:solidFill>
+          <a:ln>
+            <a:solidFill>
+              <a:srgbClr val="000000"/>
+            </a:solidFill>
+          </a:ln>
+        </p:spPr>
+        <p:style>
+          <a:lnRef idx="1">
+            <a:schemeClr val="accent1"/>
+          </a:lnRef>
+          <a:fillRef idx="3">
+            <a:schemeClr val="accent1"/>
+          </a:fillRef>
+          <a:effectRef idx="2">
+            <a:schemeClr val="accent1"/>
+          </a:effectRef>
+          <a:fontRef idx="minor">
+            <a:schemeClr val="lt1"/>
+          </a:fontRef>
+        </p:style>
+        <p:txBody>
+          <a:bodyPr rtlCol="0" anchor="ctr"/>
+          <a:lstStyle/>
+          <a:p>
+            <a:pPr algn="ctr"/>
+            <a:r>
+              <a:rPr lang="en-US" b="1" dirty="0" err="1" smtClean="0">
+                <a:solidFill>
+                  <a:srgbClr val="000000"/>
+                </a:solidFill>
+              </a:rPr>
+              <a:t>ZLog</a:t>
+            </a:r>
+            <a:endParaRPr lang="en-US" b="1" dirty="0">
+              <a:solidFill>
+                <a:srgbClr val="000000"/>
+              </a:solidFill>
+            </a:endParaRPr>
+          </a:p>
+        </p:txBody>
+      </p:sp>
+      <p:grpSp>
+        <p:nvGrpSpPr>
+          <p:cNvPr id="56" name="Group 55"/>
+          <p:cNvGrpSpPr/>
+          <p:nvPr/>
+        </p:nvGrpSpPr>
+        <p:grpSpPr>
+          <a:xfrm>
+            <a:off x="3314700" y="3873500"/>
+            <a:ext cx="3111500" cy="1778000"/>
+            <a:chOff x="8267700" y="4927600"/>
+            <a:chExt cx="3111500" cy="1778000"/>
+          </a:xfrm>
+        </p:grpSpPr>
+        <p:sp>
+          <p:nvSpPr>
+            <p:cNvPr id="30" name="Rectangle 29"/>
+            <p:cNvSpPr/>
+            <p:nvPr/>
+          </p:nvSpPr>
+          <p:spPr>
+            <a:xfrm>
+              <a:off x="8267700" y="4927600"/>
+              <a:ext cx="3111500" cy="1778000"/>
+            </a:xfrm>
+            <a:prstGeom prst="rect">
+              <a:avLst/>
+            </a:prstGeom>
+            <a:noFill/>
+            <a:ln>
+              <a:solidFill>
+                <a:schemeClr val="tx1"/>
+              </a:solidFill>
+            </a:ln>
+          </p:spPr>
+          <p:style>
+            <a:lnRef idx="1">
+              <a:schemeClr val="accent1"/>
+            </a:lnRef>
+            <a:fillRef idx="3">
+              <a:schemeClr val="accent1"/>
+            </a:fillRef>
+            <a:effectRef idx="2">
+              <a:schemeClr val="accent1"/>
+            </a:effectRef>
+            <a:fontRef idx="minor">
+              <a:schemeClr val="lt1"/>
+            </a:fontRef>
+          </p:style>
+          <p:txBody>
+            <a:bodyPr rtlCol="0" anchor="t"/>
+            <a:lstStyle/>
+            <a:p>
+              <a:r>
+                <a:rPr lang="en-US" sz="2000" b="1" dirty="0" smtClean="0">
+                  <a:solidFill>
+                    <a:schemeClr val="tx1"/>
+                  </a:solidFill>
+                </a:rPr>
+                <a:t>Legend</a:t>
+              </a:r>
+              <a:endParaRPr lang="en-US" sz="2800" b="1" dirty="0" smtClean="0">
+                <a:solidFill>
+                  <a:schemeClr val="tx1"/>
+                </a:solidFill>
+              </a:endParaRPr>
+            </a:p>
+            <a:p>
+              <a:r>
+                <a:rPr lang="en-US" sz="2800" b="1" dirty="0">
+                  <a:solidFill>
+                    <a:schemeClr val="tx1"/>
+                  </a:solidFill>
+                </a:rPr>
+                <a:t>	</a:t>
+              </a:r>
+              <a:r>
+                <a:rPr lang="en-US" dirty="0" smtClean="0">
+                  <a:solidFill>
+                    <a:schemeClr val="tx1"/>
+                  </a:solidFill>
+                </a:rPr>
+                <a:t>Malacology Interface</a:t>
+              </a:r>
+            </a:p>
+            <a:p>
+              <a:r>
+                <a:rPr lang="en-US" b="1" dirty="0">
+                  <a:solidFill>
+                    <a:schemeClr val="tx1"/>
+                  </a:solidFill>
+                </a:rPr>
+                <a:t>	</a:t>
+              </a:r>
+              <a:r>
+                <a:rPr lang="en-US" dirty="0" err="1" smtClean="0">
+                  <a:solidFill>
+                    <a:schemeClr val="tx1"/>
+                  </a:solidFill>
+                </a:rPr>
+                <a:t>Ceph</a:t>
+              </a:r>
+              <a:r>
+                <a:rPr lang="en-US" dirty="0" smtClean="0">
+                  <a:solidFill>
+                    <a:schemeClr val="tx1"/>
+                  </a:solidFill>
+                </a:rPr>
+                <a:t> Daemon/Module</a:t>
+              </a:r>
+            </a:p>
+            <a:p>
+              <a:r>
+                <a:rPr lang="en-US" b="1" dirty="0">
+                  <a:solidFill>
+                    <a:schemeClr val="tx1"/>
+                  </a:solidFill>
+                </a:rPr>
+                <a:t>	</a:t>
+              </a:r>
+              <a:r>
+                <a:rPr lang="en-US" dirty="0" smtClean="0">
+                  <a:solidFill>
+                    <a:schemeClr val="tx1"/>
+                  </a:solidFill>
+                </a:rPr>
+                <a:t>Communication</a:t>
+              </a:r>
+            </a:p>
+            <a:p>
+              <a:r>
+                <a:rPr lang="en-US" b="1" dirty="0">
+                  <a:solidFill>
+                    <a:schemeClr val="tx1"/>
+                  </a:solidFill>
+                </a:rPr>
+                <a:t>	</a:t>
+              </a:r>
+              <a:r>
+                <a:rPr lang="en-US" dirty="0" smtClean="0">
+                  <a:solidFill>
+                    <a:schemeClr val="tx1"/>
+                  </a:solidFill>
+                </a:rPr>
+                <a:t>Higher-Level Service</a:t>
+              </a:r>
+              <a:endParaRPr lang="en-US" dirty="0" smtClean="0">
+                <a:solidFill>
+                  <a:schemeClr val="tx1"/>
+                </a:solidFill>
+              </a:endParaRPr>
+            </a:p>
+            <a:p>
+              <a:endParaRPr lang="en-US" sz="2000" dirty="0">
+                <a:solidFill>
+                  <a:schemeClr val="tx1"/>
+                </a:solidFill>
+              </a:endParaRPr>
+            </a:p>
+          </p:txBody>
+        </p:sp>
+        <p:grpSp>
+          <p:nvGrpSpPr>
+            <p:cNvPr id="55" name="Group 54"/>
+            <p:cNvGrpSpPr/>
+            <p:nvPr/>
+          </p:nvGrpSpPr>
+          <p:grpSpPr>
+            <a:xfrm>
+              <a:off x="8565629" y="5403329"/>
+              <a:ext cx="558800" cy="1162572"/>
+              <a:chOff x="8565629" y="5403329"/>
+              <a:chExt cx="558800" cy="1162572"/>
+            </a:xfrm>
+          </p:grpSpPr>
+          <p:sp>
+            <p:nvSpPr>
+              <p:cNvPr id="39" name="Snip Same Side Corner Rectangle 38"/>
+              <p:cNvSpPr/>
+              <p:nvPr/>
+            </p:nvSpPr>
+            <p:spPr>
+              <a:xfrm rot="10800000">
+                <a:off x="8565629" y="5403329"/>
+                <a:ext cx="558800" cy="293141"/>
+              </a:xfrm>
+              <a:prstGeom prst="snip2SameRect">
+                <a:avLst>
+                  <a:gd name="adj1" fmla="val 50000"/>
+                  <a:gd name="adj2" fmla="val 0"/>
+                </a:avLst>
+              </a:prstGeom>
+              <a:solidFill>
+                <a:srgbClr val="9DC3E6"/>
+              </a:solidFill>
+              <a:ln>
+                <a:solidFill>
+                  <a:srgbClr val="000000"/>
+                </a:solidFill>
+              </a:ln>
+            </p:spPr>
+            <p:style>
+              <a:lnRef idx="1">
+                <a:schemeClr val="accent1"/>
+              </a:lnRef>
+              <a:fillRef idx="3">
+                <a:schemeClr val="accent1"/>
+              </a:fillRef>
+              <a:effectRef idx="2">
+                <a:schemeClr val="accent1"/>
+              </a:effectRef>
+              <a:fontRef idx="minor">
+                <a:schemeClr val="lt1"/>
+              </a:fontRef>
+            </p:style>
+            <p:txBody>
+              <a:bodyPr rtlCol="0" anchor="ctr"/>
+              <a:lstStyle/>
+              <a:p>
+                <a:pPr algn="ctr"/>
+                <a:endParaRPr lang="en-US" b="1" dirty="0">
+                  <a:solidFill>
+                    <a:srgbClr val="000000"/>
+                  </a:solidFill>
+                </a:endParaRPr>
+              </a:p>
+            </p:txBody>
+          </p:sp>
+          <p:sp>
+            <p:nvSpPr>
+              <p:cNvPr id="40" name="Rectangle 39"/>
+              <p:cNvSpPr/>
+              <p:nvPr/>
+            </p:nvSpPr>
+            <p:spPr>
+              <a:xfrm>
+                <a:off x="8597900" y="5740400"/>
+                <a:ext cx="495300" cy="223371"/>
+              </a:xfrm>
+              <a:prstGeom prst="rect">
+                <a:avLst/>
+              </a:prstGeom>
+              <a:solidFill>
+                <a:schemeClr val="bg1">
+                  <a:lumMod val="65000"/>
+                </a:schemeClr>
+              </a:solidFill>
+              <a:ln>
+                <a:solidFill>
+                  <a:schemeClr val="tx1"/>
+                </a:solidFill>
+              </a:ln>
+            </p:spPr>
+            <p:style>
+              <a:lnRef idx="1">
+                <a:schemeClr val="accent1"/>
+              </a:lnRef>
+              <a:fillRef idx="3">
+                <a:schemeClr val="accent1"/>
+              </a:fillRef>
+              <a:effectRef idx="2">
+                <a:schemeClr val="accent1"/>
+              </a:effectRef>
+              <a:fontRef idx="minor">
+                <a:schemeClr val="lt1"/>
+              </a:fontRef>
+            </p:style>
+            <p:txBody>
+              <a:bodyPr rtlCol="0" anchor="ctr"/>
+              <a:lstStyle/>
+              <a:p>
+                <a:pPr algn="ctr"/>
+                <a:endParaRPr lang="en-US" sz="2800" b="1" dirty="0" smtClean="0">
+                  <a:solidFill>
+                    <a:schemeClr val="tx1"/>
+                  </a:solidFill>
+                </a:endParaRPr>
+              </a:p>
+            </p:txBody>
+          </p:sp>
+          <p:sp>
+            <p:nvSpPr>
+              <p:cNvPr id="41" name="Right Arrow 40"/>
+              <p:cNvSpPr/>
+              <p:nvPr/>
+            </p:nvSpPr>
+            <p:spPr>
+              <a:xfrm>
+                <a:off x="8677013" y="6010810"/>
+                <a:ext cx="382213" cy="264650"/>
+              </a:xfrm>
+              <a:prstGeom prst="rightArrow">
+                <a:avLst/>
+              </a:prstGeom>
+              <a:ln>
+                <a:solidFill>
+                  <a:srgbClr val="000000"/>
+                </a:solidFill>
+              </a:ln>
+            </p:spPr>
+            <p:style>
+              <a:lnRef idx="2">
+                <a:schemeClr val="accent2">
+                  <a:shade val="50000"/>
+                </a:schemeClr>
+              </a:lnRef>
+              <a:fillRef idx="1">
+                <a:schemeClr val="accent2"/>
+              </a:fillRef>
+              <a:effectRef idx="0">
+                <a:schemeClr val="accent2"/>
+              </a:effectRef>
+              <a:fontRef idx="minor">
+                <a:schemeClr val="lt1"/>
+              </a:fontRef>
+            </p:style>
+            <p:txBody>
+              <a:bodyPr rtlCol="0" anchor="ctr"/>
+              <a:lstStyle/>
+              <a:p>
+                <a:pPr algn="ctr"/>
+                <a:endParaRPr lang="en-US" b="1" dirty="0">
+                  <a:solidFill>
+                    <a:srgbClr val="000000"/>
+                  </a:solidFill>
+                </a:endParaRPr>
+              </a:p>
+            </p:txBody>
+          </p:sp>
+          <p:sp>
+            <p:nvSpPr>
+              <p:cNvPr id="48" name="Up Arrow Callout 47"/>
+              <p:cNvSpPr/>
+              <p:nvPr/>
+            </p:nvSpPr>
+            <p:spPr>
+              <a:xfrm rot="5400000">
+                <a:off x="8740866" y="6270535"/>
+                <a:ext cx="279400" cy="311331"/>
+              </a:xfrm>
+              <a:prstGeom prst="upArrowCallout">
+                <a:avLst/>
+              </a:prstGeom>
+              <a:solidFill>
+                <a:srgbClr val="A5679E"/>
+              </a:solidFill>
+              <a:ln>
+                <a:solidFill>
+                  <a:srgbClr val="000000"/>
+                </a:solidFill>
+              </a:ln>
+            </p:spPr>
+            <p:style>
+              <a:lnRef idx="1">
+                <a:schemeClr val="accent1"/>
+              </a:lnRef>
+              <a:fillRef idx="3">
+                <a:schemeClr val="accent1"/>
+              </a:fillRef>
+              <a:effectRef idx="2">
+                <a:schemeClr val="accent1"/>
+              </a:effectRef>
+              <a:fontRef idx="minor">
+                <a:schemeClr val="lt1"/>
+              </a:fontRef>
+            </p:style>
+            <p:txBody>
+              <a:bodyPr rtlCol="0" anchor="ctr"/>
+              <a:lstStyle/>
+              <a:p>
+                <a:pPr algn="ctr"/>
+                <a:endParaRPr lang="en-US" b="1" dirty="0">
+                  <a:solidFill>
+                    <a:srgbClr val="000000"/>
+                  </a:solidFill>
+                </a:endParaRPr>
+              </a:p>
+            </p:txBody>
+          </p:sp>
+        </p:grpSp>
+      </p:grpSp>
+      <p:sp>
+        <p:nvSpPr>
+          <p:cNvPr id="51" name="Up Arrow Callout 50"/>
+          <p:cNvSpPr/>
+          <p:nvPr/>
+        </p:nvSpPr>
+        <p:spPr>
+          <a:xfrm rot="5400000">
+            <a:off x="1651000" y="2044700"/>
+            <a:ext cx="889000" cy="990600"/>
+          </a:xfrm>
+          <a:prstGeom prst="upArrowCallout">
+            <a:avLst/>
+          </a:prstGeom>
+          <a:solidFill>
+            <a:srgbClr val="A5679E"/>
+          </a:solidFill>
+          <a:ln>
+            <a:solidFill>
+              <a:srgbClr val="000000"/>
+            </a:solidFill>
+          </a:ln>
+        </p:spPr>
+        <p:style>
+          <a:lnRef idx="1">
+            <a:schemeClr val="accent1"/>
+          </a:lnRef>
+          <a:fillRef idx="3">
+            <a:schemeClr val="accent1"/>
+          </a:fillRef>
+          <a:effectRef idx="2">
+            <a:schemeClr val="accent1"/>
+          </a:effectRef>
+          <a:fontRef idx="minor">
+            <a:schemeClr val="lt1"/>
+          </a:fontRef>
+        </p:style>
+        <p:txBody>
+          <a:bodyPr rtlCol="0" anchor="ctr"/>
+          <a:lstStyle/>
+          <a:p>
+            <a:pPr algn="ctr"/>
+            <a:r>
+              <a:rPr lang="en-US" b="1" dirty="0" smtClean="0">
+                <a:solidFill>
+                  <a:srgbClr val="000000"/>
+                </a:solidFill>
+              </a:rPr>
+              <a:t>Mantle</a:t>
+            </a:r>
+            <a:endParaRPr lang="en-US" b="1" dirty="0">
+              <a:solidFill>
+                <a:srgbClr val="000000"/>
+              </a:solidFill>
+            </a:endParaRPr>
+          </a:p>
+        </p:txBody>
+      </p:sp>
+      <p:sp>
+        <p:nvSpPr>
+          <p:cNvPr id="52" name="Up Arrow Callout 51"/>
+          <p:cNvSpPr/>
+          <p:nvPr/>
+        </p:nvSpPr>
+        <p:spPr>
+          <a:xfrm rot="5400000">
+            <a:off x="1651000" y="2984500"/>
+            <a:ext cx="889000" cy="990600"/>
+          </a:xfrm>
+          <a:prstGeom prst="upArrowCallout">
+            <a:avLst/>
+          </a:prstGeom>
+          <a:solidFill>
+            <a:srgbClr val="A5679E"/>
+          </a:solidFill>
+          <a:ln>
+            <a:solidFill>
+              <a:srgbClr val="000000"/>
+            </a:solidFill>
+          </a:ln>
+        </p:spPr>
+        <p:style>
+          <a:lnRef idx="1">
+            <a:schemeClr val="accent1"/>
+          </a:lnRef>
+          <a:fillRef idx="3">
+            <a:schemeClr val="accent1"/>
+          </a:fillRef>
+          <a:effectRef idx="2">
+            <a:schemeClr val="accent1"/>
+          </a:effectRef>
+          <a:fontRef idx="minor">
+            <a:schemeClr val="lt1"/>
+          </a:fontRef>
+        </p:style>
+        <p:txBody>
+          <a:bodyPr rtlCol="0" anchor="ctr"/>
+          <a:lstStyle/>
+          <a:p>
+            <a:pPr algn="ctr"/>
+            <a:r>
+              <a:rPr lang="en-US" b="1" dirty="0" err="1" smtClean="0">
+                <a:solidFill>
+                  <a:srgbClr val="000000"/>
+                </a:solidFill>
+              </a:rPr>
+              <a:t>ZLog</a:t>
+            </a:r>
+            <a:endParaRPr lang="en-US" b="1" dirty="0">
+              <a:solidFill>
+                <a:srgbClr val="000000"/>
+              </a:solidFill>
+            </a:endParaRPr>
+          </a:p>
+        </p:txBody>
+      </p:sp>
+      <p:sp>
+        <p:nvSpPr>
+          <p:cNvPr id="53" name="Up Arrow Callout 52"/>
+          <p:cNvSpPr/>
+          <p:nvPr/>
+        </p:nvSpPr>
+        <p:spPr>
+          <a:xfrm>
+            <a:off x="7708900" y="4914900"/>
+            <a:ext cx="889000" cy="990600"/>
+          </a:xfrm>
+          <a:prstGeom prst="upArrowCallout">
+            <a:avLst/>
+          </a:prstGeom>
+          <a:solidFill>
+            <a:srgbClr val="A5679E"/>
+          </a:solidFill>
+          <a:ln>
+            <a:solidFill>
+              <a:srgbClr val="000000"/>
+            </a:solidFill>
+          </a:ln>
+        </p:spPr>
+        <p:style>
+          <a:lnRef idx="1">
+            <a:schemeClr val="accent1"/>
+          </a:lnRef>
+          <a:fillRef idx="3">
+            <a:schemeClr val="accent1"/>
+          </a:fillRef>
+          <a:effectRef idx="2">
+            <a:schemeClr val="accent1"/>
+          </a:effectRef>
+          <a:fontRef idx="minor">
+            <a:schemeClr val="lt1"/>
+          </a:fontRef>
+        </p:style>
+        <p:txBody>
+          <a:bodyPr rtlCol="0" anchor="ctr"/>
+          <a:lstStyle/>
+          <a:p>
+            <a:pPr algn="ctr"/>
+            <a:r>
+              <a:rPr lang="en-US" b="1" dirty="0" smtClean="0">
+                <a:solidFill>
+                  <a:srgbClr val="000000"/>
+                </a:solidFill>
+              </a:rPr>
+              <a:t>Mantle</a:t>
+            </a:r>
+            <a:endParaRPr lang="en-US" b="1" dirty="0">
+              <a:solidFill>
+                <a:srgbClr val="000000"/>
+              </a:solidFill>
+            </a:endParaRPr>
+          </a:p>
+        </p:txBody>
+      </p:sp>
+      <p:sp>
+        <p:nvSpPr>
+          <p:cNvPr id="54" name="Up Arrow Callout 53"/>
+          <p:cNvSpPr/>
+          <p:nvPr/>
+        </p:nvSpPr>
+        <p:spPr>
+          <a:xfrm rot="16200000">
+            <a:off x="11049000" y="660400"/>
+            <a:ext cx="889000" cy="990600"/>
+          </a:xfrm>
+          <a:prstGeom prst="upArrowCallout">
+            <a:avLst/>
+          </a:prstGeom>
+          <a:solidFill>
+            <a:srgbClr val="A5679E"/>
+          </a:solidFill>
+          <a:ln>
+            <a:solidFill>
+              <a:srgbClr val="000000"/>
+            </a:solidFill>
+          </a:ln>
+        </p:spPr>
+        <p:style>
+          <a:lnRef idx="1">
+            <a:schemeClr val="accent1"/>
+          </a:lnRef>
+          <a:fillRef idx="3">
+            <a:schemeClr val="accent1"/>
+          </a:fillRef>
+          <a:effectRef idx="2">
+            <a:schemeClr val="accent1"/>
+          </a:effectRef>
+          <a:fontRef idx="minor">
+            <a:schemeClr val="lt1"/>
+          </a:fontRef>
+        </p:style>
+        <p:txBody>
+          <a:bodyPr rtlCol="0" anchor="ctr"/>
+          <a:lstStyle/>
+          <a:p>
+            <a:pPr algn="ctr"/>
+            <a:r>
+              <a:rPr lang="en-US" b="1" dirty="0" smtClean="0">
+                <a:solidFill>
+                  <a:srgbClr val="000000"/>
+                </a:solidFill>
+              </a:rPr>
+              <a:t>Mantle</a:t>
+            </a:r>
+            <a:endParaRPr lang="en-US" b="1" dirty="0">
+              <a:solidFill>
+                <a:srgbClr val="000000"/>
+              </a:solidFill>
+            </a:endParaRPr>
+          </a:p>
+        </p:txBody>
+      </p:sp>
+    </p:spTree>
+    <p:extLst>
+      <p:ext uri="{BB962C8B-B14F-4D97-AF65-F5344CB8AC3E}">
+        <p14:creationId xmlns:p14="http://schemas.microsoft.com/office/powerpoint/2010/main" val="3976592626"/>
+      </p:ext>
+    </p:extLst>
+  </p:cSld>
+  <p:clrMapOvr>
+    <a:masterClrMapping/>
+  </p:clrMapOvr>
+  <p:timing>
+    <p:tnLst>
+      <p:par>
+        <p:cTn xmlns:p14="http://schemas.microsoft.com/office/powerpoint/2010/main" id="1" dur="indefinite" restart="never" nodeType="tmRoot"/>
+      </p:par>
+    </p:tnLst>
+  </p:timing>
+</p:sld>
+</file>
+
+<file path=ppt/slides/slide6.xml><?xml version="1.0" encoding="utf-8"?>
+<p:sld xmlns:a="http://schemas.openxmlformats.org/drawingml/2006/main" xmlns:r="http://schemas.openxmlformats.org/officeDocument/2006/relationships" xmlns:p="http://schemas.openxmlformats.org/presentationml/2006/main">
+  <p:cSld>
+    <p:spTree>
+      <p:nvGrpSpPr>
+        <p:cNvPr id="1" name=""/>
+        <p:cNvGrpSpPr/>
+        <p:nvPr/>
+      </p:nvGrpSpPr>
+      <p:grpSpPr>
+        <a:xfrm>
+          <a:off x="0" y="0"/>
+          <a:ext cx="0" cy="0"/>
+          <a:chOff x="0" y="0"/>
+          <a:chExt cx="0" cy="0"/>
+        </a:xfrm>
+      </p:grpSpPr>
+      <p:sp>
+        <p:nvSpPr>
           <p:cNvPr id="3" name="Rounded Rectangle 2"/>
           <p:cNvSpPr/>
           <p:nvPr/>
@@ -32643,7 +37138,7 @@
 </p:sld>
 </file>
 
-<file path=ppt/slides/slide6.xml><?xml version="1.0" encoding="utf-8"?>
+<file path=ppt/slides/slide7.xml><?xml version="1.0" encoding="utf-8"?>
 <p:sld xmlns:a="http://schemas.openxmlformats.org/drawingml/2006/main" xmlns:r="http://schemas.openxmlformats.org/officeDocument/2006/relationships" xmlns:p="http://schemas.openxmlformats.org/presentationml/2006/main">
   <p:cSld>
     <p:spTree>
@@ -37420,7 +41915,7 @@
 </p:sld>
 </file>
 
-<file path=ppt/slides/slide7.xml><?xml version="1.0" encoding="utf-8"?>
+<file path=ppt/slides/slide8.xml><?xml version="1.0" encoding="utf-8"?>
 <p:sld xmlns:a="http://schemas.openxmlformats.org/drawingml/2006/main" xmlns:r="http://schemas.openxmlformats.org/officeDocument/2006/relationships" xmlns:p="http://schemas.openxmlformats.org/presentationml/2006/main">
   <p:cSld>
     <p:spTree>
@@ -41118,7 +45613,7 @@
 </p:sld>
 </file>
 
-<file path=ppt/slides/slide8.xml><?xml version="1.0" encoding="utf-8"?>
+<file path=ppt/slides/slide9.xml><?xml version="1.0" encoding="utf-8"?>
 <p:sld xmlns:a="http://schemas.openxmlformats.org/drawingml/2006/main" xmlns:r="http://schemas.openxmlformats.org/officeDocument/2006/relationships" xmlns:p="http://schemas.openxmlformats.org/presentationml/2006/main">
   <p:cSld>
     <p:spTree>
@@ -41746,2323 +46241,6 @@
 </p:sld>
 </file>
 
-<file path=ppt/slides/slide9.xml><?xml version="1.0" encoding="utf-8"?>
-<p:sld xmlns:a="http://schemas.openxmlformats.org/drawingml/2006/main" xmlns:r="http://schemas.openxmlformats.org/officeDocument/2006/relationships" xmlns:p="http://schemas.openxmlformats.org/presentationml/2006/main">
-  <p:cSld>
-    <p:spTree>
-      <p:nvGrpSpPr>
-        <p:cNvPr id="1" name=""/>
-        <p:cNvGrpSpPr/>
-        <p:nvPr/>
-      </p:nvGrpSpPr>
-      <p:grpSpPr>
-        <a:xfrm>
-          <a:off x="0" y="0"/>
-          <a:ext cx="0" cy="0"/>
-          <a:chOff x="0" y="0"/>
-          <a:chExt cx="0" cy="0"/>
-        </a:xfrm>
-      </p:grpSpPr>
-      <p:sp>
-        <p:nvSpPr>
-          <p:cNvPr id="2" name="Title 1"/>
-          <p:cNvSpPr>
-            <a:spLocks noGrp="1"/>
-          </p:cNvSpPr>
-          <p:nvPr>
-            <p:ph type="title"/>
-          </p:nvPr>
-        </p:nvSpPr>
-        <p:spPr/>
-        <p:txBody>
-          <a:bodyPr/>
-          <a:lstStyle/>
-          <a:p>
-            <a:r>
-              <a:rPr lang="en-US" dirty="0" err="1" smtClean="0"/>
-              <a:t>Ceph</a:t>
-            </a:r>
-            <a:r>
-              <a:rPr lang="en-US" dirty="0" smtClean="0"/>
-              <a:t> = Production Quality Distributed System</a:t>
-            </a:r>
-            <a:endParaRPr lang="en-US" dirty="0"/>
-          </a:p>
-        </p:txBody>
-      </p:sp>
-      <p:sp>
-        <p:nvSpPr>
-          <p:cNvPr id="3" name="Content Placeholder 2"/>
-          <p:cNvSpPr>
-            <a:spLocks noGrp="1"/>
-          </p:cNvSpPr>
-          <p:nvPr>
-            <p:ph sz="half" idx="1"/>
-          </p:nvPr>
-        </p:nvSpPr>
-        <p:spPr>
-          <a:xfrm>
-            <a:off x="838199" y="1825625"/>
-            <a:ext cx="11033503" cy="4351338"/>
-          </a:xfrm>
-        </p:spPr>
-        <p:txBody>
-          <a:bodyPr/>
-          <a:lstStyle/>
-          <a:p>
-            <a:pPr marL="0" indent="0">
-              <a:buNone/>
-            </a:pPr>
-            <a:r>
-              <a:rPr lang="en-US" b="1" dirty="0" smtClean="0">
-                <a:solidFill>
-                  <a:srgbClr val="FF0000"/>
-                </a:solidFill>
-              </a:rPr>
-              <a:t>OSDs provide active storage				</a:t>
-            </a:r>
-            <a:r>
-              <a:rPr lang="en-US" b="1" dirty="0">
-                <a:solidFill>
-                  <a:srgbClr val="00B050"/>
-                </a:solidFill>
-              </a:rPr>
-              <a:t> ✔</a:t>
-            </a:r>
-            <a:r>
-              <a:rPr lang="en-US" dirty="0">
-                <a:solidFill>
-                  <a:srgbClr val="00B050"/>
-                </a:solidFill>
-              </a:rPr>
-              <a:t> </a:t>
-            </a:r>
-            <a:r>
-              <a:rPr lang="en-US" dirty="0" smtClean="0"/>
-              <a:t>distribute </a:t>
-            </a:r>
-            <a:r>
-              <a:rPr lang="en-US" dirty="0"/>
-              <a:t>work</a:t>
-            </a:r>
-            <a:endParaRPr lang="en-US" b="1" dirty="0" smtClean="0">
-              <a:solidFill>
-                <a:srgbClr val="FF0000"/>
-              </a:solidFill>
-            </a:endParaRPr>
-          </a:p>
-          <a:p>
-            <a:pPr marL="0" indent="0">
-              <a:buNone/>
-            </a:pPr>
-            <a:endParaRPr lang="en-US" b="1" dirty="0">
-              <a:solidFill>
-                <a:srgbClr val="FF0000"/>
-              </a:solidFill>
-            </a:endParaRPr>
-          </a:p>
-          <a:p>
-            <a:pPr marL="0" indent="0">
-              <a:buNone/>
-            </a:pPr>
-            <a:r>
-              <a:rPr lang="en-US" dirty="0" smtClean="0"/>
-              <a:t>Scenario: capitalize </a:t>
-            </a:r>
-            <a:r>
-              <a:rPr lang="en-US" dirty="0" err="1" smtClean="0"/>
-              <a:t>chararcters</a:t>
-            </a:r>
-            <a:r>
-              <a:rPr lang="en-US" dirty="0" smtClean="0"/>
-              <a:t> in an object</a:t>
-            </a:r>
-            <a:endParaRPr lang="en-US" dirty="0"/>
-          </a:p>
-          <a:p>
-            <a:pPr marL="0" indent="0">
-              <a:buNone/>
-            </a:pPr>
-            <a:r>
-              <a:rPr lang="en-US" b="1" dirty="0" smtClean="0">
-                <a:solidFill>
-                  <a:srgbClr val="0070C0"/>
-                </a:solidFill>
-              </a:rPr>
-              <a:t>Naïve Approach</a:t>
-            </a:r>
-            <a:endParaRPr lang="en-US" dirty="0"/>
-          </a:p>
-          <a:p>
-            <a:pPr marL="0" indent="0">
-              <a:buNone/>
-            </a:pPr>
-            <a:r>
-              <a:rPr lang="en-US" sz="2400" dirty="0" smtClean="0"/>
-              <a:t>send data over network</a:t>
-            </a:r>
-            <a:endParaRPr lang="en-US" sz="2400" dirty="0" smtClean="0">
-              <a:solidFill>
-                <a:srgbClr val="0070C0"/>
-              </a:solidFill>
-            </a:endParaRPr>
-          </a:p>
-        </p:txBody>
-      </p:sp>
-      <p:sp>
-        <p:nvSpPr>
-          <p:cNvPr id="4" name="Content Placeholder 3"/>
-          <p:cNvSpPr>
-            <a:spLocks noGrp="1"/>
-          </p:cNvSpPr>
-          <p:nvPr>
-            <p:ph sz="half" idx="2"/>
-          </p:nvPr>
-        </p:nvSpPr>
-        <p:spPr/>
-        <p:txBody>
-          <a:bodyPr/>
-          <a:lstStyle/>
-          <a:p>
-            <a:endParaRPr lang="en-US" dirty="0" smtClean="0"/>
-          </a:p>
-          <a:p>
-            <a:endParaRPr lang="en-US" dirty="0" smtClean="0"/>
-          </a:p>
-        </p:txBody>
-      </p:sp>
-      <p:sp>
-        <p:nvSpPr>
-          <p:cNvPr id="31" name="Content Placeholder 5"/>
-          <p:cNvSpPr txBox="1">
-            <a:spLocks/>
-          </p:cNvSpPr>
-          <p:nvPr/>
-        </p:nvSpPr>
-        <p:spPr>
-          <a:xfrm>
-            <a:off x="5618692" y="1825625"/>
-            <a:ext cx="5735108" cy="4351338"/>
-          </a:xfrm>
-          <a:prstGeom prst="rect">
-            <a:avLst/>
-          </a:prstGeom>
-        </p:spPr>
-        <p:txBody>
-          <a:bodyPr vert="horz" lIns="91440" tIns="45720" rIns="91440" bIns="45720" rtlCol="0">
-            <a:normAutofit/>
-          </a:bodyPr>
-          <a:lstStyle>
-            <a:lvl1pPr marL="228600" indent="-228600" algn="l" defTabSz="914400" rtl="0" eaLnBrk="1" latinLnBrk="0" hangingPunct="1">
-              <a:lnSpc>
-                <a:spcPct val="90000"/>
-              </a:lnSpc>
-              <a:spcBef>
-                <a:spcPts val="1000"/>
-              </a:spcBef>
-              <a:buFont typeface="Arial" panose="020B0604020202020204" pitchFamily="34" charset="0"/>
-              <a:buChar char="•"/>
-              <a:defRPr sz="2800" kern="1200">
-                <a:solidFill>
-                  <a:schemeClr val="tx1"/>
-                </a:solidFill>
-                <a:latin typeface="+mn-lt"/>
-                <a:ea typeface="+mn-ea"/>
-                <a:cs typeface="+mn-cs"/>
-              </a:defRPr>
-            </a:lvl1pPr>
-            <a:lvl2pPr marL="685800" indent="-228600" algn="l" defTabSz="914400" rtl="0" eaLnBrk="1" latinLnBrk="0" hangingPunct="1">
-              <a:lnSpc>
-                <a:spcPct val="90000"/>
-              </a:lnSpc>
-              <a:spcBef>
-                <a:spcPts val="500"/>
-              </a:spcBef>
-              <a:buFont typeface="Arial" panose="020B0604020202020204" pitchFamily="34" charset="0"/>
-              <a:buChar char="•"/>
-              <a:defRPr sz="2400" kern="1200">
-                <a:solidFill>
-                  <a:schemeClr val="tx1"/>
-                </a:solidFill>
-                <a:latin typeface="+mn-lt"/>
-                <a:ea typeface="+mn-ea"/>
-                <a:cs typeface="+mn-cs"/>
-              </a:defRPr>
-            </a:lvl2pPr>
-            <a:lvl3pPr marL="1143000" indent="-228600" algn="l" defTabSz="914400" rtl="0" eaLnBrk="1" latinLnBrk="0" hangingPunct="1">
-              <a:lnSpc>
-                <a:spcPct val="90000"/>
-              </a:lnSpc>
-              <a:spcBef>
-                <a:spcPts val="500"/>
-              </a:spcBef>
-              <a:buFont typeface="Arial" panose="020B0604020202020204" pitchFamily="34" charset="0"/>
-              <a:buChar char="•"/>
-              <a:defRPr sz="2000" kern="1200">
-                <a:solidFill>
-                  <a:schemeClr val="tx1"/>
-                </a:solidFill>
-                <a:latin typeface="+mn-lt"/>
-                <a:ea typeface="+mn-ea"/>
-                <a:cs typeface="+mn-cs"/>
-              </a:defRPr>
-            </a:lvl3pPr>
-            <a:lvl4pPr marL="1600200" indent="-228600" algn="l" defTabSz="914400" rtl="0" eaLnBrk="1" latinLnBrk="0" hangingPunct="1">
-              <a:lnSpc>
-                <a:spcPct val="90000"/>
-              </a:lnSpc>
-              <a:spcBef>
-                <a:spcPts val="500"/>
-              </a:spcBef>
-              <a:buFont typeface="Arial" panose="020B0604020202020204" pitchFamily="34" charset="0"/>
-              <a:buChar char="•"/>
-              <a:defRPr sz="1800" kern="1200">
-                <a:solidFill>
-                  <a:schemeClr val="tx1"/>
-                </a:solidFill>
-                <a:latin typeface="+mn-lt"/>
-                <a:ea typeface="+mn-ea"/>
-                <a:cs typeface="+mn-cs"/>
-              </a:defRPr>
-            </a:lvl4pPr>
-            <a:lvl5pPr marL="2057400" indent="-228600" algn="l" defTabSz="914400" rtl="0" eaLnBrk="1" latinLnBrk="0" hangingPunct="1">
-              <a:lnSpc>
-                <a:spcPct val="90000"/>
-              </a:lnSpc>
-              <a:spcBef>
-                <a:spcPts val="500"/>
-              </a:spcBef>
-              <a:buFont typeface="Arial" panose="020B0604020202020204" pitchFamily="34" charset="0"/>
-              <a:buChar char="•"/>
-              <a:defRPr sz="1800" kern="1200">
-                <a:solidFill>
-                  <a:schemeClr val="tx1"/>
-                </a:solidFill>
-                <a:latin typeface="+mn-lt"/>
-                <a:ea typeface="+mn-ea"/>
-                <a:cs typeface="+mn-cs"/>
-              </a:defRPr>
-            </a:lvl5pPr>
-            <a:lvl6pPr marL="2514600" indent="-228600" algn="l" defTabSz="914400" rtl="0" eaLnBrk="1" latinLnBrk="0" hangingPunct="1">
-              <a:lnSpc>
-                <a:spcPct val="90000"/>
-              </a:lnSpc>
-              <a:spcBef>
-                <a:spcPts val="500"/>
-              </a:spcBef>
-              <a:buFont typeface="Arial" panose="020B0604020202020204" pitchFamily="34" charset="0"/>
-              <a:buChar char="•"/>
-              <a:defRPr sz="1800" kern="1200">
-                <a:solidFill>
-                  <a:schemeClr val="tx1"/>
-                </a:solidFill>
-                <a:latin typeface="+mn-lt"/>
-                <a:ea typeface="+mn-ea"/>
-                <a:cs typeface="+mn-cs"/>
-              </a:defRPr>
-            </a:lvl6pPr>
-            <a:lvl7pPr marL="2971800" indent="-228600" algn="l" defTabSz="914400" rtl="0" eaLnBrk="1" latinLnBrk="0" hangingPunct="1">
-              <a:lnSpc>
-                <a:spcPct val="90000"/>
-              </a:lnSpc>
-              <a:spcBef>
-                <a:spcPts val="500"/>
-              </a:spcBef>
-              <a:buFont typeface="Arial" panose="020B0604020202020204" pitchFamily="34" charset="0"/>
-              <a:buChar char="•"/>
-              <a:defRPr sz="1800" kern="1200">
-                <a:solidFill>
-                  <a:schemeClr val="tx1"/>
-                </a:solidFill>
-                <a:latin typeface="+mn-lt"/>
-                <a:ea typeface="+mn-ea"/>
-                <a:cs typeface="+mn-cs"/>
-              </a:defRPr>
-            </a:lvl7pPr>
-            <a:lvl8pPr marL="3429000" indent="-228600" algn="l" defTabSz="914400" rtl="0" eaLnBrk="1" latinLnBrk="0" hangingPunct="1">
-              <a:lnSpc>
-                <a:spcPct val="90000"/>
-              </a:lnSpc>
-              <a:spcBef>
-                <a:spcPts val="500"/>
-              </a:spcBef>
-              <a:buFont typeface="Arial" panose="020B0604020202020204" pitchFamily="34" charset="0"/>
-              <a:buChar char="•"/>
-              <a:defRPr sz="1800" kern="1200">
-                <a:solidFill>
-                  <a:schemeClr val="tx1"/>
-                </a:solidFill>
-                <a:latin typeface="+mn-lt"/>
-                <a:ea typeface="+mn-ea"/>
-                <a:cs typeface="+mn-cs"/>
-              </a:defRPr>
-            </a:lvl8pPr>
-            <a:lvl9pPr marL="3886200" indent="-228600" algn="l" defTabSz="914400" rtl="0" eaLnBrk="1" latinLnBrk="0" hangingPunct="1">
-              <a:lnSpc>
-                <a:spcPct val="90000"/>
-              </a:lnSpc>
-              <a:spcBef>
-                <a:spcPts val="500"/>
-              </a:spcBef>
-              <a:buFont typeface="Arial" panose="020B0604020202020204" pitchFamily="34" charset="0"/>
-              <a:buChar char="•"/>
-              <a:defRPr sz="1800" kern="1200">
-                <a:solidFill>
-                  <a:schemeClr val="tx1"/>
-                </a:solidFill>
-                <a:latin typeface="+mn-lt"/>
-                <a:ea typeface="+mn-ea"/>
-                <a:cs typeface="+mn-cs"/>
-              </a:defRPr>
-            </a:lvl9pPr>
-          </a:lstStyle>
-          <a:p>
-            <a:pPr marL="0" indent="0">
-              <a:buNone/>
-            </a:pPr>
-            <a:endParaRPr lang="en-US" dirty="0" smtClean="0"/>
-          </a:p>
-          <a:p>
-            <a:endParaRPr lang="en-US" dirty="0" smtClean="0"/>
-          </a:p>
-          <a:p>
-            <a:pPr marL="0" indent="0">
-              <a:buNone/>
-            </a:pPr>
-            <a:endParaRPr lang="en-US" b="1" dirty="0" smtClean="0">
-              <a:solidFill>
-                <a:srgbClr val="0070C0"/>
-              </a:solidFill>
-            </a:endParaRPr>
-          </a:p>
-          <a:p>
-            <a:pPr marL="0" indent="0">
-              <a:buNone/>
-            </a:pPr>
-            <a:r>
-              <a:rPr lang="en-US" b="1" dirty="0" smtClean="0">
-                <a:solidFill>
-                  <a:srgbClr val="0070C0"/>
-                </a:solidFill>
-              </a:rPr>
-              <a:t>Active Storage (Object Interface)</a:t>
-            </a:r>
-          </a:p>
-          <a:p>
-            <a:pPr marL="0" indent="0">
-              <a:buNone/>
-            </a:pPr>
-            <a:r>
-              <a:rPr lang="en-US" sz="2400" dirty="0"/>
-              <a:t>i</a:t>
-            </a:r>
-            <a:r>
-              <a:rPr lang="en-US" sz="2400" dirty="0" smtClean="0"/>
-              <a:t>nject functionality into OSD, send </a:t>
-            </a:r>
-            <a:r>
-              <a:rPr lang="en-US" sz="2400" dirty="0" smtClean="0">
-                <a:latin typeface="Courier New" panose="02070309020205020404" pitchFamily="49" charset="0"/>
-                <a:cs typeface="Courier New" panose="02070309020205020404" pitchFamily="49" charset="0"/>
-              </a:rPr>
-              <a:t>upper()</a:t>
-            </a:r>
-            <a:endParaRPr lang="en-US" sz="2400" dirty="0">
-              <a:latin typeface="Courier New" panose="02070309020205020404" pitchFamily="49" charset="0"/>
-              <a:cs typeface="Courier New" panose="02070309020205020404" pitchFamily="49" charset="0"/>
-            </a:endParaRPr>
-          </a:p>
-        </p:txBody>
-      </p:sp>
-      <p:sp>
-        <p:nvSpPr>
-          <p:cNvPr id="46" name="Smiley Face 45"/>
-          <p:cNvSpPr/>
-          <p:nvPr/>
-        </p:nvSpPr>
-        <p:spPr>
-          <a:xfrm>
-            <a:off x="4356658" y="4781058"/>
-            <a:ext cx="413997" cy="413997"/>
-          </a:xfrm>
-          <a:prstGeom prst="smileyFace">
-            <a:avLst/>
-          </a:prstGeom>
-        </p:spPr>
-        <p:style>
-          <a:lnRef idx="2">
-            <a:schemeClr val="dk1"/>
-          </a:lnRef>
-          <a:fillRef idx="1">
-            <a:schemeClr val="lt1"/>
-          </a:fillRef>
-          <a:effectRef idx="0">
-            <a:schemeClr val="dk1"/>
-          </a:effectRef>
-          <a:fontRef idx="minor">
-            <a:schemeClr val="dk1"/>
-          </a:fontRef>
-        </p:style>
-        <p:txBody>
-          <a:bodyPr rtlCol="0" anchor="ctr"/>
-          <a:lstStyle/>
-          <a:p>
-            <a:pPr algn="ctr"/>
-            <a:endParaRPr lang="en-US" sz="1400"/>
-          </a:p>
-        </p:txBody>
-      </p:sp>
-      <p:grpSp>
-        <p:nvGrpSpPr>
-          <p:cNvPr id="6" name="Group 5"/>
-          <p:cNvGrpSpPr/>
-          <p:nvPr/>
-        </p:nvGrpSpPr>
-        <p:grpSpPr>
-          <a:xfrm>
-            <a:off x="2539042" y="4182196"/>
-            <a:ext cx="2753816" cy="1339810"/>
-            <a:chOff x="2539042" y="4182196"/>
-            <a:chExt cx="2753816" cy="1339810"/>
-          </a:xfrm>
-        </p:grpSpPr>
-        <p:sp>
-          <p:nvSpPr>
-            <p:cNvPr id="47" name="Freeform 46"/>
-            <p:cNvSpPr/>
-            <p:nvPr/>
-          </p:nvSpPr>
-          <p:spPr>
-            <a:xfrm>
-              <a:off x="2539042" y="4593282"/>
-              <a:ext cx="1823517" cy="928724"/>
-            </a:xfrm>
-            <a:custGeom>
-              <a:avLst/>
-              <a:gdLst>
-                <a:gd name="connsiteX0" fmla="*/ 0 w 5045528"/>
-                <a:gd name="connsiteY0" fmla="*/ 2569707 h 2569707"/>
-                <a:gd name="connsiteX1" fmla="*/ 1828800 w 5045528"/>
-                <a:gd name="connsiteY1" fmla="*/ 104093 h 2569707"/>
-                <a:gd name="connsiteX2" fmla="*/ 5045528 w 5045528"/>
-                <a:gd name="connsiteY2" fmla="*/ 691921 h 2569707"/>
-              </a:gdLst>
-              <a:ahLst/>
-              <a:cxnLst>
-                <a:cxn ang="0">
-                  <a:pos x="connsiteX0" y="connsiteY0"/>
-                </a:cxn>
-                <a:cxn ang="0">
-                  <a:pos x="connsiteX1" y="connsiteY1"/>
-                </a:cxn>
-                <a:cxn ang="0">
-                  <a:pos x="connsiteX2" y="connsiteY2"/>
-                </a:cxn>
-              </a:cxnLst>
-              <a:rect l="l" t="t" r="r" b="b"/>
-              <a:pathLst>
-                <a:path w="5045528" h="2569707">
-                  <a:moveTo>
-                    <a:pt x="0" y="2569707"/>
-                  </a:moveTo>
-                  <a:cubicBezTo>
-                    <a:pt x="493939" y="1493382"/>
-                    <a:pt x="987879" y="417057"/>
-                    <a:pt x="1828800" y="104093"/>
-                  </a:cubicBezTo>
-                  <a:cubicBezTo>
-                    <a:pt x="2669721" y="-208871"/>
-                    <a:pt x="3857624" y="241525"/>
-                    <a:pt x="5045528" y="691921"/>
-                  </a:cubicBezTo>
-                </a:path>
-              </a:pathLst>
-            </a:custGeom>
-            <a:noFill/>
-            <a:ln w="57150">
-              <a:solidFill>
-                <a:schemeClr val="tx1"/>
-              </a:solidFill>
-              <a:headEnd type="none" w="med" len="med"/>
-              <a:tailEnd type="triangle" w="med" len="med"/>
-            </a:ln>
-          </p:spPr>
-          <p:style>
-            <a:lnRef idx="2">
-              <a:schemeClr val="accent1">
-                <a:shade val="50000"/>
-              </a:schemeClr>
-            </a:lnRef>
-            <a:fillRef idx="1">
-              <a:schemeClr val="accent1"/>
-            </a:fillRef>
-            <a:effectRef idx="0">
-              <a:schemeClr val="accent1"/>
-            </a:effectRef>
-            <a:fontRef idx="minor">
-              <a:schemeClr val="lt1"/>
-            </a:fontRef>
-          </p:style>
-          <p:txBody>
-            <a:bodyPr rtlCol="0" anchor="ctr"/>
-            <a:lstStyle/>
-            <a:p>
-              <a:pPr algn="ctr"/>
-              <a:endParaRPr lang="en-US" sz="1400"/>
-            </a:p>
-          </p:txBody>
-        </p:sp>
-        <p:sp>
-          <p:nvSpPr>
-            <p:cNvPr id="48" name="Oval 47"/>
-            <p:cNvSpPr/>
-            <p:nvPr/>
-          </p:nvSpPr>
-          <p:spPr>
-            <a:xfrm>
-              <a:off x="3326692" y="4464312"/>
-              <a:ext cx="247857" cy="247857"/>
-            </a:xfrm>
-            <a:prstGeom prst="ellipse">
-              <a:avLst/>
-            </a:prstGeom>
-            <a:solidFill>
-              <a:srgbClr val="FFFF00"/>
-            </a:solidFill>
-            <a:ln>
-              <a:solidFill>
-                <a:schemeClr val="tx1"/>
-              </a:solidFill>
-            </a:ln>
-          </p:spPr>
-          <p:style>
-            <a:lnRef idx="2">
-              <a:schemeClr val="accent1">
-                <a:shade val="50000"/>
-              </a:schemeClr>
-            </a:lnRef>
-            <a:fillRef idx="1">
-              <a:schemeClr val="accent1"/>
-            </a:fillRef>
-            <a:effectRef idx="0">
-              <a:schemeClr val="accent1"/>
-            </a:effectRef>
-            <a:fontRef idx="minor">
-              <a:schemeClr val="lt1"/>
-            </a:fontRef>
-          </p:style>
-          <p:txBody>
-            <a:bodyPr rtlCol="0" anchor="ctr"/>
-            <a:lstStyle/>
-            <a:p>
-              <a:pPr algn="ctr"/>
-              <a:endParaRPr lang="en-US" sz="1400"/>
-            </a:p>
-          </p:txBody>
-        </p:sp>
-        <p:sp>
-          <p:nvSpPr>
-            <p:cNvPr id="49" name="TextBox 48"/>
-            <p:cNvSpPr txBox="1"/>
-            <p:nvPr/>
-          </p:nvSpPr>
-          <p:spPr>
-            <a:xfrm>
-              <a:off x="2886871" y="4182196"/>
-              <a:ext cx="2405987" cy="338554"/>
-            </a:xfrm>
-            <a:prstGeom prst="rect">
-              <a:avLst/>
-            </a:prstGeom>
-            <a:noFill/>
-          </p:spPr>
-          <p:txBody>
-            <a:bodyPr wrap="square" rtlCol="0">
-              <a:spAutoFit/>
-            </a:bodyPr>
-            <a:lstStyle/>
-            <a:p>
-              <a:r>
-                <a:rPr lang="en-US" sz="1600" b="1" dirty="0" smtClean="0">
-                  <a:latin typeface="Courier New" panose="02070309020205020404" pitchFamily="49" charset="0"/>
-                  <a:cs typeface="Courier New" panose="02070309020205020404" pitchFamily="49" charset="0"/>
-                </a:rPr>
-                <a:t>read(</a:t>
-              </a:r>
-              <a:r>
-                <a:rPr lang="en-US" sz="1600" b="1" dirty="0" err="1" smtClean="0">
-                  <a:latin typeface="Courier New" panose="02070309020205020404" pitchFamily="49" charset="0"/>
-                  <a:cs typeface="Courier New" panose="02070309020205020404" pitchFamily="49" charset="0"/>
-                </a:rPr>
-                <a:t>obj</a:t>
-              </a:r>
-              <a:r>
-                <a:rPr lang="en-US" sz="1600" b="1" dirty="0" smtClean="0">
-                  <a:latin typeface="Courier New" panose="02070309020205020404" pitchFamily="49" charset="0"/>
-                  <a:cs typeface="Courier New" panose="02070309020205020404" pitchFamily="49" charset="0"/>
-                </a:rPr>
-                <a:t>)</a:t>
-              </a:r>
-            </a:p>
-          </p:txBody>
-        </p:sp>
-      </p:grpSp>
-      <p:sp>
-        <p:nvSpPr>
-          <p:cNvPr id="50" name="TextBox 49"/>
-          <p:cNvSpPr txBox="1"/>
-          <p:nvPr/>
-        </p:nvSpPr>
-        <p:spPr>
-          <a:xfrm>
-            <a:off x="4068747" y="5240320"/>
-            <a:ext cx="1266702" cy="523220"/>
-          </a:xfrm>
-          <a:prstGeom prst="rect">
-            <a:avLst/>
-          </a:prstGeom>
-          <a:noFill/>
-        </p:spPr>
-        <p:txBody>
-          <a:bodyPr wrap="square" rtlCol="0">
-            <a:spAutoFit/>
-          </a:bodyPr>
-          <a:lstStyle/>
-          <a:p>
-            <a:r>
-              <a:rPr lang="en-US" sz="1400" b="1" dirty="0" smtClean="0">
-                <a:latin typeface="Courier New" panose="02070309020205020404" pitchFamily="49" charset="0"/>
-                <a:cs typeface="Courier New" panose="02070309020205020404" pitchFamily="49" charset="0"/>
-              </a:rPr>
-              <a:t>upper(</a:t>
-            </a:r>
-            <a:r>
-              <a:rPr lang="en-US" sz="1400" b="1" dirty="0" err="1" smtClean="0">
-                <a:latin typeface="Courier New" panose="02070309020205020404" pitchFamily="49" charset="0"/>
-                <a:cs typeface="Courier New" panose="02070309020205020404" pitchFamily="49" charset="0"/>
-              </a:rPr>
-              <a:t>obj</a:t>
-            </a:r>
-            <a:r>
-              <a:rPr lang="en-US" sz="1400" b="1" dirty="0" smtClean="0">
-                <a:latin typeface="Courier New" panose="02070309020205020404" pitchFamily="49" charset="0"/>
-                <a:cs typeface="Courier New" panose="02070309020205020404" pitchFamily="49" charset="0"/>
-              </a:rPr>
-              <a:t>)</a:t>
-            </a:r>
-          </a:p>
-          <a:p>
-            <a:endParaRPr lang="en-US" sz="1400" dirty="0"/>
-          </a:p>
-        </p:txBody>
-      </p:sp>
-      <p:grpSp>
-        <p:nvGrpSpPr>
-          <p:cNvPr id="7" name="Group 6"/>
-          <p:cNvGrpSpPr/>
-          <p:nvPr/>
-        </p:nvGrpSpPr>
-        <p:grpSpPr>
-          <a:xfrm>
-            <a:off x="2537924" y="5674254"/>
-            <a:ext cx="2588269" cy="1025518"/>
-            <a:chOff x="2537924" y="5674254"/>
-            <a:chExt cx="2588269" cy="1025518"/>
-          </a:xfrm>
-        </p:grpSpPr>
-        <p:sp>
-          <p:nvSpPr>
-            <p:cNvPr id="51" name="Freeform 50"/>
-            <p:cNvSpPr/>
-            <p:nvPr/>
-          </p:nvSpPr>
-          <p:spPr>
-            <a:xfrm>
-              <a:off x="2537924" y="5674254"/>
-              <a:ext cx="1976952" cy="909761"/>
-            </a:xfrm>
-            <a:custGeom>
-              <a:avLst/>
-              <a:gdLst>
-                <a:gd name="connsiteX0" fmla="*/ 5470072 w 5470072"/>
-                <a:gd name="connsiteY0" fmla="*/ 0 h 2517239"/>
-                <a:gd name="connsiteX1" fmla="*/ 2922814 w 5470072"/>
-                <a:gd name="connsiteY1" fmla="*/ 2498272 h 2517239"/>
-                <a:gd name="connsiteX2" fmla="*/ 0 w 5470072"/>
-                <a:gd name="connsiteY2" fmla="*/ 947058 h 2517239"/>
-              </a:gdLst>
-              <a:ahLst/>
-              <a:cxnLst>
-                <a:cxn ang="0">
-                  <a:pos x="connsiteX0" y="connsiteY0"/>
-                </a:cxn>
-                <a:cxn ang="0">
-                  <a:pos x="connsiteX1" y="connsiteY1"/>
-                </a:cxn>
-                <a:cxn ang="0">
-                  <a:pos x="connsiteX2" y="connsiteY2"/>
-                </a:cxn>
-              </a:cxnLst>
-              <a:rect l="l" t="t" r="r" b="b"/>
-              <a:pathLst>
-                <a:path w="5470072" h="2517239">
-                  <a:moveTo>
-                    <a:pt x="5470072" y="0"/>
-                  </a:moveTo>
-                  <a:cubicBezTo>
-                    <a:pt x="4652282" y="1170214"/>
-                    <a:pt x="3834493" y="2340429"/>
-                    <a:pt x="2922814" y="2498272"/>
-                  </a:cubicBezTo>
-                  <a:cubicBezTo>
-                    <a:pt x="2011135" y="2656115"/>
-                    <a:pt x="1005567" y="1801586"/>
-                    <a:pt x="0" y="947058"/>
-                  </a:cubicBezTo>
-                </a:path>
-              </a:pathLst>
-            </a:custGeom>
-            <a:noFill/>
-            <a:ln w="57150">
-              <a:solidFill>
-                <a:schemeClr val="tx1"/>
-              </a:solidFill>
-              <a:headEnd type="none" w="med" len="med"/>
-              <a:tailEnd type="triangle" w="med" len="med"/>
-            </a:ln>
-          </p:spPr>
-          <p:style>
-            <a:lnRef idx="2">
-              <a:schemeClr val="accent1">
-                <a:shade val="50000"/>
-              </a:schemeClr>
-            </a:lnRef>
-            <a:fillRef idx="1">
-              <a:schemeClr val="accent1"/>
-            </a:fillRef>
-            <a:effectRef idx="0">
-              <a:schemeClr val="accent1"/>
-            </a:effectRef>
-            <a:fontRef idx="minor">
-              <a:schemeClr val="lt1"/>
-            </a:fontRef>
-          </p:style>
-          <p:txBody>
-            <a:bodyPr rtlCol="0" anchor="ctr"/>
-            <a:lstStyle/>
-            <a:p>
-              <a:pPr algn="ctr"/>
-              <a:endParaRPr lang="en-US" sz="1400"/>
-            </a:p>
-          </p:txBody>
-        </p:sp>
-        <p:sp>
-          <p:nvSpPr>
-            <p:cNvPr id="52" name="Oval 51"/>
-            <p:cNvSpPr/>
-            <p:nvPr/>
-          </p:nvSpPr>
-          <p:spPr>
-            <a:xfrm>
-              <a:off x="3459632" y="6451915"/>
-              <a:ext cx="247857" cy="247857"/>
-            </a:xfrm>
-            <a:prstGeom prst="ellipse">
-              <a:avLst/>
-            </a:prstGeom>
-            <a:gradFill flip="none" rotWithShape="1">
-              <a:gsLst>
-                <a:gs pos="0">
-                  <a:srgbClr val="FFFF00">
-                    <a:shade val="30000"/>
-                    <a:satMod val="115000"/>
-                  </a:srgbClr>
-                </a:gs>
-                <a:gs pos="50000">
-                  <a:srgbClr val="FFFF00">
-                    <a:shade val="67500"/>
-                    <a:satMod val="115000"/>
-                  </a:srgbClr>
-                </a:gs>
-                <a:gs pos="100000">
-                  <a:srgbClr val="FFFF00">
-                    <a:shade val="100000"/>
-                    <a:satMod val="115000"/>
-                  </a:srgbClr>
-                </a:gs>
-              </a:gsLst>
-              <a:path path="circle">
-                <a:fillToRect l="50000" t="50000" r="50000" b="50000"/>
-              </a:path>
-              <a:tileRect/>
-            </a:gradFill>
-            <a:ln>
-              <a:solidFill>
-                <a:schemeClr val="tx1"/>
-              </a:solidFill>
-            </a:ln>
-          </p:spPr>
-          <p:style>
-            <a:lnRef idx="2">
-              <a:schemeClr val="accent1">
-                <a:shade val="50000"/>
-              </a:schemeClr>
-            </a:lnRef>
-            <a:fillRef idx="1">
-              <a:schemeClr val="accent1"/>
-            </a:fillRef>
-            <a:effectRef idx="0">
-              <a:schemeClr val="accent1"/>
-            </a:effectRef>
-            <a:fontRef idx="minor">
-              <a:schemeClr val="lt1"/>
-            </a:fontRef>
-          </p:style>
-          <p:txBody>
-            <a:bodyPr rtlCol="0" anchor="ctr"/>
-            <a:lstStyle/>
-            <a:p>
-              <a:pPr algn="ctr"/>
-              <a:endParaRPr lang="en-US" sz="1400"/>
-            </a:p>
-          </p:txBody>
-        </p:sp>
-        <p:sp>
-          <p:nvSpPr>
-            <p:cNvPr id="53" name="TextBox 52"/>
-            <p:cNvSpPr txBox="1"/>
-            <p:nvPr/>
-          </p:nvSpPr>
-          <p:spPr>
-            <a:xfrm>
-              <a:off x="2886871" y="5960041"/>
-              <a:ext cx="2239322" cy="523220"/>
-            </a:xfrm>
-            <a:prstGeom prst="rect">
-              <a:avLst/>
-            </a:prstGeom>
-            <a:noFill/>
-          </p:spPr>
-          <p:txBody>
-            <a:bodyPr wrap="square" rtlCol="0">
-              <a:spAutoFit/>
-            </a:bodyPr>
-            <a:lstStyle/>
-            <a:p>
-              <a:r>
-                <a:rPr lang="en-US" sz="1400" b="1" dirty="0" smtClean="0">
-                  <a:latin typeface="Courier New" panose="02070309020205020404" pitchFamily="49" charset="0"/>
-                  <a:cs typeface="Courier New" panose="02070309020205020404" pitchFamily="49" charset="0"/>
-                </a:rPr>
-                <a:t>write(</a:t>
-              </a:r>
-              <a:r>
-                <a:rPr lang="en-US" sz="1400" b="1" dirty="0" err="1" smtClean="0">
-                  <a:latin typeface="Courier New" panose="02070309020205020404" pitchFamily="49" charset="0"/>
-                  <a:cs typeface="Courier New" panose="02070309020205020404" pitchFamily="49" charset="0"/>
-                </a:rPr>
-                <a:t>obj</a:t>
-              </a:r>
-              <a:r>
-                <a:rPr lang="en-US" sz="1400" b="1" dirty="0" smtClean="0">
-                  <a:latin typeface="Courier New" panose="02070309020205020404" pitchFamily="49" charset="0"/>
-                  <a:cs typeface="Courier New" panose="02070309020205020404" pitchFamily="49" charset="0"/>
-                </a:rPr>
-                <a:t>)</a:t>
-              </a:r>
-            </a:p>
-            <a:p>
-              <a:endParaRPr lang="en-US" sz="1400" dirty="0"/>
-            </a:p>
-          </p:txBody>
-        </p:sp>
-      </p:grpSp>
-      <p:grpSp>
-        <p:nvGrpSpPr>
-          <p:cNvPr id="54" name="Group 53"/>
-          <p:cNvGrpSpPr/>
-          <p:nvPr/>
-        </p:nvGrpSpPr>
-        <p:grpSpPr>
-          <a:xfrm>
-            <a:off x="635370" y="4477096"/>
-            <a:ext cx="1887573" cy="1887573"/>
-            <a:chOff x="3009030" y="3554185"/>
-            <a:chExt cx="1961244" cy="1961244"/>
-          </a:xfrm>
-        </p:grpSpPr>
-        <p:sp>
-          <p:nvSpPr>
-            <p:cNvPr id="55" name="Rounded Rectangle 54"/>
-            <p:cNvSpPr/>
-            <p:nvPr/>
-          </p:nvSpPr>
-          <p:spPr>
-            <a:xfrm>
-              <a:off x="3009030" y="3554185"/>
-              <a:ext cx="1961244" cy="1961244"/>
-            </a:xfrm>
-            <a:prstGeom prst="roundRect">
-              <a:avLst/>
-            </a:prstGeom>
-            <a:solidFill>
-              <a:srgbClr val="80D2DD"/>
-            </a:solidFill>
-            <a:ln>
-              <a:solidFill>
-                <a:schemeClr val="tx1"/>
-              </a:solidFill>
-            </a:ln>
-          </p:spPr>
-          <p:style>
-            <a:lnRef idx="2">
-              <a:schemeClr val="accent1">
-                <a:shade val="50000"/>
-              </a:schemeClr>
-            </a:lnRef>
-            <a:fillRef idx="1">
-              <a:schemeClr val="accent1"/>
-            </a:fillRef>
-            <a:effectRef idx="0">
-              <a:schemeClr val="accent1"/>
-            </a:effectRef>
-            <a:fontRef idx="minor">
-              <a:schemeClr val="lt1"/>
-            </a:fontRef>
-          </p:style>
-          <p:txBody>
-            <a:bodyPr rtlCol="0" anchor="ctr"/>
-            <a:lstStyle/>
-            <a:p>
-              <a:pPr algn="ctr"/>
-              <a:endParaRPr lang="en-US" sz="2000" dirty="0">
-                <a:latin typeface="Arial" panose="020B0604020202020204" pitchFamily="34" charset="0"/>
-                <a:cs typeface="Arial" panose="020B0604020202020204" pitchFamily="34" charset="0"/>
-              </a:endParaRPr>
-            </a:p>
-          </p:txBody>
-        </p:sp>
-        <p:sp>
-          <p:nvSpPr>
-            <p:cNvPr id="56" name="Rounded Rectangle 55"/>
-            <p:cNvSpPr/>
-            <p:nvPr/>
-          </p:nvSpPr>
-          <p:spPr>
-            <a:xfrm>
-              <a:off x="3101787" y="4916716"/>
-              <a:ext cx="1775732" cy="526143"/>
-            </a:xfrm>
-            <a:prstGeom prst="roundRect">
-              <a:avLst>
-                <a:gd name="adj" fmla="val 35977"/>
-              </a:avLst>
-            </a:prstGeom>
-            <a:solidFill>
-              <a:srgbClr val="F05D55"/>
-            </a:solidFill>
-            <a:ln>
-              <a:solidFill>
-                <a:schemeClr val="tx1"/>
-              </a:solidFill>
-            </a:ln>
-          </p:spPr>
-          <p:style>
-            <a:lnRef idx="2">
-              <a:schemeClr val="accent1">
-                <a:shade val="50000"/>
-              </a:schemeClr>
-            </a:lnRef>
-            <a:fillRef idx="1">
-              <a:schemeClr val="accent1"/>
-            </a:fillRef>
-            <a:effectRef idx="0">
-              <a:schemeClr val="accent1"/>
-            </a:effectRef>
-            <a:fontRef idx="minor">
-              <a:schemeClr val="lt1"/>
-            </a:fontRef>
-          </p:style>
-          <p:txBody>
-            <a:bodyPr rtlCol="0" anchor="ctr"/>
-            <a:lstStyle/>
-            <a:p>
-              <a:pPr algn="ctr"/>
-              <a:r>
-                <a:rPr lang="en-US" sz="3600" b="1" dirty="0" smtClean="0">
-                  <a:latin typeface="Arial" panose="020B0604020202020204" pitchFamily="34" charset="0"/>
-                  <a:cs typeface="Arial" panose="020B0604020202020204" pitchFamily="34" charset="0"/>
-                </a:rPr>
-                <a:t>OSD</a:t>
-              </a:r>
-              <a:endParaRPr lang="en-US" sz="4000" b="1" dirty="0">
-                <a:latin typeface="Arial" panose="020B0604020202020204" pitchFamily="34" charset="0"/>
-                <a:cs typeface="Arial" panose="020B0604020202020204" pitchFamily="34" charset="0"/>
-              </a:endParaRPr>
-            </a:p>
-          </p:txBody>
-        </p:sp>
-      </p:grpSp>
-      <p:sp>
-        <p:nvSpPr>
-          <p:cNvPr id="39" name="Smiley Face 38"/>
-          <p:cNvSpPr/>
-          <p:nvPr/>
-        </p:nvSpPr>
-        <p:spPr>
-          <a:xfrm>
-            <a:off x="9467559" y="4808343"/>
-            <a:ext cx="413997" cy="413997"/>
-          </a:xfrm>
-          <a:prstGeom prst="smileyFace">
-            <a:avLst/>
-          </a:prstGeom>
-        </p:spPr>
-        <p:style>
-          <a:lnRef idx="2">
-            <a:schemeClr val="dk1"/>
-          </a:lnRef>
-          <a:fillRef idx="1">
-            <a:schemeClr val="lt1"/>
-          </a:fillRef>
-          <a:effectRef idx="0">
-            <a:schemeClr val="dk1"/>
-          </a:effectRef>
-          <a:fontRef idx="minor">
-            <a:schemeClr val="dk1"/>
-          </a:fontRef>
-        </p:style>
-        <p:txBody>
-          <a:bodyPr rtlCol="0" anchor="ctr"/>
-          <a:lstStyle/>
-          <a:p>
-            <a:pPr algn="ctr"/>
-            <a:endParaRPr lang="en-US" sz="1400"/>
-          </a:p>
-        </p:txBody>
-      </p:sp>
-      <p:grpSp>
-        <p:nvGrpSpPr>
-          <p:cNvPr id="8" name="Group 7"/>
-          <p:cNvGrpSpPr/>
-          <p:nvPr/>
-        </p:nvGrpSpPr>
-        <p:grpSpPr>
-          <a:xfrm>
-            <a:off x="7618262" y="4140606"/>
-            <a:ext cx="1882361" cy="1323615"/>
-            <a:chOff x="7618262" y="4140606"/>
-            <a:chExt cx="1882361" cy="1323615"/>
-          </a:xfrm>
-        </p:grpSpPr>
-        <p:sp>
-          <p:nvSpPr>
-            <p:cNvPr id="40" name="Freeform 39"/>
-            <p:cNvSpPr/>
-            <p:nvPr/>
-          </p:nvSpPr>
-          <p:spPr>
-            <a:xfrm rot="20034060" flipH="1">
-              <a:off x="7618262" y="4535496"/>
-              <a:ext cx="1710907" cy="928725"/>
-            </a:xfrm>
-            <a:custGeom>
-              <a:avLst/>
-              <a:gdLst>
-                <a:gd name="connsiteX0" fmla="*/ 0 w 5045528"/>
-                <a:gd name="connsiteY0" fmla="*/ 2569707 h 2569707"/>
-                <a:gd name="connsiteX1" fmla="*/ 1828800 w 5045528"/>
-                <a:gd name="connsiteY1" fmla="*/ 104093 h 2569707"/>
-                <a:gd name="connsiteX2" fmla="*/ 5045528 w 5045528"/>
-                <a:gd name="connsiteY2" fmla="*/ 691921 h 2569707"/>
-              </a:gdLst>
-              <a:ahLst/>
-              <a:cxnLst>
-                <a:cxn ang="0">
-                  <a:pos x="connsiteX0" y="connsiteY0"/>
-                </a:cxn>
-                <a:cxn ang="0">
-                  <a:pos x="connsiteX1" y="connsiteY1"/>
-                </a:cxn>
-                <a:cxn ang="0">
-                  <a:pos x="connsiteX2" y="connsiteY2"/>
-                </a:cxn>
-              </a:cxnLst>
-              <a:rect l="l" t="t" r="r" b="b"/>
-              <a:pathLst>
-                <a:path w="5045528" h="2569707">
-                  <a:moveTo>
-                    <a:pt x="0" y="2569707"/>
-                  </a:moveTo>
-                  <a:cubicBezTo>
-                    <a:pt x="493939" y="1493382"/>
-                    <a:pt x="987879" y="417057"/>
-                    <a:pt x="1828800" y="104093"/>
-                  </a:cubicBezTo>
-                  <a:cubicBezTo>
-                    <a:pt x="2669721" y="-208871"/>
-                    <a:pt x="3857624" y="241525"/>
-                    <a:pt x="5045528" y="691921"/>
-                  </a:cubicBezTo>
-                </a:path>
-              </a:pathLst>
-            </a:custGeom>
-            <a:noFill/>
-            <a:ln w="57150">
-              <a:solidFill>
-                <a:schemeClr val="tx1"/>
-              </a:solidFill>
-              <a:headEnd type="none" w="med" len="med"/>
-              <a:tailEnd type="triangle" w="med" len="med"/>
-            </a:ln>
-          </p:spPr>
-          <p:style>
-            <a:lnRef idx="2">
-              <a:schemeClr val="accent1">
-                <a:shade val="50000"/>
-              </a:schemeClr>
-            </a:lnRef>
-            <a:fillRef idx="1">
-              <a:schemeClr val="accent1"/>
-            </a:fillRef>
-            <a:effectRef idx="0">
-              <a:schemeClr val="accent1"/>
-            </a:effectRef>
-            <a:fontRef idx="minor">
-              <a:schemeClr val="lt1"/>
-            </a:fontRef>
-          </p:style>
-          <p:txBody>
-            <a:bodyPr rtlCol="0" anchor="ctr"/>
-            <a:lstStyle/>
-            <a:p>
-              <a:pPr algn="ctr"/>
-              <a:endParaRPr lang="en-US" sz="1400"/>
-            </a:p>
-          </p:txBody>
-        </p:sp>
-        <p:sp>
-          <p:nvSpPr>
-            <p:cNvPr id="41" name="TextBox 40"/>
-            <p:cNvSpPr txBox="1"/>
-            <p:nvPr/>
-          </p:nvSpPr>
-          <p:spPr>
-            <a:xfrm>
-              <a:off x="8062511" y="4140606"/>
-              <a:ext cx="1438112" cy="338554"/>
-            </a:xfrm>
-            <a:prstGeom prst="rect">
-              <a:avLst/>
-            </a:prstGeom>
-            <a:noFill/>
-          </p:spPr>
-          <p:txBody>
-            <a:bodyPr wrap="square" rtlCol="0">
-              <a:spAutoFit/>
-            </a:bodyPr>
-            <a:lstStyle/>
-            <a:p>
-              <a:r>
-                <a:rPr lang="en-US" sz="1600" b="1" dirty="0" smtClean="0">
-                  <a:latin typeface="Courier New" panose="02070309020205020404" pitchFamily="49" charset="0"/>
-                  <a:cs typeface="Courier New" panose="02070309020205020404" pitchFamily="49" charset="0"/>
-                </a:rPr>
-                <a:t>upper(</a:t>
-              </a:r>
-              <a:r>
-                <a:rPr lang="en-US" sz="1600" b="1" dirty="0" err="1" smtClean="0">
-                  <a:latin typeface="Courier New" panose="02070309020205020404" pitchFamily="49" charset="0"/>
-                  <a:cs typeface="Courier New" panose="02070309020205020404" pitchFamily="49" charset="0"/>
-                </a:rPr>
-                <a:t>obj</a:t>
-              </a:r>
-              <a:r>
-                <a:rPr lang="en-US" sz="1600" b="1" dirty="0" smtClean="0">
-                  <a:latin typeface="Courier New" panose="02070309020205020404" pitchFamily="49" charset="0"/>
-                  <a:cs typeface="Courier New" panose="02070309020205020404" pitchFamily="49" charset="0"/>
-                </a:rPr>
-                <a:t>)</a:t>
-              </a:r>
-            </a:p>
-          </p:txBody>
-        </p:sp>
-      </p:grpSp>
-      <p:grpSp>
-        <p:nvGrpSpPr>
-          <p:cNvPr id="42" name="Group 41"/>
-          <p:cNvGrpSpPr/>
-          <p:nvPr/>
-        </p:nvGrpSpPr>
-        <p:grpSpPr>
-          <a:xfrm>
-            <a:off x="5746271" y="4504382"/>
-            <a:ext cx="1887574" cy="1887573"/>
-            <a:chOff x="3009030" y="3554185"/>
-            <a:chExt cx="1961244" cy="1961244"/>
-          </a:xfrm>
-        </p:grpSpPr>
-        <p:sp>
-          <p:nvSpPr>
-            <p:cNvPr id="44" name="Rounded Rectangle 43"/>
-            <p:cNvSpPr/>
-            <p:nvPr/>
-          </p:nvSpPr>
-          <p:spPr>
-            <a:xfrm>
-              <a:off x="3009030" y="3554185"/>
-              <a:ext cx="1961244" cy="1961244"/>
-            </a:xfrm>
-            <a:prstGeom prst="roundRect">
-              <a:avLst/>
-            </a:prstGeom>
-            <a:solidFill>
-              <a:srgbClr val="80D2DD"/>
-            </a:solidFill>
-            <a:ln>
-              <a:solidFill>
-                <a:schemeClr val="tx1"/>
-              </a:solidFill>
-            </a:ln>
-          </p:spPr>
-          <p:style>
-            <a:lnRef idx="2">
-              <a:schemeClr val="accent1">
-                <a:shade val="50000"/>
-              </a:schemeClr>
-            </a:lnRef>
-            <a:fillRef idx="1">
-              <a:schemeClr val="accent1"/>
-            </a:fillRef>
-            <a:effectRef idx="0">
-              <a:schemeClr val="accent1"/>
-            </a:effectRef>
-            <a:fontRef idx="minor">
-              <a:schemeClr val="lt1"/>
-            </a:fontRef>
-          </p:style>
-          <p:txBody>
-            <a:bodyPr rtlCol="0" anchor="ctr"/>
-            <a:lstStyle/>
-            <a:p>
-              <a:pPr algn="ctr"/>
-              <a:endParaRPr lang="en-US" sz="2000" dirty="0">
-                <a:latin typeface="Arial" panose="020B0604020202020204" pitchFamily="34" charset="0"/>
-                <a:cs typeface="Arial" panose="020B0604020202020204" pitchFamily="34" charset="0"/>
-              </a:endParaRPr>
-            </a:p>
-          </p:txBody>
-        </p:sp>
-        <p:sp>
-          <p:nvSpPr>
-            <p:cNvPr id="45" name="Rounded Rectangle 44"/>
-            <p:cNvSpPr/>
-            <p:nvPr/>
-          </p:nvSpPr>
-          <p:spPr>
-            <a:xfrm>
-              <a:off x="3101787" y="4916716"/>
-              <a:ext cx="1775732" cy="526143"/>
-            </a:xfrm>
-            <a:prstGeom prst="roundRect">
-              <a:avLst>
-                <a:gd name="adj" fmla="val 35977"/>
-              </a:avLst>
-            </a:prstGeom>
-            <a:solidFill>
-              <a:srgbClr val="F05D55"/>
-            </a:solidFill>
-            <a:ln>
-              <a:solidFill>
-                <a:schemeClr val="tx1"/>
-              </a:solidFill>
-            </a:ln>
-          </p:spPr>
-          <p:style>
-            <a:lnRef idx="2">
-              <a:schemeClr val="accent1">
-                <a:shade val="50000"/>
-              </a:schemeClr>
-            </a:lnRef>
-            <a:fillRef idx="1">
-              <a:schemeClr val="accent1"/>
-            </a:fillRef>
-            <a:effectRef idx="0">
-              <a:schemeClr val="accent1"/>
-            </a:effectRef>
-            <a:fontRef idx="minor">
-              <a:schemeClr val="lt1"/>
-            </a:fontRef>
-          </p:style>
-          <p:txBody>
-            <a:bodyPr rtlCol="0" anchor="ctr"/>
-            <a:lstStyle/>
-            <a:p>
-              <a:pPr algn="ctr"/>
-              <a:r>
-                <a:rPr lang="en-US" sz="3600" b="1" dirty="0" smtClean="0">
-                  <a:latin typeface="Arial" panose="020B0604020202020204" pitchFamily="34" charset="0"/>
-                  <a:cs typeface="Arial" panose="020B0604020202020204" pitchFamily="34" charset="0"/>
-                </a:rPr>
-                <a:t>OSD</a:t>
-              </a:r>
-              <a:endParaRPr lang="en-US" sz="4000" b="1" dirty="0">
-                <a:latin typeface="Arial" panose="020B0604020202020204" pitchFamily="34" charset="0"/>
-                <a:cs typeface="Arial" panose="020B0604020202020204" pitchFamily="34" charset="0"/>
-              </a:endParaRPr>
-            </a:p>
-          </p:txBody>
-        </p:sp>
-      </p:grpSp>
-      <p:grpSp>
-        <p:nvGrpSpPr>
-          <p:cNvPr id="9" name="Group 8"/>
-          <p:cNvGrpSpPr/>
-          <p:nvPr/>
-        </p:nvGrpSpPr>
-        <p:grpSpPr>
-          <a:xfrm>
-            <a:off x="6777288" y="5396964"/>
-            <a:ext cx="693376" cy="257601"/>
-            <a:chOff x="6777288" y="5396964"/>
-            <a:chExt cx="693376" cy="257601"/>
-          </a:xfrm>
-        </p:grpSpPr>
-        <p:sp>
-          <p:nvSpPr>
-            <p:cNvPr id="43" name="Oval 42"/>
-            <p:cNvSpPr/>
-            <p:nvPr/>
-          </p:nvSpPr>
-          <p:spPr>
-            <a:xfrm>
-              <a:off x="6777288" y="5406708"/>
-              <a:ext cx="247857" cy="247857"/>
-            </a:xfrm>
-            <a:prstGeom prst="ellipse">
-              <a:avLst/>
-            </a:prstGeom>
-            <a:solidFill>
-              <a:srgbClr val="FFFF00"/>
-            </a:solidFill>
-            <a:ln>
-              <a:solidFill>
-                <a:schemeClr val="tx1"/>
-              </a:solidFill>
-            </a:ln>
-          </p:spPr>
-          <p:style>
-            <a:lnRef idx="2">
-              <a:schemeClr val="accent1">
-                <a:shade val="50000"/>
-              </a:schemeClr>
-            </a:lnRef>
-            <a:fillRef idx="1">
-              <a:schemeClr val="accent1"/>
-            </a:fillRef>
-            <a:effectRef idx="0">
-              <a:schemeClr val="accent1"/>
-            </a:effectRef>
-            <a:fontRef idx="minor">
-              <a:schemeClr val="lt1"/>
-            </a:fontRef>
-          </p:style>
-          <p:txBody>
-            <a:bodyPr rtlCol="0" anchor="ctr"/>
-            <a:lstStyle/>
-            <a:p>
-              <a:pPr algn="ctr"/>
-              <a:endParaRPr lang="en-US" sz="1400"/>
-            </a:p>
-          </p:txBody>
-        </p:sp>
-        <p:sp>
-          <p:nvSpPr>
-            <p:cNvPr id="37" name="Oval 36"/>
-            <p:cNvSpPr/>
-            <p:nvPr/>
-          </p:nvSpPr>
-          <p:spPr>
-            <a:xfrm>
-              <a:off x="7222807" y="5396964"/>
-              <a:ext cx="247857" cy="247857"/>
-            </a:xfrm>
-            <a:prstGeom prst="ellipse">
-              <a:avLst/>
-            </a:prstGeom>
-            <a:gradFill flip="none" rotWithShape="1">
-              <a:gsLst>
-                <a:gs pos="0">
-                  <a:srgbClr val="FFFF00">
-                    <a:shade val="30000"/>
-                    <a:satMod val="115000"/>
-                  </a:srgbClr>
-                </a:gs>
-                <a:gs pos="50000">
-                  <a:srgbClr val="FFFF00">
-                    <a:shade val="67500"/>
-                    <a:satMod val="115000"/>
-                  </a:srgbClr>
-                </a:gs>
-                <a:gs pos="100000">
-                  <a:srgbClr val="FFFF00">
-                    <a:shade val="100000"/>
-                    <a:satMod val="115000"/>
-                  </a:srgbClr>
-                </a:gs>
-              </a:gsLst>
-              <a:path path="circle">
-                <a:fillToRect l="50000" t="50000" r="50000" b="50000"/>
-              </a:path>
-              <a:tileRect/>
-            </a:gradFill>
-            <a:ln>
-              <a:solidFill>
-                <a:schemeClr val="tx1"/>
-              </a:solidFill>
-            </a:ln>
-          </p:spPr>
-          <p:style>
-            <a:lnRef idx="2">
-              <a:schemeClr val="accent1">
-                <a:shade val="50000"/>
-              </a:schemeClr>
-            </a:lnRef>
-            <a:fillRef idx="1">
-              <a:schemeClr val="accent1"/>
-            </a:fillRef>
-            <a:effectRef idx="0">
-              <a:schemeClr val="accent1"/>
-            </a:effectRef>
-            <a:fontRef idx="minor">
-              <a:schemeClr val="lt1"/>
-            </a:fontRef>
-          </p:style>
-          <p:txBody>
-            <a:bodyPr rtlCol="0" anchor="ctr"/>
-            <a:lstStyle/>
-            <a:p>
-              <a:pPr algn="ctr"/>
-              <a:endParaRPr lang="en-US" sz="1400"/>
-            </a:p>
-          </p:txBody>
-        </p:sp>
-        <p:cxnSp>
-          <p:nvCxnSpPr>
-            <p:cNvPr id="38" name="Straight Arrow Connector 37"/>
-            <p:cNvCxnSpPr>
-              <a:stCxn id="43" idx="6"/>
-              <a:endCxn id="37" idx="2"/>
-            </p:cNvCxnSpPr>
-            <p:nvPr/>
-          </p:nvCxnSpPr>
-          <p:spPr>
-            <a:xfrm flipV="1">
-              <a:off x="7025145" y="5520893"/>
-              <a:ext cx="197662" cy="9743"/>
-            </a:xfrm>
-            <a:prstGeom prst="straightConnector1">
-              <a:avLst/>
-            </a:prstGeom>
-            <a:ln w="28575">
-              <a:solidFill>
-                <a:schemeClr val="tx1">
-                  <a:lumMod val="95000"/>
-                  <a:lumOff val="5000"/>
-                </a:schemeClr>
-              </a:solidFill>
-              <a:tailEnd type="triangle"/>
-            </a:ln>
-          </p:spPr>
-          <p:style>
-            <a:lnRef idx="1">
-              <a:schemeClr val="accent1"/>
-            </a:lnRef>
-            <a:fillRef idx="0">
-              <a:schemeClr val="accent1"/>
-            </a:fillRef>
-            <a:effectRef idx="0">
-              <a:schemeClr val="accent1"/>
-            </a:effectRef>
-            <a:fontRef idx="minor">
-              <a:schemeClr val="tx1"/>
-            </a:fontRef>
-          </p:style>
-        </p:cxnSp>
-      </p:grpSp>
-      <p:sp>
-        <p:nvSpPr>
-          <p:cNvPr id="34" name="Rounded Rectangle 33"/>
-          <p:cNvSpPr/>
-          <p:nvPr/>
-        </p:nvSpPr>
-        <p:spPr>
-          <a:xfrm>
-            <a:off x="5811590" y="4649534"/>
-            <a:ext cx="881827" cy="881827"/>
-          </a:xfrm>
-          <a:prstGeom prst="roundRect">
-            <a:avLst/>
-          </a:prstGeom>
-          <a:ln w="76200"/>
-        </p:spPr>
-        <p:style>
-          <a:lnRef idx="2">
-            <a:schemeClr val="accent6"/>
-          </a:lnRef>
-          <a:fillRef idx="1">
-            <a:schemeClr val="lt1"/>
-          </a:fillRef>
-          <a:effectRef idx="0">
-            <a:schemeClr val="accent6"/>
-          </a:effectRef>
-          <a:fontRef idx="minor">
-            <a:schemeClr val="dk1"/>
-          </a:fontRef>
-        </p:style>
-        <p:txBody>
-          <a:bodyPr rtlCol="0" anchor="ctr"/>
-          <a:lstStyle/>
-          <a:p>
-            <a:pPr algn="ctr"/>
-            <a:r>
-              <a:rPr lang="en-US" sz="1600" b="1" dirty="0">
-                <a:latin typeface="Courier New" panose="02070309020205020404" pitchFamily="49" charset="0"/>
-                <a:cs typeface="Courier New" panose="02070309020205020404" pitchFamily="49" charset="0"/>
-              </a:rPr>
-              <a:t>u</a:t>
-            </a:r>
-            <a:r>
-              <a:rPr lang="en-US" sz="1600" b="1" dirty="0" smtClean="0">
-                <a:latin typeface="Courier New" panose="02070309020205020404" pitchFamily="49" charset="0"/>
-                <a:cs typeface="Courier New" panose="02070309020205020404" pitchFamily="49" charset="0"/>
-              </a:rPr>
-              <a:t>pper</a:t>
-            </a:r>
-          </a:p>
-          <a:p>
-            <a:pPr algn="ctr"/>
-            <a:r>
-              <a:rPr lang="en-US" sz="1600" b="1" dirty="0" smtClean="0">
-                <a:latin typeface="Courier New" panose="02070309020205020404" pitchFamily="49" charset="0"/>
-                <a:cs typeface="Courier New" panose="02070309020205020404" pitchFamily="49" charset="0"/>
-              </a:rPr>
-              <a:t>.so</a:t>
-            </a:r>
-            <a:endParaRPr lang="en-US" sz="1600" b="1" dirty="0">
-              <a:latin typeface="Courier New" panose="02070309020205020404" pitchFamily="49" charset="0"/>
-              <a:cs typeface="Courier New" panose="02070309020205020404" pitchFamily="49" charset="0"/>
-            </a:endParaRPr>
-          </a:p>
-        </p:txBody>
-      </p:sp>
-      <p:sp>
-        <p:nvSpPr>
-          <p:cNvPr id="10" name="Rectangle 9"/>
-          <p:cNvSpPr/>
-          <p:nvPr/>
-        </p:nvSpPr>
-        <p:spPr>
-          <a:xfrm>
-            <a:off x="8062511" y="1593993"/>
-            <a:ext cx="3182596" cy="1162373"/>
-          </a:xfrm>
-          <a:prstGeom prst="rect">
-            <a:avLst/>
-          </a:prstGeom>
-          <a:solidFill>
-            <a:schemeClr val="bg1"/>
-          </a:solidFill>
-          <a:ln>
-            <a:solidFill>
-              <a:schemeClr val="bg1"/>
-            </a:solidFill>
-          </a:ln>
-        </p:spPr>
-        <p:style>
-          <a:lnRef idx="2">
-            <a:schemeClr val="accent1">
-              <a:shade val="50000"/>
-            </a:schemeClr>
-          </a:lnRef>
-          <a:fillRef idx="1">
-            <a:schemeClr val="accent1"/>
-          </a:fillRef>
-          <a:effectRef idx="0">
-            <a:schemeClr val="accent1"/>
-          </a:effectRef>
-          <a:fontRef idx="minor">
-            <a:schemeClr val="lt1"/>
-          </a:fontRef>
-        </p:style>
-        <p:txBody>
-          <a:bodyPr rtlCol="0" anchor="ctr"/>
-          <a:lstStyle/>
-          <a:p>
-            <a:pPr algn="ctr"/>
-            <a:endParaRPr lang="en-US"/>
-          </a:p>
-        </p:txBody>
-      </p:sp>
-    </p:spTree>
-    <p:extLst>
-      <p:ext uri="{BB962C8B-B14F-4D97-AF65-F5344CB8AC3E}">
-        <p14:creationId xmlns:p14="http://schemas.microsoft.com/office/powerpoint/2010/main" val="766138325"/>
-      </p:ext>
-    </p:extLst>
-  </p:cSld>
-  <p:clrMapOvr>
-    <a:masterClrMapping/>
-  </p:clrMapOvr>
-  <p:timing>
-    <p:tnLst>
-      <p:par>
-        <p:cTn xmlns:p14="http://schemas.microsoft.com/office/powerpoint/2010/main" id="1" dur="indefinite" restart="never" nodeType="tmRoot">
-          <p:childTnLst>
-            <p:seq concurrent="1" nextAc="seek">
-              <p:cTn id="2" dur="indefinite" nodeType="mainSeq">
-                <p:childTnLst>
-                  <p:par>
-                    <p:cTn id="3" fill="hold">
-                      <p:stCondLst>
-                        <p:cond delay="indefinite"/>
-                      </p:stCondLst>
-                      <p:childTnLst>
-                        <p:par>
-                          <p:cTn id="4" fill="hold">
-                            <p:stCondLst>
-                              <p:cond delay="0"/>
-                            </p:stCondLst>
-                            <p:childTnLst>
-                              <p:par>
-                                <p:cTn id="5" presetID="1" presetClass="entr" presetSubtype="0" fill="hold" nodeType="clickEffect">
-                                  <p:stCondLst>
-                                    <p:cond delay="0"/>
-                                  </p:stCondLst>
-                                  <p:childTnLst>
-                                    <p:set>
-                                      <p:cBhvr>
-                                        <p:cTn id="6" dur="1" fill="hold">
-                                          <p:stCondLst>
-                                            <p:cond delay="0"/>
-                                          </p:stCondLst>
-                                        </p:cTn>
-                                        <p:tgtEl>
-                                          <p:spTgt spid="3">
-                                            <p:txEl>
-                                              <p:pRg st="3" end="3"/>
-                                            </p:txEl>
-                                          </p:spTgt>
-                                        </p:tgtEl>
-                                        <p:attrNameLst>
-                                          <p:attrName>style.visibility</p:attrName>
-                                        </p:attrNameLst>
-                                      </p:cBhvr>
-                                      <p:to>
-                                        <p:strVal val="visible"/>
-                                      </p:to>
-                                    </p:set>
-                                  </p:childTnLst>
-                                </p:cTn>
-                              </p:par>
-                              <p:par>
-                                <p:cTn id="7" presetID="1" presetClass="entr" presetSubtype="0" fill="hold" nodeType="withEffect">
-                                  <p:stCondLst>
-                                    <p:cond delay="0"/>
-                                  </p:stCondLst>
-                                  <p:childTnLst>
-                                    <p:set>
-                                      <p:cBhvr>
-                                        <p:cTn id="8" dur="1" fill="hold">
-                                          <p:stCondLst>
-                                            <p:cond delay="0"/>
-                                          </p:stCondLst>
-                                        </p:cTn>
-                                        <p:tgtEl>
-                                          <p:spTgt spid="3">
-                                            <p:txEl>
-                                              <p:pRg st="4" end="4"/>
-                                            </p:txEl>
-                                          </p:spTgt>
-                                        </p:tgtEl>
-                                        <p:attrNameLst>
-                                          <p:attrName>style.visibility</p:attrName>
-                                        </p:attrNameLst>
-                                      </p:cBhvr>
-                                      <p:to>
-                                        <p:strVal val="visible"/>
-                                      </p:to>
-                                    </p:set>
-                                  </p:childTnLst>
-                                </p:cTn>
-                              </p:par>
-                            </p:childTnLst>
-                          </p:cTn>
-                        </p:par>
-                      </p:childTnLst>
-                    </p:cTn>
-                  </p:par>
-                  <p:par>
-                    <p:cTn id="9" fill="hold">
-                      <p:stCondLst>
-                        <p:cond delay="indefinite"/>
-                      </p:stCondLst>
-                      <p:childTnLst>
-                        <p:par>
-                          <p:cTn id="10" fill="hold">
-                            <p:stCondLst>
-                              <p:cond delay="0"/>
-                            </p:stCondLst>
-                            <p:childTnLst>
-                              <p:par>
-                                <p:cTn id="11" presetID="1" presetClass="entr" presetSubtype="0" fill="hold" nodeType="clickEffect">
-                                  <p:stCondLst>
-                                    <p:cond delay="0"/>
-                                  </p:stCondLst>
-                                  <p:childTnLst>
-                                    <p:set>
-                                      <p:cBhvr>
-                                        <p:cTn id="12" dur="1" fill="hold">
-                                          <p:stCondLst>
-                                            <p:cond delay="0"/>
-                                          </p:stCondLst>
-                                        </p:cTn>
-                                        <p:tgtEl>
-                                          <p:spTgt spid="54"/>
-                                        </p:tgtEl>
-                                        <p:attrNameLst>
-                                          <p:attrName>style.visibility</p:attrName>
-                                        </p:attrNameLst>
-                                      </p:cBhvr>
-                                      <p:to>
-                                        <p:strVal val="visible"/>
-                                      </p:to>
-                                    </p:set>
-                                  </p:childTnLst>
-                                </p:cTn>
-                              </p:par>
-                              <p:par>
-                                <p:cTn id="13" presetID="1" presetClass="entr" presetSubtype="0" fill="hold" grpId="0" nodeType="withEffect">
-                                  <p:stCondLst>
-                                    <p:cond delay="0"/>
-                                  </p:stCondLst>
-                                  <p:childTnLst>
-                                    <p:set>
-                                      <p:cBhvr>
-                                        <p:cTn id="14" dur="1" fill="hold">
-                                          <p:stCondLst>
-                                            <p:cond delay="0"/>
-                                          </p:stCondLst>
-                                        </p:cTn>
-                                        <p:tgtEl>
-                                          <p:spTgt spid="46"/>
-                                        </p:tgtEl>
-                                        <p:attrNameLst>
-                                          <p:attrName>style.visibility</p:attrName>
-                                        </p:attrNameLst>
-                                      </p:cBhvr>
-                                      <p:to>
-                                        <p:strVal val="visible"/>
-                                      </p:to>
-                                    </p:set>
-                                  </p:childTnLst>
-                                </p:cTn>
-                              </p:par>
-                            </p:childTnLst>
-                          </p:cTn>
-                        </p:par>
-                      </p:childTnLst>
-                    </p:cTn>
-                  </p:par>
-                  <p:par>
-                    <p:cTn id="15" fill="hold">
-                      <p:stCondLst>
-                        <p:cond delay="indefinite"/>
-                      </p:stCondLst>
-                      <p:childTnLst>
-                        <p:par>
-                          <p:cTn id="16" fill="hold">
-                            <p:stCondLst>
-                              <p:cond delay="0"/>
-                            </p:stCondLst>
-                            <p:childTnLst>
-                              <p:par>
-                                <p:cTn id="17" presetID="1" presetClass="entr" presetSubtype="0" fill="hold" nodeType="clickEffect">
-                                  <p:stCondLst>
-                                    <p:cond delay="0"/>
-                                  </p:stCondLst>
-                                  <p:childTnLst>
-                                    <p:set>
-                                      <p:cBhvr>
-                                        <p:cTn id="18" dur="1" fill="hold">
-                                          <p:stCondLst>
-                                            <p:cond delay="0"/>
-                                          </p:stCondLst>
-                                        </p:cTn>
-                                        <p:tgtEl>
-                                          <p:spTgt spid="6"/>
-                                        </p:tgtEl>
-                                        <p:attrNameLst>
-                                          <p:attrName>style.visibility</p:attrName>
-                                        </p:attrNameLst>
-                                      </p:cBhvr>
-                                      <p:to>
-                                        <p:strVal val="visible"/>
-                                      </p:to>
-                                    </p:set>
-                                  </p:childTnLst>
-                                </p:cTn>
-                              </p:par>
-                            </p:childTnLst>
-                          </p:cTn>
-                        </p:par>
-                      </p:childTnLst>
-                    </p:cTn>
-                  </p:par>
-                  <p:par>
-                    <p:cTn id="19" fill="hold">
-                      <p:stCondLst>
-                        <p:cond delay="indefinite"/>
-                      </p:stCondLst>
-                      <p:childTnLst>
-                        <p:par>
-                          <p:cTn id="20" fill="hold">
-                            <p:stCondLst>
-                              <p:cond delay="0"/>
-                            </p:stCondLst>
-                            <p:childTnLst>
-                              <p:par>
-                                <p:cTn id="21" presetID="1" presetClass="entr" presetSubtype="0" fill="hold" grpId="0" nodeType="clickEffect">
-                                  <p:stCondLst>
-                                    <p:cond delay="0"/>
-                                  </p:stCondLst>
-                                  <p:childTnLst>
-                                    <p:set>
-                                      <p:cBhvr>
-                                        <p:cTn id="22" dur="1" fill="hold">
-                                          <p:stCondLst>
-                                            <p:cond delay="0"/>
-                                          </p:stCondLst>
-                                        </p:cTn>
-                                        <p:tgtEl>
-                                          <p:spTgt spid="50"/>
-                                        </p:tgtEl>
-                                        <p:attrNameLst>
-                                          <p:attrName>style.visibility</p:attrName>
-                                        </p:attrNameLst>
-                                      </p:cBhvr>
-                                      <p:to>
-                                        <p:strVal val="visible"/>
-                                      </p:to>
-                                    </p:set>
-                                  </p:childTnLst>
-                                </p:cTn>
-                              </p:par>
-                            </p:childTnLst>
-                          </p:cTn>
-                        </p:par>
-                      </p:childTnLst>
-                    </p:cTn>
-                  </p:par>
-                  <p:par>
-                    <p:cTn id="23" fill="hold">
-                      <p:stCondLst>
-                        <p:cond delay="indefinite"/>
-                      </p:stCondLst>
-                      <p:childTnLst>
-                        <p:par>
-                          <p:cTn id="24" fill="hold">
-                            <p:stCondLst>
-                              <p:cond delay="0"/>
-                            </p:stCondLst>
-                            <p:childTnLst>
-                              <p:par>
-                                <p:cTn id="25" presetID="1" presetClass="entr" presetSubtype="0" fill="hold" nodeType="clickEffect">
-                                  <p:stCondLst>
-                                    <p:cond delay="0"/>
-                                  </p:stCondLst>
-                                  <p:childTnLst>
-                                    <p:set>
-                                      <p:cBhvr>
-                                        <p:cTn id="26" dur="1" fill="hold">
-                                          <p:stCondLst>
-                                            <p:cond delay="0"/>
-                                          </p:stCondLst>
-                                        </p:cTn>
-                                        <p:tgtEl>
-                                          <p:spTgt spid="7"/>
-                                        </p:tgtEl>
-                                        <p:attrNameLst>
-                                          <p:attrName>style.visibility</p:attrName>
-                                        </p:attrNameLst>
-                                      </p:cBhvr>
-                                      <p:to>
-                                        <p:strVal val="visible"/>
-                                      </p:to>
-                                    </p:set>
-                                  </p:childTnLst>
-                                </p:cTn>
-                              </p:par>
-                            </p:childTnLst>
-                          </p:cTn>
-                        </p:par>
-                      </p:childTnLst>
-                    </p:cTn>
-                  </p:par>
-                  <p:par>
-                    <p:cTn id="27" fill="hold">
-                      <p:stCondLst>
-                        <p:cond delay="indefinite"/>
-                      </p:stCondLst>
-                      <p:childTnLst>
-                        <p:par>
-                          <p:cTn id="28" fill="hold">
-                            <p:stCondLst>
-                              <p:cond delay="0"/>
-                            </p:stCondLst>
-                            <p:childTnLst>
-                              <p:par>
-                                <p:cTn id="29" presetID="1" presetClass="entr" presetSubtype="0" fill="hold" nodeType="clickEffect">
-                                  <p:stCondLst>
-                                    <p:cond delay="0"/>
-                                  </p:stCondLst>
-                                  <p:childTnLst>
-                                    <p:set>
-                                      <p:cBhvr>
-                                        <p:cTn id="30" dur="1" fill="hold">
-                                          <p:stCondLst>
-                                            <p:cond delay="0"/>
-                                          </p:stCondLst>
-                                        </p:cTn>
-                                        <p:tgtEl>
-                                          <p:spTgt spid="31">
-                                            <p:txEl>
-                                              <p:pRg st="3" end="3"/>
-                                            </p:txEl>
-                                          </p:spTgt>
-                                        </p:tgtEl>
-                                        <p:attrNameLst>
-                                          <p:attrName>style.visibility</p:attrName>
-                                        </p:attrNameLst>
-                                      </p:cBhvr>
-                                      <p:to>
-                                        <p:strVal val="visible"/>
-                                      </p:to>
-                                    </p:set>
-                                  </p:childTnLst>
-                                </p:cTn>
-                              </p:par>
-                              <p:par>
-                                <p:cTn id="31" presetID="1" presetClass="entr" presetSubtype="0" fill="hold" nodeType="withEffect">
-                                  <p:stCondLst>
-                                    <p:cond delay="0"/>
-                                  </p:stCondLst>
-                                  <p:childTnLst>
-                                    <p:set>
-                                      <p:cBhvr>
-                                        <p:cTn id="32" dur="1" fill="hold">
-                                          <p:stCondLst>
-                                            <p:cond delay="0"/>
-                                          </p:stCondLst>
-                                        </p:cTn>
-                                        <p:tgtEl>
-                                          <p:spTgt spid="31">
-                                            <p:txEl>
-                                              <p:pRg st="4" end="4"/>
-                                            </p:txEl>
-                                          </p:spTgt>
-                                        </p:tgtEl>
-                                        <p:attrNameLst>
-                                          <p:attrName>style.visibility</p:attrName>
-                                        </p:attrNameLst>
-                                      </p:cBhvr>
-                                      <p:to>
-                                        <p:strVal val="visible"/>
-                                      </p:to>
-                                    </p:set>
-                                  </p:childTnLst>
-                                </p:cTn>
-                              </p:par>
-                              <p:par>
-                                <p:cTn id="33" presetID="1" presetClass="entr" presetSubtype="0" fill="hold" nodeType="withEffect">
-                                  <p:stCondLst>
-                                    <p:cond delay="0"/>
-                                  </p:stCondLst>
-                                  <p:childTnLst>
-                                    <p:set>
-                                      <p:cBhvr>
-                                        <p:cTn id="34" dur="1" fill="hold">
-                                          <p:stCondLst>
-                                            <p:cond delay="0"/>
-                                          </p:stCondLst>
-                                        </p:cTn>
-                                        <p:tgtEl>
-                                          <p:spTgt spid="42"/>
-                                        </p:tgtEl>
-                                        <p:attrNameLst>
-                                          <p:attrName>style.visibility</p:attrName>
-                                        </p:attrNameLst>
-                                      </p:cBhvr>
-                                      <p:to>
-                                        <p:strVal val="visible"/>
-                                      </p:to>
-                                    </p:set>
-                                  </p:childTnLst>
-                                </p:cTn>
-                              </p:par>
-                              <p:par>
-                                <p:cTn id="35" presetID="1" presetClass="entr" presetSubtype="0" fill="hold" grpId="0" nodeType="withEffect">
-                                  <p:stCondLst>
-                                    <p:cond delay="0"/>
-                                  </p:stCondLst>
-                                  <p:childTnLst>
-                                    <p:set>
-                                      <p:cBhvr>
-                                        <p:cTn id="36" dur="1" fill="hold">
-                                          <p:stCondLst>
-                                            <p:cond delay="0"/>
-                                          </p:stCondLst>
-                                        </p:cTn>
-                                        <p:tgtEl>
-                                          <p:spTgt spid="39"/>
-                                        </p:tgtEl>
-                                        <p:attrNameLst>
-                                          <p:attrName>style.visibility</p:attrName>
-                                        </p:attrNameLst>
-                                      </p:cBhvr>
-                                      <p:to>
-                                        <p:strVal val="visible"/>
-                                      </p:to>
-                                    </p:set>
-                                  </p:childTnLst>
-                                </p:cTn>
-                              </p:par>
-                            </p:childTnLst>
-                          </p:cTn>
-                        </p:par>
-                      </p:childTnLst>
-                    </p:cTn>
-                  </p:par>
-                  <p:par>
-                    <p:cTn id="37" fill="hold">
-                      <p:stCondLst>
-                        <p:cond delay="indefinite"/>
-                      </p:stCondLst>
-                      <p:childTnLst>
-                        <p:par>
-                          <p:cTn id="38" fill="hold">
-                            <p:stCondLst>
-                              <p:cond delay="0"/>
-                            </p:stCondLst>
-                            <p:childTnLst>
-                              <p:par>
-                                <p:cTn id="39" presetID="1" presetClass="entr" presetSubtype="0" fill="hold" grpId="0" nodeType="clickEffect">
-                                  <p:stCondLst>
-                                    <p:cond delay="0"/>
-                                  </p:stCondLst>
-                                  <p:childTnLst>
-                                    <p:set>
-                                      <p:cBhvr>
-                                        <p:cTn id="40" dur="1" fill="hold">
-                                          <p:stCondLst>
-                                            <p:cond delay="0"/>
-                                          </p:stCondLst>
-                                        </p:cTn>
-                                        <p:tgtEl>
-                                          <p:spTgt spid="34"/>
-                                        </p:tgtEl>
-                                        <p:attrNameLst>
-                                          <p:attrName>style.visibility</p:attrName>
-                                        </p:attrNameLst>
-                                      </p:cBhvr>
-                                      <p:to>
-                                        <p:strVal val="visible"/>
-                                      </p:to>
-                                    </p:set>
-                                  </p:childTnLst>
-                                </p:cTn>
-                              </p:par>
-                            </p:childTnLst>
-                          </p:cTn>
-                        </p:par>
-                      </p:childTnLst>
-                    </p:cTn>
-                  </p:par>
-                  <p:par>
-                    <p:cTn id="41" fill="hold">
-                      <p:stCondLst>
-                        <p:cond delay="indefinite"/>
-                      </p:stCondLst>
-                      <p:childTnLst>
-                        <p:par>
-                          <p:cTn id="42" fill="hold">
-                            <p:stCondLst>
-                              <p:cond delay="0"/>
-                            </p:stCondLst>
-                            <p:childTnLst>
-                              <p:par>
-                                <p:cTn id="43" presetID="1" presetClass="entr" presetSubtype="0" fill="hold" nodeType="clickEffect">
-                                  <p:stCondLst>
-                                    <p:cond delay="0"/>
-                                  </p:stCondLst>
-                                  <p:childTnLst>
-                                    <p:set>
-                                      <p:cBhvr>
-                                        <p:cTn id="44" dur="1" fill="hold">
-                                          <p:stCondLst>
-                                            <p:cond delay="0"/>
-                                          </p:stCondLst>
-                                        </p:cTn>
-                                        <p:tgtEl>
-                                          <p:spTgt spid="8"/>
-                                        </p:tgtEl>
-                                        <p:attrNameLst>
-                                          <p:attrName>style.visibility</p:attrName>
-                                        </p:attrNameLst>
-                                      </p:cBhvr>
-                                      <p:to>
-                                        <p:strVal val="visible"/>
-                                      </p:to>
-                                    </p:set>
-                                  </p:childTnLst>
-                                </p:cTn>
-                              </p:par>
-                            </p:childTnLst>
-                          </p:cTn>
-                        </p:par>
-                      </p:childTnLst>
-                    </p:cTn>
-                  </p:par>
-                  <p:par>
-                    <p:cTn id="45" fill="hold">
-                      <p:stCondLst>
-                        <p:cond delay="indefinite"/>
-                      </p:stCondLst>
-                      <p:childTnLst>
-                        <p:par>
-                          <p:cTn id="46" fill="hold">
-                            <p:stCondLst>
-                              <p:cond delay="0"/>
-                            </p:stCondLst>
-                            <p:childTnLst>
-                              <p:par>
-                                <p:cTn id="47" presetID="1" presetClass="entr" presetSubtype="0" fill="hold" nodeType="clickEffect">
-                                  <p:stCondLst>
-                                    <p:cond delay="0"/>
-                                  </p:stCondLst>
-                                  <p:childTnLst>
-                                    <p:set>
-                                      <p:cBhvr>
-                                        <p:cTn id="48" dur="1" fill="hold">
-                                          <p:stCondLst>
-                                            <p:cond delay="0"/>
-                                          </p:stCondLst>
-                                        </p:cTn>
-                                        <p:tgtEl>
-                                          <p:spTgt spid="9"/>
-                                        </p:tgtEl>
-                                        <p:attrNameLst>
-                                          <p:attrName>style.visibility</p:attrName>
-                                        </p:attrNameLst>
-                                      </p:cBhvr>
-                                      <p:to>
-                                        <p:strVal val="visible"/>
-                                      </p:to>
-                                    </p:set>
-                                  </p:childTnLst>
-                                </p:cTn>
-                              </p:par>
-                            </p:childTnLst>
-                          </p:cTn>
-                        </p:par>
-                      </p:childTnLst>
-                    </p:cTn>
-                  </p:par>
-                  <p:par>
-                    <p:cTn id="49" fill="hold">
-                      <p:stCondLst>
-                        <p:cond delay="indefinite"/>
-                      </p:stCondLst>
-                      <p:childTnLst>
-                        <p:par>
-                          <p:cTn id="50" fill="hold">
-                            <p:stCondLst>
-                              <p:cond delay="0"/>
-                            </p:stCondLst>
-                            <p:childTnLst>
-                              <p:par>
-                                <p:cTn id="51" presetID="14" presetClass="exit" presetSubtype="10" fill="hold" grpId="0" nodeType="clickEffect">
-                                  <p:stCondLst>
-                                    <p:cond delay="0"/>
-                                  </p:stCondLst>
-                                  <p:childTnLst>
-                                    <p:animEffect transition="out" filter="randombar(horizontal)">
-                                      <p:cBhvr>
-                                        <p:cTn id="52" dur="500"/>
-                                        <p:tgtEl>
-                                          <p:spTgt spid="10"/>
-                                        </p:tgtEl>
-                                      </p:cBhvr>
-                                    </p:animEffect>
-                                    <p:set>
-                                      <p:cBhvr>
-                                        <p:cTn id="53" dur="1" fill="hold">
-                                          <p:stCondLst>
-                                            <p:cond delay="499"/>
-                                          </p:stCondLst>
-                                        </p:cTn>
-                                        <p:tgtEl>
-                                          <p:spTgt spid="10"/>
-                                        </p:tgtEl>
-                                        <p:attrNameLst>
-                                          <p:attrName>style.visibility</p:attrName>
-                                        </p:attrNameLst>
-                                      </p:cBhvr>
-                                      <p:to>
-                                        <p:strVal val="hidden"/>
-                                      </p:to>
-                                    </p:set>
-                                  </p:childTnLst>
-                                </p:cTn>
-                              </p:par>
-                            </p:childTnLst>
-                          </p:cTn>
-                        </p:par>
-                      </p:childTnLst>
-                    </p:cTn>
-                  </p:par>
-                </p:childTnLst>
-              </p:cTn>
-              <p:prevCondLst>
-                <p:cond evt="onPrev" delay="0">
-                  <p:tgtEl>
-                    <p:sldTgt/>
-                  </p:tgtEl>
-                </p:cond>
-              </p:prevCondLst>
-              <p:nextCondLst>
-                <p:cond evt="onNext" delay="0">
-                  <p:tgtEl>
-                    <p:sldTgt/>
-                  </p:tgtEl>
-                </p:cond>
-              </p:nextCondLst>
-            </p:seq>
-          </p:childTnLst>
-        </p:cTn>
-      </p:par>
-    </p:tnLst>
-    <p:bldLst>
-      <p:bldP spid="46" grpId="0" animBg="1"/>
-      <p:bldP spid="50" grpId="0"/>
-      <p:bldP spid="39" grpId="0" animBg="1"/>
-      <p:bldP spid="34" grpId="0" animBg="1"/>
-      <p:bldP spid="10" grpId="0" animBg="1"/>
-    </p:bldLst>
-  </p:timing>
-</p:sld>
-</file>
-
 <file path=ppt/theme/theme1.xml><?xml version="1.0" encoding="utf-8"?>
 <a:theme xmlns:a="http://schemas.openxmlformats.org/drawingml/2006/main" name="Office Theme">
   <a:themeElements>
@@ -44318,7 +46496,7 @@
   <a:extraClrSchemeLst/>
   <a:extLst>
     <a:ext uri="{05A4C25C-085E-4340-85A3-A5531E510DB2}">
-      <thm15:themeFamily xmlns:thm15="http://schemas.microsoft.com/office/thememl/2012/main" xmlns="" name="Office Theme" id="{62F939B6-93AF-4DB8-9C6B-D6C7DFDC589F}" vid="{4A3C46E8-61CC-4603-A589-7422A47A8E4A}"/>
+      <thm15:themeFamily xmlns="" xmlns:thm15="http://schemas.microsoft.com/office/thememl/2012/main" name="Office Theme" id="{62F939B6-93AF-4DB8-9C6B-D6C7DFDC589F}" vid="{4A3C46E8-61CC-4603-A589-7422A47A8E4A}"/>
     </a:ext>
   </a:extLst>
 </a:theme>
@@ -44579,7 +46757,7 @@
   <a:extraClrSchemeLst/>
   <a:extLst>
     <a:ext uri="{05A4C25C-085E-4340-85A3-A5531E510DB2}">
-      <thm15:themeFamily xmlns:thm15="http://schemas.microsoft.com/office/thememl/2012/main" xmlns="" name="Office Theme" id="{62F939B6-93AF-4DB8-9C6B-D6C7DFDC589F}" vid="{4A3C46E8-61CC-4603-A589-7422A47A8E4A}"/>
+      <thm15:themeFamily xmlns="" xmlns:thm15="http://schemas.microsoft.com/office/thememl/2012/main" name="Office Theme" id="{62F939B6-93AF-4DB8-9C6B-D6C7DFDC589F}" vid="{4A3C46E8-61CC-4603-A589-7422A47A8E4A}"/>
     </a:ext>
   </a:extLst>
 </a:theme>
@@ -44840,7 +47018,7 @@
   <a:extraClrSchemeLst/>
   <a:extLst>
     <a:ext uri="{05A4C25C-085E-4340-85A3-A5531E510DB2}">
-      <thm15:themeFamily xmlns:thm15="http://schemas.microsoft.com/office/thememl/2012/main" xmlns="" name="Office Theme" id="{62F939B6-93AF-4DB8-9C6B-D6C7DFDC589F}" vid="{4A3C46E8-61CC-4603-A589-7422A47A8E4A}"/>
+      <thm15:themeFamily xmlns="" xmlns:thm15="http://schemas.microsoft.com/office/thememl/2012/main" name="Office Theme" id="{62F939B6-93AF-4DB8-9C6B-D6C7DFDC589F}" vid="{4A3C46E8-61CC-4603-A589-7422A47A8E4A}"/>
     </a:ext>
   </a:extLst>
 </a:theme>
@@ -45101,7 +47279,7 @@
   <a:extraClrSchemeLst/>
   <a:extLst>
     <a:ext uri="{05A4C25C-085E-4340-85A3-A5531E510DB2}">
-      <thm15:themeFamily xmlns:thm15="http://schemas.microsoft.com/office/thememl/2012/main" xmlns="" name="Office Theme" id="{62F939B6-93AF-4DB8-9C6B-D6C7DFDC589F}" vid="{4A3C46E8-61CC-4603-A589-7422A47A8E4A}"/>
+      <thm15:themeFamily xmlns="" xmlns:thm15="http://schemas.microsoft.com/office/thememl/2012/main" name="Office Theme" id="{62F939B6-93AF-4DB8-9C6B-D6C7DFDC589F}" vid="{4A3C46E8-61CC-4603-A589-7422A47A8E4A}"/>
     </a:ext>
   </a:extLst>
 </a:theme>
@@ -45362,7 +47540,7 @@
   <a:extraClrSchemeLst/>
   <a:extLst>
     <a:ext uri="{05A4C25C-085E-4340-85A3-A5531E510DB2}">
-      <thm15:themeFamily xmlns:thm15="http://schemas.microsoft.com/office/thememl/2012/main" xmlns="" name="Office Theme" id="{62F939B6-93AF-4DB8-9C6B-D6C7DFDC589F}" vid="{4A3C46E8-61CC-4603-A589-7422A47A8E4A}"/>
+      <thm15:themeFamily xmlns="" xmlns:thm15="http://schemas.microsoft.com/office/thememl/2012/main" name="Office Theme" id="{62F939B6-93AF-4DB8-9C6B-D6C7DFDC589F}" vid="{4A3C46E8-61CC-4603-A589-7422A47A8E4A}"/>
     </a:ext>
   </a:extLst>
 </a:theme>

--- a/paper/figures/figures.pptx
+++ b/paper/figures/figures.pptx
@@ -8,7 +8,7 @@
     <p:sldMasterId id="2147483684" r:id="rId4"/>
   </p:sldMasterIdLst>
   <p:notesMasterIdLst>
-    <p:notesMasterId r:id="rId18"/>
+    <p:notesMasterId r:id="rId19"/>
   </p:notesMasterIdLst>
   <p:sldIdLst>
     <p:sldId id="256" r:id="rId5"/>
@@ -16,14 +16,15 @@
     <p:sldId id="303" r:id="rId7"/>
     <p:sldId id="304" r:id="rId8"/>
     <p:sldId id="305" r:id="rId9"/>
-    <p:sldId id="296" r:id="rId10"/>
-    <p:sldId id="301" r:id="rId11"/>
-    <p:sldId id="302" r:id="rId12"/>
-    <p:sldId id="291" r:id="rId13"/>
-    <p:sldId id="270" r:id="rId14"/>
-    <p:sldId id="294" r:id="rId15"/>
-    <p:sldId id="272" r:id="rId16"/>
-    <p:sldId id="295" r:id="rId17"/>
+    <p:sldId id="306" r:id="rId10"/>
+    <p:sldId id="296" r:id="rId11"/>
+    <p:sldId id="301" r:id="rId12"/>
+    <p:sldId id="302" r:id="rId13"/>
+    <p:sldId id="291" r:id="rId14"/>
+    <p:sldId id="270" r:id="rId15"/>
+    <p:sldId id="294" r:id="rId16"/>
+    <p:sldId id="272" r:id="rId17"/>
+    <p:sldId id="295" r:id="rId18"/>
   </p:sldIdLst>
   <p:sldSz cx="12192000" cy="6858000"/>
   <p:notesSz cx="6858000" cy="9144000"/>
@@ -124,7 +125,7 @@
   </p:defaultTextStyle>
   <p:extLst>
     <p:ext uri="{EFAFB233-063F-42B5-8137-9DF3F51BA10A}">
-      <p15:sldGuideLst xmlns="" xmlns:p15="http://schemas.microsoft.com/office/powerpoint/2012/main"/>
+      <p15:sldGuideLst xmlns:p15="http://schemas.microsoft.com/office/powerpoint/2012/main" xmlns=""/>
     </p:ext>
   </p:extLst>
 </p:presentation>
@@ -212,7 +213,7 @@
           <a:p>
             <a:fld id="{8B6AC9F1-AAD0-495C-933B-F901D4FCD036}" type="datetimeFigureOut">
               <a:rPr lang="en-US" smtClean="0"/>
-              <a:t>2/6/17</a:t>
+              <a:t>2/8/17</a:t>
             </a:fld>
             <a:endParaRPr lang="en-US"/>
           </a:p>
@@ -637,7 +638,7 @@
           <a:p>
             <a:fld id="{E1BA7341-26C0-4A86-AD44-E110A3BEC611}" type="slidenum">
               <a:rPr lang="en-US" smtClean="0"/>
-              <a:t>8</a:t>
+              <a:t>9</a:t>
             </a:fld>
             <a:endParaRPr lang="en-US"/>
           </a:p>
@@ -729,7 +730,7 @@
           <a:p>
             <a:fld id="{E1BA7341-26C0-4A86-AD44-E110A3BEC611}" type="slidenum">
               <a:rPr lang="en-US" smtClean="0"/>
-              <a:t>10</a:t>
+              <a:t>11</a:t>
             </a:fld>
             <a:endParaRPr lang="en-US"/>
           </a:p>
@@ -898,7 +899,7 @@
           <a:p>
             <a:fld id="{E1BA7341-26C0-4A86-AD44-E110A3BEC611}" type="slidenum">
               <a:rPr lang="en-US" smtClean="0"/>
-              <a:t>13</a:t>
+              <a:t>14</a:t>
             </a:fld>
             <a:endParaRPr lang="en-US"/>
           </a:p>
@@ -1048,7 +1049,7 @@
           <a:p>
             <a:fld id="{7ACA203A-1341-45AE-8AE5-9E342A2C38C9}" type="datetimeFigureOut">
               <a:rPr lang="en-US" smtClean="0"/>
-              <a:t>2/6/17</a:t>
+              <a:t>2/8/17</a:t>
             </a:fld>
             <a:endParaRPr lang="en-US"/>
           </a:p>
@@ -1225,7 +1226,7 @@
           <a:p>
             <a:fld id="{7ACA203A-1341-45AE-8AE5-9E342A2C38C9}" type="datetimeFigureOut">
               <a:rPr lang="en-US" smtClean="0"/>
-              <a:t>2/6/17</a:t>
+              <a:t>2/8/17</a:t>
             </a:fld>
             <a:endParaRPr lang="en-US"/>
           </a:p>
@@ -1412,7 +1413,7 @@
           <a:p>
             <a:fld id="{7ACA203A-1341-45AE-8AE5-9E342A2C38C9}" type="datetimeFigureOut">
               <a:rPr lang="en-US" smtClean="0"/>
-              <a:t>2/6/17</a:t>
+              <a:t>2/8/17</a:t>
             </a:fld>
             <a:endParaRPr lang="en-US"/>
           </a:p>
@@ -2220,7 +2221,7 @@
           <a:p>
             <a:fld id="{BA5C85E4-B586-4D50-9BA0-0F3A58A49C8B}" type="datetimeFigureOut">
               <a:rPr lang="en-US" smtClean="0"/>
-              <a:t>2/6/17</a:t>
+              <a:t>2/8/17</a:t>
             </a:fld>
             <a:endParaRPr lang="en-US"/>
           </a:p>
@@ -2526,7 +2527,7 @@
           <a:p>
             <a:fld id="{BA5C85E4-B586-4D50-9BA0-0F3A58A49C8B}" type="datetimeFigureOut">
               <a:rPr lang="en-US" smtClean="0"/>
-              <a:t>2/6/17</a:t>
+              <a:t>2/8/17</a:t>
             </a:fld>
             <a:endParaRPr lang="en-US"/>
           </a:p>
@@ -2779,7 +2780,7 @@
           <a:p>
             <a:fld id="{BA5C85E4-B586-4D50-9BA0-0F3A58A49C8B}" type="datetimeFigureOut">
               <a:rPr lang="en-US" smtClean="0"/>
-              <a:t>2/6/17</a:t>
+              <a:t>2/8/17</a:t>
             </a:fld>
             <a:endParaRPr lang="en-US"/>
           </a:p>
@@ -3018,7 +3019,7 @@
           <a:p>
             <a:fld id="{BA5C85E4-B586-4D50-9BA0-0F3A58A49C8B}" type="datetimeFigureOut">
               <a:rPr lang="en-US" smtClean="0"/>
-              <a:t>2/6/17</a:t>
+              <a:t>2/8/17</a:t>
             </a:fld>
             <a:endParaRPr lang="en-US"/>
           </a:p>
@@ -3392,7 +3393,7 @@
           <a:p>
             <a:fld id="{BA5C85E4-B586-4D50-9BA0-0F3A58A49C8B}" type="datetimeFigureOut">
               <a:rPr lang="en-US" smtClean="0"/>
-              <a:t>2/6/17</a:t>
+              <a:t>2/8/17</a:t>
             </a:fld>
             <a:endParaRPr lang="en-US"/>
           </a:p>
@@ -3517,7 +3518,7 @@
           <a:p>
             <a:fld id="{BA5C85E4-B586-4D50-9BA0-0F3A58A49C8B}" type="datetimeFigureOut">
               <a:rPr lang="en-US" smtClean="0"/>
-              <a:t>2/6/17</a:t>
+              <a:t>2/8/17</a:t>
             </a:fld>
             <a:endParaRPr lang="en-US"/>
           </a:p>
@@ -3619,7 +3620,7 @@
           <a:p>
             <a:fld id="{BA5C85E4-B586-4D50-9BA0-0F3A58A49C8B}" type="datetimeFigureOut">
               <a:rPr lang="en-US" smtClean="0"/>
-              <a:t>2/6/17</a:t>
+              <a:t>2/8/17</a:t>
             </a:fld>
             <a:endParaRPr lang="en-US"/>
           </a:p>
@@ -3903,7 +3904,7 @@
           <a:p>
             <a:fld id="{BA5C85E4-B586-4D50-9BA0-0F3A58A49C8B}" type="datetimeFigureOut">
               <a:rPr lang="en-US" smtClean="0"/>
-              <a:t>2/6/17</a:t>
+              <a:t>2/8/17</a:t>
             </a:fld>
             <a:endParaRPr lang="en-US"/>
           </a:p>
@@ -4080,7 +4081,7 @@
           <a:p>
             <a:fld id="{7ACA203A-1341-45AE-8AE5-9E342A2C38C9}" type="datetimeFigureOut">
               <a:rPr lang="en-US" smtClean="0"/>
-              <a:t>2/6/17</a:t>
+              <a:t>2/8/17</a:t>
             </a:fld>
             <a:endParaRPr lang="en-US"/>
           </a:p>
@@ -4340,7 +4341,7 @@
           <a:p>
             <a:fld id="{BA5C85E4-B586-4D50-9BA0-0F3A58A49C8B}" type="datetimeFigureOut">
               <a:rPr lang="en-US" smtClean="0"/>
-              <a:t>2/6/17</a:t>
+              <a:t>2/8/17</a:t>
             </a:fld>
             <a:endParaRPr lang="en-US"/>
           </a:p>
@@ -4510,7 +4511,7 @@
           <a:p>
             <a:fld id="{BA5C85E4-B586-4D50-9BA0-0F3A58A49C8B}" type="datetimeFigureOut">
               <a:rPr lang="en-US" smtClean="0"/>
-              <a:t>2/6/17</a:t>
+              <a:t>2/8/17</a:t>
             </a:fld>
             <a:endParaRPr lang="en-US"/>
           </a:p>
@@ -4690,7 +4691,7 @@
           <a:p>
             <a:fld id="{BA5C85E4-B586-4D50-9BA0-0F3A58A49C8B}" type="datetimeFigureOut">
               <a:rPr lang="en-US" smtClean="0"/>
-              <a:t>2/6/17</a:t>
+              <a:t>2/8/17</a:t>
             </a:fld>
             <a:endParaRPr lang="en-US"/>
           </a:p>
@@ -4889,7 +4890,7 @@
           <a:p>
             <a:fld id="{027A1B2E-1286-4A75-915E-AE937742E7F1}" type="datetimeFigureOut">
               <a:rPr lang="en-US" smtClean="0"/>
-              <a:t>2/6/17</a:t>
+              <a:t>2/8/17</a:t>
             </a:fld>
             <a:endParaRPr lang="en-US"/>
           </a:p>
@@ -5374,7 +5375,7 @@
           <a:p>
             <a:fld id="{027A1B2E-1286-4A75-915E-AE937742E7F1}" type="datetimeFigureOut">
               <a:rPr lang="en-US" smtClean="0"/>
-              <a:t>2/6/17</a:t>
+              <a:t>2/8/17</a:t>
             </a:fld>
             <a:endParaRPr lang="en-US"/>
           </a:p>
@@ -5627,7 +5628,7 @@
           <a:p>
             <a:fld id="{027A1B2E-1286-4A75-915E-AE937742E7F1}" type="datetimeFigureOut">
               <a:rPr lang="en-US" smtClean="0"/>
-              <a:t>2/6/17</a:t>
+              <a:t>2/8/17</a:t>
             </a:fld>
             <a:endParaRPr lang="en-US"/>
           </a:p>
@@ -5859,7 +5860,7 @@
           <a:p>
             <a:fld id="{027A1B2E-1286-4A75-915E-AE937742E7F1}" type="datetimeFigureOut">
               <a:rPr lang="en-US" smtClean="0"/>
-              <a:t>2/6/17</a:t>
+              <a:t>2/8/17</a:t>
             </a:fld>
             <a:endParaRPr lang="en-US"/>
           </a:p>
@@ -6226,7 +6227,7 @@
           <a:p>
             <a:fld id="{027A1B2E-1286-4A75-915E-AE937742E7F1}" type="datetimeFigureOut">
               <a:rPr lang="en-US" smtClean="0"/>
-              <a:t>2/6/17</a:t>
+              <a:t>2/8/17</a:t>
             </a:fld>
             <a:endParaRPr lang="en-US"/>
           </a:p>
@@ -6344,7 +6345,7 @@
           <a:p>
             <a:fld id="{027A1B2E-1286-4A75-915E-AE937742E7F1}" type="datetimeFigureOut">
               <a:rPr lang="en-US" smtClean="0"/>
-              <a:t>2/6/17</a:t>
+              <a:t>2/8/17</a:t>
             </a:fld>
             <a:endParaRPr lang="en-US"/>
           </a:p>
@@ -6439,7 +6440,7 @@
           <a:p>
             <a:fld id="{027A1B2E-1286-4A75-915E-AE937742E7F1}" type="datetimeFigureOut">
               <a:rPr lang="en-US" smtClean="0"/>
-              <a:t>2/6/17</a:t>
+              <a:t>2/8/17</a:t>
             </a:fld>
             <a:endParaRPr lang="en-US"/>
           </a:p>
@@ -6685,7 +6686,7 @@
           <a:p>
             <a:fld id="{7ACA203A-1341-45AE-8AE5-9E342A2C38C9}" type="datetimeFigureOut">
               <a:rPr lang="en-US" smtClean="0"/>
-              <a:t>2/6/17</a:t>
+              <a:t>2/8/17</a:t>
             </a:fld>
             <a:endParaRPr lang="en-US"/>
           </a:p>
@@ -6969,7 +6970,7 @@
           <a:p>
             <a:fld id="{027A1B2E-1286-4A75-915E-AE937742E7F1}" type="datetimeFigureOut">
               <a:rPr lang="en-US" smtClean="0"/>
-              <a:t>2/6/17</a:t>
+              <a:t>2/8/17</a:t>
             </a:fld>
             <a:endParaRPr lang="en-US"/>
           </a:p>
@@ -7222,7 +7223,7 @@
           <a:p>
             <a:fld id="{027A1B2E-1286-4A75-915E-AE937742E7F1}" type="datetimeFigureOut">
               <a:rPr lang="en-US" smtClean="0"/>
-              <a:t>2/6/17</a:t>
+              <a:t>2/8/17</a:t>
             </a:fld>
             <a:endParaRPr lang="en-US"/>
           </a:p>
@@ -7399,7 +7400,7 @@
           <a:p>
             <a:fld id="{027A1B2E-1286-4A75-915E-AE937742E7F1}" type="datetimeFigureOut">
               <a:rPr lang="en-US" smtClean="0"/>
-              <a:t>2/6/17</a:t>
+              <a:t>2/8/17</a:t>
             </a:fld>
             <a:endParaRPr lang="en-US"/>
           </a:p>
@@ -7579,7 +7580,7 @@
           <a:p>
             <a:fld id="{027A1B2E-1286-4A75-915E-AE937742E7F1}" type="datetimeFigureOut">
               <a:rPr lang="en-US" smtClean="0"/>
-              <a:t>2/6/17</a:t>
+              <a:t>2/8/17</a:t>
             </a:fld>
             <a:endParaRPr lang="en-US"/>
           </a:p>
@@ -7771,7 +7772,7 @@
           <a:p>
             <a:fld id="{9C0D432E-3E9D-4011-B87F-F9F35BE171A9}" type="datetimeFigureOut">
               <a:rPr lang="en-US" smtClean="0"/>
-              <a:t>2/6/17</a:t>
+              <a:t>2/8/17</a:t>
             </a:fld>
             <a:endParaRPr lang="en-US"/>
           </a:p>
@@ -8318,7 +8319,7 @@
           <a:p>
             <a:fld id="{9C0D432E-3E9D-4011-B87F-F9F35BE171A9}" type="datetimeFigureOut">
               <a:rPr lang="en-US" smtClean="0"/>
-              <a:t>2/6/17</a:t>
+              <a:t>2/8/17</a:t>
             </a:fld>
             <a:endParaRPr lang="en-US"/>
           </a:p>
@@ -8571,7 +8572,7 @@
           <a:p>
             <a:fld id="{9C0D432E-3E9D-4011-B87F-F9F35BE171A9}" type="datetimeFigureOut">
               <a:rPr lang="en-US" smtClean="0"/>
-              <a:t>2/6/17</a:t>
+              <a:t>2/8/17</a:t>
             </a:fld>
             <a:endParaRPr lang="en-US"/>
           </a:p>
@@ -8803,7 +8804,7 @@
           <a:p>
             <a:fld id="{9C0D432E-3E9D-4011-B87F-F9F35BE171A9}" type="datetimeFigureOut">
               <a:rPr lang="en-US" smtClean="0"/>
-              <a:t>2/6/17</a:t>
+              <a:t>2/8/17</a:t>
             </a:fld>
             <a:endParaRPr lang="en-US"/>
           </a:p>
@@ -9170,7 +9171,7 @@
           <a:p>
             <a:fld id="{9C0D432E-3E9D-4011-B87F-F9F35BE171A9}" type="datetimeFigureOut">
               <a:rPr lang="en-US" smtClean="0"/>
-              <a:t>2/6/17</a:t>
+              <a:t>2/8/17</a:t>
             </a:fld>
             <a:endParaRPr lang="en-US"/>
           </a:p>
@@ -9288,7 +9289,7 @@
           <a:p>
             <a:fld id="{9C0D432E-3E9D-4011-B87F-F9F35BE171A9}" type="datetimeFigureOut">
               <a:rPr lang="en-US" smtClean="0"/>
-              <a:t>2/6/17</a:t>
+              <a:t>2/8/17</a:t>
             </a:fld>
             <a:endParaRPr lang="en-US"/>
           </a:p>
@@ -9520,7 +9521,7 @@
           <a:p>
             <a:fld id="{7ACA203A-1341-45AE-8AE5-9E342A2C38C9}" type="datetimeFigureOut">
               <a:rPr lang="en-US" smtClean="0"/>
-              <a:t>2/6/17</a:t>
+              <a:t>2/8/17</a:t>
             </a:fld>
             <a:endParaRPr lang="en-US"/>
           </a:p>
@@ -9627,7 +9628,7 @@
           <a:p>
             <a:fld id="{9C0D432E-3E9D-4011-B87F-F9F35BE171A9}" type="datetimeFigureOut">
               <a:rPr lang="en-US" smtClean="0"/>
-              <a:t>2/6/17</a:t>
+              <a:t>2/8/17</a:t>
             </a:fld>
             <a:endParaRPr lang="en-US"/>
           </a:p>
@@ -9904,7 +9905,7 @@
           <a:p>
             <a:fld id="{9C0D432E-3E9D-4011-B87F-F9F35BE171A9}" type="datetimeFigureOut">
               <a:rPr lang="en-US" smtClean="0"/>
-              <a:t>2/6/17</a:t>
+              <a:t>2/8/17</a:t>
             </a:fld>
             <a:endParaRPr lang="en-US"/>
           </a:p>
@@ -10157,7 +10158,7 @@
           <a:p>
             <a:fld id="{9C0D432E-3E9D-4011-B87F-F9F35BE171A9}" type="datetimeFigureOut">
               <a:rPr lang="en-US" smtClean="0"/>
-              <a:t>2/6/17</a:t>
+              <a:t>2/8/17</a:t>
             </a:fld>
             <a:endParaRPr lang="en-US"/>
           </a:p>
@@ -10327,7 +10328,7 @@
           <a:p>
             <a:fld id="{9C0D432E-3E9D-4011-B87F-F9F35BE171A9}" type="datetimeFigureOut">
               <a:rPr lang="en-US" smtClean="0"/>
-              <a:t>2/6/17</a:t>
+              <a:t>2/8/17</a:t>
             </a:fld>
             <a:endParaRPr lang="en-US"/>
           </a:p>
@@ -10507,7 +10508,7 @@
           <a:p>
             <a:fld id="{9C0D432E-3E9D-4011-B87F-F9F35BE171A9}" type="datetimeFigureOut">
               <a:rPr lang="en-US" smtClean="0"/>
-              <a:t>2/6/17</a:t>
+              <a:t>2/8/17</a:t>
             </a:fld>
             <a:endParaRPr lang="en-US"/>
           </a:p>
@@ -10874,7 +10875,7 @@
           <a:p>
             <a:fld id="{7ACA203A-1341-45AE-8AE5-9E342A2C38C9}" type="datetimeFigureOut">
               <a:rPr lang="en-US" smtClean="0"/>
-              <a:t>2/6/17</a:t>
+              <a:t>2/8/17</a:t>
             </a:fld>
             <a:endParaRPr lang="en-US"/>
           </a:p>
@@ -10999,7 +11000,7 @@
           <a:p>
             <a:fld id="{7ACA203A-1341-45AE-8AE5-9E342A2C38C9}" type="datetimeFigureOut">
               <a:rPr lang="en-US" smtClean="0"/>
-              <a:t>2/6/17</a:t>
+              <a:t>2/8/17</a:t>
             </a:fld>
             <a:endParaRPr lang="en-US"/>
           </a:p>
@@ -11101,7 +11102,7 @@
           <a:p>
             <a:fld id="{7ACA203A-1341-45AE-8AE5-9E342A2C38C9}" type="datetimeFigureOut">
               <a:rPr lang="en-US" smtClean="0"/>
-              <a:t>2/6/17</a:t>
+              <a:t>2/8/17</a:t>
             </a:fld>
             <a:endParaRPr lang="en-US"/>
           </a:p>
@@ -11385,7 +11386,7 @@
           <a:p>
             <a:fld id="{7ACA203A-1341-45AE-8AE5-9E342A2C38C9}" type="datetimeFigureOut">
               <a:rPr lang="en-US" smtClean="0"/>
-              <a:t>2/6/17</a:t>
+              <a:t>2/8/17</a:t>
             </a:fld>
             <a:endParaRPr lang="en-US"/>
           </a:p>
@@ -11645,7 +11646,7 @@
           <a:p>
             <a:fld id="{7ACA203A-1341-45AE-8AE5-9E342A2C38C9}" type="datetimeFigureOut">
               <a:rPr lang="en-US" smtClean="0"/>
-              <a:t>2/6/17</a:t>
+              <a:t>2/8/17</a:t>
             </a:fld>
             <a:endParaRPr lang="en-US"/>
           </a:p>
@@ -11858,7 +11859,7 @@
           <a:p>
             <a:fld id="{7ACA203A-1341-45AE-8AE5-9E342A2C38C9}" type="datetimeFigureOut">
               <a:rPr lang="en-US" smtClean="0"/>
-              <a:t>2/6/17</a:t>
+              <a:t>2/8/17</a:t>
             </a:fld>
             <a:endParaRPr lang="en-US"/>
           </a:p>
@@ -12405,7 +12406,7 @@
           <a:p>
             <a:fld id="{BA5C85E4-B586-4D50-9BA0-0F3A58A49C8B}" type="datetimeFigureOut">
               <a:rPr lang="en-US" smtClean="0"/>
-              <a:t>2/6/17</a:t>
+              <a:t>2/8/17</a:t>
             </a:fld>
             <a:endParaRPr lang="en-US"/>
           </a:p>
@@ -13035,7 +13036,7 @@
           <a:p>
             <a:fld id="{027A1B2E-1286-4A75-915E-AE937742E7F1}" type="datetimeFigureOut">
               <a:rPr lang="en-US" smtClean="0"/>
-              <a:t>2/6/17</a:t>
+              <a:t>2/8/17</a:t>
             </a:fld>
             <a:endParaRPr lang="en-US"/>
           </a:p>
@@ -13718,7 +13719,7 @@
           <a:p>
             <a:fld id="{9C0D432E-3E9D-4011-B87F-F9F35BE171A9}" type="datetimeFigureOut">
               <a:rPr lang="en-US" smtClean="0"/>
-              <a:t>2/6/17</a:t>
+              <a:t>2/8/17</a:t>
             </a:fld>
             <a:endParaRPr lang="en-US"/>
           </a:p>
@@ -14452,6 +14453,634 @@
 </file>
 
 <file path=ppt/slides/slide10.xml><?xml version="1.0" encoding="utf-8"?>
+<p:sld xmlns:a="http://schemas.openxmlformats.org/drawingml/2006/main" xmlns:r="http://schemas.openxmlformats.org/officeDocument/2006/relationships" xmlns:p="http://schemas.openxmlformats.org/presentationml/2006/main">
+  <p:cSld>
+    <p:spTree>
+      <p:nvGrpSpPr>
+        <p:cNvPr id="1" name=""/>
+        <p:cNvGrpSpPr/>
+        <p:nvPr/>
+      </p:nvGrpSpPr>
+      <p:grpSpPr>
+        <a:xfrm>
+          <a:off x="0" y="0"/>
+          <a:ext cx="0" cy="0"/>
+          <a:chOff x="0" y="0"/>
+          <a:chExt cx="0" cy="0"/>
+        </a:xfrm>
+      </p:grpSpPr>
+      <p:sp>
+        <p:nvSpPr>
+          <p:cNvPr id="2" name="Title 1"/>
+          <p:cNvSpPr>
+            <a:spLocks noGrp="1"/>
+          </p:cNvSpPr>
+          <p:nvPr>
+            <p:ph type="title"/>
+          </p:nvPr>
+        </p:nvSpPr>
+        <p:spPr/>
+        <p:txBody>
+          <a:bodyPr/>
+          <a:lstStyle/>
+          <a:p>
+            <a:r>
+              <a:rPr lang="en-US" dirty="0" smtClean="0"/>
+              <a:t>A Quick Story…</a:t>
+            </a:r>
+            <a:endParaRPr lang="en-US" dirty="0"/>
+          </a:p>
+        </p:txBody>
+      </p:sp>
+      <p:sp>
+        <p:nvSpPr>
+          <p:cNvPr id="3" name="Content Placeholder 2"/>
+          <p:cNvSpPr>
+            <a:spLocks noGrp="1"/>
+          </p:cNvSpPr>
+          <p:nvPr>
+            <p:ph idx="1"/>
+          </p:nvPr>
+        </p:nvSpPr>
+        <p:spPr/>
+        <p:txBody>
+          <a:bodyPr>
+            <a:normAutofit/>
+          </a:bodyPr>
+          <a:lstStyle/>
+          <a:p>
+            <a:pPr marL="0" indent="0">
+              <a:buNone/>
+            </a:pPr>
+            <a:r>
+              <a:rPr lang="en-US" dirty="0" smtClean="0"/>
+              <a:t>Research Code </a:t>
+            </a:r>
+            <a:r>
+              <a:rPr lang="en-US" dirty="0"/>
+              <a:t>≠ Production </a:t>
+            </a:r>
+            <a:r>
+              <a:rPr lang="en-US" dirty="0" smtClean="0"/>
+              <a:t>quality</a:t>
+            </a:r>
+          </a:p>
+          <a:p>
+            <a:pPr marL="514350" indent="-514350">
+              <a:buAutoNum type="arabicPeriod"/>
+            </a:pPr>
+            <a:r>
+              <a:rPr lang="en-US" sz="2800" b="1" dirty="0" smtClean="0">
+                <a:solidFill>
+                  <a:srgbClr val="FF0000"/>
+                </a:solidFill>
+              </a:rPr>
+              <a:t>Distributing work</a:t>
+            </a:r>
+          </a:p>
+          <a:p>
+            <a:pPr lvl="1"/>
+            <a:r>
+              <a:rPr lang="en-US" dirty="0" smtClean="0"/>
+              <a:t>Dynamically </a:t>
+            </a:r>
+            <a:r>
+              <a:rPr lang="en-US" dirty="0"/>
+              <a:t>load </a:t>
+            </a:r>
+            <a:r>
+              <a:rPr lang="en-US" dirty="0" smtClean="0"/>
+              <a:t>balancers?</a:t>
+            </a:r>
+          </a:p>
+          <a:p>
+            <a:pPr lvl="1"/>
+            <a:r>
+              <a:rPr lang="en-US" sz="2400" dirty="0" smtClean="0"/>
+              <a:t>Safety </a:t>
+            </a:r>
+            <a:r>
+              <a:rPr lang="en-US" sz="2400" dirty="0"/>
+              <a:t>and security</a:t>
+            </a:r>
+            <a:r>
+              <a:rPr lang="en-US" sz="2400" dirty="0" smtClean="0"/>
+              <a:t>?</a:t>
+            </a:r>
+          </a:p>
+          <a:p>
+            <a:pPr marL="514350" indent="-514350">
+              <a:buAutoNum type="arabicPeriod"/>
+            </a:pPr>
+            <a:r>
+              <a:rPr lang="en-US" b="1" dirty="0" smtClean="0">
+                <a:solidFill>
+                  <a:srgbClr val="FF0000"/>
+                </a:solidFill>
+              </a:rPr>
+              <a:t>Durability</a:t>
+            </a:r>
+          </a:p>
+          <a:p>
+            <a:pPr lvl="1"/>
+            <a:r>
+              <a:rPr lang="en-US" dirty="0" smtClean="0"/>
+              <a:t>Store balancers?</a:t>
+            </a:r>
+          </a:p>
+          <a:p>
+            <a:pPr marL="514350" indent="-514350">
+              <a:buAutoNum type="arabicPeriod"/>
+            </a:pPr>
+            <a:r>
+              <a:rPr lang="en-US" sz="2800" b="1" dirty="0" smtClean="0">
+                <a:solidFill>
+                  <a:srgbClr val="FF0000"/>
+                </a:solidFill>
+              </a:rPr>
+              <a:t>Versioning</a:t>
+            </a:r>
+          </a:p>
+          <a:p>
+            <a:pPr lvl="1"/>
+            <a:r>
+              <a:rPr lang="en-US" sz="2400" dirty="0" smtClean="0"/>
+              <a:t>Current balancer?</a:t>
+            </a:r>
+          </a:p>
+        </p:txBody>
+      </p:sp>
+      <p:pic>
+        <p:nvPicPr>
+          <p:cNvPr id="9" name="Picture 8"/>
+          <p:cNvPicPr>
+            <a:picLocks noChangeAspect="1"/>
+          </p:cNvPicPr>
+          <p:nvPr/>
+        </p:nvPicPr>
+        <p:blipFill rotWithShape="1">
+          <a:blip r:embed="rId2"/>
+          <a:srcRect l="14492" t="12753" r="33898"/>
+          <a:stretch/>
+        </p:blipFill>
+        <p:spPr>
+          <a:xfrm>
+            <a:off x="8466749" y="651184"/>
+            <a:ext cx="3465914" cy="4504194"/>
+          </a:xfrm>
+          <a:prstGeom prst="rect">
+            <a:avLst/>
+          </a:prstGeom>
+          <a:ln>
+            <a:solidFill>
+              <a:schemeClr val="tx1"/>
+            </a:solidFill>
+          </a:ln>
+        </p:spPr>
+      </p:pic>
+      <p:pic>
+        <p:nvPicPr>
+          <p:cNvPr id="4" name="Picture 3" descr="Screen Shot 2016-01-14 at 9.55.13 AM.png"/>
+          <p:cNvPicPr>
+            <a:picLocks noChangeAspect="1"/>
+          </p:cNvPicPr>
+          <p:nvPr/>
+        </p:nvPicPr>
+        <p:blipFill rotWithShape="1">
+          <a:blip r:embed="rId3" cstate="print">
+            <a:extLst>
+              <a:ext uri="{28A0092B-C50C-407E-A947-70E740481C1C}">
+                <a14:useLocalDpi xmlns:a14="http://schemas.microsoft.com/office/drawing/2010/main" val="0"/>
+              </a:ext>
+            </a:extLst>
+          </a:blip>
+          <a:srcRect r="26247"/>
+          <a:stretch/>
+        </p:blipFill>
+        <p:spPr>
+          <a:xfrm>
+            <a:off x="6067837" y="3091903"/>
+            <a:ext cx="3133486" cy="2349534"/>
+          </a:xfrm>
+          <a:prstGeom prst="rect">
+            <a:avLst/>
+          </a:prstGeom>
+          <a:ln>
+            <a:solidFill>
+              <a:srgbClr val="0D0D0D"/>
+            </a:solidFill>
+          </a:ln>
+        </p:spPr>
+      </p:pic>
+    </p:spTree>
+    <p:extLst>
+      <p:ext uri="{BB962C8B-B14F-4D97-AF65-F5344CB8AC3E}">
+        <p14:creationId xmlns:p14="http://schemas.microsoft.com/office/powerpoint/2010/main" val="3991331871"/>
+      </p:ext>
+    </p:extLst>
+  </p:cSld>
+  <p:clrMapOvr>
+    <a:masterClrMapping/>
+  </p:clrMapOvr>
+  <p:timing>
+    <p:tnLst>
+      <p:par>
+        <p:cTn xmlns:p14="http://schemas.microsoft.com/office/powerpoint/2010/main" id="1" dur="indefinite" restart="never" nodeType="tmRoot">
+          <p:childTnLst>
+            <p:seq concurrent="1" nextAc="seek">
+              <p:cTn id="2" dur="indefinite" nodeType="mainSeq">
+                <p:childTnLst>
+                  <p:par>
+                    <p:cTn id="3" fill="hold">
+                      <p:stCondLst>
+                        <p:cond delay="indefinite"/>
+                      </p:stCondLst>
+                      <p:childTnLst>
+                        <p:par>
+                          <p:cTn id="4" fill="hold">
+                            <p:stCondLst>
+                              <p:cond delay="0"/>
+                            </p:stCondLst>
+                            <p:childTnLst>
+                              <p:par>
+                                <p:cTn id="5" presetID="1" presetClass="entr" presetSubtype="0" fill="hold" nodeType="clickEffect">
+                                  <p:stCondLst>
+                                    <p:cond delay="0"/>
+                                  </p:stCondLst>
+                                  <p:childTnLst>
+                                    <p:set>
+                                      <p:cBhvr>
+                                        <p:cTn id="6" dur="1" fill="hold">
+                                          <p:stCondLst>
+                                            <p:cond delay="0"/>
+                                          </p:stCondLst>
+                                        </p:cTn>
+                                        <p:tgtEl>
+                                          <p:spTgt spid="4"/>
+                                        </p:tgtEl>
+                                        <p:attrNameLst>
+                                          <p:attrName>style.visibility</p:attrName>
+                                        </p:attrNameLst>
+                                      </p:cBhvr>
+                                      <p:to>
+                                        <p:strVal val="visible"/>
+                                      </p:to>
+                                    </p:set>
+                                  </p:childTnLst>
+                                </p:cTn>
+                              </p:par>
+                            </p:childTnLst>
+                          </p:cTn>
+                        </p:par>
+                      </p:childTnLst>
+                    </p:cTn>
+                  </p:par>
+                  <p:par>
+                    <p:cTn id="7" fill="hold">
+                      <p:stCondLst>
+                        <p:cond delay="indefinite"/>
+                      </p:stCondLst>
+                      <p:childTnLst>
+                        <p:par>
+                          <p:cTn id="8" fill="hold">
+                            <p:stCondLst>
+                              <p:cond delay="0"/>
+                            </p:stCondLst>
+                            <p:childTnLst>
+                              <p:par>
+                                <p:cTn id="9" presetID="1" presetClass="entr" presetSubtype="0" fill="hold" nodeType="clickEffect">
+                                  <p:stCondLst>
+                                    <p:cond delay="0"/>
+                                  </p:stCondLst>
+                                  <p:childTnLst>
+                                    <p:set>
+                                      <p:cBhvr>
+                                        <p:cTn id="10" dur="1" fill="hold">
+                                          <p:stCondLst>
+                                            <p:cond delay="0"/>
+                                          </p:stCondLst>
+                                        </p:cTn>
+                                        <p:tgtEl>
+                                          <p:spTgt spid="3">
+                                            <p:txEl>
+                                              <p:pRg st="0" end="0"/>
+                                            </p:txEl>
+                                          </p:spTgt>
+                                        </p:tgtEl>
+                                        <p:attrNameLst>
+                                          <p:attrName>style.visibility</p:attrName>
+                                        </p:attrNameLst>
+                                      </p:cBhvr>
+                                      <p:to>
+                                        <p:strVal val="visible"/>
+                                      </p:to>
+                                    </p:set>
+                                  </p:childTnLst>
+                                </p:cTn>
+                              </p:par>
+                            </p:childTnLst>
+                          </p:cTn>
+                        </p:par>
+                      </p:childTnLst>
+                    </p:cTn>
+                  </p:par>
+                  <p:par>
+                    <p:cTn id="11" fill="hold">
+                      <p:stCondLst>
+                        <p:cond delay="indefinite"/>
+                      </p:stCondLst>
+                      <p:childTnLst>
+                        <p:par>
+                          <p:cTn id="12" fill="hold">
+                            <p:stCondLst>
+                              <p:cond delay="0"/>
+                            </p:stCondLst>
+                            <p:childTnLst>
+                              <p:par>
+                                <p:cTn id="13" presetID="1" presetClass="entr" presetSubtype="0" fill="hold" nodeType="clickEffect">
+                                  <p:stCondLst>
+                                    <p:cond delay="0"/>
+                                  </p:stCondLst>
+                                  <p:childTnLst>
+                                    <p:set>
+                                      <p:cBhvr>
+                                        <p:cTn id="14" dur="1" fill="hold">
+                                          <p:stCondLst>
+                                            <p:cond delay="0"/>
+                                          </p:stCondLst>
+                                        </p:cTn>
+                                        <p:tgtEl>
+                                          <p:spTgt spid="3">
+                                            <p:txEl>
+                                              <p:pRg st="1" end="1"/>
+                                            </p:txEl>
+                                          </p:spTgt>
+                                        </p:tgtEl>
+                                        <p:attrNameLst>
+                                          <p:attrName>style.visibility</p:attrName>
+                                        </p:attrNameLst>
+                                      </p:cBhvr>
+                                      <p:to>
+                                        <p:strVal val="visible"/>
+                                      </p:to>
+                                    </p:set>
+                                  </p:childTnLst>
+                                </p:cTn>
+                              </p:par>
+                              <p:par>
+                                <p:cTn id="15" presetID="1" presetClass="entr" presetSubtype="0" fill="hold" nodeType="withEffect">
+                                  <p:stCondLst>
+                                    <p:cond delay="0"/>
+                                  </p:stCondLst>
+                                  <p:childTnLst>
+                                    <p:set>
+                                      <p:cBhvr>
+                                        <p:cTn id="16" dur="1" fill="hold">
+                                          <p:stCondLst>
+                                            <p:cond delay="0"/>
+                                          </p:stCondLst>
+                                        </p:cTn>
+                                        <p:tgtEl>
+                                          <p:spTgt spid="3">
+                                            <p:txEl>
+                                              <p:pRg st="2" end="2"/>
+                                            </p:txEl>
+                                          </p:spTgt>
+                                        </p:tgtEl>
+                                        <p:attrNameLst>
+                                          <p:attrName>style.visibility</p:attrName>
+                                        </p:attrNameLst>
+                                      </p:cBhvr>
+                                      <p:to>
+                                        <p:strVal val="visible"/>
+                                      </p:to>
+                                    </p:set>
+                                  </p:childTnLst>
+                                </p:cTn>
+                              </p:par>
+                              <p:par>
+                                <p:cTn id="17" presetID="1" presetClass="entr" presetSubtype="0" fill="hold" nodeType="withEffect">
+                                  <p:stCondLst>
+                                    <p:cond delay="0"/>
+                                  </p:stCondLst>
+                                  <p:childTnLst>
+                                    <p:set>
+                                      <p:cBhvr>
+                                        <p:cTn id="18" dur="1" fill="hold">
+                                          <p:stCondLst>
+                                            <p:cond delay="0"/>
+                                          </p:stCondLst>
+                                        </p:cTn>
+                                        <p:tgtEl>
+                                          <p:spTgt spid="3">
+                                            <p:txEl>
+                                              <p:pRg st="3" end="3"/>
+                                            </p:txEl>
+                                          </p:spTgt>
+                                        </p:tgtEl>
+                                        <p:attrNameLst>
+                                          <p:attrName>style.visibility</p:attrName>
+                                        </p:attrNameLst>
+                                      </p:cBhvr>
+                                      <p:to>
+                                        <p:strVal val="visible"/>
+                                      </p:to>
+                                    </p:set>
+                                  </p:childTnLst>
+                                </p:cTn>
+                              </p:par>
+                            </p:childTnLst>
+                          </p:cTn>
+                        </p:par>
+                      </p:childTnLst>
+                    </p:cTn>
+                  </p:par>
+                  <p:par>
+                    <p:cTn id="19" fill="hold">
+                      <p:stCondLst>
+                        <p:cond delay="indefinite"/>
+                      </p:stCondLst>
+                      <p:childTnLst>
+                        <p:par>
+                          <p:cTn id="20" fill="hold">
+                            <p:stCondLst>
+                              <p:cond delay="0"/>
+                            </p:stCondLst>
+                            <p:childTnLst>
+                              <p:par>
+                                <p:cTn id="21" presetID="1" presetClass="entr" presetSubtype="0" fill="hold" nodeType="clickEffect">
+                                  <p:stCondLst>
+                                    <p:cond delay="0"/>
+                                  </p:stCondLst>
+                                  <p:childTnLst>
+                                    <p:set>
+                                      <p:cBhvr>
+                                        <p:cTn id="22" dur="1" fill="hold">
+                                          <p:stCondLst>
+                                            <p:cond delay="0"/>
+                                          </p:stCondLst>
+                                        </p:cTn>
+                                        <p:tgtEl>
+                                          <p:spTgt spid="3">
+                                            <p:txEl>
+                                              <p:pRg st="4" end="4"/>
+                                            </p:txEl>
+                                          </p:spTgt>
+                                        </p:tgtEl>
+                                        <p:attrNameLst>
+                                          <p:attrName>style.visibility</p:attrName>
+                                        </p:attrNameLst>
+                                      </p:cBhvr>
+                                      <p:to>
+                                        <p:strVal val="visible"/>
+                                      </p:to>
+                                    </p:set>
+                                  </p:childTnLst>
+                                </p:cTn>
+                              </p:par>
+                              <p:par>
+                                <p:cTn id="23" presetID="1" presetClass="entr" presetSubtype="0" fill="hold" nodeType="withEffect">
+                                  <p:stCondLst>
+                                    <p:cond delay="0"/>
+                                  </p:stCondLst>
+                                  <p:childTnLst>
+                                    <p:set>
+                                      <p:cBhvr>
+                                        <p:cTn id="24" dur="1" fill="hold">
+                                          <p:stCondLst>
+                                            <p:cond delay="0"/>
+                                          </p:stCondLst>
+                                        </p:cTn>
+                                        <p:tgtEl>
+                                          <p:spTgt spid="3">
+                                            <p:txEl>
+                                              <p:pRg st="5" end="5"/>
+                                            </p:txEl>
+                                          </p:spTgt>
+                                        </p:tgtEl>
+                                        <p:attrNameLst>
+                                          <p:attrName>style.visibility</p:attrName>
+                                        </p:attrNameLst>
+                                      </p:cBhvr>
+                                      <p:to>
+                                        <p:strVal val="visible"/>
+                                      </p:to>
+                                    </p:set>
+                                  </p:childTnLst>
+                                </p:cTn>
+                              </p:par>
+                            </p:childTnLst>
+                          </p:cTn>
+                        </p:par>
+                      </p:childTnLst>
+                    </p:cTn>
+                  </p:par>
+                  <p:par>
+                    <p:cTn id="25" fill="hold">
+                      <p:stCondLst>
+                        <p:cond delay="indefinite"/>
+                      </p:stCondLst>
+                      <p:childTnLst>
+                        <p:par>
+                          <p:cTn id="26" fill="hold">
+                            <p:stCondLst>
+                              <p:cond delay="0"/>
+                            </p:stCondLst>
+                            <p:childTnLst>
+                              <p:par>
+                                <p:cTn id="27" presetID="1" presetClass="entr" presetSubtype="0" fill="hold" nodeType="clickEffect">
+                                  <p:stCondLst>
+                                    <p:cond delay="0"/>
+                                  </p:stCondLst>
+                                  <p:childTnLst>
+                                    <p:set>
+                                      <p:cBhvr>
+                                        <p:cTn id="28" dur="1" fill="hold">
+                                          <p:stCondLst>
+                                            <p:cond delay="0"/>
+                                          </p:stCondLst>
+                                        </p:cTn>
+                                        <p:tgtEl>
+                                          <p:spTgt spid="3">
+                                            <p:txEl>
+                                              <p:pRg st="6" end="6"/>
+                                            </p:txEl>
+                                          </p:spTgt>
+                                        </p:tgtEl>
+                                        <p:attrNameLst>
+                                          <p:attrName>style.visibility</p:attrName>
+                                        </p:attrNameLst>
+                                      </p:cBhvr>
+                                      <p:to>
+                                        <p:strVal val="visible"/>
+                                      </p:to>
+                                    </p:set>
+                                  </p:childTnLst>
+                                </p:cTn>
+                              </p:par>
+                              <p:par>
+                                <p:cTn id="29" presetID="1" presetClass="entr" presetSubtype="0" fill="hold" nodeType="withEffect">
+                                  <p:stCondLst>
+                                    <p:cond delay="0"/>
+                                  </p:stCondLst>
+                                  <p:childTnLst>
+                                    <p:set>
+                                      <p:cBhvr>
+                                        <p:cTn id="30" dur="1" fill="hold">
+                                          <p:stCondLst>
+                                            <p:cond delay="0"/>
+                                          </p:stCondLst>
+                                        </p:cTn>
+                                        <p:tgtEl>
+                                          <p:spTgt spid="3">
+                                            <p:txEl>
+                                              <p:pRg st="7" end="7"/>
+                                            </p:txEl>
+                                          </p:spTgt>
+                                        </p:tgtEl>
+                                        <p:attrNameLst>
+                                          <p:attrName>style.visibility</p:attrName>
+                                        </p:attrNameLst>
+                                      </p:cBhvr>
+                                      <p:to>
+                                        <p:strVal val="visible"/>
+                                      </p:to>
+                                    </p:set>
+                                  </p:childTnLst>
+                                </p:cTn>
+                              </p:par>
+                            </p:childTnLst>
+                          </p:cTn>
+                        </p:par>
+                      </p:childTnLst>
+                    </p:cTn>
+                  </p:par>
+                </p:childTnLst>
+              </p:cTn>
+              <p:prevCondLst>
+                <p:cond evt="onPrev" delay="0">
+                  <p:tgtEl>
+                    <p:sldTgt/>
+                  </p:tgtEl>
+                </p:cond>
+              </p:prevCondLst>
+              <p:nextCondLst>
+                <p:cond evt="onNext" delay="0">
+                  <p:tgtEl>
+                    <p:sldTgt/>
+                  </p:tgtEl>
+                </p:cond>
+              </p:nextCondLst>
+            </p:seq>
+          </p:childTnLst>
+        </p:cTn>
+      </p:par>
+    </p:tnLst>
+  </p:timing>
+</p:sld>
+</file>
+
+<file path=ppt/slides/slide11.xml><?xml version="1.0" encoding="utf-8"?>
 <p:sld xmlns:a="http://schemas.openxmlformats.org/drawingml/2006/main" xmlns:r="http://schemas.openxmlformats.org/officeDocument/2006/relationships" xmlns:p="http://schemas.openxmlformats.org/presentationml/2006/main">
   <p:cSld>
     <p:spTree>
@@ -16768,7 +17397,7 @@
 </p:sld>
 </file>
 
-<file path=ppt/slides/slide11.xml><?xml version="1.0" encoding="utf-8"?>
+<file path=ppt/slides/slide12.xml><?xml version="1.0" encoding="utf-8"?>
 <p:sld xmlns:a="http://schemas.openxmlformats.org/drawingml/2006/main" xmlns:r="http://schemas.openxmlformats.org/officeDocument/2006/relationships" xmlns:p="http://schemas.openxmlformats.org/presentationml/2006/main">
   <p:cSld>
     <p:spTree>
@@ -16913,7 +17542,7 @@
 </p:sld>
 </file>
 
-<file path=ppt/slides/slide12.xml><?xml version="1.0" encoding="utf-8"?>
+<file path=ppt/slides/slide13.xml><?xml version="1.0" encoding="utf-8"?>
 <p:sld xmlns:a="http://schemas.openxmlformats.org/drawingml/2006/main" xmlns:r="http://schemas.openxmlformats.org/officeDocument/2006/relationships" xmlns:p="http://schemas.openxmlformats.org/presentationml/2006/main">
   <p:cSld>
     <p:spTree>
@@ -18207,7 +18836,7 @@
 </p:sld>
 </file>
 
-<file path=ppt/slides/slide13.xml><?xml version="1.0" encoding="utf-8"?>
+<file path=ppt/slides/slide14.xml><?xml version="1.0" encoding="utf-8"?>
 <p:sld xmlns:a="http://schemas.openxmlformats.org/drawingml/2006/main" xmlns:r="http://schemas.openxmlformats.org/officeDocument/2006/relationships" xmlns:p="http://schemas.openxmlformats.org/presentationml/2006/main">
   <p:cSld>
     <p:spTree>
@@ -29757,11 +30386,6 @@
               </a:rPr>
               <a:t>POSIX Client</a:t>
             </a:r>
-            <a:endParaRPr lang="en-US" sz="2800" b="1" dirty="0" smtClean="0">
-              <a:solidFill>
-                <a:schemeClr val="tx1"/>
-              </a:solidFill>
-            </a:endParaRPr>
           </a:p>
           <a:p>
             <a:endParaRPr lang="en-US" sz="2800" dirty="0">
@@ -29824,11 +30448,6 @@
               </a:rPr>
               <a:t>Client, Library</a:t>
             </a:r>
-            <a:endParaRPr lang="en-US" sz="2800" b="1" dirty="0" smtClean="0">
-              <a:solidFill>
-                <a:schemeClr val="tx1"/>
-              </a:solidFill>
-            </a:endParaRPr>
           </a:p>
         </p:txBody>
       </p:sp>
@@ -29840,8 +30459,8 @@
         </p:nvSpPr>
         <p:spPr>
           <a:xfrm>
-            <a:off x="6870700" y="1993900"/>
-            <a:ext cx="3556000" cy="2565400"/>
+            <a:off x="6870700" y="2286000"/>
+            <a:ext cx="3556000" cy="4013200"/>
           </a:xfrm>
           <a:prstGeom prst="rect">
             <a:avLst/>
@@ -29884,11 +30503,6 @@
               </a:rPr>
               <a:t>    Metadata Server</a:t>
             </a:r>
-            <a:endParaRPr lang="en-US" sz="2800" b="1" dirty="0" smtClean="0">
-              <a:solidFill>
-                <a:schemeClr val="tx1"/>
-              </a:solidFill>
-            </a:endParaRPr>
           </a:p>
           <a:p>
             <a:endParaRPr lang="en-US" sz="2800" dirty="0">
@@ -29907,7 +30521,7 @@
         </p:nvSpPr>
         <p:spPr>
           <a:xfrm>
-            <a:off x="6985000" y="2578100"/>
+            <a:off x="6985000" y="2870200"/>
             <a:ext cx="3352800" cy="914400"/>
           </a:xfrm>
           <a:prstGeom prst="rect">
@@ -29967,7 +30581,7 @@
         </p:nvSpPr>
         <p:spPr>
           <a:xfrm>
-            <a:off x="6985000" y="3568700"/>
+            <a:off x="6985000" y="3949700"/>
             <a:ext cx="3352800" cy="914400"/>
           </a:xfrm>
           <a:prstGeom prst="rect">
@@ -30011,11 +30625,6 @@
               </a:rPr>
               <a:t>Metadata Balancer</a:t>
             </a:r>
-            <a:endParaRPr lang="en-US" sz="2800" b="1" dirty="0" smtClean="0">
-              <a:solidFill>
-                <a:schemeClr val="tx1"/>
-              </a:solidFill>
-            </a:endParaRPr>
           </a:p>
         </p:txBody>
       </p:sp>
@@ -30027,7 +30636,7 @@
         </p:nvSpPr>
         <p:spPr>
           <a:xfrm>
-            <a:off x="3162300" y="1981200"/>
+            <a:off x="3162300" y="1828800"/>
             <a:ext cx="3568700" cy="1651000"/>
           </a:xfrm>
           <a:prstGeom prst="rect">
@@ -30069,21 +30678,8 @@
                   <a:schemeClr val="tx1"/>
                 </a:solidFill>
               </a:rPr>
-              <a:t>Monitor </a:t>
-            </a:r>
-            <a:r>
-              <a:rPr lang="en-US" sz="2800" b="1" dirty="0" smtClean="0">
-                <a:solidFill>
-                  <a:schemeClr val="tx1"/>
-                </a:solidFill>
-              </a:rPr>
-              <a:t>Server</a:t>
-            </a:r>
-            <a:endParaRPr lang="en-US" sz="2800" b="1" dirty="0" smtClean="0">
-              <a:solidFill>
-                <a:schemeClr val="tx1"/>
-              </a:solidFill>
-            </a:endParaRPr>
+              <a:t>Monitor Server</a:t>
+            </a:r>
           </a:p>
           <a:p>
             <a:endParaRPr lang="en-US" sz="2800" dirty="0">
@@ -30102,7 +30698,7 @@
         </p:nvSpPr>
         <p:spPr>
           <a:xfrm>
-            <a:off x="3276600" y="2565400"/>
+            <a:off x="3276600" y="2413000"/>
             <a:ext cx="3352800" cy="914400"/>
           </a:xfrm>
           <a:prstGeom prst="rect">
@@ -30201,11 +30797,6 @@
               </a:rPr>
               <a:t>      Object Server</a:t>
             </a:r>
-            <a:endParaRPr lang="en-US" sz="2800" b="1" dirty="0" smtClean="0">
-              <a:solidFill>
-                <a:schemeClr val="tx1"/>
-              </a:solidFill>
-            </a:endParaRPr>
           </a:p>
           <a:p>
             <a:endParaRPr lang="en-US" sz="2800" dirty="0">
@@ -30330,7 +30921,7 @@
         </p:nvGrpSpPr>
         <p:grpSpPr>
           <a:xfrm>
-            <a:off x="6957060" y="2013489"/>
+            <a:off x="6931660" y="2330989"/>
             <a:ext cx="511271" cy="511271"/>
             <a:chOff x="4243616" y="5502638"/>
             <a:chExt cx="417576" cy="417576"/>
@@ -30683,7 +31274,7 @@
         </p:nvSpPr>
         <p:spPr>
           <a:xfrm>
-            <a:off x="3307618" y="2027907"/>
+            <a:off x="3307618" y="1875507"/>
             <a:ext cx="494762" cy="494762"/>
           </a:xfrm>
           <a:prstGeom prst="roundRect">
@@ -30746,7 +31337,7 @@
         </p:nvSpPr>
         <p:spPr>
           <a:xfrm rot="16200000">
-            <a:off x="9867900" y="2641600"/>
+            <a:off x="9867900" y="2908300"/>
             <a:ext cx="1549400" cy="812800"/>
           </a:xfrm>
           <a:prstGeom prst="snip2SameRect">
@@ -30809,8 +31400,8 @@
           <p:nvPr/>
         </p:nvSpPr>
         <p:spPr>
-          <a:xfrm>
-            <a:off x="8001000" y="4330700"/>
+          <a:xfrm rot="5400000">
+            <a:off x="5880100" y="3987800"/>
             <a:ext cx="1549400" cy="812800"/>
           </a:xfrm>
           <a:prstGeom prst="snip2SameRect">
@@ -31002,7 +31593,7 @@
         </p:nvSpPr>
         <p:spPr>
           <a:xfrm rot="5400000">
-            <a:off x="2171701" y="2616200"/>
+            <a:off x="2171701" y="2476500"/>
             <a:ext cx="1549400" cy="812800"/>
           </a:xfrm>
           <a:prstGeom prst="snip2SameRect">
@@ -31124,7 +31715,7 @@
         </p:nvSpPr>
         <p:spPr>
           <a:xfrm rot="16200000">
-            <a:off x="10998200" y="2527300"/>
+            <a:off x="10998200" y="2794000"/>
             <a:ext cx="889000" cy="990600"/>
           </a:xfrm>
           <a:prstGeom prst="upArrowCallout">
@@ -31181,8 +31772,8 @@
           <p:nvPr/>
         </p:nvSpPr>
         <p:spPr>
-          <a:xfrm>
-            <a:off x="8940800" y="4953000"/>
+          <a:xfrm rot="5400000">
+            <a:off x="5346700" y="4394200"/>
             <a:ext cx="889000" cy="990600"/>
           </a:xfrm>
           <a:prstGeom prst="upArrowCallout">
@@ -31240,10 +31831,10 @@
         </p:nvGrpSpPr>
         <p:grpSpPr>
           <a:xfrm>
-            <a:off x="3314700" y="3873500"/>
-            <a:ext cx="3111500" cy="1778000"/>
-            <a:chOff x="8267700" y="4927600"/>
-            <a:chExt cx="3111500" cy="1778000"/>
+            <a:off x="1574800" y="4203700"/>
+            <a:ext cx="3111500" cy="1524000"/>
+            <a:chOff x="6527800" y="5257800"/>
+            <a:chExt cx="3111500" cy="1524000"/>
           </a:xfrm>
         </p:grpSpPr>
         <p:sp>
@@ -31254,8 +31845,8 @@
           </p:nvSpPr>
           <p:spPr>
             <a:xfrm>
-              <a:off x="8267700" y="4927600"/>
-              <a:ext cx="3111500" cy="1778000"/>
+              <a:off x="6527800" y="5257800"/>
+              <a:ext cx="3111500" cy="1524000"/>
             </a:xfrm>
             <a:prstGeom prst="rect">
               <a:avLst/>
@@ -31358,31 +31949,8 @@
                     <a:schemeClr val="tx1"/>
                   </a:solidFill>
                 </a:rPr>
-                <a:t>Communication</a:t>
-              </a:r>
-            </a:p>
-            <a:p>
-              <a:r>
-                <a:rPr lang="en-US" b="1" dirty="0">
-                  <a:solidFill>
-                    <a:schemeClr val="tx1"/>
-                  </a:solidFill>
-                </a:rPr>
-                <a:t>	</a:t>
-              </a:r>
-              <a:r>
-                <a:rPr lang="en-US" dirty="0" smtClean="0">
-                  <a:solidFill>
-                    <a:schemeClr val="tx1"/>
-                  </a:solidFill>
-                </a:rPr>
                 <a:t>Higher-Level Service</a:t>
               </a:r>
-              <a:endParaRPr lang="en-US" dirty="0" smtClean="0">
-                <a:solidFill>
-                  <a:schemeClr val="tx1"/>
-                </a:solidFill>
-              </a:endParaRPr>
             </a:p>
             <a:p>
               <a:endParaRPr lang="en-US" sz="2000" dirty="0">
@@ -31401,10 +31969,10 @@
           </p:nvGrpSpPr>
           <p:grpSpPr>
             <a:xfrm>
-              <a:off x="8565629" y="5403329"/>
-              <a:ext cx="558800" cy="1162572"/>
-              <a:chOff x="8565629" y="5403329"/>
-              <a:chExt cx="558800" cy="1162572"/>
+              <a:off x="6736829" y="5746231"/>
+              <a:ext cx="558800" cy="883173"/>
+              <a:chOff x="6736829" y="5746231"/>
+              <a:chExt cx="558800" cy="883173"/>
             </a:xfrm>
           </p:grpSpPr>
           <p:sp>
@@ -31415,7 +31983,7 @@
             </p:nvSpPr>
             <p:spPr>
               <a:xfrm rot="10800000">
-                <a:off x="8565629" y="5403329"/>
+                <a:off x="6736829" y="5746231"/>
                 <a:ext cx="558800" cy="293141"/>
               </a:xfrm>
               <a:prstGeom prst="snip2SameRect">
@@ -31468,7 +32036,7 @@
             </p:nvSpPr>
             <p:spPr>
               <a:xfrm>
-                <a:off x="8597900" y="5740400"/>
+                <a:off x="6769100" y="6083302"/>
                 <a:ext cx="495300" cy="223371"/>
               </a:xfrm>
               <a:prstGeom prst="rect">
@@ -31514,62 +32082,13 @@
           </p:sp>
           <p:sp>
             <p:nvSpPr>
-              <p:cNvPr id="41" name="Right Arrow 40"/>
-              <p:cNvSpPr/>
-              <p:nvPr/>
-            </p:nvSpPr>
-            <p:spPr>
-              <a:xfrm>
-                <a:off x="8677013" y="6010810"/>
-                <a:ext cx="382213" cy="264650"/>
-              </a:xfrm>
-              <a:prstGeom prst="rightArrow">
-                <a:avLst/>
-              </a:prstGeom>
-              <a:ln>
-                <a:solidFill>
-                  <a:srgbClr val="000000"/>
-                </a:solidFill>
-              </a:ln>
-            </p:spPr>
-            <p:style>
-              <a:lnRef idx="2">
-                <a:schemeClr val="accent2">
-                  <a:shade val="50000"/>
-                </a:schemeClr>
-              </a:lnRef>
-              <a:fillRef idx="1">
-                <a:schemeClr val="accent2"/>
-              </a:fillRef>
-              <a:effectRef idx="0">
-                <a:schemeClr val="accent2"/>
-              </a:effectRef>
-              <a:fontRef idx="minor">
-                <a:schemeClr val="lt1"/>
-              </a:fontRef>
-            </p:style>
-            <p:txBody>
-              <a:bodyPr rtlCol="0" anchor="ctr"/>
-              <a:lstStyle/>
-              <a:p>
-                <a:pPr algn="ctr"/>
-                <a:endParaRPr lang="en-US" b="1" dirty="0">
-                  <a:solidFill>
-                    <a:srgbClr val="000000"/>
-                  </a:solidFill>
-                </a:endParaRPr>
-              </a:p>
-            </p:txBody>
-          </p:sp>
-          <p:sp>
-            <p:nvSpPr>
               <p:cNvPr id="48" name="Up Arrow Callout 47"/>
               <p:cNvSpPr/>
               <p:nvPr/>
             </p:nvSpPr>
             <p:spPr>
               <a:xfrm rot="5400000">
-                <a:off x="8740866" y="6270535"/>
+                <a:off x="6912066" y="6334038"/>
                 <a:ext cx="279400" cy="311331"/>
               </a:xfrm>
               <a:prstGeom prst="upArrowCallout">
@@ -31621,7 +32140,7 @@
         </p:nvSpPr>
         <p:spPr>
           <a:xfrm rot="5400000">
-            <a:off x="1651000" y="2044700"/>
+            <a:off x="1651000" y="1905000"/>
             <a:ext cx="889000" cy="990600"/>
           </a:xfrm>
           <a:prstGeom prst="upArrowCallout">
@@ -31679,7 +32198,7 @@
         </p:nvSpPr>
         <p:spPr>
           <a:xfrm rot="5400000">
-            <a:off x="1651000" y="2984500"/>
+            <a:off x="1651000" y="2844800"/>
             <a:ext cx="889000" cy="990600"/>
           </a:xfrm>
           <a:prstGeom prst="upArrowCallout">
@@ -31736,8 +32255,8 @@
           <p:nvPr/>
         </p:nvSpPr>
         <p:spPr>
-          <a:xfrm>
-            <a:off x="7708900" y="4914900"/>
+          <a:xfrm rot="5400000">
+            <a:off x="5359400" y="3467100"/>
             <a:ext cx="889000" cy="990600"/>
           </a:xfrm>
           <a:prstGeom prst="upArrowCallout">
@@ -31795,7 +32314,7 @@
         </p:nvSpPr>
         <p:spPr>
           <a:xfrm rot="16200000">
-            <a:off x="11049000" y="660400"/>
+            <a:off x="10998200" y="660400"/>
             <a:ext cx="889000" cy="990600"/>
           </a:xfrm>
           <a:prstGeom prst="upArrowCallout">
@@ -31830,12 +32349,197 @@
           <a:p>
             <a:pPr algn="ctr"/>
             <a:r>
+              <a:rPr lang="en-US" b="1" dirty="0" err="1" smtClean="0">
+                <a:solidFill>
+                  <a:srgbClr val="000000"/>
+                </a:solidFill>
+              </a:rPr>
+              <a:t>ZLog</a:t>
+            </a:r>
+            <a:endParaRPr lang="en-US" b="1" dirty="0">
+              <a:solidFill>
+                <a:srgbClr val="000000"/>
+              </a:solidFill>
+            </a:endParaRPr>
+          </a:p>
+        </p:txBody>
+      </p:sp>
+      <p:sp>
+        <p:nvSpPr>
+          <p:cNvPr id="44" name="Rectangle 43"/>
+          <p:cNvSpPr/>
+          <p:nvPr/>
+        </p:nvSpPr>
+        <p:spPr>
+          <a:xfrm>
+            <a:off x="6985000" y="5029200"/>
+            <a:ext cx="3352800" cy="914400"/>
+          </a:xfrm>
+          <a:prstGeom prst="rect">
+            <a:avLst/>
+          </a:prstGeom>
+          <a:solidFill>
+            <a:schemeClr val="bg1">
+              <a:lumMod val="65000"/>
+            </a:schemeClr>
+          </a:solidFill>
+          <a:ln>
+            <a:solidFill>
+              <a:schemeClr val="tx1"/>
+            </a:solidFill>
+          </a:ln>
+        </p:spPr>
+        <p:style>
+          <a:lnRef idx="1">
+            <a:schemeClr val="accent1"/>
+          </a:lnRef>
+          <a:fillRef idx="3">
+            <a:schemeClr val="accent1"/>
+          </a:fillRef>
+          <a:effectRef idx="2">
+            <a:schemeClr val="accent1"/>
+          </a:effectRef>
+          <a:fontRef idx="minor">
+            <a:schemeClr val="lt1"/>
+          </a:fontRef>
+        </p:style>
+        <p:txBody>
+          <a:bodyPr rtlCol="0" anchor="ctr"/>
+          <a:lstStyle/>
+          <a:p>
+            <a:pPr algn="ctr"/>
+            <a:r>
+              <a:rPr lang="en-US" sz="2800" b="1" dirty="0" err="1" smtClean="0">
+                <a:solidFill>
+                  <a:schemeClr val="tx1"/>
+                </a:solidFill>
+              </a:rPr>
+              <a:t>Inode</a:t>
+            </a:r>
+            <a:r>
+              <a:rPr lang="en-US" sz="2800" b="1" dirty="0" smtClean="0">
+                <a:solidFill>
+                  <a:schemeClr val="tx1"/>
+                </a:solidFill>
+              </a:rPr>
+              <a:t> Structures</a:t>
+            </a:r>
+          </a:p>
+        </p:txBody>
+      </p:sp>
+      <p:sp>
+        <p:nvSpPr>
+          <p:cNvPr id="45" name="Snip Same Side Corner Rectangle 44"/>
+          <p:cNvSpPr/>
+          <p:nvPr/>
+        </p:nvSpPr>
+        <p:spPr>
+          <a:xfrm rot="16200000">
+            <a:off x="9880600" y="5080000"/>
+            <a:ext cx="1549400" cy="812800"/>
+          </a:xfrm>
+          <a:prstGeom prst="snip2SameRect">
+            <a:avLst>
+              <a:gd name="adj1" fmla="val 50000"/>
+              <a:gd name="adj2" fmla="val 0"/>
+            </a:avLst>
+          </a:prstGeom>
+          <a:solidFill>
+            <a:schemeClr val="accent1">
+              <a:lumMod val="60000"/>
+              <a:lumOff val="40000"/>
+            </a:schemeClr>
+          </a:solidFill>
+          <a:ln>
+            <a:solidFill>
+              <a:srgbClr val="000000"/>
+            </a:solidFill>
+          </a:ln>
+        </p:spPr>
+        <p:style>
+          <a:lnRef idx="1">
+            <a:schemeClr val="accent1"/>
+          </a:lnRef>
+          <a:fillRef idx="3">
+            <a:schemeClr val="accent1"/>
+          </a:fillRef>
+          <a:effectRef idx="2">
+            <a:schemeClr val="accent1"/>
+          </a:effectRef>
+          <a:fontRef idx="minor">
+            <a:schemeClr val="lt1"/>
+          </a:fontRef>
+        </p:style>
+        <p:txBody>
+          <a:bodyPr rtlCol="0" anchor="ctr"/>
+          <a:lstStyle/>
+          <a:p>
+            <a:pPr algn="ctr"/>
+            <a:r>
               <a:rPr lang="en-US" b="1" dirty="0" smtClean="0">
                 <a:solidFill>
                   <a:srgbClr val="000000"/>
                 </a:solidFill>
               </a:rPr>
-              <a:t>Mantle</a:t>
+              <a:t>File Type</a:t>
+            </a:r>
+            <a:endParaRPr lang="en-US" b="1" dirty="0">
+              <a:solidFill>
+                <a:srgbClr val="000000"/>
+              </a:solidFill>
+            </a:endParaRPr>
+          </a:p>
+        </p:txBody>
+      </p:sp>
+      <p:sp>
+        <p:nvSpPr>
+          <p:cNvPr id="46" name="Up Arrow Callout 45"/>
+          <p:cNvSpPr/>
+          <p:nvPr/>
+        </p:nvSpPr>
+        <p:spPr>
+          <a:xfrm rot="16200000">
+            <a:off x="10998200" y="4940300"/>
+            <a:ext cx="889000" cy="990600"/>
+          </a:xfrm>
+          <a:prstGeom prst="upArrowCallout">
+            <a:avLst/>
+          </a:prstGeom>
+          <a:solidFill>
+            <a:srgbClr val="A5679E"/>
+          </a:solidFill>
+          <a:ln>
+            <a:solidFill>
+              <a:srgbClr val="000000"/>
+            </a:solidFill>
+          </a:ln>
+        </p:spPr>
+        <p:style>
+          <a:lnRef idx="1">
+            <a:schemeClr val="accent1"/>
+          </a:lnRef>
+          <a:fillRef idx="3">
+            <a:schemeClr val="accent1"/>
+          </a:fillRef>
+          <a:effectRef idx="2">
+            <a:schemeClr val="accent1"/>
+          </a:effectRef>
+          <a:fontRef idx="minor">
+            <a:schemeClr val="lt1"/>
+          </a:fontRef>
+        </p:style>
+        <p:txBody>
+          <a:bodyPr rtlCol="0" anchor="ctr"/>
+          <a:lstStyle/>
+          <a:p>
+            <a:pPr algn="ctr"/>
+            <a:r>
+              <a:rPr lang="en-US" b="1" dirty="0" err="1" smtClean="0">
+                <a:solidFill>
+                  <a:srgbClr val="000000"/>
+                </a:solidFill>
+              </a:rPr>
+              <a:t>ZLog</a:t>
             </a:r>
             <a:endParaRPr lang="en-US" b="1" dirty="0">
               <a:solidFill>
@@ -31866,6 +32570,2046 @@
 </file>
 
 <file path=ppt/slides/slide6.xml><?xml version="1.0" encoding="utf-8"?>
+<p:sld xmlns:a="http://schemas.openxmlformats.org/drawingml/2006/main" xmlns:r="http://schemas.openxmlformats.org/officeDocument/2006/relationships" xmlns:p="http://schemas.openxmlformats.org/presentationml/2006/main">
+  <p:cSld>
+    <p:spTree>
+      <p:nvGrpSpPr>
+        <p:cNvPr id="1" name=""/>
+        <p:cNvGrpSpPr/>
+        <p:nvPr/>
+      </p:nvGrpSpPr>
+      <p:grpSpPr>
+        <a:xfrm>
+          <a:off x="0" y="0"/>
+          <a:ext cx="0" cy="0"/>
+          <a:chOff x="0" y="0"/>
+          <a:chExt cx="0" cy="0"/>
+        </a:xfrm>
+      </p:grpSpPr>
+      <p:sp>
+        <p:nvSpPr>
+          <p:cNvPr id="4" name="Rectangle 3"/>
+          <p:cNvSpPr/>
+          <p:nvPr/>
+        </p:nvSpPr>
+        <p:spPr>
+          <a:xfrm rot="16200000">
+            <a:off x="4106805" y="2381016"/>
+            <a:ext cx="1654292" cy="1008474"/>
+          </a:xfrm>
+          <a:prstGeom prst="rect">
+            <a:avLst/>
+          </a:prstGeom>
+          <a:noFill/>
+          <a:ln w="38100" cmpd="sng">
+            <a:solidFill>
+              <a:schemeClr val="tx1"/>
+            </a:solidFill>
+          </a:ln>
+        </p:spPr>
+        <p:style>
+          <a:lnRef idx="1">
+            <a:schemeClr val="accent1"/>
+          </a:lnRef>
+          <a:fillRef idx="3">
+            <a:schemeClr val="accent1"/>
+          </a:fillRef>
+          <a:effectRef idx="2">
+            <a:schemeClr val="accent1"/>
+          </a:effectRef>
+          <a:fontRef idx="minor">
+            <a:schemeClr val="lt1"/>
+          </a:fontRef>
+        </p:style>
+        <p:txBody>
+          <a:bodyPr rtlCol="0" anchor="t"/>
+          <a:lstStyle/>
+          <a:p>
+            <a:pPr algn="ctr"/>
+            <a:r>
+              <a:rPr lang="en-US" sz="2800" b="1" dirty="0" smtClean="0">
+                <a:solidFill>
+                  <a:schemeClr val="tx1"/>
+                </a:solidFill>
+              </a:rPr>
+              <a:t>Shared Resource</a:t>
+            </a:r>
+            <a:endParaRPr lang="en-US" sz="2800" b="1" dirty="0">
+              <a:solidFill>
+                <a:schemeClr val="tx1"/>
+              </a:solidFill>
+            </a:endParaRPr>
+          </a:p>
+        </p:txBody>
+      </p:sp>
+      <p:sp>
+        <p:nvSpPr>
+          <p:cNvPr id="5" name="Rectangle 4"/>
+          <p:cNvSpPr/>
+          <p:nvPr/>
+        </p:nvSpPr>
+        <p:spPr>
+          <a:xfrm rot="16200000">
+            <a:off x="8454910" y="2370196"/>
+            <a:ext cx="1654292" cy="1008474"/>
+          </a:xfrm>
+          <a:prstGeom prst="rect">
+            <a:avLst/>
+          </a:prstGeom>
+          <a:noFill/>
+          <a:ln w="38100" cmpd="sng">
+            <a:solidFill>
+              <a:schemeClr val="tx1"/>
+            </a:solidFill>
+          </a:ln>
+        </p:spPr>
+        <p:style>
+          <a:lnRef idx="1">
+            <a:schemeClr val="accent1"/>
+          </a:lnRef>
+          <a:fillRef idx="3">
+            <a:schemeClr val="accent1"/>
+          </a:fillRef>
+          <a:effectRef idx="2">
+            <a:schemeClr val="accent1"/>
+          </a:effectRef>
+          <a:fontRef idx="minor">
+            <a:schemeClr val="lt1"/>
+          </a:fontRef>
+        </p:style>
+        <p:txBody>
+          <a:bodyPr rtlCol="0" anchor="t"/>
+          <a:lstStyle/>
+          <a:p>
+            <a:pPr algn="ctr"/>
+            <a:r>
+              <a:rPr lang="en-US" sz="2800" b="1" dirty="0" smtClean="0">
+                <a:solidFill>
+                  <a:schemeClr val="tx1"/>
+                </a:solidFill>
+              </a:rPr>
+              <a:t>Load Balancing</a:t>
+            </a:r>
+            <a:endParaRPr lang="en-US" sz="2800" b="1" dirty="0">
+              <a:solidFill>
+                <a:schemeClr val="tx1"/>
+              </a:solidFill>
+            </a:endParaRPr>
+          </a:p>
+        </p:txBody>
+      </p:sp>
+      <p:sp>
+        <p:nvSpPr>
+          <p:cNvPr id="6" name="Rectangle 5"/>
+          <p:cNvSpPr/>
+          <p:nvPr/>
+        </p:nvSpPr>
+        <p:spPr>
+          <a:xfrm rot="16200000">
+            <a:off x="5192419" y="2381487"/>
+            <a:ext cx="1654292" cy="1008474"/>
+          </a:xfrm>
+          <a:prstGeom prst="rect">
+            <a:avLst/>
+          </a:prstGeom>
+          <a:noFill/>
+          <a:ln w="38100" cmpd="sng">
+            <a:solidFill>
+              <a:schemeClr val="tx1"/>
+            </a:solidFill>
+          </a:ln>
+        </p:spPr>
+        <p:style>
+          <a:lnRef idx="1">
+            <a:schemeClr val="accent1"/>
+          </a:lnRef>
+          <a:fillRef idx="3">
+            <a:schemeClr val="accent1"/>
+          </a:fillRef>
+          <a:effectRef idx="2">
+            <a:schemeClr val="accent1"/>
+          </a:effectRef>
+          <a:fontRef idx="minor">
+            <a:schemeClr val="lt1"/>
+          </a:fontRef>
+        </p:style>
+        <p:txBody>
+          <a:bodyPr rtlCol="0" anchor="t"/>
+          <a:lstStyle/>
+          <a:p>
+            <a:pPr algn="ctr"/>
+            <a:r>
+              <a:rPr lang="en-US" sz="2800" b="1" dirty="0" smtClean="0">
+                <a:solidFill>
+                  <a:schemeClr val="tx1"/>
+                </a:solidFill>
+              </a:rPr>
+              <a:t>Data</a:t>
+            </a:r>
+          </a:p>
+          <a:p>
+            <a:pPr algn="ctr"/>
+            <a:r>
+              <a:rPr lang="en-US" sz="2800" b="1" dirty="0" smtClean="0">
+                <a:solidFill>
+                  <a:schemeClr val="tx1"/>
+                </a:solidFill>
+              </a:rPr>
+              <a:t>I/O</a:t>
+            </a:r>
+            <a:endParaRPr lang="en-US" sz="2800" b="1" dirty="0">
+              <a:solidFill>
+                <a:schemeClr val="tx1"/>
+              </a:solidFill>
+            </a:endParaRPr>
+          </a:p>
+        </p:txBody>
+      </p:sp>
+      <p:sp>
+        <p:nvSpPr>
+          <p:cNvPr id="7" name="Rectangle 6"/>
+          <p:cNvSpPr/>
+          <p:nvPr/>
+        </p:nvSpPr>
+        <p:spPr>
+          <a:xfrm rot="16200000">
+            <a:off x="9512299" y="2370669"/>
+            <a:ext cx="1654292" cy="1008474"/>
+          </a:xfrm>
+          <a:prstGeom prst="rect">
+            <a:avLst/>
+          </a:prstGeom>
+          <a:noFill/>
+          <a:ln w="38100" cmpd="sng">
+            <a:solidFill>
+              <a:schemeClr val="tx1"/>
+            </a:solidFill>
+          </a:ln>
+        </p:spPr>
+        <p:style>
+          <a:lnRef idx="1">
+            <a:schemeClr val="accent1"/>
+          </a:lnRef>
+          <a:fillRef idx="3">
+            <a:schemeClr val="accent1"/>
+          </a:fillRef>
+          <a:effectRef idx="2">
+            <a:schemeClr val="accent1"/>
+          </a:effectRef>
+          <a:fontRef idx="minor">
+            <a:schemeClr val="lt1"/>
+          </a:fontRef>
+        </p:style>
+        <p:txBody>
+          <a:bodyPr rtlCol="0" anchor="t"/>
+          <a:lstStyle/>
+          <a:p>
+            <a:pPr algn="ctr"/>
+            <a:r>
+              <a:rPr lang="en-US" sz="2800" b="1" dirty="0" smtClean="0">
+                <a:solidFill>
+                  <a:schemeClr val="tx1"/>
+                </a:solidFill>
+              </a:rPr>
+              <a:t>Dura-</a:t>
+            </a:r>
+          </a:p>
+          <a:p>
+            <a:pPr algn="ctr"/>
+            <a:r>
+              <a:rPr lang="en-US" sz="2800" b="1" dirty="0" err="1" smtClean="0">
+                <a:solidFill>
+                  <a:schemeClr val="tx1"/>
+                </a:solidFill>
+              </a:rPr>
+              <a:t>bility</a:t>
+            </a:r>
+            <a:endParaRPr lang="en-US" sz="2800" b="1" dirty="0">
+              <a:solidFill>
+                <a:schemeClr val="tx1"/>
+              </a:solidFill>
+            </a:endParaRPr>
+          </a:p>
+        </p:txBody>
+      </p:sp>
+      <p:sp>
+        <p:nvSpPr>
+          <p:cNvPr id="8" name="Rectangle 7"/>
+          <p:cNvSpPr/>
+          <p:nvPr/>
+        </p:nvSpPr>
+        <p:spPr>
+          <a:xfrm rot="16200000">
+            <a:off x="7365999" y="2375840"/>
+            <a:ext cx="1654292" cy="1008474"/>
+          </a:xfrm>
+          <a:prstGeom prst="rect">
+            <a:avLst/>
+          </a:prstGeom>
+          <a:noFill/>
+          <a:ln w="38100" cmpd="sng">
+            <a:solidFill>
+              <a:schemeClr val="tx1"/>
+            </a:solidFill>
+          </a:ln>
+        </p:spPr>
+        <p:style>
+          <a:lnRef idx="1">
+            <a:schemeClr val="accent1"/>
+          </a:lnRef>
+          <a:fillRef idx="3">
+            <a:schemeClr val="accent1"/>
+          </a:fillRef>
+          <a:effectRef idx="2">
+            <a:schemeClr val="accent1"/>
+          </a:effectRef>
+          <a:fontRef idx="minor">
+            <a:schemeClr val="lt1"/>
+          </a:fontRef>
+        </p:style>
+        <p:txBody>
+          <a:bodyPr rtlCol="0" anchor="t"/>
+          <a:lstStyle/>
+          <a:p>
+            <a:pPr algn="ctr"/>
+            <a:r>
+              <a:rPr lang="en-US" sz="2800" b="1" dirty="0" smtClean="0">
+                <a:solidFill>
+                  <a:schemeClr val="tx1"/>
+                </a:solidFill>
+              </a:rPr>
+              <a:t>File</a:t>
+            </a:r>
+          </a:p>
+          <a:p>
+            <a:pPr algn="ctr"/>
+            <a:r>
+              <a:rPr lang="en-US" sz="2800" b="1" dirty="0" smtClean="0">
+                <a:solidFill>
+                  <a:schemeClr val="tx1"/>
+                </a:solidFill>
+              </a:rPr>
+              <a:t>Type</a:t>
+            </a:r>
+            <a:endParaRPr lang="en-US" sz="2800" b="1" dirty="0">
+              <a:solidFill>
+                <a:schemeClr val="tx1"/>
+              </a:solidFill>
+            </a:endParaRPr>
+          </a:p>
+        </p:txBody>
+      </p:sp>
+      <p:sp>
+        <p:nvSpPr>
+          <p:cNvPr id="9" name="Rectangle 8"/>
+          <p:cNvSpPr/>
+          <p:nvPr/>
+        </p:nvSpPr>
+        <p:spPr>
+          <a:xfrm rot="16200000">
+            <a:off x="6272391" y="2376315"/>
+            <a:ext cx="1654292" cy="1008474"/>
+          </a:xfrm>
+          <a:prstGeom prst="rect">
+            <a:avLst/>
+          </a:prstGeom>
+          <a:noFill/>
+          <a:ln w="38100" cmpd="sng">
+            <a:solidFill>
+              <a:schemeClr val="tx1"/>
+            </a:solidFill>
+          </a:ln>
+        </p:spPr>
+        <p:style>
+          <a:lnRef idx="1">
+            <a:schemeClr val="accent1"/>
+          </a:lnRef>
+          <a:fillRef idx="3">
+            <a:schemeClr val="accent1"/>
+          </a:fillRef>
+          <a:effectRef idx="2">
+            <a:schemeClr val="accent1"/>
+          </a:effectRef>
+          <a:fontRef idx="minor">
+            <a:schemeClr val="lt1"/>
+          </a:fontRef>
+        </p:style>
+        <p:txBody>
+          <a:bodyPr rtlCol="0" anchor="t"/>
+          <a:lstStyle/>
+          <a:p>
+            <a:pPr algn="ctr"/>
+            <a:r>
+              <a:rPr lang="en-US" sz="2800" b="1" dirty="0" smtClean="0">
+                <a:solidFill>
+                  <a:schemeClr val="tx1"/>
+                </a:solidFill>
+              </a:rPr>
+              <a:t>Service Metadata</a:t>
+            </a:r>
+            <a:endParaRPr lang="en-US" sz="2800" b="1" dirty="0">
+              <a:solidFill>
+                <a:schemeClr val="tx1"/>
+              </a:solidFill>
+            </a:endParaRPr>
+          </a:p>
+        </p:txBody>
+      </p:sp>
+      <p:sp>
+        <p:nvSpPr>
+          <p:cNvPr id="10" name="Rounded Rectangle 9"/>
+          <p:cNvSpPr/>
+          <p:nvPr/>
+        </p:nvSpPr>
+        <p:spPr>
+          <a:xfrm>
+            <a:off x="4397023" y="1205091"/>
+            <a:ext cx="2156178" cy="754472"/>
+          </a:xfrm>
+          <a:prstGeom prst="roundRect">
+            <a:avLst/>
+          </a:prstGeom>
+          <a:noFill/>
+          <a:ln w="76200" cmpd="sng">
+            <a:solidFill>
+              <a:srgbClr val="0000FF"/>
+            </a:solidFill>
+          </a:ln>
+        </p:spPr>
+        <p:style>
+          <a:lnRef idx="1">
+            <a:schemeClr val="accent1"/>
+          </a:lnRef>
+          <a:fillRef idx="3">
+            <a:schemeClr val="accent1"/>
+          </a:fillRef>
+          <a:effectRef idx="2">
+            <a:schemeClr val="accent1"/>
+          </a:effectRef>
+          <a:fontRef idx="minor">
+            <a:schemeClr val="lt1"/>
+          </a:fontRef>
+        </p:style>
+        <p:txBody>
+          <a:bodyPr vert="horz" rtlCol="0" anchor="ctr"/>
+          <a:lstStyle/>
+          <a:p>
+            <a:pPr algn="ctr"/>
+            <a:r>
+              <a:rPr lang="en-US" sz="2000" dirty="0" err="1" smtClean="0">
+                <a:solidFill>
+                  <a:schemeClr val="tx1"/>
+                </a:solidFill>
+              </a:rPr>
+              <a:t>ZLog</a:t>
+            </a:r>
+            <a:r>
+              <a:rPr lang="en-US" sz="2000" dirty="0" smtClean="0">
+                <a:solidFill>
+                  <a:schemeClr val="tx1"/>
+                </a:solidFill>
+              </a:rPr>
+              <a:t> </a:t>
+            </a:r>
+          </a:p>
+        </p:txBody>
+      </p:sp>
+      <p:sp>
+        <p:nvSpPr>
+          <p:cNvPr id="12" name="Rounded Rectangle 11"/>
+          <p:cNvSpPr/>
+          <p:nvPr/>
+        </p:nvSpPr>
+        <p:spPr>
+          <a:xfrm>
+            <a:off x="9791700" y="1206971"/>
+            <a:ext cx="1115248" cy="754472"/>
+          </a:xfrm>
+          <a:prstGeom prst="roundRect">
+            <a:avLst/>
+          </a:prstGeom>
+          <a:noFill/>
+          <a:ln w="76200" cmpd="sng">
+            <a:solidFill>
+              <a:srgbClr val="FF0000"/>
+            </a:solidFill>
+          </a:ln>
+        </p:spPr>
+        <p:style>
+          <a:lnRef idx="1">
+            <a:schemeClr val="accent1"/>
+          </a:lnRef>
+          <a:fillRef idx="3">
+            <a:schemeClr val="accent1"/>
+          </a:fillRef>
+          <a:effectRef idx="2">
+            <a:schemeClr val="accent1"/>
+          </a:effectRef>
+          <a:fontRef idx="minor">
+            <a:schemeClr val="lt1"/>
+          </a:fontRef>
+        </p:style>
+        <p:txBody>
+          <a:bodyPr vert="horz" rtlCol="0" anchor="ctr"/>
+          <a:lstStyle/>
+          <a:p>
+            <a:pPr algn="ctr"/>
+            <a:r>
+              <a:rPr lang="en-US" sz="2000" dirty="0" smtClean="0">
+                <a:solidFill>
+                  <a:schemeClr val="tx1"/>
+                </a:solidFill>
+              </a:rPr>
+              <a:t>Mantle</a:t>
+            </a:r>
+            <a:endParaRPr lang="en-US" sz="2000" dirty="0" smtClean="0">
+              <a:solidFill>
+                <a:schemeClr val="tx1"/>
+              </a:solidFill>
+            </a:endParaRPr>
+          </a:p>
+        </p:txBody>
+      </p:sp>
+      <p:sp>
+        <p:nvSpPr>
+          <p:cNvPr id="13" name="Rounded Rectangle 12"/>
+          <p:cNvSpPr/>
+          <p:nvPr/>
+        </p:nvSpPr>
+        <p:spPr>
+          <a:xfrm>
+            <a:off x="6655740" y="1206973"/>
+            <a:ext cx="3008959" cy="754472"/>
+          </a:xfrm>
+          <a:prstGeom prst="roundRect">
+            <a:avLst/>
+          </a:prstGeom>
+          <a:noFill/>
+          <a:ln w="76200" cmpd="sng">
+            <a:solidFill>
+              <a:srgbClr val="7030A0"/>
+            </a:solidFill>
+            <a:prstDash val="sysDash"/>
+          </a:ln>
+        </p:spPr>
+        <p:style>
+          <a:lnRef idx="1">
+            <a:schemeClr val="accent1"/>
+          </a:lnRef>
+          <a:fillRef idx="3">
+            <a:schemeClr val="accent1"/>
+          </a:fillRef>
+          <a:effectRef idx="2">
+            <a:schemeClr val="accent1"/>
+          </a:effectRef>
+          <a:fontRef idx="minor">
+            <a:schemeClr val="lt1"/>
+          </a:fontRef>
+        </p:style>
+        <p:txBody>
+          <a:bodyPr vert="horz" rtlCol="0" anchor="ctr"/>
+          <a:lstStyle/>
+          <a:p>
+            <a:pPr algn="ctr"/>
+            <a:r>
+              <a:rPr lang="en-US" dirty="0" smtClean="0">
+                <a:solidFill>
+                  <a:schemeClr val="tx1"/>
+                </a:solidFill>
+              </a:rPr>
+              <a:t>Both</a:t>
+            </a:r>
+            <a:endParaRPr lang="en-US" sz="1000" dirty="0">
+              <a:solidFill>
+                <a:schemeClr val="tx1"/>
+              </a:solidFill>
+            </a:endParaRPr>
+          </a:p>
+        </p:txBody>
+      </p:sp>
+      <p:sp>
+        <p:nvSpPr>
+          <p:cNvPr id="15" name="TextBox 14"/>
+          <p:cNvSpPr txBox="1"/>
+          <p:nvPr/>
+        </p:nvSpPr>
+        <p:spPr>
+          <a:xfrm>
+            <a:off x="2540000" y="2289291"/>
+            <a:ext cx="1734727" cy="1200329"/>
+          </a:xfrm>
+          <a:prstGeom prst="rect">
+            <a:avLst/>
+          </a:prstGeom>
+          <a:noFill/>
+        </p:spPr>
+        <p:txBody>
+          <a:bodyPr wrap="square" rtlCol="0">
+            <a:spAutoFit/>
+          </a:bodyPr>
+          <a:lstStyle/>
+          <a:p>
+            <a:pPr algn="r"/>
+            <a:r>
+              <a:rPr lang="en-US" b="1" dirty="0" smtClean="0"/>
+              <a:t>Malacology </a:t>
+            </a:r>
+            <a:r>
+              <a:rPr lang="en-US" b="1" dirty="0" smtClean="0"/>
+              <a:t>Interfaces</a:t>
+            </a:r>
+          </a:p>
+          <a:p>
+            <a:pPr algn="r"/>
+            <a:r>
+              <a:rPr lang="en-US" dirty="0" smtClean="0"/>
+              <a:t>(Section §4</a:t>
+            </a:r>
+          </a:p>
+          <a:p>
+            <a:pPr algn="r"/>
+            <a:r>
+              <a:rPr lang="en-US" dirty="0" smtClean="0"/>
+              <a:t>&amp; Table 2) </a:t>
+            </a:r>
+            <a:endParaRPr lang="en-US" dirty="0"/>
+          </a:p>
+        </p:txBody>
+      </p:sp>
+      <p:sp>
+        <p:nvSpPr>
+          <p:cNvPr id="16" name="TextBox 15"/>
+          <p:cNvSpPr txBox="1"/>
+          <p:nvPr/>
+        </p:nvSpPr>
+        <p:spPr>
+          <a:xfrm>
+            <a:off x="2501900" y="5695715"/>
+            <a:ext cx="1624189" cy="923330"/>
+          </a:xfrm>
+          <a:prstGeom prst="rect">
+            <a:avLst/>
+          </a:prstGeom>
+          <a:noFill/>
+        </p:spPr>
+        <p:txBody>
+          <a:bodyPr wrap="square" rtlCol="0">
+            <a:spAutoFit/>
+          </a:bodyPr>
+          <a:lstStyle/>
+          <a:p>
+            <a:pPr algn="r"/>
+            <a:r>
+              <a:rPr lang="en-US" b="1" dirty="0" smtClean="0"/>
+              <a:t>Existing </a:t>
+            </a:r>
+            <a:r>
+              <a:rPr lang="en-US" b="1" dirty="0" smtClean="0"/>
+              <a:t>Daemons</a:t>
+            </a:r>
+          </a:p>
+          <a:p>
+            <a:pPr algn="r"/>
+            <a:endParaRPr lang="en-US" dirty="0"/>
+          </a:p>
+        </p:txBody>
+      </p:sp>
+      <p:sp>
+        <p:nvSpPr>
+          <p:cNvPr id="17" name="TextBox 16"/>
+          <p:cNvSpPr txBox="1"/>
+          <p:nvPr/>
+        </p:nvSpPr>
+        <p:spPr>
+          <a:xfrm>
+            <a:off x="2489200" y="1087965"/>
+            <a:ext cx="1759187" cy="1200329"/>
+          </a:xfrm>
+          <a:prstGeom prst="rect">
+            <a:avLst/>
+          </a:prstGeom>
+          <a:noFill/>
+        </p:spPr>
+        <p:txBody>
+          <a:bodyPr wrap="square" rtlCol="0">
+            <a:spAutoFit/>
+          </a:bodyPr>
+          <a:lstStyle/>
+          <a:p>
+            <a:pPr algn="r"/>
+            <a:r>
+              <a:rPr lang="en-US" b="1" dirty="0" smtClean="0"/>
+              <a:t>Higher-Level</a:t>
+            </a:r>
+            <a:r>
+              <a:rPr lang="en-US" b="1" dirty="0" smtClean="0"/>
+              <a:t> </a:t>
+            </a:r>
+          </a:p>
+          <a:p>
+            <a:pPr algn="r"/>
+            <a:r>
+              <a:rPr lang="en-US" b="1" dirty="0" smtClean="0"/>
+              <a:t>Services </a:t>
+            </a:r>
+          </a:p>
+          <a:p>
+            <a:pPr algn="r"/>
+            <a:r>
+              <a:rPr lang="en-US" dirty="0" smtClean="0"/>
+              <a:t>(Section §5)</a:t>
+            </a:r>
+            <a:endParaRPr lang="en-US" sz="1000" dirty="0"/>
+          </a:p>
+          <a:p>
+            <a:pPr algn="r"/>
+            <a:r>
+              <a:rPr lang="en-US" dirty="0" smtClean="0"/>
+              <a:t> </a:t>
+            </a:r>
+          </a:p>
+        </p:txBody>
+      </p:sp>
+      <p:sp>
+        <p:nvSpPr>
+          <p:cNvPr id="18" name="Rectangle 17"/>
+          <p:cNvSpPr/>
+          <p:nvPr/>
+        </p:nvSpPr>
+        <p:spPr>
+          <a:xfrm>
+            <a:off x="7125169" y="4032953"/>
+            <a:ext cx="1241777" cy="2111023"/>
+          </a:xfrm>
+          <a:prstGeom prst="rect">
+            <a:avLst/>
+          </a:prstGeom>
+          <a:solidFill>
+            <a:schemeClr val="bg2">
+              <a:lumMod val="75000"/>
+            </a:schemeClr>
+          </a:solidFill>
+          <a:ln>
+            <a:solidFill>
+              <a:schemeClr val="tx1"/>
+            </a:solidFill>
+          </a:ln>
+        </p:spPr>
+        <p:style>
+          <a:lnRef idx="1">
+            <a:schemeClr val="accent1"/>
+          </a:lnRef>
+          <a:fillRef idx="3">
+            <a:schemeClr val="accent1"/>
+          </a:fillRef>
+          <a:effectRef idx="2">
+            <a:schemeClr val="accent1"/>
+          </a:effectRef>
+          <a:fontRef idx="minor">
+            <a:schemeClr val="lt1"/>
+          </a:fontRef>
+        </p:style>
+        <p:txBody>
+          <a:bodyPr rtlCol="0" anchor="b"/>
+          <a:lstStyle/>
+          <a:p>
+            <a:pPr algn="ctr"/>
+            <a:r>
+              <a:rPr lang="en-US" sz="2000" b="1" dirty="0" smtClean="0">
+                <a:solidFill>
+                  <a:schemeClr val="tx1"/>
+                </a:solidFill>
+              </a:rPr>
+              <a:t>Monitor Server</a:t>
+            </a:r>
+          </a:p>
+        </p:txBody>
+      </p:sp>
+      <p:sp>
+        <p:nvSpPr>
+          <p:cNvPr id="19" name="TextBox 18"/>
+          <p:cNvSpPr txBox="1"/>
+          <p:nvPr/>
+        </p:nvSpPr>
+        <p:spPr>
+          <a:xfrm>
+            <a:off x="2527300" y="4286955"/>
+            <a:ext cx="1643945" cy="923330"/>
+          </a:xfrm>
+          <a:prstGeom prst="rect">
+            <a:avLst/>
+          </a:prstGeom>
+          <a:noFill/>
+        </p:spPr>
+        <p:txBody>
+          <a:bodyPr wrap="square" rtlCol="0">
+            <a:spAutoFit/>
+          </a:bodyPr>
+          <a:lstStyle/>
+          <a:p>
+            <a:pPr algn="r"/>
+            <a:r>
+              <a:rPr lang="en-US" b="1" dirty="0" smtClean="0"/>
+              <a:t>Existing Internal Subsystems</a:t>
+            </a:r>
+          </a:p>
+        </p:txBody>
+      </p:sp>
+      <p:sp>
+        <p:nvSpPr>
+          <p:cNvPr id="20" name="Rectangle 19"/>
+          <p:cNvSpPr/>
+          <p:nvPr/>
+        </p:nvSpPr>
+        <p:spPr>
+          <a:xfrm>
+            <a:off x="7233353" y="4146785"/>
+            <a:ext cx="973667" cy="1312334"/>
+          </a:xfrm>
+          <a:prstGeom prst="rect">
+            <a:avLst/>
+          </a:prstGeom>
+          <a:solidFill>
+            <a:schemeClr val="bg1">
+              <a:lumMod val="65000"/>
+            </a:schemeClr>
+          </a:solidFill>
+          <a:ln>
+            <a:solidFill>
+              <a:schemeClr val="tx1"/>
+            </a:solidFill>
+          </a:ln>
+        </p:spPr>
+        <p:style>
+          <a:lnRef idx="1">
+            <a:schemeClr val="accent1"/>
+          </a:lnRef>
+          <a:fillRef idx="3">
+            <a:schemeClr val="accent1"/>
+          </a:fillRef>
+          <a:effectRef idx="2">
+            <a:schemeClr val="accent1"/>
+          </a:effectRef>
+          <a:fontRef idx="minor">
+            <a:schemeClr val="lt1"/>
+          </a:fontRef>
+        </p:style>
+        <p:txBody>
+          <a:bodyPr rtlCol="0" anchor="ctr"/>
+          <a:lstStyle/>
+          <a:p>
+            <a:pPr algn="ctr"/>
+            <a:r>
+              <a:rPr lang="en-US" sz="2000" b="1" dirty="0" smtClean="0">
+                <a:solidFill>
+                  <a:schemeClr val="tx1"/>
+                </a:solidFill>
+              </a:rPr>
+              <a:t>Cluster Maps</a:t>
+            </a:r>
+          </a:p>
+        </p:txBody>
+      </p:sp>
+      <p:cxnSp>
+        <p:nvCxnSpPr>
+          <p:cNvPr id="22" name="Curved Connector 21"/>
+          <p:cNvCxnSpPr>
+            <a:stCxn id="9" idx="1"/>
+            <a:endCxn id="20" idx="0"/>
+          </p:cNvCxnSpPr>
+          <p:nvPr/>
+        </p:nvCxnSpPr>
+        <p:spPr>
+          <a:xfrm rot="16200000" flipH="1">
+            <a:off x="7190319" y="3616916"/>
+            <a:ext cx="439087" cy="620650"/>
+          </a:xfrm>
+          <a:prstGeom prst="curvedConnector3">
+            <a:avLst/>
+          </a:prstGeom>
+          <a:ln w="76200" cmpd="sng">
+            <a:solidFill>
+              <a:schemeClr val="tx1"/>
+            </a:solidFill>
+          </a:ln>
+        </p:spPr>
+        <p:style>
+          <a:lnRef idx="2">
+            <a:schemeClr val="accent1"/>
+          </a:lnRef>
+          <a:fillRef idx="0">
+            <a:schemeClr val="accent1"/>
+          </a:fillRef>
+          <a:effectRef idx="1">
+            <a:schemeClr val="accent1"/>
+          </a:effectRef>
+          <a:fontRef idx="minor">
+            <a:schemeClr val="tx1"/>
+          </a:fontRef>
+        </p:style>
+      </p:cxnSp>
+      <p:sp>
+        <p:nvSpPr>
+          <p:cNvPr id="25" name="Rectangle 24"/>
+          <p:cNvSpPr/>
+          <p:nvPr/>
+        </p:nvSpPr>
+        <p:spPr>
+          <a:xfrm>
+            <a:off x="8426686" y="4034834"/>
+            <a:ext cx="2517891" cy="2111023"/>
+          </a:xfrm>
+          <a:prstGeom prst="rect">
+            <a:avLst/>
+          </a:prstGeom>
+          <a:solidFill>
+            <a:schemeClr val="bg2">
+              <a:lumMod val="75000"/>
+            </a:schemeClr>
+          </a:solidFill>
+          <a:ln>
+            <a:solidFill>
+              <a:schemeClr val="tx1"/>
+            </a:solidFill>
+          </a:ln>
+        </p:spPr>
+        <p:style>
+          <a:lnRef idx="1">
+            <a:schemeClr val="accent1"/>
+          </a:lnRef>
+          <a:fillRef idx="3">
+            <a:schemeClr val="accent1"/>
+          </a:fillRef>
+          <a:effectRef idx="2">
+            <a:schemeClr val="accent1"/>
+          </a:effectRef>
+          <a:fontRef idx="minor">
+            <a:schemeClr val="lt1"/>
+          </a:fontRef>
+        </p:style>
+        <p:txBody>
+          <a:bodyPr rtlCol="0" anchor="b"/>
+          <a:lstStyle/>
+          <a:p>
+            <a:pPr algn="ctr"/>
+            <a:r>
+              <a:rPr lang="en-US" sz="2000" b="1" dirty="0" smtClean="0">
+                <a:solidFill>
+                  <a:schemeClr val="tx1"/>
+                </a:solidFill>
+              </a:rPr>
+              <a:t>Metadata Server</a:t>
+            </a:r>
+          </a:p>
+        </p:txBody>
+      </p:sp>
+      <p:sp>
+        <p:nvSpPr>
+          <p:cNvPr id="26" name="Rectangle 25"/>
+          <p:cNvSpPr/>
+          <p:nvPr/>
+        </p:nvSpPr>
+        <p:spPr>
+          <a:xfrm>
+            <a:off x="8503356" y="4139259"/>
+            <a:ext cx="1093207" cy="764822"/>
+          </a:xfrm>
+          <a:prstGeom prst="rect">
+            <a:avLst/>
+          </a:prstGeom>
+          <a:solidFill>
+            <a:schemeClr val="bg1">
+              <a:lumMod val="65000"/>
+            </a:schemeClr>
+          </a:solidFill>
+          <a:ln>
+            <a:solidFill>
+              <a:schemeClr val="tx1"/>
+            </a:solidFill>
+          </a:ln>
+        </p:spPr>
+        <p:style>
+          <a:lnRef idx="1">
+            <a:schemeClr val="accent1"/>
+          </a:lnRef>
+          <a:fillRef idx="3">
+            <a:schemeClr val="accent1"/>
+          </a:fillRef>
+          <a:effectRef idx="2">
+            <a:schemeClr val="accent1"/>
+          </a:effectRef>
+          <a:fontRef idx="minor">
+            <a:schemeClr val="lt1"/>
+          </a:fontRef>
+        </p:style>
+        <p:txBody>
+          <a:bodyPr rtlCol="0" anchor="ctr"/>
+          <a:lstStyle/>
+          <a:p>
+            <a:pPr algn="ctr"/>
+            <a:r>
+              <a:rPr lang="en-US" sz="2000" b="1" dirty="0" err="1" smtClean="0">
+                <a:solidFill>
+                  <a:schemeClr val="tx1"/>
+                </a:solidFill>
+              </a:rPr>
+              <a:t>Inode</a:t>
+            </a:r>
+            <a:r>
+              <a:rPr lang="en-US" sz="2000" b="1" dirty="0" smtClean="0">
+                <a:solidFill>
+                  <a:schemeClr val="tx1"/>
+                </a:solidFill>
+              </a:rPr>
+              <a:t> </a:t>
+            </a:r>
+            <a:r>
+              <a:rPr lang="en-US" sz="2000" b="1" dirty="0" err="1" smtClean="0">
+                <a:solidFill>
+                  <a:schemeClr val="tx1"/>
+                </a:solidFill>
+              </a:rPr>
+              <a:t>Structs</a:t>
+            </a:r>
+            <a:endParaRPr lang="en-US" sz="2000" b="1" dirty="0" smtClean="0">
+              <a:solidFill>
+                <a:schemeClr val="tx1"/>
+              </a:solidFill>
+            </a:endParaRPr>
+          </a:p>
+        </p:txBody>
+      </p:sp>
+      <p:sp>
+        <p:nvSpPr>
+          <p:cNvPr id="27" name="Rectangle 26"/>
+          <p:cNvSpPr/>
+          <p:nvPr/>
+        </p:nvSpPr>
+        <p:spPr>
+          <a:xfrm>
+            <a:off x="9069683" y="4987805"/>
+            <a:ext cx="1301043" cy="772349"/>
+          </a:xfrm>
+          <a:prstGeom prst="rect">
+            <a:avLst/>
+          </a:prstGeom>
+          <a:solidFill>
+            <a:schemeClr val="bg1">
+              <a:lumMod val="65000"/>
+            </a:schemeClr>
+          </a:solidFill>
+          <a:ln>
+            <a:solidFill>
+              <a:schemeClr val="tx1"/>
+            </a:solidFill>
+          </a:ln>
+        </p:spPr>
+        <p:style>
+          <a:lnRef idx="1">
+            <a:schemeClr val="accent1"/>
+          </a:lnRef>
+          <a:fillRef idx="3">
+            <a:schemeClr val="accent1"/>
+          </a:fillRef>
+          <a:effectRef idx="2">
+            <a:schemeClr val="accent1"/>
+          </a:effectRef>
+          <a:fontRef idx="minor">
+            <a:schemeClr val="lt1"/>
+          </a:fontRef>
+        </p:style>
+        <p:txBody>
+          <a:bodyPr rtlCol="0" anchor="ctr"/>
+          <a:lstStyle/>
+          <a:p>
+            <a:pPr algn="ctr"/>
+            <a:r>
+              <a:rPr lang="en-US" sz="2000" b="1" dirty="0" smtClean="0">
+                <a:solidFill>
+                  <a:schemeClr val="tx1"/>
+                </a:solidFill>
+              </a:rPr>
+              <a:t>Metadata Balancer</a:t>
+            </a:r>
+          </a:p>
+        </p:txBody>
+      </p:sp>
+      <p:sp>
+        <p:nvSpPr>
+          <p:cNvPr id="28" name="Rectangle 27"/>
+          <p:cNvSpPr/>
+          <p:nvPr/>
+        </p:nvSpPr>
+        <p:spPr>
+          <a:xfrm>
+            <a:off x="9748894" y="4133615"/>
+            <a:ext cx="1129831" cy="770467"/>
+          </a:xfrm>
+          <a:prstGeom prst="rect">
+            <a:avLst/>
+          </a:prstGeom>
+          <a:solidFill>
+            <a:schemeClr val="bg1">
+              <a:lumMod val="65000"/>
+            </a:schemeClr>
+          </a:solidFill>
+          <a:ln>
+            <a:solidFill>
+              <a:schemeClr val="tx1"/>
+            </a:solidFill>
+          </a:ln>
+        </p:spPr>
+        <p:style>
+          <a:lnRef idx="1">
+            <a:schemeClr val="accent1"/>
+          </a:lnRef>
+          <a:fillRef idx="3">
+            <a:schemeClr val="accent1"/>
+          </a:fillRef>
+          <a:effectRef idx="2">
+            <a:schemeClr val="accent1"/>
+          </a:effectRef>
+          <a:fontRef idx="minor">
+            <a:schemeClr val="lt1"/>
+          </a:fontRef>
+        </p:style>
+        <p:txBody>
+          <a:bodyPr rtlCol="0" anchor="ctr"/>
+          <a:lstStyle/>
+          <a:p>
+            <a:pPr algn="ctr"/>
+            <a:r>
+              <a:rPr lang="en-US" sz="2000" b="1" dirty="0" smtClean="0">
+                <a:solidFill>
+                  <a:schemeClr val="tx1"/>
+                </a:solidFill>
+              </a:rPr>
+              <a:t>RADOS API</a:t>
+            </a:r>
+            <a:endParaRPr lang="en-US" sz="2000" b="1" dirty="0" smtClean="0">
+              <a:solidFill>
+                <a:schemeClr val="tx1"/>
+              </a:solidFill>
+            </a:endParaRPr>
+          </a:p>
+        </p:txBody>
+      </p:sp>
+      <p:sp>
+        <p:nvSpPr>
+          <p:cNvPr id="30" name="Rectangle 29"/>
+          <p:cNvSpPr/>
+          <p:nvPr/>
+        </p:nvSpPr>
+        <p:spPr>
+          <a:xfrm>
+            <a:off x="5648207" y="4044243"/>
+            <a:ext cx="1420518" cy="2111023"/>
+          </a:xfrm>
+          <a:prstGeom prst="rect">
+            <a:avLst/>
+          </a:prstGeom>
+          <a:solidFill>
+            <a:schemeClr val="bg2">
+              <a:lumMod val="75000"/>
+            </a:schemeClr>
+          </a:solidFill>
+          <a:ln>
+            <a:solidFill>
+              <a:schemeClr val="tx1"/>
+            </a:solidFill>
+          </a:ln>
+        </p:spPr>
+        <p:style>
+          <a:lnRef idx="1">
+            <a:schemeClr val="accent1"/>
+          </a:lnRef>
+          <a:fillRef idx="3">
+            <a:schemeClr val="accent1"/>
+          </a:fillRef>
+          <a:effectRef idx="2">
+            <a:schemeClr val="accent1"/>
+          </a:effectRef>
+          <a:fontRef idx="minor">
+            <a:schemeClr val="lt1"/>
+          </a:fontRef>
+        </p:style>
+        <p:txBody>
+          <a:bodyPr rtlCol="0" anchor="b"/>
+          <a:lstStyle/>
+          <a:p>
+            <a:pPr algn="ctr"/>
+            <a:r>
+              <a:rPr lang="en-US" sz="2000" b="1" dirty="0" smtClean="0">
+                <a:solidFill>
+                  <a:schemeClr val="tx1"/>
+                </a:solidFill>
+              </a:rPr>
+              <a:t>Object Server</a:t>
+            </a:r>
+          </a:p>
+        </p:txBody>
+      </p:sp>
+      <p:sp>
+        <p:nvSpPr>
+          <p:cNvPr id="29" name="Rectangle 28"/>
+          <p:cNvSpPr/>
+          <p:nvPr/>
+        </p:nvSpPr>
+        <p:spPr>
+          <a:xfrm>
+            <a:off x="5742281" y="4120444"/>
+            <a:ext cx="1262318" cy="1312334"/>
+          </a:xfrm>
+          <a:prstGeom prst="rect">
+            <a:avLst/>
+          </a:prstGeom>
+          <a:solidFill>
+            <a:schemeClr val="bg1">
+              <a:lumMod val="65000"/>
+            </a:schemeClr>
+          </a:solidFill>
+          <a:ln>
+            <a:solidFill>
+              <a:schemeClr val="tx1"/>
+            </a:solidFill>
+          </a:ln>
+        </p:spPr>
+        <p:style>
+          <a:lnRef idx="1">
+            <a:schemeClr val="accent1"/>
+          </a:lnRef>
+          <a:fillRef idx="3">
+            <a:schemeClr val="accent1"/>
+          </a:fillRef>
+          <a:effectRef idx="2">
+            <a:schemeClr val="accent1"/>
+          </a:effectRef>
+          <a:fontRef idx="minor">
+            <a:schemeClr val="lt1"/>
+          </a:fontRef>
+        </p:style>
+        <p:txBody>
+          <a:bodyPr rtlCol="0" anchor="ctr"/>
+          <a:lstStyle/>
+          <a:p>
+            <a:pPr algn="ctr"/>
+            <a:r>
+              <a:rPr lang="en-US" sz="2000" b="1" dirty="0" smtClean="0">
+                <a:solidFill>
+                  <a:schemeClr val="tx1"/>
+                </a:solidFill>
+              </a:rPr>
+              <a:t>Object </a:t>
+            </a:r>
+            <a:r>
+              <a:rPr lang="en-US" sz="2000" b="1" dirty="0" smtClean="0">
+                <a:solidFill>
+                  <a:schemeClr val="tx1"/>
+                </a:solidFill>
+              </a:rPr>
+              <a:t>Classes</a:t>
+            </a:r>
+          </a:p>
+        </p:txBody>
+      </p:sp>
+      <p:sp>
+        <p:nvSpPr>
+          <p:cNvPr id="37" name="Rectangle 36"/>
+          <p:cNvSpPr/>
+          <p:nvPr/>
+        </p:nvSpPr>
+        <p:spPr>
+          <a:xfrm>
+            <a:off x="4351866" y="4053649"/>
+            <a:ext cx="1241777" cy="2111023"/>
+          </a:xfrm>
+          <a:prstGeom prst="rect">
+            <a:avLst/>
+          </a:prstGeom>
+          <a:solidFill>
+            <a:schemeClr val="bg2">
+              <a:lumMod val="75000"/>
+            </a:schemeClr>
+          </a:solidFill>
+          <a:ln>
+            <a:solidFill>
+              <a:schemeClr val="tx1"/>
+            </a:solidFill>
+          </a:ln>
+        </p:spPr>
+        <p:style>
+          <a:lnRef idx="1">
+            <a:schemeClr val="accent1"/>
+          </a:lnRef>
+          <a:fillRef idx="3">
+            <a:schemeClr val="accent1"/>
+          </a:fillRef>
+          <a:effectRef idx="2">
+            <a:schemeClr val="accent1"/>
+          </a:effectRef>
+          <a:fontRef idx="minor">
+            <a:schemeClr val="lt1"/>
+          </a:fontRef>
+        </p:style>
+        <p:txBody>
+          <a:bodyPr rtlCol="0" anchor="b"/>
+          <a:lstStyle/>
+          <a:p>
+            <a:pPr algn="ctr"/>
+            <a:r>
+              <a:rPr lang="en-US" sz="2000" b="1" dirty="0" smtClean="0">
+                <a:solidFill>
+                  <a:schemeClr val="tx1"/>
+                </a:solidFill>
+              </a:rPr>
+              <a:t>Client</a:t>
+            </a:r>
+          </a:p>
+        </p:txBody>
+      </p:sp>
+      <p:sp>
+        <p:nvSpPr>
+          <p:cNvPr id="38" name="Rectangle 37"/>
+          <p:cNvSpPr/>
+          <p:nvPr/>
+        </p:nvSpPr>
+        <p:spPr>
+          <a:xfrm>
+            <a:off x="4394200" y="4167481"/>
+            <a:ext cx="1155700" cy="1312334"/>
+          </a:xfrm>
+          <a:prstGeom prst="rect">
+            <a:avLst/>
+          </a:prstGeom>
+          <a:solidFill>
+            <a:schemeClr val="bg1">
+              <a:lumMod val="65000"/>
+            </a:schemeClr>
+          </a:solidFill>
+          <a:ln>
+            <a:solidFill>
+              <a:schemeClr val="tx1"/>
+            </a:solidFill>
+          </a:ln>
+        </p:spPr>
+        <p:style>
+          <a:lnRef idx="1">
+            <a:schemeClr val="accent1"/>
+          </a:lnRef>
+          <a:fillRef idx="3">
+            <a:schemeClr val="accent1"/>
+          </a:fillRef>
+          <a:effectRef idx="2">
+            <a:schemeClr val="accent1"/>
+          </a:effectRef>
+          <a:fontRef idx="minor">
+            <a:schemeClr val="lt1"/>
+          </a:fontRef>
+        </p:style>
+        <p:txBody>
+          <a:bodyPr rtlCol="0" anchor="ctr"/>
+          <a:lstStyle/>
+          <a:p>
+            <a:pPr algn="ctr"/>
+            <a:r>
+              <a:rPr lang="en-US" sz="2000" b="1" dirty="0" err="1" smtClean="0">
+                <a:solidFill>
+                  <a:schemeClr val="tx1"/>
+                </a:solidFill>
+              </a:rPr>
+              <a:t>libcephfs</a:t>
+            </a:r>
+            <a:endParaRPr lang="en-US" sz="2000" b="1" dirty="0" smtClean="0">
+              <a:solidFill>
+                <a:schemeClr val="tx1"/>
+              </a:solidFill>
+            </a:endParaRPr>
+          </a:p>
+        </p:txBody>
+      </p:sp>
+      <p:cxnSp>
+        <p:nvCxnSpPr>
+          <p:cNvPr id="41" name="Curved Connector 40"/>
+          <p:cNvCxnSpPr>
+            <a:stCxn id="6" idx="1"/>
+            <a:endCxn id="29" idx="0"/>
+          </p:cNvCxnSpPr>
+          <p:nvPr/>
+        </p:nvCxnSpPr>
+        <p:spPr>
+          <a:xfrm rot="16200000" flipH="1">
+            <a:off x="5992715" y="3739719"/>
+            <a:ext cx="407574" cy="353875"/>
+          </a:xfrm>
+          <a:prstGeom prst="curvedConnector3">
+            <a:avLst>
+              <a:gd name="adj1" fmla="val 50000"/>
+            </a:avLst>
+          </a:prstGeom>
+          <a:ln w="76200" cmpd="sng">
+            <a:solidFill>
+              <a:schemeClr val="tx1"/>
+            </a:solidFill>
+          </a:ln>
+        </p:spPr>
+        <p:style>
+          <a:lnRef idx="2">
+            <a:schemeClr val="accent1"/>
+          </a:lnRef>
+          <a:fillRef idx="0">
+            <a:schemeClr val="accent1"/>
+          </a:fillRef>
+          <a:effectRef idx="1">
+            <a:schemeClr val="accent1"/>
+          </a:effectRef>
+          <a:fontRef idx="minor">
+            <a:schemeClr val="tx1"/>
+          </a:fontRef>
+        </p:style>
+      </p:cxnSp>
+      <p:cxnSp>
+        <p:nvCxnSpPr>
+          <p:cNvPr id="44" name="Curved Connector 43"/>
+          <p:cNvCxnSpPr>
+            <a:stCxn id="4" idx="1"/>
+            <a:endCxn id="38" idx="0"/>
+          </p:cNvCxnSpPr>
+          <p:nvPr/>
+        </p:nvCxnSpPr>
+        <p:spPr>
+          <a:xfrm rot="16200000" flipH="1">
+            <a:off x="4725459" y="3920890"/>
+            <a:ext cx="455082" cy="38099"/>
+          </a:xfrm>
+          <a:prstGeom prst="curvedConnector3">
+            <a:avLst>
+              <a:gd name="adj1" fmla="val 50000"/>
+            </a:avLst>
+          </a:prstGeom>
+          <a:ln w="76200" cmpd="sng">
+            <a:solidFill>
+              <a:schemeClr val="tx1"/>
+            </a:solidFill>
+          </a:ln>
+        </p:spPr>
+        <p:style>
+          <a:lnRef idx="2">
+            <a:schemeClr val="accent1"/>
+          </a:lnRef>
+          <a:fillRef idx="0">
+            <a:schemeClr val="accent1"/>
+          </a:fillRef>
+          <a:effectRef idx="1">
+            <a:schemeClr val="accent1"/>
+          </a:effectRef>
+          <a:fontRef idx="minor">
+            <a:schemeClr val="tx1"/>
+          </a:fontRef>
+        </p:style>
+      </p:cxnSp>
+      <p:cxnSp>
+        <p:nvCxnSpPr>
+          <p:cNvPr id="47" name="Curved Connector 46"/>
+          <p:cNvCxnSpPr>
+            <a:stCxn id="5" idx="1"/>
+            <a:endCxn id="27" idx="0"/>
+          </p:cNvCxnSpPr>
+          <p:nvPr/>
+        </p:nvCxnSpPr>
+        <p:spPr>
+          <a:xfrm rot="16200000" flipH="1">
+            <a:off x="8858017" y="4125617"/>
+            <a:ext cx="1286226" cy="438149"/>
+          </a:xfrm>
+          <a:prstGeom prst="curvedConnector3">
+            <a:avLst>
+              <a:gd name="adj1" fmla="val 50000"/>
+            </a:avLst>
+          </a:prstGeom>
+          <a:ln w="76200" cmpd="sng">
+            <a:solidFill>
+              <a:schemeClr val="tx1"/>
+            </a:solidFill>
+          </a:ln>
+        </p:spPr>
+        <p:style>
+          <a:lnRef idx="2">
+            <a:schemeClr val="accent1"/>
+          </a:lnRef>
+          <a:fillRef idx="0">
+            <a:schemeClr val="accent1"/>
+          </a:fillRef>
+          <a:effectRef idx="1">
+            <a:schemeClr val="accent1"/>
+          </a:effectRef>
+          <a:fontRef idx="minor">
+            <a:schemeClr val="tx1"/>
+          </a:fontRef>
+        </p:style>
+      </p:cxnSp>
+      <p:cxnSp>
+        <p:nvCxnSpPr>
+          <p:cNvPr id="53" name="Curved Connector 52"/>
+          <p:cNvCxnSpPr>
+            <a:stCxn id="8" idx="1"/>
+            <a:endCxn id="26" idx="0"/>
+          </p:cNvCxnSpPr>
+          <p:nvPr/>
+        </p:nvCxnSpPr>
+        <p:spPr>
+          <a:xfrm rot="16200000" flipH="1">
+            <a:off x="8405534" y="3494833"/>
+            <a:ext cx="432036" cy="856815"/>
+          </a:xfrm>
+          <a:prstGeom prst="curvedConnector3">
+            <a:avLst>
+              <a:gd name="adj1" fmla="val 50000"/>
+            </a:avLst>
+          </a:prstGeom>
+          <a:ln w="76200" cmpd="sng">
+            <a:solidFill>
+              <a:schemeClr val="tx1"/>
+            </a:solidFill>
+          </a:ln>
+        </p:spPr>
+        <p:style>
+          <a:lnRef idx="2">
+            <a:schemeClr val="accent1"/>
+          </a:lnRef>
+          <a:fillRef idx="0">
+            <a:schemeClr val="accent1"/>
+          </a:fillRef>
+          <a:effectRef idx="1">
+            <a:schemeClr val="accent1"/>
+          </a:effectRef>
+          <a:fontRef idx="minor">
+            <a:schemeClr val="tx1"/>
+          </a:fontRef>
+        </p:style>
+      </p:cxnSp>
+      <p:cxnSp>
+        <p:nvCxnSpPr>
+          <p:cNvPr id="56" name="Curved Connector 55"/>
+          <p:cNvCxnSpPr>
+            <a:stCxn id="7" idx="1"/>
+            <a:endCxn id="28" idx="0"/>
+          </p:cNvCxnSpPr>
+          <p:nvPr/>
+        </p:nvCxnSpPr>
+        <p:spPr>
+          <a:xfrm rot="5400000">
+            <a:off x="10110847" y="3905016"/>
+            <a:ext cx="431563" cy="25635"/>
+          </a:xfrm>
+          <a:prstGeom prst="curvedConnector3">
+            <a:avLst>
+              <a:gd name="adj1" fmla="val 50000"/>
+            </a:avLst>
+          </a:prstGeom>
+          <a:ln w="76200" cmpd="sng">
+            <a:solidFill>
+              <a:schemeClr val="tx1"/>
+            </a:solidFill>
+          </a:ln>
+        </p:spPr>
+        <p:style>
+          <a:lnRef idx="2">
+            <a:schemeClr val="accent1"/>
+          </a:lnRef>
+          <a:fillRef idx="0">
+            <a:schemeClr val="accent1"/>
+          </a:fillRef>
+          <a:effectRef idx="1">
+            <a:schemeClr val="accent1"/>
+          </a:effectRef>
+          <a:fontRef idx="minor">
+            <a:schemeClr val="tx1"/>
+          </a:fontRef>
+        </p:style>
+      </p:cxnSp>
+      <p:sp>
+        <p:nvSpPr>
+          <p:cNvPr id="42" name="Smiley Face 41"/>
+          <p:cNvSpPr/>
+          <p:nvPr/>
+        </p:nvSpPr>
+        <p:spPr>
+          <a:xfrm>
+            <a:off x="4719320" y="6205220"/>
+            <a:ext cx="447040" cy="447040"/>
+          </a:xfrm>
+          <a:prstGeom prst="smileyFace">
+            <a:avLst/>
+          </a:prstGeom>
+          <a:solidFill>
+            <a:srgbClr val="FFFF00"/>
+          </a:solidFill>
+          <a:ln>
+            <a:solidFill>
+              <a:srgbClr val="000000"/>
+            </a:solidFill>
+          </a:ln>
+        </p:spPr>
+        <p:style>
+          <a:lnRef idx="1">
+            <a:schemeClr val="accent1"/>
+          </a:lnRef>
+          <a:fillRef idx="3">
+            <a:schemeClr val="accent1"/>
+          </a:fillRef>
+          <a:effectRef idx="2">
+            <a:schemeClr val="accent1"/>
+          </a:effectRef>
+          <a:fontRef idx="minor">
+            <a:schemeClr val="lt1"/>
+          </a:fontRef>
+        </p:style>
+        <p:txBody>
+          <a:bodyPr rtlCol="0" anchor="ctr"/>
+          <a:lstStyle/>
+          <a:p>
+            <a:pPr algn="ctr"/>
+            <a:endParaRPr lang="en-US" sz="2400"/>
+          </a:p>
+        </p:txBody>
+      </p:sp>
+      <p:grpSp>
+        <p:nvGrpSpPr>
+          <p:cNvPr id="43" name="Group 42"/>
+          <p:cNvGrpSpPr/>
+          <p:nvPr/>
+        </p:nvGrpSpPr>
+        <p:grpSpPr>
+          <a:xfrm>
+            <a:off x="6118446" y="6217118"/>
+            <a:ext cx="485554" cy="485554"/>
+            <a:chOff x="5437726" y="4672798"/>
+            <a:chExt cx="452260" cy="452260"/>
+          </a:xfrm>
+        </p:grpSpPr>
+        <p:sp>
+          <p:nvSpPr>
+            <p:cNvPr id="45" name="Rounded Rectangle 44"/>
+            <p:cNvSpPr/>
+            <p:nvPr/>
+          </p:nvSpPr>
+          <p:spPr>
+            <a:xfrm>
+              <a:off x="5437726" y="4672798"/>
+              <a:ext cx="452260" cy="452260"/>
+            </a:xfrm>
+            <a:prstGeom prst="roundRect">
+              <a:avLst/>
+            </a:prstGeom>
+            <a:solidFill>
+              <a:srgbClr val="80D2DD"/>
+            </a:solidFill>
+            <a:ln>
+              <a:solidFill>
+                <a:schemeClr val="tx1"/>
+              </a:solidFill>
+            </a:ln>
+          </p:spPr>
+          <p:style>
+            <a:lnRef idx="2">
+              <a:schemeClr val="accent1">
+                <a:shade val="50000"/>
+              </a:schemeClr>
+            </a:lnRef>
+            <a:fillRef idx="1">
+              <a:schemeClr val="accent1"/>
+            </a:fillRef>
+            <a:effectRef idx="0">
+              <a:schemeClr val="accent1"/>
+            </a:effectRef>
+            <a:fontRef idx="minor">
+              <a:schemeClr val="lt1"/>
+            </a:fontRef>
+          </p:style>
+          <p:txBody>
+            <a:bodyPr rtlCol="0" anchor="ctr"/>
+            <a:lstStyle/>
+            <a:p>
+              <a:pPr algn="ctr"/>
+              <a:endParaRPr lang="en-US" sz="1600" dirty="0">
+                <a:latin typeface="Arial" panose="020B0604020202020204" pitchFamily="34" charset="0"/>
+                <a:cs typeface="Arial" panose="020B0604020202020204" pitchFamily="34" charset="0"/>
+              </a:endParaRPr>
+            </a:p>
+          </p:txBody>
+        </p:sp>
+        <p:sp>
+          <p:nvSpPr>
+            <p:cNvPr id="46" name="Rounded Rectangle 45"/>
+            <p:cNvSpPr/>
+            <p:nvPr/>
+          </p:nvSpPr>
+          <p:spPr>
+            <a:xfrm>
+              <a:off x="5457779" y="4965572"/>
+              <a:ext cx="409481" cy="121328"/>
+            </a:xfrm>
+            <a:prstGeom prst="roundRect">
+              <a:avLst>
+                <a:gd name="adj" fmla="val 35977"/>
+              </a:avLst>
+            </a:prstGeom>
+            <a:solidFill>
+              <a:srgbClr val="F05D55"/>
+            </a:solidFill>
+            <a:ln>
+              <a:solidFill>
+                <a:schemeClr val="tx1"/>
+              </a:solidFill>
+            </a:ln>
+          </p:spPr>
+          <p:style>
+            <a:lnRef idx="2">
+              <a:schemeClr val="accent1">
+                <a:shade val="50000"/>
+              </a:schemeClr>
+            </a:lnRef>
+            <a:fillRef idx="1">
+              <a:schemeClr val="accent1"/>
+            </a:fillRef>
+            <a:effectRef idx="0">
+              <a:schemeClr val="accent1"/>
+            </a:effectRef>
+            <a:fontRef idx="minor">
+              <a:schemeClr val="lt1"/>
+            </a:fontRef>
+          </p:style>
+          <p:txBody>
+            <a:bodyPr rtlCol="0" anchor="ctr"/>
+            <a:lstStyle/>
+            <a:p>
+              <a:pPr algn="ctr"/>
+              <a:endParaRPr lang="en-US" sz="1200" b="1" dirty="0">
+                <a:latin typeface="Arial" panose="020B0604020202020204" pitchFamily="34" charset="0"/>
+                <a:cs typeface="Arial" panose="020B0604020202020204" pitchFamily="34" charset="0"/>
+              </a:endParaRPr>
+            </a:p>
+          </p:txBody>
+        </p:sp>
+      </p:grpSp>
+      <p:grpSp>
+        <p:nvGrpSpPr>
+          <p:cNvPr id="48" name="Group 47"/>
+          <p:cNvGrpSpPr/>
+          <p:nvPr/>
+        </p:nvGrpSpPr>
+        <p:grpSpPr>
+          <a:xfrm>
+            <a:off x="9347200" y="6204489"/>
+            <a:ext cx="511271" cy="511271"/>
+            <a:chOff x="4243616" y="5502638"/>
+            <a:chExt cx="417576" cy="417576"/>
+          </a:xfrm>
+        </p:grpSpPr>
+        <p:sp>
+          <p:nvSpPr>
+            <p:cNvPr id="49" name="Rounded Rectangle 48"/>
+            <p:cNvSpPr/>
+            <p:nvPr/>
+          </p:nvSpPr>
+          <p:spPr>
+            <a:xfrm>
+              <a:off x="4243616" y="5502638"/>
+              <a:ext cx="417576" cy="417576"/>
+            </a:xfrm>
+            <a:prstGeom prst="roundRect">
+              <a:avLst/>
+            </a:prstGeom>
+            <a:solidFill>
+              <a:srgbClr val="D0CECE"/>
+            </a:solidFill>
+            <a:ln>
+              <a:solidFill>
+                <a:schemeClr val="tx1"/>
+              </a:solidFill>
+            </a:ln>
+          </p:spPr>
+          <p:style>
+            <a:lnRef idx="2">
+              <a:schemeClr val="accent1">
+                <a:shade val="50000"/>
+              </a:schemeClr>
+            </a:lnRef>
+            <a:fillRef idx="1">
+              <a:schemeClr val="accent1"/>
+            </a:fillRef>
+            <a:effectRef idx="0">
+              <a:schemeClr val="accent1"/>
+            </a:effectRef>
+            <a:fontRef idx="minor">
+              <a:schemeClr val="lt1"/>
+            </a:fontRef>
+          </p:style>
+          <p:txBody>
+            <a:bodyPr rtlCol="0" anchor="ctr"/>
+            <a:lstStyle/>
+            <a:p>
+              <a:pPr algn="ctr"/>
+              <a:endParaRPr lang="en-US" sz="1600" dirty="0">
+                <a:solidFill>
+                  <a:schemeClr val="bg1"/>
+                </a:solidFill>
+                <a:latin typeface="Arial" panose="020B0604020202020204" pitchFamily="34" charset="0"/>
+                <a:cs typeface="Arial" panose="020B0604020202020204" pitchFamily="34" charset="0"/>
+              </a:endParaRPr>
+            </a:p>
+          </p:txBody>
+        </p:sp>
+        <p:sp>
+          <p:nvSpPr>
+            <p:cNvPr id="50" name="Rounded Rectangle 49"/>
+            <p:cNvSpPr/>
+            <p:nvPr/>
+          </p:nvSpPr>
+          <p:spPr>
+            <a:xfrm>
+              <a:off x="4264024" y="5530850"/>
+              <a:ext cx="371767" cy="363964"/>
+            </a:xfrm>
+            <a:prstGeom prst="roundRect">
+              <a:avLst/>
+            </a:prstGeom>
+            <a:solidFill>
+              <a:srgbClr val="38424C"/>
+            </a:solidFill>
+            <a:ln>
+              <a:solidFill>
+                <a:schemeClr val="tx1"/>
+              </a:solidFill>
+            </a:ln>
+          </p:spPr>
+          <p:style>
+            <a:lnRef idx="2">
+              <a:schemeClr val="accent1">
+                <a:shade val="50000"/>
+              </a:schemeClr>
+            </a:lnRef>
+            <a:fillRef idx="1">
+              <a:schemeClr val="accent1"/>
+            </a:fillRef>
+            <a:effectRef idx="0">
+              <a:schemeClr val="accent1"/>
+            </a:effectRef>
+            <a:fontRef idx="minor">
+              <a:schemeClr val="lt1"/>
+            </a:fontRef>
+          </p:style>
+          <p:txBody>
+            <a:bodyPr rtlCol="0" anchor="ctr"/>
+            <a:lstStyle/>
+            <a:p>
+              <a:pPr algn="ctr"/>
+              <a:endParaRPr lang="en-US" sz="1600" dirty="0">
+                <a:solidFill>
+                  <a:schemeClr val="bg1"/>
+                </a:solidFill>
+                <a:latin typeface="Arial" panose="020B0604020202020204" pitchFamily="34" charset="0"/>
+                <a:cs typeface="Arial" panose="020B0604020202020204" pitchFamily="34" charset="0"/>
+              </a:endParaRPr>
+            </a:p>
+          </p:txBody>
+        </p:sp>
+        <p:cxnSp>
+          <p:nvCxnSpPr>
+            <p:cNvPr id="51" name="Straight Connector 50"/>
+            <p:cNvCxnSpPr/>
+            <p:nvPr/>
+          </p:nvCxnSpPr>
+          <p:spPr>
+            <a:xfrm flipH="1">
+              <a:off x="4332589" y="5598091"/>
+              <a:ext cx="74924" cy="115359"/>
+            </a:xfrm>
+            <a:prstGeom prst="line">
+              <a:avLst/>
+            </a:prstGeom>
+            <a:ln w="19050" cmpd="sng">
+              <a:solidFill>
+                <a:schemeClr val="bg1"/>
+              </a:solidFill>
+              <a:headEnd type="oval" w="sm" len="sm"/>
+              <a:tailEnd type="oval" w="sm" len="sm"/>
+            </a:ln>
+          </p:spPr>
+          <p:style>
+            <a:lnRef idx="1">
+              <a:schemeClr val="accent1"/>
+            </a:lnRef>
+            <a:fillRef idx="0">
+              <a:schemeClr val="accent1"/>
+            </a:fillRef>
+            <a:effectRef idx="0">
+              <a:schemeClr val="accent1"/>
+            </a:effectRef>
+            <a:fontRef idx="minor">
+              <a:schemeClr val="tx1"/>
+            </a:fontRef>
+          </p:style>
+        </p:cxnSp>
+        <p:cxnSp>
+          <p:nvCxnSpPr>
+            <p:cNvPr id="52" name="Straight Connector 51"/>
+            <p:cNvCxnSpPr/>
+            <p:nvPr/>
+          </p:nvCxnSpPr>
+          <p:spPr>
+            <a:xfrm flipH="1">
+              <a:off x="4426306" y="5718605"/>
+              <a:ext cx="74924" cy="115359"/>
+            </a:xfrm>
+            <a:prstGeom prst="line">
+              <a:avLst/>
+            </a:prstGeom>
+            <a:ln w="19050" cmpd="sng">
+              <a:solidFill>
+                <a:schemeClr val="bg1"/>
+              </a:solidFill>
+              <a:headEnd type="oval" w="sm" len="sm"/>
+              <a:tailEnd type="oval" w="sm" len="sm"/>
+            </a:ln>
+          </p:spPr>
+          <p:style>
+            <a:lnRef idx="1">
+              <a:schemeClr val="accent1"/>
+            </a:lnRef>
+            <a:fillRef idx="0">
+              <a:schemeClr val="accent1"/>
+            </a:fillRef>
+            <a:effectRef idx="0">
+              <a:schemeClr val="accent1"/>
+            </a:effectRef>
+            <a:fontRef idx="minor">
+              <a:schemeClr val="tx1"/>
+            </a:fontRef>
+          </p:style>
+        </p:cxnSp>
+        <p:cxnSp>
+          <p:nvCxnSpPr>
+            <p:cNvPr id="54" name="Straight Connector 53"/>
+            <p:cNvCxnSpPr/>
+            <p:nvPr/>
+          </p:nvCxnSpPr>
+          <p:spPr>
+            <a:xfrm>
+              <a:off x="4408718" y="5596067"/>
+              <a:ext cx="176345" cy="237897"/>
+            </a:xfrm>
+            <a:prstGeom prst="line">
+              <a:avLst/>
+            </a:prstGeom>
+            <a:ln w="19050" cmpd="sng">
+              <a:solidFill>
+                <a:schemeClr val="bg1"/>
+              </a:solidFill>
+              <a:headEnd type="oval" w="sm" len="sm"/>
+              <a:tailEnd type="oval" w="sm" len="sm"/>
+            </a:ln>
+          </p:spPr>
+          <p:style>
+            <a:lnRef idx="1">
+              <a:schemeClr val="accent1"/>
+            </a:lnRef>
+            <a:fillRef idx="0">
+              <a:schemeClr val="accent1"/>
+            </a:fillRef>
+            <a:effectRef idx="0">
+              <a:schemeClr val="accent1"/>
+            </a:effectRef>
+            <a:fontRef idx="minor">
+              <a:schemeClr val="tx1"/>
+            </a:fontRef>
+          </p:style>
+        </p:cxnSp>
+      </p:grpSp>
+      <p:sp>
+        <p:nvSpPr>
+          <p:cNvPr id="55" name="Rounded Rectangle 54"/>
+          <p:cNvSpPr/>
+          <p:nvPr/>
+        </p:nvSpPr>
+        <p:spPr>
+          <a:xfrm>
+            <a:off x="7460518" y="6193507"/>
+            <a:ext cx="494762" cy="494762"/>
+          </a:xfrm>
+          <a:prstGeom prst="roundRect">
+            <a:avLst/>
+          </a:prstGeom>
+          <a:solidFill>
+            <a:srgbClr val="38424C"/>
+          </a:solidFill>
+          <a:ln>
+            <a:solidFill>
+              <a:schemeClr val="tx1"/>
+            </a:solidFill>
+          </a:ln>
+        </p:spPr>
+        <p:style>
+          <a:lnRef idx="2">
+            <a:schemeClr val="accent1">
+              <a:shade val="50000"/>
+            </a:schemeClr>
+          </a:lnRef>
+          <a:fillRef idx="1">
+            <a:schemeClr val="accent1"/>
+          </a:fillRef>
+          <a:effectRef idx="0">
+            <a:schemeClr val="accent1"/>
+          </a:effectRef>
+          <a:fontRef idx="minor">
+            <a:schemeClr val="lt1"/>
+          </a:fontRef>
+        </p:style>
+        <p:txBody>
+          <a:bodyPr rtlCol="0" anchor="ctr"/>
+          <a:lstStyle/>
+          <a:p>
+            <a:r>
+              <a:rPr lang="en-US" sz="2800" dirty="0" smtClean="0">
+                <a:solidFill>
+                  <a:schemeClr val="bg1"/>
+                </a:solidFill>
+                <a:latin typeface="Arial" panose="020B0604020202020204" pitchFamily="34" charset="0"/>
+                <a:cs typeface="Arial" panose="020B0604020202020204" pitchFamily="34" charset="0"/>
+              </a:rPr>
+              <a:t>M</a:t>
+            </a:r>
+            <a:endParaRPr lang="en-US" sz="3600" dirty="0">
+              <a:solidFill>
+                <a:schemeClr val="bg1"/>
+              </a:solidFill>
+              <a:latin typeface="Arial" panose="020B0604020202020204" pitchFamily="34" charset="0"/>
+              <a:cs typeface="Arial" panose="020B0604020202020204" pitchFamily="34" charset="0"/>
+            </a:endParaRPr>
+          </a:p>
+        </p:txBody>
+      </p:sp>
+    </p:spTree>
+    <p:extLst>
+      <p:ext uri="{BB962C8B-B14F-4D97-AF65-F5344CB8AC3E}">
+        <p14:creationId xmlns:p14="http://schemas.microsoft.com/office/powerpoint/2010/main" val="1446299560"/>
+      </p:ext>
+    </p:extLst>
+  </p:cSld>
+  <p:clrMapOvr>
+    <a:masterClrMapping/>
+  </p:clrMapOvr>
+  <p:timing>
+    <p:tnLst>
+      <p:par>
+        <p:cTn xmlns:p14="http://schemas.microsoft.com/office/powerpoint/2010/main" id="1" dur="indefinite" restart="never" nodeType="tmRoot"/>
+      </p:par>
+    </p:tnLst>
+  </p:timing>
+</p:sld>
+</file>
+
+<file path=ppt/slides/slide7.xml><?xml version="1.0" encoding="utf-8"?>
 <p:sld xmlns:a="http://schemas.openxmlformats.org/drawingml/2006/main" xmlns:r="http://schemas.openxmlformats.org/officeDocument/2006/relationships" xmlns:p="http://schemas.openxmlformats.org/presentationml/2006/main">
   <p:cSld>
     <p:spTree>
@@ -37138,7 +39882,7 @@
 </p:sld>
 </file>
 
-<file path=ppt/slides/slide7.xml><?xml version="1.0" encoding="utf-8"?>
+<file path=ppt/slides/slide8.xml><?xml version="1.0" encoding="utf-8"?>
 <p:sld xmlns:a="http://schemas.openxmlformats.org/drawingml/2006/main" xmlns:r="http://schemas.openxmlformats.org/officeDocument/2006/relationships" xmlns:p="http://schemas.openxmlformats.org/presentationml/2006/main">
   <p:cSld>
     <p:spTree>
@@ -41915,7 +44659,7 @@
 </p:sld>
 </file>
 
-<file path=ppt/slides/slide8.xml><?xml version="1.0" encoding="utf-8"?>
+<file path=ppt/slides/slide9.xml><?xml version="1.0" encoding="utf-8"?>
 <p:sld xmlns:a="http://schemas.openxmlformats.org/drawingml/2006/main" xmlns:r="http://schemas.openxmlformats.org/officeDocument/2006/relationships" xmlns:p="http://schemas.openxmlformats.org/presentationml/2006/main">
   <p:cSld>
     <p:spTree>
@@ -45613,634 +48357,6 @@
 </p:sld>
 </file>
 
-<file path=ppt/slides/slide9.xml><?xml version="1.0" encoding="utf-8"?>
-<p:sld xmlns:a="http://schemas.openxmlformats.org/drawingml/2006/main" xmlns:r="http://schemas.openxmlformats.org/officeDocument/2006/relationships" xmlns:p="http://schemas.openxmlformats.org/presentationml/2006/main">
-  <p:cSld>
-    <p:spTree>
-      <p:nvGrpSpPr>
-        <p:cNvPr id="1" name=""/>
-        <p:cNvGrpSpPr/>
-        <p:nvPr/>
-      </p:nvGrpSpPr>
-      <p:grpSpPr>
-        <a:xfrm>
-          <a:off x="0" y="0"/>
-          <a:ext cx="0" cy="0"/>
-          <a:chOff x="0" y="0"/>
-          <a:chExt cx="0" cy="0"/>
-        </a:xfrm>
-      </p:grpSpPr>
-      <p:sp>
-        <p:nvSpPr>
-          <p:cNvPr id="2" name="Title 1"/>
-          <p:cNvSpPr>
-            <a:spLocks noGrp="1"/>
-          </p:cNvSpPr>
-          <p:nvPr>
-            <p:ph type="title"/>
-          </p:nvPr>
-        </p:nvSpPr>
-        <p:spPr/>
-        <p:txBody>
-          <a:bodyPr/>
-          <a:lstStyle/>
-          <a:p>
-            <a:r>
-              <a:rPr lang="en-US" dirty="0" smtClean="0"/>
-              <a:t>A Quick Story…</a:t>
-            </a:r>
-            <a:endParaRPr lang="en-US" dirty="0"/>
-          </a:p>
-        </p:txBody>
-      </p:sp>
-      <p:sp>
-        <p:nvSpPr>
-          <p:cNvPr id="3" name="Content Placeholder 2"/>
-          <p:cNvSpPr>
-            <a:spLocks noGrp="1"/>
-          </p:cNvSpPr>
-          <p:nvPr>
-            <p:ph idx="1"/>
-          </p:nvPr>
-        </p:nvSpPr>
-        <p:spPr/>
-        <p:txBody>
-          <a:bodyPr>
-            <a:normAutofit/>
-          </a:bodyPr>
-          <a:lstStyle/>
-          <a:p>
-            <a:pPr marL="0" indent="0">
-              <a:buNone/>
-            </a:pPr>
-            <a:r>
-              <a:rPr lang="en-US" dirty="0" smtClean="0"/>
-              <a:t>Research Code </a:t>
-            </a:r>
-            <a:r>
-              <a:rPr lang="en-US" dirty="0"/>
-              <a:t>≠ Production </a:t>
-            </a:r>
-            <a:r>
-              <a:rPr lang="en-US" dirty="0" smtClean="0"/>
-              <a:t>quality</a:t>
-            </a:r>
-          </a:p>
-          <a:p>
-            <a:pPr marL="514350" indent="-514350">
-              <a:buAutoNum type="arabicPeriod"/>
-            </a:pPr>
-            <a:r>
-              <a:rPr lang="en-US" sz="2800" b="1" dirty="0" smtClean="0">
-                <a:solidFill>
-                  <a:srgbClr val="FF0000"/>
-                </a:solidFill>
-              </a:rPr>
-              <a:t>Distributing work</a:t>
-            </a:r>
-          </a:p>
-          <a:p>
-            <a:pPr lvl="1"/>
-            <a:r>
-              <a:rPr lang="en-US" dirty="0" smtClean="0"/>
-              <a:t>Dynamically </a:t>
-            </a:r>
-            <a:r>
-              <a:rPr lang="en-US" dirty="0"/>
-              <a:t>load </a:t>
-            </a:r>
-            <a:r>
-              <a:rPr lang="en-US" dirty="0" smtClean="0"/>
-              <a:t>balancers?</a:t>
-            </a:r>
-          </a:p>
-          <a:p>
-            <a:pPr lvl="1"/>
-            <a:r>
-              <a:rPr lang="en-US" sz="2400" dirty="0" smtClean="0"/>
-              <a:t>Safety </a:t>
-            </a:r>
-            <a:r>
-              <a:rPr lang="en-US" sz="2400" dirty="0"/>
-              <a:t>and security</a:t>
-            </a:r>
-            <a:r>
-              <a:rPr lang="en-US" sz="2400" dirty="0" smtClean="0"/>
-              <a:t>?</a:t>
-            </a:r>
-          </a:p>
-          <a:p>
-            <a:pPr marL="514350" indent="-514350">
-              <a:buAutoNum type="arabicPeriod"/>
-            </a:pPr>
-            <a:r>
-              <a:rPr lang="en-US" b="1" dirty="0" smtClean="0">
-                <a:solidFill>
-                  <a:srgbClr val="FF0000"/>
-                </a:solidFill>
-              </a:rPr>
-              <a:t>Durability</a:t>
-            </a:r>
-          </a:p>
-          <a:p>
-            <a:pPr lvl="1"/>
-            <a:r>
-              <a:rPr lang="en-US" dirty="0" smtClean="0"/>
-              <a:t>Store balancers?</a:t>
-            </a:r>
-          </a:p>
-          <a:p>
-            <a:pPr marL="514350" indent="-514350">
-              <a:buAutoNum type="arabicPeriod"/>
-            </a:pPr>
-            <a:r>
-              <a:rPr lang="en-US" sz="2800" b="1" dirty="0" smtClean="0">
-                <a:solidFill>
-                  <a:srgbClr val="FF0000"/>
-                </a:solidFill>
-              </a:rPr>
-              <a:t>Versioning</a:t>
-            </a:r>
-          </a:p>
-          <a:p>
-            <a:pPr lvl="1"/>
-            <a:r>
-              <a:rPr lang="en-US" sz="2400" dirty="0" smtClean="0"/>
-              <a:t>Current balancer?</a:t>
-            </a:r>
-          </a:p>
-        </p:txBody>
-      </p:sp>
-      <p:pic>
-        <p:nvPicPr>
-          <p:cNvPr id="9" name="Picture 8"/>
-          <p:cNvPicPr>
-            <a:picLocks noChangeAspect="1"/>
-          </p:cNvPicPr>
-          <p:nvPr/>
-        </p:nvPicPr>
-        <p:blipFill rotWithShape="1">
-          <a:blip r:embed="rId2"/>
-          <a:srcRect l="14492" t="12753" r="33898"/>
-          <a:stretch/>
-        </p:blipFill>
-        <p:spPr>
-          <a:xfrm>
-            <a:off x="8466749" y="651184"/>
-            <a:ext cx="3465914" cy="4504194"/>
-          </a:xfrm>
-          <a:prstGeom prst="rect">
-            <a:avLst/>
-          </a:prstGeom>
-          <a:ln>
-            <a:solidFill>
-              <a:schemeClr val="tx1"/>
-            </a:solidFill>
-          </a:ln>
-        </p:spPr>
-      </p:pic>
-      <p:pic>
-        <p:nvPicPr>
-          <p:cNvPr id="4" name="Picture 3" descr="Screen Shot 2016-01-14 at 9.55.13 AM.png"/>
-          <p:cNvPicPr>
-            <a:picLocks noChangeAspect="1"/>
-          </p:cNvPicPr>
-          <p:nvPr/>
-        </p:nvPicPr>
-        <p:blipFill rotWithShape="1">
-          <a:blip r:embed="rId3" cstate="print">
-            <a:extLst>
-              <a:ext uri="{28A0092B-C50C-407E-A947-70E740481C1C}">
-                <a14:useLocalDpi xmlns:a14="http://schemas.microsoft.com/office/drawing/2010/main" val="0"/>
-              </a:ext>
-            </a:extLst>
-          </a:blip>
-          <a:srcRect r="26247"/>
-          <a:stretch/>
-        </p:blipFill>
-        <p:spPr>
-          <a:xfrm>
-            <a:off x="6067837" y="3091903"/>
-            <a:ext cx="3133486" cy="2349534"/>
-          </a:xfrm>
-          <a:prstGeom prst="rect">
-            <a:avLst/>
-          </a:prstGeom>
-          <a:ln>
-            <a:solidFill>
-              <a:srgbClr val="0D0D0D"/>
-            </a:solidFill>
-          </a:ln>
-        </p:spPr>
-      </p:pic>
-    </p:spTree>
-    <p:extLst>
-      <p:ext uri="{BB962C8B-B14F-4D97-AF65-F5344CB8AC3E}">
-        <p14:creationId xmlns:p14="http://schemas.microsoft.com/office/powerpoint/2010/main" val="3991331871"/>
-      </p:ext>
-    </p:extLst>
-  </p:cSld>
-  <p:clrMapOvr>
-    <a:masterClrMapping/>
-  </p:clrMapOvr>
-  <p:timing>
-    <p:tnLst>
-      <p:par>
-        <p:cTn xmlns:p14="http://schemas.microsoft.com/office/powerpoint/2010/main" id="1" dur="indefinite" restart="never" nodeType="tmRoot">
-          <p:childTnLst>
-            <p:seq concurrent="1" nextAc="seek">
-              <p:cTn id="2" dur="indefinite" nodeType="mainSeq">
-                <p:childTnLst>
-                  <p:par>
-                    <p:cTn id="3" fill="hold">
-                      <p:stCondLst>
-                        <p:cond delay="indefinite"/>
-                      </p:stCondLst>
-                      <p:childTnLst>
-                        <p:par>
-                          <p:cTn id="4" fill="hold">
-                            <p:stCondLst>
-                              <p:cond delay="0"/>
-                            </p:stCondLst>
-                            <p:childTnLst>
-                              <p:par>
-                                <p:cTn id="5" presetID="1" presetClass="entr" presetSubtype="0" fill="hold" nodeType="clickEffect">
-                                  <p:stCondLst>
-                                    <p:cond delay="0"/>
-                                  </p:stCondLst>
-                                  <p:childTnLst>
-                                    <p:set>
-                                      <p:cBhvr>
-                                        <p:cTn id="6" dur="1" fill="hold">
-                                          <p:stCondLst>
-                                            <p:cond delay="0"/>
-                                          </p:stCondLst>
-                                        </p:cTn>
-                                        <p:tgtEl>
-                                          <p:spTgt spid="4"/>
-                                        </p:tgtEl>
-                                        <p:attrNameLst>
-                                          <p:attrName>style.visibility</p:attrName>
-                                        </p:attrNameLst>
-                                      </p:cBhvr>
-                                      <p:to>
-                                        <p:strVal val="visible"/>
-                                      </p:to>
-                                    </p:set>
-                                  </p:childTnLst>
-                                </p:cTn>
-                              </p:par>
-                            </p:childTnLst>
-                          </p:cTn>
-                        </p:par>
-                      </p:childTnLst>
-                    </p:cTn>
-                  </p:par>
-                  <p:par>
-                    <p:cTn id="7" fill="hold">
-                      <p:stCondLst>
-                        <p:cond delay="indefinite"/>
-                      </p:stCondLst>
-                      <p:childTnLst>
-                        <p:par>
-                          <p:cTn id="8" fill="hold">
-                            <p:stCondLst>
-                              <p:cond delay="0"/>
-                            </p:stCondLst>
-                            <p:childTnLst>
-                              <p:par>
-                                <p:cTn id="9" presetID="1" presetClass="entr" presetSubtype="0" fill="hold" nodeType="clickEffect">
-                                  <p:stCondLst>
-                                    <p:cond delay="0"/>
-                                  </p:stCondLst>
-                                  <p:childTnLst>
-                                    <p:set>
-                                      <p:cBhvr>
-                                        <p:cTn id="10" dur="1" fill="hold">
-                                          <p:stCondLst>
-                                            <p:cond delay="0"/>
-                                          </p:stCondLst>
-                                        </p:cTn>
-                                        <p:tgtEl>
-                                          <p:spTgt spid="3">
-                                            <p:txEl>
-                                              <p:pRg st="0" end="0"/>
-                                            </p:txEl>
-                                          </p:spTgt>
-                                        </p:tgtEl>
-                                        <p:attrNameLst>
-                                          <p:attrName>style.visibility</p:attrName>
-                                        </p:attrNameLst>
-                                      </p:cBhvr>
-                                      <p:to>
-                                        <p:strVal val="visible"/>
-                                      </p:to>
-                                    </p:set>
-                                  </p:childTnLst>
-                                </p:cTn>
-                              </p:par>
-                            </p:childTnLst>
-                          </p:cTn>
-                        </p:par>
-                      </p:childTnLst>
-                    </p:cTn>
-                  </p:par>
-                  <p:par>
-                    <p:cTn id="11" fill="hold">
-                      <p:stCondLst>
-                        <p:cond delay="indefinite"/>
-                      </p:stCondLst>
-                      <p:childTnLst>
-                        <p:par>
-                          <p:cTn id="12" fill="hold">
-                            <p:stCondLst>
-                              <p:cond delay="0"/>
-                            </p:stCondLst>
-                            <p:childTnLst>
-                              <p:par>
-                                <p:cTn id="13" presetID="1" presetClass="entr" presetSubtype="0" fill="hold" nodeType="clickEffect">
-                                  <p:stCondLst>
-                                    <p:cond delay="0"/>
-                                  </p:stCondLst>
-                                  <p:childTnLst>
-                                    <p:set>
-                                      <p:cBhvr>
-                                        <p:cTn id="14" dur="1" fill="hold">
-                                          <p:stCondLst>
-                                            <p:cond delay="0"/>
-                                          </p:stCondLst>
-                                        </p:cTn>
-                                        <p:tgtEl>
-                                          <p:spTgt spid="3">
-                                            <p:txEl>
-                                              <p:pRg st="1" end="1"/>
-                                            </p:txEl>
-                                          </p:spTgt>
-                                        </p:tgtEl>
-                                        <p:attrNameLst>
-                                          <p:attrName>style.visibility</p:attrName>
-                                        </p:attrNameLst>
-                                      </p:cBhvr>
-                                      <p:to>
-                                        <p:strVal val="visible"/>
-                                      </p:to>
-                                    </p:set>
-                                  </p:childTnLst>
-                                </p:cTn>
-                              </p:par>
-                              <p:par>
-                                <p:cTn id="15" presetID="1" presetClass="entr" presetSubtype="0" fill="hold" nodeType="withEffect">
-                                  <p:stCondLst>
-                                    <p:cond delay="0"/>
-                                  </p:stCondLst>
-                                  <p:childTnLst>
-                                    <p:set>
-                                      <p:cBhvr>
-                                        <p:cTn id="16" dur="1" fill="hold">
-                                          <p:stCondLst>
-                                            <p:cond delay="0"/>
-                                          </p:stCondLst>
-                                        </p:cTn>
-                                        <p:tgtEl>
-                                          <p:spTgt spid="3">
-                                            <p:txEl>
-                                              <p:pRg st="2" end="2"/>
-                                            </p:txEl>
-                                          </p:spTgt>
-                                        </p:tgtEl>
-                                        <p:attrNameLst>
-                                          <p:attrName>style.visibility</p:attrName>
-                                        </p:attrNameLst>
-                                      </p:cBhvr>
-                                      <p:to>
-                                        <p:strVal val="visible"/>
-                                      </p:to>
-                                    </p:set>
-                                  </p:childTnLst>
-                                </p:cTn>
-                              </p:par>
-                              <p:par>
-                                <p:cTn id="17" presetID="1" presetClass="entr" presetSubtype="0" fill="hold" nodeType="withEffect">
-                                  <p:stCondLst>
-                                    <p:cond delay="0"/>
-                                  </p:stCondLst>
-                                  <p:childTnLst>
-                                    <p:set>
-                                      <p:cBhvr>
-                                        <p:cTn id="18" dur="1" fill="hold">
-                                          <p:stCondLst>
-                                            <p:cond delay="0"/>
-                                          </p:stCondLst>
-                                        </p:cTn>
-                                        <p:tgtEl>
-                                          <p:spTgt spid="3">
-                                            <p:txEl>
-                                              <p:pRg st="3" end="3"/>
-                                            </p:txEl>
-                                          </p:spTgt>
-                                        </p:tgtEl>
-                                        <p:attrNameLst>
-                                          <p:attrName>style.visibility</p:attrName>
-                                        </p:attrNameLst>
-                                      </p:cBhvr>
-                                      <p:to>
-                                        <p:strVal val="visible"/>
-                                      </p:to>
-                                    </p:set>
-                                  </p:childTnLst>
-                                </p:cTn>
-                              </p:par>
-                            </p:childTnLst>
-                          </p:cTn>
-                        </p:par>
-                      </p:childTnLst>
-                    </p:cTn>
-                  </p:par>
-                  <p:par>
-                    <p:cTn id="19" fill="hold">
-                      <p:stCondLst>
-                        <p:cond delay="indefinite"/>
-                      </p:stCondLst>
-                      <p:childTnLst>
-                        <p:par>
-                          <p:cTn id="20" fill="hold">
-                            <p:stCondLst>
-                              <p:cond delay="0"/>
-                            </p:stCondLst>
-                            <p:childTnLst>
-                              <p:par>
-                                <p:cTn id="21" presetID="1" presetClass="entr" presetSubtype="0" fill="hold" nodeType="clickEffect">
-                                  <p:stCondLst>
-                                    <p:cond delay="0"/>
-                                  </p:stCondLst>
-                                  <p:childTnLst>
-                                    <p:set>
-                                      <p:cBhvr>
-                                        <p:cTn id="22" dur="1" fill="hold">
-                                          <p:stCondLst>
-                                            <p:cond delay="0"/>
-                                          </p:stCondLst>
-                                        </p:cTn>
-                                        <p:tgtEl>
-                                          <p:spTgt spid="3">
-                                            <p:txEl>
-                                              <p:pRg st="4" end="4"/>
-                                            </p:txEl>
-                                          </p:spTgt>
-                                        </p:tgtEl>
-                                        <p:attrNameLst>
-                                          <p:attrName>style.visibility</p:attrName>
-                                        </p:attrNameLst>
-                                      </p:cBhvr>
-                                      <p:to>
-                                        <p:strVal val="visible"/>
-                                      </p:to>
-                                    </p:set>
-                                  </p:childTnLst>
-                                </p:cTn>
-                              </p:par>
-                              <p:par>
-                                <p:cTn id="23" presetID="1" presetClass="entr" presetSubtype="0" fill="hold" nodeType="withEffect">
-                                  <p:stCondLst>
-                                    <p:cond delay="0"/>
-                                  </p:stCondLst>
-                                  <p:childTnLst>
-                                    <p:set>
-                                      <p:cBhvr>
-                                        <p:cTn id="24" dur="1" fill="hold">
-                                          <p:stCondLst>
-                                            <p:cond delay="0"/>
-                                          </p:stCondLst>
-                                        </p:cTn>
-                                        <p:tgtEl>
-                                          <p:spTgt spid="3">
-                                            <p:txEl>
-                                              <p:pRg st="5" end="5"/>
-                                            </p:txEl>
-                                          </p:spTgt>
-                                        </p:tgtEl>
-                                        <p:attrNameLst>
-                                          <p:attrName>style.visibility</p:attrName>
-                                        </p:attrNameLst>
-                                      </p:cBhvr>
-                                      <p:to>
-                                        <p:strVal val="visible"/>
-                                      </p:to>
-                                    </p:set>
-                                  </p:childTnLst>
-                                </p:cTn>
-                              </p:par>
-                            </p:childTnLst>
-                          </p:cTn>
-                        </p:par>
-                      </p:childTnLst>
-                    </p:cTn>
-                  </p:par>
-                  <p:par>
-                    <p:cTn id="25" fill="hold">
-                      <p:stCondLst>
-                        <p:cond delay="indefinite"/>
-                      </p:stCondLst>
-                      <p:childTnLst>
-                        <p:par>
-                          <p:cTn id="26" fill="hold">
-                            <p:stCondLst>
-                              <p:cond delay="0"/>
-                            </p:stCondLst>
-                            <p:childTnLst>
-                              <p:par>
-                                <p:cTn id="27" presetID="1" presetClass="entr" presetSubtype="0" fill="hold" nodeType="clickEffect">
-                                  <p:stCondLst>
-                                    <p:cond delay="0"/>
-                                  </p:stCondLst>
-                                  <p:childTnLst>
-                                    <p:set>
-                                      <p:cBhvr>
-                                        <p:cTn id="28" dur="1" fill="hold">
-                                          <p:stCondLst>
-                                            <p:cond delay="0"/>
-                                          </p:stCondLst>
-                                        </p:cTn>
-                                        <p:tgtEl>
-                                          <p:spTgt spid="3">
-                                            <p:txEl>
-                                              <p:pRg st="6" end="6"/>
-                                            </p:txEl>
-                                          </p:spTgt>
-                                        </p:tgtEl>
-                                        <p:attrNameLst>
-                                          <p:attrName>style.visibility</p:attrName>
-                                        </p:attrNameLst>
-                                      </p:cBhvr>
-                                      <p:to>
-                                        <p:strVal val="visible"/>
-                                      </p:to>
-                                    </p:set>
-                                  </p:childTnLst>
-                                </p:cTn>
-                              </p:par>
-                              <p:par>
-                                <p:cTn id="29" presetID="1" presetClass="entr" presetSubtype="0" fill="hold" nodeType="withEffect">
-                                  <p:stCondLst>
-                                    <p:cond delay="0"/>
-                                  </p:stCondLst>
-                                  <p:childTnLst>
-                                    <p:set>
-                                      <p:cBhvr>
-                                        <p:cTn id="30" dur="1" fill="hold">
-                                          <p:stCondLst>
-                                            <p:cond delay="0"/>
-                                          </p:stCondLst>
-                                        </p:cTn>
-                                        <p:tgtEl>
-                                          <p:spTgt spid="3">
-                                            <p:txEl>
-                                              <p:pRg st="7" end="7"/>
-                                            </p:txEl>
-                                          </p:spTgt>
-                                        </p:tgtEl>
-                                        <p:attrNameLst>
-                                          <p:attrName>style.visibility</p:attrName>
-                                        </p:attrNameLst>
-                                      </p:cBhvr>
-                                      <p:to>
-                                        <p:strVal val="visible"/>
-                                      </p:to>
-                                    </p:set>
-                                  </p:childTnLst>
-                                </p:cTn>
-                              </p:par>
-                            </p:childTnLst>
-                          </p:cTn>
-                        </p:par>
-                      </p:childTnLst>
-                    </p:cTn>
-                  </p:par>
-                </p:childTnLst>
-              </p:cTn>
-              <p:prevCondLst>
-                <p:cond evt="onPrev" delay="0">
-                  <p:tgtEl>
-                    <p:sldTgt/>
-                  </p:tgtEl>
-                </p:cond>
-              </p:prevCondLst>
-              <p:nextCondLst>
-                <p:cond evt="onNext" delay="0">
-                  <p:tgtEl>
-                    <p:sldTgt/>
-                  </p:tgtEl>
-                </p:cond>
-              </p:nextCondLst>
-            </p:seq>
-          </p:childTnLst>
-        </p:cTn>
-      </p:par>
-    </p:tnLst>
-  </p:timing>
-</p:sld>
-</file>
-
 <file path=ppt/theme/theme1.xml><?xml version="1.0" encoding="utf-8"?>
 <a:theme xmlns:a="http://schemas.openxmlformats.org/drawingml/2006/main" name="Office Theme">
   <a:themeElements>
@@ -46496,7 +48612,7 @@
   <a:extraClrSchemeLst/>
   <a:extLst>
     <a:ext uri="{05A4C25C-085E-4340-85A3-A5531E510DB2}">
-      <thm15:themeFamily xmlns="" xmlns:thm15="http://schemas.microsoft.com/office/thememl/2012/main" name="Office Theme" id="{62F939B6-93AF-4DB8-9C6B-D6C7DFDC589F}" vid="{4A3C46E8-61CC-4603-A589-7422A47A8E4A}"/>
+      <thm15:themeFamily xmlns:thm15="http://schemas.microsoft.com/office/thememl/2012/main" xmlns="" name="Office Theme" id="{62F939B6-93AF-4DB8-9C6B-D6C7DFDC589F}" vid="{4A3C46E8-61CC-4603-A589-7422A47A8E4A}"/>
     </a:ext>
   </a:extLst>
 </a:theme>
@@ -46757,7 +48873,7 @@
   <a:extraClrSchemeLst/>
   <a:extLst>
     <a:ext uri="{05A4C25C-085E-4340-85A3-A5531E510DB2}">
-      <thm15:themeFamily xmlns="" xmlns:thm15="http://schemas.microsoft.com/office/thememl/2012/main" name="Office Theme" id="{62F939B6-93AF-4DB8-9C6B-D6C7DFDC589F}" vid="{4A3C46E8-61CC-4603-A589-7422A47A8E4A}"/>
+      <thm15:themeFamily xmlns:thm15="http://schemas.microsoft.com/office/thememl/2012/main" xmlns="" name="Office Theme" id="{62F939B6-93AF-4DB8-9C6B-D6C7DFDC589F}" vid="{4A3C46E8-61CC-4603-A589-7422A47A8E4A}"/>
     </a:ext>
   </a:extLst>
 </a:theme>
@@ -47018,7 +49134,7 @@
   <a:extraClrSchemeLst/>
   <a:extLst>
     <a:ext uri="{05A4C25C-085E-4340-85A3-A5531E510DB2}">
-      <thm15:themeFamily xmlns="" xmlns:thm15="http://schemas.microsoft.com/office/thememl/2012/main" name="Office Theme" id="{62F939B6-93AF-4DB8-9C6B-D6C7DFDC589F}" vid="{4A3C46E8-61CC-4603-A589-7422A47A8E4A}"/>
+      <thm15:themeFamily xmlns:thm15="http://schemas.microsoft.com/office/thememl/2012/main" xmlns="" name="Office Theme" id="{62F939B6-93AF-4DB8-9C6B-D6C7DFDC589F}" vid="{4A3C46E8-61CC-4603-A589-7422A47A8E4A}"/>
     </a:ext>
   </a:extLst>
 </a:theme>
@@ -47279,7 +49395,7 @@
   <a:extraClrSchemeLst/>
   <a:extLst>
     <a:ext uri="{05A4C25C-085E-4340-85A3-A5531E510DB2}">
-      <thm15:themeFamily xmlns="" xmlns:thm15="http://schemas.microsoft.com/office/thememl/2012/main" name="Office Theme" id="{62F939B6-93AF-4DB8-9C6B-D6C7DFDC589F}" vid="{4A3C46E8-61CC-4603-A589-7422A47A8E4A}"/>
+      <thm15:themeFamily xmlns:thm15="http://schemas.microsoft.com/office/thememl/2012/main" xmlns="" name="Office Theme" id="{62F939B6-93AF-4DB8-9C6B-D6C7DFDC589F}" vid="{4A3C46E8-61CC-4603-A589-7422A47A8E4A}"/>
     </a:ext>
   </a:extLst>
 </a:theme>
@@ -47540,7 +49656,7 @@
   <a:extraClrSchemeLst/>
   <a:extLst>
     <a:ext uri="{05A4C25C-085E-4340-85A3-A5531E510DB2}">
-      <thm15:themeFamily xmlns="" xmlns:thm15="http://schemas.microsoft.com/office/thememl/2012/main" name="Office Theme" id="{62F939B6-93AF-4DB8-9C6B-D6C7DFDC589F}" vid="{4A3C46E8-61CC-4603-A589-7422A47A8E4A}"/>
+      <thm15:themeFamily xmlns:thm15="http://schemas.microsoft.com/office/thememl/2012/main" xmlns="" name="Office Theme" id="{62F939B6-93AF-4DB8-9C6B-D6C7DFDC589F}" vid="{4A3C46E8-61CC-4603-A589-7422A47A8E4A}"/>
     </a:ext>
   </a:extLst>
 </a:theme>

--- a/paper/figures/figures.pptx
+++ b/paper/figures/figures.pptx
@@ -125,7 +125,7 @@
   </p:defaultTextStyle>
   <p:extLst>
     <p:ext uri="{EFAFB233-063F-42B5-8137-9DF3F51BA10A}">
-      <p15:sldGuideLst xmlns:p15="http://schemas.microsoft.com/office/powerpoint/2012/main" xmlns=""/>
+      <p15:sldGuideLst xmlns="" xmlns:p15="http://schemas.microsoft.com/office/powerpoint/2012/main"/>
     </p:ext>
   </p:extLst>
 </p:presentation>
@@ -213,7 +213,7 @@
           <a:p>
             <a:fld id="{8B6AC9F1-AAD0-495C-933B-F901D4FCD036}" type="datetimeFigureOut">
               <a:rPr lang="en-US" smtClean="0"/>
-              <a:t>2/8/17</a:t>
+              <a:t>2/23/17</a:t>
             </a:fld>
             <a:endParaRPr lang="en-US"/>
           </a:p>
@@ -1049,7 +1049,7 @@
           <a:p>
             <a:fld id="{7ACA203A-1341-45AE-8AE5-9E342A2C38C9}" type="datetimeFigureOut">
               <a:rPr lang="en-US" smtClean="0"/>
-              <a:t>2/8/17</a:t>
+              <a:t>2/23/17</a:t>
             </a:fld>
             <a:endParaRPr lang="en-US"/>
           </a:p>
@@ -1226,7 +1226,7 @@
           <a:p>
             <a:fld id="{7ACA203A-1341-45AE-8AE5-9E342A2C38C9}" type="datetimeFigureOut">
               <a:rPr lang="en-US" smtClean="0"/>
-              <a:t>2/8/17</a:t>
+              <a:t>2/23/17</a:t>
             </a:fld>
             <a:endParaRPr lang="en-US"/>
           </a:p>
@@ -1413,7 +1413,7 @@
           <a:p>
             <a:fld id="{7ACA203A-1341-45AE-8AE5-9E342A2C38C9}" type="datetimeFigureOut">
               <a:rPr lang="en-US" smtClean="0"/>
-              <a:t>2/8/17</a:t>
+              <a:t>2/23/17</a:t>
             </a:fld>
             <a:endParaRPr lang="en-US"/>
           </a:p>
@@ -2221,7 +2221,7 @@
           <a:p>
             <a:fld id="{BA5C85E4-B586-4D50-9BA0-0F3A58A49C8B}" type="datetimeFigureOut">
               <a:rPr lang="en-US" smtClean="0"/>
-              <a:t>2/8/17</a:t>
+              <a:t>2/23/17</a:t>
             </a:fld>
             <a:endParaRPr lang="en-US"/>
           </a:p>
@@ -2527,7 +2527,7 @@
           <a:p>
             <a:fld id="{BA5C85E4-B586-4D50-9BA0-0F3A58A49C8B}" type="datetimeFigureOut">
               <a:rPr lang="en-US" smtClean="0"/>
-              <a:t>2/8/17</a:t>
+              <a:t>2/23/17</a:t>
             </a:fld>
             <a:endParaRPr lang="en-US"/>
           </a:p>
@@ -2780,7 +2780,7 @@
           <a:p>
             <a:fld id="{BA5C85E4-B586-4D50-9BA0-0F3A58A49C8B}" type="datetimeFigureOut">
               <a:rPr lang="en-US" smtClean="0"/>
-              <a:t>2/8/17</a:t>
+              <a:t>2/23/17</a:t>
             </a:fld>
             <a:endParaRPr lang="en-US"/>
           </a:p>
@@ -3019,7 +3019,7 @@
           <a:p>
             <a:fld id="{BA5C85E4-B586-4D50-9BA0-0F3A58A49C8B}" type="datetimeFigureOut">
               <a:rPr lang="en-US" smtClean="0"/>
-              <a:t>2/8/17</a:t>
+              <a:t>2/23/17</a:t>
             </a:fld>
             <a:endParaRPr lang="en-US"/>
           </a:p>
@@ -3393,7 +3393,7 @@
           <a:p>
             <a:fld id="{BA5C85E4-B586-4D50-9BA0-0F3A58A49C8B}" type="datetimeFigureOut">
               <a:rPr lang="en-US" smtClean="0"/>
-              <a:t>2/8/17</a:t>
+              <a:t>2/23/17</a:t>
             </a:fld>
             <a:endParaRPr lang="en-US"/>
           </a:p>
@@ -3518,7 +3518,7 @@
           <a:p>
             <a:fld id="{BA5C85E4-B586-4D50-9BA0-0F3A58A49C8B}" type="datetimeFigureOut">
               <a:rPr lang="en-US" smtClean="0"/>
-              <a:t>2/8/17</a:t>
+              <a:t>2/23/17</a:t>
             </a:fld>
             <a:endParaRPr lang="en-US"/>
           </a:p>
@@ -3620,7 +3620,7 @@
           <a:p>
             <a:fld id="{BA5C85E4-B586-4D50-9BA0-0F3A58A49C8B}" type="datetimeFigureOut">
               <a:rPr lang="en-US" smtClean="0"/>
-              <a:t>2/8/17</a:t>
+              <a:t>2/23/17</a:t>
             </a:fld>
             <a:endParaRPr lang="en-US"/>
           </a:p>
@@ -3904,7 +3904,7 @@
           <a:p>
             <a:fld id="{BA5C85E4-B586-4D50-9BA0-0F3A58A49C8B}" type="datetimeFigureOut">
               <a:rPr lang="en-US" smtClean="0"/>
-              <a:t>2/8/17</a:t>
+              <a:t>2/23/17</a:t>
             </a:fld>
             <a:endParaRPr lang="en-US"/>
           </a:p>
@@ -4081,7 +4081,7 @@
           <a:p>
             <a:fld id="{7ACA203A-1341-45AE-8AE5-9E342A2C38C9}" type="datetimeFigureOut">
               <a:rPr lang="en-US" smtClean="0"/>
-              <a:t>2/8/17</a:t>
+              <a:t>2/23/17</a:t>
             </a:fld>
             <a:endParaRPr lang="en-US"/>
           </a:p>
@@ -4341,7 +4341,7 @@
           <a:p>
             <a:fld id="{BA5C85E4-B586-4D50-9BA0-0F3A58A49C8B}" type="datetimeFigureOut">
               <a:rPr lang="en-US" smtClean="0"/>
-              <a:t>2/8/17</a:t>
+              <a:t>2/23/17</a:t>
             </a:fld>
             <a:endParaRPr lang="en-US"/>
           </a:p>
@@ -4511,7 +4511,7 @@
           <a:p>
             <a:fld id="{BA5C85E4-B586-4D50-9BA0-0F3A58A49C8B}" type="datetimeFigureOut">
               <a:rPr lang="en-US" smtClean="0"/>
-              <a:t>2/8/17</a:t>
+              <a:t>2/23/17</a:t>
             </a:fld>
             <a:endParaRPr lang="en-US"/>
           </a:p>
@@ -4691,7 +4691,7 @@
           <a:p>
             <a:fld id="{BA5C85E4-B586-4D50-9BA0-0F3A58A49C8B}" type="datetimeFigureOut">
               <a:rPr lang="en-US" smtClean="0"/>
-              <a:t>2/8/17</a:t>
+              <a:t>2/23/17</a:t>
             </a:fld>
             <a:endParaRPr lang="en-US"/>
           </a:p>
@@ -4890,7 +4890,7 @@
           <a:p>
             <a:fld id="{027A1B2E-1286-4A75-915E-AE937742E7F1}" type="datetimeFigureOut">
               <a:rPr lang="en-US" smtClean="0"/>
-              <a:t>2/8/17</a:t>
+              <a:t>2/23/17</a:t>
             </a:fld>
             <a:endParaRPr lang="en-US"/>
           </a:p>
@@ -5375,7 +5375,7 @@
           <a:p>
             <a:fld id="{027A1B2E-1286-4A75-915E-AE937742E7F1}" type="datetimeFigureOut">
               <a:rPr lang="en-US" smtClean="0"/>
-              <a:t>2/8/17</a:t>
+              <a:t>2/23/17</a:t>
             </a:fld>
             <a:endParaRPr lang="en-US"/>
           </a:p>
@@ -5628,7 +5628,7 @@
           <a:p>
             <a:fld id="{027A1B2E-1286-4A75-915E-AE937742E7F1}" type="datetimeFigureOut">
               <a:rPr lang="en-US" smtClean="0"/>
-              <a:t>2/8/17</a:t>
+              <a:t>2/23/17</a:t>
             </a:fld>
             <a:endParaRPr lang="en-US"/>
           </a:p>
@@ -5860,7 +5860,7 @@
           <a:p>
             <a:fld id="{027A1B2E-1286-4A75-915E-AE937742E7F1}" type="datetimeFigureOut">
               <a:rPr lang="en-US" smtClean="0"/>
-              <a:t>2/8/17</a:t>
+              <a:t>2/23/17</a:t>
             </a:fld>
             <a:endParaRPr lang="en-US"/>
           </a:p>
@@ -6227,7 +6227,7 @@
           <a:p>
             <a:fld id="{027A1B2E-1286-4A75-915E-AE937742E7F1}" type="datetimeFigureOut">
               <a:rPr lang="en-US" smtClean="0"/>
-              <a:t>2/8/17</a:t>
+              <a:t>2/23/17</a:t>
             </a:fld>
             <a:endParaRPr lang="en-US"/>
           </a:p>
@@ -6345,7 +6345,7 @@
           <a:p>
             <a:fld id="{027A1B2E-1286-4A75-915E-AE937742E7F1}" type="datetimeFigureOut">
               <a:rPr lang="en-US" smtClean="0"/>
-              <a:t>2/8/17</a:t>
+              <a:t>2/23/17</a:t>
             </a:fld>
             <a:endParaRPr lang="en-US"/>
           </a:p>
@@ -6440,7 +6440,7 @@
           <a:p>
             <a:fld id="{027A1B2E-1286-4A75-915E-AE937742E7F1}" type="datetimeFigureOut">
               <a:rPr lang="en-US" smtClean="0"/>
-              <a:t>2/8/17</a:t>
+              <a:t>2/23/17</a:t>
             </a:fld>
             <a:endParaRPr lang="en-US"/>
           </a:p>
@@ -6686,7 +6686,7 @@
           <a:p>
             <a:fld id="{7ACA203A-1341-45AE-8AE5-9E342A2C38C9}" type="datetimeFigureOut">
               <a:rPr lang="en-US" smtClean="0"/>
-              <a:t>2/8/17</a:t>
+              <a:t>2/23/17</a:t>
             </a:fld>
             <a:endParaRPr lang="en-US"/>
           </a:p>
@@ -6970,7 +6970,7 @@
           <a:p>
             <a:fld id="{027A1B2E-1286-4A75-915E-AE937742E7F1}" type="datetimeFigureOut">
               <a:rPr lang="en-US" smtClean="0"/>
-              <a:t>2/8/17</a:t>
+              <a:t>2/23/17</a:t>
             </a:fld>
             <a:endParaRPr lang="en-US"/>
           </a:p>
@@ -7223,7 +7223,7 @@
           <a:p>
             <a:fld id="{027A1B2E-1286-4A75-915E-AE937742E7F1}" type="datetimeFigureOut">
               <a:rPr lang="en-US" smtClean="0"/>
-              <a:t>2/8/17</a:t>
+              <a:t>2/23/17</a:t>
             </a:fld>
             <a:endParaRPr lang="en-US"/>
           </a:p>
@@ -7400,7 +7400,7 @@
           <a:p>
             <a:fld id="{027A1B2E-1286-4A75-915E-AE937742E7F1}" type="datetimeFigureOut">
               <a:rPr lang="en-US" smtClean="0"/>
-              <a:t>2/8/17</a:t>
+              <a:t>2/23/17</a:t>
             </a:fld>
             <a:endParaRPr lang="en-US"/>
           </a:p>
@@ -7580,7 +7580,7 @@
           <a:p>
             <a:fld id="{027A1B2E-1286-4A75-915E-AE937742E7F1}" type="datetimeFigureOut">
               <a:rPr lang="en-US" smtClean="0"/>
-              <a:t>2/8/17</a:t>
+              <a:t>2/23/17</a:t>
             </a:fld>
             <a:endParaRPr lang="en-US"/>
           </a:p>
@@ -7772,7 +7772,7 @@
           <a:p>
             <a:fld id="{9C0D432E-3E9D-4011-B87F-F9F35BE171A9}" type="datetimeFigureOut">
               <a:rPr lang="en-US" smtClean="0"/>
-              <a:t>2/8/17</a:t>
+              <a:t>2/23/17</a:t>
             </a:fld>
             <a:endParaRPr lang="en-US"/>
           </a:p>
@@ -8319,7 +8319,7 @@
           <a:p>
             <a:fld id="{9C0D432E-3E9D-4011-B87F-F9F35BE171A9}" type="datetimeFigureOut">
               <a:rPr lang="en-US" smtClean="0"/>
-              <a:t>2/8/17</a:t>
+              <a:t>2/23/17</a:t>
             </a:fld>
             <a:endParaRPr lang="en-US"/>
           </a:p>
@@ -8572,7 +8572,7 @@
           <a:p>
             <a:fld id="{9C0D432E-3E9D-4011-B87F-F9F35BE171A9}" type="datetimeFigureOut">
               <a:rPr lang="en-US" smtClean="0"/>
-              <a:t>2/8/17</a:t>
+              <a:t>2/23/17</a:t>
             </a:fld>
             <a:endParaRPr lang="en-US"/>
           </a:p>
@@ -8804,7 +8804,7 @@
           <a:p>
             <a:fld id="{9C0D432E-3E9D-4011-B87F-F9F35BE171A9}" type="datetimeFigureOut">
               <a:rPr lang="en-US" smtClean="0"/>
-              <a:t>2/8/17</a:t>
+              <a:t>2/23/17</a:t>
             </a:fld>
             <a:endParaRPr lang="en-US"/>
           </a:p>
@@ -9171,7 +9171,7 @@
           <a:p>
             <a:fld id="{9C0D432E-3E9D-4011-B87F-F9F35BE171A9}" type="datetimeFigureOut">
               <a:rPr lang="en-US" smtClean="0"/>
-              <a:t>2/8/17</a:t>
+              <a:t>2/23/17</a:t>
             </a:fld>
             <a:endParaRPr lang="en-US"/>
           </a:p>
@@ -9289,7 +9289,7 @@
           <a:p>
             <a:fld id="{9C0D432E-3E9D-4011-B87F-F9F35BE171A9}" type="datetimeFigureOut">
               <a:rPr lang="en-US" smtClean="0"/>
-              <a:t>2/8/17</a:t>
+              <a:t>2/23/17</a:t>
             </a:fld>
             <a:endParaRPr lang="en-US"/>
           </a:p>
@@ -9521,7 +9521,7 @@
           <a:p>
             <a:fld id="{7ACA203A-1341-45AE-8AE5-9E342A2C38C9}" type="datetimeFigureOut">
               <a:rPr lang="en-US" smtClean="0"/>
-              <a:t>2/8/17</a:t>
+              <a:t>2/23/17</a:t>
             </a:fld>
             <a:endParaRPr lang="en-US"/>
           </a:p>
@@ -9628,7 +9628,7 @@
           <a:p>
             <a:fld id="{9C0D432E-3E9D-4011-B87F-F9F35BE171A9}" type="datetimeFigureOut">
               <a:rPr lang="en-US" smtClean="0"/>
-              <a:t>2/8/17</a:t>
+              <a:t>2/23/17</a:t>
             </a:fld>
             <a:endParaRPr lang="en-US"/>
           </a:p>
@@ -9905,7 +9905,7 @@
           <a:p>
             <a:fld id="{9C0D432E-3E9D-4011-B87F-F9F35BE171A9}" type="datetimeFigureOut">
               <a:rPr lang="en-US" smtClean="0"/>
-              <a:t>2/8/17</a:t>
+              <a:t>2/23/17</a:t>
             </a:fld>
             <a:endParaRPr lang="en-US"/>
           </a:p>
@@ -10158,7 +10158,7 @@
           <a:p>
             <a:fld id="{9C0D432E-3E9D-4011-B87F-F9F35BE171A9}" type="datetimeFigureOut">
               <a:rPr lang="en-US" smtClean="0"/>
-              <a:t>2/8/17</a:t>
+              <a:t>2/23/17</a:t>
             </a:fld>
             <a:endParaRPr lang="en-US"/>
           </a:p>
@@ -10328,7 +10328,7 @@
           <a:p>
             <a:fld id="{9C0D432E-3E9D-4011-B87F-F9F35BE171A9}" type="datetimeFigureOut">
               <a:rPr lang="en-US" smtClean="0"/>
-              <a:t>2/8/17</a:t>
+              <a:t>2/23/17</a:t>
             </a:fld>
             <a:endParaRPr lang="en-US"/>
           </a:p>
@@ -10508,7 +10508,7 @@
           <a:p>
             <a:fld id="{9C0D432E-3E9D-4011-B87F-F9F35BE171A9}" type="datetimeFigureOut">
               <a:rPr lang="en-US" smtClean="0"/>
-              <a:t>2/8/17</a:t>
+              <a:t>2/23/17</a:t>
             </a:fld>
             <a:endParaRPr lang="en-US"/>
           </a:p>
@@ -10875,7 +10875,7 @@
           <a:p>
             <a:fld id="{7ACA203A-1341-45AE-8AE5-9E342A2C38C9}" type="datetimeFigureOut">
               <a:rPr lang="en-US" smtClean="0"/>
-              <a:t>2/8/17</a:t>
+              <a:t>2/23/17</a:t>
             </a:fld>
             <a:endParaRPr lang="en-US"/>
           </a:p>
@@ -11000,7 +11000,7 @@
           <a:p>
             <a:fld id="{7ACA203A-1341-45AE-8AE5-9E342A2C38C9}" type="datetimeFigureOut">
               <a:rPr lang="en-US" smtClean="0"/>
-              <a:t>2/8/17</a:t>
+              <a:t>2/23/17</a:t>
             </a:fld>
             <a:endParaRPr lang="en-US"/>
           </a:p>
@@ -11102,7 +11102,7 @@
           <a:p>
             <a:fld id="{7ACA203A-1341-45AE-8AE5-9E342A2C38C9}" type="datetimeFigureOut">
               <a:rPr lang="en-US" smtClean="0"/>
-              <a:t>2/8/17</a:t>
+              <a:t>2/23/17</a:t>
             </a:fld>
             <a:endParaRPr lang="en-US"/>
           </a:p>
@@ -11386,7 +11386,7 @@
           <a:p>
             <a:fld id="{7ACA203A-1341-45AE-8AE5-9E342A2C38C9}" type="datetimeFigureOut">
               <a:rPr lang="en-US" smtClean="0"/>
-              <a:t>2/8/17</a:t>
+              <a:t>2/23/17</a:t>
             </a:fld>
             <a:endParaRPr lang="en-US"/>
           </a:p>
@@ -11646,7 +11646,7 @@
           <a:p>
             <a:fld id="{7ACA203A-1341-45AE-8AE5-9E342A2C38C9}" type="datetimeFigureOut">
               <a:rPr lang="en-US" smtClean="0"/>
-              <a:t>2/8/17</a:t>
+              <a:t>2/23/17</a:t>
             </a:fld>
             <a:endParaRPr lang="en-US"/>
           </a:p>
@@ -11859,7 +11859,7 @@
           <a:p>
             <a:fld id="{7ACA203A-1341-45AE-8AE5-9E342A2C38C9}" type="datetimeFigureOut">
               <a:rPr lang="en-US" smtClean="0"/>
-              <a:t>2/8/17</a:t>
+              <a:t>2/23/17</a:t>
             </a:fld>
             <a:endParaRPr lang="en-US"/>
           </a:p>
@@ -12406,7 +12406,7 @@
           <a:p>
             <a:fld id="{BA5C85E4-B586-4D50-9BA0-0F3A58A49C8B}" type="datetimeFigureOut">
               <a:rPr lang="en-US" smtClean="0"/>
-              <a:t>2/8/17</a:t>
+              <a:t>2/23/17</a:t>
             </a:fld>
             <a:endParaRPr lang="en-US"/>
           </a:p>
@@ -13036,7 +13036,7 @@
           <a:p>
             <a:fld id="{027A1B2E-1286-4A75-915E-AE937742E7F1}" type="datetimeFigureOut">
               <a:rPr lang="en-US" smtClean="0"/>
-              <a:t>2/8/17</a:t>
+              <a:t>2/23/17</a:t>
             </a:fld>
             <a:endParaRPr lang="en-US"/>
           </a:p>
@@ -13719,7 +13719,7 @@
           <a:p>
             <a:fld id="{9C0D432E-3E9D-4011-B87F-F9F35BE171A9}" type="datetimeFigureOut">
               <a:rPr lang="en-US" smtClean="0"/>
-              <a:t>2/8/17</a:t>
+              <a:t>2/23/17</a:t>
             </a:fld>
             <a:endParaRPr lang="en-US"/>
           </a:p>
@@ -33062,11 +33062,6 @@
               </a:rPr>
               <a:t>Mantle</a:t>
             </a:r>
-            <a:endParaRPr lang="en-US" sz="2000" dirty="0" smtClean="0">
-              <a:solidFill>
-                <a:schemeClr val="tx1"/>
-              </a:solidFill>
-            </a:endParaRPr>
           </a:p>
         </p:txBody>
       </p:sp>
@@ -33152,11 +33147,7 @@
             <a:pPr algn="r"/>
             <a:r>
               <a:rPr lang="en-US" b="1" dirty="0" smtClean="0"/>
-              <a:t>Malacology </a:t>
-            </a:r>
-            <a:r>
-              <a:rPr lang="en-US" b="1" dirty="0" smtClean="0"/>
-              <a:t>Interfaces</a:t>
+              <a:t>Malacology Interfaces</a:t>
             </a:r>
           </a:p>
           <a:p>
@@ -33201,11 +33192,7 @@
             <a:pPr algn="r"/>
             <a:r>
               <a:rPr lang="en-US" b="1" dirty="0" smtClean="0"/>
-              <a:t>Existing </a:t>
-            </a:r>
-            <a:r>
-              <a:rPr lang="en-US" b="1" dirty="0" smtClean="0"/>
-              <a:t>Daemons</a:t>
+              <a:t>Existing Daemons</a:t>
             </a:r>
           </a:p>
           <a:p>
@@ -33239,11 +33226,7 @@
             <a:pPr algn="r"/>
             <a:r>
               <a:rPr lang="en-US" b="1" dirty="0" smtClean="0"/>
-              <a:t>Higher-Level</a:t>
-            </a:r>
-            <a:r>
-              <a:rPr lang="en-US" b="1" dirty="0" smtClean="0"/>
-              <a:t> </a:t>
+              <a:t>Higher-Level </a:t>
             </a:r>
           </a:p>
           <a:p>
@@ -33686,11 +33669,6 @@
               </a:rPr>
               <a:t>RADOS API</a:t>
             </a:r>
-            <a:endParaRPr lang="en-US" sz="2000" b="1" dirty="0" smtClean="0">
-              <a:solidFill>
-                <a:schemeClr val="tx1"/>
-              </a:solidFill>
-            </a:endParaRPr>
           </a:p>
         </p:txBody>
       </p:sp>
@@ -33799,15 +33777,7 @@
                   <a:schemeClr val="tx1"/>
                 </a:solidFill>
               </a:rPr>
-              <a:t>Object </a:t>
-            </a:r>
-            <a:r>
-              <a:rPr lang="en-US" sz="2000" b="1" dirty="0" smtClean="0">
-                <a:solidFill>
-                  <a:schemeClr val="tx1"/>
-                </a:solidFill>
-              </a:rPr>
-              <a:t>Classes</a:t>
+              <a:t>Object Classes</a:t>
             </a:r>
           </a:p>
         </p:txBody>
@@ -34127,468 +34097,6 @@
           </a:fontRef>
         </p:style>
       </p:cxnSp>
-      <p:sp>
-        <p:nvSpPr>
-          <p:cNvPr id="42" name="Smiley Face 41"/>
-          <p:cNvSpPr/>
-          <p:nvPr/>
-        </p:nvSpPr>
-        <p:spPr>
-          <a:xfrm>
-            <a:off x="4719320" y="6205220"/>
-            <a:ext cx="447040" cy="447040"/>
-          </a:xfrm>
-          <a:prstGeom prst="smileyFace">
-            <a:avLst/>
-          </a:prstGeom>
-          <a:solidFill>
-            <a:srgbClr val="FFFF00"/>
-          </a:solidFill>
-          <a:ln>
-            <a:solidFill>
-              <a:srgbClr val="000000"/>
-            </a:solidFill>
-          </a:ln>
-        </p:spPr>
-        <p:style>
-          <a:lnRef idx="1">
-            <a:schemeClr val="accent1"/>
-          </a:lnRef>
-          <a:fillRef idx="3">
-            <a:schemeClr val="accent1"/>
-          </a:fillRef>
-          <a:effectRef idx="2">
-            <a:schemeClr val="accent1"/>
-          </a:effectRef>
-          <a:fontRef idx="minor">
-            <a:schemeClr val="lt1"/>
-          </a:fontRef>
-        </p:style>
-        <p:txBody>
-          <a:bodyPr rtlCol="0" anchor="ctr"/>
-          <a:lstStyle/>
-          <a:p>
-            <a:pPr algn="ctr"/>
-            <a:endParaRPr lang="en-US" sz="2400"/>
-          </a:p>
-        </p:txBody>
-      </p:sp>
-      <p:grpSp>
-        <p:nvGrpSpPr>
-          <p:cNvPr id="43" name="Group 42"/>
-          <p:cNvGrpSpPr/>
-          <p:nvPr/>
-        </p:nvGrpSpPr>
-        <p:grpSpPr>
-          <a:xfrm>
-            <a:off x="6118446" y="6217118"/>
-            <a:ext cx="485554" cy="485554"/>
-            <a:chOff x="5437726" y="4672798"/>
-            <a:chExt cx="452260" cy="452260"/>
-          </a:xfrm>
-        </p:grpSpPr>
-        <p:sp>
-          <p:nvSpPr>
-            <p:cNvPr id="45" name="Rounded Rectangle 44"/>
-            <p:cNvSpPr/>
-            <p:nvPr/>
-          </p:nvSpPr>
-          <p:spPr>
-            <a:xfrm>
-              <a:off x="5437726" y="4672798"/>
-              <a:ext cx="452260" cy="452260"/>
-            </a:xfrm>
-            <a:prstGeom prst="roundRect">
-              <a:avLst/>
-            </a:prstGeom>
-            <a:solidFill>
-              <a:srgbClr val="80D2DD"/>
-            </a:solidFill>
-            <a:ln>
-              <a:solidFill>
-                <a:schemeClr val="tx1"/>
-              </a:solidFill>
-            </a:ln>
-          </p:spPr>
-          <p:style>
-            <a:lnRef idx="2">
-              <a:schemeClr val="accent1">
-                <a:shade val="50000"/>
-              </a:schemeClr>
-            </a:lnRef>
-            <a:fillRef idx="1">
-              <a:schemeClr val="accent1"/>
-            </a:fillRef>
-            <a:effectRef idx="0">
-              <a:schemeClr val="accent1"/>
-            </a:effectRef>
-            <a:fontRef idx="minor">
-              <a:schemeClr val="lt1"/>
-            </a:fontRef>
-          </p:style>
-          <p:txBody>
-            <a:bodyPr rtlCol="0" anchor="ctr"/>
-            <a:lstStyle/>
-            <a:p>
-              <a:pPr algn="ctr"/>
-              <a:endParaRPr lang="en-US" sz="1600" dirty="0">
-                <a:latin typeface="Arial" panose="020B0604020202020204" pitchFamily="34" charset="0"/>
-                <a:cs typeface="Arial" panose="020B0604020202020204" pitchFamily="34" charset="0"/>
-              </a:endParaRPr>
-            </a:p>
-          </p:txBody>
-        </p:sp>
-        <p:sp>
-          <p:nvSpPr>
-            <p:cNvPr id="46" name="Rounded Rectangle 45"/>
-            <p:cNvSpPr/>
-            <p:nvPr/>
-          </p:nvSpPr>
-          <p:spPr>
-            <a:xfrm>
-              <a:off x="5457779" y="4965572"/>
-              <a:ext cx="409481" cy="121328"/>
-            </a:xfrm>
-            <a:prstGeom prst="roundRect">
-              <a:avLst>
-                <a:gd name="adj" fmla="val 35977"/>
-              </a:avLst>
-            </a:prstGeom>
-            <a:solidFill>
-              <a:srgbClr val="F05D55"/>
-            </a:solidFill>
-            <a:ln>
-              <a:solidFill>
-                <a:schemeClr val="tx1"/>
-              </a:solidFill>
-            </a:ln>
-          </p:spPr>
-          <p:style>
-            <a:lnRef idx="2">
-              <a:schemeClr val="accent1">
-                <a:shade val="50000"/>
-              </a:schemeClr>
-            </a:lnRef>
-            <a:fillRef idx="1">
-              <a:schemeClr val="accent1"/>
-            </a:fillRef>
-            <a:effectRef idx="0">
-              <a:schemeClr val="accent1"/>
-            </a:effectRef>
-            <a:fontRef idx="minor">
-              <a:schemeClr val="lt1"/>
-            </a:fontRef>
-          </p:style>
-          <p:txBody>
-            <a:bodyPr rtlCol="0" anchor="ctr"/>
-            <a:lstStyle/>
-            <a:p>
-              <a:pPr algn="ctr"/>
-              <a:endParaRPr lang="en-US" sz="1200" b="1" dirty="0">
-                <a:latin typeface="Arial" panose="020B0604020202020204" pitchFamily="34" charset="0"/>
-                <a:cs typeface="Arial" panose="020B0604020202020204" pitchFamily="34" charset="0"/>
-              </a:endParaRPr>
-            </a:p>
-          </p:txBody>
-        </p:sp>
-      </p:grpSp>
-      <p:grpSp>
-        <p:nvGrpSpPr>
-          <p:cNvPr id="48" name="Group 47"/>
-          <p:cNvGrpSpPr/>
-          <p:nvPr/>
-        </p:nvGrpSpPr>
-        <p:grpSpPr>
-          <a:xfrm>
-            <a:off x="9347200" y="6204489"/>
-            <a:ext cx="511271" cy="511271"/>
-            <a:chOff x="4243616" y="5502638"/>
-            <a:chExt cx="417576" cy="417576"/>
-          </a:xfrm>
-        </p:grpSpPr>
-        <p:sp>
-          <p:nvSpPr>
-            <p:cNvPr id="49" name="Rounded Rectangle 48"/>
-            <p:cNvSpPr/>
-            <p:nvPr/>
-          </p:nvSpPr>
-          <p:spPr>
-            <a:xfrm>
-              <a:off x="4243616" y="5502638"/>
-              <a:ext cx="417576" cy="417576"/>
-            </a:xfrm>
-            <a:prstGeom prst="roundRect">
-              <a:avLst/>
-            </a:prstGeom>
-            <a:solidFill>
-              <a:srgbClr val="D0CECE"/>
-            </a:solidFill>
-            <a:ln>
-              <a:solidFill>
-                <a:schemeClr val="tx1"/>
-              </a:solidFill>
-            </a:ln>
-          </p:spPr>
-          <p:style>
-            <a:lnRef idx="2">
-              <a:schemeClr val="accent1">
-                <a:shade val="50000"/>
-              </a:schemeClr>
-            </a:lnRef>
-            <a:fillRef idx="1">
-              <a:schemeClr val="accent1"/>
-            </a:fillRef>
-            <a:effectRef idx="0">
-              <a:schemeClr val="accent1"/>
-            </a:effectRef>
-            <a:fontRef idx="minor">
-              <a:schemeClr val="lt1"/>
-            </a:fontRef>
-          </p:style>
-          <p:txBody>
-            <a:bodyPr rtlCol="0" anchor="ctr"/>
-            <a:lstStyle/>
-            <a:p>
-              <a:pPr algn="ctr"/>
-              <a:endParaRPr lang="en-US" sz="1600" dirty="0">
-                <a:solidFill>
-                  <a:schemeClr val="bg1"/>
-                </a:solidFill>
-                <a:latin typeface="Arial" panose="020B0604020202020204" pitchFamily="34" charset="0"/>
-                <a:cs typeface="Arial" panose="020B0604020202020204" pitchFamily="34" charset="0"/>
-              </a:endParaRPr>
-            </a:p>
-          </p:txBody>
-        </p:sp>
-        <p:sp>
-          <p:nvSpPr>
-            <p:cNvPr id="50" name="Rounded Rectangle 49"/>
-            <p:cNvSpPr/>
-            <p:nvPr/>
-          </p:nvSpPr>
-          <p:spPr>
-            <a:xfrm>
-              <a:off x="4264024" y="5530850"/>
-              <a:ext cx="371767" cy="363964"/>
-            </a:xfrm>
-            <a:prstGeom prst="roundRect">
-              <a:avLst/>
-            </a:prstGeom>
-            <a:solidFill>
-              <a:srgbClr val="38424C"/>
-            </a:solidFill>
-            <a:ln>
-              <a:solidFill>
-                <a:schemeClr val="tx1"/>
-              </a:solidFill>
-            </a:ln>
-          </p:spPr>
-          <p:style>
-            <a:lnRef idx="2">
-              <a:schemeClr val="accent1">
-                <a:shade val="50000"/>
-              </a:schemeClr>
-            </a:lnRef>
-            <a:fillRef idx="1">
-              <a:schemeClr val="accent1"/>
-            </a:fillRef>
-            <a:effectRef idx="0">
-              <a:schemeClr val="accent1"/>
-            </a:effectRef>
-            <a:fontRef idx="minor">
-              <a:schemeClr val="lt1"/>
-            </a:fontRef>
-          </p:style>
-          <p:txBody>
-            <a:bodyPr rtlCol="0" anchor="ctr"/>
-            <a:lstStyle/>
-            <a:p>
-              <a:pPr algn="ctr"/>
-              <a:endParaRPr lang="en-US" sz="1600" dirty="0">
-                <a:solidFill>
-                  <a:schemeClr val="bg1"/>
-                </a:solidFill>
-                <a:latin typeface="Arial" panose="020B0604020202020204" pitchFamily="34" charset="0"/>
-                <a:cs typeface="Arial" panose="020B0604020202020204" pitchFamily="34" charset="0"/>
-              </a:endParaRPr>
-            </a:p>
-          </p:txBody>
-        </p:sp>
-        <p:cxnSp>
-          <p:nvCxnSpPr>
-            <p:cNvPr id="51" name="Straight Connector 50"/>
-            <p:cNvCxnSpPr/>
-            <p:nvPr/>
-          </p:nvCxnSpPr>
-          <p:spPr>
-            <a:xfrm flipH="1">
-              <a:off x="4332589" y="5598091"/>
-              <a:ext cx="74924" cy="115359"/>
-            </a:xfrm>
-            <a:prstGeom prst="line">
-              <a:avLst/>
-            </a:prstGeom>
-            <a:ln w="19050" cmpd="sng">
-              <a:solidFill>
-                <a:schemeClr val="bg1"/>
-              </a:solidFill>
-              <a:headEnd type="oval" w="sm" len="sm"/>
-              <a:tailEnd type="oval" w="sm" len="sm"/>
-            </a:ln>
-          </p:spPr>
-          <p:style>
-            <a:lnRef idx="1">
-              <a:schemeClr val="accent1"/>
-            </a:lnRef>
-            <a:fillRef idx="0">
-              <a:schemeClr val="accent1"/>
-            </a:fillRef>
-            <a:effectRef idx="0">
-              <a:schemeClr val="accent1"/>
-            </a:effectRef>
-            <a:fontRef idx="minor">
-              <a:schemeClr val="tx1"/>
-            </a:fontRef>
-          </p:style>
-        </p:cxnSp>
-        <p:cxnSp>
-          <p:nvCxnSpPr>
-            <p:cNvPr id="52" name="Straight Connector 51"/>
-            <p:cNvCxnSpPr/>
-            <p:nvPr/>
-          </p:nvCxnSpPr>
-          <p:spPr>
-            <a:xfrm flipH="1">
-              <a:off x="4426306" y="5718605"/>
-              <a:ext cx="74924" cy="115359"/>
-            </a:xfrm>
-            <a:prstGeom prst="line">
-              <a:avLst/>
-            </a:prstGeom>
-            <a:ln w="19050" cmpd="sng">
-              <a:solidFill>
-                <a:schemeClr val="bg1"/>
-              </a:solidFill>
-              <a:headEnd type="oval" w="sm" len="sm"/>
-              <a:tailEnd type="oval" w="sm" len="sm"/>
-            </a:ln>
-          </p:spPr>
-          <p:style>
-            <a:lnRef idx="1">
-              <a:schemeClr val="accent1"/>
-            </a:lnRef>
-            <a:fillRef idx="0">
-              <a:schemeClr val="accent1"/>
-            </a:fillRef>
-            <a:effectRef idx="0">
-              <a:schemeClr val="accent1"/>
-            </a:effectRef>
-            <a:fontRef idx="minor">
-              <a:schemeClr val="tx1"/>
-            </a:fontRef>
-          </p:style>
-        </p:cxnSp>
-        <p:cxnSp>
-          <p:nvCxnSpPr>
-            <p:cNvPr id="54" name="Straight Connector 53"/>
-            <p:cNvCxnSpPr/>
-            <p:nvPr/>
-          </p:nvCxnSpPr>
-          <p:spPr>
-            <a:xfrm>
-              <a:off x="4408718" y="5596067"/>
-              <a:ext cx="176345" cy="237897"/>
-            </a:xfrm>
-            <a:prstGeom prst="line">
-              <a:avLst/>
-            </a:prstGeom>
-            <a:ln w="19050" cmpd="sng">
-              <a:solidFill>
-                <a:schemeClr val="bg1"/>
-              </a:solidFill>
-              <a:headEnd type="oval" w="sm" len="sm"/>
-              <a:tailEnd type="oval" w="sm" len="sm"/>
-            </a:ln>
-          </p:spPr>
-          <p:style>
-            <a:lnRef idx="1">
-              <a:schemeClr val="accent1"/>
-            </a:lnRef>
-            <a:fillRef idx="0">
-              <a:schemeClr val="accent1"/>
-            </a:fillRef>
-            <a:effectRef idx="0">
-              <a:schemeClr val="accent1"/>
-            </a:effectRef>
-            <a:fontRef idx="minor">
-              <a:schemeClr val="tx1"/>
-            </a:fontRef>
-          </p:style>
-        </p:cxnSp>
-      </p:grpSp>
-      <p:sp>
-        <p:nvSpPr>
-          <p:cNvPr id="55" name="Rounded Rectangle 54"/>
-          <p:cNvSpPr/>
-          <p:nvPr/>
-        </p:nvSpPr>
-        <p:spPr>
-          <a:xfrm>
-            <a:off x="7460518" y="6193507"/>
-            <a:ext cx="494762" cy="494762"/>
-          </a:xfrm>
-          <a:prstGeom prst="roundRect">
-            <a:avLst/>
-          </a:prstGeom>
-          <a:solidFill>
-            <a:srgbClr val="38424C"/>
-          </a:solidFill>
-          <a:ln>
-            <a:solidFill>
-              <a:schemeClr val="tx1"/>
-            </a:solidFill>
-          </a:ln>
-        </p:spPr>
-        <p:style>
-          <a:lnRef idx="2">
-            <a:schemeClr val="accent1">
-              <a:shade val="50000"/>
-            </a:schemeClr>
-          </a:lnRef>
-          <a:fillRef idx="1">
-            <a:schemeClr val="accent1"/>
-          </a:fillRef>
-          <a:effectRef idx="0">
-            <a:schemeClr val="accent1"/>
-          </a:effectRef>
-          <a:fontRef idx="minor">
-            <a:schemeClr val="lt1"/>
-          </a:fontRef>
-        </p:style>
-        <p:txBody>
-          <a:bodyPr rtlCol="0" anchor="ctr"/>
-          <a:lstStyle/>
-          <a:p>
-            <a:r>
-              <a:rPr lang="en-US" sz="2800" dirty="0" smtClean="0">
-                <a:solidFill>
-                  <a:schemeClr val="bg1"/>
-                </a:solidFill>
-                <a:latin typeface="Arial" panose="020B0604020202020204" pitchFamily="34" charset="0"/>
-                <a:cs typeface="Arial" panose="020B0604020202020204" pitchFamily="34" charset="0"/>
-              </a:rPr>
-              <a:t>M</a:t>
-            </a:r>
-            <a:endParaRPr lang="en-US" sz="3600" dirty="0">
-              <a:solidFill>
-                <a:schemeClr val="bg1"/>
-              </a:solidFill>
-              <a:latin typeface="Arial" panose="020B0604020202020204" pitchFamily="34" charset="0"/>
-              <a:cs typeface="Arial" panose="020B0604020202020204" pitchFamily="34" charset="0"/>
-            </a:endParaRPr>
-          </a:p>
-        </p:txBody>
-      </p:sp>
     </p:spTree>
     <p:extLst>
       <p:ext uri="{BB962C8B-B14F-4D97-AF65-F5344CB8AC3E}">
@@ -48612,7 +48120,7 @@
   <a:extraClrSchemeLst/>
   <a:extLst>
     <a:ext uri="{05A4C25C-085E-4340-85A3-A5531E510DB2}">
-      <thm15:themeFamily xmlns:thm15="http://schemas.microsoft.com/office/thememl/2012/main" xmlns="" name="Office Theme" id="{62F939B6-93AF-4DB8-9C6B-D6C7DFDC589F}" vid="{4A3C46E8-61CC-4603-A589-7422A47A8E4A}"/>
+      <thm15:themeFamily xmlns="" xmlns:thm15="http://schemas.microsoft.com/office/thememl/2012/main" name="Office Theme" id="{62F939B6-93AF-4DB8-9C6B-D6C7DFDC589F}" vid="{4A3C46E8-61CC-4603-A589-7422A47A8E4A}"/>
     </a:ext>
   </a:extLst>
 </a:theme>
@@ -48873,7 +48381,7 @@
   <a:extraClrSchemeLst/>
   <a:extLst>
     <a:ext uri="{05A4C25C-085E-4340-85A3-A5531E510DB2}">
-      <thm15:themeFamily xmlns:thm15="http://schemas.microsoft.com/office/thememl/2012/main" xmlns="" name="Office Theme" id="{62F939B6-93AF-4DB8-9C6B-D6C7DFDC589F}" vid="{4A3C46E8-61CC-4603-A589-7422A47A8E4A}"/>
+      <thm15:themeFamily xmlns="" xmlns:thm15="http://schemas.microsoft.com/office/thememl/2012/main" name="Office Theme" id="{62F939B6-93AF-4DB8-9C6B-D6C7DFDC589F}" vid="{4A3C46E8-61CC-4603-A589-7422A47A8E4A}"/>
     </a:ext>
   </a:extLst>
 </a:theme>
@@ -49134,7 +48642,7 @@
   <a:extraClrSchemeLst/>
   <a:extLst>
     <a:ext uri="{05A4C25C-085E-4340-85A3-A5531E510DB2}">
-      <thm15:themeFamily xmlns:thm15="http://schemas.microsoft.com/office/thememl/2012/main" xmlns="" name="Office Theme" id="{62F939B6-93AF-4DB8-9C6B-D6C7DFDC589F}" vid="{4A3C46E8-61CC-4603-A589-7422A47A8E4A}"/>
+      <thm15:themeFamily xmlns="" xmlns:thm15="http://schemas.microsoft.com/office/thememl/2012/main" name="Office Theme" id="{62F939B6-93AF-4DB8-9C6B-D6C7DFDC589F}" vid="{4A3C46E8-61CC-4603-A589-7422A47A8E4A}"/>
     </a:ext>
   </a:extLst>
 </a:theme>
@@ -49395,7 +48903,7 @@
   <a:extraClrSchemeLst/>
   <a:extLst>
     <a:ext uri="{05A4C25C-085E-4340-85A3-A5531E510DB2}">
-      <thm15:themeFamily xmlns:thm15="http://schemas.microsoft.com/office/thememl/2012/main" xmlns="" name="Office Theme" id="{62F939B6-93AF-4DB8-9C6B-D6C7DFDC589F}" vid="{4A3C46E8-61CC-4603-A589-7422A47A8E4A}"/>
+      <thm15:themeFamily xmlns="" xmlns:thm15="http://schemas.microsoft.com/office/thememl/2012/main" name="Office Theme" id="{62F939B6-93AF-4DB8-9C6B-D6C7DFDC589F}" vid="{4A3C46E8-61CC-4603-A589-7422A47A8E4A}"/>
     </a:ext>
   </a:extLst>
 </a:theme>
@@ -49656,7 +49164,7 @@
   <a:extraClrSchemeLst/>
   <a:extLst>
     <a:ext uri="{05A4C25C-085E-4340-85A3-A5531E510DB2}">
-      <thm15:themeFamily xmlns:thm15="http://schemas.microsoft.com/office/thememl/2012/main" xmlns="" name="Office Theme" id="{62F939B6-93AF-4DB8-9C6B-D6C7DFDC589F}" vid="{4A3C46E8-61CC-4603-A589-7422A47A8E4A}"/>
+      <thm15:themeFamily xmlns="" xmlns:thm15="http://schemas.microsoft.com/office/thememl/2012/main" name="Office Theme" id="{62F939B6-93AF-4DB8-9C6B-D6C7DFDC589F}" vid="{4A3C46E8-61CC-4603-A589-7422A47A8E4A}"/>
     </a:ext>
   </a:extLst>
 </a:theme>

--- a/paper/figures/figures.pptx
+++ b/paper/figures/figures.pptx
@@ -125,7 +125,7 @@
   </p:defaultTextStyle>
   <p:extLst>
     <p:ext uri="{EFAFB233-063F-42B5-8137-9DF3F51BA10A}">
-      <p15:sldGuideLst xmlns="" xmlns:p15="http://schemas.microsoft.com/office/powerpoint/2012/main"/>
+      <p15:sldGuideLst xmlns:p15="http://schemas.microsoft.com/office/powerpoint/2012/main" xmlns=""/>
     </p:ext>
   </p:extLst>
 </p:presentation>
@@ -32963,8 +32963,8 @@
         </p:nvSpPr>
         <p:spPr>
           <a:xfrm>
-            <a:off x="4397023" y="1205091"/>
-            <a:ext cx="2156178" cy="754472"/>
+            <a:off x="4397022" y="1270000"/>
+            <a:ext cx="5293077" cy="622299"/>
           </a:xfrm>
           <a:prstGeom prst="roundRect">
             <a:avLst/>
@@ -32994,7 +32994,6 @@
           <a:bodyPr vert="horz" rtlCol="0" anchor="ctr"/>
           <a:lstStyle/>
           <a:p>
-            <a:pPr algn="ctr"/>
             <a:r>
               <a:rPr lang="en-US" sz="2000" dirty="0" err="1" smtClean="0">
                 <a:solidFill>
@@ -33022,8 +33021,8 @@
         </p:nvSpPr>
         <p:spPr>
           <a:xfrm>
-            <a:off x="9791700" y="1206971"/>
-            <a:ext cx="1115248" cy="754472"/>
+            <a:off x="6565900" y="1206971"/>
+            <a:ext cx="4341048" cy="754472"/>
           </a:xfrm>
           <a:prstGeom prst="roundRect">
             <a:avLst/>
@@ -33053,7 +33052,7 @@
           <a:bodyPr vert="horz" rtlCol="0" anchor="ctr"/>
           <a:lstStyle/>
           <a:p>
-            <a:pPr algn="ctr"/>
+            <a:pPr algn="r"/>
             <a:r>
               <a:rPr lang="en-US" sz="2000" dirty="0" smtClean="0">
                 <a:solidFill>
@@ -33062,63 +33061,6 @@
               </a:rPr>
               <a:t>Mantle</a:t>
             </a:r>
-          </a:p>
-        </p:txBody>
-      </p:sp>
-      <p:sp>
-        <p:nvSpPr>
-          <p:cNvPr id="13" name="Rounded Rectangle 12"/>
-          <p:cNvSpPr/>
-          <p:nvPr/>
-        </p:nvSpPr>
-        <p:spPr>
-          <a:xfrm>
-            <a:off x="6655740" y="1206973"/>
-            <a:ext cx="3008959" cy="754472"/>
-          </a:xfrm>
-          <a:prstGeom prst="roundRect">
-            <a:avLst/>
-          </a:prstGeom>
-          <a:noFill/>
-          <a:ln w="76200" cmpd="sng">
-            <a:solidFill>
-              <a:srgbClr val="7030A0"/>
-            </a:solidFill>
-            <a:prstDash val="sysDash"/>
-          </a:ln>
-        </p:spPr>
-        <p:style>
-          <a:lnRef idx="1">
-            <a:schemeClr val="accent1"/>
-          </a:lnRef>
-          <a:fillRef idx="3">
-            <a:schemeClr val="accent1"/>
-          </a:fillRef>
-          <a:effectRef idx="2">
-            <a:schemeClr val="accent1"/>
-          </a:effectRef>
-          <a:fontRef idx="minor">
-            <a:schemeClr val="lt1"/>
-          </a:fontRef>
-        </p:style>
-        <p:txBody>
-          <a:bodyPr vert="horz" rtlCol="0" anchor="ctr"/>
-          <a:lstStyle/>
-          <a:p>
-            <a:pPr algn="ctr"/>
-            <a:r>
-              <a:rPr lang="en-US" dirty="0" smtClean="0">
-                <a:solidFill>
-                  <a:schemeClr val="tx1"/>
-                </a:solidFill>
-              </a:rPr>
-              <a:t>Both</a:t>
-            </a:r>
-            <a:endParaRPr lang="en-US" sz="1000" dirty="0">
-              <a:solidFill>
-                <a:schemeClr val="tx1"/>
-              </a:solidFill>
-            </a:endParaRPr>
           </a:p>
         </p:txBody>
       </p:sp>
@@ -48120,7 +48062,7 @@
   <a:extraClrSchemeLst/>
   <a:extLst>
     <a:ext uri="{05A4C25C-085E-4340-85A3-A5531E510DB2}">
-      <thm15:themeFamily xmlns="" xmlns:thm15="http://schemas.microsoft.com/office/thememl/2012/main" name="Office Theme" id="{62F939B6-93AF-4DB8-9C6B-D6C7DFDC589F}" vid="{4A3C46E8-61CC-4603-A589-7422A47A8E4A}"/>
+      <thm15:themeFamily xmlns:thm15="http://schemas.microsoft.com/office/thememl/2012/main" xmlns="" name="Office Theme" id="{62F939B6-93AF-4DB8-9C6B-D6C7DFDC589F}" vid="{4A3C46E8-61CC-4603-A589-7422A47A8E4A}"/>
     </a:ext>
   </a:extLst>
 </a:theme>
@@ -48381,7 +48323,7 @@
   <a:extraClrSchemeLst/>
   <a:extLst>
     <a:ext uri="{05A4C25C-085E-4340-85A3-A5531E510DB2}">
-      <thm15:themeFamily xmlns="" xmlns:thm15="http://schemas.microsoft.com/office/thememl/2012/main" name="Office Theme" id="{62F939B6-93AF-4DB8-9C6B-D6C7DFDC589F}" vid="{4A3C46E8-61CC-4603-A589-7422A47A8E4A}"/>
+      <thm15:themeFamily xmlns:thm15="http://schemas.microsoft.com/office/thememl/2012/main" xmlns="" name="Office Theme" id="{62F939B6-93AF-4DB8-9C6B-D6C7DFDC589F}" vid="{4A3C46E8-61CC-4603-A589-7422A47A8E4A}"/>
     </a:ext>
   </a:extLst>
 </a:theme>
@@ -48642,7 +48584,7 @@
   <a:extraClrSchemeLst/>
   <a:extLst>
     <a:ext uri="{05A4C25C-085E-4340-85A3-A5531E510DB2}">
-      <thm15:themeFamily xmlns="" xmlns:thm15="http://schemas.microsoft.com/office/thememl/2012/main" name="Office Theme" id="{62F939B6-93AF-4DB8-9C6B-D6C7DFDC589F}" vid="{4A3C46E8-61CC-4603-A589-7422A47A8E4A}"/>
+      <thm15:themeFamily xmlns:thm15="http://schemas.microsoft.com/office/thememl/2012/main" xmlns="" name="Office Theme" id="{62F939B6-93AF-4DB8-9C6B-D6C7DFDC589F}" vid="{4A3C46E8-61CC-4603-A589-7422A47A8E4A}"/>
     </a:ext>
   </a:extLst>
 </a:theme>
@@ -48903,7 +48845,7 @@
   <a:extraClrSchemeLst/>
   <a:extLst>
     <a:ext uri="{05A4C25C-085E-4340-85A3-A5531E510DB2}">
-      <thm15:themeFamily xmlns="" xmlns:thm15="http://schemas.microsoft.com/office/thememl/2012/main" name="Office Theme" id="{62F939B6-93AF-4DB8-9C6B-D6C7DFDC589F}" vid="{4A3C46E8-61CC-4603-A589-7422A47A8E4A}"/>
+      <thm15:themeFamily xmlns:thm15="http://schemas.microsoft.com/office/thememl/2012/main" xmlns="" name="Office Theme" id="{62F939B6-93AF-4DB8-9C6B-D6C7DFDC589F}" vid="{4A3C46E8-61CC-4603-A589-7422A47A8E4A}"/>
     </a:ext>
   </a:extLst>
 </a:theme>
@@ -49164,7 +49106,7 @@
   <a:extraClrSchemeLst/>
   <a:extLst>
     <a:ext uri="{05A4C25C-085E-4340-85A3-A5531E510DB2}">
-      <thm15:themeFamily xmlns="" xmlns:thm15="http://schemas.microsoft.com/office/thememl/2012/main" name="Office Theme" id="{62F939B6-93AF-4DB8-9C6B-D6C7DFDC589F}" vid="{4A3C46E8-61CC-4603-A589-7422A47A8E4A}"/>
+      <thm15:themeFamily xmlns:thm15="http://schemas.microsoft.com/office/thememl/2012/main" xmlns="" name="Office Theme" id="{62F939B6-93AF-4DB8-9C6B-D6C7DFDC589F}" vid="{4A3C46E8-61CC-4603-A589-7422A47A8E4A}"/>
     </a:ext>
   </a:extLst>
 </a:theme>

--- a/paper/figures/figures.pptx
+++ b/paper/figures/figures.pptx
@@ -8,7 +8,7 @@
     <p:sldMasterId id="2147483684" r:id="rId4"/>
   </p:sldMasterIdLst>
   <p:notesMasterIdLst>
-    <p:notesMasterId r:id="rId19"/>
+    <p:notesMasterId r:id="rId20"/>
   </p:notesMasterIdLst>
   <p:sldIdLst>
     <p:sldId id="256" r:id="rId5"/>
@@ -17,14 +17,15 @@
     <p:sldId id="304" r:id="rId8"/>
     <p:sldId id="305" r:id="rId9"/>
     <p:sldId id="306" r:id="rId10"/>
-    <p:sldId id="296" r:id="rId11"/>
-    <p:sldId id="301" r:id="rId12"/>
-    <p:sldId id="302" r:id="rId13"/>
-    <p:sldId id="291" r:id="rId14"/>
-    <p:sldId id="270" r:id="rId15"/>
-    <p:sldId id="294" r:id="rId16"/>
-    <p:sldId id="272" r:id="rId17"/>
-    <p:sldId id="295" r:id="rId18"/>
+    <p:sldId id="307" r:id="rId11"/>
+    <p:sldId id="296" r:id="rId12"/>
+    <p:sldId id="301" r:id="rId13"/>
+    <p:sldId id="302" r:id="rId14"/>
+    <p:sldId id="291" r:id="rId15"/>
+    <p:sldId id="270" r:id="rId16"/>
+    <p:sldId id="294" r:id="rId17"/>
+    <p:sldId id="272" r:id="rId18"/>
+    <p:sldId id="295" r:id="rId19"/>
   </p:sldIdLst>
   <p:sldSz cx="12192000" cy="6858000"/>
   <p:notesSz cx="6858000" cy="9144000"/>
@@ -125,7 +126,7 @@
   </p:defaultTextStyle>
   <p:extLst>
     <p:ext uri="{EFAFB233-063F-42B5-8137-9DF3F51BA10A}">
-      <p15:sldGuideLst xmlns:p15="http://schemas.microsoft.com/office/powerpoint/2012/main" xmlns=""/>
+      <p15:sldGuideLst xmlns="" xmlns:p15="http://schemas.microsoft.com/office/powerpoint/2012/main"/>
     </p:ext>
   </p:extLst>
 </p:presentation>
@@ -213,7 +214,7 @@
           <a:p>
             <a:fld id="{8B6AC9F1-AAD0-495C-933B-F901D4FCD036}" type="datetimeFigureOut">
               <a:rPr lang="en-US" smtClean="0"/>
-              <a:t>2/23/17</a:t>
+              <a:t>3/16/17</a:t>
             </a:fld>
             <a:endParaRPr lang="en-US"/>
           </a:p>
@@ -638,7 +639,7 @@
           <a:p>
             <a:fld id="{E1BA7341-26C0-4A86-AD44-E110A3BEC611}" type="slidenum">
               <a:rPr lang="en-US" smtClean="0"/>
-              <a:t>9</a:t>
+              <a:t>10</a:t>
             </a:fld>
             <a:endParaRPr lang="en-US"/>
           </a:p>
@@ -730,7 +731,7 @@
           <a:p>
             <a:fld id="{E1BA7341-26C0-4A86-AD44-E110A3BEC611}" type="slidenum">
               <a:rPr lang="en-US" smtClean="0"/>
-              <a:t>11</a:t>
+              <a:t>12</a:t>
             </a:fld>
             <a:endParaRPr lang="en-US"/>
           </a:p>
@@ -899,7 +900,7 @@
           <a:p>
             <a:fld id="{E1BA7341-26C0-4A86-AD44-E110A3BEC611}" type="slidenum">
               <a:rPr lang="en-US" smtClean="0"/>
-              <a:t>14</a:t>
+              <a:t>15</a:t>
             </a:fld>
             <a:endParaRPr lang="en-US"/>
           </a:p>
@@ -1049,7 +1050,7 @@
           <a:p>
             <a:fld id="{7ACA203A-1341-45AE-8AE5-9E342A2C38C9}" type="datetimeFigureOut">
               <a:rPr lang="en-US" smtClean="0"/>
-              <a:t>2/23/17</a:t>
+              <a:t>3/16/17</a:t>
             </a:fld>
             <a:endParaRPr lang="en-US"/>
           </a:p>
@@ -1226,7 +1227,7 @@
           <a:p>
             <a:fld id="{7ACA203A-1341-45AE-8AE5-9E342A2C38C9}" type="datetimeFigureOut">
               <a:rPr lang="en-US" smtClean="0"/>
-              <a:t>2/23/17</a:t>
+              <a:t>3/16/17</a:t>
             </a:fld>
             <a:endParaRPr lang="en-US"/>
           </a:p>
@@ -1413,7 +1414,7 @@
           <a:p>
             <a:fld id="{7ACA203A-1341-45AE-8AE5-9E342A2C38C9}" type="datetimeFigureOut">
               <a:rPr lang="en-US" smtClean="0"/>
-              <a:t>2/23/17</a:t>
+              <a:t>3/16/17</a:t>
             </a:fld>
             <a:endParaRPr lang="en-US"/>
           </a:p>
@@ -2221,7 +2222,7 @@
           <a:p>
             <a:fld id="{BA5C85E4-B586-4D50-9BA0-0F3A58A49C8B}" type="datetimeFigureOut">
               <a:rPr lang="en-US" smtClean="0"/>
-              <a:t>2/23/17</a:t>
+              <a:t>3/16/17</a:t>
             </a:fld>
             <a:endParaRPr lang="en-US"/>
           </a:p>
@@ -2527,7 +2528,7 @@
           <a:p>
             <a:fld id="{BA5C85E4-B586-4D50-9BA0-0F3A58A49C8B}" type="datetimeFigureOut">
               <a:rPr lang="en-US" smtClean="0"/>
-              <a:t>2/23/17</a:t>
+              <a:t>3/16/17</a:t>
             </a:fld>
             <a:endParaRPr lang="en-US"/>
           </a:p>
@@ -2780,7 +2781,7 @@
           <a:p>
             <a:fld id="{BA5C85E4-B586-4D50-9BA0-0F3A58A49C8B}" type="datetimeFigureOut">
               <a:rPr lang="en-US" smtClean="0"/>
-              <a:t>2/23/17</a:t>
+              <a:t>3/16/17</a:t>
             </a:fld>
             <a:endParaRPr lang="en-US"/>
           </a:p>
@@ -3019,7 +3020,7 @@
           <a:p>
             <a:fld id="{BA5C85E4-B586-4D50-9BA0-0F3A58A49C8B}" type="datetimeFigureOut">
               <a:rPr lang="en-US" smtClean="0"/>
-              <a:t>2/23/17</a:t>
+              <a:t>3/16/17</a:t>
             </a:fld>
             <a:endParaRPr lang="en-US"/>
           </a:p>
@@ -3393,7 +3394,7 @@
           <a:p>
             <a:fld id="{BA5C85E4-B586-4D50-9BA0-0F3A58A49C8B}" type="datetimeFigureOut">
               <a:rPr lang="en-US" smtClean="0"/>
-              <a:t>2/23/17</a:t>
+              <a:t>3/16/17</a:t>
             </a:fld>
             <a:endParaRPr lang="en-US"/>
           </a:p>
@@ -3518,7 +3519,7 @@
           <a:p>
             <a:fld id="{BA5C85E4-B586-4D50-9BA0-0F3A58A49C8B}" type="datetimeFigureOut">
               <a:rPr lang="en-US" smtClean="0"/>
-              <a:t>2/23/17</a:t>
+              <a:t>3/16/17</a:t>
             </a:fld>
             <a:endParaRPr lang="en-US"/>
           </a:p>
@@ -3620,7 +3621,7 @@
           <a:p>
             <a:fld id="{BA5C85E4-B586-4D50-9BA0-0F3A58A49C8B}" type="datetimeFigureOut">
               <a:rPr lang="en-US" smtClean="0"/>
-              <a:t>2/23/17</a:t>
+              <a:t>3/16/17</a:t>
             </a:fld>
             <a:endParaRPr lang="en-US"/>
           </a:p>
@@ -3904,7 +3905,7 @@
           <a:p>
             <a:fld id="{BA5C85E4-B586-4D50-9BA0-0F3A58A49C8B}" type="datetimeFigureOut">
               <a:rPr lang="en-US" smtClean="0"/>
-              <a:t>2/23/17</a:t>
+              <a:t>3/16/17</a:t>
             </a:fld>
             <a:endParaRPr lang="en-US"/>
           </a:p>
@@ -4081,7 +4082,7 @@
           <a:p>
             <a:fld id="{7ACA203A-1341-45AE-8AE5-9E342A2C38C9}" type="datetimeFigureOut">
               <a:rPr lang="en-US" smtClean="0"/>
-              <a:t>2/23/17</a:t>
+              <a:t>3/16/17</a:t>
             </a:fld>
             <a:endParaRPr lang="en-US"/>
           </a:p>
@@ -4341,7 +4342,7 @@
           <a:p>
             <a:fld id="{BA5C85E4-B586-4D50-9BA0-0F3A58A49C8B}" type="datetimeFigureOut">
               <a:rPr lang="en-US" smtClean="0"/>
-              <a:t>2/23/17</a:t>
+              <a:t>3/16/17</a:t>
             </a:fld>
             <a:endParaRPr lang="en-US"/>
           </a:p>
@@ -4511,7 +4512,7 @@
           <a:p>
             <a:fld id="{BA5C85E4-B586-4D50-9BA0-0F3A58A49C8B}" type="datetimeFigureOut">
               <a:rPr lang="en-US" smtClean="0"/>
-              <a:t>2/23/17</a:t>
+              <a:t>3/16/17</a:t>
             </a:fld>
             <a:endParaRPr lang="en-US"/>
           </a:p>
@@ -4691,7 +4692,7 @@
           <a:p>
             <a:fld id="{BA5C85E4-B586-4D50-9BA0-0F3A58A49C8B}" type="datetimeFigureOut">
               <a:rPr lang="en-US" smtClean="0"/>
-              <a:t>2/23/17</a:t>
+              <a:t>3/16/17</a:t>
             </a:fld>
             <a:endParaRPr lang="en-US"/>
           </a:p>
@@ -4890,7 +4891,7 @@
           <a:p>
             <a:fld id="{027A1B2E-1286-4A75-915E-AE937742E7F1}" type="datetimeFigureOut">
               <a:rPr lang="en-US" smtClean="0"/>
-              <a:t>2/23/17</a:t>
+              <a:t>3/16/17</a:t>
             </a:fld>
             <a:endParaRPr lang="en-US"/>
           </a:p>
@@ -5375,7 +5376,7 @@
           <a:p>
             <a:fld id="{027A1B2E-1286-4A75-915E-AE937742E7F1}" type="datetimeFigureOut">
               <a:rPr lang="en-US" smtClean="0"/>
-              <a:t>2/23/17</a:t>
+              <a:t>3/16/17</a:t>
             </a:fld>
             <a:endParaRPr lang="en-US"/>
           </a:p>
@@ -5628,7 +5629,7 @@
           <a:p>
             <a:fld id="{027A1B2E-1286-4A75-915E-AE937742E7F1}" type="datetimeFigureOut">
               <a:rPr lang="en-US" smtClean="0"/>
-              <a:t>2/23/17</a:t>
+              <a:t>3/16/17</a:t>
             </a:fld>
             <a:endParaRPr lang="en-US"/>
           </a:p>
@@ -5860,7 +5861,7 @@
           <a:p>
             <a:fld id="{027A1B2E-1286-4A75-915E-AE937742E7F1}" type="datetimeFigureOut">
               <a:rPr lang="en-US" smtClean="0"/>
-              <a:t>2/23/17</a:t>
+              <a:t>3/16/17</a:t>
             </a:fld>
             <a:endParaRPr lang="en-US"/>
           </a:p>
@@ -6227,7 +6228,7 @@
           <a:p>
             <a:fld id="{027A1B2E-1286-4A75-915E-AE937742E7F1}" type="datetimeFigureOut">
               <a:rPr lang="en-US" smtClean="0"/>
-              <a:t>2/23/17</a:t>
+              <a:t>3/16/17</a:t>
             </a:fld>
             <a:endParaRPr lang="en-US"/>
           </a:p>
@@ -6345,7 +6346,7 @@
           <a:p>
             <a:fld id="{027A1B2E-1286-4A75-915E-AE937742E7F1}" type="datetimeFigureOut">
               <a:rPr lang="en-US" smtClean="0"/>
-              <a:t>2/23/17</a:t>
+              <a:t>3/16/17</a:t>
             </a:fld>
             <a:endParaRPr lang="en-US"/>
           </a:p>
@@ -6440,7 +6441,7 @@
           <a:p>
             <a:fld id="{027A1B2E-1286-4A75-915E-AE937742E7F1}" type="datetimeFigureOut">
               <a:rPr lang="en-US" smtClean="0"/>
-              <a:t>2/23/17</a:t>
+              <a:t>3/16/17</a:t>
             </a:fld>
             <a:endParaRPr lang="en-US"/>
           </a:p>
@@ -6686,7 +6687,7 @@
           <a:p>
             <a:fld id="{7ACA203A-1341-45AE-8AE5-9E342A2C38C9}" type="datetimeFigureOut">
               <a:rPr lang="en-US" smtClean="0"/>
-              <a:t>2/23/17</a:t>
+              <a:t>3/16/17</a:t>
             </a:fld>
             <a:endParaRPr lang="en-US"/>
           </a:p>
@@ -6970,7 +6971,7 @@
           <a:p>
             <a:fld id="{027A1B2E-1286-4A75-915E-AE937742E7F1}" type="datetimeFigureOut">
               <a:rPr lang="en-US" smtClean="0"/>
-              <a:t>2/23/17</a:t>
+              <a:t>3/16/17</a:t>
             </a:fld>
             <a:endParaRPr lang="en-US"/>
           </a:p>
@@ -7223,7 +7224,7 @@
           <a:p>
             <a:fld id="{027A1B2E-1286-4A75-915E-AE937742E7F1}" type="datetimeFigureOut">
               <a:rPr lang="en-US" smtClean="0"/>
-              <a:t>2/23/17</a:t>
+              <a:t>3/16/17</a:t>
             </a:fld>
             <a:endParaRPr lang="en-US"/>
           </a:p>
@@ -7400,7 +7401,7 @@
           <a:p>
             <a:fld id="{027A1B2E-1286-4A75-915E-AE937742E7F1}" type="datetimeFigureOut">
               <a:rPr lang="en-US" smtClean="0"/>
-              <a:t>2/23/17</a:t>
+              <a:t>3/16/17</a:t>
             </a:fld>
             <a:endParaRPr lang="en-US"/>
           </a:p>
@@ -7580,7 +7581,7 @@
           <a:p>
             <a:fld id="{027A1B2E-1286-4A75-915E-AE937742E7F1}" type="datetimeFigureOut">
               <a:rPr lang="en-US" smtClean="0"/>
-              <a:t>2/23/17</a:t>
+              <a:t>3/16/17</a:t>
             </a:fld>
             <a:endParaRPr lang="en-US"/>
           </a:p>
@@ -7772,7 +7773,7 @@
           <a:p>
             <a:fld id="{9C0D432E-3E9D-4011-B87F-F9F35BE171A9}" type="datetimeFigureOut">
               <a:rPr lang="en-US" smtClean="0"/>
-              <a:t>2/23/17</a:t>
+              <a:t>3/16/17</a:t>
             </a:fld>
             <a:endParaRPr lang="en-US"/>
           </a:p>
@@ -8319,7 +8320,7 @@
           <a:p>
             <a:fld id="{9C0D432E-3E9D-4011-B87F-F9F35BE171A9}" type="datetimeFigureOut">
               <a:rPr lang="en-US" smtClean="0"/>
-              <a:t>2/23/17</a:t>
+              <a:t>3/16/17</a:t>
             </a:fld>
             <a:endParaRPr lang="en-US"/>
           </a:p>
@@ -8572,7 +8573,7 @@
           <a:p>
             <a:fld id="{9C0D432E-3E9D-4011-B87F-F9F35BE171A9}" type="datetimeFigureOut">
               <a:rPr lang="en-US" smtClean="0"/>
-              <a:t>2/23/17</a:t>
+              <a:t>3/16/17</a:t>
             </a:fld>
             <a:endParaRPr lang="en-US"/>
           </a:p>
@@ -8804,7 +8805,7 @@
           <a:p>
             <a:fld id="{9C0D432E-3E9D-4011-B87F-F9F35BE171A9}" type="datetimeFigureOut">
               <a:rPr lang="en-US" smtClean="0"/>
-              <a:t>2/23/17</a:t>
+              <a:t>3/16/17</a:t>
             </a:fld>
             <a:endParaRPr lang="en-US"/>
           </a:p>
@@ -9171,7 +9172,7 @@
           <a:p>
             <a:fld id="{9C0D432E-3E9D-4011-B87F-F9F35BE171A9}" type="datetimeFigureOut">
               <a:rPr lang="en-US" smtClean="0"/>
-              <a:t>2/23/17</a:t>
+              <a:t>3/16/17</a:t>
             </a:fld>
             <a:endParaRPr lang="en-US"/>
           </a:p>
@@ -9289,7 +9290,7 @@
           <a:p>
             <a:fld id="{9C0D432E-3E9D-4011-B87F-F9F35BE171A9}" type="datetimeFigureOut">
               <a:rPr lang="en-US" smtClean="0"/>
-              <a:t>2/23/17</a:t>
+              <a:t>3/16/17</a:t>
             </a:fld>
             <a:endParaRPr lang="en-US"/>
           </a:p>
@@ -9521,7 +9522,7 @@
           <a:p>
             <a:fld id="{7ACA203A-1341-45AE-8AE5-9E342A2C38C9}" type="datetimeFigureOut">
               <a:rPr lang="en-US" smtClean="0"/>
-              <a:t>2/23/17</a:t>
+              <a:t>3/16/17</a:t>
             </a:fld>
             <a:endParaRPr lang="en-US"/>
           </a:p>
@@ -9628,7 +9629,7 @@
           <a:p>
             <a:fld id="{9C0D432E-3E9D-4011-B87F-F9F35BE171A9}" type="datetimeFigureOut">
               <a:rPr lang="en-US" smtClean="0"/>
-              <a:t>2/23/17</a:t>
+              <a:t>3/16/17</a:t>
             </a:fld>
             <a:endParaRPr lang="en-US"/>
           </a:p>
@@ -9905,7 +9906,7 @@
           <a:p>
             <a:fld id="{9C0D432E-3E9D-4011-B87F-F9F35BE171A9}" type="datetimeFigureOut">
               <a:rPr lang="en-US" smtClean="0"/>
-              <a:t>2/23/17</a:t>
+              <a:t>3/16/17</a:t>
             </a:fld>
             <a:endParaRPr lang="en-US"/>
           </a:p>
@@ -10158,7 +10159,7 @@
           <a:p>
             <a:fld id="{9C0D432E-3E9D-4011-B87F-F9F35BE171A9}" type="datetimeFigureOut">
               <a:rPr lang="en-US" smtClean="0"/>
-              <a:t>2/23/17</a:t>
+              <a:t>3/16/17</a:t>
             </a:fld>
             <a:endParaRPr lang="en-US"/>
           </a:p>
@@ -10328,7 +10329,7 @@
           <a:p>
             <a:fld id="{9C0D432E-3E9D-4011-B87F-F9F35BE171A9}" type="datetimeFigureOut">
               <a:rPr lang="en-US" smtClean="0"/>
-              <a:t>2/23/17</a:t>
+              <a:t>3/16/17</a:t>
             </a:fld>
             <a:endParaRPr lang="en-US"/>
           </a:p>
@@ -10508,7 +10509,7 @@
           <a:p>
             <a:fld id="{9C0D432E-3E9D-4011-B87F-F9F35BE171A9}" type="datetimeFigureOut">
               <a:rPr lang="en-US" smtClean="0"/>
-              <a:t>2/23/17</a:t>
+              <a:t>3/16/17</a:t>
             </a:fld>
             <a:endParaRPr lang="en-US"/>
           </a:p>
@@ -10875,7 +10876,7 @@
           <a:p>
             <a:fld id="{7ACA203A-1341-45AE-8AE5-9E342A2C38C9}" type="datetimeFigureOut">
               <a:rPr lang="en-US" smtClean="0"/>
-              <a:t>2/23/17</a:t>
+              <a:t>3/16/17</a:t>
             </a:fld>
             <a:endParaRPr lang="en-US"/>
           </a:p>
@@ -11000,7 +11001,7 @@
           <a:p>
             <a:fld id="{7ACA203A-1341-45AE-8AE5-9E342A2C38C9}" type="datetimeFigureOut">
               <a:rPr lang="en-US" smtClean="0"/>
-              <a:t>2/23/17</a:t>
+              <a:t>3/16/17</a:t>
             </a:fld>
             <a:endParaRPr lang="en-US"/>
           </a:p>
@@ -11102,7 +11103,7 @@
           <a:p>
             <a:fld id="{7ACA203A-1341-45AE-8AE5-9E342A2C38C9}" type="datetimeFigureOut">
               <a:rPr lang="en-US" smtClean="0"/>
-              <a:t>2/23/17</a:t>
+              <a:t>3/16/17</a:t>
             </a:fld>
             <a:endParaRPr lang="en-US"/>
           </a:p>
@@ -11386,7 +11387,7 @@
           <a:p>
             <a:fld id="{7ACA203A-1341-45AE-8AE5-9E342A2C38C9}" type="datetimeFigureOut">
               <a:rPr lang="en-US" smtClean="0"/>
-              <a:t>2/23/17</a:t>
+              <a:t>3/16/17</a:t>
             </a:fld>
             <a:endParaRPr lang="en-US"/>
           </a:p>
@@ -11646,7 +11647,7 @@
           <a:p>
             <a:fld id="{7ACA203A-1341-45AE-8AE5-9E342A2C38C9}" type="datetimeFigureOut">
               <a:rPr lang="en-US" smtClean="0"/>
-              <a:t>2/23/17</a:t>
+              <a:t>3/16/17</a:t>
             </a:fld>
             <a:endParaRPr lang="en-US"/>
           </a:p>
@@ -11859,7 +11860,7 @@
           <a:p>
             <a:fld id="{7ACA203A-1341-45AE-8AE5-9E342A2C38C9}" type="datetimeFigureOut">
               <a:rPr lang="en-US" smtClean="0"/>
-              <a:t>2/23/17</a:t>
+              <a:t>3/16/17</a:t>
             </a:fld>
             <a:endParaRPr lang="en-US"/>
           </a:p>
@@ -12406,7 +12407,7 @@
           <a:p>
             <a:fld id="{BA5C85E4-B586-4D50-9BA0-0F3A58A49C8B}" type="datetimeFigureOut">
               <a:rPr lang="en-US" smtClean="0"/>
-              <a:t>2/23/17</a:t>
+              <a:t>3/16/17</a:t>
             </a:fld>
             <a:endParaRPr lang="en-US"/>
           </a:p>
@@ -13036,7 +13037,7 @@
           <a:p>
             <a:fld id="{027A1B2E-1286-4A75-915E-AE937742E7F1}" type="datetimeFigureOut">
               <a:rPr lang="en-US" smtClean="0"/>
-              <a:t>2/23/17</a:t>
+              <a:t>3/16/17</a:t>
             </a:fld>
             <a:endParaRPr lang="en-US"/>
           </a:p>
@@ -13719,7 +13720,7 @@
           <a:p>
             <a:fld id="{9C0D432E-3E9D-4011-B87F-F9F35BE171A9}" type="datetimeFigureOut">
               <a:rPr lang="en-US" smtClean="0"/>
-              <a:t>2/23/17</a:t>
+              <a:t>3/16/17</a:t>
             </a:fld>
             <a:endParaRPr lang="en-US"/>
           </a:p>
@@ -14453,6 +14454,3704 @@
 </file>
 
 <file path=ppt/slides/slide10.xml><?xml version="1.0" encoding="utf-8"?>
+<p:sld xmlns:a="http://schemas.openxmlformats.org/drawingml/2006/main" xmlns:r="http://schemas.openxmlformats.org/officeDocument/2006/relationships" xmlns:p="http://schemas.openxmlformats.org/presentationml/2006/main">
+  <p:cSld>
+    <p:spTree>
+      <p:nvGrpSpPr>
+        <p:cNvPr id="1" name=""/>
+        <p:cNvGrpSpPr/>
+        <p:nvPr/>
+      </p:nvGrpSpPr>
+      <p:grpSpPr>
+        <a:xfrm>
+          <a:off x="0" y="0"/>
+          <a:ext cx="0" cy="0"/>
+          <a:chOff x="0" y="0"/>
+          <a:chExt cx="0" cy="0"/>
+        </a:xfrm>
+      </p:grpSpPr>
+      <p:graphicFrame>
+        <p:nvGraphicFramePr>
+          <p:cNvPr id="258" name="Table 257"/>
+          <p:cNvGraphicFramePr>
+            <a:graphicFrameLocks noGrp="1"/>
+          </p:cNvGraphicFramePr>
+          <p:nvPr>
+            <p:extLst>
+              <p:ext uri="{D42A27DB-BD31-4B8C-83A1-F6EECF244321}">
+                <p14:modId xmlns:p14="http://schemas.microsoft.com/office/powerpoint/2010/main" val="3971871694"/>
+              </p:ext>
+            </p:extLst>
+          </p:nvPr>
+        </p:nvGraphicFramePr>
+        <p:xfrm>
+          <a:off x="1725435" y="157814"/>
+          <a:ext cx="8128000" cy="370840"/>
+        </p:xfrm>
+        <a:graphic>
+          <a:graphicData uri="http://schemas.openxmlformats.org/drawingml/2006/table">
+            <a:tbl>
+              <a:tblPr firstRow="1" bandRow="1">
+                <a:tableStyleId>{5C22544A-7EE6-4342-B048-85BDC9FD1C3A}</a:tableStyleId>
+              </a:tblPr>
+              <a:tblGrid>
+                <a:gridCol w="2032000"/>
+                <a:gridCol w="2032000"/>
+                <a:gridCol w="2032000"/>
+                <a:gridCol w="2032000"/>
+              </a:tblGrid>
+              <a:tr h="370840">
+                <a:tc>
+                  <a:txBody>
+                    <a:bodyPr/>
+                    <a:lstStyle/>
+                    <a:p>
+                      <a:r>
+                        <a:rPr lang="en-US" b="0" dirty="0" smtClean="0">
+                          <a:solidFill>
+                            <a:srgbClr val="000000"/>
+                          </a:solidFill>
+                          <a:latin typeface="Helvetica"/>
+                          <a:cs typeface="Helvetica"/>
+                        </a:rPr>
+                        <a:t>Sequencer</a:t>
+                      </a:r>
+                      <a:endParaRPr lang="en-US" b="0" dirty="0">
+                        <a:solidFill>
+                          <a:srgbClr val="000000"/>
+                        </a:solidFill>
+                        <a:latin typeface="Helvetica"/>
+                        <a:cs typeface="Helvetica"/>
+                      </a:endParaRPr>
+                    </a:p>
+                  </a:txBody>
+                  <a:tcPr>
+                    <a:lnL w="12700" cap="flat" cmpd="sng" algn="ctr">
+                      <a:solidFill>
+                        <a:scrgbClr r="0" g="0" b="0"/>
+                      </a:solidFill>
+                      <a:prstDash val="solid"/>
+                      <a:round/>
+                      <a:headEnd type="none" w="med" len="med"/>
+                      <a:tailEnd type="none" w="med" len="med"/>
+                    </a:lnL>
+                    <a:lnT w="12700" cap="flat" cmpd="sng" algn="ctr">
+                      <a:solidFill>
+                        <a:scrgbClr r="0" g="0" b="0"/>
+                      </a:solidFill>
+                      <a:prstDash val="solid"/>
+                      <a:round/>
+                      <a:headEnd type="none" w="med" len="med"/>
+                      <a:tailEnd type="none" w="med" len="med"/>
+                    </a:lnT>
+                    <a:lnB w="12700" cap="flat" cmpd="sng" algn="ctr">
+                      <a:solidFill>
+                        <a:scrgbClr r="0" g="0" b="0"/>
+                      </a:solidFill>
+                      <a:prstDash val="solid"/>
+                      <a:round/>
+                      <a:headEnd type="none" w="med" len="med"/>
+                      <a:tailEnd type="none" w="med" len="med"/>
+                    </a:lnB>
+                    <a:solidFill>
+                      <a:srgbClr val="FFFFFF"/>
+                    </a:solidFill>
+                  </a:tcPr>
+                </a:tc>
+                <a:tc>
+                  <a:txBody>
+                    <a:bodyPr/>
+                    <a:lstStyle/>
+                    <a:p>
+                      <a:r>
+                        <a:rPr lang="en-US" b="0" dirty="0" smtClean="0">
+                          <a:solidFill>
+                            <a:srgbClr val="000000"/>
+                          </a:solidFill>
+                          <a:latin typeface="Helvetica"/>
+                          <a:cs typeface="Helvetica"/>
+                        </a:rPr>
+                        <a:t>Client</a:t>
+                      </a:r>
+                      <a:endParaRPr lang="en-US" b="0" dirty="0">
+                        <a:solidFill>
+                          <a:srgbClr val="000000"/>
+                        </a:solidFill>
+                        <a:latin typeface="Helvetica"/>
+                        <a:cs typeface="Helvetica"/>
+                      </a:endParaRPr>
+                    </a:p>
+                  </a:txBody>
+                  <a:tcPr>
+                    <a:lnT w="12700" cap="flat" cmpd="sng" algn="ctr">
+                      <a:solidFill>
+                        <a:scrgbClr r="0" g="0" b="0"/>
+                      </a:solidFill>
+                      <a:prstDash val="solid"/>
+                      <a:round/>
+                      <a:headEnd type="none" w="med" len="med"/>
+                      <a:tailEnd type="none" w="med" len="med"/>
+                    </a:lnT>
+                    <a:lnB w="12700" cap="flat" cmpd="sng" algn="ctr">
+                      <a:solidFill>
+                        <a:scrgbClr r="0" g="0" b="0"/>
+                      </a:solidFill>
+                      <a:prstDash val="solid"/>
+                      <a:round/>
+                      <a:headEnd type="none" w="med" len="med"/>
+                      <a:tailEnd type="none" w="med" len="med"/>
+                    </a:lnB>
+                    <a:solidFill>
+                      <a:srgbClr val="FFFFFF"/>
+                    </a:solidFill>
+                  </a:tcPr>
+                </a:tc>
+                <a:tc>
+                  <a:txBody>
+                    <a:bodyPr/>
+                    <a:lstStyle/>
+                    <a:p>
+                      <a:r>
+                        <a:rPr lang="en-US" b="0" dirty="0" smtClean="0">
+                          <a:solidFill>
+                            <a:srgbClr val="000000"/>
+                          </a:solidFill>
+                          <a:latin typeface="Helvetica"/>
+                          <a:cs typeface="Helvetica"/>
+                        </a:rPr>
+                        <a:t>Request</a:t>
+                      </a:r>
+                      <a:endParaRPr lang="en-US" b="0" dirty="0">
+                        <a:solidFill>
+                          <a:srgbClr val="000000"/>
+                        </a:solidFill>
+                        <a:latin typeface="Helvetica"/>
+                        <a:cs typeface="Helvetica"/>
+                      </a:endParaRPr>
+                    </a:p>
+                  </a:txBody>
+                  <a:tcPr>
+                    <a:lnT w="12700" cap="flat" cmpd="sng" algn="ctr">
+                      <a:solidFill>
+                        <a:scrgbClr r="0" g="0" b="0"/>
+                      </a:solidFill>
+                      <a:prstDash val="solid"/>
+                      <a:round/>
+                      <a:headEnd type="none" w="med" len="med"/>
+                      <a:tailEnd type="none" w="med" len="med"/>
+                    </a:lnT>
+                    <a:lnB w="12700" cap="flat" cmpd="sng" algn="ctr">
+                      <a:solidFill>
+                        <a:scrgbClr r="0" g="0" b="0"/>
+                      </a:solidFill>
+                      <a:prstDash val="solid"/>
+                      <a:round/>
+                      <a:headEnd type="none" w="med" len="med"/>
+                      <a:tailEnd type="none" w="med" len="med"/>
+                    </a:lnB>
+                    <a:solidFill>
+                      <a:srgbClr val="FFFFFF"/>
+                    </a:solidFill>
+                  </a:tcPr>
+                </a:tc>
+                <a:tc>
+                  <a:txBody>
+                    <a:bodyPr/>
+                    <a:lstStyle/>
+                    <a:p>
+                      <a:r>
+                        <a:rPr lang="en-US" b="0" dirty="0" smtClean="0">
+                          <a:solidFill>
+                            <a:srgbClr val="000000"/>
+                          </a:solidFill>
+                          <a:latin typeface="Helvetica"/>
+                          <a:cs typeface="Helvetica"/>
+                        </a:rPr>
+                        <a:t>Response</a:t>
+                      </a:r>
+                      <a:endParaRPr lang="en-US" b="0" dirty="0">
+                        <a:solidFill>
+                          <a:srgbClr val="000000"/>
+                        </a:solidFill>
+                        <a:latin typeface="Helvetica"/>
+                        <a:cs typeface="Helvetica"/>
+                      </a:endParaRPr>
+                    </a:p>
+                  </a:txBody>
+                  <a:tcPr>
+                    <a:lnR w="12700" cap="flat" cmpd="sng" algn="ctr">
+                      <a:solidFill>
+                        <a:scrgbClr r="0" g="0" b="0"/>
+                      </a:solidFill>
+                      <a:prstDash val="solid"/>
+                      <a:round/>
+                      <a:headEnd type="none" w="med" len="med"/>
+                      <a:tailEnd type="none" w="med" len="med"/>
+                    </a:lnR>
+                    <a:lnT w="12700" cap="flat" cmpd="sng" algn="ctr">
+                      <a:solidFill>
+                        <a:scrgbClr r="0" g="0" b="0"/>
+                      </a:solidFill>
+                      <a:prstDash val="solid"/>
+                      <a:round/>
+                      <a:headEnd type="none" w="med" len="med"/>
+                      <a:tailEnd type="none" w="med" len="med"/>
+                    </a:lnT>
+                    <a:lnB w="12700" cap="flat" cmpd="sng" algn="ctr">
+                      <a:solidFill>
+                        <a:scrgbClr r="0" g="0" b="0"/>
+                      </a:solidFill>
+                      <a:prstDash val="solid"/>
+                      <a:round/>
+                      <a:headEnd type="none" w="med" len="med"/>
+                      <a:tailEnd type="none" w="med" len="med"/>
+                    </a:lnB>
+                    <a:solidFill>
+                      <a:srgbClr val="FFFFFF"/>
+                    </a:solidFill>
+                  </a:tcPr>
+                </a:tc>
+              </a:tr>
+            </a:tbl>
+          </a:graphicData>
+        </a:graphic>
+      </p:graphicFrame>
+      <p:grpSp>
+        <p:nvGrpSpPr>
+          <p:cNvPr id="10" name="Group 9"/>
+          <p:cNvGrpSpPr/>
+          <p:nvPr/>
+        </p:nvGrpSpPr>
+        <p:grpSpPr>
+          <a:xfrm>
+            <a:off x="390238" y="2143568"/>
+            <a:ext cx="1523996" cy="1523996"/>
+            <a:chOff x="3993828" y="5252850"/>
+            <a:chExt cx="667364" cy="667364"/>
+          </a:xfrm>
+        </p:grpSpPr>
+        <p:sp>
+          <p:nvSpPr>
+            <p:cNvPr id="11" name="Rounded Rectangle 10"/>
+            <p:cNvSpPr/>
+            <p:nvPr/>
+          </p:nvSpPr>
+          <p:spPr>
+            <a:xfrm>
+              <a:off x="3993828" y="5252850"/>
+              <a:ext cx="667364" cy="667364"/>
+            </a:xfrm>
+            <a:prstGeom prst="roundRect">
+              <a:avLst/>
+            </a:prstGeom>
+            <a:solidFill>
+              <a:srgbClr val="D0CECE"/>
+            </a:solidFill>
+            <a:ln>
+              <a:solidFill>
+                <a:schemeClr val="tx1"/>
+              </a:solidFill>
+            </a:ln>
+          </p:spPr>
+          <p:style>
+            <a:lnRef idx="2">
+              <a:schemeClr val="accent1">
+                <a:shade val="50000"/>
+              </a:schemeClr>
+            </a:lnRef>
+            <a:fillRef idx="1">
+              <a:schemeClr val="accent1"/>
+            </a:fillRef>
+            <a:effectRef idx="0">
+              <a:schemeClr val="accent1"/>
+            </a:effectRef>
+            <a:fontRef idx="minor">
+              <a:schemeClr val="lt1"/>
+            </a:fontRef>
+          </p:style>
+          <p:txBody>
+            <a:bodyPr rtlCol="0" anchor="ctr"/>
+            <a:lstStyle/>
+            <a:p>
+              <a:pPr algn="ctr"/>
+              <a:endParaRPr lang="en-US" sz="1200" dirty="0">
+                <a:solidFill>
+                  <a:schemeClr val="bg1"/>
+                </a:solidFill>
+                <a:latin typeface="Helvetica"/>
+                <a:cs typeface="Helvetica"/>
+              </a:endParaRPr>
+            </a:p>
+          </p:txBody>
+        </p:sp>
+        <p:sp>
+          <p:nvSpPr>
+            <p:cNvPr id="12" name="Rounded Rectangle 11"/>
+            <p:cNvSpPr/>
+            <p:nvPr/>
+          </p:nvSpPr>
+          <p:spPr>
+            <a:xfrm>
+              <a:off x="4019956" y="5291904"/>
+              <a:ext cx="615835" cy="602910"/>
+            </a:xfrm>
+            <a:prstGeom prst="roundRect">
+              <a:avLst/>
+            </a:prstGeom>
+            <a:solidFill>
+              <a:srgbClr val="38424C"/>
+            </a:solidFill>
+            <a:ln>
+              <a:solidFill>
+                <a:schemeClr val="tx1"/>
+              </a:solidFill>
+            </a:ln>
+          </p:spPr>
+          <p:style>
+            <a:lnRef idx="2">
+              <a:schemeClr val="accent1">
+                <a:shade val="50000"/>
+              </a:schemeClr>
+            </a:lnRef>
+            <a:fillRef idx="1">
+              <a:schemeClr val="accent1"/>
+            </a:fillRef>
+            <a:effectRef idx="0">
+              <a:schemeClr val="accent1"/>
+            </a:effectRef>
+            <a:fontRef idx="minor">
+              <a:schemeClr val="lt1"/>
+            </a:fontRef>
+          </p:style>
+          <p:txBody>
+            <a:bodyPr rtlCol="0" anchor="t"/>
+            <a:lstStyle/>
+            <a:p>
+              <a:pPr algn="ctr"/>
+              <a:r>
+                <a:rPr lang="en-US" sz="2000" b="1" dirty="0" smtClean="0">
+                  <a:solidFill>
+                    <a:schemeClr val="bg1"/>
+                  </a:solidFill>
+                  <a:latin typeface="Helvetica"/>
+                  <a:cs typeface="Helvetica"/>
+                </a:rPr>
+                <a:t>Server A</a:t>
+              </a:r>
+              <a:endParaRPr lang="en-US" sz="2000" b="1" dirty="0">
+                <a:solidFill>
+                  <a:schemeClr val="bg1"/>
+                </a:solidFill>
+                <a:latin typeface="Helvetica"/>
+                <a:cs typeface="Helvetica"/>
+              </a:endParaRPr>
+            </a:p>
+          </p:txBody>
+        </p:sp>
+      </p:grpSp>
+      <p:grpSp>
+        <p:nvGrpSpPr>
+          <p:cNvPr id="35" name="Group 34"/>
+          <p:cNvGrpSpPr/>
+          <p:nvPr/>
+        </p:nvGrpSpPr>
+        <p:grpSpPr>
+          <a:xfrm>
+            <a:off x="1988129" y="2144723"/>
+            <a:ext cx="1523996" cy="1523996"/>
+            <a:chOff x="3993828" y="5252850"/>
+            <a:chExt cx="667364" cy="667364"/>
+          </a:xfrm>
+        </p:grpSpPr>
+        <p:sp>
+          <p:nvSpPr>
+            <p:cNvPr id="36" name="Rounded Rectangle 35"/>
+            <p:cNvSpPr/>
+            <p:nvPr/>
+          </p:nvSpPr>
+          <p:spPr>
+            <a:xfrm>
+              <a:off x="3993828" y="5252850"/>
+              <a:ext cx="667364" cy="667364"/>
+            </a:xfrm>
+            <a:prstGeom prst="roundRect">
+              <a:avLst/>
+            </a:prstGeom>
+            <a:solidFill>
+              <a:srgbClr val="D0CECE"/>
+            </a:solidFill>
+            <a:ln>
+              <a:solidFill>
+                <a:schemeClr val="tx1"/>
+              </a:solidFill>
+            </a:ln>
+          </p:spPr>
+          <p:style>
+            <a:lnRef idx="2">
+              <a:schemeClr val="accent1">
+                <a:shade val="50000"/>
+              </a:schemeClr>
+            </a:lnRef>
+            <a:fillRef idx="1">
+              <a:schemeClr val="accent1"/>
+            </a:fillRef>
+            <a:effectRef idx="0">
+              <a:schemeClr val="accent1"/>
+            </a:effectRef>
+            <a:fontRef idx="minor">
+              <a:schemeClr val="lt1"/>
+            </a:fontRef>
+          </p:style>
+          <p:txBody>
+            <a:bodyPr rtlCol="0" anchor="ctr"/>
+            <a:lstStyle/>
+            <a:p>
+              <a:pPr algn="ctr"/>
+              <a:endParaRPr lang="en-US" sz="1200" dirty="0">
+                <a:solidFill>
+                  <a:schemeClr val="bg1"/>
+                </a:solidFill>
+                <a:latin typeface="Helvetica"/>
+                <a:cs typeface="Helvetica"/>
+              </a:endParaRPr>
+            </a:p>
+          </p:txBody>
+        </p:sp>
+        <p:sp>
+          <p:nvSpPr>
+            <p:cNvPr id="37" name="Rounded Rectangle 36"/>
+            <p:cNvSpPr/>
+            <p:nvPr/>
+          </p:nvSpPr>
+          <p:spPr>
+            <a:xfrm>
+              <a:off x="4019956" y="5291904"/>
+              <a:ext cx="615835" cy="602910"/>
+            </a:xfrm>
+            <a:prstGeom prst="roundRect">
+              <a:avLst/>
+            </a:prstGeom>
+            <a:solidFill>
+              <a:srgbClr val="38424C"/>
+            </a:solidFill>
+            <a:ln>
+              <a:solidFill>
+                <a:schemeClr val="tx1"/>
+              </a:solidFill>
+            </a:ln>
+          </p:spPr>
+          <p:style>
+            <a:lnRef idx="2">
+              <a:schemeClr val="accent1">
+                <a:shade val="50000"/>
+              </a:schemeClr>
+            </a:lnRef>
+            <a:fillRef idx="1">
+              <a:schemeClr val="accent1"/>
+            </a:fillRef>
+            <a:effectRef idx="0">
+              <a:schemeClr val="accent1"/>
+            </a:effectRef>
+            <a:fontRef idx="minor">
+              <a:schemeClr val="lt1"/>
+            </a:fontRef>
+          </p:style>
+          <p:txBody>
+            <a:bodyPr rtlCol="0" anchor="t"/>
+            <a:lstStyle/>
+            <a:p>
+              <a:pPr algn="ctr"/>
+              <a:r>
+                <a:rPr lang="en-US" sz="2000" b="1" dirty="0" smtClean="0">
+                  <a:solidFill>
+                    <a:schemeClr val="bg1"/>
+                  </a:solidFill>
+                  <a:latin typeface="Helvetica"/>
+                  <a:cs typeface="Helvetica"/>
+                </a:rPr>
+                <a:t>Server B</a:t>
+              </a:r>
+              <a:endParaRPr lang="en-US" sz="2000" b="1" dirty="0">
+                <a:solidFill>
+                  <a:schemeClr val="bg1"/>
+                </a:solidFill>
+                <a:latin typeface="Helvetica"/>
+                <a:cs typeface="Helvetica"/>
+              </a:endParaRPr>
+            </a:p>
+          </p:txBody>
+        </p:sp>
+      </p:grpSp>
+      <p:sp>
+        <p:nvSpPr>
+          <p:cNvPr id="42" name="Oval 41"/>
+          <p:cNvSpPr/>
+          <p:nvPr/>
+        </p:nvSpPr>
+        <p:spPr>
+          <a:xfrm>
+            <a:off x="1261297" y="2941784"/>
+            <a:ext cx="406400" cy="406400"/>
+          </a:xfrm>
+          <a:prstGeom prst="ellipse">
+            <a:avLst/>
+          </a:prstGeom>
+          <a:solidFill>
+            <a:schemeClr val="bg1"/>
+          </a:solidFill>
+          <a:ln>
+            <a:solidFill>
+              <a:srgbClr val="000000"/>
+            </a:solidFill>
+          </a:ln>
+        </p:spPr>
+        <p:style>
+          <a:lnRef idx="1">
+            <a:schemeClr val="dk1"/>
+          </a:lnRef>
+          <a:fillRef idx="3">
+            <a:schemeClr val="dk1"/>
+          </a:fillRef>
+          <a:effectRef idx="2">
+            <a:schemeClr val="dk1"/>
+          </a:effectRef>
+          <a:fontRef idx="minor">
+            <a:schemeClr val="lt1"/>
+          </a:fontRef>
+        </p:style>
+        <p:txBody>
+          <a:bodyPr rtlCol="0" anchor="b"/>
+          <a:lstStyle/>
+          <a:p>
+            <a:pPr algn="ctr"/>
+            <a:r>
+              <a:rPr lang="en-US" dirty="0">
+                <a:solidFill>
+                  <a:schemeClr val="tx1"/>
+                </a:solidFill>
+                <a:latin typeface="Helvetica"/>
+                <a:cs typeface="Helvetica"/>
+              </a:rPr>
+              <a:t>2</a:t>
+            </a:r>
+          </a:p>
+        </p:txBody>
+      </p:sp>
+      <p:sp>
+        <p:nvSpPr>
+          <p:cNvPr id="44" name="Oval 43"/>
+          <p:cNvSpPr/>
+          <p:nvPr/>
+        </p:nvSpPr>
+        <p:spPr>
+          <a:xfrm>
+            <a:off x="799467" y="2933553"/>
+            <a:ext cx="406400" cy="406400"/>
+          </a:xfrm>
+          <a:prstGeom prst="ellipse">
+            <a:avLst/>
+          </a:prstGeom>
+          <a:solidFill>
+            <a:schemeClr val="bg1"/>
+          </a:solidFill>
+          <a:ln>
+            <a:solidFill>
+              <a:srgbClr val="000000"/>
+            </a:solidFill>
+          </a:ln>
+        </p:spPr>
+        <p:style>
+          <a:lnRef idx="1">
+            <a:schemeClr val="dk1"/>
+          </a:lnRef>
+          <a:fillRef idx="3">
+            <a:schemeClr val="dk1"/>
+          </a:fillRef>
+          <a:effectRef idx="2">
+            <a:schemeClr val="dk1"/>
+          </a:effectRef>
+          <a:fontRef idx="minor">
+            <a:schemeClr val="lt1"/>
+          </a:fontRef>
+        </p:style>
+        <p:txBody>
+          <a:bodyPr rtlCol="0" anchor="b"/>
+          <a:lstStyle/>
+          <a:p>
+            <a:pPr algn="ctr"/>
+            <a:r>
+              <a:rPr lang="en-US" dirty="0">
+                <a:solidFill>
+                  <a:schemeClr val="tx1"/>
+                </a:solidFill>
+                <a:latin typeface="Helvetica"/>
+                <a:cs typeface="Helvetica"/>
+              </a:rPr>
+              <a:t>1</a:t>
+            </a:r>
+          </a:p>
+        </p:txBody>
+      </p:sp>
+      <p:sp>
+        <p:nvSpPr>
+          <p:cNvPr id="50" name="Smiley Face 49"/>
+          <p:cNvSpPr/>
+          <p:nvPr/>
+        </p:nvSpPr>
+        <p:spPr>
+          <a:xfrm>
+            <a:off x="187037" y="708755"/>
+            <a:ext cx="317500" cy="317500"/>
+          </a:xfrm>
+          <a:prstGeom prst="smileyFace">
+            <a:avLst/>
+          </a:prstGeom>
+          <a:solidFill>
+            <a:srgbClr val="FFFFFF"/>
+          </a:solidFill>
+          <a:ln>
+            <a:solidFill>
+              <a:srgbClr val="000000"/>
+            </a:solidFill>
+          </a:ln>
+        </p:spPr>
+        <p:style>
+          <a:lnRef idx="1">
+            <a:schemeClr val="accent1"/>
+          </a:lnRef>
+          <a:fillRef idx="3">
+            <a:schemeClr val="accent1"/>
+          </a:fillRef>
+          <a:effectRef idx="2">
+            <a:schemeClr val="accent1"/>
+          </a:effectRef>
+          <a:fontRef idx="minor">
+            <a:schemeClr val="lt1"/>
+          </a:fontRef>
+        </p:style>
+        <p:txBody>
+          <a:bodyPr rtlCol="0" anchor="ctr"/>
+          <a:lstStyle/>
+          <a:p>
+            <a:pPr algn="ctr"/>
+            <a:endParaRPr lang="en-US" dirty="0"/>
+          </a:p>
+        </p:txBody>
+      </p:sp>
+      <p:sp>
+        <p:nvSpPr>
+          <p:cNvPr id="51" name="Smiley Face 50"/>
+          <p:cNvSpPr/>
+          <p:nvPr/>
+        </p:nvSpPr>
+        <p:spPr>
+          <a:xfrm>
+            <a:off x="580737" y="708755"/>
+            <a:ext cx="317500" cy="317500"/>
+          </a:xfrm>
+          <a:prstGeom prst="smileyFace">
+            <a:avLst/>
+          </a:prstGeom>
+          <a:solidFill>
+            <a:srgbClr val="FFFFFF"/>
+          </a:solidFill>
+          <a:ln>
+            <a:solidFill>
+              <a:srgbClr val="000000"/>
+            </a:solidFill>
+          </a:ln>
+        </p:spPr>
+        <p:style>
+          <a:lnRef idx="1">
+            <a:schemeClr val="accent1"/>
+          </a:lnRef>
+          <a:fillRef idx="3">
+            <a:schemeClr val="accent1"/>
+          </a:fillRef>
+          <a:effectRef idx="2">
+            <a:schemeClr val="accent1"/>
+          </a:effectRef>
+          <a:fontRef idx="minor">
+            <a:schemeClr val="lt1"/>
+          </a:fontRef>
+        </p:style>
+        <p:txBody>
+          <a:bodyPr rtlCol="0" anchor="ctr"/>
+          <a:lstStyle/>
+          <a:p>
+            <a:pPr algn="ctr"/>
+            <a:endParaRPr lang="en-US" dirty="0"/>
+          </a:p>
+        </p:txBody>
+      </p:sp>
+      <p:sp>
+        <p:nvSpPr>
+          <p:cNvPr id="52" name="Smiley Face 51"/>
+          <p:cNvSpPr/>
+          <p:nvPr/>
+        </p:nvSpPr>
+        <p:spPr>
+          <a:xfrm>
+            <a:off x="733137" y="861155"/>
+            <a:ext cx="317500" cy="317500"/>
+          </a:xfrm>
+          <a:prstGeom prst="smileyFace">
+            <a:avLst/>
+          </a:prstGeom>
+          <a:solidFill>
+            <a:srgbClr val="FFFFFF"/>
+          </a:solidFill>
+          <a:ln>
+            <a:solidFill>
+              <a:srgbClr val="000000"/>
+            </a:solidFill>
+          </a:ln>
+        </p:spPr>
+        <p:style>
+          <a:lnRef idx="1">
+            <a:schemeClr val="accent1"/>
+          </a:lnRef>
+          <a:fillRef idx="3">
+            <a:schemeClr val="accent1"/>
+          </a:fillRef>
+          <a:effectRef idx="2">
+            <a:schemeClr val="accent1"/>
+          </a:effectRef>
+          <a:fontRef idx="minor">
+            <a:schemeClr val="lt1"/>
+          </a:fontRef>
+        </p:style>
+        <p:txBody>
+          <a:bodyPr rtlCol="0" anchor="ctr"/>
+          <a:lstStyle/>
+          <a:p>
+            <a:pPr algn="ctr"/>
+            <a:endParaRPr lang="en-US" dirty="0"/>
+          </a:p>
+        </p:txBody>
+      </p:sp>
+      <p:sp>
+        <p:nvSpPr>
+          <p:cNvPr id="53" name="Smiley Face 52"/>
+          <p:cNvSpPr/>
+          <p:nvPr/>
+        </p:nvSpPr>
+        <p:spPr>
+          <a:xfrm>
+            <a:off x="339437" y="861155"/>
+            <a:ext cx="317500" cy="317500"/>
+          </a:xfrm>
+          <a:prstGeom prst="smileyFace">
+            <a:avLst/>
+          </a:prstGeom>
+          <a:solidFill>
+            <a:srgbClr val="FFFFFF"/>
+          </a:solidFill>
+          <a:ln>
+            <a:solidFill>
+              <a:srgbClr val="000000"/>
+            </a:solidFill>
+          </a:ln>
+        </p:spPr>
+        <p:style>
+          <a:lnRef idx="1">
+            <a:schemeClr val="accent1"/>
+          </a:lnRef>
+          <a:fillRef idx="3">
+            <a:schemeClr val="accent1"/>
+          </a:fillRef>
+          <a:effectRef idx="2">
+            <a:schemeClr val="accent1"/>
+          </a:effectRef>
+          <a:fontRef idx="minor">
+            <a:schemeClr val="lt1"/>
+          </a:fontRef>
+        </p:style>
+        <p:txBody>
+          <a:bodyPr rtlCol="0" anchor="ctr"/>
+          <a:lstStyle/>
+          <a:p>
+            <a:pPr algn="ctr"/>
+            <a:endParaRPr lang="en-US" dirty="0"/>
+          </a:p>
+        </p:txBody>
+      </p:sp>
+      <p:sp>
+        <p:nvSpPr>
+          <p:cNvPr id="54" name="Smiley Face 53"/>
+          <p:cNvSpPr/>
+          <p:nvPr/>
+        </p:nvSpPr>
+        <p:spPr>
+          <a:xfrm>
+            <a:off x="491837" y="1013555"/>
+            <a:ext cx="317500" cy="317500"/>
+          </a:xfrm>
+          <a:prstGeom prst="smileyFace">
+            <a:avLst/>
+          </a:prstGeom>
+          <a:solidFill>
+            <a:srgbClr val="FFFFFF"/>
+          </a:solidFill>
+          <a:ln>
+            <a:solidFill>
+              <a:srgbClr val="000000"/>
+            </a:solidFill>
+          </a:ln>
+        </p:spPr>
+        <p:style>
+          <a:lnRef idx="1">
+            <a:schemeClr val="accent1"/>
+          </a:lnRef>
+          <a:fillRef idx="3">
+            <a:schemeClr val="accent1"/>
+          </a:fillRef>
+          <a:effectRef idx="2">
+            <a:schemeClr val="accent1"/>
+          </a:effectRef>
+          <a:fontRef idx="minor">
+            <a:schemeClr val="lt1"/>
+          </a:fontRef>
+        </p:style>
+        <p:txBody>
+          <a:bodyPr rtlCol="0" anchor="ctr"/>
+          <a:lstStyle/>
+          <a:p>
+            <a:pPr algn="ctr"/>
+            <a:endParaRPr lang="en-US" dirty="0"/>
+          </a:p>
+        </p:txBody>
+      </p:sp>
+      <p:sp>
+        <p:nvSpPr>
+          <p:cNvPr id="55" name="Smiley Face 54"/>
+          <p:cNvSpPr/>
+          <p:nvPr/>
+        </p:nvSpPr>
+        <p:spPr>
+          <a:xfrm>
+            <a:off x="1241137" y="721455"/>
+            <a:ext cx="317500" cy="317500"/>
+          </a:xfrm>
+          <a:prstGeom prst="smileyFace">
+            <a:avLst/>
+          </a:prstGeom>
+          <a:solidFill>
+            <a:srgbClr val="FFFFFF"/>
+          </a:solidFill>
+          <a:ln>
+            <a:solidFill>
+              <a:srgbClr val="000000"/>
+            </a:solidFill>
+          </a:ln>
+        </p:spPr>
+        <p:style>
+          <a:lnRef idx="1">
+            <a:schemeClr val="accent1"/>
+          </a:lnRef>
+          <a:fillRef idx="3">
+            <a:schemeClr val="accent1"/>
+          </a:fillRef>
+          <a:effectRef idx="2">
+            <a:schemeClr val="accent1"/>
+          </a:effectRef>
+          <a:fontRef idx="minor">
+            <a:schemeClr val="lt1"/>
+          </a:fontRef>
+        </p:style>
+        <p:txBody>
+          <a:bodyPr rtlCol="0" anchor="ctr"/>
+          <a:lstStyle/>
+          <a:p>
+            <a:pPr algn="ctr"/>
+            <a:endParaRPr lang="en-US" dirty="0"/>
+          </a:p>
+        </p:txBody>
+      </p:sp>
+      <p:sp>
+        <p:nvSpPr>
+          <p:cNvPr id="56" name="Smiley Face 55"/>
+          <p:cNvSpPr/>
+          <p:nvPr/>
+        </p:nvSpPr>
+        <p:spPr>
+          <a:xfrm>
+            <a:off x="1634837" y="721455"/>
+            <a:ext cx="317500" cy="317500"/>
+          </a:xfrm>
+          <a:prstGeom prst="smileyFace">
+            <a:avLst/>
+          </a:prstGeom>
+          <a:solidFill>
+            <a:srgbClr val="FFFFFF"/>
+          </a:solidFill>
+          <a:ln>
+            <a:solidFill>
+              <a:srgbClr val="000000"/>
+            </a:solidFill>
+          </a:ln>
+        </p:spPr>
+        <p:style>
+          <a:lnRef idx="1">
+            <a:schemeClr val="accent1"/>
+          </a:lnRef>
+          <a:fillRef idx="3">
+            <a:schemeClr val="accent1"/>
+          </a:fillRef>
+          <a:effectRef idx="2">
+            <a:schemeClr val="accent1"/>
+          </a:effectRef>
+          <a:fontRef idx="minor">
+            <a:schemeClr val="lt1"/>
+          </a:fontRef>
+        </p:style>
+        <p:txBody>
+          <a:bodyPr rtlCol="0" anchor="ctr"/>
+          <a:lstStyle/>
+          <a:p>
+            <a:pPr algn="ctr"/>
+            <a:endParaRPr lang="en-US" dirty="0"/>
+          </a:p>
+        </p:txBody>
+      </p:sp>
+      <p:sp>
+        <p:nvSpPr>
+          <p:cNvPr id="57" name="Smiley Face 56"/>
+          <p:cNvSpPr/>
+          <p:nvPr/>
+        </p:nvSpPr>
+        <p:spPr>
+          <a:xfrm>
+            <a:off x="1787237" y="873855"/>
+            <a:ext cx="317500" cy="317500"/>
+          </a:xfrm>
+          <a:prstGeom prst="smileyFace">
+            <a:avLst/>
+          </a:prstGeom>
+          <a:solidFill>
+            <a:srgbClr val="FFFFFF"/>
+          </a:solidFill>
+          <a:ln>
+            <a:solidFill>
+              <a:srgbClr val="000000"/>
+            </a:solidFill>
+          </a:ln>
+        </p:spPr>
+        <p:style>
+          <a:lnRef idx="1">
+            <a:schemeClr val="accent1"/>
+          </a:lnRef>
+          <a:fillRef idx="3">
+            <a:schemeClr val="accent1"/>
+          </a:fillRef>
+          <a:effectRef idx="2">
+            <a:schemeClr val="accent1"/>
+          </a:effectRef>
+          <a:fontRef idx="minor">
+            <a:schemeClr val="lt1"/>
+          </a:fontRef>
+        </p:style>
+        <p:txBody>
+          <a:bodyPr rtlCol="0" anchor="ctr"/>
+          <a:lstStyle/>
+          <a:p>
+            <a:pPr algn="ctr"/>
+            <a:endParaRPr lang="en-US" dirty="0"/>
+          </a:p>
+        </p:txBody>
+      </p:sp>
+      <p:sp>
+        <p:nvSpPr>
+          <p:cNvPr id="58" name="Smiley Face 57"/>
+          <p:cNvSpPr/>
+          <p:nvPr/>
+        </p:nvSpPr>
+        <p:spPr>
+          <a:xfrm>
+            <a:off x="1393537" y="873855"/>
+            <a:ext cx="317500" cy="317500"/>
+          </a:xfrm>
+          <a:prstGeom prst="smileyFace">
+            <a:avLst/>
+          </a:prstGeom>
+          <a:solidFill>
+            <a:srgbClr val="FFFFFF"/>
+          </a:solidFill>
+          <a:ln>
+            <a:solidFill>
+              <a:srgbClr val="000000"/>
+            </a:solidFill>
+          </a:ln>
+        </p:spPr>
+        <p:style>
+          <a:lnRef idx="1">
+            <a:schemeClr val="accent1"/>
+          </a:lnRef>
+          <a:fillRef idx="3">
+            <a:schemeClr val="accent1"/>
+          </a:fillRef>
+          <a:effectRef idx="2">
+            <a:schemeClr val="accent1"/>
+          </a:effectRef>
+          <a:fontRef idx="minor">
+            <a:schemeClr val="lt1"/>
+          </a:fontRef>
+        </p:style>
+        <p:txBody>
+          <a:bodyPr rtlCol="0" anchor="ctr"/>
+          <a:lstStyle/>
+          <a:p>
+            <a:pPr algn="ctr"/>
+            <a:endParaRPr lang="en-US" dirty="0"/>
+          </a:p>
+        </p:txBody>
+      </p:sp>
+      <p:sp>
+        <p:nvSpPr>
+          <p:cNvPr id="59" name="Smiley Face 58"/>
+          <p:cNvSpPr/>
+          <p:nvPr/>
+        </p:nvSpPr>
+        <p:spPr>
+          <a:xfrm>
+            <a:off x="1545937" y="1026255"/>
+            <a:ext cx="317500" cy="317500"/>
+          </a:xfrm>
+          <a:prstGeom prst="smileyFace">
+            <a:avLst/>
+          </a:prstGeom>
+          <a:solidFill>
+            <a:srgbClr val="FFFFFF"/>
+          </a:solidFill>
+          <a:ln>
+            <a:solidFill>
+              <a:srgbClr val="000000"/>
+            </a:solidFill>
+          </a:ln>
+        </p:spPr>
+        <p:style>
+          <a:lnRef idx="1">
+            <a:schemeClr val="accent1"/>
+          </a:lnRef>
+          <a:fillRef idx="3">
+            <a:schemeClr val="accent1"/>
+          </a:fillRef>
+          <a:effectRef idx="2">
+            <a:schemeClr val="accent1"/>
+          </a:effectRef>
+          <a:fontRef idx="minor">
+            <a:schemeClr val="lt1"/>
+          </a:fontRef>
+        </p:style>
+        <p:txBody>
+          <a:bodyPr rtlCol="0" anchor="ctr"/>
+          <a:lstStyle/>
+          <a:p>
+            <a:pPr algn="ctr"/>
+            <a:endParaRPr lang="en-US" dirty="0"/>
+          </a:p>
+        </p:txBody>
+      </p:sp>
+      <p:cxnSp>
+        <p:nvCxnSpPr>
+          <p:cNvPr id="61" name="Straight Arrow Connector 60"/>
+          <p:cNvCxnSpPr>
+            <a:stCxn id="54" idx="4"/>
+          </p:cNvCxnSpPr>
+          <p:nvPr/>
+        </p:nvCxnSpPr>
+        <p:spPr>
+          <a:xfrm>
+            <a:off x="650587" y="1331055"/>
+            <a:ext cx="19050" cy="825500"/>
+          </a:xfrm>
+          <a:prstGeom prst="straightConnector1">
+            <a:avLst/>
+          </a:prstGeom>
+          <a:ln>
+            <a:solidFill>
+              <a:srgbClr val="000000"/>
+            </a:solidFill>
+            <a:tailEnd type="arrow"/>
+          </a:ln>
+        </p:spPr>
+        <p:style>
+          <a:lnRef idx="2">
+            <a:schemeClr val="accent1"/>
+          </a:lnRef>
+          <a:fillRef idx="0">
+            <a:schemeClr val="accent1"/>
+          </a:fillRef>
+          <a:effectRef idx="1">
+            <a:schemeClr val="accent1"/>
+          </a:effectRef>
+          <a:fontRef idx="minor">
+            <a:schemeClr val="tx1"/>
+          </a:fontRef>
+        </p:style>
+      </p:cxnSp>
+      <p:cxnSp>
+        <p:nvCxnSpPr>
+          <p:cNvPr id="62" name="Straight Arrow Connector 61"/>
+          <p:cNvCxnSpPr/>
+          <p:nvPr/>
+        </p:nvCxnSpPr>
+        <p:spPr>
+          <a:xfrm>
+            <a:off x="1691987" y="1356455"/>
+            <a:ext cx="19050" cy="825500"/>
+          </a:xfrm>
+          <a:prstGeom prst="straightConnector1">
+            <a:avLst/>
+          </a:prstGeom>
+          <a:ln>
+            <a:solidFill>
+              <a:srgbClr val="000000"/>
+            </a:solidFill>
+            <a:tailEnd type="arrow"/>
+          </a:ln>
+        </p:spPr>
+        <p:style>
+          <a:lnRef idx="2">
+            <a:schemeClr val="accent1"/>
+          </a:lnRef>
+          <a:fillRef idx="0">
+            <a:schemeClr val="accent1"/>
+          </a:fillRef>
+          <a:effectRef idx="1">
+            <a:schemeClr val="accent1"/>
+          </a:effectRef>
+          <a:fontRef idx="minor">
+            <a:schemeClr val="tx1"/>
+          </a:fontRef>
+        </p:style>
+      </p:cxnSp>
+      <p:sp>
+        <p:nvSpPr>
+          <p:cNvPr id="63" name="TextBox 62"/>
+          <p:cNvSpPr txBox="1"/>
+          <p:nvPr/>
+        </p:nvSpPr>
+        <p:spPr>
+          <a:xfrm>
+            <a:off x="2236355" y="684510"/>
+            <a:ext cx="1460500" cy="646331"/>
+          </a:xfrm>
+          <a:prstGeom prst="rect">
+            <a:avLst/>
+          </a:prstGeom>
+          <a:noFill/>
+        </p:spPr>
+        <p:txBody>
+          <a:bodyPr wrap="square" rtlCol="0">
+            <a:spAutoFit/>
+          </a:bodyPr>
+          <a:lstStyle/>
+          <a:p>
+            <a:pPr algn="ctr"/>
+            <a:r>
+              <a:rPr lang="en-US" dirty="0" smtClean="0">
+                <a:latin typeface="Helvetica"/>
+                <a:cs typeface="Helvetica"/>
+              </a:rPr>
+              <a:t>No Balancing</a:t>
+            </a:r>
+          </a:p>
+        </p:txBody>
+      </p:sp>
+      <p:grpSp>
+        <p:nvGrpSpPr>
+          <p:cNvPr id="64" name="Group 63"/>
+          <p:cNvGrpSpPr/>
+          <p:nvPr/>
+        </p:nvGrpSpPr>
+        <p:grpSpPr>
+          <a:xfrm>
+            <a:off x="4079011" y="2155113"/>
+            <a:ext cx="1523996" cy="1523996"/>
+            <a:chOff x="3993828" y="5252850"/>
+            <a:chExt cx="667364" cy="667364"/>
+          </a:xfrm>
+        </p:grpSpPr>
+        <p:sp>
+          <p:nvSpPr>
+            <p:cNvPr id="65" name="Rounded Rectangle 64"/>
+            <p:cNvSpPr/>
+            <p:nvPr/>
+          </p:nvSpPr>
+          <p:spPr>
+            <a:xfrm>
+              <a:off x="3993828" y="5252850"/>
+              <a:ext cx="667364" cy="667364"/>
+            </a:xfrm>
+            <a:prstGeom prst="roundRect">
+              <a:avLst/>
+            </a:prstGeom>
+            <a:solidFill>
+              <a:srgbClr val="D0CECE"/>
+            </a:solidFill>
+            <a:ln>
+              <a:solidFill>
+                <a:schemeClr val="tx1"/>
+              </a:solidFill>
+            </a:ln>
+          </p:spPr>
+          <p:style>
+            <a:lnRef idx="2">
+              <a:schemeClr val="accent1">
+                <a:shade val="50000"/>
+              </a:schemeClr>
+            </a:lnRef>
+            <a:fillRef idx="1">
+              <a:schemeClr val="accent1"/>
+            </a:fillRef>
+            <a:effectRef idx="0">
+              <a:schemeClr val="accent1"/>
+            </a:effectRef>
+            <a:fontRef idx="minor">
+              <a:schemeClr val="lt1"/>
+            </a:fontRef>
+          </p:style>
+          <p:txBody>
+            <a:bodyPr rtlCol="0" anchor="ctr"/>
+            <a:lstStyle/>
+            <a:p>
+              <a:pPr algn="ctr"/>
+              <a:endParaRPr lang="en-US" sz="1200" dirty="0">
+                <a:solidFill>
+                  <a:schemeClr val="bg1"/>
+                </a:solidFill>
+                <a:latin typeface="Helvetica"/>
+                <a:cs typeface="Helvetica"/>
+              </a:endParaRPr>
+            </a:p>
+          </p:txBody>
+        </p:sp>
+        <p:sp>
+          <p:nvSpPr>
+            <p:cNvPr id="66" name="Rounded Rectangle 65"/>
+            <p:cNvSpPr/>
+            <p:nvPr/>
+          </p:nvSpPr>
+          <p:spPr>
+            <a:xfrm>
+              <a:off x="4019956" y="5291904"/>
+              <a:ext cx="615835" cy="602910"/>
+            </a:xfrm>
+            <a:prstGeom prst="roundRect">
+              <a:avLst/>
+            </a:prstGeom>
+            <a:solidFill>
+              <a:srgbClr val="38424C"/>
+            </a:solidFill>
+            <a:ln>
+              <a:solidFill>
+                <a:schemeClr val="tx1"/>
+              </a:solidFill>
+            </a:ln>
+          </p:spPr>
+          <p:style>
+            <a:lnRef idx="2">
+              <a:schemeClr val="accent1">
+                <a:shade val="50000"/>
+              </a:schemeClr>
+            </a:lnRef>
+            <a:fillRef idx="1">
+              <a:schemeClr val="accent1"/>
+            </a:fillRef>
+            <a:effectRef idx="0">
+              <a:schemeClr val="accent1"/>
+            </a:effectRef>
+            <a:fontRef idx="minor">
+              <a:schemeClr val="lt1"/>
+            </a:fontRef>
+          </p:style>
+          <p:txBody>
+            <a:bodyPr rtlCol="0" anchor="t"/>
+            <a:lstStyle/>
+            <a:p>
+              <a:pPr algn="ctr"/>
+              <a:r>
+                <a:rPr lang="en-US" sz="2000" b="1" dirty="0" smtClean="0">
+                  <a:solidFill>
+                    <a:schemeClr val="bg1"/>
+                  </a:solidFill>
+                  <a:latin typeface="Helvetica"/>
+                  <a:cs typeface="Helvetica"/>
+                </a:rPr>
+                <a:t>Server A</a:t>
+              </a:r>
+              <a:endParaRPr lang="en-US" sz="2000" b="1" dirty="0">
+                <a:solidFill>
+                  <a:schemeClr val="bg1"/>
+                </a:solidFill>
+                <a:latin typeface="Helvetica"/>
+                <a:cs typeface="Helvetica"/>
+              </a:endParaRPr>
+            </a:p>
+          </p:txBody>
+        </p:sp>
+      </p:grpSp>
+      <p:grpSp>
+        <p:nvGrpSpPr>
+          <p:cNvPr id="70" name="Group 69"/>
+          <p:cNvGrpSpPr/>
+          <p:nvPr/>
+        </p:nvGrpSpPr>
+        <p:grpSpPr>
+          <a:xfrm>
+            <a:off x="6023265" y="2167813"/>
+            <a:ext cx="1523996" cy="1523996"/>
+            <a:chOff x="3993828" y="5252850"/>
+            <a:chExt cx="667364" cy="667364"/>
+          </a:xfrm>
+        </p:grpSpPr>
+        <p:sp>
+          <p:nvSpPr>
+            <p:cNvPr id="71" name="Rounded Rectangle 70"/>
+            <p:cNvSpPr/>
+            <p:nvPr/>
+          </p:nvSpPr>
+          <p:spPr>
+            <a:xfrm>
+              <a:off x="3993828" y="5252850"/>
+              <a:ext cx="667364" cy="667364"/>
+            </a:xfrm>
+            <a:prstGeom prst="roundRect">
+              <a:avLst/>
+            </a:prstGeom>
+            <a:solidFill>
+              <a:srgbClr val="D0CECE"/>
+            </a:solidFill>
+            <a:ln>
+              <a:solidFill>
+                <a:schemeClr val="tx1"/>
+              </a:solidFill>
+            </a:ln>
+          </p:spPr>
+          <p:style>
+            <a:lnRef idx="2">
+              <a:schemeClr val="accent1">
+                <a:shade val="50000"/>
+              </a:schemeClr>
+            </a:lnRef>
+            <a:fillRef idx="1">
+              <a:schemeClr val="accent1"/>
+            </a:fillRef>
+            <a:effectRef idx="0">
+              <a:schemeClr val="accent1"/>
+            </a:effectRef>
+            <a:fontRef idx="minor">
+              <a:schemeClr val="lt1"/>
+            </a:fontRef>
+          </p:style>
+          <p:txBody>
+            <a:bodyPr rtlCol="0" anchor="ctr"/>
+            <a:lstStyle/>
+            <a:p>
+              <a:pPr algn="ctr"/>
+              <a:endParaRPr lang="en-US" sz="1200" dirty="0">
+                <a:solidFill>
+                  <a:schemeClr val="bg1"/>
+                </a:solidFill>
+                <a:latin typeface="Helvetica"/>
+                <a:cs typeface="Helvetica"/>
+              </a:endParaRPr>
+            </a:p>
+          </p:txBody>
+        </p:sp>
+        <p:sp>
+          <p:nvSpPr>
+            <p:cNvPr id="72" name="Rounded Rectangle 71"/>
+            <p:cNvSpPr/>
+            <p:nvPr/>
+          </p:nvSpPr>
+          <p:spPr>
+            <a:xfrm>
+              <a:off x="4019956" y="5291904"/>
+              <a:ext cx="615835" cy="602910"/>
+            </a:xfrm>
+            <a:prstGeom prst="roundRect">
+              <a:avLst/>
+            </a:prstGeom>
+            <a:solidFill>
+              <a:srgbClr val="38424C"/>
+            </a:solidFill>
+            <a:ln>
+              <a:solidFill>
+                <a:schemeClr val="tx1"/>
+              </a:solidFill>
+            </a:ln>
+          </p:spPr>
+          <p:style>
+            <a:lnRef idx="2">
+              <a:schemeClr val="accent1">
+                <a:shade val="50000"/>
+              </a:schemeClr>
+            </a:lnRef>
+            <a:fillRef idx="1">
+              <a:schemeClr val="accent1"/>
+            </a:fillRef>
+            <a:effectRef idx="0">
+              <a:schemeClr val="accent1"/>
+            </a:effectRef>
+            <a:fontRef idx="minor">
+              <a:schemeClr val="lt1"/>
+            </a:fontRef>
+          </p:style>
+          <p:txBody>
+            <a:bodyPr rtlCol="0" anchor="t"/>
+            <a:lstStyle/>
+            <a:p>
+              <a:pPr algn="ctr"/>
+              <a:r>
+                <a:rPr lang="en-US" sz="2000" b="1" dirty="0" smtClean="0">
+                  <a:solidFill>
+                    <a:schemeClr val="bg1"/>
+                  </a:solidFill>
+                  <a:latin typeface="Helvetica"/>
+                  <a:cs typeface="Helvetica"/>
+                </a:rPr>
+                <a:t>Server B</a:t>
+              </a:r>
+              <a:endParaRPr lang="en-US" sz="2000" b="1" dirty="0">
+                <a:solidFill>
+                  <a:schemeClr val="bg1"/>
+                </a:solidFill>
+                <a:latin typeface="Helvetica"/>
+                <a:cs typeface="Helvetica"/>
+              </a:endParaRPr>
+            </a:p>
+          </p:txBody>
+        </p:sp>
+      </p:grpSp>
+      <p:sp>
+        <p:nvSpPr>
+          <p:cNvPr id="76" name="Oval 75"/>
+          <p:cNvSpPr/>
+          <p:nvPr/>
+        </p:nvSpPr>
+        <p:spPr>
+          <a:xfrm>
+            <a:off x="6605156" y="2858518"/>
+            <a:ext cx="406400" cy="406400"/>
+          </a:xfrm>
+          <a:prstGeom prst="ellipse">
+            <a:avLst/>
+          </a:prstGeom>
+          <a:solidFill>
+            <a:schemeClr val="bg1"/>
+          </a:solidFill>
+          <a:ln>
+            <a:solidFill>
+              <a:srgbClr val="000000"/>
+            </a:solidFill>
+          </a:ln>
+        </p:spPr>
+        <p:style>
+          <a:lnRef idx="1">
+            <a:schemeClr val="dk1"/>
+          </a:lnRef>
+          <a:fillRef idx="3">
+            <a:schemeClr val="dk1"/>
+          </a:fillRef>
+          <a:effectRef idx="2">
+            <a:schemeClr val="dk1"/>
+          </a:effectRef>
+          <a:fontRef idx="minor">
+            <a:schemeClr val="lt1"/>
+          </a:fontRef>
+        </p:style>
+        <p:txBody>
+          <a:bodyPr rtlCol="0" anchor="b"/>
+          <a:lstStyle/>
+          <a:p>
+            <a:pPr algn="ctr"/>
+            <a:r>
+              <a:rPr lang="en-US" dirty="0">
+                <a:solidFill>
+                  <a:schemeClr val="tx1"/>
+                </a:solidFill>
+                <a:latin typeface="Helvetica"/>
+                <a:cs typeface="Helvetica"/>
+              </a:rPr>
+              <a:t>2</a:t>
+            </a:r>
+          </a:p>
+        </p:txBody>
+      </p:sp>
+      <p:sp>
+        <p:nvSpPr>
+          <p:cNvPr id="77" name="Oval 76"/>
+          <p:cNvSpPr/>
+          <p:nvPr/>
+        </p:nvSpPr>
+        <p:spPr>
+          <a:xfrm>
+            <a:off x="4633192" y="2831964"/>
+            <a:ext cx="406400" cy="406400"/>
+          </a:xfrm>
+          <a:prstGeom prst="ellipse">
+            <a:avLst/>
+          </a:prstGeom>
+          <a:solidFill>
+            <a:schemeClr val="bg1"/>
+          </a:solidFill>
+          <a:ln>
+            <a:solidFill>
+              <a:srgbClr val="000000"/>
+            </a:solidFill>
+          </a:ln>
+        </p:spPr>
+        <p:style>
+          <a:lnRef idx="1">
+            <a:schemeClr val="dk1"/>
+          </a:lnRef>
+          <a:fillRef idx="3">
+            <a:schemeClr val="dk1"/>
+          </a:fillRef>
+          <a:effectRef idx="2">
+            <a:schemeClr val="dk1"/>
+          </a:effectRef>
+          <a:fontRef idx="minor">
+            <a:schemeClr val="lt1"/>
+          </a:fontRef>
+        </p:style>
+        <p:txBody>
+          <a:bodyPr rtlCol="0" anchor="b"/>
+          <a:lstStyle/>
+          <a:p>
+            <a:pPr algn="ctr"/>
+            <a:r>
+              <a:rPr lang="en-US" dirty="0">
+                <a:solidFill>
+                  <a:schemeClr val="tx1"/>
+                </a:solidFill>
+                <a:latin typeface="Helvetica"/>
+                <a:cs typeface="Helvetica"/>
+              </a:rPr>
+              <a:t>1</a:t>
+            </a:r>
+          </a:p>
+        </p:txBody>
+      </p:sp>
+      <p:sp>
+        <p:nvSpPr>
+          <p:cNvPr id="78" name="Smiley Face 77"/>
+          <p:cNvSpPr/>
+          <p:nvPr/>
+        </p:nvSpPr>
+        <p:spPr>
+          <a:xfrm>
+            <a:off x="3875810" y="720300"/>
+            <a:ext cx="317500" cy="317500"/>
+          </a:xfrm>
+          <a:prstGeom prst="smileyFace">
+            <a:avLst/>
+          </a:prstGeom>
+          <a:solidFill>
+            <a:srgbClr val="FFFFFF"/>
+          </a:solidFill>
+          <a:ln>
+            <a:solidFill>
+              <a:srgbClr val="000000"/>
+            </a:solidFill>
+          </a:ln>
+        </p:spPr>
+        <p:style>
+          <a:lnRef idx="1">
+            <a:schemeClr val="accent1"/>
+          </a:lnRef>
+          <a:fillRef idx="3">
+            <a:schemeClr val="accent1"/>
+          </a:fillRef>
+          <a:effectRef idx="2">
+            <a:schemeClr val="accent1"/>
+          </a:effectRef>
+          <a:fontRef idx="minor">
+            <a:schemeClr val="lt1"/>
+          </a:fontRef>
+        </p:style>
+        <p:txBody>
+          <a:bodyPr rtlCol="0" anchor="ctr"/>
+          <a:lstStyle/>
+          <a:p>
+            <a:pPr algn="ctr"/>
+            <a:endParaRPr lang="en-US" dirty="0"/>
+          </a:p>
+        </p:txBody>
+      </p:sp>
+      <p:sp>
+        <p:nvSpPr>
+          <p:cNvPr id="79" name="Smiley Face 78"/>
+          <p:cNvSpPr/>
+          <p:nvPr/>
+        </p:nvSpPr>
+        <p:spPr>
+          <a:xfrm>
+            <a:off x="4269510" y="720300"/>
+            <a:ext cx="317500" cy="317500"/>
+          </a:xfrm>
+          <a:prstGeom prst="smileyFace">
+            <a:avLst/>
+          </a:prstGeom>
+          <a:solidFill>
+            <a:srgbClr val="FFFFFF"/>
+          </a:solidFill>
+          <a:ln>
+            <a:solidFill>
+              <a:srgbClr val="000000"/>
+            </a:solidFill>
+          </a:ln>
+        </p:spPr>
+        <p:style>
+          <a:lnRef idx="1">
+            <a:schemeClr val="accent1"/>
+          </a:lnRef>
+          <a:fillRef idx="3">
+            <a:schemeClr val="accent1"/>
+          </a:fillRef>
+          <a:effectRef idx="2">
+            <a:schemeClr val="accent1"/>
+          </a:effectRef>
+          <a:fontRef idx="minor">
+            <a:schemeClr val="lt1"/>
+          </a:fontRef>
+        </p:style>
+        <p:txBody>
+          <a:bodyPr rtlCol="0" anchor="ctr"/>
+          <a:lstStyle/>
+          <a:p>
+            <a:pPr algn="ctr"/>
+            <a:endParaRPr lang="en-US" dirty="0"/>
+          </a:p>
+        </p:txBody>
+      </p:sp>
+      <p:sp>
+        <p:nvSpPr>
+          <p:cNvPr id="80" name="Smiley Face 79"/>
+          <p:cNvSpPr/>
+          <p:nvPr/>
+        </p:nvSpPr>
+        <p:spPr>
+          <a:xfrm>
+            <a:off x="4421910" y="872700"/>
+            <a:ext cx="317500" cy="317500"/>
+          </a:xfrm>
+          <a:prstGeom prst="smileyFace">
+            <a:avLst/>
+          </a:prstGeom>
+          <a:solidFill>
+            <a:srgbClr val="FFFFFF"/>
+          </a:solidFill>
+          <a:ln>
+            <a:solidFill>
+              <a:srgbClr val="000000"/>
+            </a:solidFill>
+          </a:ln>
+        </p:spPr>
+        <p:style>
+          <a:lnRef idx="1">
+            <a:schemeClr val="accent1"/>
+          </a:lnRef>
+          <a:fillRef idx="3">
+            <a:schemeClr val="accent1"/>
+          </a:fillRef>
+          <a:effectRef idx="2">
+            <a:schemeClr val="accent1"/>
+          </a:effectRef>
+          <a:fontRef idx="minor">
+            <a:schemeClr val="lt1"/>
+          </a:fontRef>
+        </p:style>
+        <p:txBody>
+          <a:bodyPr rtlCol="0" anchor="ctr"/>
+          <a:lstStyle/>
+          <a:p>
+            <a:pPr algn="ctr"/>
+            <a:endParaRPr lang="en-US" dirty="0"/>
+          </a:p>
+        </p:txBody>
+      </p:sp>
+      <p:sp>
+        <p:nvSpPr>
+          <p:cNvPr id="81" name="Smiley Face 80"/>
+          <p:cNvSpPr/>
+          <p:nvPr/>
+        </p:nvSpPr>
+        <p:spPr>
+          <a:xfrm>
+            <a:off x="4028210" y="872700"/>
+            <a:ext cx="317500" cy="317500"/>
+          </a:xfrm>
+          <a:prstGeom prst="smileyFace">
+            <a:avLst/>
+          </a:prstGeom>
+          <a:solidFill>
+            <a:srgbClr val="FFFFFF"/>
+          </a:solidFill>
+          <a:ln>
+            <a:solidFill>
+              <a:srgbClr val="000000"/>
+            </a:solidFill>
+          </a:ln>
+        </p:spPr>
+        <p:style>
+          <a:lnRef idx="1">
+            <a:schemeClr val="accent1"/>
+          </a:lnRef>
+          <a:fillRef idx="3">
+            <a:schemeClr val="accent1"/>
+          </a:fillRef>
+          <a:effectRef idx="2">
+            <a:schemeClr val="accent1"/>
+          </a:effectRef>
+          <a:fontRef idx="minor">
+            <a:schemeClr val="lt1"/>
+          </a:fontRef>
+        </p:style>
+        <p:txBody>
+          <a:bodyPr rtlCol="0" anchor="ctr"/>
+          <a:lstStyle/>
+          <a:p>
+            <a:pPr algn="ctr"/>
+            <a:endParaRPr lang="en-US" dirty="0"/>
+          </a:p>
+        </p:txBody>
+      </p:sp>
+      <p:sp>
+        <p:nvSpPr>
+          <p:cNvPr id="82" name="Smiley Face 81"/>
+          <p:cNvSpPr/>
+          <p:nvPr/>
+        </p:nvSpPr>
+        <p:spPr>
+          <a:xfrm>
+            <a:off x="4180610" y="1025100"/>
+            <a:ext cx="317500" cy="317500"/>
+          </a:xfrm>
+          <a:prstGeom prst="smileyFace">
+            <a:avLst/>
+          </a:prstGeom>
+          <a:solidFill>
+            <a:srgbClr val="FFFFFF"/>
+          </a:solidFill>
+          <a:ln>
+            <a:solidFill>
+              <a:srgbClr val="000000"/>
+            </a:solidFill>
+          </a:ln>
+        </p:spPr>
+        <p:style>
+          <a:lnRef idx="1">
+            <a:schemeClr val="accent1"/>
+          </a:lnRef>
+          <a:fillRef idx="3">
+            <a:schemeClr val="accent1"/>
+          </a:fillRef>
+          <a:effectRef idx="2">
+            <a:schemeClr val="accent1"/>
+          </a:effectRef>
+          <a:fontRef idx="minor">
+            <a:schemeClr val="lt1"/>
+          </a:fontRef>
+        </p:style>
+        <p:txBody>
+          <a:bodyPr rtlCol="0" anchor="ctr"/>
+          <a:lstStyle/>
+          <a:p>
+            <a:pPr algn="ctr"/>
+            <a:endParaRPr lang="en-US" dirty="0"/>
+          </a:p>
+        </p:txBody>
+      </p:sp>
+      <p:sp>
+        <p:nvSpPr>
+          <p:cNvPr id="83" name="Smiley Face 82"/>
+          <p:cNvSpPr/>
+          <p:nvPr/>
+        </p:nvSpPr>
+        <p:spPr>
+          <a:xfrm>
+            <a:off x="4929910" y="733000"/>
+            <a:ext cx="317500" cy="317500"/>
+          </a:xfrm>
+          <a:prstGeom prst="smileyFace">
+            <a:avLst/>
+          </a:prstGeom>
+          <a:solidFill>
+            <a:srgbClr val="FFFFFF"/>
+          </a:solidFill>
+          <a:ln>
+            <a:solidFill>
+              <a:srgbClr val="000000"/>
+            </a:solidFill>
+          </a:ln>
+        </p:spPr>
+        <p:style>
+          <a:lnRef idx="1">
+            <a:schemeClr val="accent1"/>
+          </a:lnRef>
+          <a:fillRef idx="3">
+            <a:schemeClr val="accent1"/>
+          </a:fillRef>
+          <a:effectRef idx="2">
+            <a:schemeClr val="accent1"/>
+          </a:effectRef>
+          <a:fontRef idx="minor">
+            <a:schemeClr val="lt1"/>
+          </a:fontRef>
+        </p:style>
+        <p:txBody>
+          <a:bodyPr rtlCol="0" anchor="ctr"/>
+          <a:lstStyle/>
+          <a:p>
+            <a:pPr algn="ctr"/>
+            <a:endParaRPr lang="en-US" dirty="0"/>
+          </a:p>
+        </p:txBody>
+      </p:sp>
+      <p:sp>
+        <p:nvSpPr>
+          <p:cNvPr id="84" name="Smiley Face 83"/>
+          <p:cNvSpPr/>
+          <p:nvPr/>
+        </p:nvSpPr>
+        <p:spPr>
+          <a:xfrm>
+            <a:off x="5323610" y="733000"/>
+            <a:ext cx="317500" cy="317500"/>
+          </a:xfrm>
+          <a:prstGeom prst="smileyFace">
+            <a:avLst/>
+          </a:prstGeom>
+          <a:solidFill>
+            <a:srgbClr val="FFFFFF"/>
+          </a:solidFill>
+          <a:ln>
+            <a:solidFill>
+              <a:srgbClr val="000000"/>
+            </a:solidFill>
+          </a:ln>
+        </p:spPr>
+        <p:style>
+          <a:lnRef idx="1">
+            <a:schemeClr val="accent1"/>
+          </a:lnRef>
+          <a:fillRef idx="3">
+            <a:schemeClr val="accent1"/>
+          </a:fillRef>
+          <a:effectRef idx="2">
+            <a:schemeClr val="accent1"/>
+          </a:effectRef>
+          <a:fontRef idx="minor">
+            <a:schemeClr val="lt1"/>
+          </a:fontRef>
+        </p:style>
+        <p:txBody>
+          <a:bodyPr rtlCol="0" anchor="ctr"/>
+          <a:lstStyle/>
+          <a:p>
+            <a:pPr algn="ctr"/>
+            <a:endParaRPr lang="en-US" dirty="0"/>
+          </a:p>
+        </p:txBody>
+      </p:sp>
+      <p:sp>
+        <p:nvSpPr>
+          <p:cNvPr id="85" name="Smiley Face 84"/>
+          <p:cNvSpPr/>
+          <p:nvPr/>
+        </p:nvSpPr>
+        <p:spPr>
+          <a:xfrm>
+            <a:off x="5476010" y="885400"/>
+            <a:ext cx="317500" cy="317500"/>
+          </a:xfrm>
+          <a:prstGeom prst="smileyFace">
+            <a:avLst/>
+          </a:prstGeom>
+          <a:solidFill>
+            <a:srgbClr val="FFFFFF"/>
+          </a:solidFill>
+          <a:ln>
+            <a:solidFill>
+              <a:srgbClr val="000000"/>
+            </a:solidFill>
+          </a:ln>
+        </p:spPr>
+        <p:style>
+          <a:lnRef idx="1">
+            <a:schemeClr val="accent1"/>
+          </a:lnRef>
+          <a:fillRef idx="3">
+            <a:schemeClr val="accent1"/>
+          </a:fillRef>
+          <a:effectRef idx="2">
+            <a:schemeClr val="accent1"/>
+          </a:effectRef>
+          <a:fontRef idx="minor">
+            <a:schemeClr val="lt1"/>
+          </a:fontRef>
+        </p:style>
+        <p:txBody>
+          <a:bodyPr rtlCol="0" anchor="ctr"/>
+          <a:lstStyle/>
+          <a:p>
+            <a:pPr algn="ctr"/>
+            <a:endParaRPr lang="en-US" dirty="0"/>
+          </a:p>
+        </p:txBody>
+      </p:sp>
+      <p:sp>
+        <p:nvSpPr>
+          <p:cNvPr id="86" name="Smiley Face 85"/>
+          <p:cNvSpPr/>
+          <p:nvPr/>
+        </p:nvSpPr>
+        <p:spPr>
+          <a:xfrm>
+            <a:off x="5082310" y="885400"/>
+            <a:ext cx="317500" cy="317500"/>
+          </a:xfrm>
+          <a:prstGeom prst="smileyFace">
+            <a:avLst/>
+          </a:prstGeom>
+          <a:solidFill>
+            <a:srgbClr val="FFFFFF"/>
+          </a:solidFill>
+          <a:ln>
+            <a:solidFill>
+              <a:srgbClr val="000000"/>
+            </a:solidFill>
+          </a:ln>
+        </p:spPr>
+        <p:style>
+          <a:lnRef idx="1">
+            <a:schemeClr val="accent1"/>
+          </a:lnRef>
+          <a:fillRef idx="3">
+            <a:schemeClr val="accent1"/>
+          </a:fillRef>
+          <a:effectRef idx="2">
+            <a:schemeClr val="accent1"/>
+          </a:effectRef>
+          <a:fontRef idx="minor">
+            <a:schemeClr val="lt1"/>
+          </a:fontRef>
+        </p:style>
+        <p:txBody>
+          <a:bodyPr rtlCol="0" anchor="ctr"/>
+          <a:lstStyle/>
+          <a:p>
+            <a:pPr algn="ctr"/>
+            <a:endParaRPr lang="en-US" dirty="0"/>
+          </a:p>
+        </p:txBody>
+      </p:sp>
+      <p:sp>
+        <p:nvSpPr>
+          <p:cNvPr id="87" name="Smiley Face 86"/>
+          <p:cNvSpPr/>
+          <p:nvPr/>
+        </p:nvSpPr>
+        <p:spPr>
+          <a:xfrm>
+            <a:off x="5234710" y="1037800"/>
+            <a:ext cx="317500" cy="317500"/>
+          </a:xfrm>
+          <a:prstGeom prst="smileyFace">
+            <a:avLst/>
+          </a:prstGeom>
+          <a:solidFill>
+            <a:srgbClr val="FFFFFF"/>
+          </a:solidFill>
+          <a:ln>
+            <a:solidFill>
+              <a:srgbClr val="000000"/>
+            </a:solidFill>
+          </a:ln>
+        </p:spPr>
+        <p:style>
+          <a:lnRef idx="1">
+            <a:schemeClr val="accent1"/>
+          </a:lnRef>
+          <a:fillRef idx="3">
+            <a:schemeClr val="accent1"/>
+          </a:fillRef>
+          <a:effectRef idx="2">
+            <a:schemeClr val="accent1"/>
+          </a:effectRef>
+          <a:fontRef idx="minor">
+            <a:schemeClr val="lt1"/>
+          </a:fontRef>
+        </p:style>
+        <p:txBody>
+          <a:bodyPr rtlCol="0" anchor="ctr"/>
+          <a:lstStyle/>
+          <a:p>
+            <a:pPr algn="ctr"/>
+            <a:endParaRPr lang="en-US" dirty="0"/>
+          </a:p>
+        </p:txBody>
+      </p:sp>
+      <p:cxnSp>
+        <p:nvCxnSpPr>
+          <p:cNvPr id="88" name="Straight Arrow Connector 87"/>
+          <p:cNvCxnSpPr>
+            <a:stCxn id="82" idx="4"/>
+          </p:cNvCxnSpPr>
+          <p:nvPr/>
+        </p:nvCxnSpPr>
+        <p:spPr>
+          <a:xfrm>
+            <a:off x="4339360" y="1342600"/>
+            <a:ext cx="19050" cy="825500"/>
+          </a:xfrm>
+          <a:prstGeom prst="straightConnector1">
+            <a:avLst/>
+          </a:prstGeom>
+          <a:ln>
+            <a:solidFill>
+              <a:srgbClr val="000000"/>
+            </a:solidFill>
+            <a:tailEnd type="arrow"/>
+          </a:ln>
+        </p:spPr>
+        <p:style>
+          <a:lnRef idx="2">
+            <a:schemeClr val="accent1"/>
+          </a:lnRef>
+          <a:fillRef idx="0">
+            <a:schemeClr val="accent1"/>
+          </a:fillRef>
+          <a:effectRef idx="1">
+            <a:schemeClr val="accent1"/>
+          </a:effectRef>
+          <a:fontRef idx="minor">
+            <a:schemeClr val="tx1"/>
+          </a:fontRef>
+        </p:style>
+      </p:cxnSp>
+      <p:cxnSp>
+        <p:nvCxnSpPr>
+          <p:cNvPr id="89" name="Straight Arrow Connector 88"/>
+          <p:cNvCxnSpPr/>
+          <p:nvPr/>
+        </p:nvCxnSpPr>
+        <p:spPr>
+          <a:xfrm>
+            <a:off x="5380760" y="1368000"/>
+            <a:ext cx="19050" cy="825500"/>
+          </a:xfrm>
+          <a:prstGeom prst="straightConnector1">
+            <a:avLst/>
+          </a:prstGeom>
+          <a:ln>
+            <a:solidFill>
+              <a:srgbClr val="000000"/>
+            </a:solidFill>
+            <a:tailEnd type="arrow"/>
+          </a:ln>
+        </p:spPr>
+        <p:style>
+          <a:lnRef idx="2">
+            <a:schemeClr val="accent1"/>
+          </a:lnRef>
+          <a:fillRef idx="0">
+            <a:schemeClr val="accent1"/>
+          </a:fillRef>
+          <a:effectRef idx="1">
+            <a:schemeClr val="accent1"/>
+          </a:effectRef>
+          <a:fontRef idx="minor">
+            <a:schemeClr val="tx1"/>
+          </a:fontRef>
+        </p:style>
+      </p:cxnSp>
+      <p:sp>
+        <p:nvSpPr>
+          <p:cNvPr id="90" name="TextBox 89"/>
+          <p:cNvSpPr txBox="1"/>
+          <p:nvPr/>
+        </p:nvSpPr>
+        <p:spPr>
+          <a:xfrm>
+            <a:off x="6403110" y="682200"/>
+            <a:ext cx="1676400" cy="646331"/>
+          </a:xfrm>
+          <a:prstGeom prst="rect">
+            <a:avLst/>
+          </a:prstGeom>
+          <a:noFill/>
+        </p:spPr>
+        <p:txBody>
+          <a:bodyPr wrap="square" rtlCol="0">
+            <a:spAutoFit/>
+          </a:bodyPr>
+          <a:lstStyle/>
+          <a:p>
+            <a:pPr algn="ctr"/>
+            <a:r>
+              <a:rPr lang="en-US" dirty="0" smtClean="0">
+                <a:latin typeface="Helvetica"/>
+                <a:cs typeface="Helvetica"/>
+              </a:rPr>
+              <a:t>Proxy Mode</a:t>
+            </a:r>
+          </a:p>
+          <a:p>
+            <a:pPr algn="ctr"/>
+            <a:r>
+              <a:rPr lang="en-US" dirty="0" smtClean="0">
+                <a:latin typeface="Helvetica"/>
+                <a:cs typeface="Helvetica"/>
+              </a:rPr>
+              <a:t>(Half)</a:t>
+            </a:r>
+          </a:p>
+        </p:txBody>
+      </p:sp>
+      <p:grpSp>
+        <p:nvGrpSpPr>
+          <p:cNvPr id="120" name="Group 119"/>
+          <p:cNvGrpSpPr/>
+          <p:nvPr/>
+        </p:nvGrpSpPr>
+        <p:grpSpPr>
+          <a:xfrm>
+            <a:off x="8484756" y="2133178"/>
+            <a:ext cx="1523996" cy="1523996"/>
+            <a:chOff x="3993828" y="5252850"/>
+            <a:chExt cx="667364" cy="667364"/>
+          </a:xfrm>
+        </p:grpSpPr>
+        <p:sp>
+          <p:nvSpPr>
+            <p:cNvPr id="121" name="Rounded Rectangle 120"/>
+            <p:cNvSpPr/>
+            <p:nvPr/>
+          </p:nvSpPr>
+          <p:spPr>
+            <a:xfrm>
+              <a:off x="3993828" y="5252850"/>
+              <a:ext cx="667364" cy="667364"/>
+            </a:xfrm>
+            <a:prstGeom prst="roundRect">
+              <a:avLst/>
+            </a:prstGeom>
+            <a:solidFill>
+              <a:srgbClr val="D0CECE"/>
+            </a:solidFill>
+            <a:ln>
+              <a:solidFill>
+                <a:schemeClr val="tx1"/>
+              </a:solidFill>
+            </a:ln>
+          </p:spPr>
+          <p:style>
+            <a:lnRef idx="2">
+              <a:schemeClr val="accent1">
+                <a:shade val="50000"/>
+              </a:schemeClr>
+            </a:lnRef>
+            <a:fillRef idx="1">
+              <a:schemeClr val="accent1"/>
+            </a:fillRef>
+            <a:effectRef idx="0">
+              <a:schemeClr val="accent1"/>
+            </a:effectRef>
+            <a:fontRef idx="minor">
+              <a:schemeClr val="lt1"/>
+            </a:fontRef>
+          </p:style>
+          <p:txBody>
+            <a:bodyPr rtlCol="0" anchor="ctr"/>
+            <a:lstStyle/>
+            <a:p>
+              <a:pPr algn="ctr"/>
+              <a:endParaRPr lang="en-US" sz="1200" dirty="0">
+                <a:solidFill>
+                  <a:schemeClr val="bg1"/>
+                </a:solidFill>
+                <a:latin typeface="Helvetica"/>
+                <a:cs typeface="Helvetica"/>
+              </a:endParaRPr>
+            </a:p>
+          </p:txBody>
+        </p:sp>
+        <p:sp>
+          <p:nvSpPr>
+            <p:cNvPr id="122" name="Rounded Rectangle 121"/>
+            <p:cNvSpPr/>
+            <p:nvPr/>
+          </p:nvSpPr>
+          <p:spPr>
+            <a:xfrm>
+              <a:off x="4019956" y="5291904"/>
+              <a:ext cx="615835" cy="602910"/>
+            </a:xfrm>
+            <a:prstGeom prst="roundRect">
+              <a:avLst/>
+            </a:prstGeom>
+            <a:solidFill>
+              <a:srgbClr val="38424C"/>
+            </a:solidFill>
+            <a:ln>
+              <a:solidFill>
+                <a:schemeClr val="tx1"/>
+              </a:solidFill>
+            </a:ln>
+          </p:spPr>
+          <p:style>
+            <a:lnRef idx="2">
+              <a:schemeClr val="accent1">
+                <a:shade val="50000"/>
+              </a:schemeClr>
+            </a:lnRef>
+            <a:fillRef idx="1">
+              <a:schemeClr val="accent1"/>
+            </a:fillRef>
+            <a:effectRef idx="0">
+              <a:schemeClr val="accent1"/>
+            </a:effectRef>
+            <a:fontRef idx="minor">
+              <a:schemeClr val="lt1"/>
+            </a:fontRef>
+          </p:style>
+          <p:txBody>
+            <a:bodyPr rtlCol="0" anchor="t"/>
+            <a:lstStyle/>
+            <a:p>
+              <a:pPr algn="ctr"/>
+              <a:r>
+                <a:rPr lang="en-US" sz="2000" b="1" dirty="0" smtClean="0">
+                  <a:solidFill>
+                    <a:schemeClr val="bg1"/>
+                  </a:solidFill>
+                  <a:latin typeface="Helvetica"/>
+                  <a:cs typeface="Helvetica"/>
+                </a:rPr>
+                <a:t>Server A</a:t>
+              </a:r>
+              <a:endParaRPr lang="en-US" sz="2000" b="1" dirty="0">
+                <a:solidFill>
+                  <a:schemeClr val="bg1"/>
+                </a:solidFill>
+                <a:latin typeface="Helvetica"/>
+                <a:cs typeface="Helvetica"/>
+              </a:endParaRPr>
+            </a:p>
+          </p:txBody>
+        </p:sp>
+      </p:grpSp>
+      <p:grpSp>
+        <p:nvGrpSpPr>
+          <p:cNvPr id="126" name="Group 125"/>
+          <p:cNvGrpSpPr/>
+          <p:nvPr/>
+        </p:nvGrpSpPr>
+        <p:grpSpPr>
+          <a:xfrm>
+            <a:off x="10117284" y="2134333"/>
+            <a:ext cx="1523996" cy="1523996"/>
+            <a:chOff x="3993828" y="5252850"/>
+            <a:chExt cx="667364" cy="667364"/>
+          </a:xfrm>
+        </p:grpSpPr>
+        <p:sp>
+          <p:nvSpPr>
+            <p:cNvPr id="127" name="Rounded Rectangle 126"/>
+            <p:cNvSpPr/>
+            <p:nvPr/>
+          </p:nvSpPr>
+          <p:spPr>
+            <a:xfrm>
+              <a:off x="3993828" y="5252850"/>
+              <a:ext cx="667364" cy="667364"/>
+            </a:xfrm>
+            <a:prstGeom prst="roundRect">
+              <a:avLst/>
+            </a:prstGeom>
+            <a:solidFill>
+              <a:srgbClr val="D0CECE"/>
+            </a:solidFill>
+            <a:ln>
+              <a:solidFill>
+                <a:schemeClr val="tx1"/>
+              </a:solidFill>
+            </a:ln>
+          </p:spPr>
+          <p:style>
+            <a:lnRef idx="2">
+              <a:schemeClr val="accent1">
+                <a:shade val="50000"/>
+              </a:schemeClr>
+            </a:lnRef>
+            <a:fillRef idx="1">
+              <a:schemeClr val="accent1"/>
+            </a:fillRef>
+            <a:effectRef idx="0">
+              <a:schemeClr val="accent1"/>
+            </a:effectRef>
+            <a:fontRef idx="minor">
+              <a:schemeClr val="lt1"/>
+            </a:fontRef>
+          </p:style>
+          <p:txBody>
+            <a:bodyPr rtlCol="0" anchor="ctr"/>
+            <a:lstStyle/>
+            <a:p>
+              <a:pPr algn="ctr"/>
+              <a:endParaRPr lang="en-US" sz="1200" dirty="0">
+                <a:solidFill>
+                  <a:schemeClr val="bg1"/>
+                </a:solidFill>
+                <a:latin typeface="Helvetica"/>
+                <a:cs typeface="Helvetica"/>
+              </a:endParaRPr>
+            </a:p>
+          </p:txBody>
+        </p:sp>
+        <p:sp>
+          <p:nvSpPr>
+            <p:cNvPr id="128" name="Rounded Rectangle 127"/>
+            <p:cNvSpPr/>
+            <p:nvPr/>
+          </p:nvSpPr>
+          <p:spPr>
+            <a:xfrm>
+              <a:off x="4019956" y="5291904"/>
+              <a:ext cx="615835" cy="602910"/>
+            </a:xfrm>
+            <a:prstGeom prst="roundRect">
+              <a:avLst/>
+            </a:prstGeom>
+            <a:solidFill>
+              <a:srgbClr val="38424C"/>
+            </a:solidFill>
+            <a:ln>
+              <a:solidFill>
+                <a:schemeClr val="tx1"/>
+              </a:solidFill>
+            </a:ln>
+          </p:spPr>
+          <p:style>
+            <a:lnRef idx="2">
+              <a:schemeClr val="accent1">
+                <a:shade val="50000"/>
+              </a:schemeClr>
+            </a:lnRef>
+            <a:fillRef idx="1">
+              <a:schemeClr val="accent1"/>
+            </a:fillRef>
+            <a:effectRef idx="0">
+              <a:schemeClr val="accent1"/>
+            </a:effectRef>
+            <a:fontRef idx="minor">
+              <a:schemeClr val="lt1"/>
+            </a:fontRef>
+          </p:style>
+          <p:txBody>
+            <a:bodyPr rtlCol="0" anchor="t"/>
+            <a:lstStyle/>
+            <a:p>
+              <a:pPr algn="ctr"/>
+              <a:r>
+                <a:rPr lang="en-US" sz="2000" b="1" dirty="0" smtClean="0">
+                  <a:solidFill>
+                    <a:schemeClr val="bg1"/>
+                  </a:solidFill>
+                  <a:latin typeface="Helvetica"/>
+                  <a:cs typeface="Helvetica"/>
+                </a:rPr>
+                <a:t>Server B</a:t>
+              </a:r>
+              <a:endParaRPr lang="en-US" sz="2000" b="1" dirty="0">
+                <a:solidFill>
+                  <a:schemeClr val="bg1"/>
+                </a:solidFill>
+                <a:latin typeface="Helvetica"/>
+                <a:cs typeface="Helvetica"/>
+              </a:endParaRPr>
+            </a:p>
+          </p:txBody>
+        </p:sp>
+      </p:grpSp>
+      <p:sp>
+        <p:nvSpPr>
+          <p:cNvPr id="132" name="Oval 131"/>
+          <p:cNvSpPr/>
+          <p:nvPr/>
+        </p:nvSpPr>
+        <p:spPr>
+          <a:xfrm>
+            <a:off x="10687627" y="2786938"/>
+            <a:ext cx="406400" cy="406400"/>
+          </a:xfrm>
+          <a:prstGeom prst="ellipse">
+            <a:avLst/>
+          </a:prstGeom>
+          <a:solidFill>
+            <a:schemeClr val="bg1"/>
+          </a:solidFill>
+          <a:ln>
+            <a:solidFill>
+              <a:srgbClr val="000000"/>
+            </a:solidFill>
+          </a:ln>
+        </p:spPr>
+        <p:style>
+          <a:lnRef idx="1">
+            <a:schemeClr val="dk1"/>
+          </a:lnRef>
+          <a:fillRef idx="3">
+            <a:schemeClr val="dk1"/>
+          </a:fillRef>
+          <a:effectRef idx="2">
+            <a:schemeClr val="dk1"/>
+          </a:effectRef>
+          <a:fontRef idx="minor">
+            <a:schemeClr val="lt1"/>
+          </a:fontRef>
+        </p:style>
+        <p:txBody>
+          <a:bodyPr rtlCol="0" anchor="b"/>
+          <a:lstStyle/>
+          <a:p>
+            <a:pPr algn="ctr"/>
+            <a:r>
+              <a:rPr lang="en-US" dirty="0">
+                <a:solidFill>
+                  <a:schemeClr val="tx1"/>
+                </a:solidFill>
+                <a:latin typeface="Helvetica"/>
+                <a:cs typeface="Helvetica"/>
+              </a:rPr>
+              <a:t>2</a:t>
+            </a:r>
+          </a:p>
+        </p:txBody>
+      </p:sp>
+      <p:sp>
+        <p:nvSpPr>
+          <p:cNvPr id="133" name="Oval 132"/>
+          <p:cNvSpPr/>
+          <p:nvPr/>
+        </p:nvSpPr>
+        <p:spPr>
+          <a:xfrm>
+            <a:off x="9050482" y="2819265"/>
+            <a:ext cx="406400" cy="406400"/>
+          </a:xfrm>
+          <a:prstGeom prst="ellipse">
+            <a:avLst/>
+          </a:prstGeom>
+          <a:solidFill>
+            <a:schemeClr val="bg1"/>
+          </a:solidFill>
+          <a:ln>
+            <a:solidFill>
+              <a:srgbClr val="000000"/>
+            </a:solidFill>
+          </a:ln>
+        </p:spPr>
+        <p:style>
+          <a:lnRef idx="1">
+            <a:schemeClr val="dk1"/>
+          </a:lnRef>
+          <a:fillRef idx="3">
+            <a:schemeClr val="dk1"/>
+          </a:fillRef>
+          <a:effectRef idx="2">
+            <a:schemeClr val="dk1"/>
+          </a:effectRef>
+          <a:fontRef idx="minor">
+            <a:schemeClr val="lt1"/>
+          </a:fontRef>
+        </p:style>
+        <p:txBody>
+          <a:bodyPr rtlCol="0" anchor="b"/>
+          <a:lstStyle/>
+          <a:p>
+            <a:pPr algn="ctr"/>
+            <a:r>
+              <a:rPr lang="en-US" dirty="0">
+                <a:solidFill>
+                  <a:schemeClr val="tx1"/>
+                </a:solidFill>
+                <a:latin typeface="Helvetica"/>
+                <a:cs typeface="Helvetica"/>
+              </a:rPr>
+              <a:t>1</a:t>
+            </a:r>
+          </a:p>
+        </p:txBody>
+      </p:sp>
+      <p:sp>
+        <p:nvSpPr>
+          <p:cNvPr id="134" name="Smiley Face 133"/>
+          <p:cNvSpPr/>
+          <p:nvPr/>
+        </p:nvSpPr>
+        <p:spPr>
+          <a:xfrm>
+            <a:off x="8281555" y="698365"/>
+            <a:ext cx="317500" cy="317500"/>
+          </a:xfrm>
+          <a:prstGeom prst="smileyFace">
+            <a:avLst/>
+          </a:prstGeom>
+          <a:solidFill>
+            <a:srgbClr val="FFFFFF"/>
+          </a:solidFill>
+          <a:ln>
+            <a:solidFill>
+              <a:srgbClr val="000000"/>
+            </a:solidFill>
+          </a:ln>
+        </p:spPr>
+        <p:style>
+          <a:lnRef idx="1">
+            <a:schemeClr val="accent1"/>
+          </a:lnRef>
+          <a:fillRef idx="3">
+            <a:schemeClr val="accent1"/>
+          </a:fillRef>
+          <a:effectRef idx="2">
+            <a:schemeClr val="accent1"/>
+          </a:effectRef>
+          <a:fontRef idx="minor">
+            <a:schemeClr val="lt1"/>
+          </a:fontRef>
+        </p:style>
+        <p:txBody>
+          <a:bodyPr rtlCol="0" anchor="ctr"/>
+          <a:lstStyle/>
+          <a:p>
+            <a:pPr algn="ctr"/>
+            <a:endParaRPr lang="en-US" dirty="0"/>
+          </a:p>
+        </p:txBody>
+      </p:sp>
+      <p:sp>
+        <p:nvSpPr>
+          <p:cNvPr id="135" name="Smiley Face 134"/>
+          <p:cNvSpPr/>
+          <p:nvPr/>
+        </p:nvSpPr>
+        <p:spPr>
+          <a:xfrm>
+            <a:off x="8675255" y="698365"/>
+            <a:ext cx="317500" cy="317500"/>
+          </a:xfrm>
+          <a:prstGeom prst="smileyFace">
+            <a:avLst/>
+          </a:prstGeom>
+          <a:solidFill>
+            <a:srgbClr val="FFFFFF"/>
+          </a:solidFill>
+          <a:ln>
+            <a:solidFill>
+              <a:srgbClr val="000000"/>
+            </a:solidFill>
+          </a:ln>
+        </p:spPr>
+        <p:style>
+          <a:lnRef idx="1">
+            <a:schemeClr val="accent1"/>
+          </a:lnRef>
+          <a:fillRef idx="3">
+            <a:schemeClr val="accent1"/>
+          </a:fillRef>
+          <a:effectRef idx="2">
+            <a:schemeClr val="accent1"/>
+          </a:effectRef>
+          <a:fontRef idx="minor">
+            <a:schemeClr val="lt1"/>
+          </a:fontRef>
+        </p:style>
+        <p:txBody>
+          <a:bodyPr rtlCol="0" anchor="ctr"/>
+          <a:lstStyle/>
+          <a:p>
+            <a:pPr algn="ctr"/>
+            <a:endParaRPr lang="en-US" dirty="0"/>
+          </a:p>
+        </p:txBody>
+      </p:sp>
+      <p:sp>
+        <p:nvSpPr>
+          <p:cNvPr id="136" name="Smiley Face 135"/>
+          <p:cNvSpPr/>
+          <p:nvPr/>
+        </p:nvSpPr>
+        <p:spPr>
+          <a:xfrm>
+            <a:off x="8827655" y="850765"/>
+            <a:ext cx="317500" cy="317500"/>
+          </a:xfrm>
+          <a:prstGeom prst="smileyFace">
+            <a:avLst/>
+          </a:prstGeom>
+          <a:solidFill>
+            <a:srgbClr val="FFFFFF"/>
+          </a:solidFill>
+          <a:ln>
+            <a:solidFill>
+              <a:srgbClr val="000000"/>
+            </a:solidFill>
+          </a:ln>
+        </p:spPr>
+        <p:style>
+          <a:lnRef idx="1">
+            <a:schemeClr val="accent1"/>
+          </a:lnRef>
+          <a:fillRef idx="3">
+            <a:schemeClr val="accent1"/>
+          </a:fillRef>
+          <a:effectRef idx="2">
+            <a:schemeClr val="accent1"/>
+          </a:effectRef>
+          <a:fontRef idx="minor">
+            <a:schemeClr val="lt1"/>
+          </a:fontRef>
+        </p:style>
+        <p:txBody>
+          <a:bodyPr rtlCol="0" anchor="ctr"/>
+          <a:lstStyle/>
+          <a:p>
+            <a:pPr algn="ctr"/>
+            <a:endParaRPr lang="en-US" dirty="0"/>
+          </a:p>
+        </p:txBody>
+      </p:sp>
+      <p:sp>
+        <p:nvSpPr>
+          <p:cNvPr id="137" name="Smiley Face 136"/>
+          <p:cNvSpPr/>
+          <p:nvPr/>
+        </p:nvSpPr>
+        <p:spPr>
+          <a:xfrm>
+            <a:off x="8433955" y="850765"/>
+            <a:ext cx="317500" cy="317500"/>
+          </a:xfrm>
+          <a:prstGeom prst="smileyFace">
+            <a:avLst/>
+          </a:prstGeom>
+          <a:solidFill>
+            <a:srgbClr val="FFFFFF"/>
+          </a:solidFill>
+          <a:ln>
+            <a:solidFill>
+              <a:srgbClr val="000000"/>
+            </a:solidFill>
+          </a:ln>
+        </p:spPr>
+        <p:style>
+          <a:lnRef idx="1">
+            <a:schemeClr val="accent1"/>
+          </a:lnRef>
+          <a:fillRef idx="3">
+            <a:schemeClr val="accent1"/>
+          </a:fillRef>
+          <a:effectRef idx="2">
+            <a:schemeClr val="accent1"/>
+          </a:effectRef>
+          <a:fontRef idx="minor">
+            <a:schemeClr val="lt1"/>
+          </a:fontRef>
+        </p:style>
+        <p:txBody>
+          <a:bodyPr rtlCol="0" anchor="ctr"/>
+          <a:lstStyle/>
+          <a:p>
+            <a:pPr algn="ctr"/>
+            <a:endParaRPr lang="en-US" dirty="0"/>
+          </a:p>
+        </p:txBody>
+      </p:sp>
+      <p:sp>
+        <p:nvSpPr>
+          <p:cNvPr id="138" name="Smiley Face 137"/>
+          <p:cNvSpPr/>
+          <p:nvPr/>
+        </p:nvSpPr>
+        <p:spPr>
+          <a:xfrm>
+            <a:off x="8586355" y="1003165"/>
+            <a:ext cx="317500" cy="317500"/>
+          </a:xfrm>
+          <a:prstGeom prst="smileyFace">
+            <a:avLst/>
+          </a:prstGeom>
+          <a:solidFill>
+            <a:srgbClr val="FFFFFF"/>
+          </a:solidFill>
+          <a:ln>
+            <a:solidFill>
+              <a:srgbClr val="000000"/>
+            </a:solidFill>
+          </a:ln>
+        </p:spPr>
+        <p:style>
+          <a:lnRef idx="1">
+            <a:schemeClr val="accent1"/>
+          </a:lnRef>
+          <a:fillRef idx="3">
+            <a:schemeClr val="accent1"/>
+          </a:fillRef>
+          <a:effectRef idx="2">
+            <a:schemeClr val="accent1"/>
+          </a:effectRef>
+          <a:fontRef idx="minor">
+            <a:schemeClr val="lt1"/>
+          </a:fontRef>
+        </p:style>
+        <p:txBody>
+          <a:bodyPr rtlCol="0" anchor="ctr"/>
+          <a:lstStyle/>
+          <a:p>
+            <a:pPr algn="ctr"/>
+            <a:endParaRPr lang="en-US" dirty="0"/>
+          </a:p>
+        </p:txBody>
+      </p:sp>
+      <p:sp>
+        <p:nvSpPr>
+          <p:cNvPr id="139" name="Smiley Face 138"/>
+          <p:cNvSpPr/>
+          <p:nvPr/>
+        </p:nvSpPr>
+        <p:spPr>
+          <a:xfrm>
+            <a:off x="9335655" y="711065"/>
+            <a:ext cx="317500" cy="317500"/>
+          </a:xfrm>
+          <a:prstGeom prst="smileyFace">
+            <a:avLst/>
+          </a:prstGeom>
+          <a:solidFill>
+            <a:srgbClr val="FFFFFF"/>
+          </a:solidFill>
+          <a:ln>
+            <a:solidFill>
+              <a:srgbClr val="000000"/>
+            </a:solidFill>
+          </a:ln>
+        </p:spPr>
+        <p:style>
+          <a:lnRef idx="1">
+            <a:schemeClr val="accent1"/>
+          </a:lnRef>
+          <a:fillRef idx="3">
+            <a:schemeClr val="accent1"/>
+          </a:fillRef>
+          <a:effectRef idx="2">
+            <a:schemeClr val="accent1"/>
+          </a:effectRef>
+          <a:fontRef idx="minor">
+            <a:schemeClr val="lt1"/>
+          </a:fontRef>
+        </p:style>
+        <p:txBody>
+          <a:bodyPr rtlCol="0" anchor="ctr"/>
+          <a:lstStyle/>
+          <a:p>
+            <a:pPr algn="ctr"/>
+            <a:endParaRPr lang="en-US" dirty="0"/>
+          </a:p>
+        </p:txBody>
+      </p:sp>
+      <p:sp>
+        <p:nvSpPr>
+          <p:cNvPr id="140" name="Smiley Face 139"/>
+          <p:cNvSpPr/>
+          <p:nvPr/>
+        </p:nvSpPr>
+        <p:spPr>
+          <a:xfrm>
+            <a:off x="9729355" y="711065"/>
+            <a:ext cx="317500" cy="317500"/>
+          </a:xfrm>
+          <a:prstGeom prst="smileyFace">
+            <a:avLst/>
+          </a:prstGeom>
+          <a:solidFill>
+            <a:srgbClr val="FFFFFF"/>
+          </a:solidFill>
+          <a:ln>
+            <a:solidFill>
+              <a:srgbClr val="000000"/>
+            </a:solidFill>
+          </a:ln>
+        </p:spPr>
+        <p:style>
+          <a:lnRef idx="1">
+            <a:schemeClr val="accent1"/>
+          </a:lnRef>
+          <a:fillRef idx="3">
+            <a:schemeClr val="accent1"/>
+          </a:fillRef>
+          <a:effectRef idx="2">
+            <a:schemeClr val="accent1"/>
+          </a:effectRef>
+          <a:fontRef idx="minor">
+            <a:schemeClr val="lt1"/>
+          </a:fontRef>
+        </p:style>
+        <p:txBody>
+          <a:bodyPr rtlCol="0" anchor="ctr"/>
+          <a:lstStyle/>
+          <a:p>
+            <a:pPr algn="ctr"/>
+            <a:endParaRPr lang="en-US" dirty="0"/>
+          </a:p>
+        </p:txBody>
+      </p:sp>
+      <p:sp>
+        <p:nvSpPr>
+          <p:cNvPr id="141" name="Smiley Face 140"/>
+          <p:cNvSpPr/>
+          <p:nvPr/>
+        </p:nvSpPr>
+        <p:spPr>
+          <a:xfrm>
+            <a:off x="9881755" y="863465"/>
+            <a:ext cx="317500" cy="317500"/>
+          </a:xfrm>
+          <a:prstGeom prst="smileyFace">
+            <a:avLst/>
+          </a:prstGeom>
+          <a:solidFill>
+            <a:srgbClr val="FFFFFF"/>
+          </a:solidFill>
+          <a:ln>
+            <a:solidFill>
+              <a:srgbClr val="000000"/>
+            </a:solidFill>
+          </a:ln>
+        </p:spPr>
+        <p:style>
+          <a:lnRef idx="1">
+            <a:schemeClr val="accent1"/>
+          </a:lnRef>
+          <a:fillRef idx="3">
+            <a:schemeClr val="accent1"/>
+          </a:fillRef>
+          <a:effectRef idx="2">
+            <a:schemeClr val="accent1"/>
+          </a:effectRef>
+          <a:fontRef idx="minor">
+            <a:schemeClr val="lt1"/>
+          </a:fontRef>
+        </p:style>
+        <p:txBody>
+          <a:bodyPr rtlCol="0" anchor="ctr"/>
+          <a:lstStyle/>
+          <a:p>
+            <a:pPr algn="ctr"/>
+            <a:endParaRPr lang="en-US" dirty="0"/>
+          </a:p>
+        </p:txBody>
+      </p:sp>
+      <p:sp>
+        <p:nvSpPr>
+          <p:cNvPr id="142" name="Smiley Face 141"/>
+          <p:cNvSpPr/>
+          <p:nvPr/>
+        </p:nvSpPr>
+        <p:spPr>
+          <a:xfrm>
+            <a:off x="9488055" y="863465"/>
+            <a:ext cx="317500" cy="317500"/>
+          </a:xfrm>
+          <a:prstGeom prst="smileyFace">
+            <a:avLst/>
+          </a:prstGeom>
+          <a:solidFill>
+            <a:srgbClr val="FFFFFF"/>
+          </a:solidFill>
+          <a:ln>
+            <a:solidFill>
+              <a:srgbClr val="000000"/>
+            </a:solidFill>
+          </a:ln>
+        </p:spPr>
+        <p:style>
+          <a:lnRef idx="1">
+            <a:schemeClr val="accent1"/>
+          </a:lnRef>
+          <a:fillRef idx="3">
+            <a:schemeClr val="accent1"/>
+          </a:fillRef>
+          <a:effectRef idx="2">
+            <a:schemeClr val="accent1"/>
+          </a:effectRef>
+          <a:fontRef idx="minor">
+            <a:schemeClr val="lt1"/>
+          </a:fontRef>
+        </p:style>
+        <p:txBody>
+          <a:bodyPr rtlCol="0" anchor="ctr"/>
+          <a:lstStyle/>
+          <a:p>
+            <a:pPr algn="ctr"/>
+            <a:endParaRPr lang="en-US" dirty="0"/>
+          </a:p>
+        </p:txBody>
+      </p:sp>
+      <p:sp>
+        <p:nvSpPr>
+          <p:cNvPr id="143" name="Smiley Face 142"/>
+          <p:cNvSpPr/>
+          <p:nvPr/>
+        </p:nvSpPr>
+        <p:spPr>
+          <a:xfrm>
+            <a:off x="9640455" y="1015865"/>
+            <a:ext cx="317500" cy="317500"/>
+          </a:xfrm>
+          <a:prstGeom prst="smileyFace">
+            <a:avLst/>
+          </a:prstGeom>
+          <a:solidFill>
+            <a:srgbClr val="FFFFFF"/>
+          </a:solidFill>
+          <a:ln>
+            <a:solidFill>
+              <a:srgbClr val="000000"/>
+            </a:solidFill>
+          </a:ln>
+        </p:spPr>
+        <p:style>
+          <a:lnRef idx="1">
+            <a:schemeClr val="accent1"/>
+          </a:lnRef>
+          <a:fillRef idx="3">
+            <a:schemeClr val="accent1"/>
+          </a:fillRef>
+          <a:effectRef idx="2">
+            <a:schemeClr val="accent1"/>
+          </a:effectRef>
+          <a:fontRef idx="minor">
+            <a:schemeClr val="lt1"/>
+          </a:fontRef>
+        </p:style>
+        <p:txBody>
+          <a:bodyPr rtlCol="0" anchor="ctr"/>
+          <a:lstStyle/>
+          <a:p>
+            <a:pPr algn="ctr"/>
+            <a:endParaRPr lang="en-US" dirty="0"/>
+          </a:p>
+        </p:txBody>
+      </p:sp>
+      <p:cxnSp>
+        <p:nvCxnSpPr>
+          <p:cNvPr id="144" name="Straight Arrow Connector 143"/>
+          <p:cNvCxnSpPr>
+            <a:stCxn id="138" idx="4"/>
+          </p:cNvCxnSpPr>
+          <p:nvPr/>
+        </p:nvCxnSpPr>
+        <p:spPr>
+          <a:xfrm>
+            <a:off x="8745105" y="1320665"/>
+            <a:ext cx="19050" cy="825500"/>
+          </a:xfrm>
+          <a:prstGeom prst="straightConnector1">
+            <a:avLst/>
+          </a:prstGeom>
+          <a:ln>
+            <a:solidFill>
+              <a:srgbClr val="000000"/>
+            </a:solidFill>
+            <a:tailEnd type="arrow"/>
+          </a:ln>
+        </p:spPr>
+        <p:style>
+          <a:lnRef idx="2">
+            <a:schemeClr val="accent1"/>
+          </a:lnRef>
+          <a:fillRef idx="0">
+            <a:schemeClr val="accent1"/>
+          </a:fillRef>
+          <a:effectRef idx="1">
+            <a:schemeClr val="accent1"/>
+          </a:effectRef>
+          <a:fontRef idx="minor">
+            <a:schemeClr val="tx1"/>
+          </a:fontRef>
+        </p:style>
+      </p:cxnSp>
+      <p:cxnSp>
+        <p:nvCxnSpPr>
+          <p:cNvPr id="145" name="Straight Arrow Connector 144"/>
+          <p:cNvCxnSpPr>
+            <a:stCxn id="143" idx="6"/>
+          </p:cNvCxnSpPr>
+          <p:nvPr/>
+        </p:nvCxnSpPr>
+        <p:spPr>
+          <a:xfrm>
+            <a:off x="9957955" y="1174615"/>
+            <a:ext cx="952500" cy="996950"/>
+          </a:xfrm>
+          <a:prstGeom prst="straightConnector1">
+            <a:avLst/>
+          </a:prstGeom>
+          <a:ln>
+            <a:solidFill>
+              <a:srgbClr val="000000"/>
+            </a:solidFill>
+            <a:tailEnd type="arrow"/>
+          </a:ln>
+        </p:spPr>
+        <p:style>
+          <a:lnRef idx="2">
+            <a:schemeClr val="accent1"/>
+          </a:lnRef>
+          <a:fillRef idx="0">
+            <a:schemeClr val="accent1"/>
+          </a:fillRef>
+          <a:effectRef idx="1">
+            <a:schemeClr val="accent1"/>
+          </a:effectRef>
+          <a:fontRef idx="minor">
+            <a:schemeClr val="tx1"/>
+          </a:fontRef>
+        </p:style>
+      </p:cxnSp>
+      <p:sp>
+        <p:nvSpPr>
+          <p:cNvPr id="201" name="TextBox 200"/>
+          <p:cNvSpPr txBox="1"/>
+          <p:nvPr/>
+        </p:nvSpPr>
+        <p:spPr>
+          <a:xfrm>
+            <a:off x="10350500" y="711065"/>
+            <a:ext cx="1460500" cy="646331"/>
+          </a:xfrm>
+          <a:prstGeom prst="rect">
+            <a:avLst/>
+          </a:prstGeom>
+          <a:noFill/>
+        </p:spPr>
+        <p:txBody>
+          <a:bodyPr wrap="square" rtlCol="0">
+            <a:spAutoFit/>
+          </a:bodyPr>
+          <a:lstStyle/>
+          <a:p>
+            <a:pPr algn="ctr"/>
+            <a:r>
+              <a:rPr lang="en-US" dirty="0" smtClean="0">
+                <a:latin typeface="Helvetica"/>
+                <a:cs typeface="Helvetica"/>
+              </a:rPr>
+              <a:t>Client</a:t>
+            </a:r>
+          </a:p>
+          <a:p>
+            <a:pPr algn="ctr"/>
+            <a:r>
+              <a:rPr lang="en-US" dirty="0" smtClean="0">
+                <a:latin typeface="Helvetica"/>
+                <a:cs typeface="Helvetica"/>
+              </a:rPr>
+              <a:t>Mode</a:t>
+            </a:r>
+          </a:p>
+        </p:txBody>
+      </p:sp>
+      <p:cxnSp>
+        <p:nvCxnSpPr>
+          <p:cNvPr id="205" name="Straight Arrow Connector 204"/>
+          <p:cNvCxnSpPr>
+            <a:endCxn id="141" idx="5"/>
+          </p:cNvCxnSpPr>
+          <p:nvPr/>
+        </p:nvCxnSpPr>
+        <p:spPr>
+          <a:xfrm flipH="1" flipV="1">
+            <a:off x="10152758" y="1134468"/>
+            <a:ext cx="948197" cy="986297"/>
+          </a:xfrm>
+          <a:prstGeom prst="straightConnector1">
+            <a:avLst/>
+          </a:prstGeom>
+          <a:ln>
+            <a:solidFill>
+              <a:srgbClr val="000000"/>
+            </a:solidFill>
+            <a:prstDash val="lgDash"/>
+            <a:tailEnd type="arrow"/>
+          </a:ln>
+        </p:spPr>
+        <p:style>
+          <a:lnRef idx="2">
+            <a:schemeClr val="accent1"/>
+          </a:lnRef>
+          <a:fillRef idx="0">
+            <a:schemeClr val="accent1"/>
+          </a:fillRef>
+          <a:effectRef idx="1">
+            <a:schemeClr val="accent1"/>
+          </a:effectRef>
+          <a:fontRef idx="minor">
+            <a:schemeClr val="tx1"/>
+          </a:fontRef>
+        </p:style>
+      </p:cxnSp>
+      <p:cxnSp>
+        <p:nvCxnSpPr>
+          <p:cNvPr id="209" name="Straight Arrow Connector 208"/>
+          <p:cNvCxnSpPr>
+            <a:endCxn id="138" idx="5"/>
+          </p:cNvCxnSpPr>
+          <p:nvPr/>
+        </p:nvCxnSpPr>
+        <p:spPr>
+          <a:xfrm flipV="1">
+            <a:off x="8853055" y="1274168"/>
+            <a:ext cx="4303" cy="859297"/>
+          </a:xfrm>
+          <a:prstGeom prst="straightConnector1">
+            <a:avLst/>
+          </a:prstGeom>
+          <a:ln>
+            <a:solidFill>
+              <a:srgbClr val="000000"/>
+            </a:solidFill>
+            <a:prstDash val="lgDash"/>
+            <a:tailEnd type="arrow"/>
+          </a:ln>
+        </p:spPr>
+        <p:style>
+          <a:lnRef idx="2">
+            <a:schemeClr val="accent1"/>
+          </a:lnRef>
+          <a:fillRef idx="0">
+            <a:schemeClr val="accent1"/>
+          </a:fillRef>
+          <a:effectRef idx="1">
+            <a:schemeClr val="accent1"/>
+          </a:effectRef>
+          <a:fontRef idx="minor">
+            <a:schemeClr val="tx1"/>
+          </a:fontRef>
+        </p:style>
+      </p:cxnSp>
+      <p:cxnSp>
+        <p:nvCxnSpPr>
+          <p:cNvPr id="222" name="Straight Arrow Connector 221"/>
+          <p:cNvCxnSpPr>
+            <a:stCxn id="66" idx="3"/>
+            <a:endCxn id="72" idx="1"/>
+          </p:cNvCxnSpPr>
+          <p:nvPr/>
+        </p:nvCxnSpPr>
+        <p:spPr>
+          <a:xfrm>
+            <a:off x="5545001" y="2932702"/>
+            <a:ext cx="537930" cy="12700"/>
+          </a:xfrm>
+          <a:prstGeom prst="straightConnector1">
+            <a:avLst/>
+          </a:prstGeom>
+          <a:ln>
+            <a:solidFill>
+              <a:srgbClr val="000000"/>
+            </a:solidFill>
+            <a:tailEnd type="arrow"/>
+          </a:ln>
+        </p:spPr>
+        <p:style>
+          <a:lnRef idx="2">
+            <a:schemeClr val="accent1"/>
+          </a:lnRef>
+          <a:fillRef idx="0">
+            <a:schemeClr val="accent1"/>
+          </a:fillRef>
+          <a:effectRef idx="1">
+            <a:schemeClr val="accent1"/>
+          </a:effectRef>
+          <a:fontRef idx="minor">
+            <a:schemeClr val="tx1"/>
+          </a:fontRef>
+        </p:style>
+      </p:cxnSp>
+      <p:cxnSp>
+        <p:nvCxnSpPr>
+          <p:cNvPr id="225" name="Straight Arrow Connector 224"/>
+          <p:cNvCxnSpPr>
+            <a:stCxn id="71" idx="0"/>
+            <a:endCxn id="87" idx="5"/>
+          </p:cNvCxnSpPr>
+          <p:nvPr/>
+        </p:nvCxnSpPr>
+        <p:spPr>
+          <a:xfrm flipH="1" flipV="1">
+            <a:off x="5505713" y="1308803"/>
+            <a:ext cx="1279550" cy="859010"/>
+          </a:xfrm>
+          <a:prstGeom prst="straightConnector1">
+            <a:avLst/>
+          </a:prstGeom>
+          <a:ln>
+            <a:solidFill>
+              <a:srgbClr val="000000"/>
+            </a:solidFill>
+            <a:prstDash val="lgDash"/>
+            <a:tailEnd type="arrow"/>
+          </a:ln>
+        </p:spPr>
+        <p:style>
+          <a:lnRef idx="2">
+            <a:schemeClr val="accent1"/>
+          </a:lnRef>
+          <a:fillRef idx="0">
+            <a:schemeClr val="accent1"/>
+          </a:fillRef>
+          <a:effectRef idx="1">
+            <a:schemeClr val="accent1"/>
+          </a:effectRef>
+          <a:fontRef idx="minor">
+            <a:schemeClr val="tx1"/>
+          </a:fontRef>
+        </p:style>
+      </p:cxnSp>
+      <p:cxnSp>
+        <p:nvCxnSpPr>
+          <p:cNvPr id="228" name="Straight Arrow Connector 227"/>
+          <p:cNvCxnSpPr>
+            <a:endCxn id="82" idx="5"/>
+          </p:cNvCxnSpPr>
+          <p:nvPr/>
+        </p:nvCxnSpPr>
+        <p:spPr>
+          <a:xfrm flipH="1" flipV="1">
+            <a:off x="4451613" y="1296103"/>
+            <a:ext cx="33797" cy="859297"/>
+          </a:xfrm>
+          <a:prstGeom prst="straightConnector1">
+            <a:avLst/>
+          </a:prstGeom>
+          <a:ln>
+            <a:solidFill>
+              <a:srgbClr val="000000"/>
+            </a:solidFill>
+            <a:prstDash val="lgDash"/>
+            <a:tailEnd type="arrow"/>
+          </a:ln>
+        </p:spPr>
+        <p:style>
+          <a:lnRef idx="2">
+            <a:schemeClr val="accent1"/>
+          </a:lnRef>
+          <a:fillRef idx="0">
+            <a:schemeClr val="accent1"/>
+          </a:fillRef>
+          <a:effectRef idx="1">
+            <a:schemeClr val="accent1"/>
+          </a:effectRef>
+          <a:fontRef idx="minor">
+            <a:schemeClr val="tx1"/>
+          </a:fontRef>
+        </p:style>
+      </p:cxnSp>
+      <p:cxnSp>
+        <p:nvCxnSpPr>
+          <p:cNvPr id="240" name="Straight Connector 239"/>
+          <p:cNvCxnSpPr/>
+          <p:nvPr/>
+        </p:nvCxnSpPr>
+        <p:spPr>
+          <a:xfrm>
+            <a:off x="3706268" y="669541"/>
+            <a:ext cx="18033" cy="3059640"/>
+          </a:xfrm>
+          <a:prstGeom prst="line">
+            <a:avLst/>
+          </a:prstGeom>
+          <a:ln w="57150" cmpd="sng">
+            <a:solidFill>
+              <a:srgbClr val="000000"/>
+            </a:solidFill>
+          </a:ln>
+        </p:spPr>
+        <p:style>
+          <a:lnRef idx="2">
+            <a:schemeClr val="accent1"/>
+          </a:lnRef>
+          <a:fillRef idx="0">
+            <a:schemeClr val="accent1"/>
+          </a:fillRef>
+          <a:effectRef idx="1">
+            <a:schemeClr val="accent1"/>
+          </a:effectRef>
+          <a:fontRef idx="minor">
+            <a:schemeClr val="tx1"/>
+          </a:fontRef>
+        </p:style>
+      </p:cxnSp>
+      <p:sp>
+        <p:nvSpPr>
+          <p:cNvPr id="251" name="Oval 250"/>
+          <p:cNvSpPr/>
+          <p:nvPr/>
+        </p:nvSpPr>
+        <p:spPr>
+          <a:xfrm flipH="1">
+            <a:off x="2171700" y="-194614800"/>
+            <a:ext cx="196367400" cy="196367400"/>
+          </a:xfrm>
+          <a:prstGeom prst="ellipse">
+            <a:avLst/>
+          </a:prstGeom>
+          <a:solidFill>
+            <a:schemeClr val="bg1"/>
+          </a:solidFill>
+          <a:ln>
+            <a:solidFill>
+              <a:srgbClr val="000000"/>
+            </a:solidFill>
+          </a:ln>
+        </p:spPr>
+        <p:style>
+          <a:lnRef idx="1">
+            <a:schemeClr val="dk1"/>
+          </a:lnRef>
+          <a:fillRef idx="3">
+            <a:schemeClr val="dk1"/>
+          </a:fillRef>
+          <a:effectRef idx="2">
+            <a:schemeClr val="dk1"/>
+          </a:effectRef>
+          <a:fontRef idx="minor">
+            <a:schemeClr val="lt1"/>
+          </a:fontRef>
+        </p:style>
+        <p:txBody>
+          <a:bodyPr rtlCol="0" anchor="b"/>
+          <a:lstStyle/>
+          <a:p>
+            <a:pPr algn="ctr"/>
+            <a:r>
+              <a:rPr lang="en-US" dirty="0">
+                <a:solidFill>
+                  <a:schemeClr val="tx1"/>
+                </a:solidFill>
+                <a:latin typeface="Helvetica"/>
+                <a:cs typeface="Helvetica"/>
+              </a:rPr>
+              <a:t>1</a:t>
+            </a:r>
+          </a:p>
+        </p:txBody>
+      </p:sp>
+      <p:sp>
+        <p:nvSpPr>
+          <p:cNvPr id="252" name="Oval 251"/>
+          <p:cNvSpPr/>
+          <p:nvPr/>
+        </p:nvSpPr>
+        <p:spPr>
+          <a:xfrm>
+            <a:off x="3144333" y="188252"/>
+            <a:ext cx="333544" cy="340248"/>
+          </a:xfrm>
+          <a:prstGeom prst="ellipse">
+            <a:avLst/>
+          </a:prstGeom>
+          <a:solidFill>
+            <a:schemeClr val="bg1"/>
+          </a:solidFill>
+          <a:ln>
+            <a:solidFill>
+              <a:srgbClr val="000000"/>
+            </a:solidFill>
+          </a:ln>
+        </p:spPr>
+        <p:style>
+          <a:lnRef idx="1">
+            <a:schemeClr val="dk1"/>
+          </a:lnRef>
+          <a:fillRef idx="3">
+            <a:schemeClr val="dk1"/>
+          </a:fillRef>
+          <a:effectRef idx="2">
+            <a:schemeClr val="dk1"/>
+          </a:effectRef>
+          <a:fontRef idx="minor">
+            <a:schemeClr val="lt1"/>
+          </a:fontRef>
+        </p:style>
+        <p:txBody>
+          <a:bodyPr rtlCol="0" anchor="ctr"/>
+          <a:lstStyle/>
+          <a:p>
+            <a:pPr algn="dist"/>
+            <a:r>
+              <a:rPr lang="en-US" sz="1200" dirty="0">
+                <a:solidFill>
+                  <a:schemeClr val="tx1"/>
+                </a:solidFill>
+                <a:latin typeface="Helvetica"/>
+                <a:cs typeface="Helvetica"/>
+              </a:rPr>
+              <a:t>1</a:t>
+            </a:r>
+          </a:p>
+        </p:txBody>
+      </p:sp>
+      <p:cxnSp>
+        <p:nvCxnSpPr>
+          <p:cNvPr id="254" name="Straight Connector 253"/>
+          <p:cNvCxnSpPr/>
+          <p:nvPr/>
+        </p:nvCxnSpPr>
+        <p:spPr>
+          <a:xfrm>
+            <a:off x="7018577" y="374570"/>
+            <a:ext cx="346373" cy="0"/>
+          </a:xfrm>
+          <a:prstGeom prst="line">
+            <a:avLst/>
+          </a:prstGeom>
+          <a:ln>
+            <a:solidFill>
+              <a:srgbClr val="000000"/>
+            </a:solidFill>
+            <a:headEnd type="none"/>
+            <a:tailEnd type="arrow"/>
+          </a:ln>
+        </p:spPr>
+        <p:style>
+          <a:lnRef idx="2">
+            <a:schemeClr val="accent1"/>
+          </a:lnRef>
+          <a:fillRef idx="0">
+            <a:schemeClr val="accent1"/>
+          </a:fillRef>
+          <a:effectRef idx="1">
+            <a:schemeClr val="accent1"/>
+          </a:effectRef>
+          <a:fontRef idx="minor">
+            <a:schemeClr val="tx1"/>
+          </a:fontRef>
+        </p:style>
+      </p:cxnSp>
+      <p:cxnSp>
+        <p:nvCxnSpPr>
+          <p:cNvPr id="255" name="Straight Connector 254"/>
+          <p:cNvCxnSpPr/>
+          <p:nvPr/>
+        </p:nvCxnSpPr>
+        <p:spPr>
+          <a:xfrm>
+            <a:off x="9496799" y="373037"/>
+            <a:ext cx="346373" cy="0"/>
+          </a:xfrm>
+          <a:prstGeom prst="line">
+            <a:avLst/>
+          </a:prstGeom>
+          <a:ln>
+            <a:solidFill>
+              <a:srgbClr val="000000"/>
+            </a:solidFill>
+            <a:prstDash val="dash"/>
+            <a:headEnd type="none"/>
+            <a:tailEnd type="arrow"/>
+          </a:ln>
+        </p:spPr>
+        <p:style>
+          <a:lnRef idx="2">
+            <a:schemeClr val="accent1"/>
+          </a:lnRef>
+          <a:fillRef idx="0">
+            <a:schemeClr val="accent1"/>
+          </a:fillRef>
+          <a:effectRef idx="1">
+            <a:schemeClr val="accent1"/>
+          </a:effectRef>
+          <a:fontRef idx="minor">
+            <a:schemeClr val="tx1"/>
+          </a:fontRef>
+        </p:style>
+      </p:cxnSp>
+      <p:sp>
+        <p:nvSpPr>
+          <p:cNvPr id="259" name="Smiley Face 258"/>
+          <p:cNvSpPr/>
+          <p:nvPr/>
+        </p:nvSpPr>
+        <p:spPr>
+          <a:xfrm>
+            <a:off x="4622451" y="207808"/>
+            <a:ext cx="296891" cy="296891"/>
+          </a:xfrm>
+          <a:prstGeom prst="smileyFace">
+            <a:avLst/>
+          </a:prstGeom>
+          <a:solidFill>
+            <a:srgbClr val="FFFFFF"/>
+          </a:solidFill>
+          <a:ln>
+            <a:solidFill>
+              <a:srgbClr val="000000"/>
+            </a:solidFill>
+          </a:ln>
+        </p:spPr>
+        <p:style>
+          <a:lnRef idx="1">
+            <a:schemeClr val="accent1"/>
+          </a:lnRef>
+          <a:fillRef idx="3">
+            <a:schemeClr val="accent1"/>
+          </a:fillRef>
+          <a:effectRef idx="2">
+            <a:schemeClr val="accent1"/>
+          </a:effectRef>
+          <a:fontRef idx="minor">
+            <a:schemeClr val="lt1"/>
+          </a:fontRef>
+        </p:style>
+        <p:txBody>
+          <a:bodyPr rtlCol="0" anchor="ctr"/>
+          <a:lstStyle/>
+          <a:p>
+            <a:pPr algn="ctr"/>
+            <a:endParaRPr lang="en-US" dirty="0"/>
+          </a:p>
+        </p:txBody>
+      </p:sp>
+      <p:cxnSp>
+        <p:nvCxnSpPr>
+          <p:cNvPr id="102" name="Straight Arrow Connector 101"/>
+          <p:cNvCxnSpPr/>
+          <p:nvPr/>
+        </p:nvCxnSpPr>
+        <p:spPr>
+          <a:xfrm flipV="1">
+            <a:off x="750455" y="1311112"/>
+            <a:ext cx="4303" cy="859297"/>
+          </a:xfrm>
+          <a:prstGeom prst="straightConnector1">
+            <a:avLst/>
+          </a:prstGeom>
+          <a:ln>
+            <a:solidFill>
+              <a:srgbClr val="000000"/>
+            </a:solidFill>
+            <a:prstDash val="lgDash"/>
+            <a:tailEnd type="arrow"/>
+          </a:ln>
+        </p:spPr>
+        <p:style>
+          <a:lnRef idx="2">
+            <a:schemeClr val="accent1"/>
+          </a:lnRef>
+          <a:fillRef idx="0">
+            <a:schemeClr val="accent1"/>
+          </a:fillRef>
+          <a:effectRef idx="1">
+            <a:schemeClr val="accent1"/>
+          </a:effectRef>
+          <a:fontRef idx="minor">
+            <a:schemeClr val="tx1"/>
+          </a:fontRef>
+        </p:style>
+      </p:cxnSp>
+      <p:cxnSp>
+        <p:nvCxnSpPr>
+          <p:cNvPr id="103" name="Straight Arrow Connector 102"/>
+          <p:cNvCxnSpPr/>
+          <p:nvPr/>
+        </p:nvCxnSpPr>
+        <p:spPr>
+          <a:xfrm flipV="1">
+            <a:off x="1616364" y="1299567"/>
+            <a:ext cx="4303" cy="859297"/>
+          </a:xfrm>
+          <a:prstGeom prst="straightConnector1">
+            <a:avLst/>
+          </a:prstGeom>
+          <a:ln>
+            <a:solidFill>
+              <a:srgbClr val="000000"/>
+            </a:solidFill>
+            <a:prstDash val="lgDash"/>
+            <a:tailEnd type="arrow"/>
+          </a:ln>
+        </p:spPr>
+        <p:style>
+          <a:lnRef idx="2">
+            <a:schemeClr val="accent1"/>
+          </a:lnRef>
+          <a:fillRef idx="0">
+            <a:schemeClr val="accent1"/>
+          </a:fillRef>
+          <a:effectRef idx="1">
+            <a:schemeClr val="accent1"/>
+          </a:effectRef>
+          <a:fontRef idx="minor">
+            <a:schemeClr val="tx1"/>
+          </a:fontRef>
+        </p:style>
+      </p:cxnSp>
+      <p:cxnSp>
+        <p:nvCxnSpPr>
+          <p:cNvPr id="105" name="Straight Connector 104"/>
+          <p:cNvCxnSpPr/>
+          <p:nvPr/>
+        </p:nvCxnSpPr>
+        <p:spPr>
+          <a:xfrm>
+            <a:off x="8049668" y="671851"/>
+            <a:ext cx="18033" cy="3059640"/>
+          </a:xfrm>
+          <a:prstGeom prst="line">
+            <a:avLst/>
+          </a:prstGeom>
+          <a:ln w="57150" cmpd="sng">
+            <a:solidFill>
+              <a:srgbClr val="000000"/>
+            </a:solidFill>
+          </a:ln>
+        </p:spPr>
+        <p:style>
+          <a:lnRef idx="2">
+            <a:schemeClr val="accent1"/>
+          </a:lnRef>
+          <a:fillRef idx="0">
+            <a:schemeClr val="accent1"/>
+          </a:fillRef>
+          <a:effectRef idx="1">
+            <a:schemeClr val="accent1"/>
+          </a:effectRef>
+          <a:fontRef idx="minor">
+            <a:schemeClr val="tx1"/>
+          </a:fontRef>
+        </p:style>
+      </p:cxnSp>
+    </p:spTree>
+    <p:extLst>
+      <p:ext uri="{BB962C8B-B14F-4D97-AF65-F5344CB8AC3E}">
+        <p14:creationId xmlns:p14="http://schemas.microsoft.com/office/powerpoint/2010/main" val="3335412273"/>
+      </p:ext>
+    </p:extLst>
+  </p:cSld>
+  <p:clrMapOvr>
+    <a:masterClrMapping/>
+  </p:clrMapOvr>
+</p:sld>
+</file>
+
+<file path=ppt/slides/slide11.xml><?xml version="1.0" encoding="utf-8"?>
 <p:sld xmlns:a="http://schemas.openxmlformats.org/drawingml/2006/main" xmlns:r="http://schemas.openxmlformats.org/officeDocument/2006/relationships" xmlns:p="http://schemas.openxmlformats.org/presentationml/2006/main">
   <p:cSld>
     <p:spTree>
@@ -15080,7 +18779,7 @@
 </p:sld>
 </file>
 
-<file path=ppt/slides/slide11.xml><?xml version="1.0" encoding="utf-8"?>
+<file path=ppt/slides/slide12.xml><?xml version="1.0" encoding="utf-8"?>
 <p:sld xmlns:a="http://schemas.openxmlformats.org/drawingml/2006/main" xmlns:r="http://schemas.openxmlformats.org/officeDocument/2006/relationships" xmlns:p="http://schemas.openxmlformats.org/presentationml/2006/main">
   <p:cSld>
     <p:spTree>
@@ -17397,7 +21096,7 @@
 </p:sld>
 </file>
 
-<file path=ppt/slides/slide12.xml><?xml version="1.0" encoding="utf-8"?>
+<file path=ppt/slides/slide13.xml><?xml version="1.0" encoding="utf-8"?>
 <p:sld xmlns:a="http://schemas.openxmlformats.org/drawingml/2006/main" xmlns:r="http://schemas.openxmlformats.org/officeDocument/2006/relationships" xmlns:p="http://schemas.openxmlformats.org/presentationml/2006/main">
   <p:cSld>
     <p:spTree>
@@ -17542,7 +21241,7 @@
 </p:sld>
 </file>
 
-<file path=ppt/slides/slide13.xml><?xml version="1.0" encoding="utf-8"?>
+<file path=ppt/slides/slide14.xml><?xml version="1.0" encoding="utf-8"?>
 <p:sld xmlns:a="http://schemas.openxmlformats.org/drawingml/2006/main" xmlns:r="http://schemas.openxmlformats.org/officeDocument/2006/relationships" xmlns:p="http://schemas.openxmlformats.org/presentationml/2006/main">
   <p:cSld>
     <p:spTree>
@@ -18836,7 +22535,7 @@
 </p:sld>
 </file>
 
-<file path=ppt/slides/slide14.xml><?xml version="1.0" encoding="utf-8"?>
+<file path=ppt/slides/slide15.xml><?xml version="1.0" encoding="utf-8"?>
 <p:sld xmlns:a="http://schemas.openxmlformats.org/drawingml/2006/main" xmlns:r="http://schemas.openxmlformats.org/officeDocument/2006/relationships" xmlns:p="http://schemas.openxmlformats.org/presentationml/2006/main">
   <p:cSld>
     <p:spTree>
@@ -34078,6 +37777,1484 @@
       </p:grpSpPr>
       <p:sp>
         <p:nvSpPr>
+          <p:cNvPr id="4" name="Rectangle 3"/>
+          <p:cNvSpPr/>
+          <p:nvPr/>
+        </p:nvSpPr>
+        <p:spPr>
+          <a:xfrm rot="16200000">
+            <a:off x="4366331" y="2640542"/>
+            <a:ext cx="1135239" cy="1008474"/>
+          </a:xfrm>
+          <a:prstGeom prst="rect">
+            <a:avLst/>
+          </a:prstGeom>
+          <a:noFill/>
+          <a:ln w="38100" cmpd="sng">
+            <a:solidFill>
+              <a:schemeClr val="tx1"/>
+            </a:solidFill>
+          </a:ln>
+        </p:spPr>
+        <p:style>
+          <a:lnRef idx="1">
+            <a:schemeClr val="accent1"/>
+          </a:lnRef>
+          <a:fillRef idx="3">
+            <a:schemeClr val="accent1"/>
+          </a:fillRef>
+          <a:effectRef idx="2">
+            <a:schemeClr val="accent1"/>
+          </a:effectRef>
+          <a:fontRef idx="minor">
+            <a:schemeClr val="lt1"/>
+          </a:fontRef>
+        </p:style>
+        <p:txBody>
+          <a:bodyPr vert="horz" rtlCol="0" anchor="ctr"/>
+          <a:lstStyle/>
+          <a:p>
+            <a:pPr algn="ctr"/>
+            <a:r>
+              <a:rPr lang="en-US" b="1" dirty="0" smtClean="0">
+                <a:solidFill>
+                  <a:schemeClr val="tx1"/>
+                </a:solidFill>
+              </a:rPr>
+              <a:t>Shared Resource</a:t>
+            </a:r>
+            <a:endParaRPr lang="en-US" b="1" dirty="0">
+              <a:solidFill>
+                <a:schemeClr val="tx1"/>
+              </a:solidFill>
+            </a:endParaRPr>
+          </a:p>
+        </p:txBody>
+      </p:sp>
+      <p:sp>
+        <p:nvSpPr>
+          <p:cNvPr id="5" name="Rectangle 4"/>
+          <p:cNvSpPr/>
+          <p:nvPr/>
+        </p:nvSpPr>
+        <p:spPr>
+          <a:xfrm rot="16200000">
+            <a:off x="8714436" y="2629722"/>
+            <a:ext cx="1135239" cy="1008474"/>
+          </a:xfrm>
+          <a:prstGeom prst="rect">
+            <a:avLst/>
+          </a:prstGeom>
+          <a:noFill/>
+          <a:ln w="38100" cmpd="sng">
+            <a:solidFill>
+              <a:schemeClr val="tx1"/>
+            </a:solidFill>
+          </a:ln>
+        </p:spPr>
+        <p:style>
+          <a:lnRef idx="1">
+            <a:schemeClr val="accent1"/>
+          </a:lnRef>
+          <a:fillRef idx="3">
+            <a:schemeClr val="accent1"/>
+          </a:fillRef>
+          <a:effectRef idx="2">
+            <a:schemeClr val="accent1"/>
+          </a:effectRef>
+          <a:fontRef idx="minor">
+            <a:schemeClr val="lt1"/>
+          </a:fontRef>
+        </p:style>
+        <p:txBody>
+          <a:bodyPr vert="horz" rtlCol="0" anchor="ctr"/>
+          <a:lstStyle/>
+          <a:p>
+            <a:pPr algn="ctr"/>
+            <a:r>
+              <a:rPr lang="en-US" b="1" dirty="0" smtClean="0">
+                <a:solidFill>
+                  <a:schemeClr val="tx1"/>
+                </a:solidFill>
+              </a:rPr>
+              <a:t>Load Balancing</a:t>
+            </a:r>
+            <a:endParaRPr lang="en-US" b="1" dirty="0">
+              <a:solidFill>
+                <a:schemeClr val="tx1"/>
+              </a:solidFill>
+            </a:endParaRPr>
+          </a:p>
+        </p:txBody>
+      </p:sp>
+      <p:sp>
+        <p:nvSpPr>
+          <p:cNvPr id="6" name="Rectangle 5"/>
+          <p:cNvSpPr/>
+          <p:nvPr/>
+        </p:nvSpPr>
+        <p:spPr>
+          <a:xfrm rot="16200000">
+            <a:off x="5451945" y="2641013"/>
+            <a:ext cx="1135239" cy="1008474"/>
+          </a:xfrm>
+          <a:prstGeom prst="rect">
+            <a:avLst/>
+          </a:prstGeom>
+          <a:noFill/>
+          <a:ln w="38100" cmpd="sng">
+            <a:solidFill>
+              <a:schemeClr val="tx1"/>
+            </a:solidFill>
+          </a:ln>
+        </p:spPr>
+        <p:style>
+          <a:lnRef idx="1">
+            <a:schemeClr val="accent1"/>
+          </a:lnRef>
+          <a:fillRef idx="3">
+            <a:schemeClr val="accent1"/>
+          </a:fillRef>
+          <a:effectRef idx="2">
+            <a:schemeClr val="accent1"/>
+          </a:effectRef>
+          <a:fontRef idx="minor">
+            <a:schemeClr val="lt1"/>
+          </a:fontRef>
+        </p:style>
+        <p:txBody>
+          <a:bodyPr vert="horz" rtlCol="0" anchor="ctr"/>
+          <a:lstStyle/>
+          <a:p>
+            <a:pPr algn="ctr"/>
+            <a:r>
+              <a:rPr lang="en-US" b="1" dirty="0" smtClean="0">
+                <a:solidFill>
+                  <a:schemeClr val="tx1"/>
+                </a:solidFill>
+              </a:rPr>
+              <a:t>Data</a:t>
+            </a:r>
+          </a:p>
+          <a:p>
+            <a:pPr algn="ctr"/>
+            <a:r>
+              <a:rPr lang="en-US" b="1" dirty="0" smtClean="0">
+                <a:solidFill>
+                  <a:schemeClr val="tx1"/>
+                </a:solidFill>
+              </a:rPr>
+              <a:t>I/O</a:t>
+            </a:r>
+            <a:endParaRPr lang="en-US" b="1" dirty="0">
+              <a:solidFill>
+                <a:schemeClr val="tx1"/>
+              </a:solidFill>
+            </a:endParaRPr>
+          </a:p>
+        </p:txBody>
+      </p:sp>
+      <p:sp>
+        <p:nvSpPr>
+          <p:cNvPr id="7" name="Rectangle 6"/>
+          <p:cNvSpPr/>
+          <p:nvPr/>
+        </p:nvSpPr>
+        <p:spPr>
+          <a:xfrm rot="16200000">
+            <a:off x="9771825" y="2630195"/>
+            <a:ext cx="1135239" cy="1008474"/>
+          </a:xfrm>
+          <a:prstGeom prst="rect">
+            <a:avLst/>
+          </a:prstGeom>
+          <a:noFill/>
+          <a:ln w="38100" cmpd="sng">
+            <a:solidFill>
+              <a:schemeClr val="tx1"/>
+            </a:solidFill>
+          </a:ln>
+        </p:spPr>
+        <p:style>
+          <a:lnRef idx="1">
+            <a:schemeClr val="accent1"/>
+          </a:lnRef>
+          <a:fillRef idx="3">
+            <a:schemeClr val="accent1"/>
+          </a:fillRef>
+          <a:effectRef idx="2">
+            <a:schemeClr val="accent1"/>
+          </a:effectRef>
+          <a:fontRef idx="minor">
+            <a:schemeClr val="lt1"/>
+          </a:fontRef>
+        </p:style>
+        <p:txBody>
+          <a:bodyPr vert="horz" rtlCol="0" anchor="ctr"/>
+          <a:lstStyle/>
+          <a:p>
+            <a:pPr algn="ctr"/>
+            <a:r>
+              <a:rPr lang="en-US" b="1" dirty="0" smtClean="0">
+                <a:solidFill>
+                  <a:schemeClr val="tx1"/>
+                </a:solidFill>
+              </a:rPr>
+              <a:t>Dura-</a:t>
+            </a:r>
+          </a:p>
+          <a:p>
+            <a:pPr algn="ctr"/>
+            <a:r>
+              <a:rPr lang="en-US" b="1" dirty="0" err="1" smtClean="0">
+                <a:solidFill>
+                  <a:schemeClr val="tx1"/>
+                </a:solidFill>
+              </a:rPr>
+              <a:t>bility</a:t>
+            </a:r>
+            <a:endParaRPr lang="en-US" b="1" dirty="0">
+              <a:solidFill>
+                <a:schemeClr val="tx1"/>
+              </a:solidFill>
+            </a:endParaRPr>
+          </a:p>
+        </p:txBody>
+      </p:sp>
+      <p:sp>
+        <p:nvSpPr>
+          <p:cNvPr id="8" name="Rectangle 7"/>
+          <p:cNvSpPr/>
+          <p:nvPr/>
+        </p:nvSpPr>
+        <p:spPr>
+          <a:xfrm rot="16200000">
+            <a:off x="7625525" y="2635366"/>
+            <a:ext cx="1135239" cy="1008474"/>
+          </a:xfrm>
+          <a:prstGeom prst="rect">
+            <a:avLst/>
+          </a:prstGeom>
+          <a:noFill/>
+          <a:ln w="38100" cmpd="sng">
+            <a:solidFill>
+              <a:schemeClr val="tx1"/>
+            </a:solidFill>
+          </a:ln>
+        </p:spPr>
+        <p:style>
+          <a:lnRef idx="1">
+            <a:schemeClr val="accent1"/>
+          </a:lnRef>
+          <a:fillRef idx="3">
+            <a:schemeClr val="accent1"/>
+          </a:fillRef>
+          <a:effectRef idx="2">
+            <a:schemeClr val="accent1"/>
+          </a:effectRef>
+          <a:fontRef idx="minor">
+            <a:schemeClr val="lt1"/>
+          </a:fontRef>
+        </p:style>
+        <p:txBody>
+          <a:bodyPr vert="horz" rtlCol="0" anchor="ctr"/>
+          <a:lstStyle/>
+          <a:p>
+            <a:pPr algn="ctr"/>
+            <a:r>
+              <a:rPr lang="en-US" b="1" dirty="0" smtClean="0">
+                <a:solidFill>
+                  <a:schemeClr val="tx1"/>
+                </a:solidFill>
+              </a:rPr>
+              <a:t>File</a:t>
+            </a:r>
+          </a:p>
+          <a:p>
+            <a:pPr algn="ctr"/>
+            <a:r>
+              <a:rPr lang="en-US" b="1" dirty="0" smtClean="0">
+                <a:solidFill>
+                  <a:schemeClr val="tx1"/>
+                </a:solidFill>
+              </a:rPr>
+              <a:t>Type</a:t>
+            </a:r>
+            <a:endParaRPr lang="en-US" b="1" dirty="0">
+              <a:solidFill>
+                <a:schemeClr val="tx1"/>
+              </a:solidFill>
+            </a:endParaRPr>
+          </a:p>
+        </p:txBody>
+      </p:sp>
+      <p:sp>
+        <p:nvSpPr>
+          <p:cNvPr id="9" name="Rectangle 8"/>
+          <p:cNvSpPr/>
+          <p:nvPr/>
+        </p:nvSpPr>
+        <p:spPr>
+          <a:xfrm rot="16200000">
+            <a:off x="6531917" y="2635841"/>
+            <a:ext cx="1135239" cy="1008474"/>
+          </a:xfrm>
+          <a:prstGeom prst="rect">
+            <a:avLst/>
+          </a:prstGeom>
+          <a:noFill/>
+          <a:ln w="38100" cmpd="sng">
+            <a:solidFill>
+              <a:schemeClr val="tx1"/>
+            </a:solidFill>
+          </a:ln>
+        </p:spPr>
+        <p:style>
+          <a:lnRef idx="1">
+            <a:schemeClr val="accent1"/>
+          </a:lnRef>
+          <a:fillRef idx="3">
+            <a:schemeClr val="accent1"/>
+          </a:fillRef>
+          <a:effectRef idx="2">
+            <a:schemeClr val="accent1"/>
+          </a:effectRef>
+          <a:fontRef idx="minor">
+            <a:schemeClr val="lt1"/>
+          </a:fontRef>
+        </p:style>
+        <p:txBody>
+          <a:bodyPr vert="horz" rtlCol="0" anchor="ctr"/>
+          <a:lstStyle/>
+          <a:p>
+            <a:pPr algn="ctr"/>
+            <a:r>
+              <a:rPr lang="en-US" b="1" dirty="0" smtClean="0">
+                <a:solidFill>
+                  <a:schemeClr val="tx1"/>
+                </a:solidFill>
+              </a:rPr>
+              <a:t>Service Metadata</a:t>
+            </a:r>
+            <a:endParaRPr lang="en-US" b="1" dirty="0">
+              <a:solidFill>
+                <a:schemeClr val="tx1"/>
+              </a:solidFill>
+            </a:endParaRPr>
+          </a:p>
+        </p:txBody>
+      </p:sp>
+      <p:sp>
+        <p:nvSpPr>
+          <p:cNvPr id="10" name="Rounded Rectangle 9"/>
+          <p:cNvSpPr/>
+          <p:nvPr/>
+        </p:nvSpPr>
+        <p:spPr>
+          <a:xfrm>
+            <a:off x="4453467" y="1872074"/>
+            <a:ext cx="5293077" cy="404519"/>
+          </a:xfrm>
+          <a:prstGeom prst="roundRect">
+            <a:avLst/>
+          </a:prstGeom>
+          <a:noFill/>
+          <a:ln w="76200" cmpd="sng">
+            <a:solidFill>
+              <a:srgbClr val="0000FF"/>
+            </a:solidFill>
+          </a:ln>
+        </p:spPr>
+        <p:style>
+          <a:lnRef idx="1">
+            <a:schemeClr val="accent1"/>
+          </a:lnRef>
+          <a:fillRef idx="3">
+            <a:schemeClr val="accent1"/>
+          </a:fillRef>
+          <a:effectRef idx="2">
+            <a:schemeClr val="accent1"/>
+          </a:effectRef>
+          <a:fontRef idx="minor">
+            <a:schemeClr val="lt1"/>
+          </a:fontRef>
+        </p:style>
+        <p:txBody>
+          <a:bodyPr vert="horz" rtlCol="0" anchor="ctr"/>
+          <a:lstStyle/>
+          <a:p>
+            <a:r>
+              <a:rPr lang="en-US" sz="2000" dirty="0" err="1" smtClean="0">
+                <a:solidFill>
+                  <a:schemeClr val="tx1"/>
+                </a:solidFill>
+              </a:rPr>
+              <a:t>ZLog</a:t>
+            </a:r>
+            <a:r>
+              <a:rPr lang="en-US" sz="2000" dirty="0" smtClean="0">
+                <a:solidFill>
+                  <a:schemeClr val="tx1"/>
+                </a:solidFill>
+              </a:rPr>
+              <a:t> </a:t>
+            </a:r>
+          </a:p>
+        </p:txBody>
+      </p:sp>
+      <p:sp>
+        <p:nvSpPr>
+          <p:cNvPr id="12" name="Rounded Rectangle 11"/>
+          <p:cNvSpPr/>
+          <p:nvPr/>
+        </p:nvSpPr>
+        <p:spPr>
+          <a:xfrm>
+            <a:off x="6622345" y="1714971"/>
+            <a:ext cx="4341048" cy="754472"/>
+          </a:xfrm>
+          <a:prstGeom prst="roundRect">
+            <a:avLst/>
+          </a:prstGeom>
+          <a:noFill/>
+          <a:ln w="76200" cmpd="sng">
+            <a:solidFill>
+              <a:srgbClr val="FF0000"/>
+            </a:solidFill>
+          </a:ln>
+        </p:spPr>
+        <p:style>
+          <a:lnRef idx="1">
+            <a:schemeClr val="accent1"/>
+          </a:lnRef>
+          <a:fillRef idx="3">
+            <a:schemeClr val="accent1"/>
+          </a:fillRef>
+          <a:effectRef idx="2">
+            <a:schemeClr val="accent1"/>
+          </a:effectRef>
+          <a:fontRef idx="minor">
+            <a:schemeClr val="lt1"/>
+          </a:fontRef>
+        </p:style>
+        <p:txBody>
+          <a:bodyPr vert="horz" rtlCol="0" anchor="ctr"/>
+          <a:lstStyle/>
+          <a:p>
+            <a:pPr algn="r"/>
+            <a:r>
+              <a:rPr lang="en-US" sz="2000" dirty="0" smtClean="0">
+                <a:solidFill>
+                  <a:schemeClr val="tx1"/>
+                </a:solidFill>
+              </a:rPr>
+              <a:t>Mantle</a:t>
+            </a:r>
+          </a:p>
+        </p:txBody>
+      </p:sp>
+      <p:sp>
+        <p:nvSpPr>
+          <p:cNvPr id="15" name="TextBox 14"/>
+          <p:cNvSpPr txBox="1"/>
+          <p:nvPr/>
+        </p:nvSpPr>
+        <p:spPr>
+          <a:xfrm>
+            <a:off x="2502370" y="2816106"/>
+            <a:ext cx="1734727" cy="646331"/>
+          </a:xfrm>
+          <a:prstGeom prst="rect">
+            <a:avLst/>
+          </a:prstGeom>
+          <a:noFill/>
+        </p:spPr>
+        <p:txBody>
+          <a:bodyPr wrap="square" rtlCol="0">
+            <a:spAutoFit/>
+          </a:bodyPr>
+          <a:lstStyle/>
+          <a:p>
+            <a:pPr algn="r"/>
+            <a:r>
+              <a:rPr lang="en-US" b="1" dirty="0" smtClean="0"/>
+              <a:t>Malacology </a:t>
+            </a:r>
+            <a:r>
+              <a:rPr lang="en-US" b="1" dirty="0" smtClean="0"/>
+              <a:t>Interfaces</a:t>
+            </a:r>
+            <a:endParaRPr lang="en-US" b="1" dirty="0" smtClean="0"/>
+          </a:p>
+        </p:txBody>
+      </p:sp>
+      <p:sp>
+        <p:nvSpPr>
+          <p:cNvPr id="16" name="TextBox 15"/>
+          <p:cNvSpPr txBox="1"/>
+          <p:nvPr/>
+        </p:nvSpPr>
+        <p:spPr>
+          <a:xfrm>
+            <a:off x="2501899" y="4529203"/>
+            <a:ext cx="1624189" cy="923330"/>
+          </a:xfrm>
+          <a:prstGeom prst="rect">
+            <a:avLst/>
+          </a:prstGeom>
+          <a:noFill/>
+        </p:spPr>
+        <p:txBody>
+          <a:bodyPr wrap="square" rtlCol="0">
+            <a:spAutoFit/>
+          </a:bodyPr>
+          <a:lstStyle/>
+          <a:p>
+            <a:pPr algn="r"/>
+            <a:r>
+              <a:rPr lang="en-US" b="1" dirty="0" smtClean="0"/>
+              <a:t>Existing Daemons</a:t>
+            </a:r>
+          </a:p>
+          <a:p>
+            <a:pPr algn="r"/>
+            <a:endParaRPr lang="en-US" dirty="0"/>
+          </a:p>
+        </p:txBody>
+      </p:sp>
+      <p:sp>
+        <p:nvSpPr>
+          <p:cNvPr id="17" name="TextBox 16"/>
+          <p:cNvSpPr txBox="1"/>
+          <p:nvPr/>
+        </p:nvSpPr>
+        <p:spPr>
+          <a:xfrm>
+            <a:off x="2489200" y="1718259"/>
+            <a:ext cx="1759187" cy="923330"/>
+          </a:xfrm>
+          <a:prstGeom prst="rect">
+            <a:avLst/>
+          </a:prstGeom>
+          <a:noFill/>
+        </p:spPr>
+        <p:txBody>
+          <a:bodyPr wrap="square" rtlCol="0">
+            <a:spAutoFit/>
+          </a:bodyPr>
+          <a:lstStyle/>
+          <a:p>
+            <a:pPr algn="r"/>
+            <a:r>
+              <a:rPr lang="en-US" b="1" dirty="0" smtClean="0"/>
+              <a:t>Higher-Level </a:t>
+            </a:r>
+          </a:p>
+          <a:p>
+            <a:pPr algn="r"/>
+            <a:r>
+              <a:rPr lang="en-US" b="1" dirty="0" smtClean="0"/>
+              <a:t>Services </a:t>
+            </a:r>
+          </a:p>
+          <a:p>
+            <a:pPr algn="r"/>
+            <a:r>
+              <a:rPr lang="en-US" dirty="0" smtClean="0"/>
+              <a:t> </a:t>
+            </a:r>
+            <a:endParaRPr lang="en-US" dirty="0" smtClean="0"/>
+          </a:p>
+        </p:txBody>
+      </p:sp>
+      <p:sp>
+        <p:nvSpPr>
+          <p:cNvPr id="18" name="Rectangle 17"/>
+          <p:cNvSpPr/>
+          <p:nvPr/>
+        </p:nvSpPr>
+        <p:spPr>
+          <a:xfrm>
+            <a:off x="7125169" y="4032954"/>
+            <a:ext cx="1241777" cy="1037639"/>
+          </a:xfrm>
+          <a:prstGeom prst="rect">
+            <a:avLst/>
+          </a:prstGeom>
+          <a:solidFill>
+            <a:schemeClr val="bg2">
+              <a:lumMod val="75000"/>
+            </a:schemeClr>
+          </a:solidFill>
+          <a:ln>
+            <a:solidFill>
+              <a:schemeClr val="tx1"/>
+            </a:solidFill>
+          </a:ln>
+        </p:spPr>
+        <p:style>
+          <a:lnRef idx="1">
+            <a:schemeClr val="accent1"/>
+          </a:lnRef>
+          <a:fillRef idx="3">
+            <a:schemeClr val="accent1"/>
+          </a:fillRef>
+          <a:effectRef idx="2">
+            <a:schemeClr val="accent1"/>
+          </a:effectRef>
+          <a:fontRef idx="minor">
+            <a:schemeClr val="lt1"/>
+          </a:fontRef>
+        </p:style>
+        <p:txBody>
+          <a:bodyPr rtlCol="0" anchor="b"/>
+          <a:lstStyle/>
+          <a:p>
+            <a:pPr algn="ctr"/>
+            <a:r>
+              <a:rPr lang="en-US" sz="1400" dirty="0" smtClean="0">
+                <a:solidFill>
+                  <a:schemeClr val="tx1"/>
+                </a:solidFill>
+              </a:rPr>
+              <a:t>Monitor Server</a:t>
+            </a:r>
+          </a:p>
+        </p:txBody>
+      </p:sp>
+      <p:sp>
+        <p:nvSpPr>
+          <p:cNvPr id="19" name="TextBox 18"/>
+          <p:cNvSpPr txBox="1"/>
+          <p:nvPr/>
+        </p:nvSpPr>
+        <p:spPr>
+          <a:xfrm>
+            <a:off x="2489672" y="3938885"/>
+            <a:ext cx="1643945" cy="646331"/>
+          </a:xfrm>
+          <a:prstGeom prst="rect">
+            <a:avLst/>
+          </a:prstGeom>
+          <a:noFill/>
+        </p:spPr>
+        <p:txBody>
+          <a:bodyPr wrap="square" rtlCol="0">
+            <a:spAutoFit/>
+          </a:bodyPr>
+          <a:lstStyle/>
+          <a:p>
+            <a:pPr algn="r"/>
+            <a:r>
+              <a:rPr lang="en-US" b="1" dirty="0" smtClean="0"/>
+              <a:t>Existing </a:t>
+            </a:r>
+            <a:r>
+              <a:rPr lang="en-US" b="1" dirty="0" smtClean="0"/>
+              <a:t>Subsystems</a:t>
+            </a:r>
+            <a:endParaRPr lang="en-US" b="1" dirty="0" smtClean="0"/>
+          </a:p>
+        </p:txBody>
+      </p:sp>
+      <p:sp>
+        <p:nvSpPr>
+          <p:cNvPr id="20" name="Rectangle 19"/>
+          <p:cNvSpPr/>
+          <p:nvPr/>
+        </p:nvSpPr>
+        <p:spPr>
+          <a:xfrm>
+            <a:off x="7252167" y="4127972"/>
+            <a:ext cx="873139" cy="494032"/>
+          </a:xfrm>
+          <a:prstGeom prst="rect">
+            <a:avLst/>
+          </a:prstGeom>
+          <a:solidFill>
+            <a:schemeClr val="bg1">
+              <a:lumMod val="65000"/>
+            </a:schemeClr>
+          </a:solidFill>
+          <a:ln>
+            <a:solidFill>
+              <a:schemeClr val="tx1"/>
+            </a:solidFill>
+          </a:ln>
+        </p:spPr>
+        <p:style>
+          <a:lnRef idx="1">
+            <a:schemeClr val="accent1"/>
+          </a:lnRef>
+          <a:fillRef idx="3">
+            <a:schemeClr val="accent1"/>
+          </a:fillRef>
+          <a:effectRef idx="2">
+            <a:schemeClr val="accent1"/>
+          </a:effectRef>
+          <a:fontRef idx="minor">
+            <a:schemeClr val="lt1"/>
+          </a:fontRef>
+        </p:style>
+        <p:txBody>
+          <a:bodyPr rtlCol="0" anchor="ctr"/>
+          <a:lstStyle/>
+          <a:p>
+            <a:pPr algn="ctr"/>
+            <a:r>
+              <a:rPr lang="en-US" sz="1400" dirty="0" smtClean="0">
+                <a:solidFill>
+                  <a:schemeClr val="tx1"/>
+                </a:solidFill>
+              </a:rPr>
+              <a:t>Cluster Maps</a:t>
+            </a:r>
+          </a:p>
+        </p:txBody>
+      </p:sp>
+      <p:cxnSp>
+        <p:nvCxnSpPr>
+          <p:cNvPr id="22" name="Curved Connector 21"/>
+          <p:cNvCxnSpPr>
+            <a:stCxn id="9" idx="1"/>
+            <a:endCxn id="20" idx="0"/>
+          </p:cNvCxnSpPr>
+          <p:nvPr/>
+        </p:nvCxnSpPr>
+        <p:spPr>
+          <a:xfrm rot="16200000" flipH="1">
+            <a:off x="7184000" y="3623235"/>
+            <a:ext cx="420274" cy="589200"/>
+          </a:xfrm>
+          <a:prstGeom prst="curvedConnector3">
+            <a:avLst/>
+          </a:prstGeom>
+          <a:ln w="76200" cmpd="sng">
+            <a:solidFill>
+              <a:schemeClr val="tx1"/>
+            </a:solidFill>
+          </a:ln>
+        </p:spPr>
+        <p:style>
+          <a:lnRef idx="2">
+            <a:schemeClr val="accent1"/>
+          </a:lnRef>
+          <a:fillRef idx="0">
+            <a:schemeClr val="accent1"/>
+          </a:fillRef>
+          <a:effectRef idx="1">
+            <a:schemeClr val="accent1"/>
+          </a:effectRef>
+          <a:fontRef idx="minor">
+            <a:schemeClr val="tx1"/>
+          </a:fontRef>
+        </p:style>
+      </p:cxnSp>
+      <p:sp>
+        <p:nvSpPr>
+          <p:cNvPr id="25" name="Rectangle 24"/>
+          <p:cNvSpPr/>
+          <p:nvPr/>
+        </p:nvSpPr>
+        <p:spPr>
+          <a:xfrm>
+            <a:off x="8426686" y="4034835"/>
+            <a:ext cx="2420055" cy="1289757"/>
+          </a:xfrm>
+          <a:prstGeom prst="rect">
+            <a:avLst/>
+          </a:prstGeom>
+          <a:solidFill>
+            <a:schemeClr val="bg2">
+              <a:lumMod val="75000"/>
+            </a:schemeClr>
+          </a:solidFill>
+          <a:ln>
+            <a:solidFill>
+              <a:schemeClr val="tx1"/>
+            </a:solidFill>
+          </a:ln>
+        </p:spPr>
+        <p:style>
+          <a:lnRef idx="1">
+            <a:schemeClr val="accent1"/>
+          </a:lnRef>
+          <a:fillRef idx="3">
+            <a:schemeClr val="accent1"/>
+          </a:fillRef>
+          <a:effectRef idx="2">
+            <a:schemeClr val="accent1"/>
+          </a:effectRef>
+          <a:fontRef idx="minor">
+            <a:schemeClr val="lt1"/>
+          </a:fontRef>
+        </p:style>
+        <p:txBody>
+          <a:bodyPr rtlCol="0" anchor="b"/>
+          <a:lstStyle/>
+          <a:p>
+            <a:pPr algn="ctr"/>
+            <a:r>
+              <a:rPr lang="en-US" sz="1400" dirty="0" smtClean="0">
+                <a:solidFill>
+                  <a:schemeClr val="tx1"/>
+                </a:solidFill>
+              </a:rPr>
+              <a:t>Metadata Server</a:t>
+            </a:r>
+          </a:p>
+        </p:txBody>
+      </p:sp>
+      <p:sp>
+        <p:nvSpPr>
+          <p:cNvPr id="26" name="Rectangle 25"/>
+          <p:cNvSpPr/>
+          <p:nvPr/>
+        </p:nvSpPr>
+        <p:spPr>
+          <a:xfrm>
+            <a:off x="8503356" y="4139259"/>
+            <a:ext cx="980337" cy="472527"/>
+          </a:xfrm>
+          <a:prstGeom prst="rect">
+            <a:avLst/>
+          </a:prstGeom>
+          <a:solidFill>
+            <a:schemeClr val="bg1">
+              <a:lumMod val="65000"/>
+            </a:schemeClr>
+          </a:solidFill>
+          <a:ln>
+            <a:solidFill>
+              <a:schemeClr val="tx1"/>
+            </a:solidFill>
+          </a:ln>
+        </p:spPr>
+        <p:style>
+          <a:lnRef idx="1">
+            <a:schemeClr val="accent1"/>
+          </a:lnRef>
+          <a:fillRef idx="3">
+            <a:schemeClr val="accent1"/>
+          </a:fillRef>
+          <a:effectRef idx="2">
+            <a:schemeClr val="accent1"/>
+          </a:effectRef>
+          <a:fontRef idx="minor">
+            <a:schemeClr val="lt1"/>
+          </a:fontRef>
+        </p:style>
+        <p:txBody>
+          <a:bodyPr rtlCol="0" anchor="ctr"/>
+          <a:lstStyle/>
+          <a:p>
+            <a:pPr algn="ctr"/>
+            <a:r>
+              <a:rPr lang="en-US" sz="1400" dirty="0" err="1" smtClean="0">
+                <a:solidFill>
+                  <a:schemeClr val="tx1"/>
+                </a:solidFill>
+              </a:rPr>
+              <a:t>Inode</a:t>
+            </a:r>
+            <a:r>
+              <a:rPr lang="en-US" sz="1400" dirty="0" smtClean="0">
+                <a:solidFill>
+                  <a:schemeClr val="tx1"/>
+                </a:solidFill>
+              </a:rPr>
+              <a:t> </a:t>
+            </a:r>
+            <a:r>
+              <a:rPr lang="en-US" sz="1400" dirty="0" err="1" smtClean="0">
+                <a:solidFill>
+                  <a:schemeClr val="tx1"/>
+                </a:solidFill>
+              </a:rPr>
+              <a:t>Structs</a:t>
+            </a:r>
+            <a:endParaRPr lang="en-US" sz="1400" dirty="0" smtClean="0">
+              <a:solidFill>
+                <a:schemeClr val="tx1"/>
+              </a:solidFill>
+            </a:endParaRPr>
+          </a:p>
+        </p:txBody>
+      </p:sp>
+      <p:sp>
+        <p:nvSpPr>
+          <p:cNvPr id="27" name="Rectangle 26"/>
+          <p:cNvSpPr/>
+          <p:nvPr/>
+        </p:nvSpPr>
+        <p:spPr>
+          <a:xfrm>
+            <a:off x="8730074" y="4658547"/>
+            <a:ext cx="1806223" cy="365010"/>
+          </a:xfrm>
+          <a:prstGeom prst="rect">
+            <a:avLst/>
+          </a:prstGeom>
+          <a:solidFill>
+            <a:schemeClr val="bg1">
+              <a:lumMod val="65000"/>
+            </a:schemeClr>
+          </a:solidFill>
+          <a:ln>
+            <a:solidFill>
+              <a:schemeClr val="tx1"/>
+            </a:solidFill>
+          </a:ln>
+        </p:spPr>
+        <p:style>
+          <a:lnRef idx="1">
+            <a:schemeClr val="accent1"/>
+          </a:lnRef>
+          <a:fillRef idx="3">
+            <a:schemeClr val="accent1"/>
+          </a:fillRef>
+          <a:effectRef idx="2">
+            <a:schemeClr val="accent1"/>
+          </a:effectRef>
+          <a:fontRef idx="minor">
+            <a:schemeClr val="lt1"/>
+          </a:fontRef>
+        </p:style>
+        <p:txBody>
+          <a:bodyPr rtlCol="0" anchor="ctr"/>
+          <a:lstStyle/>
+          <a:p>
+            <a:pPr algn="ctr"/>
+            <a:r>
+              <a:rPr lang="en-US" sz="1400" dirty="0" smtClean="0">
+                <a:solidFill>
+                  <a:schemeClr val="tx1"/>
+                </a:solidFill>
+              </a:rPr>
+              <a:t>Metadata Balancer</a:t>
+            </a:r>
+          </a:p>
+        </p:txBody>
+      </p:sp>
+      <p:sp>
+        <p:nvSpPr>
+          <p:cNvPr id="28" name="Rectangle 27"/>
+          <p:cNvSpPr/>
+          <p:nvPr/>
+        </p:nvSpPr>
+        <p:spPr>
+          <a:xfrm>
+            <a:off x="9748895" y="4133616"/>
+            <a:ext cx="1013180" cy="476014"/>
+          </a:xfrm>
+          <a:prstGeom prst="rect">
+            <a:avLst/>
+          </a:prstGeom>
+          <a:solidFill>
+            <a:schemeClr val="bg1">
+              <a:lumMod val="65000"/>
+            </a:schemeClr>
+          </a:solidFill>
+          <a:ln>
+            <a:solidFill>
+              <a:schemeClr val="tx1"/>
+            </a:solidFill>
+          </a:ln>
+        </p:spPr>
+        <p:style>
+          <a:lnRef idx="1">
+            <a:schemeClr val="accent1"/>
+          </a:lnRef>
+          <a:fillRef idx="3">
+            <a:schemeClr val="accent1"/>
+          </a:fillRef>
+          <a:effectRef idx="2">
+            <a:schemeClr val="accent1"/>
+          </a:effectRef>
+          <a:fontRef idx="minor">
+            <a:schemeClr val="lt1"/>
+          </a:fontRef>
+        </p:style>
+        <p:txBody>
+          <a:bodyPr rtlCol="0" anchor="ctr"/>
+          <a:lstStyle/>
+          <a:p>
+            <a:pPr algn="ctr"/>
+            <a:r>
+              <a:rPr lang="en-US" sz="1400" dirty="0" smtClean="0">
+                <a:solidFill>
+                  <a:schemeClr val="tx1"/>
+                </a:solidFill>
+              </a:rPr>
+              <a:t>RADOS API</a:t>
+            </a:r>
+          </a:p>
+        </p:txBody>
+      </p:sp>
+      <p:sp>
+        <p:nvSpPr>
+          <p:cNvPr id="30" name="Rectangle 29"/>
+          <p:cNvSpPr/>
+          <p:nvPr/>
+        </p:nvSpPr>
+        <p:spPr>
+          <a:xfrm>
+            <a:off x="5648207" y="4044244"/>
+            <a:ext cx="1420518" cy="1016941"/>
+          </a:xfrm>
+          <a:prstGeom prst="rect">
+            <a:avLst/>
+          </a:prstGeom>
+          <a:solidFill>
+            <a:schemeClr val="bg2">
+              <a:lumMod val="75000"/>
+            </a:schemeClr>
+          </a:solidFill>
+          <a:ln>
+            <a:solidFill>
+              <a:schemeClr val="tx1"/>
+            </a:solidFill>
+          </a:ln>
+        </p:spPr>
+        <p:style>
+          <a:lnRef idx="1">
+            <a:schemeClr val="accent1"/>
+          </a:lnRef>
+          <a:fillRef idx="3">
+            <a:schemeClr val="accent1"/>
+          </a:fillRef>
+          <a:effectRef idx="2">
+            <a:schemeClr val="accent1"/>
+          </a:effectRef>
+          <a:fontRef idx="minor">
+            <a:schemeClr val="lt1"/>
+          </a:fontRef>
+        </p:style>
+        <p:txBody>
+          <a:bodyPr rtlCol="0" anchor="b"/>
+          <a:lstStyle/>
+          <a:p>
+            <a:pPr algn="ctr"/>
+            <a:r>
+              <a:rPr lang="en-US" sz="1400" dirty="0" smtClean="0">
+                <a:solidFill>
+                  <a:schemeClr val="tx1"/>
+                </a:solidFill>
+              </a:rPr>
+              <a:t>Object Server</a:t>
+            </a:r>
+          </a:p>
+        </p:txBody>
+      </p:sp>
+      <p:sp>
+        <p:nvSpPr>
+          <p:cNvPr id="29" name="Rectangle 28"/>
+          <p:cNvSpPr/>
+          <p:nvPr/>
+        </p:nvSpPr>
+        <p:spPr>
+          <a:xfrm>
+            <a:off x="5742281" y="4120445"/>
+            <a:ext cx="1131988" cy="494032"/>
+          </a:xfrm>
+          <a:prstGeom prst="rect">
+            <a:avLst/>
+          </a:prstGeom>
+          <a:solidFill>
+            <a:schemeClr val="bg1">
+              <a:lumMod val="65000"/>
+            </a:schemeClr>
+          </a:solidFill>
+          <a:ln>
+            <a:solidFill>
+              <a:schemeClr val="tx1"/>
+            </a:solidFill>
+          </a:ln>
+        </p:spPr>
+        <p:style>
+          <a:lnRef idx="1">
+            <a:schemeClr val="accent1"/>
+          </a:lnRef>
+          <a:fillRef idx="3">
+            <a:schemeClr val="accent1"/>
+          </a:fillRef>
+          <a:effectRef idx="2">
+            <a:schemeClr val="accent1"/>
+          </a:effectRef>
+          <a:fontRef idx="minor">
+            <a:schemeClr val="lt1"/>
+          </a:fontRef>
+        </p:style>
+        <p:txBody>
+          <a:bodyPr rtlCol="0" anchor="ctr"/>
+          <a:lstStyle/>
+          <a:p>
+            <a:pPr algn="ctr"/>
+            <a:r>
+              <a:rPr lang="en-US" sz="1400" dirty="0" smtClean="0">
+                <a:solidFill>
+                  <a:schemeClr val="tx1"/>
+                </a:solidFill>
+              </a:rPr>
+              <a:t>Object Classes</a:t>
+            </a:r>
+          </a:p>
+        </p:txBody>
+      </p:sp>
+      <p:sp>
+        <p:nvSpPr>
+          <p:cNvPr id="37" name="Rectangle 36"/>
+          <p:cNvSpPr/>
+          <p:nvPr/>
+        </p:nvSpPr>
+        <p:spPr>
+          <a:xfrm>
+            <a:off x="4351866" y="4053650"/>
+            <a:ext cx="1241777" cy="1016943"/>
+          </a:xfrm>
+          <a:prstGeom prst="rect">
+            <a:avLst/>
+          </a:prstGeom>
+          <a:solidFill>
+            <a:schemeClr val="bg2">
+              <a:lumMod val="75000"/>
+            </a:schemeClr>
+          </a:solidFill>
+          <a:ln>
+            <a:solidFill>
+              <a:schemeClr val="tx1"/>
+            </a:solidFill>
+          </a:ln>
+        </p:spPr>
+        <p:style>
+          <a:lnRef idx="1">
+            <a:schemeClr val="accent1"/>
+          </a:lnRef>
+          <a:fillRef idx="3">
+            <a:schemeClr val="accent1"/>
+          </a:fillRef>
+          <a:effectRef idx="2">
+            <a:schemeClr val="accent1"/>
+          </a:effectRef>
+          <a:fontRef idx="minor">
+            <a:schemeClr val="lt1"/>
+          </a:fontRef>
+        </p:style>
+        <p:txBody>
+          <a:bodyPr rtlCol="0" anchor="b"/>
+          <a:lstStyle/>
+          <a:p>
+            <a:pPr algn="ctr"/>
+            <a:r>
+              <a:rPr lang="en-US" sz="1400" dirty="0" smtClean="0">
+                <a:solidFill>
+                  <a:schemeClr val="tx1"/>
+                </a:solidFill>
+              </a:rPr>
+              <a:t>Client</a:t>
+            </a:r>
+          </a:p>
+        </p:txBody>
+      </p:sp>
+      <p:sp>
+        <p:nvSpPr>
+          <p:cNvPr id="38" name="Rectangle 37"/>
+          <p:cNvSpPr/>
+          <p:nvPr/>
+        </p:nvSpPr>
+        <p:spPr>
+          <a:xfrm>
+            <a:off x="4422422" y="4176889"/>
+            <a:ext cx="1036378" cy="494032"/>
+          </a:xfrm>
+          <a:prstGeom prst="rect">
+            <a:avLst/>
+          </a:prstGeom>
+          <a:solidFill>
+            <a:schemeClr val="bg1">
+              <a:lumMod val="65000"/>
+            </a:schemeClr>
+          </a:solidFill>
+          <a:ln>
+            <a:solidFill>
+              <a:schemeClr val="tx1"/>
+            </a:solidFill>
+          </a:ln>
+        </p:spPr>
+        <p:style>
+          <a:lnRef idx="1">
+            <a:schemeClr val="accent1"/>
+          </a:lnRef>
+          <a:fillRef idx="3">
+            <a:schemeClr val="accent1"/>
+          </a:fillRef>
+          <a:effectRef idx="2">
+            <a:schemeClr val="accent1"/>
+          </a:effectRef>
+          <a:fontRef idx="minor">
+            <a:schemeClr val="lt1"/>
+          </a:fontRef>
+        </p:style>
+        <p:txBody>
+          <a:bodyPr rtlCol="0" anchor="ctr"/>
+          <a:lstStyle/>
+          <a:p>
+            <a:pPr algn="ctr"/>
+            <a:r>
+              <a:rPr lang="en-US" sz="1400" dirty="0" err="1" smtClean="0">
+                <a:solidFill>
+                  <a:schemeClr val="tx1"/>
+                </a:solidFill>
+              </a:rPr>
+              <a:t>libcephfs</a:t>
+            </a:r>
+            <a:endParaRPr lang="en-US" sz="1400" dirty="0" smtClean="0">
+              <a:solidFill>
+                <a:schemeClr val="tx1"/>
+              </a:solidFill>
+            </a:endParaRPr>
+          </a:p>
+        </p:txBody>
+      </p:sp>
+      <p:cxnSp>
+        <p:nvCxnSpPr>
+          <p:cNvPr id="41" name="Curved Connector 40"/>
+          <p:cNvCxnSpPr>
+            <a:stCxn id="6" idx="1"/>
+            <a:endCxn id="29" idx="0"/>
+          </p:cNvCxnSpPr>
+          <p:nvPr/>
+        </p:nvCxnSpPr>
+        <p:spPr>
+          <a:xfrm rot="16200000" flipH="1">
+            <a:off x="5960133" y="3772302"/>
+            <a:ext cx="407575" cy="288710"/>
+          </a:xfrm>
+          <a:prstGeom prst="curvedConnector3">
+            <a:avLst>
+              <a:gd name="adj1" fmla="val 50000"/>
+            </a:avLst>
+          </a:prstGeom>
+          <a:ln w="76200" cmpd="sng">
+            <a:solidFill>
+              <a:schemeClr val="tx1"/>
+            </a:solidFill>
+          </a:ln>
+        </p:spPr>
+        <p:style>
+          <a:lnRef idx="2">
+            <a:schemeClr val="accent1"/>
+          </a:lnRef>
+          <a:fillRef idx="0">
+            <a:schemeClr val="accent1"/>
+          </a:fillRef>
+          <a:effectRef idx="1">
+            <a:schemeClr val="accent1"/>
+          </a:effectRef>
+          <a:fontRef idx="minor">
+            <a:schemeClr val="tx1"/>
+          </a:fontRef>
+        </p:style>
+      </p:cxnSp>
+      <p:cxnSp>
+        <p:nvCxnSpPr>
+          <p:cNvPr id="44" name="Curved Connector 43"/>
+          <p:cNvCxnSpPr>
+            <a:stCxn id="4" idx="1"/>
+            <a:endCxn id="38" idx="0"/>
+          </p:cNvCxnSpPr>
+          <p:nvPr/>
+        </p:nvCxnSpPr>
+        <p:spPr>
+          <a:xfrm rot="16200000" flipH="1">
+            <a:off x="4705036" y="3941314"/>
+            <a:ext cx="464490" cy="6660"/>
+          </a:xfrm>
+          <a:prstGeom prst="curvedConnector3">
+            <a:avLst>
+              <a:gd name="adj1" fmla="val 50000"/>
+            </a:avLst>
+          </a:prstGeom>
+          <a:ln w="76200" cmpd="sng">
+            <a:solidFill>
+              <a:schemeClr val="tx1"/>
+            </a:solidFill>
+          </a:ln>
+        </p:spPr>
+        <p:style>
+          <a:lnRef idx="2">
+            <a:schemeClr val="accent1"/>
+          </a:lnRef>
+          <a:fillRef idx="0">
+            <a:schemeClr val="accent1"/>
+          </a:fillRef>
+          <a:effectRef idx="1">
+            <a:schemeClr val="accent1"/>
+          </a:effectRef>
+          <a:fontRef idx="minor">
+            <a:schemeClr val="tx1"/>
+          </a:fontRef>
+        </p:style>
+      </p:cxnSp>
+      <p:cxnSp>
+        <p:nvCxnSpPr>
+          <p:cNvPr id="47" name="Curved Connector 46"/>
+          <p:cNvCxnSpPr>
+            <a:stCxn id="5" idx="1"/>
+            <a:endCxn id="27" idx="0"/>
+          </p:cNvCxnSpPr>
+          <p:nvPr/>
+        </p:nvCxnSpPr>
+        <p:spPr>
+          <a:xfrm rot="16200000" flipH="1">
+            <a:off x="8979137" y="4004498"/>
+            <a:ext cx="956968" cy="351130"/>
+          </a:xfrm>
+          <a:prstGeom prst="curvedConnector3">
+            <a:avLst>
+              <a:gd name="adj1" fmla="val 50000"/>
+            </a:avLst>
+          </a:prstGeom>
+          <a:ln w="76200" cmpd="sng">
+            <a:solidFill>
+              <a:schemeClr val="tx1"/>
+            </a:solidFill>
+          </a:ln>
+        </p:spPr>
+        <p:style>
+          <a:lnRef idx="2">
+            <a:schemeClr val="accent1"/>
+          </a:lnRef>
+          <a:fillRef idx="0">
+            <a:schemeClr val="accent1"/>
+          </a:fillRef>
+          <a:effectRef idx="1">
+            <a:schemeClr val="accent1"/>
+          </a:effectRef>
+          <a:fontRef idx="minor">
+            <a:schemeClr val="tx1"/>
+          </a:fontRef>
+        </p:style>
+      </p:cxnSp>
+      <p:cxnSp>
+        <p:nvCxnSpPr>
+          <p:cNvPr id="53" name="Curved Connector 52"/>
+          <p:cNvCxnSpPr>
+            <a:stCxn id="8" idx="1"/>
+            <a:endCxn id="26" idx="0"/>
+          </p:cNvCxnSpPr>
+          <p:nvPr/>
+        </p:nvCxnSpPr>
+        <p:spPr>
+          <a:xfrm rot="16200000" flipH="1">
+            <a:off x="8377317" y="3523051"/>
+            <a:ext cx="432036" cy="800380"/>
+          </a:xfrm>
+          <a:prstGeom prst="curvedConnector3">
+            <a:avLst>
+              <a:gd name="adj1" fmla="val 50000"/>
+            </a:avLst>
+          </a:prstGeom>
+          <a:ln w="76200" cmpd="sng">
+            <a:solidFill>
+              <a:schemeClr val="tx1"/>
+            </a:solidFill>
+          </a:ln>
+        </p:spPr>
+        <p:style>
+          <a:lnRef idx="2">
+            <a:schemeClr val="accent1"/>
+          </a:lnRef>
+          <a:fillRef idx="0">
+            <a:schemeClr val="accent1"/>
+          </a:fillRef>
+          <a:effectRef idx="1">
+            <a:schemeClr val="accent1"/>
+          </a:effectRef>
+          <a:fontRef idx="minor">
+            <a:schemeClr val="tx1"/>
+          </a:fontRef>
+        </p:style>
+      </p:cxnSp>
+      <p:cxnSp>
+        <p:nvCxnSpPr>
+          <p:cNvPr id="56" name="Curved Connector 55"/>
+          <p:cNvCxnSpPr>
+            <a:stCxn id="7" idx="1"/>
+            <a:endCxn id="28" idx="0"/>
+          </p:cNvCxnSpPr>
+          <p:nvPr/>
+        </p:nvCxnSpPr>
+        <p:spPr>
+          <a:xfrm rot="5400000">
+            <a:off x="10081683" y="3875854"/>
+            <a:ext cx="431564" cy="83960"/>
+          </a:xfrm>
+          <a:prstGeom prst="curvedConnector3">
+            <a:avLst>
+              <a:gd name="adj1" fmla="val 50000"/>
+            </a:avLst>
+          </a:prstGeom>
+          <a:ln w="76200" cmpd="sng">
+            <a:solidFill>
+              <a:schemeClr val="tx1"/>
+            </a:solidFill>
+          </a:ln>
+        </p:spPr>
+        <p:style>
+          <a:lnRef idx="2">
+            <a:schemeClr val="accent1"/>
+          </a:lnRef>
+          <a:fillRef idx="0">
+            <a:schemeClr val="accent1"/>
+          </a:fillRef>
+          <a:effectRef idx="1">
+            <a:schemeClr val="accent1"/>
+          </a:effectRef>
+          <a:fontRef idx="minor">
+            <a:schemeClr val="tx1"/>
+          </a:fontRef>
+        </p:style>
+      </p:cxnSp>
+    </p:spTree>
+    <p:extLst>
+      <p:ext uri="{BB962C8B-B14F-4D97-AF65-F5344CB8AC3E}">
+        <p14:creationId xmlns:p14="http://schemas.microsoft.com/office/powerpoint/2010/main" val="3952583259"/>
+      </p:ext>
+    </p:extLst>
+  </p:cSld>
+  <p:clrMapOvr>
+    <a:masterClrMapping/>
+  </p:clrMapOvr>
+  <p:timing>
+    <p:tnLst>
+      <p:par>
+        <p:cTn xmlns:p14="http://schemas.microsoft.com/office/powerpoint/2010/main" id="1" dur="indefinite" restart="never" nodeType="tmRoot"/>
+      </p:par>
+    </p:tnLst>
+  </p:timing>
+</p:sld>
+</file>
+
+<file path=ppt/slides/slide8.xml><?xml version="1.0" encoding="utf-8"?>
+<p:sld xmlns:a="http://schemas.openxmlformats.org/drawingml/2006/main" xmlns:r="http://schemas.openxmlformats.org/officeDocument/2006/relationships" xmlns:p="http://schemas.openxmlformats.org/presentationml/2006/main">
+  <p:cSld>
+    <p:spTree>
+      <p:nvGrpSpPr>
+        <p:cNvPr id="1" name=""/>
+        <p:cNvGrpSpPr/>
+        <p:nvPr/>
+      </p:nvGrpSpPr>
+      <p:grpSpPr>
+        <a:xfrm>
+          <a:off x="0" y="0"/>
+          <a:ext cx="0" cy="0"/>
+          <a:chOff x="0" y="0"/>
+          <a:chExt cx="0" cy="0"/>
+        </a:xfrm>
+      </p:grpSpPr>
+      <p:sp>
+        <p:nvSpPr>
           <p:cNvPr id="3" name="Rounded Rectangle 2"/>
           <p:cNvSpPr/>
           <p:nvPr/>
@@ -39332,7 +44509,7 @@
 </p:sld>
 </file>
 
-<file path=ppt/slides/slide8.xml><?xml version="1.0" encoding="utf-8"?>
+<file path=ppt/slides/slide9.xml><?xml version="1.0" encoding="utf-8"?>
 <p:sld xmlns:a="http://schemas.openxmlformats.org/drawingml/2006/main" xmlns:r="http://schemas.openxmlformats.org/officeDocument/2006/relationships" xmlns:p="http://schemas.openxmlformats.org/presentationml/2006/main">
   <p:cSld>
     <p:spTree>
@@ -44109,3704 +49286,6 @@
 </p:sld>
 </file>
 
-<file path=ppt/slides/slide9.xml><?xml version="1.0" encoding="utf-8"?>
-<p:sld xmlns:a="http://schemas.openxmlformats.org/drawingml/2006/main" xmlns:r="http://schemas.openxmlformats.org/officeDocument/2006/relationships" xmlns:p="http://schemas.openxmlformats.org/presentationml/2006/main">
-  <p:cSld>
-    <p:spTree>
-      <p:nvGrpSpPr>
-        <p:cNvPr id="1" name=""/>
-        <p:cNvGrpSpPr/>
-        <p:nvPr/>
-      </p:nvGrpSpPr>
-      <p:grpSpPr>
-        <a:xfrm>
-          <a:off x="0" y="0"/>
-          <a:ext cx="0" cy="0"/>
-          <a:chOff x="0" y="0"/>
-          <a:chExt cx="0" cy="0"/>
-        </a:xfrm>
-      </p:grpSpPr>
-      <p:graphicFrame>
-        <p:nvGraphicFramePr>
-          <p:cNvPr id="258" name="Table 257"/>
-          <p:cNvGraphicFramePr>
-            <a:graphicFrameLocks noGrp="1"/>
-          </p:cNvGraphicFramePr>
-          <p:nvPr>
-            <p:extLst>
-              <p:ext uri="{D42A27DB-BD31-4B8C-83A1-F6EECF244321}">
-                <p14:modId xmlns:p14="http://schemas.microsoft.com/office/powerpoint/2010/main" val="3971871694"/>
-              </p:ext>
-            </p:extLst>
-          </p:nvPr>
-        </p:nvGraphicFramePr>
-        <p:xfrm>
-          <a:off x="1725435" y="157814"/>
-          <a:ext cx="8128000" cy="370840"/>
-        </p:xfrm>
-        <a:graphic>
-          <a:graphicData uri="http://schemas.openxmlformats.org/drawingml/2006/table">
-            <a:tbl>
-              <a:tblPr firstRow="1" bandRow="1">
-                <a:tableStyleId>{5C22544A-7EE6-4342-B048-85BDC9FD1C3A}</a:tableStyleId>
-              </a:tblPr>
-              <a:tblGrid>
-                <a:gridCol w="2032000"/>
-                <a:gridCol w="2032000"/>
-                <a:gridCol w="2032000"/>
-                <a:gridCol w="2032000"/>
-              </a:tblGrid>
-              <a:tr h="370840">
-                <a:tc>
-                  <a:txBody>
-                    <a:bodyPr/>
-                    <a:lstStyle/>
-                    <a:p>
-                      <a:r>
-                        <a:rPr lang="en-US" b="0" dirty="0" smtClean="0">
-                          <a:solidFill>
-                            <a:srgbClr val="000000"/>
-                          </a:solidFill>
-                          <a:latin typeface="Helvetica"/>
-                          <a:cs typeface="Helvetica"/>
-                        </a:rPr>
-                        <a:t>Sequencer</a:t>
-                      </a:r>
-                      <a:endParaRPr lang="en-US" b="0" dirty="0">
-                        <a:solidFill>
-                          <a:srgbClr val="000000"/>
-                        </a:solidFill>
-                        <a:latin typeface="Helvetica"/>
-                        <a:cs typeface="Helvetica"/>
-                      </a:endParaRPr>
-                    </a:p>
-                  </a:txBody>
-                  <a:tcPr>
-                    <a:lnL w="12700" cap="flat" cmpd="sng" algn="ctr">
-                      <a:solidFill>
-                        <a:scrgbClr r="0" g="0" b="0"/>
-                      </a:solidFill>
-                      <a:prstDash val="solid"/>
-                      <a:round/>
-                      <a:headEnd type="none" w="med" len="med"/>
-                      <a:tailEnd type="none" w="med" len="med"/>
-                    </a:lnL>
-                    <a:lnT w="12700" cap="flat" cmpd="sng" algn="ctr">
-                      <a:solidFill>
-                        <a:scrgbClr r="0" g="0" b="0"/>
-                      </a:solidFill>
-                      <a:prstDash val="solid"/>
-                      <a:round/>
-                      <a:headEnd type="none" w="med" len="med"/>
-                      <a:tailEnd type="none" w="med" len="med"/>
-                    </a:lnT>
-                    <a:lnB w="12700" cap="flat" cmpd="sng" algn="ctr">
-                      <a:solidFill>
-                        <a:scrgbClr r="0" g="0" b="0"/>
-                      </a:solidFill>
-                      <a:prstDash val="solid"/>
-                      <a:round/>
-                      <a:headEnd type="none" w="med" len="med"/>
-                      <a:tailEnd type="none" w="med" len="med"/>
-                    </a:lnB>
-                    <a:solidFill>
-                      <a:srgbClr val="FFFFFF"/>
-                    </a:solidFill>
-                  </a:tcPr>
-                </a:tc>
-                <a:tc>
-                  <a:txBody>
-                    <a:bodyPr/>
-                    <a:lstStyle/>
-                    <a:p>
-                      <a:r>
-                        <a:rPr lang="en-US" b="0" dirty="0" smtClean="0">
-                          <a:solidFill>
-                            <a:srgbClr val="000000"/>
-                          </a:solidFill>
-                          <a:latin typeface="Helvetica"/>
-                          <a:cs typeface="Helvetica"/>
-                        </a:rPr>
-                        <a:t>Client</a:t>
-                      </a:r>
-                      <a:endParaRPr lang="en-US" b="0" dirty="0">
-                        <a:solidFill>
-                          <a:srgbClr val="000000"/>
-                        </a:solidFill>
-                        <a:latin typeface="Helvetica"/>
-                        <a:cs typeface="Helvetica"/>
-                      </a:endParaRPr>
-                    </a:p>
-                  </a:txBody>
-                  <a:tcPr>
-                    <a:lnT w="12700" cap="flat" cmpd="sng" algn="ctr">
-                      <a:solidFill>
-                        <a:scrgbClr r="0" g="0" b="0"/>
-                      </a:solidFill>
-                      <a:prstDash val="solid"/>
-                      <a:round/>
-                      <a:headEnd type="none" w="med" len="med"/>
-                      <a:tailEnd type="none" w="med" len="med"/>
-                    </a:lnT>
-                    <a:lnB w="12700" cap="flat" cmpd="sng" algn="ctr">
-                      <a:solidFill>
-                        <a:scrgbClr r="0" g="0" b="0"/>
-                      </a:solidFill>
-                      <a:prstDash val="solid"/>
-                      <a:round/>
-                      <a:headEnd type="none" w="med" len="med"/>
-                      <a:tailEnd type="none" w="med" len="med"/>
-                    </a:lnB>
-                    <a:solidFill>
-                      <a:srgbClr val="FFFFFF"/>
-                    </a:solidFill>
-                  </a:tcPr>
-                </a:tc>
-                <a:tc>
-                  <a:txBody>
-                    <a:bodyPr/>
-                    <a:lstStyle/>
-                    <a:p>
-                      <a:r>
-                        <a:rPr lang="en-US" b="0" dirty="0" smtClean="0">
-                          <a:solidFill>
-                            <a:srgbClr val="000000"/>
-                          </a:solidFill>
-                          <a:latin typeface="Helvetica"/>
-                          <a:cs typeface="Helvetica"/>
-                        </a:rPr>
-                        <a:t>Request</a:t>
-                      </a:r>
-                      <a:endParaRPr lang="en-US" b="0" dirty="0">
-                        <a:solidFill>
-                          <a:srgbClr val="000000"/>
-                        </a:solidFill>
-                        <a:latin typeface="Helvetica"/>
-                        <a:cs typeface="Helvetica"/>
-                      </a:endParaRPr>
-                    </a:p>
-                  </a:txBody>
-                  <a:tcPr>
-                    <a:lnT w="12700" cap="flat" cmpd="sng" algn="ctr">
-                      <a:solidFill>
-                        <a:scrgbClr r="0" g="0" b="0"/>
-                      </a:solidFill>
-                      <a:prstDash val="solid"/>
-                      <a:round/>
-                      <a:headEnd type="none" w="med" len="med"/>
-                      <a:tailEnd type="none" w="med" len="med"/>
-                    </a:lnT>
-                    <a:lnB w="12700" cap="flat" cmpd="sng" algn="ctr">
-                      <a:solidFill>
-                        <a:scrgbClr r="0" g="0" b="0"/>
-                      </a:solidFill>
-                      <a:prstDash val="solid"/>
-                      <a:round/>
-                      <a:headEnd type="none" w="med" len="med"/>
-                      <a:tailEnd type="none" w="med" len="med"/>
-                    </a:lnB>
-                    <a:solidFill>
-                      <a:srgbClr val="FFFFFF"/>
-                    </a:solidFill>
-                  </a:tcPr>
-                </a:tc>
-                <a:tc>
-                  <a:txBody>
-                    <a:bodyPr/>
-                    <a:lstStyle/>
-                    <a:p>
-                      <a:r>
-                        <a:rPr lang="en-US" b="0" dirty="0" smtClean="0">
-                          <a:solidFill>
-                            <a:srgbClr val="000000"/>
-                          </a:solidFill>
-                          <a:latin typeface="Helvetica"/>
-                          <a:cs typeface="Helvetica"/>
-                        </a:rPr>
-                        <a:t>Response</a:t>
-                      </a:r>
-                      <a:endParaRPr lang="en-US" b="0" dirty="0">
-                        <a:solidFill>
-                          <a:srgbClr val="000000"/>
-                        </a:solidFill>
-                        <a:latin typeface="Helvetica"/>
-                        <a:cs typeface="Helvetica"/>
-                      </a:endParaRPr>
-                    </a:p>
-                  </a:txBody>
-                  <a:tcPr>
-                    <a:lnR w="12700" cap="flat" cmpd="sng" algn="ctr">
-                      <a:solidFill>
-                        <a:scrgbClr r="0" g="0" b="0"/>
-                      </a:solidFill>
-                      <a:prstDash val="solid"/>
-                      <a:round/>
-                      <a:headEnd type="none" w="med" len="med"/>
-                      <a:tailEnd type="none" w="med" len="med"/>
-                    </a:lnR>
-                    <a:lnT w="12700" cap="flat" cmpd="sng" algn="ctr">
-                      <a:solidFill>
-                        <a:scrgbClr r="0" g="0" b="0"/>
-                      </a:solidFill>
-                      <a:prstDash val="solid"/>
-                      <a:round/>
-                      <a:headEnd type="none" w="med" len="med"/>
-                      <a:tailEnd type="none" w="med" len="med"/>
-                    </a:lnT>
-                    <a:lnB w="12700" cap="flat" cmpd="sng" algn="ctr">
-                      <a:solidFill>
-                        <a:scrgbClr r="0" g="0" b="0"/>
-                      </a:solidFill>
-                      <a:prstDash val="solid"/>
-                      <a:round/>
-                      <a:headEnd type="none" w="med" len="med"/>
-                      <a:tailEnd type="none" w="med" len="med"/>
-                    </a:lnB>
-                    <a:solidFill>
-                      <a:srgbClr val="FFFFFF"/>
-                    </a:solidFill>
-                  </a:tcPr>
-                </a:tc>
-              </a:tr>
-            </a:tbl>
-          </a:graphicData>
-        </a:graphic>
-      </p:graphicFrame>
-      <p:grpSp>
-        <p:nvGrpSpPr>
-          <p:cNvPr id="10" name="Group 9"/>
-          <p:cNvGrpSpPr/>
-          <p:nvPr/>
-        </p:nvGrpSpPr>
-        <p:grpSpPr>
-          <a:xfrm>
-            <a:off x="390238" y="2143568"/>
-            <a:ext cx="1523996" cy="1523996"/>
-            <a:chOff x="3993828" y="5252850"/>
-            <a:chExt cx="667364" cy="667364"/>
-          </a:xfrm>
-        </p:grpSpPr>
-        <p:sp>
-          <p:nvSpPr>
-            <p:cNvPr id="11" name="Rounded Rectangle 10"/>
-            <p:cNvSpPr/>
-            <p:nvPr/>
-          </p:nvSpPr>
-          <p:spPr>
-            <a:xfrm>
-              <a:off x="3993828" y="5252850"/>
-              <a:ext cx="667364" cy="667364"/>
-            </a:xfrm>
-            <a:prstGeom prst="roundRect">
-              <a:avLst/>
-            </a:prstGeom>
-            <a:solidFill>
-              <a:srgbClr val="D0CECE"/>
-            </a:solidFill>
-            <a:ln>
-              <a:solidFill>
-                <a:schemeClr val="tx1"/>
-              </a:solidFill>
-            </a:ln>
-          </p:spPr>
-          <p:style>
-            <a:lnRef idx="2">
-              <a:schemeClr val="accent1">
-                <a:shade val="50000"/>
-              </a:schemeClr>
-            </a:lnRef>
-            <a:fillRef idx="1">
-              <a:schemeClr val="accent1"/>
-            </a:fillRef>
-            <a:effectRef idx="0">
-              <a:schemeClr val="accent1"/>
-            </a:effectRef>
-            <a:fontRef idx="minor">
-              <a:schemeClr val="lt1"/>
-            </a:fontRef>
-          </p:style>
-          <p:txBody>
-            <a:bodyPr rtlCol="0" anchor="ctr"/>
-            <a:lstStyle/>
-            <a:p>
-              <a:pPr algn="ctr"/>
-              <a:endParaRPr lang="en-US" sz="1200" dirty="0">
-                <a:solidFill>
-                  <a:schemeClr val="bg1"/>
-                </a:solidFill>
-                <a:latin typeface="Helvetica"/>
-                <a:cs typeface="Helvetica"/>
-              </a:endParaRPr>
-            </a:p>
-          </p:txBody>
-        </p:sp>
-        <p:sp>
-          <p:nvSpPr>
-            <p:cNvPr id="12" name="Rounded Rectangle 11"/>
-            <p:cNvSpPr/>
-            <p:nvPr/>
-          </p:nvSpPr>
-          <p:spPr>
-            <a:xfrm>
-              <a:off x="4019956" y="5291904"/>
-              <a:ext cx="615835" cy="602910"/>
-            </a:xfrm>
-            <a:prstGeom prst="roundRect">
-              <a:avLst/>
-            </a:prstGeom>
-            <a:solidFill>
-              <a:srgbClr val="38424C"/>
-            </a:solidFill>
-            <a:ln>
-              <a:solidFill>
-                <a:schemeClr val="tx1"/>
-              </a:solidFill>
-            </a:ln>
-          </p:spPr>
-          <p:style>
-            <a:lnRef idx="2">
-              <a:schemeClr val="accent1">
-                <a:shade val="50000"/>
-              </a:schemeClr>
-            </a:lnRef>
-            <a:fillRef idx="1">
-              <a:schemeClr val="accent1"/>
-            </a:fillRef>
-            <a:effectRef idx="0">
-              <a:schemeClr val="accent1"/>
-            </a:effectRef>
-            <a:fontRef idx="minor">
-              <a:schemeClr val="lt1"/>
-            </a:fontRef>
-          </p:style>
-          <p:txBody>
-            <a:bodyPr rtlCol="0" anchor="t"/>
-            <a:lstStyle/>
-            <a:p>
-              <a:pPr algn="ctr"/>
-              <a:r>
-                <a:rPr lang="en-US" sz="2000" b="1" dirty="0" smtClean="0">
-                  <a:solidFill>
-                    <a:schemeClr val="bg1"/>
-                  </a:solidFill>
-                  <a:latin typeface="Helvetica"/>
-                  <a:cs typeface="Helvetica"/>
-                </a:rPr>
-                <a:t>Server A</a:t>
-              </a:r>
-              <a:endParaRPr lang="en-US" sz="2000" b="1" dirty="0">
-                <a:solidFill>
-                  <a:schemeClr val="bg1"/>
-                </a:solidFill>
-                <a:latin typeface="Helvetica"/>
-                <a:cs typeface="Helvetica"/>
-              </a:endParaRPr>
-            </a:p>
-          </p:txBody>
-        </p:sp>
-      </p:grpSp>
-      <p:grpSp>
-        <p:nvGrpSpPr>
-          <p:cNvPr id="35" name="Group 34"/>
-          <p:cNvGrpSpPr/>
-          <p:nvPr/>
-        </p:nvGrpSpPr>
-        <p:grpSpPr>
-          <a:xfrm>
-            <a:off x="1988129" y="2144723"/>
-            <a:ext cx="1523996" cy="1523996"/>
-            <a:chOff x="3993828" y="5252850"/>
-            <a:chExt cx="667364" cy="667364"/>
-          </a:xfrm>
-        </p:grpSpPr>
-        <p:sp>
-          <p:nvSpPr>
-            <p:cNvPr id="36" name="Rounded Rectangle 35"/>
-            <p:cNvSpPr/>
-            <p:nvPr/>
-          </p:nvSpPr>
-          <p:spPr>
-            <a:xfrm>
-              <a:off x="3993828" y="5252850"/>
-              <a:ext cx="667364" cy="667364"/>
-            </a:xfrm>
-            <a:prstGeom prst="roundRect">
-              <a:avLst/>
-            </a:prstGeom>
-            <a:solidFill>
-              <a:srgbClr val="D0CECE"/>
-            </a:solidFill>
-            <a:ln>
-              <a:solidFill>
-                <a:schemeClr val="tx1"/>
-              </a:solidFill>
-            </a:ln>
-          </p:spPr>
-          <p:style>
-            <a:lnRef idx="2">
-              <a:schemeClr val="accent1">
-                <a:shade val="50000"/>
-              </a:schemeClr>
-            </a:lnRef>
-            <a:fillRef idx="1">
-              <a:schemeClr val="accent1"/>
-            </a:fillRef>
-            <a:effectRef idx="0">
-              <a:schemeClr val="accent1"/>
-            </a:effectRef>
-            <a:fontRef idx="minor">
-              <a:schemeClr val="lt1"/>
-            </a:fontRef>
-          </p:style>
-          <p:txBody>
-            <a:bodyPr rtlCol="0" anchor="ctr"/>
-            <a:lstStyle/>
-            <a:p>
-              <a:pPr algn="ctr"/>
-              <a:endParaRPr lang="en-US" sz="1200" dirty="0">
-                <a:solidFill>
-                  <a:schemeClr val="bg1"/>
-                </a:solidFill>
-                <a:latin typeface="Helvetica"/>
-                <a:cs typeface="Helvetica"/>
-              </a:endParaRPr>
-            </a:p>
-          </p:txBody>
-        </p:sp>
-        <p:sp>
-          <p:nvSpPr>
-            <p:cNvPr id="37" name="Rounded Rectangle 36"/>
-            <p:cNvSpPr/>
-            <p:nvPr/>
-          </p:nvSpPr>
-          <p:spPr>
-            <a:xfrm>
-              <a:off x="4019956" y="5291904"/>
-              <a:ext cx="615835" cy="602910"/>
-            </a:xfrm>
-            <a:prstGeom prst="roundRect">
-              <a:avLst/>
-            </a:prstGeom>
-            <a:solidFill>
-              <a:srgbClr val="38424C"/>
-            </a:solidFill>
-            <a:ln>
-              <a:solidFill>
-                <a:schemeClr val="tx1"/>
-              </a:solidFill>
-            </a:ln>
-          </p:spPr>
-          <p:style>
-            <a:lnRef idx="2">
-              <a:schemeClr val="accent1">
-                <a:shade val="50000"/>
-              </a:schemeClr>
-            </a:lnRef>
-            <a:fillRef idx="1">
-              <a:schemeClr val="accent1"/>
-            </a:fillRef>
-            <a:effectRef idx="0">
-              <a:schemeClr val="accent1"/>
-            </a:effectRef>
-            <a:fontRef idx="minor">
-              <a:schemeClr val="lt1"/>
-            </a:fontRef>
-          </p:style>
-          <p:txBody>
-            <a:bodyPr rtlCol="0" anchor="t"/>
-            <a:lstStyle/>
-            <a:p>
-              <a:pPr algn="ctr"/>
-              <a:r>
-                <a:rPr lang="en-US" sz="2000" b="1" dirty="0" smtClean="0">
-                  <a:solidFill>
-                    <a:schemeClr val="bg1"/>
-                  </a:solidFill>
-                  <a:latin typeface="Helvetica"/>
-                  <a:cs typeface="Helvetica"/>
-                </a:rPr>
-                <a:t>Server B</a:t>
-              </a:r>
-              <a:endParaRPr lang="en-US" sz="2000" b="1" dirty="0">
-                <a:solidFill>
-                  <a:schemeClr val="bg1"/>
-                </a:solidFill>
-                <a:latin typeface="Helvetica"/>
-                <a:cs typeface="Helvetica"/>
-              </a:endParaRPr>
-            </a:p>
-          </p:txBody>
-        </p:sp>
-      </p:grpSp>
-      <p:sp>
-        <p:nvSpPr>
-          <p:cNvPr id="42" name="Oval 41"/>
-          <p:cNvSpPr/>
-          <p:nvPr/>
-        </p:nvSpPr>
-        <p:spPr>
-          <a:xfrm>
-            <a:off x="1261297" y="2941784"/>
-            <a:ext cx="406400" cy="406400"/>
-          </a:xfrm>
-          <a:prstGeom prst="ellipse">
-            <a:avLst/>
-          </a:prstGeom>
-          <a:solidFill>
-            <a:schemeClr val="bg1"/>
-          </a:solidFill>
-          <a:ln>
-            <a:solidFill>
-              <a:srgbClr val="000000"/>
-            </a:solidFill>
-          </a:ln>
-        </p:spPr>
-        <p:style>
-          <a:lnRef idx="1">
-            <a:schemeClr val="dk1"/>
-          </a:lnRef>
-          <a:fillRef idx="3">
-            <a:schemeClr val="dk1"/>
-          </a:fillRef>
-          <a:effectRef idx="2">
-            <a:schemeClr val="dk1"/>
-          </a:effectRef>
-          <a:fontRef idx="minor">
-            <a:schemeClr val="lt1"/>
-          </a:fontRef>
-        </p:style>
-        <p:txBody>
-          <a:bodyPr rtlCol="0" anchor="b"/>
-          <a:lstStyle/>
-          <a:p>
-            <a:pPr algn="ctr"/>
-            <a:r>
-              <a:rPr lang="en-US" dirty="0">
-                <a:solidFill>
-                  <a:schemeClr val="tx1"/>
-                </a:solidFill>
-                <a:latin typeface="Helvetica"/>
-                <a:cs typeface="Helvetica"/>
-              </a:rPr>
-              <a:t>2</a:t>
-            </a:r>
-          </a:p>
-        </p:txBody>
-      </p:sp>
-      <p:sp>
-        <p:nvSpPr>
-          <p:cNvPr id="44" name="Oval 43"/>
-          <p:cNvSpPr/>
-          <p:nvPr/>
-        </p:nvSpPr>
-        <p:spPr>
-          <a:xfrm>
-            <a:off x="799467" y="2933553"/>
-            <a:ext cx="406400" cy="406400"/>
-          </a:xfrm>
-          <a:prstGeom prst="ellipse">
-            <a:avLst/>
-          </a:prstGeom>
-          <a:solidFill>
-            <a:schemeClr val="bg1"/>
-          </a:solidFill>
-          <a:ln>
-            <a:solidFill>
-              <a:srgbClr val="000000"/>
-            </a:solidFill>
-          </a:ln>
-        </p:spPr>
-        <p:style>
-          <a:lnRef idx="1">
-            <a:schemeClr val="dk1"/>
-          </a:lnRef>
-          <a:fillRef idx="3">
-            <a:schemeClr val="dk1"/>
-          </a:fillRef>
-          <a:effectRef idx="2">
-            <a:schemeClr val="dk1"/>
-          </a:effectRef>
-          <a:fontRef idx="minor">
-            <a:schemeClr val="lt1"/>
-          </a:fontRef>
-        </p:style>
-        <p:txBody>
-          <a:bodyPr rtlCol="0" anchor="b"/>
-          <a:lstStyle/>
-          <a:p>
-            <a:pPr algn="ctr"/>
-            <a:r>
-              <a:rPr lang="en-US" dirty="0">
-                <a:solidFill>
-                  <a:schemeClr val="tx1"/>
-                </a:solidFill>
-                <a:latin typeface="Helvetica"/>
-                <a:cs typeface="Helvetica"/>
-              </a:rPr>
-              <a:t>1</a:t>
-            </a:r>
-          </a:p>
-        </p:txBody>
-      </p:sp>
-      <p:sp>
-        <p:nvSpPr>
-          <p:cNvPr id="50" name="Smiley Face 49"/>
-          <p:cNvSpPr/>
-          <p:nvPr/>
-        </p:nvSpPr>
-        <p:spPr>
-          <a:xfrm>
-            <a:off x="187037" y="708755"/>
-            <a:ext cx="317500" cy="317500"/>
-          </a:xfrm>
-          <a:prstGeom prst="smileyFace">
-            <a:avLst/>
-          </a:prstGeom>
-          <a:solidFill>
-            <a:srgbClr val="FFFFFF"/>
-          </a:solidFill>
-          <a:ln>
-            <a:solidFill>
-              <a:srgbClr val="000000"/>
-            </a:solidFill>
-          </a:ln>
-        </p:spPr>
-        <p:style>
-          <a:lnRef idx="1">
-            <a:schemeClr val="accent1"/>
-          </a:lnRef>
-          <a:fillRef idx="3">
-            <a:schemeClr val="accent1"/>
-          </a:fillRef>
-          <a:effectRef idx="2">
-            <a:schemeClr val="accent1"/>
-          </a:effectRef>
-          <a:fontRef idx="minor">
-            <a:schemeClr val="lt1"/>
-          </a:fontRef>
-        </p:style>
-        <p:txBody>
-          <a:bodyPr rtlCol="0" anchor="ctr"/>
-          <a:lstStyle/>
-          <a:p>
-            <a:pPr algn="ctr"/>
-            <a:endParaRPr lang="en-US" dirty="0"/>
-          </a:p>
-        </p:txBody>
-      </p:sp>
-      <p:sp>
-        <p:nvSpPr>
-          <p:cNvPr id="51" name="Smiley Face 50"/>
-          <p:cNvSpPr/>
-          <p:nvPr/>
-        </p:nvSpPr>
-        <p:spPr>
-          <a:xfrm>
-            <a:off x="580737" y="708755"/>
-            <a:ext cx="317500" cy="317500"/>
-          </a:xfrm>
-          <a:prstGeom prst="smileyFace">
-            <a:avLst/>
-          </a:prstGeom>
-          <a:solidFill>
-            <a:srgbClr val="FFFFFF"/>
-          </a:solidFill>
-          <a:ln>
-            <a:solidFill>
-              <a:srgbClr val="000000"/>
-            </a:solidFill>
-          </a:ln>
-        </p:spPr>
-        <p:style>
-          <a:lnRef idx="1">
-            <a:schemeClr val="accent1"/>
-          </a:lnRef>
-          <a:fillRef idx="3">
-            <a:schemeClr val="accent1"/>
-          </a:fillRef>
-          <a:effectRef idx="2">
-            <a:schemeClr val="accent1"/>
-          </a:effectRef>
-          <a:fontRef idx="minor">
-            <a:schemeClr val="lt1"/>
-          </a:fontRef>
-        </p:style>
-        <p:txBody>
-          <a:bodyPr rtlCol="0" anchor="ctr"/>
-          <a:lstStyle/>
-          <a:p>
-            <a:pPr algn="ctr"/>
-            <a:endParaRPr lang="en-US" dirty="0"/>
-          </a:p>
-        </p:txBody>
-      </p:sp>
-      <p:sp>
-        <p:nvSpPr>
-          <p:cNvPr id="52" name="Smiley Face 51"/>
-          <p:cNvSpPr/>
-          <p:nvPr/>
-        </p:nvSpPr>
-        <p:spPr>
-          <a:xfrm>
-            <a:off x="733137" y="861155"/>
-            <a:ext cx="317500" cy="317500"/>
-          </a:xfrm>
-          <a:prstGeom prst="smileyFace">
-            <a:avLst/>
-          </a:prstGeom>
-          <a:solidFill>
-            <a:srgbClr val="FFFFFF"/>
-          </a:solidFill>
-          <a:ln>
-            <a:solidFill>
-              <a:srgbClr val="000000"/>
-            </a:solidFill>
-          </a:ln>
-        </p:spPr>
-        <p:style>
-          <a:lnRef idx="1">
-            <a:schemeClr val="accent1"/>
-          </a:lnRef>
-          <a:fillRef idx="3">
-            <a:schemeClr val="accent1"/>
-          </a:fillRef>
-          <a:effectRef idx="2">
-            <a:schemeClr val="accent1"/>
-          </a:effectRef>
-          <a:fontRef idx="minor">
-            <a:schemeClr val="lt1"/>
-          </a:fontRef>
-        </p:style>
-        <p:txBody>
-          <a:bodyPr rtlCol="0" anchor="ctr"/>
-          <a:lstStyle/>
-          <a:p>
-            <a:pPr algn="ctr"/>
-            <a:endParaRPr lang="en-US" dirty="0"/>
-          </a:p>
-        </p:txBody>
-      </p:sp>
-      <p:sp>
-        <p:nvSpPr>
-          <p:cNvPr id="53" name="Smiley Face 52"/>
-          <p:cNvSpPr/>
-          <p:nvPr/>
-        </p:nvSpPr>
-        <p:spPr>
-          <a:xfrm>
-            <a:off x="339437" y="861155"/>
-            <a:ext cx="317500" cy="317500"/>
-          </a:xfrm>
-          <a:prstGeom prst="smileyFace">
-            <a:avLst/>
-          </a:prstGeom>
-          <a:solidFill>
-            <a:srgbClr val="FFFFFF"/>
-          </a:solidFill>
-          <a:ln>
-            <a:solidFill>
-              <a:srgbClr val="000000"/>
-            </a:solidFill>
-          </a:ln>
-        </p:spPr>
-        <p:style>
-          <a:lnRef idx="1">
-            <a:schemeClr val="accent1"/>
-          </a:lnRef>
-          <a:fillRef idx="3">
-            <a:schemeClr val="accent1"/>
-          </a:fillRef>
-          <a:effectRef idx="2">
-            <a:schemeClr val="accent1"/>
-          </a:effectRef>
-          <a:fontRef idx="minor">
-            <a:schemeClr val="lt1"/>
-          </a:fontRef>
-        </p:style>
-        <p:txBody>
-          <a:bodyPr rtlCol="0" anchor="ctr"/>
-          <a:lstStyle/>
-          <a:p>
-            <a:pPr algn="ctr"/>
-            <a:endParaRPr lang="en-US" dirty="0"/>
-          </a:p>
-        </p:txBody>
-      </p:sp>
-      <p:sp>
-        <p:nvSpPr>
-          <p:cNvPr id="54" name="Smiley Face 53"/>
-          <p:cNvSpPr/>
-          <p:nvPr/>
-        </p:nvSpPr>
-        <p:spPr>
-          <a:xfrm>
-            <a:off x="491837" y="1013555"/>
-            <a:ext cx="317500" cy="317500"/>
-          </a:xfrm>
-          <a:prstGeom prst="smileyFace">
-            <a:avLst/>
-          </a:prstGeom>
-          <a:solidFill>
-            <a:srgbClr val="FFFFFF"/>
-          </a:solidFill>
-          <a:ln>
-            <a:solidFill>
-              <a:srgbClr val="000000"/>
-            </a:solidFill>
-          </a:ln>
-        </p:spPr>
-        <p:style>
-          <a:lnRef idx="1">
-            <a:schemeClr val="accent1"/>
-          </a:lnRef>
-          <a:fillRef idx="3">
-            <a:schemeClr val="accent1"/>
-          </a:fillRef>
-          <a:effectRef idx="2">
-            <a:schemeClr val="accent1"/>
-          </a:effectRef>
-          <a:fontRef idx="minor">
-            <a:schemeClr val="lt1"/>
-          </a:fontRef>
-        </p:style>
-        <p:txBody>
-          <a:bodyPr rtlCol="0" anchor="ctr"/>
-          <a:lstStyle/>
-          <a:p>
-            <a:pPr algn="ctr"/>
-            <a:endParaRPr lang="en-US" dirty="0"/>
-          </a:p>
-        </p:txBody>
-      </p:sp>
-      <p:sp>
-        <p:nvSpPr>
-          <p:cNvPr id="55" name="Smiley Face 54"/>
-          <p:cNvSpPr/>
-          <p:nvPr/>
-        </p:nvSpPr>
-        <p:spPr>
-          <a:xfrm>
-            <a:off x="1241137" y="721455"/>
-            <a:ext cx="317500" cy="317500"/>
-          </a:xfrm>
-          <a:prstGeom prst="smileyFace">
-            <a:avLst/>
-          </a:prstGeom>
-          <a:solidFill>
-            <a:srgbClr val="FFFFFF"/>
-          </a:solidFill>
-          <a:ln>
-            <a:solidFill>
-              <a:srgbClr val="000000"/>
-            </a:solidFill>
-          </a:ln>
-        </p:spPr>
-        <p:style>
-          <a:lnRef idx="1">
-            <a:schemeClr val="accent1"/>
-          </a:lnRef>
-          <a:fillRef idx="3">
-            <a:schemeClr val="accent1"/>
-          </a:fillRef>
-          <a:effectRef idx="2">
-            <a:schemeClr val="accent1"/>
-          </a:effectRef>
-          <a:fontRef idx="minor">
-            <a:schemeClr val="lt1"/>
-          </a:fontRef>
-        </p:style>
-        <p:txBody>
-          <a:bodyPr rtlCol="0" anchor="ctr"/>
-          <a:lstStyle/>
-          <a:p>
-            <a:pPr algn="ctr"/>
-            <a:endParaRPr lang="en-US" dirty="0"/>
-          </a:p>
-        </p:txBody>
-      </p:sp>
-      <p:sp>
-        <p:nvSpPr>
-          <p:cNvPr id="56" name="Smiley Face 55"/>
-          <p:cNvSpPr/>
-          <p:nvPr/>
-        </p:nvSpPr>
-        <p:spPr>
-          <a:xfrm>
-            <a:off x="1634837" y="721455"/>
-            <a:ext cx="317500" cy="317500"/>
-          </a:xfrm>
-          <a:prstGeom prst="smileyFace">
-            <a:avLst/>
-          </a:prstGeom>
-          <a:solidFill>
-            <a:srgbClr val="FFFFFF"/>
-          </a:solidFill>
-          <a:ln>
-            <a:solidFill>
-              <a:srgbClr val="000000"/>
-            </a:solidFill>
-          </a:ln>
-        </p:spPr>
-        <p:style>
-          <a:lnRef idx="1">
-            <a:schemeClr val="accent1"/>
-          </a:lnRef>
-          <a:fillRef idx="3">
-            <a:schemeClr val="accent1"/>
-          </a:fillRef>
-          <a:effectRef idx="2">
-            <a:schemeClr val="accent1"/>
-          </a:effectRef>
-          <a:fontRef idx="minor">
-            <a:schemeClr val="lt1"/>
-          </a:fontRef>
-        </p:style>
-        <p:txBody>
-          <a:bodyPr rtlCol="0" anchor="ctr"/>
-          <a:lstStyle/>
-          <a:p>
-            <a:pPr algn="ctr"/>
-            <a:endParaRPr lang="en-US" dirty="0"/>
-          </a:p>
-        </p:txBody>
-      </p:sp>
-      <p:sp>
-        <p:nvSpPr>
-          <p:cNvPr id="57" name="Smiley Face 56"/>
-          <p:cNvSpPr/>
-          <p:nvPr/>
-        </p:nvSpPr>
-        <p:spPr>
-          <a:xfrm>
-            <a:off x="1787237" y="873855"/>
-            <a:ext cx="317500" cy="317500"/>
-          </a:xfrm>
-          <a:prstGeom prst="smileyFace">
-            <a:avLst/>
-          </a:prstGeom>
-          <a:solidFill>
-            <a:srgbClr val="FFFFFF"/>
-          </a:solidFill>
-          <a:ln>
-            <a:solidFill>
-              <a:srgbClr val="000000"/>
-            </a:solidFill>
-          </a:ln>
-        </p:spPr>
-        <p:style>
-          <a:lnRef idx="1">
-            <a:schemeClr val="accent1"/>
-          </a:lnRef>
-          <a:fillRef idx="3">
-            <a:schemeClr val="accent1"/>
-          </a:fillRef>
-          <a:effectRef idx="2">
-            <a:schemeClr val="accent1"/>
-          </a:effectRef>
-          <a:fontRef idx="minor">
-            <a:schemeClr val="lt1"/>
-          </a:fontRef>
-        </p:style>
-        <p:txBody>
-          <a:bodyPr rtlCol="0" anchor="ctr"/>
-          <a:lstStyle/>
-          <a:p>
-            <a:pPr algn="ctr"/>
-            <a:endParaRPr lang="en-US" dirty="0"/>
-          </a:p>
-        </p:txBody>
-      </p:sp>
-      <p:sp>
-        <p:nvSpPr>
-          <p:cNvPr id="58" name="Smiley Face 57"/>
-          <p:cNvSpPr/>
-          <p:nvPr/>
-        </p:nvSpPr>
-        <p:spPr>
-          <a:xfrm>
-            <a:off x="1393537" y="873855"/>
-            <a:ext cx="317500" cy="317500"/>
-          </a:xfrm>
-          <a:prstGeom prst="smileyFace">
-            <a:avLst/>
-          </a:prstGeom>
-          <a:solidFill>
-            <a:srgbClr val="FFFFFF"/>
-          </a:solidFill>
-          <a:ln>
-            <a:solidFill>
-              <a:srgbClr val="000000"/>
-            </a:solidFill>
-          </a:ln>
-        </p:spPr>
-        <p:style>
-          <a:lnRef idx="1">
-            <a:schemeClr val="accent1"/>
-          </a:lnRef>
-          <a:fillRef idx="3">
-            <a:schemeClr val="accent1"/>
-          </a:fillRef>
-          <a:effectRef idx="2">
-            <a:schemeClr val="accent1"/>
-          </a:effectRef>
-          <a:fontRef idx="minor">
-            <a:schemeClr val="lt1"/>
-          </a:fontRef>
-        </p:style>
-        <p:txBody>
-          <a:bodyPr rtlCol="0" anchor="ctr"/>
-          <a:lstStyle/>
-          <a:p>
-            <a:pPr algn="ctr"/>
-            <a:endParaRPr lang="en-US" dirty="0"/>
-          </a:p>
-        </p:txBody>
-      </p:sp>
-      <p:sp>
-        <p:nvSpPr>
-          <p:cNvPr id="59" name="Smiley Face 58"/>
-          <p:cNvSpPr/>
-          <p:nvPr/>
-        </p:nvSpPr>
-        <p:spPr>
-          <a:xfrm>
-            <a:off x="1545937" y="1026255"/>
-            <a:ext cx="317500" cy="317500"/>
-          </a:xfrm>
-          <a:prstGeom prst="smileyFace">
-            <a:avLst/>
-          </a:prstGeom>
-          <a:solidFill>
-            <a:srgbClr val="FFFFFF"/>
-          </a:solidFill>
-          <a:ln>
-            <a:solidFill>
-              <a:srgbClr val="000000"/>
-            </a:solidFill>
-          </a:ln>
-        </p:spPr>
-        <p:style>
-          <a:lnRef idx="1">
-            <a:schemeClr val="accent1"/>
-          </a:lnRef>
-          <a:fillRef idx="3">
-            <a:schemeClr val="accent1"/>
-          </a:fillRef>
-          <a:effectRef idx="2">
-            <a:schemeClr val="accent1"/>
-          </a:effectRef>
-          <a:fontRef idx="minor">
-            <a:schemeClr val="lt1"/>
-          </a:fontRef>
-        </p:style>
-        <p:txBody>
-          <a:bodyPr rtlCol="0" anchor="ctr"/>
-          <a:lstStyle/>
-          <a:p>
-            <a:pPr algn="ctr"/>
-            <a:endParaRPr lang="en-US" dirty="0"/>
-          </a:p>
-        </p:txBody>
-      </p:sp>
-      <p:cxnSp>
-        <p:nvCxnSpPr>
-          <p:cNvPr id="61" name="Straight Arrow Connector 60"/>
-          <p:cNvCxnSpPr>
-            <a:stCxn id="54" idx="4"/>
-          </p:cNvCxnSpPr>
-          <p:nvPr/>
-        </p:nvCxnSpPr>
-        <p:spPr>
-          <a:xfrm>
-            <a:off x="650587" y="1331055"/>
-            <a:ext cx="19050" cy="825500"/>
-          </a:xfrm>
-          <a:prstGeom prst="straightConnector1">
-            <a:avLst/>
-          </a:prstGeom>
-          <a:ln>
-            <a:solidFill>
-              <a:srgbClr val="000000"/>
-            </a:solidFill>
-            <a:tailEnd type="arrow"/>
-          </a:ln>
-        </p:spPr>
-        <p:style>
-          <a:lnRef idx="2">
-            <a:schemeClr val="accent1"/>
-          </a:lnRef>
-          <a:fillRef idx="0">
-            <a:schemeClr val="accent1"/>
-          </a:fillRef>
-          <a:effectRef idx="1">
-            <a:schemeClr val="accent1"/>
-          </a:effectRef>
-          <a:fontRef idx="minor">
-            <a:schemeClr val="tx1"/>
-          </a:fontRef>
-        </p:style>
-      </p:cxnSp>
-      <p:cxnSp>
-        <p:nvCxnSpPr>
-          <p:cNvPr id="62" name="Straight Arrow Connector 61"/>
-          <p:cNvCxnSpPr/>
-          <p:nvPr/>
-        </p:nvCxnSpPr>
-        <p:spPr>
-          <a:xfrm>
-            <a:off x="1691987" y="1356455"/>
-            <a:ext cx="19050" cy="825500"/>
-          </a:xfrm>
-          <a:prstGeom prst="straightConnector1">
-            <a:avLst/>
-          </a:prstGeom>
-          <a:ln>
-            <a:solidFill>
-              <a:srgbClr val="000000"/>
-            </a:solidFill>
-            <a:tailEnd type="arrow"/>
-          </a:ln>
-        </p:spPr>
-        <p:style>
-          <a:lnRef idx="2">
-            <a:schemeClr val="accent1"/>
-          </a:lnRef>
-          <a:fillRef idx="0">
-            <a:schemeClr val="accent1"/>
-          </a:fillRef>
-          <a:effectRef idx="1">
-            <a:schemeClr val="accent1"/>
-          </a:effectRef>
-          <a:fontRef idx="minor">
-            <a:schemeClr val="tx1"/>
-          </a:fontRef>
-        </p:style>
-      </p:cxnSp>
-      <p:sp>
-        <p:nvSpPr>
-          <p:cNvPr id="63" name="TextBox 62"/>
-          <p:cNvSpPr txBox="1"/>
-          <p:nvPr/>
-        </p:nvSpPr>
-        <p:spPr>
-          <a:xfrm>
-            <a:off x="2236355" y="684510"/>
-            <a:ext cx="1460500" cy="646331"/>
-          </a:xfrm>
-          <a:prstGeom prst="rect">
-            <a:avLst/>
-          </a:prstGeom>
-          <a:noFill/>
-        </p:spPr>
-        <p:txBody>
-          <a:bodyPr wrap="square" rtlCol="0">
-            <a:spAutoFit/>
-          </a:bodyPr>
-          <a:lstStyle/>
-          <a:p>
-            <a:pPr algn="ctr"/>
-            <a:r>
-              <a:rPr lang="en-US" dirty="0" smtClean="0">
-                <a:latin typeface="Helvetica"/>
-                <a:cs typeface="Helvetica"/>
-              </a:rPr>
-              <a:t>No Balancing</a:t>
-            </a:r>
-          </a:p>
-        </p:txBody>
-      </p:sp>
-      <p:grpSp>
-        <p:nvGrpSpPr>
-          <p:cNvPr id="64" name="Group 63"/>
-          <p:cNvGrpSpPr/>
-          <p:nvPr/>
-        </p:nvGrpSpPr>
-        <p:grpSpPr>
-          <a:xfrm>
-            <a:off x="4079011" y="2155113"/>
-            <a:ext cx="1523996" cy="1523996"/>
-            <a:chOff x="3993828" y="5252850"/>
-            <a:chExt cx="667364" cy="667364"/>
-          </a:xfrm>
-        </p:grpSpPr>
-        <p:sp>
-          <p:nvSpPr>
-            <p:cNvPr id="65" name="Rounded Rectangle 64"/>
-            <p:cNvSpPr/>
-            <p:nvPr/>
-          </p:nvSpPr>
-          <p:spPr>
-            <a:xfrm>
-              <a:off x="3993828" y="5252850"/>
-              <a:ext cx="667364" cy="667364"/>
-            </a:xfrm>
-            <a:prstGeom prst="roundRect">
-              <a:avLst/>
-            </a:prstGeom>
-            <a:solidFill>
-              <a:srgbClr val="D0CECE"/>
-            </a:solidFill>
-            <a:ln>
-              <a:solidFill>
-                <a:schemeClr val="tx1"/>
-              </a:solidFill>
-            </a:ln>
-          </p:spPr>
-          <p:style>
-            <a:lnRef idx="2">
-              <a:schemeClr val="accent1">
-                <a:shade val="50000"/>
-              </a:schemeClr>
-            </a:lnRef>
-            <a:fillRef idx="1">
-              <a:schemeClr val="accent1"/>
-            </a:fillRef>
-            <a:effectRef idx="0">
-              <a:schemeClr val="accent1"/>
-            </a:effectRef>
-            <a:fontRef idx="minor">
-              <a:schemeClr val="lt1"/>
-            </a:fontRef>
-          </p:style>
-          <p:txBody>
-            <a:bodyPr rtlCol="0" anchor="ctr"/>
-            <a:lstStyle/>
-            <a:p>
-              <a:pPr algn="ctr"/>
-              <a:endParaRPr lang="en-US" sz="1200" dirty="0">
-                <a:solidFill>
-                  <a:schemeClr val="bg1"/>
-                </a:solidFill>
-                <a:latin typeface="Helvetica"/>
-                <a:cs typeface="Helvetica"/>
-              </a:endParaRPr>
-            </a:p>
-          </p:txBody>
-        </p:sp>
-        <p:sp>
-          <p:nvSpPr>
-            <p:cNvPr id="66" name="Rounded Rectangle 65"/>
-            <p:cNvSpPr/>
-            <p:nvPr/>
-          </p:nvSpPr>
-          <p:spPr>
-            <a:xfrm>
-              <a:off x="4019956" y="5291904"/>
-              <a:ext cx="615835" cy="602910"/>
-            </a:xfrm>
-            <a:prstGeom prst="roundRect">
-              <a:avLst/>
-            </a:prstGeom>
-            <a:solidFill>
-              <a:srgbClr val="38424C"/>
-            </a:solidFill>
-            <a:ln>
-              <a:solidFill>
-                <a:schemeClr val="tx1"/>
-              </a:solidFill>
-            </a:ln>
-          </p:spPr>
-          <p:style>
-            <a:lnRef idx="2">
-              <a:schemeClr val="accent1">
-                <a:shade val="50000"/>
-              </a:schemeClr>
-            </a:lnRef>
-            <a:fillRef idx="1">
-              <a:schemeClr val="accent1"/>
-            </a:fillRef>
-            <a:effectRef idx="0">
-              <a:schemeClr val="accent1"/>
-            </a:effectRef>
-            <a:fontRef idx="minor">
-              <a:schemeClr val="lt1"/>
-            </a:fontRef>
-          </p:style>
-          <p:txBody>
-            <a:bodyPr rtlCol="0" anchor="t"/>
-            <a:lstStyle/>
-            <a:p>
-              <a:pPr algn="ctr"/>
-              <a:r>
-                <a:rPr lang="en-US" sz="2000" b="1" dirty="0" smtClean="0">
-                  <a:solidFill>
-                    <a:schemeClr val="bg1"/>
-                  </a:solidFill>
-                  <a:latin typeface="Helvetica"/>
-                  <a:cs typeface="Helvetica"/>
-                </a:rPr>
-                <a:t>Server A</a:t>
-              </a:r>
-              <a:endParaRPr lang="en-US" sz="2000" b="1" dirty="0">
-                <a:solidFill>
-                  <a:schemeClr val="bg1"/>
-                </a:solidFill>
-                <a:latin typeface="Helvetica"/>
-                <a:cs typeface="Helvetica"/>
-              </a:endParaRPr>
-            </a:p>
-          </p:txBody>
-        </p:sp>
-      </p:grpSp>
-      <p:grpSp>
-        <p:nvGrpSpPr>
-          <p:cNvPr id="70" name="Group 69"/>
-          <p:cNvGrpSpPr/>
-          <p:nvPr/>
-        </p:nvGrpSpPr>
-        <p:grpSpPr>
-          <a:xfrm>
-            <a:off x="6023265" y="2167813"/>
-            <a:ext cx="1523996" cy="1523996"/>
-            <a:chOff x="3993828" y="5252850"/>
-            <a:chExt cx="667364" cy="667364"/>
-          </a:xfrm>
-        </p:grpSpPr>
-        <p:sp>
-          <p:nvSpPr>
-            <p:cNvPr id="71" name="Rounded Rectangle 70"/>
-            <p:cNvSpPr/>
-            <p:nvPr/>
-          </p:nvSpPr>
-          <p:spPr>
-            <a:xfrm>
-              <a:off x="3993828" y="5252850"/>
-              <a:ext cx="667364" cy="667364"/>
-            </a:xfrm>
-            <a:prstGeom prst="roundRect">
-              <a:avLst/>
-            </a:prstGeom>
-            <a:solidFill>
-              <a:srgbClr val="D0CECE"/>
-            </a:solidFill>
-            <a:ln>
-              <a:solidFill>
-                <a:schemeClr val="tx1"/>
-              </a:solidFill>
-            </a:ln>
-          </p:spPr>
-          <p:style>
-            <a:lnRef idx="2">
-              <a:schemeClr val="accent1">
-                <a:shade val="50000"/>
-              </a:schemeClr>
-            </a:lnRef>
-            <a:fillRef idx="1">
-              <a:schemeClr val="accent1"/>
-            </a:fillRef>
-            <a:effectRef idx="0">
-              <a:schemeClr val="accent1"/>
-            </a:effectRef>
-            <a:fontRef idx="minor">
-              <a:schemeClr val="lt1"/>
-            </a:fontRef>
-          </p:style>
-          <p:txBody>
-            <a:bodyPr rtlCol="0" anchor="ctr"/>
-            <a:lstStyle/>
-            <a:p>
-              <a:pPr algn="ctr"/>
-              <a:endParaRPr lang="en-US" sz="1200" dirty="0">
-                <a:solidFill>
-                  <a:schemeClr val="bg1"/>
-                </a:solidFill>
-                <a:latin typeface="Helvetica"/>
-                <a:cs typeface="Helvetica"/>
-              </a:endParaRPr>
-            </a:p>
-          </p:txBody>
-        </p:sp>
-        <p:sp>
-          <p:nvSpPr>
-            <p:cNvPr id="72" name="Rounded Rectangle 71"/>
-            <p:cNvSpPr/>
-            <p:nvPr/>
-          </p:nvSpPr>
-          <p:spPr>
-            <a:xfrm>
-              <a:off x="4019956" y="5291904"/>
-              <a:ext cx="615835" cy="602910"/>
-            </a:xfrm>
-            <a:prstGeom prst="roundRect">
-              <a:avLst/>
-            </a:prstGeom>
-            <a:solidFill>
-              <a:srgbClr val="38424C"/>
-            </a:solidFill>
-            <a:ln>
-              <a:solidFill>
-                <a:schemeClr val="tx1"/>
-              </a:solidFill>
-            </a:ln>
-          </p:spPr>
-          <p:style>
-            <a:lnRef idx="2">
-              <a:schemeClr val="accent1">
-                <a:shade val="50000"/>
-              </a:schemeClr>
-            </a:lnRef>
-            <a:fillRef idx="1">
-              <a:schemeClr val="accent1"/>
-            </a:fillRef>
-            <a:effectRef idx="0">
-              <a:schemeClr val="accent1"/>
-            </a:effectRef>
-            <a:fontRef idx="minor">
-              <a:schemeClr val="lt1"/>
-            </a:fontRef>
-          </p:style>
-          <p:txBody>
-            <a:bodyPr rtlCol="0" anchor="t"/>
-            <a:lstStyle/>
-            <a:p>
-              <a:pPr algn="ctr"/>
-              <a:r>
-                <a:rPr lang="en-US" sz="2000" b="1" dirty="0" smtClean="0">
-                  <a:solidFill>
-                    <a:schemeClr val="bg1"/>
-                  </a:solidFill>
-                  <a:latin typeface="Helvetica"/>
-                  <a:cs typeface="Helvetica"/>
-                </a:rPr>
-                <a:t>Server B</a:t>
-              </a:r>
-              <a:endParaRPr lang="en-US" sz="2000" b="1" dirty="0">
-                <a:solidFill>
-                  <a:schemeClr val="bg1"/>
-                </a:solidFill>
-                <a:latin typeface="Helvetica"/>
-                <a:cs typeface="Helvetica"/>
-              </a:endParaRPr>
-            </a:p>
-          </p:txBody>
-        </p:sp>
-      </p:grpSp>
-      <p:sp>
-        <p:nvSpPr>
-          <p:cNvPr id="76" name="Oval 75"/>
-          <p:cNvSpPr/>
-          <p:nvPr/>
-        </p:nvSpPr>
-        <p:spPr>
-          <a:xfrm>
-            <a:off x="6605156" y="2858518"/>
-            <a:ext cx="406400" cy="406400"/>
-          </a:xfrm>
-          <a:prstGeom prst="ellipse">
-            <a:avLst/>
-          </a:prstGeom>
-          <a:solidFill>
-            <a:schemeClr val="bg1"/>
-          </a:solidFill>
-          <a:ln>
-            <a:solidFill>
-              <a:srgbClr val="000000"/>
-            </a:solidFill>
-          </a:ln>
-        </p:spPr>
-        <p:style>
-          <a:lnRef idx="1">
-            <a:schemeClr val="dk1"/>
-          </a:lnRef>
-          <a:fillRef idx="3">
-            <a:schemeClr val="dk1"/>
-          </a:fillRef>
-          <a:effectRef idx="2">
-            <a:schemeClr val="dk1"/>
-          </a:effectRef>
-          <a:fontRef idx="minor">
-            <a:schemeClr val="lt1"/>
-          </a:fontRef>
-        </p:style>
-        <p:txBody>
-          <a:bodyPr rtlCol="0" anchor="b"/>
-          <a:lstStyle/>
-          <a:p>
-            <a:pPr algn="ctr"/>
-            <a:r>
-              <a:rPr lang="en-US" dirty="0">
-                <a:solidFill>
-                  <a:schemeClr val="tx1"/>
-                </a:solidFill>
-                <a:latin typeface="Helvetica"/>
-                <a:cs typeface="Helvetica"/>
-              </a:rPr>
-              <a:t>2</a:t>
-            </a:r>
-          </a:p>
-        </p:txBody>
-      </p:sp>
-      <p:sp>
-        <p:nvSpPr>
-          <p:cNvPr id="77" name="Oval 76"/>
-          <p:cNvSpPr/>
-          <p:nvPr/>
-        </p:nvSpPr>
-        <p:spPr>
-          <a:xfrm>
-            <a:off x="4633192" y="2831964"/>
-            <a:ext cx="406400" cy="406400"/>
-          </a:xfrm>
-          <a:prstGeom prst="ellipse">
-            <a:avLst/>
-          </a:prstGeom>
-          <a:solidFill>
-            <a:schemeClr val="bg1"/>
-          </a:solidFill>
-          <a:ln>
-            <a:solidFill>
-              <a:srgbClr val="000000"/>
-            </a:solidFill>
-          </a:ln>
-        </p:spPr>
-        <p:style>
-          <a:lnRef idx="1">
-            <a:schemeClr val="dk1"/>
-          </a:lnRef>
-          <a:fillRef idx="3">
-            <a:schemeClr val="dk1"/>
-          </a:fillRef>
-          <a:effectRef idx="2">
-            <a:schemeClr val="dk1"/>
-          </a:effectRef>
-          <a:fontRef idx="minor">
-            <a:schemeClr val="lt1"/>
-          </a:fontRef>
-        </p:style>
-        <p:txBody>
-          <a:bodyPr rtlCol="0" anchor="b"/>
-          <a:lstStyle/>
-          <a:p>
-            <a:pPr algn="ctr"/>
-            <a:r>
-              <a:rPr lang="en-US" dirty="0">
-                <a:solidFill>
-                  <a:schemeClr val="tx1"/>
-                </a:solidFill>
-                <a:latin typeface="Helvetica"/>
-                <a:cs typeface="Helvetica"/>
-              </a:rPr>
-              <a:t>1</a:t>
-            </a:r>
-          </a:p>
-        </p:txBody>
-      </p:sp>
-      <p:sp>
-        <p:nvSpPr>
-          <p:cNvPr id="78" name="Smiley Face 77"/>
-          <p:cNvSpPr/>
-          <p:nvPr/>
-        </p:nvSpPr>
-        <p:spPr>
-          <a:xfrm>
-            <a:off x="3875810" y="720300"/>
-            <a:ext cx="317500" cy="317500"/>
-          </a:xfrm>
-          <a:prstGeom prst="smileyFace">
-            <a:avLst/>
-          </a:prstGeom>
-          <a:solidFill>
-            <a:srgbClr val="FFFFFF"/>
-          </a:solidFill>
-          <a:ln>
-            <a:solidFill>
-              <a:srgbClr val="000000"/>
-            </a:solidFill>
-          </a:ln>
-        </p:spPr>
-        <p:style>
-          <a:lnRef idx="1">
-            <a:schemeClr val="accent1"/>
-          </a:lnRef>
-          <a:fillRef idx="3">
-            <a:schemeClr val="accent1"/>
-          </a:fillRef>
-          <a:effectRef idx="2">
-            <a:schemeClr val="accent1"/>
-          </a:effectRef>
-          <a:fontRef idx="minor">
-            <a:schemeClr val="lt1"/>
-          </a:fontRef>
-        </p:style>
-        <p:txBody>
-          <a:bodyPr rtlCol="0" anchor="ctr"/>
-          <a:lstStyle/>
-          <a:p>
-            <a:pPr algn="ctr"/>
-            <a:endParaRPr lang="en-US" dirty="0"/>
-          </a:p>
-        </p:txBody>
-      </p:sp>
-      <p:sp>
-        <p:nvSpPr>
-          <p:cNvPr id="79" name="Smiley Face 78"/>
-          <p:cNvSpPr/>
-          <p:nvPr/>
-        </p:nvSpPr>
-        <p:spPr>
-          <a:xfrm>
-            <a:off x="4269510" y="720300"/>
-            <a:ext cx="317500" cy="317500"/>
-          </a:xfrm>
-          <a:prstGeom prst="smileyFace">
-            <a:avLst/>
-          </a:prstGeom>
-          <a:solidFill>
-            <a:srgbClr val="FFFFFF"/>
-          </a:solidFill>
-          <a:ln>
-            <a:solidFill>
-              <a:srgbClr val="000000"/>
-            </a:solidFill>
-          </a:ln>
-        </p:spPr>
-        <p:style>
-          <a:lnRef idx="1">
-            <a:schemeClr val="accent1"/>
-          </a:lnRef>
-          <a:fillRef idx="3">
-            <a:schemeClr val="accent1"/>
-          </a:fillRef>
-          <a:effectRef idx="2">
-            <a:schemeClr val="accent1"/>
-          </a:effectRef>
-          <a:fontRef idx="minor">
-            <a:schemeClr val="lt1"/>
-          </a:fontRef>
-        </p:style>
-        <p:txBody>
-          <a:bodyPr rtlCol="0" anchor="ctr"/>
-          <a:lstStyle/>
-          <a:p>
-            <a:pPr algn="ctr"/>
-            <a:endParaRPr lang="en-US" dirty="0"/>
-          </a:p>
-        </p:txBody>
-      </p:sp>
-      <p:sp>
-        <p:nvSpPr>
-          <p:cNvPr id="80" name="Smiley Face 79"/>
-          <p:cNvSpPr/>
-          <p:nvPr/>
-        </p:nvSpPr>
-        <p:spPr>
-          <a:xfrm>
-            <a:off x="4421910" y="872700"/>
-            <a:ext cx="317500" cy="317500"/>
-          </a:xfrm>
-          <a:prstGeom prst="smileyFace">
-            <a:avLst/>
-          </a:prstGeom>
-          <a:solidFill>
-            <a:srgbClr val="FFFFFF"/>
-          </a:solidFill>
-          <a:ln>
-            <a:solidFill>
-              <a:srgbClr val="000000"/>
-            </a:solidFill>
-          </a:ln>
-        </p:spPr>
-        <p:style>
-          <a:lnRef idx="1">
-            <a:schemeClr val="accent1"/>
-          </a:lnRef>
-          <a:fillRef idx="3">
-            <a:schemeClr val="accent1"/>
-          </a:fillRef>
-          <a:effectRef idx="2">
-            <a:schemeClr val="accent1"/>
-          </a:effectRef>
-          <a:fontRef idx="minor">
-            <a:schemeClr val="lt1"/>
-          </a:fontRef>
-        </p:style>
-        <p:txBody>
-          <a:bodyPr rtlCol="0" anchor="ctr"/>
-          <a:lstStyle/>
-          <a:p>
-            <a:pPr algn="ctr"/>
-            <a:endParaRPr lang="en-US" dirty="0"/>
-          </a:p>
-        </p:txBody>
-      </p:sp>
-      <p:sp>
-        <p:nvSpPr>
-          <p:cNvPr id="81" name="Smiley Face 80"/>
-          <p:cNvSpPr/>
-          <p:nvPr/>
-        </p:nvSpPr>
-        <p:spPr>
-          <a:xfrm>
-            <a:off x="4028210" y="872700"/>
-            <a:ext cx="317500" cy="317500"/>
-          </a:xfrm>
-          <a:prstGeom prst="smileyFace">
-            <a:avLst/>
-          </a:prstGeom>
-          <a:solidFill>
-            <a:srgbClr val="FFFFFF"/>
-          </a:solidFill>
-          <a:ln>
-            <a:solidFill>
-              <a:srgbClr val="000000"/>
-            </a:solidFill>
-          </a:ln>
-        </p:spPr>
-        <p:style>
-          <a:lnRef idx="1">
-            <a:schemeClr val="accent1"/>
-          </a:lnRef>
-          <a:fillRef idx="3">
-            <a:schemeClr val="accent1"/>
-          </a:fillRef>
-          <a:effectRef idx="2">
-            <a:schemeClr val="accent1"/>
-          </a:effectRef>
-          <a:fontRef idx="minor">
-            <a:schemeClr val="lt1"/>
-          </a:fontRef>
-        </p:style>
-        <p:txBody>
-          <a:bodyPr rtlCol="0" anchor="ctr"/>
-          <a:lstStyle/>
-          <a:p>
-            <a:pPr algn="ctr"/>
-            <a:endParaRPr lang="en-US" dirty="0"/>
-          </a:p>
-        </p:txBody>
-      </p:sp>
-      <p:sp>
-        <p:nvSpPr>
-          <p:cNvPr id="82" name="Smiley Face 81"/>
-          <p:cNvSpPr/>
-          <p:nvPr/>
-        </p:nvSpPr>
-        <p:spPr>
-          <a:xfrm>
-            <a:off x="4180610" y="1025100"/>
-            <a:ext cx="317500" cy="317500"/>
-          </a:xfrm>
-          <a:prstGeom prst="smileyFace">
-            <a:avLst/>
-          </a:prstGeom>
-          <a:solidFill>
-            <a:srgbClr val="FFFFFF"/>
-          </a:solidFill>
-          <a:ln>
-            <a:solidFill>
-              <a:srgbClr val="000000"/>
-            </a:solidFill>
-          </a:ln>
-        </p:spPr>
-        <p:style>
-          <a:lnRef idx="1">
-            <a:schemeClr val="accent1"/>
-          </a:lnRef>
-          <a:fillRef idx="3">
-            <a:schemeClr val="accent1"/>
-          </a:fillRef>
-          <a:effectRef idx="2">
-            <a:schemeClr val="accent1"/>
-          </a:effectRef>
-          <a:fontRef idx="minor">
-            <a:schemeClr val="lt1"/>
-          </a:fontRef>
-        </p:style>
-        <p:txBody>
-          <a:bodyPr rtlCol="0" anchor="ctr"/>
-          <a:lstStyle/>
-          <a:p>
-            <a:pPr algn="ctr"/>
-            <a:endParaRPr lang="en-US" dirty="0"/>
-          </a:p>
-        </p:txBody>
-      </p:sp>
-      <p:sp>
-        <p:nvSpPr>
-          <p:cNvPr id="83" name="Smiley Face 82"/>
-          <p:cNvSpPr/>
-          <p:nvPr/>
-        </p:nvSpPr>
-        <p:spPr>
-          <a:xfrm>
-            <a:off x="4929910" y="733000"/>
-            <a:ext cx="317500" cy="317500"/>
-          </a:xfrm>
-          <a:prstGeom prst="smileyFace">
-            <a:avLst/>
-          </a:prstGeom>
-          <a:solidFill>
-            <a:srgbClr val="FFFFFF"/>
-          </a:solidFill>
-          <a:ln>
-            <a:solidFill>
-              <a:srgbClr val="000000"/>
-            </a:solidFill>
-          </a:ln>
-        </p:spPr>
-        <p:style>
-          <a:lnRef idx="1">
-            <a:schemeClr val="accent1"/>
-          </a:lnRef>
-          <a:fillRef idx="3">
-            <a:schemeClr val="accent1"/>
-          </a:fillRef>
-          <a:effectRef idx="2">
-            <a:schemeClr val="accent1"/>
-          </a:effectRef>
-          <a:fontRef idx="minor">
-            <a:schemeClr val="lt1"/>
-          </a:fontRef>
-        </p:style>
-        <p:txBody>
-          <a:bodyPr rtlCol="0" anchor="ctr"/>
-          <a:lstStyle/>
-          <a:p>
-            <a:pPr algn="ctr"/>
-            <a:endParaRPr lang="en-US" dirty="0"/>
-          </a:p>
-        </p:txBody>
-      </p:sp>
-      <p:sp>
-        <p:nvSpPr>
-          <p:cNvPr id="84" name="Smiley Face 83"/>
-          <p:cNvSpPr/>
-          <p:nvPr/>
-        </p:nvSpPr>
-        <p:spPr>
-          <a:xfrm>
-            <a:off x="5323610" y="733000"/>
-            <a:ext cx="317500" cy="317500"/>
-          </a:xfrm>
-          <a:prstGeom prst="smileyFace">
-            <a:avLst/>
-          </a:prstGeom>
-          <a:solidFill>
-            <a:srgbClr val="FFFFFF"/>
-          </a:solidFill>
-          <a:ln>
-            <a:solidFill>
-              <a:srgbClr val="000000"/>
-            </a:solidFill>
-          </a:ln>
-        </p:spPr>
-        <p:style>
-          <a:lnRef idx="1">
-            <a:schemeClr val="accent1"/>
-          </a:lnRef>
-          <a:fillRef idx="3">
-            <a:schemeClr val="accent1"/>
-          </a:fillRef>
-          <a:effectRef idx="2">
-            <a:schemeClr val="accent1"/>
-          </a:effectRef>
-          <a:fontRef idx="minor">
-            <a:schemeClr val="lt1"/>
-          </a:fontRef>
-        </p:style>
-        <p:txBody>
-          <a:bodyPr rtlCol="0" anchor="ctr"/>
-          <a:lstStyle/>
-          <a:p>
-            <a:pPr algn="ctr"/>
-            <a:endParaRPr lang="en-US" dirty="0"/>
-          </a:p>
-        </p:txBody>
-      </p:sp>
-      <p:sp>
-        <p:nvSpPr>
-          <p:cNvPr id="85" name="Smiley Face 84"/>
-          <p:cNvSpPr/>
-          <p:nvPr/>
-        </p:nvSpPr>
-        <p:spPr>
-          <a:xfrm>
-            <a:off x="5476010" y="885400"/>
-            <a:ext cx="317500" cy="317500"/>
-          </a:xfrm>
-          <a:prstGeom prst="smileyFace">
-            <a:avLst/>
-          </a:prstGeom>
-          <a:solidFill>
-            <a:srgbClr val="FFFFFF"/>
-          </a:solidFill>
-          <a:ln>
-            <a:solidFill>
-              <a:srgbClr val="000000"/>
-            </a:solidFill>
-          </a:ln>
-        </p:spPr>
-        <p:style>
-          <a:lnRef idx="1">
-            <a:schemeClr val="accent1"/>
-          </a:lnRef>
-          <a:fillRef idx="3">
-            <a:schemeClr val="accent1"/>
-          </a:fillRef>
-          <a:effectRef idx="2">
-            <a:schemeClr val="accent1"/>
-          </a:effectRef>
-          <a:fontRef idx="minor">
-            <a:schemeClr val="lt1"/>
-          </a:fontRef>
-        </p:style>
-        <p:txBody>
-          <a:bodyPr rtlCol="0" anchor="ctr"/>
-          <a:lstStyle/>
-          <a:p>
-            <a:pPr algn="ctr"/>
-            <a:endParaRPr lang="en-US" dirty="0"/>
-          </a:p>
-        </p:txBody>
-      </p:sp>
-      <p:sp>
-        <p:nvSpPr>
-          <p:cNvPr id="86" name="Smiley Face 85"/>
-          <p:cNvSpPr/>
-          <p:nvPr/>
-        </p:nvSpPr>
-        <p:spPr>
-          <a:xfrm>
-            <a:off x="5082310" y="885400"/>
-            <a:ext cx="317500" cy="317500"/>
-          </a:xfrm>
-          <a:prstGeom prst="smileyFace">
-            <a:avLst/>
-          </a:prstGeom>
-          <a:solidFill>
-            <a:srgbClr val="FFFFFF"/>
-          </a:solidFill>
-          <a:ln>
-            <a:solidFill>
-              <a:srgbClr val="000000"/>
-            </a:solidFill>
-          </a:ln>
-        </p:spPr>
-        <p:style>
-          <a:lnRef idx="1">
-            <a:schemeClr val="accent1"/>
-          </a:lnRef>
-          <a:fillRef idx="3">
-            <a:schemeClr val="accent1"/>
-          </a:fillRef>
-          <a:effectRef idx="2">
-            <a:schemeClr val="accent1"/>
-          </a:effectRef>
-          <a:fontRef idx="minor">
-            <a:schemeClr val="lt1"/>
-          </a:fontRef>
-        </p:style>
-        <p:txBody>
-          <a:bodyPr rtlCol="0" anchor="ctr"/>
-          <a:lstStyle/>
-          <a:p>
-            <a:pPr algn="ctr"/>
-            <a:endParaRPr lang="en-US" dirty="0"/>
-          </a:p>
-        </p:txBody>
-      </p:sp>
-      <p:sp>
-        <p:nvSpPr>
-          <p:cNvPr id="87" name="Smiley Face 86"/>
-          <p:cNvSpPr/>
-          <p:nvPr/>
-        </p:nvSpPr>
-        <p:spPr>
-          <a:xfrm>
-            <a:off x="5234710" y="1037800"/>
-            <a:ext cx="317500" cy="317500"/>
-          </a:xfrm>
-          <a:prstGeom prst="smileyFace">
-            <a:avLst/>
-          </a:prstGeom>
-          <a:solidFill>
-            <a:srgbClr val="FFFFFF"/>
-          </a:solidFill>
-          <a:ln>
-            <a:solidFill>
-              <a:srgbClr val="000000"/>
-            </a:solidFill>
-          </a:ln>
-        </p:spPr>
-        <p:style>
-          <a:lnRef idx="1">
-            <a:schemeClr val="accent1"/>
-          </a:lnRef>
-          <a:fillRef idx="3">
-            <a:schemeClr val="accent1"/>
-          </a:fillRef>
-          <a:effectRef idx="2">
-            <a:schemeClr val="accent1"/>
-          </a:effectRef>
-          <a:fontRef idx="minor">
-            <a:schemeClr val="lt1"/>
-          </a:fontRef>
-        </p:style>
-        <p:txBody>
-          <a:bodyPr rtlCol="0" anchor="ctr"/>
-          <a:lstStyle/>
-          <a:p>
-            <a:pPr algn="ctr"/>
-            <a:endParaRPr lang="en-US" dirty="0"/>
-          </a:p>
-        </p:txBody>
-      </p:sp>
-      <p:cxnSp>
-        <p:nvCxnSpPr>
-          <p:cNvPr id="88" name="Straight Arrow Connector 87"/>
-          <p:cNvCxnSpPr>
-            <a:stCxn id="82" idx="4"/>
-          </p:cNvCxnSpPr>
-          <p:nvPr/>
-        </p:nvCxnSpPr>
-        <p:spPr>
-          <a:xfrm>
-            <a:off x="4339360" y="1342600"/>
-            <a:ext cx="19050" cy="825500"/>
-          </a:xfrm>
-          <a:prstGeom prst="straightConnector1">
-            <a:avLst/>
-          </a:prstGeom>
-          <a:ln>
-            <a:solidFill>
-              <a:srgbClr val="000000"/>
-            </a:solidFill>
-            <a:tailEnd type="arrow"/>
-          </a:ln>
-        </p:spPr>
-        <p:style>
-          <a:lnRef idx="2">
-            <a:schemeClr val="accent1"/>
-          </a:lnRef>
-          <a:fillRef idx="0">
-            <a:schemeClr val="accent1"/>
-          </a:fillRef>
-          <a:effectRef idx="1">
-            <a:schemeClr val="accent1"/>
-          </a:effectRef>
-          <a:fontRef idx="minor">
-            <a:schemeClr val="tx1"/>
-          </a:fontRef>
-        </p:style>
-      </p:cxnSp>
-      <p:cxnSp>
-        <p:nvCxnSpPr>
-          <p:cNvPr id="89" name="Straight Arrow Connector 88"/>
-          <p:cNvCxnSpPr/>
-          <p:nvPr/>
-        </p:nvCxnSpPr>
-        <p:spPr>
-          <a:xfrm>
-            <a:off x="5380760" y="1368000"/>
-            <a:ext cx="19050" cy="825500"/>
-          </a:xfrm>
-          <a:prstGeom prst="straightConnector1">
-            <a:avLst/>
-          </a:prstGeom>
-          <a:ln>
-            <a:solidFill>
-              <a:srgbClr val="000000"/>
-            </a:solidFill>
-            <a:tailEnd type="arrow"/>
-          </a:ln>
-        </p:spPr>
-        <p:style>
-          <a:lnRef idx="2">
-            <a:schemeClr val="accent1"/>
-          </a:lnRef>
-          <a:fillRef idx="0">
-            <a:schemeClr val="accent1"/>
-          </a:fillRef>
-          <a:effectRef idx="1">
-            <a:schemeClr val="accent1"/>
-          </a:effectRef>
-          <a:fontRef idx="minor">
-            <a:schemeClr val="tx1"/>
-          </a:fontRef>
-        </p:style>
-      </p:cxnSp>
-      <p:sp>
-        <p:nvSpPr>
-          <p:cNvPr id="90" name="TextBox 89"/>
-          <p:cNvSpPr txBox="1"/>
-          <p:nvPr/>
-        </p:nvSpPr>
-        <p:spPr>
-          <a:xfrm>
-            <a:off x="6403110" y="682200"/>
-            <a:ext cx="1676400" cy="646331"/>
-          </a:xfrm>
-          <a:prstGeom prst="rect">
-            <a:avLst/>
-          </a:prstGeom>
-          <a:noFill/>
-        </p:spPr>
-        <p:txBody>
-          <a:bodyPr wrap="square" rtlCol="0">
-            <a:spAutoFit/>
-          </a:bodyPr>
-          <a:lstStyle/>
-          <a:p>
-            <a:pPr algn="ctr"/>
-            <a:r>
-              <a:rPr lang="en-US" dirty="0" smtClean="0">
-                <a:latin typeface="Helvetica"/>
-                <a:cs typeface="Helvetica"/>
-              </a:rPr>
-              <a:t>Proxy Mode</a:t>
-            </a:r>
-          </a:p>
-          <a:p>
-            <a:pPr algn="ctr"/>
-            <a:r>
-              <a:rPr lang="en-US" dirty="0" smtClean="0">
-                <a:latin typeface="Helvetica"/>
-                <a:cs typeface="Helvetica"/>
-              </a:rPr>
-              <a:t>(Half)</a:t>
-            </a:r>
-          </a:p>
-        </p:txBody>
-      </p:sp>
-      <p:grpSp>
-        <p:nvGrpSpPr>
-          <p:cNvPr id="120" name="Group 119"/>
-          <p:cNvGrpSpPr/>
-          <p:nvPr/>
-        </p:nvGrpSpPr>
-        <p:grpSpPr>
-          <a:xfrm>
-            <a:off x="8484756" y="2133178"/>
-            <a:ext cx="1523996" cy="1523996"/>
-            <a:chOff x="3993828" y="5252850"/>
-            <a:chExt cx="667364" cy="667364"/>
-          </a:xfrm>
-        </p:grpSpPr>
-        <p:sp>
-          <p:nvSpPr>
-            <p:cNvPr id="121" name="Rounded Rectangle 120"/>
-            <p:cNvSpPr/>
-            <p:nvPr/>
-          </p:nvSpPr>
-          <p:spPr>
-            <a:xfrm>
-              <a:off x="3993828" y="5252850"/>
-              <a:ext cx="667364" cy="667364"/>
-            </a:xfrm>
-            <a:prstGeom prst="roundRect">
-              <a:avLst/>
-            </a:prstGeom>
-            <a:solidFill>
-              <a:srgbClr val="D0CECE"/>
-            </a:solidFill>
-            <a:ln>
-              <a:solidFill>
-                <a:schemeClr val="tx1"/>
-              </a:solidFill>
-            </a:ln>
-          </p:spPr>
-          <p:style>
-            <a:lnRef idx="2">
-              <a:schemeClr val="accent1">
-                <a:shade val="50000"/>
-              </a:schemeClr>
-            </a:lnRef>
-            <a:fillRef idx="1">
-              <a:schemeClr val="accent1"/>
-            </a:fillRef>
-            <a:effectRef idx="0">
-              <a:schemeClr val="accent1"/>
-            </a:effectRef>
-            <a:fontRef idx="minor">
-              <a:schemeClr val="lt1"/>
-            </a:fontRef>
-          </p:style>
-          <p:txBody>
-            <a:bodyPr rtlCol="0" anchor="ctr"/>
-            <a:lstStyle/>
-            <a:p>
-              <a:pPr algn="ctr"/>
-              <a:endParaRPr lang="en-US" sz="1200" dirty="0">
-                <a:solidFill>
-                  <a:schemeClr val="bg1"/>
-                </a:solidFill>
-                <a:latin typeface="Helvetica"/>
-                <a:cs typeface="Helvetica"/>
-              </a:endParaRPr>
-            </a:p>
-          </p:txBody>
-        </p:sp>
-        <p:sp>
-          <p:nvSpPr>
-            <p:cNvPr id="122" name="Rounded Rectangle 121"/>
-            <p:cNvSpPr/>
-            <p:nvPr/>
-          </p:nvSpPr>
-          <p:spPr>
-            <a:xfrm>
-              <a:off x="4019956" y="5291904"/>
-              <a:ext cx="615835" cy="602910"/>
-            </a:xfrm>
-            <a:prstGeom prst="roundRect">
-              <a:avLst/>
-            </a:prstGeom>
-            <a:solidFill>
-              <a:srgbClr val="38424C"/>
-            </a:solidFill>
-            <a:ln>
-              <a:solidFill>
-                <a:schemeClr val="tx1"/>
-              </a:solidFill>
-            </a:ln>
-          </p:spPr>
-          <p:style>
-            <a:lnRef idx="2">
-              <a:schemeClr val="accent1">
-                <a:shade val="50000"/>
-              </a:schemeClr>
-            </a:lnRef>
-            <a:fillRef idx="1">
-              <a:schemeClr val="accent1"/>
-            </a:fillRef>
-            <a:effectRef idx="0">
-              <a:schemeClr val="accent1"/>
-            </a:effectRef>
-            <a:fontRef idx="minor">
-              <a:schemeClr val="lt1"/>
-            </a:fontRef>
-          </p:style>
-          <p:txBody>
-            <a:bodyPr rtlCol="0" anchor="t"/>
-            <a:lstStyle/>
-            <a:p>
-              <a:pPr algn="ctr"/>
-              <a:r>
-                <a:rPr lang="en-US" sz="2000" b="1" dirty="0" smtClean="0">
-                  <a:solidFill>
-                    <a:schemeClr val="bg1"/>
-                  </a:solidFill>
-                  <a:latin typeface="Helvetica"/>
-                  <a:cs typeface="Helvetica"/>
-                </a:rPr>
-                <a:t>Server A</a:t>
-              </a:r>
-              <a:endParaRPr lang="en-US" sz="2000" b="1" dirty="0">
-                <a:solidFill>
-                  <a:schemeClr val="bg1"/>
-                </a:solidFill>
-                <a:latin typeface="Helvetica"/>
-                <a:cs typeface="Helvetica"/>
-              </a:endParaRPr>
-            </a:p>
-          </p:txBody>
-        </p:sp>
-      </p:grpSp>
-      <p:grpSp>
-        <p:nvGrpSpPr>
-          <p:cNvPr id="126" name="Group 125"/>
-          <p:cNvGrpSpPr/>
-          <p:nvPr/>
-        </p:nvGrpSpPr>
-        <p:grpSpPr>
-          <a:xfrm>
-            <a:off x="10117284" y="2134333"/>
-            <a:ext cx="1523996" cy="1523996"/>
-            <a:chOff x="3993828" y="5252850"/>
-            <a:chExt cx="667364" cy="667364"/>
-          </a:xfrm>
-        </p:grpSpPr>
-        <p:sp>
-          <p:nvSpPr>
-            <p:cNvPr id="127" name="Rounded Rectangle 126"/>
-            <p:cNvSpPr/>
-            <p:nvPr/>
-          </p:nvSpPr>
-          <p:spPr>
-            <a:xfrm>
-              <a:off x="3993828" y="5252850"/>
-              <a:ext cx="667364" cy="667364"/>
-            </a:xfrm>
-            <a:prstGeom prst="roundRect">
-              <a:avLst/>
-            </a:prstGeom>
-            <a:solidFill>
-              <a:srgbClr val="D0CECE"/>
-            </a:solidFill>
-            <a:ln>
-              <a:solidFill>
-                <a:schemeClr val="tx1"/>
-              </a:solidFill>
-            </a:ln>
-          </p:spPr>
-          <p:style>
-            <a:lnRef idx="2">
-              <a:schemeClr val="accent1">
-                <a:shade val="50000"/>
-              </a:schemeClr>
-            </a:lnRef>
-            <a:fillRef idx="1">
-              <a:schemeClr val="accent1"/>
-            </a:fillRef>
-            <a:effectRef idx="0">
-              <a:schemeClr val="accent1"/>
-            </a:effectRef>
-            <a:fontRef idx="minor">
-              <a:schemeClr val="lt1"/>
-            </a:fontRef>
-          </p:style>
-          <p:txBody>
-            <a:bodyPr rtlCol="0" anchor="ctr"/>
-            <a:lstStyle/>
-            <a:p>
-              <a:pPr algn="ctr"/>
-              <a:endParaRPr lang="en-US" sz="1200" dirty="0">
-                <a:solidFill>
-                  <a:schemeClr val="bg1"/>
-                </a:solidFill>
-                <a:latin typeface="Helvetica"/>
-                <a:cs typeface="Helvetica"/>
-              </a:endParaRPr>
-            </a:p>
-          </p:txBody>
-        </p:sp>
-        <p:sp>
-          <p:nvSpPr>
-            <p:cNvPr id="128" name="Rounded Rectangle 127"/>
-            <p:cNvSpPr/>
-            <p:nvPr/>
-          </p:nvSpPr>
-          <p:spPr>
-            <a:xfrm>
-              <a:off x="4019956" y="5291904"/>
-              <a:ext cx="615835" cy="602910"/>
-            </a:xfrm>
-            <a:prstGeom prst="roundRect">
-              <a:avLst/>
-            </a:prstGeom>
-            <a:solidFill>
-              <a:srgbClr val="38424C"/>
-            </a:solidFill>
-            <a:ln>
-              <a:solidFill>
-                <a:schemeClr val="tx1"/>
-              </a:solidFill>
-            </a:ln>
-          </p:spPr>
-          <p:style>
-            <a:lnRef idx="2">
-              <a:schemeClr val="accent1">
-                <a:shade val="50000"/>
-              </a:schemeClr>
-            </a:lnRef>
-            <a:fillRef idx="1">
-              <a:schemeClr val="accent1"/>
-            </a:fillRef>
-            <a:effectRef idx="0">
-              <a:schemeClr val="accent1"/>
-            </a:effectRef>
-            <a:fontRef idx="minor">
-              <a:schemeClr val="lt1"/>
-            </a:fontRef>
-          </p:style>
-          <p:txBody>
-            <a:bodyPr rtlCol="0" anchor="t"/>
-            <a:lstStyle/>
-            <a:p>
-              <a:pPr algn="ctr"/>
-              <a:r>
-                <a:rPr lang="en-US" sz="2000" b="1" dirty="0" smtClean="0">
-                  <a:solidFill>
-                    <a:schemeClr val="bg1"/>
-                  </a:solidFill>
-                  <a:latin typeface="Helvetica"/>
-                  <a:cs typeface="Helvetica"/>
-                </a:rPr>
-                <a:t>Server B</a:t>
-              </a:r>
-              <a:endParaRPr lang="en-US" sz="2000" b="1" dirty="0">
-                <a:solidFill>
-                  <a:schemeClr val="bg1"/>
-                </a:solidFill>
-                <a:latin typeface="Helvetica"/>
-                <a:cs typeface="Helvetica"/>
-              </a:endParaRPr>
-            </a:p>
-          </p:txBody>
-        </p:sp>
-      </p:grpSp>
-      <p:sp>
-        <p:nvSpPr>
-          <p:cNvPr id="132" name="Oval 131"/>
-          <p:cNvSpPr/>
-          <p:nvPr/>
-        </p:nvSpPr>
-        <p:spPr>
-          <a:xfrm>
-            <a:off x="10687627" y="2786938"/>
-            <a:ext cx="406400" cy="406400"/>
-          </a:xfrm>
-          <a:prstGeom prst="ellipse">
-            <a:avLst/>
-          </a:prstGeom>
-          <a:solidFill>
-            <a:schemeClr val="bg1"/>
-          </a:solidFill>
-          <a:ln>
-            <a:solidFill>
-              <a:srgbClr val="000000"/>
-            </a:solidFill>
-          </a:ln>
-        </p:spPr>
-        <p:style>
-          <a:lnRef idx="1">
-            <a:schemeClr val="dk1"/>
-          </a:lnRef>
-          <a:fillRef idx="3">
-            <a:schemeClr val="dk1"/>
-          </a:fillRef>
-          <a:effectRef idx="2">
-            <a:schemeClr val="dk1"/>
-          </a:effectRef>
-          <a:fontRef idx="minor">
-            <a:schemeClr val="lt1"/>
-          </a:fontRef>
-        </p:style>
-        <p:txBody>
-          <a:bodyPr rtlCol="0" anchor="b"/>
-          <a:lstStyle/>
-          <a:p>
-            <a:pPr algn="ctr"/>
-            <a:r>
-              <a:rPr lang="en-US" dirty="0">
-                <a:solidFill>
-                  <a:schemeClr val="tx1"/>
-                </a:solidFill>
-                <a:latin typeface="Helvetica"/>
-                <a:cs typeface="Helvetica"/>
-              </a:rPr>
-              <a:t>2</a:t>
-            </a:r>
-          </a:p>
-        </p:txBody>
-      </p:sp>
-      <p:sp>
-        <p:nvSpPr>
-          <p:cNvPr id="133" name="Oval 132"/>
-          <p:cNvSpPr/>
-          <p:nvPr/>
-        </p:nvSpPr>
-        <p:spPr>
-          <a:xfrm>
-            <a:off x="9050482" y="2819265"/>
-            <a:ext cx="406400" cy="406400"/>
-          </a:xfrm>
-          <a:prstGeom prst="ellipse">
-            <a:avLst/>
-          </a:prstGeom>
-          <a:solidFill>
-            <a:schemeClr val="bg1"/>
-          </a:solidFill>
-          <a:ln>
-            <a:solidFill>
-              <a:srgbClr val="000000"/>
-            </a:solidFill>
-          </a:ln>
-        </p:spPr>
-        <p:style>
-          <a:lnRef idx="1">
-            <a:schemeClr val="dk1"/>
-          </a:lnRef>
-          <a:fillRef idx="3">
-            <a:schemeClr val="dk1"/>
-          </a:fillRef>
-          <a:effectRef idx="2">
-            <a:schemeClr val="dk1"/>
-          </a:effectRef>
-          <a:fontRef idx="minor">
-            <a:schemeClr val="lt1"/>
-          </a:fontRef>
-        </p:style>
-        <p:txBody>
-          <a:bodyPr rtlCol="0" anchor="b"/>
-          <a:lstStyle/>
-          <a:p>
-            <a:pPr algn="ctr"/>
-            <a:r>
-              <a:rPr lang="en-US" dirty="0">
-                <a:solidFill>
-                  <a:schemeClr val="tx1"/>
-                </a:solidFill>
-                <a:latin typeface="Helvetica"/>
-                <a:cs typeface="Helvetica"/>
-              </a:rPr>
-              <a:t>1</a:t>
-            </a:r>
-          </a:p>
-        </p:txBody>
-      </p:sp>
-      <p:sp>
-        <p:nvSpPr>
-          <p:cNvPr id="134" name="Smiley Face 133"/>
-          <p:cNvSpPr/>
-          <p:nvPr/>
-        </p:nvSpPr>
-        <p:spPr>
-          <a:xfrm>
-            <a:off x="8281555" y="698365"/>
-            <a:ext cx="317500" cy="317500"/>
-          </a:xfrm>
-          <a:prstGeom prst="smileyFace">
-            <a:avLst/>
-          </a:prstGeom>
-          <a:solidFill>
-            <a:srgbClr val="FFFFFF"/>
-          </a:solidFill>
-          <a:ln>
-            <a:solidFill>
-              <a:srgbClr val="000000"/>
-            </a:solidFill>
-          </a:ln>
-        </p:spPr>
-        <p:style>
-          <a:lnRef idx="1">
-            <a:schemeClr val="accent1"/>
-          </a:lnRef>
-          <a:fillRef idx="3">
-            <a:schemeClr val="accent1"/>
-          </a:fillRef>
-          <a:effectRef idx="2">
-            <a:schemeClr val="accent1"/>
-          </a:effectRef>
-          <a:fontRef idx="minor">
-            <a:schemeClr val="lt1"/>
-          </a:fontRef>
-        </p:style>
-        <p:txBody>
-          <a:bodyPr rtlCol="0" anchor="ctr"/>
-          <a:lstStyle/>
-          <a:p>
-            <a:pPr algn="ctr"/>
-            <a:endParaRPr lang="en-US" dirty="0"/>
-          </a:p>
-        </p:txBody>
-      </p:sp>
-      <p:sp>
-        <p:nvSpPr>
-          <p:cNvPr id="135" name="Smiley Face 134"/>
-          <p:cNvSpPr/>
-          <p:nvPr/>
-        </p:nvSpPr>
-        <p:spPr>
-          <a:xfrm>
-            <a:off x="8675255" y="698365"/>
-            <a:ext cx="317500" cy="317500"/>
-          </a:xfrm>
-          <a:prstGeom prst="smileyFace">
-            <a:avLst/>
-          </a:prstGeom>
-          <a:solidFill>
-            <a:srgbClr val="FFFFFF"/>
-          </a:solidFill>
-          <a:ln>
-            <a:solidFill>
-              <a:srgbClr val="000000"/>
-            </a:solidFill>
-          </a:ln>
-        </p:spPr>
-        <p:style>
-          <a:lnRef idx="1">
-            <a:schemeClr val="accent1"/>
-          </a:lnRef>
-          <a:fillRef idx="3">
-            <a:schemeClr val="accent1"/>
-          </a:fillRef>
-          <a:effectRef idx="2">
-            <a:schemeClr val="accent1"/>
-          </a:effectRef>
-          <a:fontRef idx="minor">
-            <a:schemeClr val="lt1"/>
-          </a:fontRef>
-        </p:style>
-        <p:txBody>
-          <a:bodyPr rtlCol="0" anchor="ctr"/>
-          <a:lstStyle/>
-          <a:p>
-            <a:pPr algn="ctr"/>
-            <a:endParaRPr lang="en-US" dirty="0"/>
-          </a:p>
-        </p:txBody>
-      </p:sp>
-      <p:sp>
-        <p:nvSpPr>
-          <p:cNvPr id="136" name="Smiley Face 135"/>
-          <p:cNvSpPr/>
-          <p:nvPr/>
-        </p:nvSpPr>
-        <p:spPr>
-          <a:xfrm>
-            <a:off x="8827655" y="850765"/>
-            <a:ext cx="317500" cy="317500"/>
-          </a:xfrm>
-          <a:prstGeom prst="smileyFace">
-            <a:avLst/>
-          </a:prstGeom>
-          <a:solidFill>
-            <a:srgbClr val="FFFFFF"/>
-          </a:solidFill>
-          <a:ln>
-            <a:solidFill>
-              <a:srgbClr val="000000"/>
-            </a:solidFill>
-          </a:ln>
-        </p:spPr>
-        <p:style>
-          <a:lnRef idx="1">
-            <a:schemeClr val="accent1"/>
-          </a:lnRef>
-          <a:fillRef idx="3">
-            <a:schemeClr val="accent1"/>
-          </a:fillRef>
-          <a:effectRef idx="2">
-            <a:schemeClr val="accent1"/>
-          </a:effectRef>
-          <a:fontRef idx="minor">
-            <a:schemeClr val="lt1"/>
-          </a:fontRef>
-        </p:style>
-        <p:txBody>
-          <a:bodyPr rtlCol="0" anchor="ctr"/>
-          <a:lstStyle/>
-          <a:p>
-            <a:pPr algn="ctr"/>
-            <a:endParaRPr lang="en-US" dirty="0"/>
-          </a:p>
-        </p:txBody>
-      </p:sp>
-      <p:sp>
-        <p:nvSpPr>
-          <p:cNvPr id="137" name="Smiley Face 136"/>
-          <p:cNvSpPr/>
-          <p:nvPr/>
-        </p:nvSpPr>
-        <p:spPr>
-          <a:xfrm>
-            <a:off x="8433955" y="850765"/>
-            <a:ext cx="317500" cy="317500"/>
-          </a:xfrm>
-          <a:prstGeom prst="smileyFace">
-            <a:avLst/>
-          </a:prstGeom>
-          <a:solidFill>
-            <a:srgbClr val="FFFFFF"/>
-          </a:solidFill>
-          <a:ln>
-            <a:solidFill>
-              <a:srgbClr val="000000"/>
-            </a:solidFill>
-          </a:ln>
-        </p:spPr>
-        <p:style>
-          <a:lnRef idx="1">
-            <a:schemeClr val="accent1"/>
-          </a:lnRef>
-          <a:fillRef idx="3">
-            <a:schemeClr val="accent1"/>
-          </a:fillRef>
-          <a:effectRef idx="2">
-            <a:schemeClr val="accent1"/>
-          </a:effectRef>
-          <a:fontRef idx="minor">
-            <a:schemeClr val="lt1"/>
-          </a:fontRef>
-        </p:style>
-        <p:txBody>
-          <a:bodyPr rtlCol="0" anchor="ctr"/>
-          <a:lstStyle/>
-          <a:p>
-            <a:pPr algn="ctr"/>
-            <a:endParaRPr lang="en-US" dirty="0"/>
-          </a:p>
-        </p:txBody>
-      </p:sp>
-      <p:sp>
-        <p:nvSpPr>
-          <p:cNvPr id="138" name="Smiley Face 137"/>
-          <p:cNvSpPr/>
-          <p:nvPr/>
-        </p:nvSpPr>
-        <p:spPr>
-          <a:xfrm>
-            <a:off x="8586355" y="1003165"/>
-            <a:ext cx="317500" cy="317500"/>
-          </a:xfrm>
-          <a:prstGeom prst="smileyFace">
-            <a:avLst/>
-          </a:prstGeom>
-          <a:solidFill>
-            <a:srgbClr val="FFFFFF"/>
-          </a:solidFill>
-          <a:ln>
-            <a:solidFill>
-              <a:srgbClr val="000000"/>
-            </a:solidFill>
-          </a:ln>
-        </p:spPr>
-        <p:style>
-          <a:lnRef idx="1">
-            <a:schemeClr val="accent1"/>
-          </a:lnRef>
-          <a:fillRef idx="3">
-            <a:schemeClr val="accent1"/>
-          </a:fillRef>
-          <a:effectRef idx="2">
-            <a:schemeClr val="accent1"/>
-          </a:effectRef>
-          <a:fontRef idx="minor">
-            <a:schemeClr val="lt1"/>
-          </a:fontRef>
-        </p:style>
-        <p:txBody>
-          <a:bodyPr rtlCol="0" anchor="ctr"/>
-          <a:lstStyle/>
-          <a:p>
-            <a:pPr algn="ctr"/>
-            <a:endParaRPr lang="en-US" dirty="0"/>
-          </a:p>
-        </p:txBody>
-      </p:sp>
-      <p:sp>
-        <p:nvSpPr>
-          <p:cNvPr id="139" name="Smiley Face 138"/>
-          <p:cNvSpPr/>
-          <p:nvPr/>
-        </p:nvSpPr>
-        <p:spPr>
-          <a:xfrm>
-            <a:off x="9335655" y="711065"/>
-            <a:ext cx="317500" cy="317500"/>
-          </a:xfrm>
-          <a:prstGeom prst="smileyFace">
-            <a:avLst/>
-          </a:prstGeom>
-          <a:solidFill>
-            <a:srgbClr val="FFFFFF"/>
-          </a:solidFill>
-          <a:ln>
-            <a:solidFill>
-              <a:srgbClr val="000000"/>
-            </a:solidFill>
-          </a:ln>
-        </p:spPr>
-        <p:style>
-          <a:lnRef idx="1">
-            <a:schemeClr val="accent1"/>
-          </a:lnRef>
-          <a:fillRef idx="3">
-            <a:schemeClr val="accent1"/>
-          </a:fillRef>
-          <a:effectRef idx="2">
-            <a:schemeClr val="accent1"/>
-          </a:effectRef>
-          <a:fontRef idx="minor">
-            <a:schemeClr val="lt1"/>
-          </a:fontRef>
-        </p:style>
-        <p:txBody>
-          <a:bodyPr rtlCol="0" anchor="ctr"/>
-          <a:lstStyle/>
-          <a:p>
-            <a:pPr algn="ctr"/>
-            <a:endParaRPr lang="en-US" dirty="0"/>
-          </a:p>
-        </p:txBody>
-      </p:sp>
-      <p:sp>
-        <p:nvSpPr>
-          <p:cNvPr id="140" name="Smiley Face 139"/>
-          <p:cNvSpPr/>
-          <p:nvPr/>
-        </p:nvSpPr>
-        <p:spPr>
-          <a:xfrm>
-            <a:off x="9729355" y="711065"/>
-            <a:ext cx="317500" cy="317500"/>
-          </a:xfrm>
-          <a:prstGeom prst="smileyFace">
-            <a:avLst/>
-          </a:prstGeom>
-          <a:solidFill>
-            <a:srgbClr val="FFFFFF"/>
-          </a:solidFill>
-          <a:ln>
-            <a:solidFill>
-              <a:srgbClr val="000000"/>
-            </a:solidFill>
-          </a:ln>
-        </p:spPr>
-        <p:style>
-          <a:lnRef idx="1">
-            <a:schemeClr val="accent1"/>
-          </a:lnRef>
-          <a:fillRef idx="3">
-            <a:schemeClr val="accent1"/>
-          </a:fillRef>
-          <a:effectRef idx="2">
-            <a:schemeClr val="accent1"/>
-          </a:effectRef>
-          <a:fontRef idx="minor">
-            <a:schemeClr val="lt1"/>
-          </a:fontRef>
-        </p:style>
-        <p:txBody>
-          <a:bodyPr rtlCol="0" anchor="ctr"/>
-          <a:lstStyle/>
-          <a:p>
-            <a:pPr algn="ctr"/>
-            <a:endParaRPr lang="en-US" dirty="0"/>
-          </a:p>
-        </p:txBody>
-      </p:sp>
-      <p:sp>
-        <p:nvSpPr>
-          <p:cNvPr id="141" name="Smiley Face 140"/>
-          <p:cNvSpPr/>
-          <p:nvPr/>
-        </p:nvSpPr>
-        <p:spPr>
-          <a:xfrm>
-            <a:off x="9881755" y="863465"/>
-            <a:ext cx="317500" cy="317500"/>
-          </a:xfrm>
-          <a:prstGeom prst="smileyFace">
-            <a:avLst/>
-          </a:prstGeom>
-          <a:solidFill>
-            <a:srgbClr val="FFFFFF"/>
-          </a:solidFill>
-          <a:ln>
-            <a:solidFill>
-              <a:srgbClr val="000000"/>
-            </a:solidFill>
-          </a:ln>
-        </p:spPr>
-        <p:style>
-          <a:lnRef idx="1">
-            <a:schemeClr val="accent1"/>
-          </a:lnRef>
-          <a:fillRef idx="3">
-            <a:schemeClr val="accent1"/>
-          </a:fillRef>
-          <a:effectRef idx="2">
-            <a:schemeClr val="accent1"/>
-          </a:effectRef>
-          <a:fontRef idx="minor">
-            <a:schemeClr val="lt1"/>
-          </a:fontRef>
-        </p:style>
-        <p:txBody>
-          <a:bodyPr rtlCol="0" anchor="ctr"/>
-          <a:lstStyle/>
-          <a:p>
-            <a:pPr algn="ctr"/>
-            <a:endParaRPr lang="en-US" dirty="0"/>
-          </a:p>
-        </p:txBody>
-      </p:sp>
-      <p:sp>
-        <p:nvSpPr>
-          <p:cNvPr id="142" name="Smiley Face 141"/>
-          <p:cNvSpPr/>
-          <p:nvPr/>
-        </p:nvSpPr>
-        <p:spPr>
-          <a:xfrm>
-            <a:off x="9488055" y="863465"/>
-            <a:ext cx="317500" cy="317500"/>
-          </a:xfrm>
-          <a:prstGeom prst="smileyFace">
-            <a:avLst/>
-          </a:prstGeom>
-          <a:solidFill>
-            <a:srgbClr val="FFFFFF"/>
-          </a:solidFill>
-          <a:ln>
-            <a:solidFill>
-              <a:srgbClr val="000000"/>
-            </a:solidFill>
-          </a:ln>
-        </p:spPr>
-        <p:style>
-          <a:lnRef idx="1">
-            <a:schemeClr val="accent1"/>
-          </a:lnRef>
-          <a:fillRef idx="3">
-            <a:schemeClr val="accent1"/>
-          </a:fillRef>
-          <a:effectRef idx="2">
-            <a:schemeClr val="accent1"/>
-          </a:effectRef>
-          <a:fontRef idx="minor">
-            <a:schemeClr val="lt1"/>
-          </a:fontRef>
-        </p:style>
-        <p:txBody>
-          <a:bodyPr rtlCol="0" anchor="ctr"/>
-          <a:lstStyle/>
-          <a:p>
-            <a:pPr algn="ctr"/>
-            <a:endParaRPr lang="en-US" dirty="0"/>
-          </a:p>
-        </p:txBody>
-      </p:sp>
-      <p:sp>
-        <p:nvSpPr>
-          <p:cNvPr id="143" name="Smiley Face 142"/>
-          <p:cNvSpPr/>
-          <p:nvPr/>
-        </p:nvSpPr>
-        <p:spPr>
-          <a:xfrm>
-            <a:off x="9640455" y="1015865"/>
-            <a:ext cx="317500" cy="317500"/>
-          </a:xfrm>
-          <a:prstGeom prst="smileyFace">
-            <a:avLst/>
-          </a:prstGeom>
-          <a:solidFill>
-            <a:srgbClr val="FFFFFF"/>
-          </a:solidFill>
-          <a:ln>
-            <a:solidFill>
-              <a:srgbClr val="000000"/>
-            </a:solidFill>
-          </a:ln>
-        </p:spPr>
-        <p:style>
-          <a:lnRef idx="1">
-            <a:schemeClr val="accent1"/>
-          </a:lnRef>
-          <a:fillRef idx="3">
-            <a:schemeClr val="accent1"/>
-          </a:fillRef>
-          <a:effectRef idx="2">
-            <a:schemeClr val="accent1"/>
-          </a:effectRef>
-          <a:fontRef idx="minor">
-            <a:schemeClr val="lt1"/>
-          </a:fontRef>
-        </p:style>
-        <p:txBody>
-          <a:bodyPr rtlCol="0" anchor="ctr"/>
-          <a:lstStyle/>
-          <a:p>
-            <a:pPr algn="ctr"/>
-            <a:endParaRPr lang="en-US" dirty="0"/>
-          </a:p>
-        </p:txBody>
-      </p:sp>
-      <p:cxnSp>
-        <p:nvCxnSpPr>
-          <p:cNvPr id="144" name="Straight Arrow Connector 143"/>
-          <p:cNvCxnSpPr>
-            <a:stCxn id="138" idx="4"/>
-          </p:cNvCxnSpPr>
-          <p:nvPr/>
-        </p:nvCxnSpPr>
-        <p:spPr>
-          <a:xfrm>
-            <a:off x="8745105" y="1320665"/>
-            <a:ext cx="19050" cy="825500"/>
-          </a:xfrm>
-          <a:prstGeom prst="straightConnector1">
-            <a:avLst/>
-          </a:prstGeom>
-          <a:ln>
-            <a:solidFill>
-              <a:srgbClr val="000000"/>
-            </a:solidFill>
-            <a:tailEnd type="arrow"/>
-          </a:ln>
-        </p:spPr>
-        <p:style>
-          <a:lnRef idx="2">
-            <a:schemeClr val="accent1"/>
-          </a:lnRef>
-          <a:fillRef idx="0">
-            <a:schemeClr val="accent1"/>
-          </a:fillRef>
-          <a:effectRef idx="1">
-            <a:schemeClr val="accent1"/>
-          </a:effectRef>
-          <a:fontRef idx="minor">
-            <a:schemeClr val="tx1"/>
-          </a:fontRef>
-        </p:style>
-      </p:cxnSp>
-      <p:cxnSp>
-        <p:nvCxnSpPr>
-          <p:cNvPr id="145" name="Straight Arrow Connector 144"/>
-          <p:cNvCxnSpPr>
-            <a:stCxn id="143" idx="6"/>
-          </p:cNvCxnSpPr>
-          <p:nvPr/>
-        </p:nvCxnSpPr>
-        <p:spPr>
-          <a:xfrm>
-            <a:off x="9957955" y="1174615"/>
-            <a:ext cx="952500" cy="996950"/>
-          </a:xfrm>
-          <a:prstGeom prst="straightConnector1">
-            <a:avLst/>
-          </a:prstGeom>
-          <a:ln>
-            <a:solidFill>
-              <a:srgbClr val="000000"/>
-            </a:solidFill>
-            <a:tailEnd type="arrow"/>
-          </a:ln>
-        </p:spPr>
-        <p:style>
-          <a:lnRef idx="2">
-            <a:schemeClr val="accent1"/>
-          </a:lnRef>
-          <a:fillRef idx="0">
-            <a:schemeClr val="accent1"/>
-          </a:fillRef>
-          <a:effectRef idx="1">
-            <a:schemeClr val="accent1"/>
-          </a:effectRef>
-          <a:fontRef idx="minor">
-            <a:schemeClr val="tx1"/>
-          </a:fontRef>
-        </p:style>
-      </p:cxnSp>
-      <p:sp>
-        <p:nvSpPr>
-          <p:cNvPr id="201" name="TextBox 200"/>
-          <p:cNvSpPr txBox="1"/>
-          <p:nvPr/>
-        </p:nvSpPr>
-        <p:spPr>
-          <a:xfrm>
-            <a:off x="10350500" y="711065"/>
-            <a:ext cx="1460500" cy="646331"/>
-          </a:xfrm>
-          <a:prstGeom prst="rect">
-            <a:avLst/>
-          </a:prstGeom>
-          <a:noFill/>
-        </p:spPr>
-        <p:txBody>
-          <a:bodyPr wrap="square" rtlCol="0">
-            <a:spAutoFit/>
-          </a:bodyPr>
-          <a:lstStyle/>
-          <a:p>
-            <a:pPr algn="ctr"/>
-            <a:r>
-              <a:rPr lang="en-US" dirty="0" smtClean="0">
-                <a:latin typeface="Helvetica"/>
-                <a:cs typeface="Helvetica"/>
-              </a:rPr>
-              <a:t>Client</a:t>
-            </a:r>
-          </a:p>
-          <a:p>
-            <a:pPr algn="ctr"/>
-            <a:r>
-              <a:rPr lang="en-US" dirty="0" smtClean="0">
-                <a:latin typeface="Helvetica"/>
-                <a:cs typeface="Helvetica"/>
-              </a:rPr>
-              <a:t>Mode</a:t>
-            </a:r>
-          </a:p>
-        </p:txBody>
-      </p:sp>
-      <p:cxnSp>
-        <p:nvCxnSpPr>
-          <p:cNvPr id="205" name="Straight Arrow Connector 204"/>
-          <p:cNvCxnSpPr>
-            <a:endCxn id="141" idx="5"/>
-          </p:cNvCxnSpPr>
-          <p:nvPr/>
-        </p:nvCxnSpPr>
-        <p:spPr>
-          <a:xfrm flipH="1" flipV="1">
-            <a:off x="10152758" y="1134468"/>
-            <a:ext cx="948197" cy="986297"/>
-          </a:xfrm>
-          <a:prstGeom prst="straightConnector1">
-            <a:avLst/>
-          </a:prstGeom>
-          <a:ln>
-            <a:solidFill>
-              <a:srgbClr val="000000"/>
-            </a:solidFill>
-            <a:prstDash val="lgDash"/>
-            <a:tailEnd type="arrow"/>
-          </a:ln>
-        </p:spPr>
-        <p:style>
-          <a:lnRef idx="2">
-            <a:schemeClr val="accent1"/>
-          </a:lnRef>
-          <a:fillRef idx="0">
-            <a:schemeClr val="accent1"/>
-          </a:fillRef>
-          <a:effectRef idx="1">
-            <a:schemeClr val="accent1"/>
-          </a:effectRef>
-          <a:fontRef idx="minor">
-            <a:schemeClr val="tx1"/>
-          </a:fontRef>
-        </p:style>
-      </p:cxnSp>
-      <p:cxnSp>
-        <p:nvCxnSpPr>
-          <p:cNvPr id="209" name="Straight Arrow Connector 208"/>
-          <p:cNvCxnSpPr>
-            <a:endCxn id="138" idx="5"/>
-          </p:cNvCxnSpPr>
-          <p:nvPr/>
-        </p:nvCxnSpPr>
-        <p:spPr>
-          <a:xfrm flipV="1">
-            <a:off x="8853055" y="1274168"/>
-            <a:ext cx="4303" cy="859297"/>
-          </a:xfrm>
-          <a:prstGeom prst="straightConnector1">
-            <a:avLst/>
-          </a:prstGeom>
-          <a:ln>
-            <a:solidFill>
-              <a:srgbClr val="000000"/>
-            </a:solidFill>
-            <a:prstDash val="lgDash"/>
-            <a:tailEnd type="arrow"/>
-          </a:ln>
-        </p:spPr>
-        <p:style>
-          <a:lnRef idx="2">
-            <a:schemeClr val="accent1"/>
-          </a:lnRef>
-          <a:fillRef idx="0">
-            <a:schemeClr val="accent1"/>
-          </a:fillRef>
-          <a:effectRef idx="1">
-            <a:schemeClr val="accent1"/>
-          </a:effectRef>
-          <a:fontRef idx="minor">
-            <a:schemeClr val="tx1"/>
-          </a:fontRef>
-        </p:style>
-      </p:cxnSp>
-      <p:cxnSp>
-        <p:nvCxnSpPr>
-          <p:cNvPr id="222" name="Straight Arrow Connector 221"/>
-          <p:cNvCxnSpPr>
-            <a:stCxn id="66" idx="3"/>
-            <a:endCxn id="72" idx="1"/>
-          </p:cNvCxnSpPr>
-          <p:nvPr/>
-        </p:nvCxnSpPr>
-        <p:spPr>
-          <a:xfrm>
-            <a:off x="5545001" y="2932702"/>
-            <a:ext cx="537930" cy="12700"/>
-          </a:xfrm>
-          <a:prstGeom prst="straightConnector1">
-            <a:avLst/>
-          </a:prstGeom>
-          <a:ln>
-            <a:solidFill>
-              <a:srgbClr val="000000"/>
-            </a:solidFill>
-            <a:tailEnd type="arrow"/>
-          </a:ln>
-        </p:spPr>
-        <p:style>
-          <a:lnRef idx="2">
-            <a:schemeClr val="accent1"/>
-          </a:lnRef>
-          <a:fillRef idx="0">
-            <a:schemeClr val="accent1"/>
-          </a:fillRef>
-          <a:effectRef idx="1">
-            <a:schemeClr val="accent1"/>
-          </a:effectRef>
-          <a:fontRef idx="minor">
-            <a:schemeClr val="tx1"/>
-          </a:fontRef>
-        </p:style>
-      </p:cxnSp>
-      <p:cxnSp>
-        <p:nvCxnSpPr>
-          <p:cNvPr id="225" name="Straight Arrow Connector 224"/>
-          <p:cNvCxnSpPr>
-            <a:stCxn id="71" idx="0"/>
-            <a:endCxn id="87" idx="5"/>
-          </p:cNvCxnSpPr>
-          <p:nvPr/>
-        </p:nvCxnSpPr>
-        <p:spPr>
-          <a:xfrm flipH="1" flipV="1">
-            <a:off x="5505713" y="1308803"/>
-            <a:ext cx="1279550" cy="859010"/>
-          </a:xfrm>
-          <a:prstGeom prst="straightConnector1">
-            <a:avLst/>
-          </a:prstGeom>
-          <a:ln>
-            <a:solidFill>
-              <a:srgbClr val="000000"/>
-            </a:solidFill>
-            <a:prstDash val="lgDash"/>
-            <a:tailEnd type="arrow"/>
-          </a:ln>
-        </p:spPr>
-        <p:style>
-          <a:lnRef idx="2">
-            <a:schemeClr val="accent1"/>
-          </a:lnRef>
-          <a:fillRef idx="0">
-            <a:schemeClr val="accent1"/>
-          </a:fillRef>
-          <a:effectRef idx="1">
-            <a:schemeClr val="accent1"/>
-          </a:effectRef>
-          <a:fontRef idx="minor">
-            <a:schemeClr val="tx1"/>
-          </a:fontRef>
-        </p:style>
-      </p:cxnSp>
-      <p:cxnSp>
-        <p:nvCxnSpPr>
-          <p:cNvPr id="228" name="Straight Arrow Connector 227"/>
-          <p:cNvCxnSpPr>
-            <a:endCxn id="82" idx="5"/>
-          </p:cNvCxnSpPr>
-          <p:nvPr/>
-        </p:nvCxnSpPr>
-        <p:spPr>
-          <a:xfrm flipH="1" flipV="1">
-            <a:off x="4451613" y="1296103"/>
-            <a:ext cx="33797" cy="859297"/>
-          </a:xfrm>
-          <a:prstGeom prst="straightConnector1">
-            <a:avLst/>
-          </a:prstGeom>
-          <a:ln>
-            <a:solidFill>
-              <a:srgbClr val="000000"/>
-            </a:solidFill>
-            <a:prstDash val="lgDash"/>
-            <a:tailEnd type="arrow"/>
-          </a:ln>
-        </p:spPr>
-        <p:style>
-          <a:lnRef idx="2">
-            <a:schemeClr val="accent1"/>
-          </a:lnRef>
-          <a:fillRef idx="0">
-            <a:schemeClr val="accent1"/>
-          </a:fillRef>
-          <a:effectRef idx="1">
-            <a:schemeClr val="accent1"/>
-          </a:effectRef>
-          <a:fontRef idx="minor">
-            <a:schemeClr val="tx1"/>
-          </a:fontRef>
-        </p:style>
-      </p:cxnSp>
-      <p:cxnSp>
-        <p:nvCxnSpPr>
-          <p:cNvPr id="240" name="Straight Connector 239"/>
-          <p:cNvCxnSpPr/>
-          <p:nvPr/>
-        </p:nvCxnSpPr>
-        <p:spPr>
-          <a:xfrm>
-            <a:off x="3706268" y="669541"/>
-            <a:ext cx="18033" cy="3059640"/>
-          </a:xfrm>
-          <a:prstGeom prst="line">
-            <a:avLst/>
-          </a:prstGeom>
-          <a:ln w="57150" cmpd="sng">
-            <a:solidFill>
-              <a:srgbClr val="000000"/>
-            </a:solidFill>
-          </a:ln>
-        </p:spPr>
-        <p:style>
-          <a:lnRef idx="2">
-            <a:schemeClr val="accent1"/>
-          </a:lnRef>
-          <a:fillRef idx="0">
-            <a:schemeClr val="accent1"/>
-          </a:fillRef>
-          <a:effectRef idx="1">
-            <a:schemeClr val="accent1"/>
-          </a:effectRef>
-          <a:fontRef idx="minor">
-            <a:schemeClr val="tx1"/>
-          </a:fontRef>
-        </p:style>
-      </p:cxnSp>
-      <p:sp>
-        <p:nvSpPr>
-          <p:cNvPr id="251" name="Oval 250"/>
-          <p:cNvSpPr/>
-          <p:nvPr/>
-        </p:nvSpPr>
-        <p:spPr>
-          <a:xfrm flipH="1">
-            <a:off x="2171700" y="-194614800"/>
-            <a:ext cx="196367400" cy="196367400"/>
-          </a:xfrm>
-          <a:prstGeom prst="ellipse">
-            <a:avLst/>
-          </a:prstGeom>
-          <a:solidFill>
-            <a:schemeClr val="bg1"/>
-          </a:solidFill>
-          <a:ln>
-            <a:solidFill>
-              <a:srgbClr val="000000"/>
-            </a:solidFill>
-          </a:ln>
-        </p:spPr>
-        <p:style>
-          <a:lnRef idx="1">
-            <a:schemeClr val="dk1"/>
-          </a:lnRef>
-          <a:fillRef idx="3">
-            <a:schemeClr val="dk1"/>
-          </a:fillRef>
-          <a:effectRef idx="2">
-            <a:schemeClr val="dk1"/>
-          </a:effectRef>
-          <a:fontRef idx="minor">
-            <a:schemeClr val="lt1"/>
-          </a:fontRef>
-        </p:style>
-        <p:txBody>
-          <a:bodyPr rtlCol="0" anchor="b"/>
-          <a:lstStyle/>
-          <a:p>
-            <a:pPr algn="ctr"/>
-            <a:r>
-              <a:rPr lang="en-US" dirty="0">
-                <a:solidFill>
-                  <a:schemeClr val="tx1"/>
-                </a:solidFill>
-                <a:latin typeface="Helvetica"/>
-                <a:cs typeface="Helvetica"/>
-              </a:rPr>
-              <a:t>1</a:t>
-            </a:r>
-          </a:p>
-        </p:txBody>
-      </p:sp>
-      <p:sp>
-        <p:nvSpPr>
-          <p:cNvPr id="252" name="Oval 251"/>
-          <p:cNvSpPr/>
-          <p:nvPr/>
-        </p:nvSpPr>
-        <p:spPr>
-          <a:xfrm>
-            <a:off x="3144333" y="188252"/>
-            <a:ext cx="333544" cy="340248"/>
-          </a:xfrm>
-          <a:prstGeom prst="ellipse">
-            <a:avLst/>
-          </a:prstGeom>
-          <a:solidFill>
-            <a:schemeClr val="bg1"/>
-          </a:solidFill>
-          <a:ln>
-            <a:solidFill>
-              <a:srgbClr val="000000"/>
-            </a:solidFill>
-          </a:ln>
-        </p:spPr>
-        <p:style>
-          <a:lnRef idx="1">
-            <a:schemeClr val="dk1"/>
-          </a:lnRef>
-          <a:fillRef idx="3">
-            <a:schemeClr val="dk1"/>
-          </a:fillRef>
-          <a:effectRef idx="2">
-            <a:schemeClr val="dk1"/>
-          </a:effectRef>
-          <a:fontRef idx="minor">
-            <a:schemeClr val="lt1"/>
-          </a:fontRef>
-        </p:style>
-        <p:txBody>
-          <a:bodyPr rtlCol="0" anchor="ctr"/>
-          <a:lstStyle/>
-          <a:p>
-            <a:pPr algn="dist"/>
-            <a:r>
-              <a:rPr lang="en-US" sz="1200" dirty="0">
-                <a:solidFill>
-                  <a:schemeClr val="tx1"/>
-                </a:solidFill>
-                <a:latin typeface="Helvetica"/>
-                <a:cs typeface="Helvetica"/>
-              </a:rPr>
-              <a:t>1</a:t>
-            </a:r>
-          </a:p>
-        </p:txBody>
-      </p:sp>
-      <p:cxnSp>
-        <p:nvCxnSpPr>
-          <p:cNvPr id="254" name="Straight Connector 253"/>
-          <p:cNvCxnSpPr/>
-          <p:nvPr/>
-        </p:nvCxnSpPr>
-        <p:spPr>
-          <a:xfrm>
-            <a:off x="7018577" y="374570"/>
-            <a:ext cx="346373" cy="0"/>
-          </a:xfrm>
-          <a:prstGeom prst="line">
-            <a:avLst/>
-          </a:prstGeom>
-          <a:ln>
-            <a:solidFill>
-              <a:srgbClr val="000000"/>
-            </a:solidFill>
-            <a:headEnd type="none"/>
-            <a:tailEnd type="arrow"/>
-          </a:ln>
-        </p:spPr>
-        <p:style>
-          <a:lnRef idx="2">
-            <a:schemeClr val="accent1"/>
-          </a:lnRef>
-          <a:fillRef idx="0">
-            <a:schemeClr val="accent1"/>
-          </a:fillRef>
-          <a:effectRef idx="1">
-            <a:schemeClr val="accent1"/>
-          </a:effectRef>
-          <a:fontRef idx="minor">
-            <a:schemeClr val="tx1"/>
-          </a:fontRef>
-        </p:style>
-      </p:cxnSp>
-      <p:cxnSp>
-        <p:nvCxnSpPr>
-          <p:cNvPr id="255" name="Straight Connector 254"/>
-          <p:cNvCxnSpPr/>
-          <p:nvPr/>
-        </p:nvCxnSpPr>
-        <p:spPr>
-          <a:xfrm>
-            <a:off x="9496799" y="373037"/>
-            <a:ext cx="346373" cy="0"/>
-          </a:xfrm>
-          <a:prstGeom prst="line">
-            <a:avLst/>
-          </a:prstGeom>
-          <a:ln>
-            <a:solidFill>
-              <a:srgbClr val="000000"/>
-            </a:solidFill>
-            <a:prstDash val="dash"/>
-            <a:headEnd type="none"/>
-            <a:tailEnd type="arrow"/>
-          </a:ln>
-        </p:spPr>
-        <p:style>
-          <a:lnRef idx="2">
-            <a:schemeClr val="accent1"/>
-          </a:lnRef>
-          <a:fillRef idx="0">
-            <a:schemeClr val="accent1"/>
-          </a:fillRef>
-          <a:effectRef idx="1">
-            <a:schemeClr val="accent1"/>
-          </a:effectRef>
-          <a:fontRef idx="minor">
-            <a:schemeClr val="tx1"/>
-          </a:fontRef>
-        </p:style>
-      </p:cxnSp>
-      <p:sp>
-        <p:nvSpPr>
-          <p:cNvPr id="259" name="Smiley Face 258"/>
-          <p:cNvSpPr/>
-          <p:nvPr/>
-        </p:nvSpPr>
-        <p:spPr>
-          <a:xfrm>
-            <a:off x="4622451" y="207808"/>
-            <a:ext cx="296891" cy="296891"/>
-          </a:xfrm>
-          <a:prstGeom prst="smileyFace">
-            <a:avLst/>
-          </a:prstGeom>
-          <a:solidFill>
-            <a:srgbClr val="FFFFFF"/>
-          </a:solidFill>
-          <a:ln>
-            <a:solidFill>
-              <a:srgbClr val="000000"/>
-            </a:solidFill>
-          </a:ln>
-        </p:spPr>
-        <p:style>
-          <a:lnRef idx="1">
-            <a:schemeClr val="accent1"/>
-          </a:lnRef>
-          <a:fillRef idx="3">
-            <a:schemeClr val="accent1"/>
-          </a:fillRef>
-          <a:effectRef idx="2">
-            <a:schemeClr val="accent1"/>
-          </a:effectRef>
-          <a:fontRef idx="minor">
-            <a:schemeClr val="lt1"/>
-          </a:fontRef>
-        </p:style>
-        <p:txBody>
-          <a:bodyPr rtlCol="0" anchor="ctr"/>
-          <a:lstStyle/>
-          <a:p>
-            <a:pPr algn="ctr"/>
-            <a:endParaRPr lang="en-US" dirty="0"/>
-          </a:p>
-        </p:txBody>
-      </p:sp>
-      <p:cxnSp>
-        <p:nvCxnSpPr>
-          <p:cNvPr id="102" name="Straight Arrow Connector 101"/>
-          <p:cNvCxnSpPr/>
-          <p:nvPr/>
-        </p:nvCxnSpPr>
-        <p:spPr>
-          <a:xfrm flipV="1">
-            <a:off x="750455" y="1311112"/>
-            <a:ext cx="4303" cy="859297"/>
-          </a:xfrm>
-          <a:prstGeom prst="straightConnector1">
-            <a:avLst/>
-          </a:prstGeom>
-          <a:ln>
-            <a:solidFill>
-              <a:srgbClr val="000000"/>
-            </a:solidFill>
-            <a:prstDash val="lgDash"/>
-            <a:tailEnd type="arrow"/>
-          </a:ln>
-        </p:spPr>
-        <p:style>
-          <a:lnRef idx="2">
-            <a:schemeClr val="accent1"/>
-          </a:lnRef>
-          <a:fillRef idx="0">
-            <a:schemeClr val="accent1"/>
-          </a:fillRef>
-          <a:effectRef idx="1">
-            <a:schemeClr val="accent1"/>
-          </a:effectRef>
-          <a:fontRef idx="minor">
-            <a:schemeClr val="tx1"/>
-          </a:fontRef>
-        </p:style>
-      </p:cxnSp>
-      <p:cxnSp>
-        <p:nvCxnSpPr>
-          <p:cNvPr id="103" name="Straight Arrow Connector 102"/>
-          <p:cNvCxnSpPr/>
-          <p:nvPr/>
-        </p:nvCxnSpPr>
-        <p:spPr>
-          <a:xfrm flipV="1">
-            <a:off x="1616364" y="1299567"/>
-            <a:ext cx="4303" cy="859297"/>
-          </a:xfrm>
-          <a:prstGeom prst="straightConnector1">
-            <a:avLst/>
-          </a:prstGeom>
-          <a:ln>
-            <a:solidFill>
-              <a:srgbClr val="000000"/>
-            </a:solidFill>
-            <a:prstDash val="lgDash"/>
-            <a:tailEnd type="arrow"/>
-          </a:ln>
-        </p:spPr>
-        <p:style>
-          <a:lnRef idx="2">
-            <a:schemeClr val="accent1"/>
-          </a:lnRef>
-          <a:fillRef idx="0">
-            <a:schemeClr val="accent1"/>
-          </a:fillRef>
-          <a:effectRef idx="1">
-            <a:schemeClr val="accent1"/>
-          </a:effectRef>
-          <a:fontRef idx="minor">
-            <a:schemeClr val="tx1"/>
-          </a:fontRef>
-        </p:style>
-      </p:cxnSp>
-      <p:cxnSp>
-        <p:nvCxnSpPr>
-          <p:cNvPr id="105" name="Straight Connector 104"/>
-          <p:cNvCxnSpPr/>
-          <p:nvPr/>
-        </p:nvCxnSpPr>
-        <p:spPr>
-          <a:xfrm>
-            <a:off x="8049668" y="671851"/>
-            <a:ext cx="18033" cy="3059640"/>
-          </a:xfrm>
-          <a:prstGeom prst="line">
-            <a:avLst/>
-          </a:prstGeom>
-          <a:ln w="57150" cmpd="sng">
-            <a:solidFill>
-              <a:srgbClr val="000000"/>
-            </a:solidFill>
-          </a:ln>
-        </p:spPr>
-        <p:style>
-          <a:lnRef idx="2">
-            <a:schemeClr val="accent1"/>
-          </a:lnRef>
-          <a:fillRef idx="0">
-            <a:schemeClr val="accent1"/>
-          </a:fillRef>
-          <a:effectRef idx="1">
-            <a:schemeClr val="accent1"/>
-          </a:effectRef>
-          <a:fontRef idx="minor">
-            <a:schemeClr val="tx1"/>
-          </a:fontRef>
-        </p:style>
-      </p:cxnSp>
-    </p:spTree>
-    <p:extLst>
-      <p:ext uri="{BB962C8B-B14F-4D97-AF65-F5344CB8AC3E}">
-        <p14:creationId xmlns:p14="http://schemas.microsoft.com/office/powerpoint/2010/main" val="3335412273"/>
-      </p:ext>
-    </p:extLst>
-  </p:cSld>
-  <p:clrMapOvr>
-    <a:masterClrMapping/>
-  </p:clrMapOvr>
-</p:sld>
-</file>
-
 <file path=ppt/theme/theme1.xml><?xml version="1.0" encoding="utf-8"?>
 <a:theme xmlns:a="http://schemas.openxmlformats.org/drawingml/2006/main" name="Office Theme">
   <a:themeElements>
@@ -48062,7 +49541,7 @@
   <a:extraClrSchemeLst/>
   <a:extLst>
     <a:ext uri="{05A4C25C-085E-4340-85A3-A5531E510DB2}">
-      <thm15:themeFamily xmlns:thm15="http://schemas.microsoft.com/office/thememl/2012/main" xmlns="" name="Office Theme" id="{62F939B6-93AF-4DB8-9C6B-D6C7DFDC589F}" vid="{4A3C46E8-61CC-4603-A589-7422A47A8E4A}"/>
+      <thm15:themeFamily xmlns="" xmlns:thm15="http://schemas.microsoft.com/office/thememl/2012/main" name="Office Theme" id="{62F939B6-93AF-4DB8-9C6B-D6C7DFDC589F}" vid="{4A3C46E8-61CC-4603-A589-7422A47A8E4A}"/>
     </a:ext>
   </a:extLst>
 </a:theme>
@@ -48323,7 +49802,7 @@
   <a:extraClrSchemeLst/>
   <a:extLst>
     <a:ext uri="{05A4C25C-085E-4340-85A3-A5531E510DB2}">
-      <thm15:themeFamily xmlns:thm15="http://schemas.microsoft.com/office/thememl/2012/main" xmlns="" name="Office Theme" id="{62F939B6-93AF-4DB8-9C6B-D6C7DFDC589F}" vid="{4A3C46E8-61CC-4603-A589-7422A47A8E4A}"/>
+      <thm15:themeFamily xmlns="" xmlns:thm15="http://schemas.microsoft.com/office/thememl/2012/main" name="Office Theme" id="{62F939B6-93AF-4DB8-9C6B-D6C7DFDC589F}" vid="{4A3C46E8-61CC-4603-A589-7422A47A8E4A}"/>
     </a:ext>
   </a:extLst>
 </a:theme>
@@ -48584,7 +50063,7 @@
   <a:extraClrSchemeLst/>
   <a:extLst>
     <a:ext uri="{05A4C25C-085E-4340-85A3-A5531E510DB2}">
-      <thm15:themeFamily xmlns:thm15="http://schemas.microsoft.com/office/thememl/2012/main" xmlns="" name="Office Theme" id="{62F939B6-93AF-4DB8-9C6B-D6C7DFDC589F}" vid="{4A3C46E8-61CC-4603-A589-7422A47A8E4A}"/>
+      <thm15:themeFamily xmlns="" xmlns:thm15="http://schemas.microsoft.com/office/thememl/2012/main" name="Office Theme" id="{62F939B6-93AF-4DB8-9C6B-D6C7DFDC589F}" vid="{4A3C46E8-61CC-4603-A589-7422A47A8E4A}"/>
     </a:ext>
   </a:extLst>
 </a:theme>
@@ -48845,7 +50324,7 @@
   <a:extraClrSchemeLst/>
   <a:extLst>
     <a:ext uri="{05A4C25C-085E-4340-85A3-A5531E510DB2}">
-      <thm15:themeFamily xmlns:thm15="http://schemas.microsoft.com/office/thememl/2012/main" xmlns="" name="Office Theme" id="{62F939B6-93AF-4DB8-9C6B-D6C7DFDC589F}" vid="{4A3C46E8-61CC-4603-A589-7422A47A8E4A}"/>
+      <thm15:themeFamily xmlns="" xmlns:thm15="http://schemas.microsoft.com/office/thememl/2012/main" name="Office Theme" id="{62F939B6-93AF-4DB8-9C6B-D6C7DFDC589F}" vid="{4A3C46E8-61CC-4603-A589-7422A47A8E4A}"/>
     </a:ext>
   </a:extLst>
 </a:theme>
@@ -49106,7 +50585,7 @@
   <a:extraClrSchemeLst/>
   <a:extLst>
     <a:ext uri="{05A4C25C-085E-4340-85A3-A5531E510DB2}">
-      <thm15:themeFamily xmlns:thm15="http://schemas.microsoft.com/office/thememl/2012/main" xmlns="" name="Office Theme" id="{62F939B6-93AF-4DB8-9C6B-D6C7DFDC589F}" vid="{4A3C46E8-61CC-4603-A589-7422A47A8E4A}"/>
+      <thm15:themeFamily xmlns="" xmlns:thm15="http://schemas.microsoft.com/office/thememl/2012/main" name="Office Theme" id="{62F939B6-93AF-4DB8-9C6B-D6C7DFDC589F}" vid="{4A3C46E8-61CC-4603-A589-7422A47A8E4A}"/>
     </a:ext>
   </a:extLst>
 </a:theme>
